--- a/intro/lecture.pptx
+++ b/intro/lecture.pptx
@@ -7,6 +7,10 @@
   <p:sldIdLst>
     <p:sldId id="256" r:id="rId2"/>
     <p:sldId id="257" r:id="rId3"/>
+    <p:sldId id="258" r:id="rId4"/>
+    <p:sldId id="259" r:id="rId5"/>
+    <p:sldId id="260" r:id="rId6"/>
+    <p:sldId id="261" r:id="rId7"/>
   </p:sldIdLst>
   <p:sldSz cx="12192000" cy="6858000"/>
   <p:notesSz cx="6858000" cy="9144000"/>
@@ -105,6 +109,11 @@
       </a:defRPr>
     </a:lvl9pPr>
   </p:defaultTextStyle>
+  <p:extLst>
+    <p:ext uri="{EFAFB233-063F-42B5-8137-9DF3F51BA10A}">
+      <p15:sldGuideLst xmlns:p15="http://schemas.microsoft.com/office/powerpoint/2012/main"/>
+    </p:ext>
+  </p:extLst>
 </p:presentation>
 </file>
 
@@ -158,7 +167,7 @@
           <a:noFill/>
           <a:extLst>
             <a:ext uri="{909E8E84-426E-40dd-AFC4-6F175D3DCCD1}">
-              <a14:hiddenFill xmlns:a14="http://schemas.microsoft.com/office/drawing/2010/main" xmlns="">
+              <a14:hiddenFill xmlns="" xmlns:a14="http://schemas.microsoft.com/office/drawing/2010/main">
                 <a:solidFill>
                   <a:srgbClr val="FFFFFF"/>
                 </a:solidFill>
@@ -218,7 +227,7 @@
             </a:ln>
             <a:extLst>
               <a:ext uri="{91240B29-F687-4f45-9708-019B960494DF}">
-                <a14:hiddenLine xmlns:a14="http://schemas.microsoft.com/office/drawing/2010/main" xmlns="" w="9525">
+                <a14:hiddenLine xmlns="" xmlns:a14="http://schemas.microsoft.com/office/drawing/2010/main" w="9525">
                   <a:solidFill>
                     <a:srgbClr val="000000"/>
                   </a:solidFill>
@@ -308,7 +317,7 @@
             </a:ln>
             <a:extLst>
               <a:ext uri="{91240B29-F687-4f45-9708-019B960494DF}">
-                <a14:hiddenLine xmlns:a14="http://schemas.microsoft.com/office/drawing/2010/main" xmlns="" w="9525">
+                <a14:hiddenLine xmlns="" xmlns:a14="http://schemas.microsoft.com/office/drawing/2010/main" w="9525">
                   <a:solidFill>
                     <a:srgbClr val="000000"/>
                   </a:solidFill>
@@ -398,7 +407,7 @@
             </a:ln>
             <a:extLst>
               <a:ext uri="{91240B29-F687-4f45-9708-019B960494DF}">
-                <a14:hiddenLine xmlns:a14="http://schemas.microsoft.com/office/drawing/2010/main" xmlns="" w="9525">
+                <a14:hiddenLine xmlns="" xmlns:a14="http://schemas.microsoft.com/office/drawing/2010/main" w="9525">
                   <a:solidFill>
                     <a:srgbClr val="000000"/>
                   </a:solidFill>
@@ -432,7 +441,7 @@
             </a:ln>
             <a:extLst>
               <a:ext uri="{91240B29-F687-4f45-9708-019B960494DF}">
-                <a14:hiddenLine xmlns:a14="http://schemas.microsoft.com/office/drawing/2010/main" xmlns="" w="9525">
+                <a14:hiddenLine xmlns="" xmlns:a14="http://schemas.microsoft.com/office/drawing/2010/main" w="9525">
                   <a:solidFill>
                     <a:srgbClr val="000000"/>
                   </a:solidFill>
@@ -522,7 +531,7 @@
             </a:ln>
             <a:extLst>
               <a:ext uri="{91240B29-F687-4f45-9708-019B960494DF}">
-                <a14:hiddenLine xmlns:a14="http://schemas.microsoft.com/office/drawing/2010/main" xmlns="" w="9525">
+                <a14:hiddenLine xmlns="" xmlns:a14="http://schemas.microsoft.com/office/drawing/2010/main" w="9525">
                   <a:solidFill>
                     <a:srgbClr val="000000"/>
                   </a:solidFill>
@@ -584,7 +593,7 @@
             </a:ln>
             <a:extLst>
               <a:ext uri="{91240B29-F687-4f45-9708-019B960494DF}">
-                <a14:hiddenLine xmlns:a14="http://schemas.microsoft.com/office/drawing/2010/main" xmlns="" w="9525">
+                <a14:hiddenLine xmlns="" xmlns:a14="http://schemas.microsoft.com/office/drawing/2010/main" w="9525">
                   <a:solidFill>
                     <a:srgbClr val="000000"/>
                   </a:solidFill>
@@ -646,7 +655,7 @@
             </a:ln>
             <a:extLst>
               <a:ext uri="{91240B29-F687-4f45-9708-019B960494DF}">
-                <a14:hiddenLine xmlns:a14="http://schemas.microsoft.com/office/drawing/2010/main" xmlns="" w="9525">
+                <a14:hiddenLine xmlns="" xmlns:a14="http://schemas.microsoft.com/office/drawing/2010/main" w="9525">
                   <a:solidFill>
                     <a:srgbClr val="000000"/>
                   </a:solidFill>
@@ -736,7 +745,7 @@
             </a:ln>
             <a:extLst>
               <a:ext uri="{91240B29-F687-4f45-9708-019B960494DF}">
-                <a14:hiddenLine xmlns:a14="http://schemas.microsoft.com/office/drawing/2010/main" xmlns="" w="9525">
+                <a14:hiddenLine xmlns="" xmlns:a14="http://schemas.microsoft.com/office/drawing/2010/main" w="9525">
                   <a:solidFill>
                     <a:srgbClr val="000000"/>
                   </a:solidFill>
@@ -798,7 +807,7 @@
             </a:ln>
             <a:extLst>
               <a:ext uri="{91240B29-F687-4f45-9708-019B960494DF}">
-                <a14:hiddenLine xmlns:a14="http://schemas.microsoft.com/office/drawing/2010/main" xmlns="" w="9525">
+                <a14:hiddenLine xmlns="" xmlns:a14="http://schemas.microsoft.com/office/drawing/2010/main" w="9525">
                   <a:solidFill>
                     <a:srgbClr val="000000"/>
                   </a:solidFill>
@@ -860,7 +869,7 @@
             </a:ln>
             <a:extLst>
               <a:ext uri="{91240B29-F687-4f45-9708-019B960494DF}">
-                <a14:hiddenLine xmlns:a14="http://schemas.microsoft.com/office/drawing/2010/main" xmlns="" w="9525">
+                <a14:hiddenLine xmlns="" xmlns:a14="http://schemas.microsoft.com/office/drawing/2010/main" w="9525">
                   <a:solidFill>
                     <a:srgbClr val="000000"/>
                   </a:solidFill>
@@ -950,7 +959,7 @@
             </a:ln>
             <a:extLst>
               <a:ext uri="{91240B29-F687-4f45-9708-019B960494DF}">
-                <a14:hiddenLine xmlns:a14="http://schemas.microsoft.com/office/drawing/2010/main" xmlns="" w="9525">
+                <a14:hiddenLine xmlns="" xmlns:a14="http://schemas.microsoft.com/office/drawing/2010/main" w="9525">
                   <a:solidFill>
                     <a:srgbClr val="000000"/>
                   </a:solidFill>
@@ -1040,7 +1049,7 @@
             </a:ln>
             <a:extLst>
               <a:ext uri="{91240B29-F687-4f45-9708-019B960494DF}">
-                <a14:hiddenLine xmlns:a14="http://schemas.microsoft.com/office/drawing/2010/main" xmlns="" w="9525">
+                <a14:hiddenLine xmlns="" xmlns:a14="http://schemas.microsoft.com/office/drawing/2010/main" w="9525">
                   <a:solidFill>
                     <a:srgbClr val="000000"/>
                   </a:solidFill>
@@ -1102,7 +1111,7 @@
             </a:ln>
             <a:extLst>
               <a:ext uri="{91240B29-F687-4f45-9708-019B960494DF}">
-                <a14:hiddenLine xmlns:a14="http://schemas.microsoft.com/office/drawing/2010/main" xmlns="" w="9525">
+                <a14:hiddenLine xmlns="" xmlns:a14="http://schemas.microsoft.com/office/drawing/2010/main" w="9525">
                   <a:solidFill>
                     <a:srgbClr val="000000"/>
                   </a:solidFill>
@@ -1212,7 +1221,7 @@
             </a:ln>
             <a:extLst>
               <a:ext uri="{91240B29-F687-4f45-9708-019B960494DF}">
-                <a14:hiddenLine xmlns:a14="http://schemas.microsoft.com/office/drawing/2010/main" xmlns="" w="9525">
+                <a14:hiddenLine xmlns="" xmlns:a14="http://schemas.microsoft.com/office/drawing/2010/main" w="9525">
                   <a:solidFill>
                     <a:srgbClr val="000000"/>
                   </a:solidFill>
@@ -1274,7 +1283,7 @@
             </a:ln>
             <a:extLst>
               <a:ext uri="{91240B29-F687-4f45-9708-019B960494DF}">
-                <a14:hiddenLine xmlns:a14="http://schemas.microsoft.com/office/drawing/2010/main" xmlns="" w="9525">
+                <a14:hiddenLine xmlns="" xmlns:a14="http://schemas.microsoft.com/office/drawing/2010/main" w="9525">
                   <a:solidFill>
                     <a:srgbClr val="000000"/>
                   </a:solidFill>
@@ -1364,7 +1373,7 @@
             </a:ln>
             <a:extLst>
               <a:ext uri="{91240B29-F687-4f45-9708-019B960494DF}">
-                <a14:hiddenLine xmlns:a14="http://schemas.microsoft.com/office/drawing/2010/main" xmlns="" w="9525">
+                <a14:hiddenLine xmlns="" xmlns:a14="http://schemas.microsoft.com/office/drawing/2010/main" w="9525">
                   <a:solidFill>
                     <a:srgbClr val="000000"/>
                   </a:solidFill>
@@ -1454,7 +1463,7 @@
             </a:ln>
             <a:extLst>
               <a:ext uri="{91240B29-F687-4f45-9708-019B960494DF}">
-                <a14:hiddenLine xmlns:a14="http://schemas.microsoft.com/office/drawing/2010/main" xmlns="" w="9525">
+                <a14:hiddenLine xmlns="" xmlns:a14="http://schemas.microsoft.com/office/drawing/2010/main" w="9525">
                   <a:solidFill>
                     <a:srgbClr val="000000"/>
                   </a:solidFill>
@@ -1516,7 +1525,7 @@
             </a:ln>
             <a:extLst>
               <a:ext uri="{91240B29-F687-4f45-9708-019B960494DF}">
-                <a14:hiddenLine xmlns:a14="http://schemas.microsoft.com/office/drawing/2010/main" xmlns="" w="9525">
+                <a14:hiddenLine xmlns="" xmlns:a14="http://schemas.microsoft.com/office/drawing/2010/main" w="9525">
                   <a:solidFill>
                     <a:srgbClr val="000000"/>
                   </a:solidFill>
@@ -1606,7 +1615,7 @@
             </a:ln>
             <a:extLst>
               <a:ext uri="{91240B29-F687-4f45-9708-019B960494DF}">
-                <a14:hiddenLine xmlns:a14="http://schemas.microsoft.com/office/drawing/2010/main" xmlns="" w="9525">
+                <a14:hiddenLine xmlns="" xmlns:a14="http://schemas.microsoft.com/office/drawing/2010/main" w="9525">
                   <a:solidFill>
                     <a:srgbClr val="000000"/>
                   </a:solidFill>
@@ -1696,7 +1705,7 @@
             </a:ln>
             <a:extLst>
               <a:ext uri="{91240B29-F687-4f45-9708-019B960494DF}">
-                <a14:hiddenLine xmlns:a14="http://schemas.microsoft.com/office/drawing/2010/main" xmlns="" w="9525">
+                <a14:hiddenLine xmlns="" xmlns:a14="http://schemas.microsoft.com/office/drawing/2010/main" w="9525">
                   <a:solidFill>
                     <a:srgbClr val="000000"/>
                   </a:solidFill>
@@ -1752,7 +1761,7 @@
             </a:ln>
             <a:extLst>
               <a:ext uri="{91240B29-F687-4f45-9708-019B960494DF}">
-                <a14:hiddenLine xmlns:a14="http://schemas.microsoft.com/office/drawing/2010/main" xmlns="" w="9525">
+                <a14:hiddenLine xmlns="" xmlns:a14="http://schemas.microsoft.com/office/drawing/2010/main" w="9525">
                   <a:solidFill>
                     <a:srgbClr val="000000"/>
                   </a:solidFill>
@@ -1842,7 +1851,7 @@
             </a:ln>
             <a:extLst>
               <a:ext uri="{91240B29-F687-4f45-9708-019B960494DF}">
-                <a14:hiddenLine xmlns:a14="http://schemas.microsoft.com/office/drawing/2010/main" xmlns="" w="9525">
+                <a14:hiddenLine xmlns="" xmlns:a14="http://schemas.microsoft.com/office/drawing/2010/main" w="9525">
                   <a:solidFill>
                     <a:srgbClr val="000000"/>
                   </a:solidFill>
@@ -1898,7 +1907,7 @@
             </a:ln>
             <a:extLst>
               <a:ext uri="{91240B29-F687-4f45-9708-019B960494DF}">
-                <a14:hiddenLine xmlns:a14="http://schemas.microsoft.com/office/drawing/2010/main" xmlns="" w="9525">
+                <a14:hiddenLine xmlns="" xmlns:a14="http://schemas.microsoft.com/office/drawing/2010/main" w="9525">
                   <a:solidFill>
                     <a:srgbClr val="000000"/>
                   </a:solidFill>
@@ -1988,7 +1997,7 @@
             </a:ln>
             <a:extLst>
               <a:ext uri="{91240B29-F687-4f45-9708-019B960494DF}">
-                <a14:hiddenLine xmlns:a14="http://schemas.microsoft.com/office/drawing/2010/main" xmlns="" w="9525">
+                <a14:hiddenLine xmlns="" xmlns:a14="http://schemas.microsoft.com/office/drawing/2010/main" w="9525">
                   <a:solidFill>
                     <a:srgbClr val="000000"/>
                   </a:solidFill>
@@ -2056,7 +2065,7 @@
             </a:ln>
             <a:extLst>
               <a:ext uri="{91240B29-F687-4f45-9708-019B960494DF}">
-                <a14:hiddenLine xmlns:a14="http://schemas.microsoft.com/office/drawing/2010/main" xmlns="" w="9525">
+                <a14:hiddenLine xmlns="" xmlns:a14="http://schemas.microsoft.com/office/drawing/2010/main" w="9525">
                   <a:solidFill>
                     <a:srgbClr val="000000"/>
                   </a:solidFill>
@@ -2146,7 +2155,7 @@
             </a:ln>
             <a:extLst>
               <a:ext uri="{91240B29-F687-4f45-9708-019B960494DF}">
-                <a14:hiddenLine xmlns:a14="http://schemas.microsoft.com/office/drawing/2010/main" xmlns="" w="9525">
+                <a14:hiddenLine xmlns="" xmlns:a14="http://schemas.microsoft.com/office/drawing/2010/main" w="9525">
                   <a:solidFill>
                     <a:srgbClr val="000000"/>
                   </a:solidFill>
@@ -2214,7 +2223,7 @@
             </a:ln>
             <a:extLst>
               <a:ext uri="{91240B29-F687-4f45-9708-019B960494DF}">
-                <a14:hiddenLine xmlns:a14="http://schemas.microsoft.com/office/drawing/2010/main" xmlns="" w="9525">
+                <a14:hiddenLine xmlns="" xmlns:a14="http://schemas.microsoft.com/office/drawing/2010/main" w="9525">
                   <a:solidFill>
                     <a:srgbClr val="000000"/>
                   </a:solidFill>
@@ -2304,7 +2313,7 @@
             </a:ln>
             <a:extLst>
               <a:ext uri="{91240B29-F687-4f45-9708-019B960494DF}">
-                <a14:hiddenLine xmlns:a14="http://schemas.microsoft.com/office/drawing/2010/main" xmlns="" w="9525">
+                <a14:hiddenLine xmlns="" xmlns:a14="http://schemas.microsoft.com/office/drawing/2010/main" w="9525">
                   <a:solidFill>
                     <a:srgbClr val="000000"/>
                   </a:solidFill>
@@ -2338,7 +2347,7 @@
             </a:ln>
             <a:extLst>
               <a:ext uri="{91240B29-F687-4f45-9708-019B960494DF}">
-                <a14:hiddenLine xmlns:a14="http://schemas.microsoft.com/office/drawing/2010/main" xmlns="" w="9525">
+                <a14:hiddenLine xmlns="" xmlns:a14="http://schemas.microsoft.com/office/drawing/2010/main" w="9525">
                   <a:solidFill>
                     <a:srgbClr val="000000"/>
                   </a:solidFill>
@@ -2428,7 +2437,7 @@
             </a:ln>
             <a:extLst>
               <a:ext uri="{91240B29-F687-4f45-9708-019B960494DF}">
-                <a14:hiddenLine xmlns:a14="http://schemas.microsoft.com/office/drawing/2010/main" xmlns="" w="9525">
+                <a14:hiddenLine xmlns="" xmlns:a14="http://schemas.microsoft.com/office/drawing/2010/main" w="9525">
                   <a:solidFill>
                     <a:srgbClr val="000000"/>
                   </a:solidFill>
@@ -2490,7 +2499,7 @@
             </a:ln>
             <a:extLst>
               <a:ext uri="{91240B29-F687-4f45-9708-019B960494DF}">
-                <a14:hiddenLine xmlns:a14="http://schemas.microsoft.com/office/drawing/2010/main" xmlns="" w="9525">
+                <a14:hiddenLine xmlns="" xmlns:a14="http://schemas.microsoft.com/office/drawing/2010/main" w="9525">
                   <a:solidFill>
                     <a:srgbClr val="000000"/>
                   </a:solidFill>
@@ -2552,7 +2561,7 @@
             </a:ln>
             <a:extLst>
               <a:ext uri="{91240B29-F687-4f45-9708-019B960494DF}">
-                <a14:hiddenLine xmlns:a14="http://schemas.microsoft.com/office/drawing/2010/main" xmlns="" w="9525">
+                <a14:hiddenLine xmlns="" xmlns:a14="http://schemas.microsoft.com/office/drawing/2010/main" w="9525">
                   <a:solidFill>
                     <a:srgbClr val="000000"/>
                   </a:solidFill>
@@ -2642,7 +2651,7 @@
             </a:ln>
             <a:extLst>
               <a:ext uri="{91240B29-F687-4f45-9708-019B960494DF}">
-                <a14:hiddenLine xmlns:a14="http://schemas.microsoft.com/office/drawing/2010/main" xmlns="" w="9525">
+                <a14:hiddenLine xmlns="" xmlns:a14="http://schemas.microsoft.com/office/drawing/2010/main" w="9525">
                   <a:solidFill>
                     <a:srgbClr val="000000"/>
                   </a:solidFill>
@@ -2710,7 +2719,7 @@
             </a:ln>
             <a:extLst>
               <a:ext uri="{91240B29-F687-4f45-9708-019B960494DF}">
-                <a14:hiddenLine xmlns:a14="http://schemas.microsoft.com/office/drawing/2010/main" xmlns="" w="9525">
+                <a14:hiddenLine xmlns="" xmlns:a14="http://schemas.microsoft.com/office/drawing/2010/main" w="9525">
                   <a:solidFill>
                     <a:srgbClr val="000000"/>
                   </a:solidFill>
@@ -2772,7 +2781,7 @@
             </a:ln>
             <a:extLst>
               <a:ext uri="{91240B29-F687-4f45-9708-019B960494DF}">
-                <a14:hiddenLine xmlns:a14="http://schemas.microsoft.com/office/drawing/2010/main" xmlns="" w="9525">
+                <a14:hiddenLine xmlns="" xmlns:a14="http://schemas.microsoft.com/office/drawing/2010/main" w="9525">
                   <a:solidFill>
                     <a:srgbClr val="000000"/>
                   </a:solidFill>
@@ -2862,7 +2871,7 @@
             </a:ln>
             <a:extLst>
               <a:ext uri="{91240B29-F687-4f45-9708-019B960494DF}">
-                <a14:hiddenLine xmlns:a14="http://schemas.microsoft.com/office/drawing/2010/main" xmlns="" w="9525">
+                <a14:hiddenLine xmlns="" xmlns:a14="http://schemas.microsoft.com/office/drawing/2010/main" w="9525">
                   <a:solidFill>
                     <a:srgbClr val="000000"/>
                   </a:solidFill>
@@ -2924,7 +2933,7 @@
             </a:ln>
             <a:extLst>
               <a:ext uri="{91240B29-F687-4f45-9708-019B960494DF}">
-                <a14:hiddenLine xmlns:a14="http://schemas.microsoft.com/office/drawing/2010/main" xmlns="" w="9525">
+                <a14:hiddenLine xmlns="" xmlns:a14="http://schemas.microsoft.com/office/drawing/2010/main" w="9525">
                   <a:solidFill>
                     <a:srgbClr val="000000"/>
                   </a:solidFill>
@@ -3014,7 +3023,7 @@
             </a:ln>
             <a:extLst>
               <a:ext uri="{91240B29-F687-4f45-9708-019B960494DF}">
-                <a14:hiddenLine xmlns:a14="http://schemas.microsoft.com/office/drawing/2010/main" xmlns="" w="9525">
+                <a14:hiddenLine xmlns="" xmlns:a14="http://schemas.microsoft.com/office/drawing/2010/main" w="9525">
                   <a:solidFill>
                     <a:srgbClr val="000000"/>
                   </a:solidFill>
@@ -3076,7 +3085,7 @@
             </a:ln>
             <a:extLst>
               <a:ext uri="{91240B29-F687-4f45-9708-019B960494DF}">
-                <a14:hiddenLine xmlns:a14="http://schemas.microsoft.com/office/drawing/2010/main" xmlns="" w="9525">
+                <a14:hiddenLine xmlns="" xmlns:a14="http://schemas.microsoft.com/office/drawing/2010/main" w="9525">
                   <a:solidFill>
                     <a:srgbClr val="000000"/>
                   </a:solidFill>
@@ -3166,7 +3175,7 @@
             </a:ln>
             <a:extLst>
               <a:ext uri="{91240B29-F687-4f45-9708-019B960494DF}">
-                <a14:hiddenLine xmlns:a14="http://schemas.microsoft.com/office/drawing/2010/main" xmlns="" w="9525">
+                <a14:hiddenLine xmlns="" xmlns:a14="http://schemas.microsoft.com/office/drawing/2010/main" w="9525">
                   <a:solidFill>
                     <a:srgbClr val="000000"/>
                   </a:solidFill>
@@ -3200,7 +3209,7 @@
             </a:ln>
             <a:extLst>
               <a:ext uri="{91240B29-F687-4f45-9708-019B960494DF}">
-                <a14:hiddenLine xmlns:a14="http://schemas.microsoft.com/office/drawing/2010/main" xmlns="" w="9525">
+                <a14:hiddenLine xmlns="" xmlns:a14="http://schemas.microsoft.com/office/drawing/2010/main" w="9525">
                   <a:solidFill>
                     <a:srgbClr val="000000"/>
                   </a:solidFill>
@@ -3265,7 +3274,7 @@
             </a:ln>
             <a:extLst>
               <a:ext uri="{91240B29-F687-4f45-9708-019B960494DF}">
-                <a14:hiddenLine xmlns:a14="http://schemas.microsoft.com/office/drawing/2010/main" xmlns="" w="9525">
+                <a14:hiddenLine xmlns="" xmlns:a14="http://schemas.microsoft.com/office/drawing/2010/main" w="9525">
                   <a:solidFill>
                     <a:srgbClr val="000000"/>
                   </a:solidFill>
@@ -3355,7 +3364,7 @@
             </a:ln>
             <a:extLst>
               <a:ext uri="{91240B29-F687-4f45-9708-019B960494DF}">
-                <a14:hiddenLine xmlns:a14="http://schemas.microsoft.com/office/drawing/2010/main" xmlns="" w="9525">
+                <a14:hiddenLine xmlns="" xmlns:a14="http://schemas.microsoft.com/office/drawing/2010/main" w="9525">
                   <a:solidFill>
                     <a:srgbClr val="000000"/>
                   </a:solidFill>
@@ -3417,7 +3426,7 @@
             </a:ln>
             <a:extLst>
               <a:ext uri="{91240B29-F687-4f45-9708-019B960494DF}">
-                <a14:hiddenLine xmlns:a14="http://schemas.microsoft.com/office/drawing/2010/main" xmlns="" w="9525">
+                <a14:hiddenLine xmlns="" xmlns:a14="http://schemas.microsoft.com/office/drawing/2010/main" w="9525">
                   <a:solidFill>
                     <a:srgbClr val="000000"/>
                   </a:solidFill>
@@ -3507,7 +3516,7 @@
             </a:ln>
             <a:extLst>
               <a:ext uri="{91240B29-F687-4f45-9708-019B960494DF}">
-                <a14:hiddenLine xmlns:a14="http://schemas.microsoft.com/office/drawing/2010/main" xmlns="" w="9525">
+                <a14:hiddenLine xmlns="" xmlns:a14="http://schemas.microsoft.com/office/drawing/2010/main" w="9525">
                   <a:solidFill>
                     <a:srgbClr val="000000"/>
                   </a:solidFill>
@@ -3597,7 +3606,7 @@
             </a:ln>
             <a:extLst>
               <a:ext uri="{91240B29-F687-4f45-9708-019B960494DF}">
-                <a14:hiddenLine xmlns:a14="http://schemas.microsoft.com/office/drawing/2010/main" xmlns="" w="9525">
+                <a14:hiddenLine xmlns="" xmlns:a14="http://schemas.microsoft.com/office/drawing/2010/main" w="9525">
                   <a:solidFill>
                     <a:srgbClr val="000000"/>
                   </a:solidFill>
@@ -3662,7 +3671,7 @@
             </a:ln>
             <a:extLst>
               <a:ext uri="{91240B29-F687-4f45-9708-019B960494DF}">
-                <a14:hiddenLine xmlns:a14="http://schemas.microsoft.com/office/drawing/2010/main" xmlns="" w="9525">
+                <a14:hiddenLine xmlns="" xmlns:a14="http://schemas.microsoft.com/office/drawing/2010/main" w="9525">
                   <a:solidFill>
                     <a:srgbClr val="000000"/>
                   </a:solidFill>
@@ -3724,7 +3733,7 @@
             </a:ln>
             <a:extLst>
               <a:ext uri="{91240B29-F687-4f45-9708-019B960494DF}">
-                <a14:hiddenLine xmlns:a14="http://schemas.microsoft.com/office/drawing/2010/main" xmlns="" w="9525">
+                <a14:hiddenLine xmlns="" xmlns:a14="http://schemas.microsoft.com/office/drawing/2010/main" w="9525">
                   <a:solidFill>
                     <a:srgbClr val="000000"/>
                   </a:solidFill>
@@ -3814,7 +3823,7 @@
             </a:ln>
             <a:extLst>
               <a:ext uri="{91240B29-F687-4f45-9708-019B960494DF}">
-                <a14:hiddenLine xmlns:a14="http://schemas.microsoft.com/office/drawing/2010/main" xmlns="" w="9525">
+                <a14:hiddenLine xmlns="" xmlns:a14="http://schemas.microsoft.com/office/drawing/2010/main" w="9525">
                   <a:solidFill>
                     <a:srgbClr val="000000"/>
                   </a:solidFill>
@@ -3904,7 +3913,7 @@
             </a:ln>
             <a:extLst>
               <a:ext uri="{91240B29-F687-4f45-9708-019B960494DF}">
-                <a14:hiddenLine xmlns:a14="http://schemas.microsoft.com/office/drawing/2010/main" xmlns="" w="9525">
+                <a14:hiddenLine xmlns="" xmlns:a14="http://schemas.microsoft.com/office/drawing/2010/main" w="9525">
                   <a:solidFill>
                     <a:srgbClr val="000000"/>
                   </a:solidFill>
@@ -3966,7 +3975,7 @@
             </a:ln>
             <a:extLst>
               <a:ext uri="{91240B29-F687-4f45-9708-019B960494DF}">
-                <a14:hiddenLine xmlns:a14="http://schemas.microsoft.com/office/drawing/2010/main" xmlns="" w="9525">
+                <a14:hiddenLine xmlns="" xmlns:a14="http://schemas.microsoft.com/office/drawing/2010/main" w="9525">
                   <a:solidFill>
                     <a:srgbClr val="000000"/>
                   </a:solidFill>
@@ -4086,7 +4095,7 @@
             </a:ln>
             <a:extLst>
               <a:ext uri="{91240B29-F687-4f45-9708-019B960494DF}">
-                <a14:hiddenLine xmlns:a14="http://schemas.microsoft.com/office/drawing/2010/main" xmlns="" w="9525">
+                <a14:hiddenLine xmlns="" xmlns:a14="http://schemas.microsoft.com/office/drawing/2010/main" w="9525">
                   <a:solidFill>
                     <a:srgbClr val="000000"/>
                   </a:solidFill>
@@ -4154,7 +4163,7 @@
             </a:ln>
             <a:extLst>
               <a:ext uri="{91240B29-F687-4f45-9708-019B960494DF}">
-                <a14:hiddenLine xmlns:a14="http://schemas.microsoft.com/office/drawing/2010/main" xmlns="" w="9525">
+                <a14:hiddenLine xmlns="" xmlns:a14="http://schemas.microsoft.com/office/drawing/2010/main" w="9525">
                   <a:solidFill>
                     <a:srgbClr val="000000"/>
                   </a:solidFill>
@@ -4244,7 +4253,7 @@
             </a:ln>
             <a:extLst>
               <a:ext uri="{91240B29-F687-4f45-9708-019B960494DF}">
-                <a14:hiddenLine xmlns:a14="http://schemas.microsoft.com/office/drawing/2010/main" xmlns="" w="9525">
+                <a14:hiddenLine xmlns="" xmlns:a14="http://schemas.microsoft.com/office/drawing/2010/main" w="9525">
                   <a:solidFill>
                     <a:srgbClr val="000000"/>
                   </a:solidFill>
@@ -9051,7 +9060,7 @@
           <a:noFill/>
           <a:extLst>
             <a:ext uri="{909E8E84-426E-40dd-AFC4-6F175D3DCCD1}">
-              <a14:hiddenFill xmlns:a14="http://schemas.microsoft.com/office/drawing/2010/main" xmlns="">
+              <a14:hiddenFill xmlns="" xmlns:a14="http://schemas.microsoft.com/office/drawing/2010/main">
                 <a:solidFill>
                   <a:srgbClr val="FFFFFF"/>
                 </a:solidFill>
@@ -9125,7 +9134,7 @@
               </a:ln>
               <a:extLst>
                 <a:ext uri="{91240B29-F687-4f45-9708-019B960494DF}">
-                  <a14:hiddenLine xmlns:a14="http://schemas.microsoft.com/office/drawing/2010/main" xmlns="" w="9525">
+                  <a14:hiddenLine xmlns="" xmlns:a14="http://schemas.microsoft.com/office/drawing/2010/main" w="9525">
                     <a:solidFill>
                       <a:srgbClr val="000000"/>
                     </a:solidFill>
@@ -9215,7 +9224,7 @@
               </a:ln>
               <a:extLst>
                 <a:ext uri="{91240B29-F687-4f45-9708-019B960494DF}">
-                  <a14:hiddenLine xmlns:a14="http://schemas.microsoft.com/office/drawing/2010/main" xmlns="" w="9525">
+                  <a14:hiddenLine xmlns="" xmlns:a14="http://schemas.microsoft.com/office/drawing/2010/main" w="9525">
                     <a:solidFill>
                       <a:srgbClr val="000000"/>
                     </a:solidFill>
@@ -9305,7 +9314,7 @@
               </a:ln>
               <a:extLst>
                 <a:ext uri="{91240B29-F687-4f45-9708-019B960494DF}">
-                  <a14:hiddenLine xmlns:a14="http://schemas.microsoft.com/office/drawing/2010/main" xmlns="" w="9525">
+                  <a14:hiddenLine xmlns="" xmlns:a14="http://schemas.microsoft.com/office/drawing/2010/main" w="9525">
                     <a:solidFill>
                       <a:srgbClr val="000000"/>
                     </a:solidFill>
@@ -9367,7 +9376,7 @@
               </a:ln>
               <a:extLst>
                 <a:ext uri="{91240B29-F687-4f45-9708-019B960494DF}">
-                  <a14:hiddenLine xmlns:a14="http://schemas.microsoft.com/office/drawing/2010/main" xmlns="" w="9525">
+                  <a14:hiddenLine xmlns="" xmlns:a14="http://schemas.microsoft.com/office/drawing/2010/main" w="9525">
                     <a:solidFill>
                       <a:srgbClr val="000000"/>
                     </a:solidFill>
@@ -9457,7 +9466,7 @@
               </a:ln>
               <a:extLst>
                 <a:ext uri="{91240B29-F687-4f45-9708-019B960494DF}">
-                  <a14:hiddenLine xmlns:a14="http://schemas.microsoft.com/office/drawing/2010/main" xmlns="" w="9525">
+                  <a14:hiddenLine xmlns="" xmlns:a14="http://schemas.microsoft.com/office/drawing/2010/main" w="9525">
                     <a:solidFill>
                       <a:srgbClr val="000000"/>
                     </a:solidFill>
@@ -9519,7 +9528,7 @@
               </a:ln>
               <a:extLst>
                 <a:ext uri="{91240B29-F687-4f45-9708-019B960494DF}">
-                  <a14:hiddenLine xmlns:a14="http://schemas.microsoft.com/office/drawing/2010/main" xmlns="" w="9525">
+                  <a14:hiddenLine xmlns="" xmlns:a14="http://schemas.microsoft.com/office/drawing/2010/main" w="9525">
                     <a:solidFill>
                       <a:srgbClr val="000000"/>
                     </a:solidFill>
@@ -9581,7 +9590,7 @@
               </a:ln>
               <a:extLst>
                 <a:ext uri="{91240B29-F687-4f45-9708-019B960494DF}">
-                  <a14:hiddenLine xmlns:a14="http://schemas.microsoft.com/office/drawing/2010/main" xmlns="" w="9525">
+                  <a14:hiddenLine xmlns="" xmlns:a14="http://schemas.microsoft.com/office/drawing/2010/main" w="9525">
                     <a:solidFill>
                       <a:srgbClr val="000000"/>
                     </a:solidFill>
@@ -9671,7 +9680,7 @@
               </a:ln>
               <a:extLst>
                 <a:ext uri="{91240B29-F687-4f45-9708-019B960494DF}">
-                  <a14:hiddenLine xmlns:a14="http://schemas.microsoft.com/office/drawing/2010/main" xmlns="" w="9525">
+                  <a14:hiddenLine xmlns="" xmlns:a14="http://schemas.microsoft.com/office/drawing/2010/main" w="9525">
                     <a:solidFill>
                       <a:srgbClr val="000000"/>
                     </a:solidFill>
@@ -9761,7 +9770,7 @@
               </a:ln>
               <a:extLst>
                 <a:ext uri="{91240B29-F687-4f45-9708-019B960494DF}">
-                  <a14:hiddenLine xmlns:a14="http://schemas.microsoft.com/office/drawing/2010/main" xmlns="" w="9525">
+                  <a14:hiddenLine xmlns="" xmlns:a14="http://schemas.microsoft.com/office/drawing/2010/main" w="9525">
                     <a:solidFill>
                       <a:srgbClr val="000000"/>
                     </a:solidFill>
@@ -9823,7 +9832,7 @@
               </a:ln>
               <a:extLst>
                 <a:ext uri="{91240B29-F687-4f45-9708-019B960494DF}">
-                  <a14:hiddenLine xmlns:a14="http://schemas.microsoft.com/office/drawing/2010/main" xmlns="" w="9525">
+                  <a14:hiddenLine xmlns="" xmlns:a14="http://schemas.microsoft.com/office/drawing/2010/main" w="9525">
                     <a:solidFill>
                       <a:srgbClr val="000000"/>
                     </a:solidFill>
@@ -9933,7 +9942,7 @@
               </a:ln>
               <a:extLst>
                 <a:ext uri="{91240B29-F687-4f45-9708-019B960494DF}">
-                  <a14:hiddenLine xmlns:a14="http://schemas.microsoft.com/office/drawing/2010/main" xmlns="" w="9525">
+                  <a14:hiddenLine xmlns="" xmlns:a14="http://schemas.microsoft.com/office/drawing/2010/main" w="9525">
                     <a:solidFill>
                       <a:srgbClr val="000000"/>
                     </a:solidFill>
@@ -10017,7 +10026,7 @@
               </a:ln>
               <a:extLst>
                 <a:ext uri="{91240B29-F687-4f45-9708-019B960494DF}">
-                  <a14:hiddenLine xmlns:a14="http://schemas.microsoft.com/office/drawing/2010/main" xmlns="" w="9525">
+                  <a14:hiddenLine xmlns="" xmlns:a14="http://schemas.microsoft.com/office/drawing/2010/main" w="9525">
                     <a:solidFill>
                       <a:srgbClr val="000000"/>
                     </a:solidFill>
@@ -10079,7 +10088,7 @@
               </a:ln>
               <a:extLst>
                 <a:ext uri="{91240B29-F687-4f45-9708-019B960494DF}">
-                  <a14:hiddenLine xmlns:a14="http://schemas.microsoft.com/office/drawing/2010/main" xmlns="" w="9525">
+                  <a14:hiddenLine xmlns="" xmlns:a14="http://schemas.microsoft.com/office/drawing/2010/main" w="9525">
                     <a:solidFill>
                       <a:srgbClr val="000000"/>
                     </a:solidFill>
@@ -10141,7 +10150,7 @@
               </a:ln>
               <a:extLst>
                 <a:ext uri="{91240B29-F687-4f45-9708-019B960494DF}">
-                  <a14:hiddenLine xmlns:a14="http://schemas.microsoft.com/office/drawing/2010/main" xmlns="" w="9525">
+                  <a14:hiddenLine xmlns="" xmlns:a14="http://schemas.microsoft.com/office/drawing/2010/main" w="9525">
                     <a:solidFill>
                       <a:srgbClr val="000000"/>
                     </a:solidFill>
@@ -10231,7 +10240,7 @@
               </a:ln>
               <a:extLst>
                 <a:ext uri="{91240B29-F687-4f45-9708-019B960494DF}">
-                  <a14:hiddenLine xmlns:a14="http://schemas.microsoft.com/office/drawing/2010/main" xmlns="" w="9525">
+                  <a14:hiddenLine xmlns="" xmlns:a14="http://schemas.microsoft.com/office/drawing/2010/main" w="9525">
                     <a:solidFill>
                       <a:srgbClr val="000000"/>
                     </a:solidFill>
@@ -10265,7 +10274,7 @@
               </a:ln>
               <a:extLst>
                 <a:ext uri="{91240B29-F687-4f45-9708-019B960494DF}">
-                  <a14:hiddenLine xmlns:a14="http://schemas.microsoft.com/office/drawing/2010/main" xmlns="" w="9525">
+                  <a14:hiddenLine xmlns="" xmlns:a14="http://schemas.microsoft.com/office/drawing/2010/main" w="9525">
                     <a:solidFill>
                       <a:srgbClr val="000000"/>
                     </a:solidFill>
@@ -10330,7 +10339,7 @@
               </a:ln>
               <a:extLst>
                 <a:ext uri="{91240B29-F687-4f45-9708-019B960494DF}">
-                  <a14:hiddenLine xmlns:a14="http://schemas.microsoft.com/office/drawing/2010/main" xmlns="" w="9525">
+                  <a14:hiddenLine xmlns="" xmlns:a14="http://schemas.microsoft.com/office/drawing/2010/main" w="9525">
                     <a:solidFill>
                       <a:srgbClr val="000000"/>
                     </a:solidFill>
@@ -10420,7 +10429,7 @@
               </a:ln>
               <a:extLst>
                 <a:ext uri="{91240B29-F687-4f45-9708-019B960494DF}">
-                  <a14:hiddenLine xmlns:a14="http://schemas.microsoft.com/office/drawing/2010/main" xmlns="" w="9525">
+                  <a14:hiddenLine xmlns="" xmlns:a14="http://schemas.microsoft.com/office/drawing/2010/main" w="9525">
                     <a:solidFill>
                       <a:srgbClr val="000000"/>
                     </a:solidFill>
@@ -10482,7 +10491,7 @@
               </a:ln>
               <a:extLst>
                 <a:ext uri="{91240B29-F687-4f45-9708-019B960494DF}">
-                  <a14:hiddenLine xmlns:a14="http://schemas.microsoft.com/office/drawing/2010/main" xmlns="" w="9525">
+                  <a14:hiddenLine xmlns="" xmlns:a14="http://schemas.microsoft.com/office/drawing/2010/main" w="9525">
                     <a:solidFill>
                       <a:srgbClr val="000000"/>
                     </a:solidFill>
@@ -10572,7 +10581,7 @@
               </a:ln>
               <a:extLst>
                 <a:ext uri="{91240B29-F687-4f45-9708-019B960494DF}">
-                  <a14:hiddenLine xmlns:a14="http://schemas.microsoft.com/office/drawing/2010/main" xmlns="" w="9525">
+                  <a14:hiddenLine xmlns="" xmlns:a14="http://schemas.microsoft.com/office/drawing/2010/main" w="9525">
                     <a:solidFill>
                       <a:srgbClr val="000000"/>
                     </a:solidFill>
@@ -10637,7 +10646,7 @@
               </a:ln>
               <a:extLst>
                 <a:ext uri="{91240B29-F687-4f45-9708-019B960494DF}">
-                  <a14:hiddenLine xmlns:a14="http://schemas.microsoft.com/office/drawing/2010/main" xmlns="" w="9525">
+                  <a14:hiddenLine xmlns="" xmlns:a14="http://schemas.microsoft.com/office/drawing/2010/main" w="9525">
                     <a:solidFill>
                       <a:srgbClr val="000000"/>
                     </a:solidFill>
@@ -10699,7 +10708,7 @@
               </a:ln>
               <a:extLst>
                 <a:ext uri="{91240B29-F687-4f45-9708-019B960494DF}">
-                  <a14:hiddenLine xmlns:a14="http://schemas.microsoft.com/office/drawing/2010/main" xmlns="" w="9525">
+                  <a14:hiddenLine xmlns="" xmlns:a14="http://schemas.microsoft.com/office/drawing/2010/main" w="9525">
                     <a:solidFill>
                       <a:srgbClr val="000000"/>
                     </a:solidFill>
@@ -10789,7 +10798,7 @@
               </a:ln>
               <a:extLst>
                 <a:ext uri="{91240B29-F687-4f45-9708-019B960494DF}">
-                  <a14:hiddenLine xmlns:a14="http://schemas.microsoft.com/office/drawing/2010/main" xmlns="" w="9525">
+                  <a14:hiddenLine xmlns="" xmlns:a14="http://schemas.microsoft.com/office/drawing/2010/main" w="9525">
                     <a:solidFill>
                       <a:srgbClr val="000000"/>
                     </a:solidFill>
@@ -10879,7 +10888,7 @@
               </a:ln>
               <a:extLst>
                 <a:ext uri="{91240B29-F687-4f45-9708-019B960494DF}">
-                  <a14:hiddenLine xmlns:a14="http://schemas.microsoft.com/office/drawing/2010/main" xmlns="" w="9525">
+                  <a14:hiddenLine xmlns="" xmlns:a14="http://schemas.microsoft.com/office/drawing/2010/main" w="9525">
                     <a:solidFill>
                       <a:srgbClr val="000000"/>
                     </a:solidFill>
@@ -10944,7 +10953,7 @@
               </a:ln>
               <a:extLst>
                 <a:ext uri="{91240B29-F687-4f45-9708-019B960494DF}">
-                  <a14:hiddenLine xmlns:a14="http://schemas.microsoft.com/office/drawing/2010/main" xmlns="" w="9525">
+                  <a14:hiddenLine xmlns="" xmlns:a14="http://schemas.microsoft.com/office/drawing/2010/main" w="9525">
                     <a:solidFill>
                       <a:srgbClr val="000000"/>
                     </a:solidFill>
@@ -11064,7 +11073,7 @@
               </a:ln>
               <a:extLst>
                 <a:ext uri="{91240B29-F687-4f45-9708-019B960494DF}">
-                  <a14:hiddenLine xmlns:a14="http://schemas.microsoft.com/office/drawing/2010/main" xmlns="" w="9525">
+                  <a14:hiddenLine xmlns="" xmlns:a14="http://schemas.microsoft.com/office/drawing/2010/main" w="9525">
                     <a:solidFill>
                       <a:srgbClr val="000000"/>
                     </a:solidFill>
@@ -11162,7 +11171,7 @@
               </a:ln>
               <a:extLst>
                 <a:ext uri="{91240B29-F687-4f45-9708-019B960494DF}">
-                  <a14:hiddenLine xmlns:a14="http://schemas.microsoft.com/office/drawing/2010/main" xmlns="" w="9525">
+                  <a14:hiddenLine xmlns="" xmlns:a14="http://schemas.microsoft.com/office/drawing/2010/main" w="9525">
                     <a:solidFill>
                       <a:srgbClr val="000000"/>
                     </a:solidFill>
@@ -11277,7 +11286,7 @@
               </a:ln>
               <a:extLst>
                 <a:ext uri="{91240B29-F687-4f45-9708-019B960494DF}">
-                  <a14:hiddenLine xmlns:a14="http://schemas.microsoft.com/office/drawing/2010/main" xmlns="" w="9525">
+                  <a14:hiddenLine xmlns="" xmlns:a14="http://schemas.microsoft.com/office/drawing/2010/main" w="9525">
                     <a:solidFill>
                       <a:srgbClr val="000000"/>
                     </a:solidFill>
@@ -11367,7 +11376,7 @@
               </a:ln>
               <a:extLst>
                 <a:ext uri="{91240B29-F687-4f45-9708-019B960494DF}">
-                  <a14:hiddenLine xmlns:a14="http://schemas.microsoft.com/office/drawing/2010/main" xmlns="" w="9525">
+                  <a14:hiddenLine xmlns="" xmlns:a14="http://schemas.microsoft.com/office/drawing/2010/main" w="9525">
                     <a:solidFill>
                       <a:srgbClr val="000000"/>
                     </a:solidFill>
@@ -11432,7 +11441,7 @@
               </a:ln>
               <a:extLst>
                 <a:ext uri="{91240B29-F687-4f45-9708-019B960494DF}">
-                  <a14:hiddenLine xmlns:a14="http://schemas.microsoft.com/office/drawing/2010/main" xmlns="" w="9525">
+                  <a14:hiddenLine xmlns="" xmlns:a14="http://schemas.microsoft.com/office/drawing/2010/main" w="9525">
                     <a:solidFill>
                       <a:srgbClr val="000000"/>
                     </a:solidFill>
@@ -11522,7 +11531,7 @@
               </a:ln>
               <a:extLst>
                 <a:ext uri="{91240B29-F687-4f45-9708-019B960494DF}">
-                  <a14:hiddenLine xmlns:a14="http://schemas.microsoft.com/office/drawing/2010/main" xmlns="" w="9525">
+                  <a14:hiddenLine xmlns="" xmlns:a14="http://schemas.microsoft.com/office/drawing/2010/main" w="9525">
                     <a:solidFill>
                       <a:srgbClr val="000000"/>
                     </a:solidFill>
@@ -11590,7 +11599,7 @@
               </a:ln>
               <a:extLst>
                 <a:ext uri="{91240B29-F687-4f45-9708-019B960494DF}">
-                  <a14:hiddenLine xmlns:a14="http://schemas.microsoft.com/office/drawing/2010/main" xmlns="" w="9525">
+                  <a14:hiddenLine xmlns="" xmlns:a14="http://schemas.microsoft.com/office/drawing/2010/main" w="9525">
                     <a:solidFill>
                       <a:srgbClr val="000000"/>
                     </a:solidFill>
@@ -11680,7 +11689,7 @@
               </a:ln>
               <a:extLst>
                 <a:ext uri="{91240B29-F687-4f45-9708-019B960494DF}">
-                  <a14:hiddenLine xmlns:a14="http://schemas.microsoft.com/office/drawing/2010/main" xmlns="" w="9525">
+                  <a14:hiddenLine xmlns="" xmlns:a14="http://schemas.microsoft.com/office/drawing/2010/main" w="9525">
                     <a:solidFill>
                       <a:srgbClr val="000000"/>
                     </a:solidFill>
@@ -11748,7 +11757,7 @@
               </a:ln>
               <a:extLst>
                 <a:ext uri="{91240B29-F687-4f45-9708-019B960494DF}">
-                  <a14:hiddenLine xmlns:a14="http://schemas.microsoft.com/office/drawing/2010/main" xmlns="" w="9525">
+                  <a14:hiddenLine xmlns="" xmlns:a14="http://schemas.microsoft.com/office/drawing/2010/main" w="9525">
                     <a:solidFill>
                       <a:srgbClr val="000000"/>
                     </a:solidFill>
@@ -11838,7 +11847,7 @@
               </a:ln>
               <a:extLst>
                 <a:ext uri="{91240B29-F687-4f45-9708-019B960494DF}">
-                  <a14:hiddenLine xmlns:a14="http://schemas.microsoft.com/office/drawing/2010/main" xmlns="" w="9525">
+                  <a14:hiddenLine xmlns="" xmlns:a14="http://schemas.microsoft.com/office/drawing/2010/main" w="9525">
                     <a:solidFill>
                       <a:srgbClr val="000000"/>
                     </a:solidFill>
@@ -11872,7 +11881,7 @@
               </a:ln>
               <a:extLst>
                 <a:ext uri="{91240B29-F687-4f45-9708-019B960494DF}">
-                  <a14:hiddenLine xmlns:a14="http://schemas.microsoft.com/office/drawing/2010/main" xmlns="" w="9525">
+                  <a14:hiddenLine xmlns="" xmlns:a14="http://schemas.microsoft.com/office/drawing/2010/main" w="9525">
                     <a:solidFill>
                       <a:srgbClr val="000000"/>
                     </a:solidFill>
@@ -12576,12 +12585,22 @@
             <p:ph type="title"/>
           </p:nvPr>
         </p:nvSpPr>
-        <p:spPr/>
+        <p:spPr>
+          <a:xfrm>
+            <a:off x="1141411" y="328474"/>
+            <a:ext cx="9905998" cy="1478570"/>
+          </a:xfrm>
+        </p:spPr>
         <p:txBody>
           <a:bodyPr/>
           <a:lstStyle/>
           <a:p>
-            <a:endParaRPr lang="en-US"/>
+            <a:pPr algn="ctr"/>
+            <a:r>
+              <a:rPr lang="bg-BG" dirty="0"/>
+              <a:t>Сървър</a:t>
+            </a:r>
+            <a:endParaRPr lang="en-US" dirty="0"/>
           </a:p>
         </p:txBody>
       </p:sp>
@@ -12601,12 +12620,350 @@
             <p:ph idx="1"/>
           </p:nvPr>
         </p:nvSpPr>
-        <p:spPr/>
+        <p:spPr>
+          <a:xfrm>
+            <a:off x="1141411" y="1981199"/>
+            <a:ext cx="9905999" cy="4876801"/>
+          </a:xfrm>
+        </p:spPr>
         <p:txBody>
           <a:bodyPr/>
           <a:lstStyle/>
           <a:p>
-            <a:endParaRPr lang="en-US"/>
+            <a:r>
+              <a:rPr lang="en-US" dirty="0"/>
+              <a:t>K</a:t>
+            </a:r>
+            <a:r>
+              <a:rPr lang="ru-RU" dirty="0" err="1"/>
+              <a:t>омпютър</a:t>
+            </a:r>
+            <a:r>
+              <a:rPr lang="ru-RU" dirty="0"/>
+              <a:t>, </a:t>
+            </a:r>
+            <a:r>
+              <a:rPr lang="ru-RU" dirty="0" err="1"/>
+              <a:t>стартиращ</a:t>
+            </a:r>
+            <a:r>
+              <a:rPr lang="ru-RU" dirty="0"/>
+              <a:t> </a:t>
+            </a:r>
+            <a:r>
+              <a:rPr lang="ru-RU" dirty="0" err="1"/>
+              <a:t>сървърен</a:t>
+            </a:r>
+            <a:r>
+              <a:rPr lang="ru-RU" dirty="0"/>
+              <a:t> </a:t>
+            </a:r>
+            <a:r>
+              <a:rPr lang="ru-RU" dirty="0" err="1"/>
+              <a:t>софтуер</a:t>
+            </a:r>
+            <a:r>
+              <a:rPr lang="ru-RU" dirty="0"/>
+              <a:t> </a:t>
+            </a:r>
+            <a:r>
+              <a:rPr lang="ru-RU" dirty="0" err="1"/>
+              <a:t>предоставящ</a:t>
+            </a:r>
+            <a:r>
+              <a:rPr lang="ru-RU" dirty="0"/>
+              <a:t> услуги </a:t>
+            </a:r>
+            <a:r>
+              <a:rPr lang="ru-RU" dirty="0" err="1"/>
+              <a:t>като</a:t>
+            </a:r>
+            <a:r>
+              <a:rPr lang="ru-RU" dirty="0"/>
+              <a:t> например хост</a:t>
+            </a:r>
+            <a:r>
+              <a:rPr lang="en-US" dirty="0"/>
+              <a:t> (</a:t>
+            </a:r>
+            <a:r>
+              <a:rPr lang="ru-RU" u="sng" dirty="0" err="1"/>
+              <a:t>предлага</a:t>
+            </a:r>
+            <a:r>
+              <a:rPr lang="ru-RU" u="sng" dirty="0"/>
+              <a:t> </a:t>
+            </a:r>
+            <a:r>
+              <a:rPr lang="ru-RU" u="sng" dirty="0" err="1"/>
+              <a:t>информационни</a:t>
+            </a:r>
+            <a:r>
+              <a:rPr lang="ru-RU" u="sng" dirty="0"/>
+              <a:t> </a:t>
+            </a:r>
+            <a:r>
+              <a:rPr lang="ru-RU" u="sng" dirty="0" err="1"/>
+              <a:t>ресурси</a:t>
+            </a:r>
+            <a:r>
+              <a:rPr lang="ru-RU" u="sng" dirty="0"/>
+              <a:t> </a:t>
+            </a:r>
+            <a:r>
+              <a:rPr lang="en-US" u="sng" dirty="0"/>
+              <a:t>(HTML,</a:t>
+            </a:r>
+            <a:r>
+              <a:rPr lang="bg-BG" u="sng" dirty="0" err="1"/>
+              <a:t>снимки,текст</a:t>
+            </a:r>
+            <a:r>
+              <a:rPr lang="bg-BG" u="sng" dirty="0"/>
+              <a:t> и много други)</a:t>
+            </a:r>
+            <a:r>
+              <a:rPr lang="en-US" u="sng" dirty="0"/>
+              <a:t> </a:t>
+            </a:r>
+            <a:r>
+              <a:rPr lang="ru-RU" u="sng" dirty="0"/>
+              <a:t>за потребители</a:t>
+            </a:r>
+            <a:r>
+              <a:rPr lang="en-US" u="sng" dirty="0"/>
+              <a:t> </a:t>
+            </a:r>
+            <a:r>
+              <a:rPr lang="bg-BG" u="sng" dirty="0"/>
+              <a:t>в интернет</a:t>
+            </a:r>
+            <a:r>
+              <a:rPr lang="en-US" dirty="0"/>
+              <a:t>);</a:t>
+            </a:r>
+            <a:endParaRPr lang="ru-RU" dirty="0"/>
+          </a:p>
+          <a:p>
+            <a:r>
+              <a:rPr lang="ru-RU" dirty="0" err="1"/>
+              <a:t>Компютърна</a:t>
+            </a:r>
+            <a:r>
+              <a:rPr lang="ru-RU" dirty="0"/>
+              <a:t> </a:t>
+            </a:r>
+            <a:r>
+              <a:rPr lang="ru-RU" dirty="0" err="1"/>
+              <a:t>програма</a:t>
+            </a:r>
+            <a:r>
+              <a:rPr lang="ru-RU" dirty="0"/>
+              <a:t>, </a:t>
+            </a:r>
+            <a:r>
+              <a:rPr lang="ru-RU" dirty="0" err="1"/>
+              <a:t>която</a:t>
+            </a:r>
+            <a:r>
+              <a:rPr lang="ru-RU" dirty="0"/>
+              <a:t> </a:t>
+            </a:r>
+            <a:r>
+              <a:rPr lang="ru-RU" dirty="0" err="1"/>
+              <a:t>стартира</a:t>
+            </a:r>
+            <a:r>
+              <a:rPr lang="ru-RU" dirty="0"/>
+              <a:t> </a:t>
+            </a:r>
+            <a:r>
+              <a:rPr lang="ru-RU" dirty="0" err="1"/>
+              <a:t>като</a:t>
+            </a:r>
+            <a:r>
+              <a:rPr lang="ru-RU" dirty="0"/>
+              <a:t> услуга, </a:t>
+            </a:r>
+            <a:r>
+              <a:rPr lang="ru-RU" dirty="0" err="1"/>
+              <a:t>която</a:t>
+            </a:r>
+            <a:r>
+              <a:rPr lang="ru-RU" dirty="0"/>
+              <a:t> </a:t>
+            </a:r>
+            <a:r>
+              <a:rPr lang="ru-RU" dirty="0" err="1"/>
+              <a:t>обслужва</a:t>
+            </a:r>
+            <a:r>
+              <a:rPr lang="ru-RU" dirty="0"/>
+              <a:t> заявки на </a:t>
+            </a:r>
+            <a:r>
+              <a:rPr lang="ru-RU" dirty="0" err="1"/>
+              <a:t>други</a:t>
+            </a:r>
+            <a:r>
+              <a:rPr lang="ru-RU" dirty="0"/>
+              <a:t> </a:t>
+            </a:r>
+            <a:r>
+              <a:rPr lang="ru-RU" dirty="0" err="1"/>
+              <a:t>програми</a:t>
+            </a:r>
+            <a:r>
+              <a:rPr lang="ru-RU" dirty="0"/>
+              <a:t> („</a:t>
+            </a:r>
+            <a:r>
+              <a:rPr lang="ru-RU" dirty="0" err="1"/>
+              <a:t>клиенти</a:t>
+            </a:r>
+            <a:r>
+              <a:rPr lang="ru-RU" dirty="0"/>
+              <a:t>“). </a:t>
+            </a:r>
+            <a:r>
+              <a:rPr lang="bg-BG" dirty="0"/>
+              <a:t>Той</a:t>
+            </a:r>
+            <a:r>
+              <a:rPr lang="en-US" dirty="0"/>
+              <a:t> </a:t>
+            </a:r>
+            <a:r>
+              <a:rPr lang="ru-RU" dirty="0" err="1"/>
+              <a:t>слуша</a:t>
+            </a:r>
+            <a:r>
+              <a:rPr lang="ru-RU" dirty="0"/>
+              <a:t> за заявки (</a:t>
+            </a:r>
+            <a:r>
+              <a:rPr lang="ru-RU" dirty="0" err="1"/>
+              <a:t>request</a:t>
+            </a:r>
+            <a:r>
+              <a:rPr lang="ru-RU" dirty="0"/>
+              <a:t>) и </a:t>
+            </a:r>
+            <a:r>
+              <a:rPr lang="ru-RU" dirty="0" err="1"/>
+              <a:t>връща</a:t>
+            </a:r>
+            <a:r>
+              <a:rPr lang="ru-RU" dirty="0"/>
+              <a:t> отговор (</a:t>
+            </a:r>
+            <a:r>
+              <a:rPr lang="ru-RU" dirty="0" err="1"/>
+              <a:t>response</a:t>
+            </a:r>
+            <a:r>
+              <a:rPr lang="ru-RU" dirty="0"/>
+              <a:t>), </a:t>
+            </a:r>
+            <a:r>
+              <a:rPr lang="ru-RU" dirty="0" err="1"/>
+              <a:t>като</a:t>
+            </a:r>
+            <a:r>
+              <a:rPr lang="ru-RU" dirty="0"/>
+              <a:t> и </a:t>
+            </a:r>
+            <a:r>
+              <a:rPr lang="ru-RU" dirty="0" err="1"/>
+              <a:t>двете</a:t>
+            </a:r>
+            <a:r>
+              <a:rPr lang="ru-RU" dirty="0"/>
+              <a:t> операции </a:t>
+            </a:r>
+            <a:r>
+              <a:rPr lang="ru-RU" dirty="0" err="1"/>
+              <a:t>са</a:t>
+            </a:r>
+            <a:r>
+              <a:rPr lang="ru-RU" dirty="0"/>
+              <a:t> по </a:t>
+            </a:r>
+            <a:r>
+              <a:rPr lang="ru-RU" dirty="0" err="1"/>
+              <a:t>предварително</a:t>
+            </a:r>
+            <a:r>
+              <a:rPr lang="ru-RU" dirty="0"/>
+              <a:t> </a:t>
+            </a:r>
+            <a:r>
+              <a:rPr lang="ru-RU" dirty="0" err="1"/>
+              <a:t>зададен</a:t>
+            </a:r>
+            <a:r>
+              <a:rPr lang="ru-RU" dirty="0"/>
+              <a:t> протокол</a:t>
+            </a:r>
+            <a:r>
+              <a:rPr lang="en-US" dirty="0"/>
+              <a:t>;</a:t>
+            </a:r>
+            <a:endParaRPr lang="ru-RU" dirty="0"/>
+          </a:p>
+          <a:p>
+            <a:r>
+              <a:rPr lang="bg-BG" dirty="0"/>
+              <a:t>Завършена софтуерна система </a:t>
+            </a:r>
+            <a:r>
+              <a:rPr lang="ru-RU" dirty="0"/>
+              <a:t>например </a:t>
+            </a:r>
+            <a:r>
+              <a:rPr lang="ru-RU" dirty="0" err="1"/>
+              <a:t>сървър</a:t>
+            </a:r>
+            <a:r>
+              <a:rPr lang="ru-RU" dirty="0"/>
+              <a:t> база </a:t>
+            </a:r>
+            <a:r>
+              <a:rPr lang="ru-RU" dirty="0" err="1"/>
+              <a:t>данни</a:t>
+            </a:r>
+            <a:r>
+              <a:rPr lang="ru-RU" dirty="0"/>
+              <a:t>, файлов </a:t>
+            </a:r>
+            <a:r>
+              <a:rPr lang="ru-RU" dirty="0" err="1"/>
+              <a:t>сървър</a:t>
+            </a:r>
+            <a:r>
+              <a:rPr lang="ru-RU" dirty="0"/>
+              <a:t>, </a:t>
+            </a:r>
+            <a:r>
+              <a:rPr lang="ru-RU" dirty="0" err="1"/>
+              <a:t>mail</a:t>
+            </a:r>
+            <a:r>
+              <a:rPr lang="ru-RU" dirty="0"/>
+              <a:t> </a:t>
+            </a:r>
+            <a:r>
+              <a:rPr lang="ru-RU" dirty="0" err="1"/>
+              <a:t>сървър</a:t>
+            </a:r>
+            <a:r>
+              <a:rPr lang="ru-RU" dirty="0"/>
+              <a:t>;</a:t>
+            </a:r>
+            <a:endParaRPr lang="en-US" dirty="0"/>
+          </a:p>
+          <a:p>
+            <a:endParaRPr lang="en-US" dirty="0"/>
           </a:p>
         </p:txBody>
       </p:sp>
@@ -12614,6 +12971,1135 @@
     <p:extLst>
       <p:ext uri="{BB962C8B-B14F-4D97-AF65-F5344CB8AC3E}">
         <p14:creationId xmlns:p14="http://schemas.microsoft.com/office/powerpoint/2010/main" val="2112608690"/>
+      </p:ext>
+    </p:extLst>
+  </p:cSld>
+  <p:clrMapOvr>
+    <a:masterClrMapping/>
+  </p:clrMapOvr>
+</p:sld>
+</file>
+
+<file path=ppt/slides/slide3.xml><?xml version="1.0" encoding="utf-8"?>
+<p:sld xmlns:a="http://schemas.openxmlformats.org/drawingml/2006/main" xmlns:r="http://schemas.openxmlformats.org/officeDocument/2006/relationships" xmlns:p="http://schemas.openxmlformats.org/presentationml/2006/main">
+  <p:cSld>
+    <p:spTree>
+      <p:nvGrpSpPr>
+        <p:cNvPr id="1" name=""/>
+        <p:cNvGrpSpPr/>
+        <p:nvPr/>
+      </p:nvGrpSpPr>
+      <p:grpSpPr>
+        <a:xfrm>
+          <a:off x="0" y="0"/>
+          <a:ext cx="0" cy="0"/>
+          <a:chOff x="0" y="0"/>
+          <a:chExt cx="0" cy="0"/>
+        </a:xfrm>
+      </p:grpSpPr>
+      <p:pic>
+        <p:nvPicPr>
+          <p:cNvPr id="1026" name="Picture 2" descr="What is a server? Definition and examples - Market Business News">
+            <a:extLst>
+              <a:ext uri="{FF2B5EF4-FFF2-40B4-BE49-F238E27FC236}">
+                <a16:creationId xmlns:a16="http://schemas.microsoft.com/office/drawing/2014/main" id="{AD3B733D-8D08-4DBB-87D2-5D32B43839A8}"/>
+              </a:ext>
+            </a:extLst>
+          </p:cNvPr>
+          <p:cNvPicPr>
+            <a:picLocks noChangeAspect="1" noChangeArrowheads="1"/>
+          </p:cNvPicPr>
+          <p:nvPr/>
+        </p:nvPicPr>
+        <p:blipFill>
+          <a:blip r:embed="rId2">
+            <a:extLst>
+              <a:ext uri="{28A0092B-C50C-407E-A947-70E740481C1C}">
+                <a14:useLocalDpi xmlns:a14="http://schemas.microsoft.com/office/drawing/2010/main" val="0"/>
+              </a:ext>
+            </a:extLst>
+          </a:blip>
+          <a:srcRect/>
+          <a:stretch>
+            <a:fillRect/>
+          </a:stretch>
+        </p:blipFill>
+        <p:spPr bwMode="auto">
+          <a:xfrm>
+            <a:off x="1935333" y="372128"/>
+            <a:ext cx="8846737" cy="6113743"/>
+          </a:xfrm>
+          <a:prstGeom prst="roundRect">
+            <a:avLst>
+              <a:gd name="adj" fmla="val 16667"/>
+            </a:avLst>
+          </a:prstGeom>
+          <a:ln>
+            <a:noFill/>
+          </a:ln>
+          <a:effectLst>
+            <a:outerShdw blurRad="76200" dist="38100" dir="7800000" algn="tl" rotWithShape="0">
+              <a:srgbClr val="000000">
+                <a:alpha val="40000"/>
+              </a:srgbClr>
+            </a:outerShdw>
+          </a:effectLst>
+          <a:scene3d>
+            <a:camera prst="orthographicFront"/>
+            <a:lightRig rig="contrasting" dir="t">
+              <a:rot lat="0" lon="0" rev="4200000"/>
+            </a:lightRig>
+          </a:scene3d>
+          <a:sp3d prstMaterial="plastic">
+            <a:bevelT w="381000" h="114300" prst="relaxedInset"/>
+            <a:contourClr>
+              <a:srgbClr val="969696"/>
+            </a:contourClr>
+          </a:sp3d>
+          <a:extLst>
+            <a:ext uri="{909E8E84-426E-40DD-AFC4-6F175D3DCCD1}">
+              <a14:hiddenFill xmlns:a14="http://schemas.microsoft.com/office/drawing/2010/main">
+                <a:solidFill>
+                  <a:srgbClr val="FFFFFF"/>
+                </a:solidFill>
+              </a14:hiddenFill>
+            </a:ext>
+          </a:extLst>
+        </p:spPr>
+      </p:pic>
+    </p:spTree>
+    <p:extLst>
+      <p:ext uri="{BB962C8B-B14F-4D97-AF65-F5344CB8AC3E}">
+        <p14:creationId xmlns:p14="http://schemas.microsoft.com/office/powerpoint/2010/main" val="2305292853"/>
+      </p:ext>
+    </p:extLst>
+  </p:cSld>
+  <p:clrMapOvr>
+    <a:masterClrMapping/>
+  </p:clrMapOvr>
+</p:sld>
+</file>
+
+<file path=ppt/slides/slide4.xml><?xml version="1.0" encoding="utf-8"?>
+<p:sld xmlns:a="http://schemas.openxmlformats.org/drawingml/2006/main" xmlns:r="http://schemas.openxmlformats.org/officeDocument/2006/relationships" xmlns:p="http://schemas.openxmlformats.org/presentationml/2006/main">
+  <p:cSld>
+    <p:spTree>
+      <p:nvGrpSpPr>
+        <p:cNvPr id="1" name=""/>
+        <p:cNvGrpSpPr/>
+        <p:nvPr/>
+      </p:nvGrpSpPr>
+      <p:grpSpPr>
+        <a:xfrm>
+          <a:off x="0" y="0"/>
+          <a:ext cx="0" cy="0"/>
+          <a:chOff x="0" y="0"/>
+          <a:chExt cx="0" cy="0"/>
+        </a:xfrm>
+      </p:grpSpPr>
+      <p:sp>
+        <p:nvSpPr>
+          <p:cNvPr id="8" name="Slide Number Placeholder 3">
+            <a:extLst>
+              <a:ext uri="{FF2B5EF4-FFF2-40B4-BE49-F238E27FC236}">
+                <a16:creationId xmlns:a16="http://schemas.microsoft.com/office/drawing/2014/main" id="{CA3D4EAD-D581-4A2D-8924-C9EB17B0A298}"/>
+              </a:ext>
+            </a:extLst>
+          </p:cNvPr>
+          <p:cNvSpPr txBox="1">
+            <a:spLocks/>
+          </p:cNvSpPr>
+          <p:nvPr/>
+        </p:nvSpPr>
+        <p:spPr>
+          <a:xfrm>
+            <a:off x="11363814" y="6089997"/>
+            <a:ext cx="428822" cy="196477"/>
+          </a:xfrm>
+          <a:prstGeom prst="rect">
+            <a:avLst/>
+          </a:prstGeom>
+        </p:spPr>
+        <p:txBody>
+          <a:bodyPr vert="horz" lIns="91440" tIns="45720" rIns="91440" bIns="45720" rtlCol="0" anchor="ctr"/>
+          <a:lstStyle>
+            <a:defPPr>
+              <a:defRPr lang="en-US"/>
+            </a:defPPr>
+            <a:lvl1pPr marL="0" algn="r" defTabSz="457200" rtl="0" eaLnBrk="1" latinLnBrk="0" hangingPunct="1">
+              <a:defRPr sz="1050" kern="1200">
+                <a:solidFill>
+                  <a:schemeClr val="tx1">
+                    <a:tint val="75000"/>
+                  </a:schemeClr>
+                </a:solidFill>
+                <a:latin typeface="+mn-lt"/>
+                <a:ea typeface="+mn-ea"/>
+                <a:cs typeface="+mn-cs"/>
+              </a:defRPr>
+            </a:lvl1pPr>
+            <a:lvl2pPr marL="457200" algn="l" defTabSz="457200" rtl="0" eaLnBrk="1" latinLnBrk="0" hangingPunct="1">
+              <a:defRPr sz="1800" kern="1200">
+                <a:solidFill>
+                  <a:schemeClr val="tx1"/>
+                </a:solidFill>
+                <a:latin typeface="+mn-lt"/>
+                <a:ea typeface="+mn-ea"/>
+                <a:cs typeface="+mn-cs"/>
+              </a:defRPr>
+            </a:lvl2pPr>
+            <a:lvl3pPr marL="914400" algn="l" defTabSz="457200" rtl="0" eaLnBrk="1" latinLnBrk="0" hangingPunct="1">
+              <a:defRPr sz="1800" kern="1200">
+                <a:solidFill>
+                  <a:schemeClr val="tx1"/>
+                </a:solidFill>
+                <a:latin typeface="+mn-lt"/>
+                <a:ea typeface="+mn-ea"/>
+                <a:cs typeface="+mn-cs"/>
+              </a:defRPr>
+            </a:lvl3pPr>
+            <a:lvl4pPr marL="1371600" algn="l" defTabSz="457200" rtl="0" eaLnBrk="1" latinLnBrk="0" hangingPunct="1">
+              <a:defRPr sz="1800" kern="1200">
+                <a:solidFill>
+                  <a:schemeClr val="tx1"/>
+                </a:solidFill>
+                <a:latin typeface="+mn-lt"/>
+                <a:ea typeface="+mn-ea"/>
+                <a:cs typeface="+mn-cs"/>
+              </a:defRPr>
+            </a:lvl4pPr>
+            <a:lvl5pPr marL="1828800" algn="l" defTabSz="457200" rtl="0" eaLnBrk="1" latinLnBrk="0" hangingPunct="1">
+              <a:defRPr sz="1800" kern="1200">
+                <a:solidFill>
+                  <a:schemeClr val="tx1"/>
+                </a:solidFill>
+                <a:latin typeface="+mn-lt"/>
+                <a:ea typeface="+mn-ea"/>
+                <a:cs typeface="+mn-cs"/>
+              </a:defRPr>
+            </a:lvl5pPr>
+            <a:lvl6pPr marL="2286000" algn="l" defTabSz="457200" rtl="0" eaLnBrk="1" latinLnBrk="0" hangingPunct="1">
+              <a:defRPr sz="1800" kern="1200">
+                <a:solidFill>
+                  <a:schemeClr val="tx1"/>
+                </a:solidFill>
+                <a:latin typeface="+mn-lt"/>
+                <a:ea typeface="+mn-ea"/>
+                <a:cs typeface="+mn-cs"/>
+              </a:defRPr>
+            </a:lvl6pPr>
+            <a:lvl7pPr marL="2743200" algn="l" defTabSz="457200" rtl="0" eaLnBrk="1" latinLnBrk="0" hangingPunct="1">
+              <a:defRPr sz="1800" kern="1200">
+                <a:solidFill>
+                  <a:schemeClr val="tx1"/>
+                </a:solidFill>
+                <a:latin typeface="+mn-lt"/>
+                <a:ea typeface="+mn-ea"/>
+                <a:cs typeface="+mn-cs"/>
+              </a:defRPr>
+            </a:lvl7pPr>
+            <a:lvl8pPr marL="3200400" algn="l" defTabSz="457200" rtl="0" eaLnBrk="1" latinLnBrk="0" hangingPunct="1">
+              <a:defRPr sz="1800" kern="1200">
+                <a:solidFill>
+                  <a:schemeClr val="tx1"/>
+                </a:solidFill>
+                <a:latin typeface="+mn-lt"/>
+                <a:ea typeface="+mn-ea"/>
+                <a:cs typeface="+mn-cs"/>
+              </a:defRPr>
+            </a:lvl8pPr>
+            <a:lvl9pPr marL="3657600" algn="l" defTabSz="457200" rtl="0" eaLnBrk="1" latinLnBrk="0" hangingPunct="1">
+              <a:defRPr sz="1800" kern="1200">
+                <a:solidFill>
+                  <a:schemeClr val="tx1"/>
+                </a:solidFill>
+                <a:latin typeface="+mn-lt"/>
+                <a:ea typeface="+mn-ea"/>
+                <a:cs typeface="+mn-cs"/>
+              </a:defRPr>
+            </a:lvl9pPr>
+          </a:lstStyle>
+          <a:p>
+            <a:pPr>
+              <a:defRPr/>
+            </a:pPr>
+            <a:fld id="{58452FF4-89E3-4D1B-9927-2DBDC00E58D7}" type="slidenum">
+              <a:rPr lang="en-US" smtClean="0"/>
+              <a:pPr>
+                <a:defRPr/>
+              </a:pPr>
+              <a:t>4</a:t>
+            </a:fld>
+            <a:endParaRPr lang="en-US" dirty="0"/>
+          </a:p>
+        </p:txBody>
+      </p:sp>
+      <p:sp>
+        <p:nvSpPr>
+          <p:cNvPr id="9" name="Content Placeholder 4">
+            <a:extLst>
+              <a:ext uri="{FF2B5EF4-FFF2-40B4-BE49-F238E27FC236}">
+                <a16:creationId xmlns:a16="http://schemas.microsoft.com/office/drawing/2014/main" id="{109D1EF0-1546-402C-95BC-DDB00FAF6F52}"/>
+              </a:ext>
+            </a:extLst>
+          </p:cNvPr>
+          <p:cNvSpPr>
+            <a:spLocks noGrp="1"/>
+          </p:cNvSpPr>
+          <p:nvPr>
+            <p:ph idx="1"/>
+          </p:nvPr>
+        </p:nvSpPr>
+        <p:spPr>
+          <a:xfrm>
+            <a:off x="937227" y="1277543"/>
+            <a:ext cx="11696797" cy="5458202"/>
+          </a:xfrm>
+        </p:spPr>
+        <p:txBody>
+          <a:bodyPr>
+            <a:normAutofit/>
+          </a:bodyPr>
+          <a:lstStyle/>
+          <a:p>
+            <a:pPr>
+              <a:lnSpc>
+                <a:spcPct val="100000"/>
+              </a:lnSpc>
+            </a:pPr>
+            <a:r>
+              <a:rPr lang="en-US" dirty="0"/>
+              <a:t>Distinct client and server </a:t>
+            </a:r>
+            <a:endParaRPr lang="bg-BG" dirty="0"/>
+          </a:p>
+          <a:p>
+            <a:pPr>
+              <a:lnSpc>
+                <a:spcPct val="100000"/>
+              </a:lnSpc>
+            </a:pPr>
+            <a:r>
+              <a:rPr lang="en-US" dirty="0"/>
+              <a:t>Separated by network </a:t>
+            </a:r>
+            <a:endParaRPr lang="bg-BG" dirty="0"/>
+          </a:p>
+          <a:p>
+            <a:pPr>
+              <a:lnSpc>
+                <a:spcPct val="100000"/>
+              </a:lnSpc>
+            </a:pPr>
+            <a:r>
+              <a:rPr lang="en-US" dirty="0"/>
+              <a:t>Communication protocol </a:t>
+            </a:r>
+            <a:endParaRPr lang="bg-BG" dirty="0"/>
+          </a:p>
+          <a:p>
+            <a:pPr>
+              <a:lnSpc>
+                <a:spcPct val="100000"/>
+              </a:lnSpc>
+            </a:pPr>
+            <a:r>
+              <a:rPr lang="en-US" dirty="0"/>
+              <a:t>Many clients, one server</a:t>
+            </a:r>
+            <a:endParaRPr lang="bg-BG" dirty="0"/>
+          </a:p>
+          <a:p>
+            <a:pPr>
+              <a:lnSpc>
+                <a:spcPct val="100000"/>
+              </a:lnSpc>
+            </a:pPr>
+            <a:r>
+              <a:rPr lang="en-US" dirty="0"/>
+              <a:t>Pros:</a:t>
+            </a:r>
+            <a:endParaRPr lang="bg-BG" dirty="0"/>
+          </a:p>
+          <a:p>
+            <a:pPr lvl="1">
+              <a:lnSpc>
+                <a:spcPct val="100000"/>
+              </a:lnSpc>
+            </a:pPr>
+            <a:r>
+              <a:rPr lang="en-US" dirty="0"/>
+              <a:t>Secure &amp; Simple</a:t>
+            </a:r>
+          </a:p>
+          <a:p>
+            <a:pPr lvl="1">
+              <a:lnSpc>
+                <a:spcPct val="100000"/>
+              </a:lnSpc>
+            </a:pPr>
+            <a:r>
+              <a:rPr lang="en-US" dirty="0"/>
+              <a:t>Centralized Control</a:t>
+            </a:r>
+          </a:p>
+          <a:p>
+            <a:pPr lvl="1">
+              <a:lnSpc>
+                <a:spcPct val="100000"/>
+              </a:lnSpc>
+            </a:pPr>
+            <a:r>
+              <a:rPr lang="en-US" dirty="0"/>
+              <a:t>Easy to manage</a:t>
+            </a:r>
+          </a:p>
+          <a:p>
+            <a:pPr>
+              <a:lnSpc>
+                <a:spcPct val="100000"/>
+              </a:lnSpc>
+            </a:pPr>
+            <a:r>
+              <a:rPr lang="en-US" dirty="0"/>
+              <a:t>Cons:</a:t>
+            </a:r>
+          </a:p>
+          <a:p>
+            <a:pPr lvl="1">
+              <a:lnSpc>
+                <a:spcPct val="100000"/>
+              </a:lnSpc>
+            </a:pPr>
+            <a:r>
+              <a:rPr lang="en-US" dirty="0"/>
+              <a:t>Requires network, difficult to scale</a:t>
+            </a:r>
+          </a:p>
+          <a:p>
+            <a:pPr lvl="1">
+              <a:lnSpc>
+                <a:spcPct val="100000"/>
+              </a:lnSpc>
+            </a:pPr>
+            <a:r>
+              <a:rPr lang="en-US" dirty="0"/>
+              <a:t>Single point of failure</a:t>
+            </a:r>
+          </a:p>
+        </p:txBody>
+      </p:sp>
+      <p:sp>
+        <p:nvSpPr>
+          <p:cNvPr id="10" name="Title 3">
+            <a:extLst>
+              <a:ext uri="{FF2B5EF4-FFF2-40B4-BE49-F238E27FC236}">
+                <a16:creationId xmlns:a16="http://schemas.microsoft.com/office/drawing/2014/main" id="{DC1ECE59-4BE5-4EE4-9D5C-52EC5CCB895A}"/>
+              </a:ext>
+            </a:extLst>
+          </p:cNvPr>
+          <p:cNvSpPr>
+            <a:spLocks noGrp="1"/>
+          </p:cNvSpPr>
+          <p:nvPr>
+            <p:ph type="title"/>
+          </p:nvPr>
+        </p:nvSpPr>
+        <p:spPr>
+          <a:xfrm>
+            <a:off x="937227" y="183512"/>
+            <a:ext cx="9905998" cy="1478570"/>
+          </a:xfrm>
+        </p:spPr>
+        <p:txBody>
+          <a:bodyPr/>
+          <a:lstStyle/>
+          <a:p>
+            <a:pPr>
+              <a:lnSpc>
+                <a:spcPct val="100000"/>
+              </a:lnSpc>
+            </a:pPr>
+            <a:r>
+              <a:rPr lang="en-GB" dirty="0"/>
+              <a:t>Client/Server Pattern – Layered</a:t>
+            </a:r>
+            <a:endParaRPr lang="pt-BR" dirty="0"/>
+          </a:p>
+        </p:txBody>
+      </p:sp>
+      <p:pic>
+        <p:nvPicPr>
+          <p:cNvPr id="11" name="Picture 10">
+            <a:extLst>
+              <a:ext uri="{FF2B5EF4-FFF2-40B4-BE49-F238E27FC236}">
+                <a16:creationId xmlns:a16="http://schemas.microsoft.com/office/drawing/2014/main" id="{1D9F3AFC-24DE-4645-A45F-4580EFC0806E}"/>
+              </a:ext>
+            </a:extLst>
+          </p:cNvPr>
+          <p:cNvPicPr>
+            <a:picLocks noChangeAspect="1"/>
+          </p:cNvPicPr>
+          <p:nvPr/>
+        </p:nvPicPr>
+        <p:blipFill>
+          <a:blip r:embed="rId2"/>
+          <a:stretch>
+            <a:fillRect/>
+          </a:stretch>
+        </p:blipFill>
+        <p:spPr>
+          <a:xfrm>
+            <a:off x="6702652" y="1277543"/>
+            <a:ext cx="4140573" cy="3189775"/>
+          </a:xfrm>
+          <a:prstGeom prst="rect">
+            <a:avLst/>
+          </a:prstGeom>
+          <a:ln>
+            <a:noFill/>
+          </a:ln>
+          <a:effectLst>
+            <a:outerShdw blurRad="190500" algn="tl" rotWithShape="0">
+              <a:srgbClr val="000000">
+                <a:alpha val="70000"/>
+              </a:srgbClr>
+            </a:outerShdw>
+          </a:effectLst>
+        </p:spPr>
+      </p:pic>
+    </p:spTree>
+    <p:extLst>
+      <p:ext uri="{BB962C8B-B14F-4D97-AF65-F5344CB8AC3E}">
+        <p14:creationId xmlns:p14="http://schemas.microsoft.com/office/powerpoint/2010/main" val="3302963428"/>
+      </p:ext>
+    </p:extLst>
+  </p:cSld>
+  <p:clrMapOvr>
+    <a:masterClrMapping/>
+  </p:clrMapOvr>
+</p:sld>
+</file>
+
+<file path=ppt/slides/slide5.xml><?xml version="1.0" encoding="utf-8"?>
+<p:sld xmlns:a="http://schemas.openxmlformats.org/drawingml/2006/main" xmlns:r="http://schemas.openxmlformats.org/officeDocument/2006/relationships" xmlns:p="http://schemas.openxmlformats.org/presentationml/2006/main">
+  <p:cSld>
+    <p:spTree>
+      <p:nvGrpSpPr>
+        <p:cNvPr id="1" name=""/>
+        <p:cNvGrpSpPr/>
+        <p:nvPr/>
+      </p:nvGrpSpPr>
+      <p:grpSpPr>
+        <a:xfrm>
+          <a:off x="0" y="0"/>
+          <a:ext cx="0" cy="0"/>
+          <a:chOff x="0" y="0"/>
+          <a:chExt cx="0" cy="0"/>
+        </a:xfrm>
+      </p:grpSpPr>
+      <p:sp>
+        <p:nvSpPr>
+          <p:cNvPr id="4" name="Slide Number Placeholder 3">
+            <a:extLst>
+              <a:ext uri="{FF2B5EF4-FFF2-40B4-BE49-F238E27FC236}">
+                <a16:creationId xmlns:a16="http://schemas.microsoft.com/office/drawing/2014/main" id="{CE249A5B-2987-46B0-A386-9A7899F9FC17}"/>
+              </a:ext>
+            </a:extLst>
+          </p:cNvPr>
+          <p:cNvSpPr txBox="1">
+            <a:spLocks/>
+          </p:cNvSpPr>
+          <p:nvPr/>
+        </p:nvSpPr>
+        <p:spPr>
+          <a:xfrm>
+            <a:off x="11319425" y="6018976"/>
+            <a:ext cx="428822" cy="196477"/>
+          </a:xfrm>
+          <a:prstGeom prst="rect">
+            <a:avLst/>
+          </a:prstGeom>
+        </p:spPr>
+        <p:txBody>
+          <a:bodyPr vert="horz" lIns="91440" tIns="45720" rIns="91440" bIns="45720" rtlCol="0" anchor="ctr"/>
+          <a:lstStyle>
+            <a:defPPr>
+              <a:defRPr lang="en-US"/>
+            </a:defPPr>
+            <a:lvl1pPr marL="0" algn="r" defTabSz="457200" rtl="0" eaLnBrk="1" latinLnBrk="0" hangingPunct="1">
+              <a:defRPr sz="1050" kern="1200">
+                <a:solidFill>
+                  <a:schemeClr val="tx1">
+                    <a:tint val="75000"/>
+                  </a:schemeClr>
+                </a:solidFill>
+                <a:latin typeface="+mn-lt"/>
+                <a:ea typeface="+mn-ea"/>
+                <a:cs typeface="+mn-cs"/>
+              </a:defRPr>
+            </a:lvl1pPr>
+            <a:lvl2pPr marL="457200" algn="l" defTabSz="457200" rtl="0" eaLnBrk="1" latinLnBrk="0" hangingPunct="1">
+              <a:defRPr sz="1800" kern="1200">
+                <a:solidFill>
+                  <a:schemeClr val="tx1"/>
+                </a:solidFill>
+                <a:latin typeface="+mn-lt"/>
+                <a:ea typeface="+mn-ea"/>
+                <a:cs typeface="+mn-cs"/>
+              </a:defRPr>
+            </a:lvl2pPr>
+            <a:lvl3pPr marL="914400" algn="l" defTabSz="457200" rtl="0" eaLnBrk="1" latinLnBrk="0" hangingPunct="1">
+              <a:defRPr sz="1800" kern="1200">
+                <a:solidFill>
+                  <a:schemeClr val="tx1"/>
+                </a:solidFill>
+                <a:latin typeface="+mn-lt"/>
+                <a:ea typeface="+mn-ea"/>
+                <a:cs typeface="+mn-cs"/>
+              </a:defRPr>
+            </a:lvl3pPr>
+            <a:lvl4pPr marL="1371600" algn="l" defTabSz="457200" rtl="0" eaLnBrk="1" latinLnBrk="0" hangingPunct="1">
+              <a:defRPr sz="1800" kern="1200">
+                <a:solidFill>
+                  <a:schemeClr val="tx1"/>
+                </a:solidFill>
+                <a:latin typeface="+mn-lt"/>
+                <a:ea typeface="+mn-ea"/>
+                <a:cs typeface="+mn-cs"/>
+              </a:defRPr>
+            </a:lvl4pPr>
+            <a:lvl5pPr marL="1828800" algn="l" defTabSz="457200" rtl="0" eaLnBrk="1" latinLnBrk="0" hangingPunct="1">
+              <a:defRPr sz="1800" kern="1200">
+                <a:solidFill>
+                  <a:schemeClr val="tx1"/>
+                </a:solidFill>
+                <a:latin typeface="+mn-lt"/>
+                <a:ea typeface="+mn-ea"/>
+                <a:cs typeface="+mn-cs"/>
+              </a:defRPr>
+            </a:lvl5pPr>
+            <a:lvl6pPr marL="2286000" algn="l" defTabSz="457200" rtl="0" eaLnBrk="1" latinLnBrk="0" hangingPunct="1">
+              <a:defRPr sz="1800" kern="1200">
+                <a:solidFill>
+                  <a:schemeClr val="tx1"/>
+                </a:solidFill>
+                <a:latin typeface="+mn-lt"/>
+                <a:ea typeface="+mn-ea"/>
+                <a:cs typeface="+mn-cs"/>
+              </a:defRPr>
+            </a:lvl6pPr>
+            <a:lvl7pPr marL="2743200" algn="l" defTabSz="457200" rtl="0" eaLnBrk="1" latinLnBrk="0" hangingPunct="1">
+              <a:defRPr sz="1800" kern="1200">
+                <a:solidFill>
+                  <a:schemeClr val="tx1"/>
+                </a:solidFill>
+                <a:latin typeface="+mn-lt"/>
+                <a:ea typeface="+mn-ea"/>
+                <a:cs typeface="+mn-cs"/>
+              </a:defRPr>
+            </a:lvl7pPr>
+            <a:lvl8pPr marL="3200400" algn="l" defTabSz="457200" rtl="0" eaLnBrk="1" latinLnBrk="0" hangingPunct="1">
+              <a:defRPr sz="1800" kern="1200">
+                <a:solidFill>
+                  <a:schemeClr val="tx1"/>
+                </a:solidFill>
+                <a:latin typeface="+mn-lt"/>
+                <a:ea typeface="+mn-ea"/>
+                <a:cs typeface="+mn-cs"/>
+              </a:defRPr>
+            </a:lvl8pPr>
+            <a:lvl9pPr marL="3657600" algn="l" defTabSz="457200" rtl="0" eaLnBrk="1" latinLnBrk="0" hangingPunct="1">
+              <a:defRPr sz="1800" kern="1200">
+                <a:solidFill>
+                  <a:schemeClr val="tx1"/>
+                </a:solidFill>
+                <a:latin typeface="+mn-lt"/>
+                <a:ea typeface="+mn-ea"/>
+                <a:cs typeface="+mn-cs"/>
+              </a:defRPr>
+            </a:lvl9pPr>
+          </a:lstStyle>
+          <a:p>
+            <a:pPr>
+              <a:defRPr/>
+            </a:pPr>
+            <a:fld id="{58452FF4-89E3-4D1B-9927-2DBDC00E58D7}" type="slidenum">
+              <a:rPr lang="en-US" smtClean="0"/>
+              <a:pPr>
+                <a:defRPr/>
+              </a:pPr>
+              <a:t>5</a:t>
+            </a:fld>
+            <a:endParaRPr lang="en-US" dirty="0"/>
+          </a:p>
+        </p:txBody>
+      </p:sp>
+      <p:sp>
+        <p:nvSpPr>
+          <p:cNvPr id="5" name="Content Placeholder 4">
+            <a:extLst>
+              <a:ext uri="{FF2B5EF4-FFF2-40B4-BE49-F238E27FC236}">
+                <a16:creationId xmlns:a16="http://schemas.microsoft.com/office/drawing/2014/main" id="{FDB53703-BA3C-4D0A-8927-3874D5E45A7B}"/>
+              </a:ext>
+            </a:extLst>
+          </p:cNvPr>
+          <p:cNvSpPr>
+            <a:spLocks noGrp="1"/>
+          </p:cNvSpPr>
+          <p:nvPr>
+            <p:ph idx="1"/>
+          </p:nvPr>
+        </p:nvSpPr>
+        <p:spPr>
+          <a:xfrm>
+            <a:off x="892838" y="1206522"/>
+            <a:ext cx="11696797" cy="5458202"/>
+          </a:xfrm>
+        </p:spPr>
+        <p:txBody>
+          <a:bodyPr>
+            <a:normAutofit/>
+          </a:bodyPr>
+          <a:lstStyle/>
+          <a:p>
+            <a:pPr>
+              <a:lnSpc>
+                <a:spcPct val="100000"/>
+              </a:lnSpc>
+            </a:pPr>
+            <a:r>
+              <a:rPr lang="en-GB" dirty="0"/>
+              <a:t>Designed for presentation layers </a:t>
+            </a:r>
+          </a:p>
+          <a:p>
+            <a:pPr>
+              <a:lnSpc>
+                <a:spcPct val="100000"/>
+              </a:lnSpc>
+            </a:pPr>
+            <a:r>
+              <a:rPr lang="en-GB" dirty="0"/>
+              <a:t>View handles output </a:t>
+            </a:r>
+          </a:p>
+          <a:p>
+            <a:pPr>
+              <a:lnSpc>
+                <a:spcPct val="100000"/>
+              </a:lnSpc>
+            </a:pPr>
+            <a:r>
+              <a:rPr lang="en-GB" dirty="0"/>
+              <a:t>Model handles data </a:t>
+            </a:r>
+          </a:p>
+          <a:p>
+            <a:pPr>
+              <a:lnSpc>
+                <a:spcPct val="100000"/>
+              </a:lnSpc>
+            </a:pPr>
+            <a:r>
+              <a:rPr lang="en-GB" dirty="0"/>
+              <a:t>Controller handles interaction </a:t>
+            </a:r>
+          </a:p>
+          <a:p>
+            <a:pPr>
+              <a:lnSpc>
+                <a:spcPct val="100000"/>
+              </a:lnSpc>
+            </a:pPr>
+            <a:r>
+              <a:rPr lang="en-US" dirty="0"/>
+              <a:t>Pros:</a:t>
+            </a:r>
+          </a:p>
+          <a:p>
+            <a:pPr lvl="1">
+              <a:lnSpc>
+                <a:spcPct val="100000"/>
+              </a:lnSpc>
+            </a:pPr>
+            <a:r>
+              <a:rPr lang="en-US" dirty="0"/>
+              <a:t>Strict separation of concerns </a:t>
+            </a:r>
+          </a:p>
+          <a:p>
+            <a:pPr lvl="1">
+              <a:lnSpc>
+                <a:spcPct val="100000"/>
+              </a:lnSpc>
+            </a:pPr>
+            <a:r>
+              <a:rPr lang="en-US" dirty="0"/>
+              <a:t>Scales well</a:t>
+            </a:r>
+          </a:p>
+          <a:p>
+            <a:pPr>
+              <a:lnSpc>
+                <a:spcPct val="100000"/>
+              </a:lnSpc>
+            </a:pPr>
+            <a:r>
+              <a:rPr lang="en-US" dirty="0"/>
+              <a:t>Cons:</a:t>
+            </a:r>
+          </a:p>
+          <a:p>
+            <a:pPr lvl="1">
+              <a:lnSpc>
+                <a:spcPct val="100000"/>
+              </a:lnSpc>
+            </a:pPr>
+            <a:r>
+              <a:rPr lang="en-US" dirty="0"/>
+              <a:t>High overhead </a:t>
+            </a:r>
+          </a:p>
+          <a:p>
+            <a:pPr lvl="1">
+              <a:lnSpc>
+                <a:spcPct val="100000"/>
+              </a:lnSpc>
+            </a:pPr>
+            <a:r>
+              <a:rPr lang="en-US" dirty="0"/>
+              <a:t>Scattered code </a:t>
+            </a:r>
+          </a:p>
+          <a:p>
+            <a:pPr lvl="1">
+              <a:lnSpc>
+                <a:spcPct val="100000"/>
+              </a:lnSpc>
+            </a:pPr>
+            <a:r>
+              <a:rPr lang="en-US" dirty="0"/>
+              <a:t>Hard to data-bind</a:t>
+            </a:r>
+          </a:p>
+        </p:txBody>
+      </p:sp>
+      <p:sp>
+        <p:nvSpPr>
+          <p:cNvPr id="6" name="Title 3">
+            <a:extLst>
+              <a:ext uri="{FF2B5EF4-FFF2-40B4-BE49-F238E27FC236}">
+                <a16:creationId xmlns:a16="http://schemas.microsoft.com/office/drawing/2014/main" id="{2C477925-D85C-4A45-8050-0DB80307AE8C}"/>
+              </a:ext>
+            </a:extLst>
+          </p:cNvPr>
+          <p:cNvSpPr>
+            <a:spLocks noGrp="1"/>
+          </p:cNvSpPr>
+          <p:nvPr>
+            <p:ph type="title"/>
+          </p:nvPr>
+        </p:nvSpPr>
+        <p:spPr>
+          <a:xfrm>
+            <a:off x="892838" y="112491"/>
+            <a:ext cx="9905998" cy="1478570"/>
+          </a:xfrm>
+        </p:spPr>
+        <p:txBody>
+          <a:bodyPr/>
+          <a:lstStyle/>
+          <a:p>
+            <a:pPr algn="ctr">
+              <a:lnSpc>
+                <a:spcPct val="100000"/>
+              </a:lnSpc>
+            </a:pPr>
+            <a:r>
+              <a:rPr lang="en-GB" dirty="0"/>
+              <a:t>MVC Pattern</a:t>
+            </a:r>
+            <a:endParaRPr lang="pt-BR" dirty="0"/>
+          </a:p>
+        </p:txBody>
+      </p:sp>
+      <p:pic>
+        <p:nvPicPr>
+          <p:cNvPr id="7" name="Picture 6">
+            <a:extLst>
+              <a:ext uri="{FF2B5EF4-FFF2-40B4-BE49-F238E27FC236}">
+                <a16:creationId xmlns:a16="http://schemas.microsoft.com/office/drawing/2014/main" id="{55D8ABEB-8D7F-479D-8AB2-0CC2C7ED5E7D}"/>
+              </a:ext>
+            </a:extLst>
+          </p:cNvPr>
+          <p:cNvPicPr>
+            <a:picLocks noChangeAspect="1"/>
+          </p:cNvPicPr>
+          <p:nvPr/>
+        </p:nvPicPr>
+        <p:blipFill>
+          <a:blip r:embed="rId2"/>
+          <a:stretch>
+            <a:fillRect/>
+          </a:stretch>
+        </p:blipFill>
+        <p:spPr>
+          <a:xfrm>
+            <a:off x="5946357" y="1365879"/>
+            <a:ext cx="4257675" cy="2638425"/>
+          </a:xfrm>
+          <a:prstGeom prst="rect">
+            <a:avLst/>
+          </a:prstGeom>
+          <a:ln>
+            <a:noFill/>
+          </a:ln>
+          <a:effectLst>
+            <a:outerShdw blurRad="190500" algn="tl" rotWithShape="0">
+              <a:srgbClr val="000000">
+                <a:alpha val="70000"/>
+              </a:srgbClr>
+            </a:outerShdw>
+          </a:effectLst>
+        </p:spPr>
+      </p:pic>
+    </p:spTree>
+    <p:extLst>
+      <p:ext uri="{BB962C8B-B14F-4D97-AF65-F5344CB8AC3E}">
+        <p14:creationId xmlns:p14="http://schemas.microsoft.com/office/powerpoint/2010/main" val="2795263114"/>
+      </p:ext>
+    </p:extLst>
+  </p:cSld>
+  <p:clrMapOvr>
+    <a:masterClrMapping/>
+  </p:clrMapOvr>
+</p:sld>
+</file>
+
+<file path=ppt/slides/slide6.xml><?xml version="1.0" encoding="utf-8"?>
+<p:sld xmlns:a="http://schemas.openxmlformats.org/drawingml/2006/main" xmlns:r="http://schemas.openxmlformats.org/officeDocument/2006/relationships" xmlns:p="http://schemas.openxmlformats.org/presentationml/2006/main">
+  <p:cSld>
+    <p:spTree>
+      <p:nvGrpSpPr>
+        <p:cNvPr id="1" name=""/>
+        <p:cNvGrpSpPr/>
+        <p:nvPr/>
+      </p:nvGrpSpPr>
+      <p:grpSpPr>
+        <a:xfrm>
+          <a:off x="0" y="0"/>
+          <a:ext cx="0" cy="0"/>
+          <a:chOff x="0" y="0"/>
+          <a:chExt cx="0" cy="0"/>
+        </a:xfrm>
+      </p:grpSpPr>
+      <p:sp>
+        <p:nvSpPr>
+          <p:cNvPr id="2" name="Title 1">
+            <a:extLst>
+              <a:ext uri="{FF2B5EF4-FFF2-40B4-BE49-F238E27FC236}">
+                <a16:creationId xmlns:a16="http://schemas.microsoft.com/office/drawing/2014/main" id="{D631A93E-5D73-4C66-80B7-ABE8E16BBB97}"/>
+              </a:ext>
+            </a:extLst>
+          </p:cNvPr>
+          <p:cNvSpPr>
+            <a:spLocks noGrp="1"/>
+          </p:cNvSpPr>
+          <p:nvPr>
+            <p:ph type="title"/>
+          </p:nvPr>
+        </p:nvSpPr>
+        <p:spPr>
+          <a:xfrm>
+            <a:off x="1017126" y="-65062"/>
+            <a:ext cx="9905998" cy="1478570"/>
+          </a:xfrm>
+        </p:spPr>
+        <p:txBody>
+          <a:bodyPr/>
+          <a:lstStyle/>
+          <a:p>
+            <a:pPr algn="ctr"/>
+            <a:r>
+              <a:rPr lang="en-US" dirty="0"/>
+              <a:t>Students manager</a:t>
+            </a:r>
+          </a:p>
+        </p:txBody>
+      </p:sp>
+      <p:pic>
+        <p:nvPicPr>
+          <p:cNvPr id="7" name="Picture 6">
+            <a:extLst>
+              <a:ext uri="{FF2B5EF4-FFF2-40B4-BE49-F238E27FC236}">
+                <a16:creationId xmlns:a16="http://schemas.microsoft.com/office/drawing/2014/main" id="{006EC230-C787-4D48-B274-C5986E31459D}"/>
+              </a:ext>
+            </a:extLst>
+          </p:cNvPr>
+          <p:cNvPicPr>
+            <a:picLocks noChangeAspect="1"/>
+          </p:cNvPicPr>
+          <p:nvPr/>
+        </p:nvPicPr>
+        <p:blipFill>
+          <a:blip r:embed="rId2"/>
+          <a:stretch>
+            <a:fillRect/>
+          </a:stretch>
+        </p:blipFill>
+        <p:spPr>
+          <a:xfrm>
+            <a:off x="0" y="1145218"/>
+            <a:ext cx="4005368" cy="2219709"/>
+          </a:xfrm>
+          <a:prstGeom prst="rect">
+            <a:avLst/>
+          </a:prstGeom>
+        </p:spPr>
+      </p:pic>
+      <p:pic>
+        <p:nvPicPr>
+          <p:cNvPr id="9" name="Picture 8">
+            <a:extLst>
+              <a:ext uri="{FF2B5EF4-FFF2-40B4-BE49-F238E27FC236}">
+                <a16:creationId xmlns:a16="http://schemas.microsoft.com/office/drawing/2014/main" id="{5BFCD027-E7A6-4931-A490-0E541DA6B228}"/>
+              </a:ext>
+            </a:extLst>
+          </p:cNvPr>
+          <p:cNvPicPr>
+            <a:picLocks noChangeAspect="1"/>
+          </p:cNvPicPr>
+          <p:nvPr/>
+        </p:nvPicPr>
+        <p:blipFill>
+          <a:blip r:embed="rId3"/>
+          <a:stretch>
+            <a:fillRect/>
+          </a:stretch>
+        </p:blipFill>
+        <p:spPr>
+          <a:xfrm>
+            <a:off x="3089120" y="1145218"/>
+            <a:ext cx="4850475" cy="2219709"/>
+          </a:xfrm>
+          <a:prstGeom prst="rect">
+            <a:avLst/>
+          </a:prstGeom>
+        </p:spPr>
+      </p:pic>
+      <p:pic>
+        <p:nvPicPr>
+          <p:cNvPr id="13" name="Picture 12">
+            <a:extLst>
+              <a:ext uri="{FF2B5EF4-FFF2-40B4-BE49-F238E27FC236}">
+                <a16:creationId xmlns:a16="http://schemas.microsoft.com/office/drawing/2014/main" id="{6703CFA8-C25C-4840-A758-9AA4959A53BF}"/>
+              </a:ext>
+            </a:extLst>
+          </p:cNvPr>
+          <p:cNvPicPr>
+            <a:picLocks noChangeAspect="1"/>
+          </p:cNvPicPr>
+          <p:nvPr/>
+        </p:nvPicPr>
+        <p:blipFill>
+          <a:blip r:embed="rId4"/>
+          <a:stretch>
+            <a:fillRect/>
+          </a:stretch>
+        </p:blipFill>
+        <p:spPr>
+          <a:xfrm>
+            <a:off x="7897604" y="1145218"/>
+            <a:ext cx="4294396" cy="2219709"/>
+          </a:xfrm>
+          <a:prstGeom prst="rect">
+            <a:avLst/>
+          </a:prstGeom>
+        </p:spPr>
+      </p:pic>
+      <p:pic>
+        <p:nvPicPr>
+          <p:cNvPr id="15" name="Graphic 14" descr="Server with solid fill">
+            <a:extLst>
+              <a:ext uri="{FF2B5EF4-FFF2-40B4-BE49-F238E27FC236}">
+                <a16:creationId xmlns:a16="http://schemas.microsoft.com/office/drawing/2014/main" id="{C1D1E781-A880-456E-BC97-C3C5F9A85763}"/>
+              </a:ext>
+            </a:extLst>
+          </p:cNvPr>
+          <p:cNvPicPr>
+            <a:picLocks noChangeAspect="1"/>
+          </p:cNvPicPr>
+          <p:nvPr/>
+        </p:nvPicPr>
+        <p:blipFill>
+          <a:blip r:embed="rId5">
+            <a:extLst>
+              <a:ext uri="{28A0092B-C50C-407E-A947-70E740481C1C}">
+                <a14:useLocalDpi xmlns:a14="http://schemas.microsoft.com/office/drawing/2010/main" val="0"/>
+              </a:ext>
+              <a:ext uri="{96DAC541-7B7A-43D3-8B79-37D633B846F1}">
+                <asvg:svgBlip xmlns:asvg="http://schemas.microsoft.com/office/drawing/2016/SVG/main" r:embed="rId6"/>
+              </a:ext>
+            </a:extLst>
+          </a:blip>
+          <a:stretch>
+            <a:fillRect/>
+          </a:stretch>
+        </p:blipFill>
+        <p:spPr>
+          <a:xfrm>
+            <a:off x="7697540" y="3487403"/>
+            <a:ext cx="1464215" cy="1464215"/>
+          </a:xfrm>
+          <a:prstGeom prst="rect">
+            <a:avLst/>
+          </a:prstGeom>
+        </p:spPr>
+      </p:pic>
+      <p:pic>
+        <p:nvPicPr>
+          <p:cNvPr id="17" name="Graphic 16" descr="Internet with solid fill">
+            <a:extLst>
+              <a:ext uri="{FF2B5EF4-FFF2-40B4-BE49-F238E27FC236}">
+                <a16:creationId xmlns:a16="http://schemas.microsoft.com/office/drawing/2014/main" id="{81C9BF78-F3D7-44FB-811E-4DDEAF55B310}"/>
+              </a:ext>
+            </a:extLst>
+          </p:cNvPr>
+          <p:cNvPicPr>
+            <a:picLocks noChangeAspect="1"/>
+          </p:cNvPicPr>
+          <p:nvPr/>
+        </p:nvPicPr>
+        <p:blipFill>
+          <a:blip r:embed="rId7">
+            <a:extLst>
+              <a:ext uri="{28A0092B-C50C-407E-A947-70E740481C1C}">
+                <a14:useLocalDpi xmlns:a14="http://schemas.microsoft.com/office/drawing/2010/main" val="0"/>
+              </a:ext>
+              <a:ext uri="{96DAC541-7B7A-43D3-8B79-37D633B846F1}">
+                <asvg:svgBlip xmlns:asvg="http://schemas.microsoft.com/office/drawing/2016/SVG/main" r:embed="rId8"/>
+              </a:ext>
+            </a:extLst>
+          </a:blip>
+          <a:stretch>
+            <a:fillRect/>
+          </a:stretch>
+        </p:blipFill>
+        <p:spPr>
+          <a:xfrm>
+            <a:off x="2002684" y="3311188"/>
+            <a:ext cx="1823592" cy="1823592"/>
+          </a:xfrm>
+          <a:prstGeom prst="rect">
+            <a:avLst/>
+          </a:prstGeom>
+        </p:spPr>
+      </p:pic>
+    </p:spTree>
+    <p:extLst>
+      <p:ext uri="{BB962C8B-B14F-4D97-AF65-F5344CB8AC3E}">
+        <p14:creationId xmlns:p14="http://schemas.microsoft.com/office/powerpoint/2010/main" val="383200185"/>
       </p:ext>
     </p:extLst>
   </p:cSld>

--- a/intro/lecture.pptx
+++ b/intro/lecture.pptx
@@ -11,6 +11,8 @@
     <p:sldId id="259" r:id="rId5"/>
     <p:sldId id="260" r:id="rId6"/>
     <p:sldId id="261" r:id="rId7"/>
+    <p:sldId id="262" r:id="rId8"/>
+    <p:sldId id="263" r:id="rId9"/>
   </p:sldIdLst>
   <p:sldSz cx="12192000" cy="6858000"/>
   <p:notesSz cx="6858000" cy="9144000"/>
@@ -12622,7 +12624,7 @@
         </p:nvSpPr>
         <p:spPr>
           <a:xfrm>
-            <a:off x="1141411" y="1981199"/>
+            <a:off x="1141410" y="1501805"/>
             <a:ext cx="9905999" cy="4876801"/>
           </a:xfrm>
         </p:spPr>
@@ -14049,7 +14051,7 @@
         </p:blipFill>
         <p:spPr>
           <a:xfrm>
-            <a:off x="7697540" y="3487403"/>
+            <a:off x="7750806" y="3743090"/>
             <a:ext cx="1464215" cy="1464215"/>
           </a:xfrm>
           <a:prstGeom prst="rect">
@@ -14088,7 +14090,7 @@
         </p:blipFill>
         <p:spPr>
           <a:xfrm>
-            <a:off x="2002684" y="3311188"/>
+            <a:off x="2002684" y="3494862"/>
             <a:ext cx="1823592" cy="1823592"/>
           </a:xfrm>
           <a:prstGeom prst="rect">
@@ -14096,10 +14098,1424 @@
           </a:prstGeom>
         </p:spPr>
       </p:pic>
+      <p:sp>
+        <p:nvSpPr>
+          <p:cNvPr id="3" name="TextBox 2">
+            <a:extLst>
+              <a:ext uri="{FF2B5EF4-FFF2-40B4-BE49-F238E27FC236}">
+                <a16:creationId xmlns:a16="http://schemas.microsoft.com/office/drawing/2014/main" id="{2A39C48D-95E0-46DB-872F-452435A17CC3}"/>
+              </a:ext>
+            </a:extLst>
+          </p:cNvPr>
+          <p:cNvSpPr txBox="1"/>
+          <p:nvPr/>
+        </p:nvSpPr>
+        <p:spPr>
+          <a:xfrm>
+            <a:off x="904321" y="3487403"/>
+            <a:ext cx="5521910" cy="369332"/>
+          </a:xfrm>
+          <a:prstGeom prst="rect">
+            <a:avLst/>
+          </a:prstGeom>
+          <a:noFill/>
+        </p:spPr>
+        <p:txBody>
+          <a:bodyPr wrap="square" rtlCol="0">
+            <a:spAutoFit/>
+          </a:bodyPr>
+          <a:lstStyle/>
+          <a:p>
+            <a:r>
+              <a:rPr lang="ru-RU" dirty="0"/>
+              <a:t>Клиент е </a:t>
+            </a:r>
+            <a:r>
+              <a:rPr lang="ru-RU" dirty="0" err="1"/>
+              <a:t>браузърът</a:t>
+            </a:r>
+            <a:r>
+              <a:rPr lang="ru-RU" dirty="0"/>
+              <a:t> на </a:t>
+            </a:r>
+            <a:r>
+              <a:rPr lang="ru-RU" dirty="0" err="1"/>
+              <a:t>текущия</a:t>
+            </a:r>
+            <a:r>
+              <a:rPr lang="ru-RU" dirty="0"/>
+              <a:t> </a:t>
+            </a:r>
+            <a:r>
+              <a:rPr lang="ru-RU" dirty="0" err="1"/>
+              <a:t>потребител</a:t>
+            </a:r>
+            <a:endParaRPr lang="en-US" dirty="0"/>
+          </a:p>
+        </p:txBody>
+      </p:sp>
+      <p:sp>
+        <p:nvSpPr>
+          <p:cNvPr id="10" name="TextBox 9">
+            <a:extLst>
+              <a:ext uri="{FF2B5EF4-FFF2-40B4-BE49-F238E27FC236}">
+                <a16:creationId xmlns:a16="http://schemas.microsoft.com/office/drawing/2014/main" id="{B0C03937-F36F-40E8-96B5-2CE6B109B114}"/>
+              </a:ext>
+            </a:extLst>
+          </p:cNvPr>
+          <p:cNvSpPr txBox="1"/>
+          <p:nvPr/>
+        </p:nvSpPr>
+        <p:spPr>
+          <a:xfrm>
+            <a:off x="6744810" y="3487403"/>
+            <a:ext cx="6103398" cy="369332"/>
+          </a:xfrm>
+          <a:prstGeom prst="rect">
+            <a:avLst/>
+          </a:prstGeom>
+          <a:noFill/>
+        </p:spPr>
+        <p:txBody>
+          <a:bodyPr wrap="square">
+            <a:spAutoFit/>
+          </a:bodyPr>
+          <a:lstStyle/>
+          <a:p>
+            <a:r>
+              <a:rPr lang="en-US" dirty="0" err="1"/>
+              <a:t>Уеб</a:t>
+            </a:r>
+            <a:r>
+              <a:rPr lang="en-US" dirty="0"/>
+              <a:t> </a:t>
+            </a:r>
+            <a:r>
+              <a:rPr lang="en-US" dirty="0" err="1"/>
+              <a:t>приложение</a:t>
+            </a:r>
+            <a:r>
+              <a:rPr lang="en-US" dirty="0"/>
+              <a:t>, </a:t>
+            </a:r>
+            <a:r>
+              <a:rPr lang="en-US" dirty="0" err="1"/>
+              <a:t>хостнато</a:t>
+            </a:r>
+            <a:r>
+              <a:rPr lang="en-US" dirty="0"/>
+              <a:t> </a:t>
+            </a:r>
+            <a:r>
+              <a:rPr lang="en-US" dirty="0" err="1"/>
+              <a:t>на</a:t>
+            </a:r>
+            <a:r>
+              <a:rPr lang="en-US" dirty="0"/>
+              <a:t> </a:t>
+            </a:r>
+            <a:r>
+              <a:rPr lang="en-US" dirty="0" err="1"/>
+              <a:t>уеб</a:t>
+            </a:r>
+            <a:r>
+              <a:rPr lang="en-US" dirty="0"/>
+              <a:t> </a:t>
+            </a:r>
+            <a:r>
+              <a:rPr lang="en-US" dirty="0" err="1"/>
+              <a:t>сървър</a:t>
+            </a:r>
+            <a:endParaRPr lang="en-US" dirty="0"/>
+          </a:p>
+        </p:txBody>
+      </p:sp>
+      <p:cxnSp>
+        <p:nvCxnSpPr>
+          <p:cNvPr id="6" name="Straight Arrow Connector 5">
+            <a:extLst>
+              <a:ext uri="{FF2B5EF4-FFF2-40B4-BE49-F238E27FC236}">
+                <a16:creationId xmlns:a16="http://schemas.microsoft.com/office/drawing/2014/main" id="{DE65F756-2835-4790-BC91-352DB1A42828}"/>
+              </a:ext>
+            </a:extLst>
+          </p:cNvPr>
+          <p:cNvCxnSpPr>
+            <a:cxnSpLocks/>
+          </p:cNvCxnSpPr>
+          <p:nvPr/>
+        </p:nvCxnSpPr>
+        <p:spPr>
+          <a:xfrm>
+            <a:off x="3826276" y="4211350"/>
+            <a:ext cx="3924530" cy="0"/>
+          </a:xfrm>
+          <a:prstGeom prst="straightConnector1">
+            <a:avLst/>
+          </a:prstGeom>
+          <a:ln>
+            <a:tailEnd type="triangle"/>
+          </a:ln>
+        </p:spPr>
+        <p:style>
+          <a:lnRef idx="1">
+            <a:schemeClr val="dk1"/>
+          </a:lnRef>
+          <a:fillRef idx="0">
+            <a:schemeClr val="dk1"/>
+          </a:fillRef>
+          <a:effectRef idx="0">
+            <a:schemeClr val="dk1"/>
+          </a:effectRef>
+          <a:fontRef idx="minor">
+            <a:schemeClr val="tx1"/>
+          </a:fontRef>
+        </p:style>
+      </p:cxnSp>
+      <p:sp>
+        <p:nvSpPr>
+          <p:cNvPr id="14" name="TextBox 13">
+            <a:extLst>
+              <a:ext uri="{FF2B5EF4-FFF2-40B4-BE49-F238E27FC236}">
+                <a16:creationId xmlns:a16="http://schemas.microsoft.com/office/drawing/2014/main" id="{EA458894-E858-4761-85A3-769D2584AF8E}"/>
+              </a:ext>
+            </a:extLst>
+          </p:cNvPr>
+          <p:cNvSpPr txBox="1"/>
+          <p:nvPr/>
+        </p:nvSpPr>
+        <p:spPr>
+          <a:xfrm>
+            <a:off x="4630664" y="3843094"/>
+            <a:ext cx="2114146" cy="369325"/>
+          </a:xfrm>
+          <a:prstGeom prst="rect">
+            <a:avLst/>
+          </a:prstGeom>
+          <a:noFill/>
+        </p:spPr>
+        <p:txBody>
+          <a:bodyPr wrap="square" rtlCol="0">
+            <a:spAutoFit/>
+          </a:bodyPr>
+          <a:lstStyle/>
+          <a:p>
+            <a:r>
+              <a:rPr lang="en-US" dirty="0"/>
+              <a:t>www.manager.com</a:t>
+            </a:r>
+          </a:p>
+        </p:txBody>
+      </p:sp>
+      <p:cxnSp>
+        <p:nvCxnSpPr>
+          <p:cNvPr id="16" name="Straight Arrow Connector 15">
+            <a:extLst>
+              <a:ext uri="{FF2B5EF4-FFF2-40B4-BE49-F238E27FC236}">
+                <a16:creationId xmlns:a16="http://schemas.microsoft.com/office/drawing/2014/main" id="{F827F54F-B8CE-4D6B-B667-295A48945F69}"/>
+              </a:ext>
+            </a:extLst>
+          </p:cNvPr>
+          <p:cNvCxnSpPr>
+            <a:cxnSpLocks/>
+          </p:cNvCxnSpPr>
+          <p:nvPr/>
+        </p:nvCxnSpPr>
+        <p:spPr>
+          <a:xfrm flipH="1" flipV="1">
+            <a:off x="3826276" y="4503578"/>
+            <a:ext cx="3924530" cy="21883"/>
+          </a:xfrm>
+          <a:prstGeom prst="straightConnector1">
+            <a:avLst/>
+          </a:prstGeom>
+          <a:ln>
+            <a:tailEnd type="triangle"/>
+          </a:ln>
+        </p:spPr>
+        <p:style>
+          <a:lnRef idx="1">
+            <a:schemeClr val="dk1"/>
+          </a:lnRef>
+          <a:fillRef idx="0">
+            <a:schemeClr val="dk1"/>
+          </a:fillRef>
+          <a:effectRef idx="0">
+            <a:schemeClr val="dk1"/>
+          </a:effectRef>
+          <a:fontRef idx="minor">
+            <a:schemeClr val="tx1"/>
+          </a:fontRef>
+        </p:style>
+      </p:cxnSp>
+      <p:sp>
+        <p:nvSpPr>
+          <p:cNvPr id="19" name="TextBox 18">
+            <a:extLst>
+              <a:ext uri="{FF2B5EF4-FFF2-40B4-BE49-F238E27FC236}">
+                <a16:creationId xmlns:a16="http://schemas.microsoft.com/office/drawing/2014/main" id="{20B6E233-12A5-438F-B9B4-6EB53507A5B7}"/>
+              </a:ext>
+            </a:extLst>
+          </p:cNvPr>
+          <p:cNvSpPr txBox="1"/>
+          <p:nvPr/>
+        </p:nvSpPr>
+        <p:spPr>
+          <a:xfrm>
+            <a:off x="4441195" y="4218273"/>
+            <a:ext cx="3576162" cy="307777"/>
+          </a:xfrm>
+          <a:prstGeom prst="rect">
+            <a:avLst/>
+          </a:prstGeom>
+          <a:noFill/>
+        </p:spPr>
+        <p:txBody>
+          <a:bodyPr wrap="square" rtlCol="0">
+            <a:spAutoFit/>
+          </a:bodyPr>
+          <a:lstStyle/>
+          <a:p>
+            <a:r>
+              <a:rPr lang="en-US" sz="1400" dirty="0"/>
+              <a:t>HTML, CSS, JS, Pictures…</a:t>
+            </a:r>
+          </a:p>
+        </p:txBody>
+      </p:sp>
+      <p:cxnSp>
+        <p:nvCxnSpPr>
+          <p:cNvPr id="32" name="Straight Arrow Connector 31">
+            <a:extLst>
+              <a:ext uri="{FF2B5EF4-FFF2-40B4-BE49-F238E27FC236}">
+                <a16:creationId xmlns:a16="http://schemas.microsoft.com/office/drawing/2014/main" id="{3380BB06-5F0C-495B-B2B1-DD26C431517A}"/>
+              </a:ext>
+            </a:extLst>
+          </p:cNvPr>
+          <p:cNvCxnSpPr>
+            <a:cxnSpLocks/>
+          </p:cNvCxnSpPr>
+          <p:nvPr/>
+        </p:nvCxnSpPr>
+        <p:spPr>
+          <a:xfrm flipH="1" flipV="1">
+            <a:off x="3826276" y="5123969"/>
+            <a:ext cx="3924530" cy="21883"/>
+          </a:xfrm>
+          <a:prstGeom prst="straightConnector1">
+            <a:avLst/>
+          </a:prstGeom>
+          <a:ln>
+            <a:tailEnd type="triangle"/>
+          </a:ln>
+        </p:spPr>
+        <p:style>
+          <a:lnRef idx="1">
+            <a:schemeClr val="dk1"/>
+          </a:lnRef>
+          <a:fillRef idx="0">
+            <a:schemeClr val="dk1"/>
+          </a:fillRef>
+          <a:effectRef idx="0">
+            <a:schemeClr val="dk1"/>
+          </a:effectRef>
+          <a:fontRef idx="minor">
+            <a:schemeClr val="tx1"/>
+          </a:fontRef>
+        </p:style>
+      </p:cxnSp>
+      <p:sp>
+        <p:nvSpPr>
+          <p:cNvPr id="33" name="TextBox 32">
+            <a:extLst>
+              <a:ext uri="{FF2B5EF4-FFF2-40B4-BE49-F238E27FC236}">
+                <a16:creationId xmlns:a16="http://schemas.microsoft.com/office/drawing/2014/main" id="{04660495-F231-4756-A420-39C30E6E1818}"/>
+              </a:ext>
+            </a:extLst>
+          </p:cNvPr>
+          <p:cNvSpPr txBox="1"/>
+          <p:nvPr/>
+        </p:nvSpPr>
+        <p:spPr>
+          <a:xfrm>
+            <a:off x="4502267" y="4781148"/>
+            <a:ext cx="3576162" cy="307777"/>
+          </a:xfrm>
+          <a:prstGeom prst="rect">
+            <a:avLst/>
+          </a:prstGeom>
+          <a:noFill/>
+        </p:spPr>
+        <p:txBody>
+          <a:bodyPr wrap="square" rtlCol="0">
+            <a:spAutoFit/>
+          </a:bodyPr>
+          <a:lstStyle/>
+          <a:p>
+            <a:r>
+              <a:rPr lang="en-US" sz="1400" dirty="0"/>
+              <a:t>HTML, CSS, JS, Pictures…</a:t>
+            </a:r>
+          </a:p>
+        </p:txBody>
+      </p:sp>
+      <p:sp>
+        <p:nvSpPr>
+          <p:cNvPr id="34" name="TextBox 33">
+            <a:extLst>
+              <a:ext uri="{FF2B5EF4-FFF2-40B4-BE49-F238E27FC236}">
+                <a16:creationId xmlns:a16="http://schemas.microsoft.com/office/drawing/2014/main" id="{8835735E-350D-4F04-9B91-B9FAF80ADDA5}"/>
+              </a:ext>
+            </a:extLst>
+          </p:cNvPr>
+          <p:cNvSpPr txBox="1"/>
+          <p:nvPr/>
+        </p:nvSpPr>
+        <p:spPr>
+          <a:xfrm>
+            <a:off x="4522871" y="4458903"/>
+            <a:ext cx="2560821" cy="369332"/>
+          </a:xfrm>
+          <a:prstGeom prst="rect">
+            <a:avLst/>
+          </a:prstGeom>
+          <a:noFill/>
+        </p:spPr>
+        <p:txBody>
+          <a:bodyPr wrap="square" rtlCol="0">
+            <a:spAutoFit/>
+          </a:bodyPr>
+          <a:lstStyle/>
+          <a:p>
+            <a:r>
+              <a:rPr lang="en-US" dirty="0"/>
+              <a:t>www.manager.com/Tests</a:t>
+            </a:r>
+          </a:p>
+        </p:txBody>
+      </p:sp>
+      <p:cxnSp>
+        <p:nvCxnSpPr>
+          <p:cNvPr id="35" name="Straight Arrow Connector 34">
+            <a:extLst>
+              <a:ext uri="{FF2B5EF4-FFF2-40B4-BE49-F238E27FC236}">
+                <a16:creationId xmlns:a16="http://schemas.microsoft.com/office/drawing/2014/main" id="{FBE75B64-A013-43D6-8B2D-51EB4CF02106}"/>
+              </a:ext>
+            </a:extLst>
+          </p:cNvPr>
+          <p:cNvCxnSpPr>
+            <a:cxnSpLocks/>
+          </p:cNvCxnSpPr>
+          <p:nvPr/>
+        </p:nvCxnSpPr>
+        <p:spPr>
+          <a:xfrm>
+            <a:off x="3959551" y="4797949"/>
+            <a:ext cx="3924530" cy="0"/>
+          </a:xfrm>
+          <a:prstGeom prst="straightConnector1">
+            <a:avLst/>
+          </a:prstGeom>
+          <a:ln>
+            <a:tailEnd type="triangle"/>
+          </a:ln>
+        </p:spPr>
+        <p:style>
+          <a:lnRef idx="1">
+            <a:schemeClr val="dk1"/>
+          </a:lnRef>
+          <a:fillRef idx="0">
+            <a:schemeClr val="dk1"/>
+          </a:fillRef>
+          <a:effectRef idx="0">
+            <a:schemeClr val="dk1"/>
+          </a:effectRef>
+          <a:fontRef idx="minor">
+            <a:schemeClr val="tx1"/>
+          </a:fontRef>
+        </p:style>
+      </p:cxnSp>
     </p:spTree>
     <p:extLst>
       <p:ext uri="{BB962C8B-B14F-4D97-AF65-F5344CB8AC3E}">
         <p14:creationId xmlns:p14="http://schemas.microsoft.com/office/powerpoint/2010/main" val="383200185"/>
+      </p:ext>
+    </p:extLst>
+  </p:cSld>
+  <p:clrMapOvr>
+    <a:masterClrMapping/>
+  </p:clrMapOvr>
+</p:sld>
+</file>
+
+<file path=ppt/slides/slide7.xml><?xml version="1.0" encoding="utf-8"?>
+<p:sld xmlns:a="http://schemas.openxmlformats.org/drawingml/2006/main" xmlns:r="http://schemas.openxmlformats.org/officeDocument/2006/relationships" xmlns:p="http://schemas.openxmlformats.org/presentationml/2006/main">
+  <p:cSld>
+    <p:spTree>
+      <p:nvGrpSpPr>
+        <p:cNvPr id="1" name=""/>
+        <p:cNvGrpSpPr/>
+        <p:nvPr/>
+      </p:nvGrpSpPr>
+      <p:grpSpPr>
+        <a:xfrm>
+          <a:off x="0" y="0"/>
+          <a:ext cx="0" cy="0"/>
+          <a:chOff x="0" y="0"/>
+          <a:chExt cx="0" cy="0"/>
+        </a:xfrm>
+      </p:grpSpPr>
+      <p:pic>
+        <p:nvPicPr>
+          <p:cNvPr id="24" name="Graphic 23" descr="Server with solid fill">
+            <a:extLst>
+              <a:ext uri="{FF2B5EF4-FFF2-40B4-BE49-F238E27FC236}">
+                <a16:creationId xmlns:a16="http://schemas.microsoft.com/office/drawing/2014/main" id="{9AE7C9DF-38F0-402E-80BF-75F9ADC3D00A}"/>
+              </a:ext>
+            </a:extLst>
+          </p:cNvPr>
+          <p:cNvPicPr>
+            <a:picLocks noChangeAspect="1"/>
+          </p:cNvPicPr>
+          <p:nvPr/>
+        </p:nvPicPr>
+        <p:blipFill>
+          <a:blip r:embed="rId2">
+            <a:extLst>
+              <a:ext uri="{28A0092B-C50C-407E-A947-70E740481C1C}">
+                <a14:useLocalDpi xmlns:a14="http://schemas.microsoft.com/office/drawing/2010/main" val="0"/>
+              </a:ext>
+              <a:ext uri="{96DAC541-7B7A-43D3-8B79-37D633B846F1}">
+                <asvg:svgBlip xmlns:asvg="http://schemas.microsoft.com/office/drawing/2016/SVG/main" r:embed="rId3"/>
+              </a:ext>
+            </a:extLst>
+          </a:blip>
+          <a:stretch>
+            <a:fillRect/>
+          </a:stretch>
+        </p:blipFill>
+        <p:spPr>
+          <a:xfrm>
+            <a:off x="7697540" y="3500021"/>
+            <a:ext cx="2476270" cy="2476270"/>
+          </a:xfrm>
+          <a:prstGeom prst="rect">
+            <a:avLst/>
+          </a:prstGeom>
+        </p:spPr>
+      </p:pic>
+      <p:pic>
+        <p:nvPicPr>
+          <p:cNvPr id="25" name="Graphic 24" descr="Internet with solid fill">
+            <a:extLst>
+              <a:ext uri="{FF2B5EF4-FFF2-40B4-BE49-F238E27FC236}">
+                <a16:creationId xmlns:a16="http://schemas.microsoft.com/office/drawing/2014/main" id="{A086C33B-47FC-4132-9094-FE208938762D}"/>
+              </a:ext>
+            </a:extLst>
+          </p:cNvPr>
+          <p:cNvPicPr>
+            <a:picLocks noChangeAspect="1"/>
+          </p:cNvPicPr>
+          <p:nvPr/>
+        </p:nvPicPr>
+        <p:blipFill>
+          <a:blip r:embed="rId4">
+            <a:extLst>
+              <a:ext uri="{28A0092B-C50C-407E-A947-70E740481C1C}">
+                <a14:useLocalDpi xmlns:a14="http://schemas.microsoft.com/office/drawing/2010/main" val="0"/>
+              </a:ext>
+              <a:ext uri="{96DAC541-7B7A-43D3-8B79-37D633B846F1}">
+                <asvg:svgBlip xmlns:asvg="http://schemas.microsoft.com/office/drawing/2016/SVG/main" r:embed="rId5"/>
+              </a:ext>
+            </a:extLst>
+          </a:blip>
+          <a:stretch>
+            <a:fillRect/>
+          </a:stretch>
+        </p:blipFill>
+        <p:spPr>
+          <a:xfrm>
+            <a:off x="1047565" y="3251792"/>
+            <a:ext cx="2725445" cy="2725445"/>
+          </a:xfrm>
+          <a:prstGeom prst="rect">
+            <a:avLst/>
+          </a:prstGeom>
+        </p:spPr>
+      </p:pic>
+      <p:sp>
+        <p:nvSpPr>
+          <p:cNvPr id="26" name="TextBox 25">
+            <a:extLst>
+              <a:ext uri="{FF2B5EF4-FFF2-40B4-BE49-F238E27FC236}">
+                <a16:creationId xmlns:a16="http://schemas.microsoft.com/office/drawing/2014/main" id="{B43E00B9-7213-4484-86AC-AF8CCFFF867B}"/>
+              </a:ext>
+            </a:extLst>
+          </p:cNvPr>
+          <p:cNvSpPr txBox="1"/>
+          <p:nvPr/>
+        </p:nvSpPr>
+        <p:spPr>
+          <a:xfrm>
+            <a:off x="836077" y="2959634"/>
+            <a:ext cx="5521910" cy="646331"/>
+          </a:xfrm>
+          <a:prstGeom prst="rect">
+            <a:avLst/>
+          </a:prstGeom>
+          <a:noFill/>
+        </p:spPr>
+        <p:txBody>
+          <a:bodyPr wrap="square" rtlCol="0">
+            <a:spAutoFit/>
+          </a:bodyPr>
+          <a:lstStyle/>
+          <a:p>
+            <a:r>
+              <a:rPr lang="ru-RU"/>
+              <a:t>Клиент е отделно приложение, изпълняващо в браузъра на текущия потребител</a:t>
+            </a:r>
+            <a:endParaRPr lang="en-US" dirty="0"/>
+          </a:p>
+        </p:txBody>
+      </p:sp>
+      <p:sp>
+        <p:nvSpPr>
+          <p:cNvPr id="27" name="TextBox 26">
+            <a:extLst>
+              <a:ext uri="{FF2B5EF4-FFF2-40B4-BE49-F238E27FC236}">
+                <a16:creationId xmlns:a16="http://schemas.microsoft.com/office/drawing/2014/main" id="{DB1284B7-9A50-4380-9E4A-06CA286326AA}"/>
+              </a:ext>
+            </a:extLst>
+          </p:cNvPr>
+          <p:cNvSpPr txBox="1"/>
+          <p:nvPr/>
+        </p:nvSpPr>
+        <p:spPr>
+          <a:xfrm>
+            <a:off x="6691544" y="3244334"/>
+            <a:ext cx="6103398" cy="369332"/>
+          </a:xfrm>
+          <a:prstGeom prst="rect">
+            <a:avLst/>
+          </a:prstGeom>
+          <a:noFill/>
+        </p:spPr>
+        <p:txBody>
+          <a:bodyPr wrap="square">
+            <a:spAutoFit/>
+          </a:bodyPr>
+          <a:lstStyle/>
+          <a:p>
+            <a:r>
+              <a:rPr lang="en-US" dirty="0" err="1"/>
+              <a:t>Уеб</a:t>
+            </a:r>
+            <a:r>
+              <a:rPr lang="en-US" dirty="0"/>
+              <a:t> </a:t>
+            </a:r>
+            <a:r>
+              <a:rPr lang="en-US" dirty="0" err="1"/>
+              <a:t>приложение</a:t>
+            </a:r>
+            <a:r>
+              <a:rPr lang="en-US" dirty="0"/>
+              <a:t>, </a:t>
+            </a:r>
+            <a:r>
+              <a:rPr lang="en-US" dirty="0" err="1"/>
+              <a:t>хостнато</a:t>
+            </a:r>
+            <a:r>
+              <a:rPr lang="en-US" dirty="0"/>
+              <a:t> </a:t>
+            </a:r>
+            <a:r>
+              <a:rPr lang="en-US" dirty="0" err="1"/>
+              <a:t>на</a:t>
+            </a:r>
+            <a:r>
+              <a:rPr lang="en-US" dirty="0"/>
+              <a:t> </a:t>
+            </a:r>
+            <a:r>
+              <a:rPr lang="en-US" dirty="0" err="1"/>
+              <a:t>уеб</a:t>
+            </a:r>
+            <a:r>
+              <a:rPr lang="en-US" dirty="0"/>
+              <a:t> </a:t>
+            </a:r>
+            <a:r>
+              <a:rPr lang="en-US" dirty="0" err="1"/>
+              <a:t>сървър</a:t>
+            </a:r>
+            <a:endParaRPr lang="en-US" dirty="0"/>
+          </a:p>
+        </p:txBody>
+      </p:sp>
+      <p:cxnSp>
+        <p:nvCxnSpPr>
+          <p:cNvPr id="28" name="Straight Arrow Connector 27">
+            <a:extLst>
+              <a:ext uri="{FF2B5EF4-FFF2-40B4-BE49-F238E27FC236}">
+                <a16:creationId xmlns:a16="http://schemas.microsoft.com/office/drawing/2014/main" id="{650CE77F-AA5F-4234-AA53-AE85DCFED43F}"/>
+              </a:ext>
+            </a:extLst>
+          </p:cNvPr>
+          <p:cNvCxnSpPr>
+            <a:cxnSpLocks/>
+          </p:cNvCxnSpPr>
+          <p:nvPr/>
+        </p:nvCxnSpPr>
+        <p:spPr>
+          <a:xfrm>
+            <a:off x="3773010" y="3968281"/>
+            <a:ext cx="3924530" cy="0"/>
+          </a:xfrm>
+          <a:prstGeom prst="straightConnector1">
+            <a:avLst/>
+          </a:prstGeom>
+          <a:ln>
+            <a:tailEnd type="triangle"/>
+          </a:ln>
+        </p:spPr>
+        <p:style>
+          <a:lnRef idx="1">
+            <a:schemeClr val="dk1"/>
+          </a:lnRef>
+          <a:fillRef idx="0">
+            <a:schemeClr val="dk1"/>
+          </a:fillRef>
+          <a:effectRef idx="0">
+            <a:schemeClr val="dk1"/>
+          </a:effectRef>
+          <a:fontRef idx="minor">
+            <a:schemeClr val="tx1"/>
+          </a:fontRef>
+        </p:style>
+      </p:cxnSp>
+      <p:sp>
+        <p:nvSpPr>
+          <p:cNvPr id="29" name="TextBox 28">
+            <a:extLst>
+              <a:ext uri="{FF2B5EF4-FFF2-40B4-BE49-F238E27FC236}">
+                <a16:creationId xmlns:a16="http://schemas.microsoft.com/office/drawing/2014/main" id="{02CBE3DA-4873-4145-A3C3-5185253B60A0}"/>
+              </a:ext>
+            </a:extLst>
+          </p:cNvPr>
+          <p:cNvSpPr txBox="1"/>
+          <p:nvPr/>
+        </p:nvSpPr>
+        <p:spPr>
+          <a:xfrm>
+            <a:off x="4577398" y="3600025"/>
+            <a:ext cx="2114146" cy="369325"/>
+          </a:xfrm>
+          <a:prstGeom prst="rect">
+            <a:avLst/>
+          </a:prstGeom>
+          <a:noFill/>
+        </p:spPr>
+        <p:txBody>
+          <a:bodyPr wrap="square" rtlCol="0">
+            <a:spAutoFit/>
+          </a:bodyPr>
+          <a:lstStyle/>
+          <a:p>
+            <a:r>
+              <a:rPr lang="en-US" dirty="0"/>
+              <a:t>www.manager.com</a:t>
+            </a:r>
+          </a:p>
+        </p:txBody>
+      </p:sp>
+      <p:cxnSp>
+        <p:nvCxnSpPr>
+          <p:cNvPr id="30" name="Straight Arrow Connector 29">
+            <a:extLst>
+              <a:ext uri="{FF2B5EF4-FFF2-40B4-BE49-F238E27FC236}">
+                <a16:creationId xmlns:a16="http://schemas.microsoft.com/office/drawing/2014/main" id="{C518880A-A4B0-452D-8FEA-757FCDCAA716}"/>
+              </a:ext>
+            </a:extLst>
+          </p:cNvPr>
+          <p:cNvCxnSpPr>
+            <a:cxnSpLocks/>
+          </p:cNvCxnSpPr>
+          <p:nvPr/>
+        </p:nvCxnSpPr>
+        <p:spPr>
+          <a:xfrm flipH="1" flipV="1">
+            <a:off x="3773010" y="4260509"/>
+            <a:ext cx="3924530" cy="21883"/>
+          </a:xfrm>
+          <a:prstGeom prst="straightConnector1">
+            <a:avLst/>
+          </a:prstGeom>
+          <a:ln>
+            <a:tailEnd type="triangle"/>
+          </a:ln>
+        </p:spPr>
+        <p:style>
+          <a:lnRef idx="1">
+            <a:schemeClr val="dk1"/>
+          </a:lnRef>
+          <a:fillRef idx="0">
+            <a:schemeClr val="dk1"/>
+          </a:fillRef>
+          <a:effectRef idx="0">
+            <a:schemeClr val="dk1"/>
+          </a:effectRef>
+          <a:fontRef idx="minor">
+            <a:schemeClr val="tx1"/>
+          </a:fontRef>
+        </p:style>
+      </p:cxnSp>
+      <p:sp>
+        <p:nvSpPr>
+          <p:cNvPr id="31" name="TextBox 30">
+            <a:extLst>
+              <a:ext uri="{FF2B5EF4-FFF2-40B4-BE49-F238E27FC236}">
+                <a16:creationId xmlns:a16="http://schemas.microsoft.com/office/drawing/2014/main" id="{8B263F62-CAFF-4AD8-8BE4-B7760024598C}"/>
+              </a:ext>
+            </a:extLst>
+          </p:cNvPr>
+          <p:cNvSpPr txBox="1"/>
+          <p:nvPr/>
+        </p:nvSpPr>
+        <p:spPr>
+          <a:xfrm>
+            <a:off x="4387929" y="3975204"/>
+            <a:ext cx="3576162" cy="307777"/>
+          </a:xfrm>
+          <a:prstGeom prst="rect">
+            <a:avLst/>
+          </a:prstGeom>
+          <a:noFill/>
+        </p:spPr>
+        <p:txBody>
+          <a:bodyPr wrap="square" rtlCol="0">
+            <a:spAutoFit/>
+          </a:bodyPr>
+          <a:lstStyle/>
+          <a:p>
+            <a:r>
+              <a:rPr lang="en-US" sz="1400" dirty="0"/>
+              <a:t>HTML, CSS, JS, Pictures…</a:t>
+            </a:r>
+          </a:p>
+        </p:txBody>
+      </p:sp>
+      <p:cxnSp>
+        <p:nvCxnSpPr>
+          <p:cNvPr id="32" name="Straight Arrow Connector 31">
+            <a:extLst>
+              <a:ext uri="{FF2B5EF4-FFF2-40B4-BE49-F238E27FC236}">
+                <a16:creationId xmlns:a16="http://schemas.microsoft.com/office/drawing/2014/main" id="{E9DDBD90-F34D-4F79-A0FD-D72190DF8005}"/>
+              </a:ext>
+            </a:extLst>
+          </p:cNvPr>
+          <p:cNvCxnSpPr>
+            <a:cxnSpLocks/>
+          </p:cNvCxnSpPr>
+          <p:nvPr/>
+        </p:nvCxnSpPr>
+        <p:spPr>
+          <a:xfrm flipH="1" flipV="1">
+            <a:off x="3773010" y="4880900"/>
+            <a:ext cx="3924530" cy="21883"/>
+          </a:xfrm>
+          <a:prstGeom prst="straightConnector1">
+            <a:avLst/>
+          </a:prstGeom>
+          <a:ln>
+            <a:tailEnd type="triangle"/>
+          </a:ln>
+        </p:spPr>
+        <p:style>
+          <a:lnRef idx="1">
+            <a:schemeClr val="dk1"/>
+          </a:lnRef>
+          <a:fillRef idx="0">
+            <a:schemeClr val="dk1"/>
+          </a:fillRef>
+          <a:effectRef idx="0">
+            <a:schemeClr val="dk1"/>
+          </a:effectRef>
+          <a:fontRef idx="minor">
+            <a:schemeClr val="tx1"/>
+          </a:fontRef>
+        </p:style>
+      </p:cxnSp>
+      <p:sp>
+        <p:nvSpPr>
+          <p:cNvPr id="33" name="TextBox 32">
+            <a:extLst>
+              <a:ext uri="{FF2B5EF4-FFF2-40B4-BE49-F238E27FC236}">
+                <a16:creationId xmlns:a16="http://schemas.microsoft.com/office/drawing/2014/main" id="{636E68A2-32F5-4608-AA0E-9ECBDA9A3121}"/>
+              </a:ext>
+            </a:extLst>
+          </p:cNvPr>
+          <p:cNvSpPr txBox="1"/>
+          <p:nvPr/>
+        </p:nvSpPr>
+        <p:spPr>
+          <a:xfrm>
+            <a:off x="4387929" y="4599467"/>
+            <a:ext cx="2581425" cy="307777"/>
+          </a:xfrm>
+          <a:prstGeom prst="rect">
+            <a:avLst/>
+          </a:prstGeom>
+          <a:noFill/>
+        </p:spPr>
+        <p:txBody>
+          <a:bodyPr wrap="square" rtlCol="0">
+            <a:spAutoFit/>
+          </a:bodyPr>
+          <a:lstStyle/>
+          <a:p>
+            <a:pPr algn="ctr"/>
+            <a:r>
+              <a:rPr lang="en-US" sz="1400" dirty="0"/>
+              <a:t>JSON</a:t>
+            </a:r>
+          </a:p>
+        </p:txBody>
+      </p:sp>
+      <p:sp>
+        <p:nvSpPr>
+          <p:cNvPr id="34" name="TextBox 33">
+            <a:extLst>
+              <a:ext uri="{FF2B5EF4-FFF2-40B4-BE49-F238E27FC236}">
+                <a16:creationId xmlns:a16="http://schemas.microsoft.com/office/drawing/2014/main" id="{35D7C6F3-F82E-4661-A265-03F1175B0196}"/>
+              </a:ext>
+            </a:extLst>
+          </p:cNvPr>
+          <p:cNvSpPr txBox="1"/>
+          <p:nvPr/>
+        </p:nvSpPr>
+        <p:spPr>
+          <a:xfrm>
+            <a:off x="4469605" y="4215834"/>
+            <a:ext cx="2560821" cy="369332"/>
+          </a:xfrm>
+          <a:prstGeom prst="rect">
+            <a:avLst/>
+          </a:prstGeom>
+          <a:noFill/>
+        </p:spPr>
+        <p:txBody>
+          <a:bodyPr wrap="square" rtlCol="0">
+            <a:spAutoFit/>
+          </a:bodyPr>
+          <a:lstStyle/>
+          <a:p>
+            <a:r>
+              <a:rPr lang="en-US" dirty="0"/>
+              <a:t>www.manager.com/Tests</a:t>
+            </a:r>
+          </a:p>
+        </p:txBody>
+      </p:sp>
+      <p:cxnSp>
+        <p:nvCxnSpPr>
+          <p:cNvPr id="35" name="Straight Arrow Connector 34">
+            <a:extLst>
+              <a:ext uri="{FF2B5EF4-FFF2-40B4-BE49-F238E27FC236}">
+                <a16:creationId xmlns:a16="http://schemas.microsoft.com/office/drawing/2014/main" id="{DD3BD839-AB4E-4A70-9421-F50037212126}"/>
+              </a:ext>
+            </a:extLst>
+          </p:cNvPr>
+          <p:cNvCxnSpPr>
+            <a:cxnSpLocks/>
+          </p:cNvCxnSpPr>
+          <p:nvPr/>
+        </p:nvCxnSpPr>
+        <p:spPr>
+          <a:xfrm>
+            <a:off x="3906285" y="4554880"/>
+            <a:ext cx="3924530" cy="0"/>
+          </a:xfrm>
+          <a:prstGeom prst="straightConnector1">
+            <a:avLst/>
+          </a:prstGeom>
+          <a:ln>
+            <a:tailEnd type="triangle"/>
+          </a:ln>
+        </p:spPr>
+        <p:style>
+          <a:lnRef idx="1">
+            <a:schemeClr val="dk1"/>
+          </a:lnRef>
+          <a:fillRef idx="0">
+            <a:schemeClr val="dk1"/>
+          </a:fillRef>
+          <a:effectRef idx="0">
+            <a:schemeClr val="dk1"/>
+          </a:effectRef>
+          <a:fontRef idx="minor">
+            <a:schemeClr val="tx1"/>
+          </a:fontRef>
+        </p:style>
+      </p:cxnSp>
+      <p:sp>
+        <p:nvSpPr>
+          <p:cNvPr id="36" name="Rectangle 35">
+            <a:extLst>
+              <a:ext uri="{FF2B5EF4-FFF2-40B4-BE49-F238E27FC236}">
+                <a16:creationId xmlns:a16="http://schemas.microsoft.com/office/drawing/2014/main" id="{31BB0358-8DDA-4809-830A-0458E2C2325A}"/>
+              </a:ext>
+            </a:extLst>
+          </p:cNvPr>
+          <p:cNvSpPr/>
+          <p:nvPr/>
+        </p:nvSpPr>
+        <p:spPr>
+          <a:xfrm>
+            <a:off x="2367912" y="144236"/>
+            <a:ext cx="7001277" cy="923330"/>
+          </a:xfrm>
+          <a:prstGeom prst="rect">
+            <a:avLst/>
+          </a:prstGeom>
+          <a:noFill/>
+        </p:spPr>
+        <p:txBody>
+          <a:bodyPr wrap="none" lIns="91440" tIns="45720" rIns="91440" bIns="45720">
+            <a:spAutoFit/>
+          </a:bodyPr>
+          <a:lstStyle/>
+          <a:p>
+            <a:pPr algn="ctr"/>
+            <a:r>
+              <a:rPr lang="en-US" sz="5400" dirty="0">
+                <a:ln w="0"/>
+                <a:effectLst>
+                  <a:outerShdw blurRad="38100" dist="19050" dir="2700000" algn="tl" rotWithShape="0">
+                    <a:schemeClr val="dk1">
+                      <a:alpha val="40000"/>
+                    </a:schemeClr>
+                  </a:outerShdw>
+                </a:effectLst>
+              </a:rPr>
+              <a:t>Single-Page Application </a:t>
+            </a:r>
+          </a:p>
+        </p:txBody>
+      </p:sp>
+      <p:cxnSp>
+        <p:nvCxnSpPr>
+          <p:cNvPr id="37" name="Straight Arrow Connector 36">
+            <a:extLst>
+              <a:ext uri="{FF2B5EF4-FFF2-40B4-BE49-F238E27FC236}">
+                <a16:creationId xmlns:a16="http://schemas.microsoft.com/office/drawing/2014/main" id="{369FEE6A-6EB5-41A1-9123-563C0B64821B}"/>
+              </a:ext>
+            </a:extLst>
+          </p:cNvPr>
+          <p:cNvCxnSpPr>
+            <a:cxnSpLocks/>
+          </p:cNvCxnSpPr>
+          <p:nvPr/>
+        </p:nvCxnSpPr>
+        <p:spPr>
+          <a:xfrm>
+            <a:off x="3906285" y="5186674"/>
+            <a:ext cx="3924530" cy="0"/>
+          </a:xfrm>
+          <a:prstGeom prst="straightConnector1">
+            <a:avLst/>
+          </a:prstGeom>
+          <a:ln>
+            <a:tailEnd type="triangle"/>
+          </a:ln>
+        </p:spPr>
+        <p:style>
+          <a:lnRef idx="1">
+            <a:schemeClr val="dk1"/>
+          </a:lnRef>
+          <a:fillRef idx="0">
+            <a:schemeClr val="dk1"/>
+          </a:fillRef>
+          <a:effectRef idx="0">
+            <a:schemeClr val="dk1"/>
+          </a:effectRef>
+          <a:fontRef idx="minor">
+            <a:schemeClr val="tx1"/>
+          </a:fontRef>
+        </p:style>
+      </p:cxnSp>
+      <p:cxnSp>
+        <p:nvCxnSpPr>
+          <p:cNvPr id="38" name="Straight Arrow Connector 37">
+            <a:extLst>
+              <a:ext uri="{FF2B5EF4-FFF2-40B4-BE49-F238E27FC236}">
+                <a16:creationId xmlns:a16="http://schemas.microsoft.com/office/drawing/2014/main" id="{8C8FB1C7-F0B7-4F60-81DE-2104A6DB4070}"/>
+              </a:ext>
+            </a:extLst>
+          </p:cNvPr>
+          <p:cNvCxnSpPr>
+            <a:cxnSpLocks/>
+          </p:cNvCxnSpPr>
+          <p:nvPr/>
+        </p:nvCxnSpPr>
+        <p:spPr>
+          <a:xfrm flipH="1" flipV="1">
+            <a:off x="3839648" y="5528837"/>
+            <a:ext cx="3924530" cy="21883"/>
+          </a:xfrm>
+          <a:prstGeom prst="straightConnector1">
+            <a:avLst/>
+          </a:prstGeom>
+          <a:ln>
+            <a:tailEnd type="triangle"/>
+          </a:ln>
+        </p:spPr>
+        <p:style>
+          <a:lnRef idx="1">
+            <a:schemeClr val="dk1"/>
+          </a:lnRef>
+          <a:fillRef idx="0">
+            <a:schemeClr val="dk1"/>
+          </a:fillRef>
+          <a:effectRef idx="0">
+            <a:schemeClr val="dk1"/>
+          </a:effectRef>
+          <a:fontRef idx="minor">
+            <a:schemeClr val="tx1"/>
+          </a:fontRef>
+        </p:style>
+      </p:cxnSp>
+      <p:sp>
+        <p:nvSpPr>
+          <p:cNvPr id="39" name="TextBox 38">
+            <a:extLst>
+              <a:ext uri="{FF2B5EF4-FFF2-40B4-BE49-F238E27FC236}">
+                <a16:creationId xmlns:a16="http://schemas.microsoft.com/office/drawing/2014/main" id="{45C78E49-F601-4ADE-929C-6476338D72B8}"/>
+              </a:ext>
+            </a:extLst>
+          </p:cNvPr>
+          <p:cNvSpPr txBox="1"/>
+          <p:nvPr/>
+        </p:nvSpPr>
+        <p:spPr>
+          <a:xfrm>
+            <a:off x="4541808" y="4841888"/>
+            <a:ext cx="2560821" cy="369332"/>
+          </a:xfrm>
+          <a:prstGeom prst="rect">
+            <a:avLst/>
+          </a:prstGeom>
+          <a:noFill/>
+        </p:spPr>
+        <p:txBody>
+          <a:bodyPr wrap="square" rtlCol="0">
+            <a:spAutoFit/>
+          </a:bodyPr>
+          <a:lstStyle/>
+          <a:p>
+            <a:r>
+              <a:rPr lang="en-US" dirty="0"/>
+              <a:t>www.manager.com/bot</a:t>
+            </a:r>
+          </a:p>
+        </p:txBody>
+      </p:sp>
+      <p:sp>
+        <p:nvSpPr>
+          <p:cNvPr id="40" name="TextBox 39">
+            <a:extLst>
+              <a:ext uri="{FF2B5EF4-FFF2-40B4-BE49-F238E27FC236}">
+                <a16:creationId xmlns:a16="http://schemas.microsoft.com/office/drawing/2014/main" id="{78B359BC-7EA7-4375-89D9-99710C38D239}"/>
+              </a:ext>
+            </a:extLst>
+          </p:cNvPr>
+          <p:cNvSpPr txBox="1"/>
+          <p:nvPr/>
+        </p:nvSpPr>
+        <p:spPr>
+          <a:xfrm>
+            <a:off x="4387929" y="5211220"/>
+            <a:ext cx="2581425" cy="307777"/>
+          </a:xfrm>
+          <a:prstGeom prst="rect">
+            <a:avLst/>
+          </a:prstGeom>
+          <a:noFill/>
+        </p:spPr>
+        <p:txBody>
+          <a:bodyPr wrap="square" rtlCol="0">
+            <a:spAutoFit/>
+          </a:bodyPr>
+          <a:lstStyle/>
+          <a:p>
+            <a:pPr algn="ctr"/>
+            <a:r>
+              <a:rPr lang="en-US" sz="1400" dirty="0"/>
+              <a:t>JSON</a:t>
+            </a:r>
+          </a:p>
+        </p:txBody>
+      </p:sp>
+      <p:sp>
+        <p:nvSpPr>
+          <p:cNvPr id="42" name="TextBox 41">
+            <a:extLst>
+              <a:ext uri="{FF2B5EF4-FFF2-40B4-BE49-F238E27FC236}">
+                <a16:creationId xmlns:a16="http://schemas.microsoft.com/office/drawing/2014/main" id="{AE732D65-74E0-4706-9BA4-766B5A58042B}"/>
+              </a:ext>
+            </a:extLst>
+          </p:cNvPr>
+          <p:cNvSpPr txBox="1"/>
+          <p:nvPr/>
+        </p:nvSpPr>
+        <p:spPr>
+          <a:xfrm>
+            <a:off x="1388656" y="1004629"/>
+            <a:ext cx="9770575" cy="1015663"/>
+          </a:xfrm>
+          <a:prstGeom prst="rect">
+            <a:avLst/>
+          </a:prstGeom>
+          <a:noFill/>
+        </p:spPr>
+        <p:txBody>
+          <a:bodyPr wrap="square">
+            <a:spAutoFit/>
+          </a:bodyPr>
+          <a:lstStyle/>
+          <a:p>
+            <a:pPr algn="just"/>
+            <a:r>
+              <a:rPr lang="bg-BG" sz="2000" dirty="0"/>
+              <a:t>В</a:t>
+            </a:r>
+            <a:r>
+              <a:rPr lang="en-US" sz="2000" dirty="0" err="1"/>
+              <a:t>заимодейства</a:t>
+            </a:r>
+            <a:r>
+              <a:rPr lang="en-US" sz="2000" dirty="0"/>
+              <a:t> с </a:t>
+            </a:r>
+            <a:r>
+              <a:rPr lang="en-US" sz="2000" dirty="0" err="1"/>
+              <a:t>потребителя</a:t>
+            </a:r>
+            <a:r>
+              <a:rPr lang="en-US" sz="2000" dirty="0"/>
+              <a:t> </a:t>
+            </a:r>
+            <a:r>
+              <a:rPr lang="en-US" sz="2000" dirty="0" err="1"/>
+              <a:t>чрез</a:t>
+            </a:r>
+            <a:r>
+              <a:rPr lang="en-US" sz="2000" dirty="0"/>
+              <a:t> </a:t>
+            </a:r>
+            <a:r>
+              <a:rPr lang="en-US" sz="2000" dirty="0" err="1"/>
+              <a:t>динамично</a:t>
+            </a:r>
+            <a:r>
+              <a:rPr lang="en-US" sz="2000" dirty="0"/>
+              <a:t> </a:t>
+            </a:r>
+            <a:r>
+              <a:rPr lang="en-US" sz="2000" dirty="0" err="1"/>
+              <a:t>пренаписване</a:t>
+            </a:r>
+            <a:r>
+              <a:rPr lang="en-US" sz="2000" dirty="0"/>
+              <a:t> </a:t>
+            </a:r>
+            <a:r>
+              <a:rPr lang="en-US" sz="2000" dirty="0" err="1"/>
+              <a:t>на</a:t>
+            </a:r>
+            <a:r>
+              <a:rPr lang="en-US" sz="2000" dirty="0"/>
+              <a:t> </a:t>
+            </a:r>
+            <a:r>
+              <a:rPr lang="en-US" sz="2000" dirty="0" err="1"/>
+              <a:t>текущата</a:t>
+            </a:r>
+            <a:r>
+              <a:rPr lang="en-US" sz="2000" dirty="0"/>
+              <a:t> </a:t>
+            </a:r>
+            <a:r>
+              <a:rPr lang="en-US" sz="2000" dirty="0" err="1"/>
+              <a:t>уеб</a:t>
+            </a:r>
+            <a:r>
+              <a:rPr lang="en-US" sz="2000" dirty="0"/>
+              <a:t> </a:t>
+            </a:r>
+            <a:r>
+              <a:rPr lang="en-US" sz="2000" dirty="0" err="1"/>
+              <a:t>страница</a:t>
+            </a:r>
+            <a:r>
+              <a:rPr lang="en-US" sz="2000" dirty="0"/>
+              <a:t> с </a:t>
+            </a:r>
+            <a:r>
+              <a:rPr lang="en-US" sz="2000" dirty="0" err="1"/>
+              <a:t>нови</a:t>
+            </a:r>
+            <a:r>
+              <a:rPr lang="en-US" sz="2000" dirty="0"/>
+              <a:t> </a:t>
+            </a:r>
+            <a:r>
+              <a:rPr lang="en-US" sz="2000" dirty="0" err="1"/>
+              <a:t>данни</a:t>
+            </a:r>
+            <a:r>
+              <a:rPr lang="en-US" sz="2000" dirty="0"/>
+              <a:t> </a:t>
+            </a:r>
+            <a:r>
+              <a:rPr lang="en-US" sz="2000" dirty="0" err="1"/>
+              <a:t>от</a:t>
+            </a:r>
+            <a:r>
+              <a:rPr lang="en-US" sz="2000" dirty="0"/>
+              <a:t> </a:t>
+            </a:r>
+            <a:r>
+              <a:rPr lang="en-US" sz="2000" dirty="0" err="1"/>
+              <a:t>уеб</a:t>
+            </a:r>
+            <a:r>
+              <a:rPr lang="en-US" sz="2000" dirty="0"/>
+              <a:t> </a:t>
+            </a:r>
+            <a:r>
+              <a:rPr lang="en-US" sz="2000" dirty="0" err="1"/>
+              <a:t>сървъра</a:t>
+            </a:r>
+            <a:r>
+              <a:rPr lang="en-US" sz="2000" dirty="0"/>
+              <a:t>, </a:t>
+            </a:r>
+            <a:r>
+              <a:rPr lang="en-US" sz="2000" dirty="0" err="1"/>
+              <a:t>вместо</a:t>
+            </a:r>
+            <a:r>
+              <a:rPr lang="en-US" sz="2000" dirty="0"/>
+              <a:t> </a:t>
+            </a:r>
+            <a:r>
+              <a:rPr lang="bg-BG" sz="2000" dirty="0"/>
+              <a:t>да </a:t>
+            </a:r>
+            <a:r>
+              <a:rPr lang="bg-BG" sz="2000" dirty="0" err="1"/>
+              <a:t>пре</a:t>
+            </a:r>
+            <a:r>
+              <a:rPr lang="bg-BG" sz="2000" dirty="0"/>
+              <a:t>-</a:t>
+            </a:r>
+            <a:r>
+              <a:rPr lang="en-US" sz="2000" dirty="0" err="1"/>
+              <a:t>зарежда</a:t>
+            </a:r>
+            <a:r>
+              <a:rPr lang="en-US" sz="2000" dirty="0"/>
+              <a:t> </a:t>
+            </a:r>
+            <a:r>
+              <a:rPr lang="en-US" sz="2000" dirty="0" err="1"/>
+              <a:t>цели</a:t>
+            </a:r>
+            <a:r>
+              <a:rPr lang="en-US" sz="2000" dirty="0"/>
+              <a:t> </a:t>
+            </a:r>
+            <a:r>
+              <a:rPr lang="en-US" sz="2000" dirty="0" err="1"/>
+              <a:t>нови</a:t>
+            </a:r>
+            <a:r>
+              <a:rPr lang="en-US" sz="2000" dirty="0"/>
+              <a:t> </a:t>
+            </a:r>
+            <a:r>
+              <a:rPr lang="en-US" sz="2000" dirty="0" err="1"/>
+              <a:t>страници</a:t>
+            </a:r>
+            <a:r>
+              <a:rPr lang="en-US" sz="2000" dirty="0"/>
+              <a:t>. </a:t>
+            </a:r>
+            <a:r>
+              <a:rPr lang="en-US" sz="2000" dirty="0" err="1"/>
+              <a:t>Целта</a:t>
+            </a:r>
+            <a:r>
+              <a:rPr lang="en-US" sz="2000" dirty="0"/>
+              <a:t> е </a:t>
+            </a:r>
+            <a:r>
+              <a:rPr lang="en-US" sz="2000" dirty="0" err="1"/>
+              <a:t>по-бързи</a:t>
+            </a:r>
+            <a:r>
+              <a:rPr lang="en-US" sz="2000" dirty="0"/>
+              <a:t> </a:t>
+            </a:r>
+            <a:r>
+              <a:rPr lang="en-US" sz="2000" dirty="0" err="1"/>
+              <a:t>преходи</a:t>
+            </a:r>
+            <a:r>
+              <a:rPr lang="bg-BG" sz="2000" dirty="0"/>
+              <a:t>.</a:t>
+            </a:r>
+            <a:endParaRPr lang="en-US" sz="2000" dirty="0"/>
+          </a:p>
+        </p:txBody>
+      </p:sp>
+    </p:spTree>
+    <p:extLst>
+      <p:ext uri="{BB962C8B-B14F-4D97-AF65-F5344CB8AC3E}">
+        <p14:creationId xmlns:p14="http://schemas.microsoft.com/office/powerpoint/2010/main" val="3472651782"/>
+      </p:ext>
+    </p:extLst>
+  </p:cSld>
+  <p:clrMapOvr>
+    <a:masterClrMapping/>
+  </p:clrMapOvr>
+</p:sld>
+</file>
+
+<file path=ppt/slides/slide8.xml><?xml version="1.0" encoding="utf-8"?>
+<p:sld xmlns:a="http://schemas.openxmlformats.org/drawingml/2006/main" xmlns:r="http://schemas.openxmlformats.org/officeDocument/2006/relationships" xmlns:p="http://schemas.openxmlformats.org/presentationml/2006/main">
+  <p:cSld>
+    <p:spTree>
+      <p:nvGrpSpPr>
+        <p:cNvPr id="1" name=""/>
+        <p:cNvGrpSpPr/>
+        <p:nvPr/>
+      </p:nvGrpSpPr>
+      <p:grpSpPr>
+        <a:xfrm>
+          <a:off x="0" y="0"/>
+          <a:ext cx="0" cy="0"/>
+          <a:chOff x="0" y="0"/>
+          <a:chExt cx="0" cy="0"/>
+        </a:xfrm>
+      </p:grpSpPr>
+    </p:spTree>
+    <p:extLst>
+      <p:ext uri="{BB962C8B-B14F-4D97-AF65-F5344CB8AC3E}">
+        <p14:creationId xmlns:p14="http://schemas.microsoft.com/office/powerpoint/2010/main" val="1582317988"/>
       </p:ext>
     </p:extLst>
   </p:cSld>

--- a/intro/lecture.pptx
+++ b/intro/lecture.pptx
@@ -13,6 +13,16 @@
     <p:sldId id="261" r:id="rId7"/>
     <p:sldId id="262" r:id="rId8"/>
     <p:sldId id="263" r:id="rId9"/>
+    <p:sldId id="264" r:id="rId10"/>
+    <p:sldId id="315" r:id="rId11"/>
+    <p:sldId id="387" r:id="rId12"/>
+    <p:sldId id="459" r:id="rId13"/>
+    <p:sldId id="501" r:id="rId14"/>
+    <p:sldId id="502" r:id="rId15"/>
+    <p:sldId id="503" r:id="rId16"/>
+    <p:sldId id="504" r:id="rId17"/>
+    <p:sldId id="505" r:id="rId18"/>
+    <p:sldId id="508" r:id="rId19"/>
   </p:sldIdLst>
   <p:sldSz cx="12192000" cy="6858000"/>
   <p:notesSz cx="6858000" cy="9144000"/>
@@ -169,7 +179,7 @@
           <a:noFill/>
           <a:extLst>
             <a:ext uri="{909E8E84-426E-40dd-AFC4-6F175D3DCCD1}">
-              <a14:hiddenFill xmlns="" xmlns:a14="http://schemas.microsoft.com/office/drawing/2010/main">
+              <a14:hiddenFill xmlns:a14="http://schemas.microsoft.com/office/drawing/2010/main" xmlns="">
                 <a:solidFill>
                   <a:srgbClr val="FFFFFF"/>
                 </a:solidFill>
@@ -229,7 +239,7 @@
             </a:ln>
             <a:extLst>
               <a:ext uri="{91240B29-F687-4f45-9708-019B960494DF}">
-                <a14:hiddenLine xmlns="" xmlns:a14="http://schemas.microsoft.com/office/drawing/2010/main" w="9525">
+                <a14:hiddenLine xmlns:a14="http://schemas.microsoft.com/office/drawing/2010/main" xmlns="" w="9525">
                   <a:solidFill>
                     <a:srgbClr val="000000"/>
                   </a:solidFill>
@@ -319,7 +329,7 @@
             </a:ln>
             <a:extLst>
               <a:ext uri="{91240B29-F687-4f45-9708-019B960494DF}">
-                <a14:hiddenLine xmlns="" xmlns:a14="http://schemas.microsoft.com/office/drawing/2010/main" w="9525">
+                <a14:hiddenLine xmlns:a14="http://schemas.microsoft.com/office/drawing/2010/main" xmlns="" w="9525">
                   <a:solidFill>
                     <a:srgbClr val="000000"/>
                   </a:solidFill>
@@ -409,7 +419,7 @@
             </a:ln>
             <a:extLst>
               <a:ext uri="{91240B29-F687-4f45-9708-019B960494DF}">
-                <a14:hiddenLine xmlns="" xmlns:a14="http://schemas.microsoft.com/office/drawing/2010/main" w="9525">
+                <a14:hiddenLine xmlns:a14="http://schemas.microsoft.com/office/drawing/2010/main" xmlns="" w="9525">
                   <a:solidFill>
                     <a:srgbClr val="000000"/>
                   </a:solidFill>
@@ -443,7 +453,7 @@
             </a:ln>
             <a:extLst>
               <a:ext uri="{91240B29-F687-4f45-9708-019B960494DF}">
-                <a14:hiddenLine xmlns="" xmlns:a14="http://schemas.microsoft.com/office/drawing/2010/main" w="9525">
+                <a14:hiddenLine xmlns:a14="http://schemas.microsoft.com/office/drawing/2010/main" xmlns="" w="9525">
                   <a:solidFill>
                     <a:srgbClr val="000000"/>
                   </a:solidFill>
@@ -533,7 +543,7 @@
             </a:ln>
             <a:extLst>
               <a:ext uri="{91240B29-F687-4f45-9708-019B960494DF}">
-                <a14:hiddenLine xmlns="" xmlns:a14="http://schemas.microsoft.com/office/drawing/2010/main" w="9525">
+                <a14:hiddenLine xmlns:a14="http://schemas.microsoft.com/office/drawing/2010/main" xmlns="" w="9525">
                   <a:solidFill>
                     <a:srgbClr val="000000"/>
                   </a:solidFill>
@@ -595,7 +605,7 @@
             </a:ln>
             <a:extLst>
               <a:ext uri="{91240B29-F687-4f45-9708-019B960494DF}">
-                <a14:hiddenLine xmlns="" xmlns:a14="http://schemas.microsoft.com/office/drawing/2010/main" w="9525">
+                <a14:hiddenLine xmlns:a14="http://schemas.microsoft.com/office/drawing/2010/main" xmlns="" w="9525">
                   <a:solidFill>
                     <a:srgbClr val="000000"/>
                   </a:solidFill>
@@ -657,7 +667,7 @@
             </a:ln>
             <a:extLst>
               <a:ext uri="{91240B29-F687-4f45-9708-019B960494DF}">
-                <a14:hiddenLine xmlns="" xmlns:a14="http://schemas.microsoft.com/office/drawing/2010/main" w="9525">
+                <a14:hiddenLine xmlns:a14="http://schemas.microsoft.com/office/drawing/2010/main" xmlns="" w="9525">
                   <a:solidFill>
                     <a:srgbClr val="000000"/>
                   </a:solidFill>
@@ -747,7 +757,7 @@
             </a:ln>
             <a:extLst>
               <a:ext uri="{91240B29-F687-4f45-9708-019B960494DF}">
-                <a14:hiddenLine xmlns="" xmlns:a14="http://schemas.microsoft.com/office/drawing/2010/main" w="9525">
+                <a14:hiddenLine xmlns:a14="http://schemas.microsoft.com/office/drawing/2010/main" xmlns="" w="9525">
                   <a:solidFill>
                     <a:srgbClr val="000000"/>
                   </a:solidFill>
@@ -809,7 +819,7 @@
             </a:ln>
             <a:extLst>
               <a:ext uri="{91240B29-F687-4f45-9708-019B960494DF}">
-                <a14:hiddenLine xmlns="" xmlns:a14="http://schemas.microsoft.com/office/drawing/2010/main" w="9525">
+                <a14:hiddenLine xmlns:a14="http://schemas.microsoft.com/office/drawing/2010/main" xmlns="" w="9525">
                   <a:solidFill>
                     <a:srgbClr val="000000"/>
                   </a:solidFill>
@@ -871,7 +881,7 @@
             </a:ln>
             <a:extLst>
               <a:ext uri="{91240B29-F687-4f45-9708-019B960494DF}">
-                <a14:hiddenLine xmlns="" xmlns:a14="http://schemas.microsoft.com/office/drawing/2010/main" w="9525">
+                <a14:hiddenLine xmlns:a14="http://schemas.microsoft.com/office/drawing/2010/main" xmlns="" w="9525">
                   <a:solidFill>
                     <a:srgbClr val="000000"/>
                   </a:solidFill>
@@ -961,7 +971,7 @@
             </a:ln>
             <a:extLst>
               <a:ext uri="{91240B29-F687-4f45-9708-019B960494DF}">
-                <a14:hiddenLine xmlns="" xmlns:a14="http://schemas.microsoft.com/office/drawing/2010/main" w="9525">
+                <a14:hiddenLine xmlns:a14="http://schemas.microsoft.com/office/drawing/2010/main" xmlns="" w="9525">
                   <a:solidFill>
                     <a:srgbClr val="000000"/>
                   </a:solidFill>
@@ -1051,7 +1061,7 @@
             </a:ln>
             <a:extLst>
               <a:ext uri="{91240B29-F687-4f45-9708-019B960494DF}">
-                <a14:hiddenLine xmlns="" xmlns:a14="http://schemas.microsoft.com/office/drawing/2010/main" w="9525">
+                <a14:hiddenLine xmlns:a14="http://schemas.microsoft.com/office/drawing/2010/main" xmlns="" w="9525">
                   <a:solidFill>
                     <a:srgbClr val="000000"/>
                   </a:solidFill>
@@ -1113,7 +1123,7 @@
             </a:ln>
             <a:extLst>
               <a:ext uri="{91240B29-F687-4f45-9708-019B960494DF}">
-                <a14:hiddenLine xmlns="" xmlns:a14="http://schemas.microsoft.com/office/drawing/2010/main" w="9525">
+                <a14:hiddenLine xmlns:a14="http://schemas.microsoft.com/office/drawing/2010/main" xmlns="" w="9525">
                   <a:solidFill>
                     <a:srgbClr val="000000"/>
                   </a:solidFill>
@@ -1223,7 +1233,7 @@
             </a:ln>
             <a:extLst>
               <a:ext uri="{91240B29-F687-4f45-9708-019B960494DF}">
-                <a14:hiddenLine xmlns="" xmlns:a14="http://schemas.microsoft.com/office/drawing/2010/main" w="9525">
+                <a14:hiddenLine xmlns:a14="http://schemas.microsoft.com/office/drawing/2010/main" xmlns="" w="9525">
                   <a:solidFill>
                     <a:srgbClr val="000000"/>
                   </a:solidFill>
@@ -1285,7 +1295,7 @@
             </a:ln>
             <a:extLst>
               <a:ext uri="{91240B29-F687-4f45-9708-019B960494DF}">
-                <a14:hiddenLine xmlns="" xmlns:a14="http://schemas.microsoft.com/office/drawing/2010/main" w="9525">
+                <a14:hiddenLine xmlns:a14="http://schemas.microsoft.com/office/drawing/2010/main" xmlns="" w="9525">
                   <a:solidFill>
                     <a:srgbClr val="000000"/>
                   </a:solidFill>
@@ -1375,7 +1385,7 @@
             </a:ln>
             <a:extLst>
               <a:ext uri="{91240B29-F687-4f45-9708-019B960494DF}">
-                <a14:hiddenLine xmlns="" xmlns:a14="http://schemas.microsoft.com/office/drawing/2010/main" w="9525">
+                <a14:hiddenLine xmlns:a14="http://schemas.microsoft.com/office/drawing/2010/main" xmlns="" w="9525">
                   <a:solidFill>
                     <a:srgbClr val="000000"/>
                   </a:solidFill>
@@ -1465,7 +1475,7 @@
             </a:ln>
             <a:extLst>
               <a:ext uri="{91240B29-F687-4f45-9708-019B960494DF}">
-                <a14:hiddenLine xmlns="" xmlns:a14="http://schemas.microsoft.com/office/drawing/2010/main" w="9525">
+                <a14:hiddenLine xmlns:a14="http://schemas.microsoft.com/office/drawing/2010/main" xmlns="" w="9525">
                   <a:solidFill>
                     <a:srgbClr val="000000"/>
                   </a:solidFill>
@@ -1527,7 +1537,7 @@
             </a:ln>
             <a:extLst>
               <a:ext uri="{91240B29-F687-4f45-9708-019B960494DF}">
-                <a14:hiddenLine xmlns="" xmlns:a14="http://schemas.microsoft.com/office/drawing/2010/main" w="9525">
+                <a14:hiddenLine xmlns:a14="http://schemas.microsoft.com/office/drawing/2010/main" xmlns="" w="9525">
                   <a:solidFill>
                     <a:srgbClr val="000000"/>
                   </a:solidFill>
@@ -1617,7 +1627,7 @@
             </a:ln>
             <a:extLst>
               <a:ext uri="{91240B29-F687-4f45-9708-019B960494DF}">
-                <a14:hiddenLine xmlns="" xmlns:a14="http://schemas.microsoft.com/office/drawing/2010/main" w="9525">
+                <a14:hiddenLine xmlns:a14="http://schemas.microsoft.com/office/drawing/2010/main" xmlns="" w="9525">
                   <a:solidFill>
                     <a:srgbClr val="000000"/>
                   </a:solidFill>
@@ -1707,7 +1717,7 @@
             </a:ln>
             <a:extLst>
               <a:ext uri="{91240B29-F687-4f45-9708-019B960494DF}">
-                <a14:hiddenLine xmlns="" xmlns:a14="http://schemas.microsoft.com/office/drawing/2010/main" w="9525">
+                <a14:hiddenLine xmlns:a14="http://schemas.microsoft.com/office/drawing/2010/main" xmlns="" w="9525">
                   <a:solidFill>
                     <a:srgbClr val="000000"/>
                   </a:solidFill>
@@ -1763,7 +1773,7 @@
             </a:ln>
             <a:extLst>
               <a:ext uri="{91240B29-F687-4f45-9708-019B960494DF}">
-                <a14:hiddenLine xmlns="" xmlns:a14="http://schemas.microsoft.com/office/drawing/2010/main" w="9525">
+                <a14:hiddenLine xmlns:a14="http://schemas.microsoft.com/office/drawing/2010/main" xmlns="" w="9525">
                   <a:solidFill>
                     <a:srgbClr val="000000"/>
                   </a:solidFill>
@@ -1853,7 +1863,7 @@
             </a:ln>
             <a:extLst>
               <a:ext uri="{91240B29-F687-4f45-9708-019B960494DF}">
-                <a14:hiddenLine xmlns="" xmlns:a14="http://schemas.microsoft.com/office/drawing/2010/main" w="9525">
+                <a14:hiddenLine xmlns:a14="http://schemas.microsoft.com/office/drawing/2010/main" xmlns="" w="9525">
                   <a:solidFill>
                     <a:srgbClr val="000000"/>
                   </a:solidFill>
@@ -1909,7 +1919,7 @@
             </a:ln>
             <a:extLst>
               <a:ext uri="{91240B29-F687-4f45-9708-019B960494DF}">
-                <a14:hiddenLine xmlns="" xmlns:a14="http://schemas.microsoft.com/office/drawing/2010/main" w="9525">
+                <a14:hiddenLine xmlns:a14="http://schemas.microsoft.com/office/drawing/2010/main" xmlns="" w="9525">
                   <a:solidFill>
                     <a:srgbClr val="000000"/>
                   </a:solidFill>
@@ -1999,7 +2009,7 @@
             </a:ln>
             <a:extLst>
               <a:ext uri="{91240B29-F687-4f45-9708-019B960494DF}">
-                <a14:hiddenLine xmlns="" xmlns:a14="http://schemas.microsoft.com/office/drawing/2010/main" w="9525">
+                <a14:hiddenLine xmlns:a14="http://schemas.microsoft.com/office/drawing/2010/main" xmlns="" w="9525">
                   <a:solidFill>
                     <a:srgbClr val="000000"/>
                   </a:solidFill>
@@ -2067,7 +2077,7 @@
             </a:ln>
             <a:extLst>
               <a:ext uri="{91240B29-F687-4f45-9708-019B960494DF}">
-                <a14:hiddenLine xmlns="" xmlns:a14="http://schemas.microsoft.com/office/drawing/2010/main" w="9525">
+                <a14:hiddenLine xmlns:a14="http://schemas.microsoft.com/office/drawing/2010/main" xmlns="" w="9525">
                   <a:solidFill>
                     <a:srgbClr val="000000"/>
                   </a:solidFill>
@@ -2157,7 +2167,7 @@
             </a:ln>
             <a:extLst>
               <a:ext uri="{91240B29-F687-4f45-9708-019B960494DF}">
-                <a14:hiddenLine xmlns="" xmlns:a14="http://schemas.microsoft.com/office/drawing/2010/main" w="9525">
+                <a14:hiddenLine xmlns:a14="http://schemas.microsoft.com/office/drawing/2010/main" xmlns="" w="9525">
                   <a:solidFill>
                     <a:srgbClr val="000000"/>
                   </a:solidFill>
@@ -2225,7 +2235,7 @@
             </a:ln>
             <a:extLst>
               <a:ext uri="{91240B29-F687-4f45-9708-019B960494DF}">
-                <a14:hiddenLine xmlns="" xmlns:a14="http://schemas.microsoft.com/office/drawing/2010/main" w="9525">
+                <a14:hiddenLine xmlns:a14="http://schemas.microsoft.com/office/drawing/2010/main" xmlns="" w="9525">
                   <a:solidFill>
                     <a:srgbClr val="000000"/>
                   </a:solidFill>
@@ -2315,7 +2325,7 @@
             </a:ln>
             <a:extLst>
               <a:ext uri="{91240B29-F687-4f45-9708-019B960494DF}">
-                <a14:hiddenLine xmlns="" xmlns:a14="http://schemas.microsoft.com/office/drawing/2010/main" w="9525">
+                <a14:hiddenLine xmlns:a14="http://schemas.microsoft.com/office/drawing/2010/main" xmlns="" w="9525">
                   <a:solidFill>
                     <a:srgbClr val="000000"/>
                   </a:solidFill>
@@ -2349,7 +2359,7 @@
             </a:ln>
             <a:extLst>
               <a:ext uri="{91240B29-F687-4f45-9708-019B960494DF}">
-                <a14:hiddenLine xmlns="" xmlns:a14="http://schemas.microsoft.com/office/drawing/2010/main" w="9525">
+                <a14:hiddenLine xmlns:a14="http://schemas.microsoft.com/office/drawing/2010/main" xmlns="" w="9525">
                   <a:solidFill>
                     <a:srgbClr val="000000"/>
                   </a:solidFill>
@@ -2439,7 +2449,7 @@
             </a:ln>
             <a:extLst>
               <a:ext uri="{91240B29-F687-4f45-9708-019B960494DF}">
-                <a14:hiddenLine xmlns="" xmlns:a14="http://schemas.microsoft.com/office/drawing/2010/main" w="9525">
+                <a14:hiddenLine xmlns:a14="http://schemas.microsoft.com/office/drawing/2010/main" xmlns="" w="9525">
                   <a:solidFill>
                     <a:srgbClr val="000000"/>
                   </a:solidFill>
@@ -2501,7 +2511,7 @@
             </a:ln>
             <a:extLst>
               <a:ext uri="{91240B29-F687-4f45-9708-019B960494DF}">
-                <a14:hiddenLine xmlns="" xmlns:a14="http://schemas.microsoft.com/office/drawing/2010/main" w="9525">
+                <a14:hiddenLine xmlns:a14="http://schemas.microsoft.com/office/drawing/2010/main" xmlns="" w="9525">
                   <a:solidFill>
                     <a:srgbClr val="000000"/>
                   </a:solidFill>
@@ -2563,7 +2573,7 @@
             </a:ln>
             <a:extLst>
               <a:ext uri="{91240B29-F687-4f45-9708-019B960494DF}">
-                <a14:hiddenLine xmlns="" xmlns:a14="http://schemas.microsoft.com/office/drawing/2010/main" w="9525">
+                <a14:hiddenLine xmlns:a14="http://schemas.microsoft.com/office/drawing/2010/main" xmlns="" w="9525">
                   <a:solidFill>
                     <a:srgbClr val="000000"/>
                   </a:solidFill>
@@ -2653,7 +2663,7 @@
             </a:ln>
             <a:extLst>
               <a:ext uri="{91240B29-F687-4f45-9708-019B960494DF}">
-                <a14:hiddenLine xmlns="" xmlns:a14="http://schemas.microsoft.com/office/drawing/2010/main" w="9525">
+                <a14:hiddenLine xmlns:a14="http://schemas.microsoft.com/office/drawing/2010/main" xmlns="" w="9525">
                   <a:solidFill>
                     <a:srgbClr val="000000"/>
                   </a:solidFill>
@@ -2721,7 +2731,7 @@
             </a:ln>
             <a:extLst>
               <a:ext uri="{91240B29-F687-4f45-9708-019B960494DF}">
-                <a14:hiddenLine xmlns="" xmlns:a14="http://schemas.microsoft.com/office/drawing/2010/main" w="9525">
+                <a14:hiddenLine xmlns:a14="http://schemas.microsoft.com/office/drawing/2010/main" xmlns="" w="9525">
                   <a:solidFill>
                     <a:srgbClr val="000000"/>
                   </a:solidFill>
@@ -2783,7 +2793,7 @@
             </a:ln>
             <a:extLst>
               <a:ext uri="{91240B29-F687-4f45-9708-019B960494DF}">
-                <a14:hiddenLine xmlns="" xmlns:a14="http://schemas.microsoft.com/office/drawing/2010/main" w="9525">
+                <a14:hiddenLine xmlns:a14="http://schemas.microsoft.com/office/drawing/2010/main" xmlns="" w="9525">
                   <a:solidFill>
                     <a:srgbClr val="000000"/>
                   </a:solidFill>
@@ -2873,7 +2883,7 @@
             </a:ln>
             <a:extLst>
               <a:ext uri="{91240B29-F687-4f45-9708-019B960494DF}">
-                <a14:hiddenLine xmlns="" xmlns:a14="http://schemas.microsoft.com/office/drawing/2010/main" w="9525">
+                <a14:hiddenLine xmlns:a14="http://schemas.microsoft.com/office/drawing/2010/main" xmlns="" w="9525">
                   <a:solidFill>
                     <a:srgbClr val="000000"/>
                   </a:solidFill>
@@ -2935,7 +2945,7 @@
             </a:ln>
             <a:extLst>
               <a:ext uri="{91240B29-F687-4f45-9708-019B960494DF}">
-                <a14:hiddenLine xmlns="" xmlns:a14="http://schemas.microsoft.com/office/drawing/2010/main" w="9525">
+                <a14:hiddenLine xmlns:a14="http://schemas.microsoft.com/office/drawing/2010/main" xmlns="" w="9525">
                   <a:solidFill>
                     <a:srgbClr val="000000"/>
                   </a:solidFill>
@@ -3025,7 +3035,7 @@
             </a:ln>
             <a:extLst>
               <a:ext uri="{91240B29-F687-4f45-9708-019B960494DF}">
-                <a14:hiddenLine xmlns="" xmlns:a14="http://schemas.microsoft.com/office/drawing/2010/main" w="9525">
+                <a14:hiddenLine xmlns:a14="http://schemas.microsoft.com/office/drawing/2010/main" xmlns="" w="9525">
                   <a:solidFill>
                     <a:srgbClr val="000000"/>
                   </a:solidFill>
@@ -3087,7 +3097,7 @@
             </a:ln>
             <a:extLst>
               <a:ext uri="{91240B29-F687-4f45-9708-019B960494DF}">
-                <a14:hiddenLine xmlns="" xmlns:a14="http://schemas.microsoft.com/office/drawing/2010/main" w="9525">
+                <a14:hiddenLine xmlns:a14="http://schemas.microsoft.com/office/drawing/2010/main" xmlns="" w="9525">
                   <a:solidFill>
                     <a:srgbClr val="000000"/>
                   </a:solidFill>
@@ -3177,7 +3187,7 @@
             </a:ln>
             <a:extLst>
               <a:ext uri="{91240B29-F687-4f45-9708-019B960494DF}">
-                <a14:hiddenLine xmlns="" xmlns:a14="http://schemas.microsoft.com/office/drawing/2010/main" w="9525">
+                <a14:hiddenLine xmlns:a14="http://schemas.microsoft.com/office/drawing/2010/main" xmlns="" w="9525">
                   <a:solidFill>
                     <a:srgbClr val="000000"/>
                   </a:solidFill>
@@ -3211,7 +3221,7 @@
             </a:ln>
             <a:extLst>
               <a:ext uri="{91240B29-F687-4f45-9708-019B960494DF}">
-                <a14:hiddenLine xmlns="" xmlns:a14="http://schemas.microsoft.com/office/drawing/2010/main" w="9525">
+                <a14:hiddenLine xmlns:a14="http://schemas.microsoft.com/office/drawing/2010/main" xmlns="" w="9525">
                   <a:solidFill>
                     <a:srgbClr val="000000"/>
                   </a:solidFill>
@@ -3276,7 +3286,7 @@
             </a:ln>
             <a:extLst>
               <a:ext uri="{91240B29-F687-4f45-9708-019B960494DF}">
-                <a14:hiddenLine xmlns="" xmlns:a14="http://schemas.microsoft.com/office/drawing/2010/main" w="9525">
+                <a14:hiddenLine xmlns:a14="http://schemas.microsoft.com/office/drawing/2010/main" xmlns="" w="9525">
                   <a:solidFill>
                     <a:srgbClr val="000000"/>
                   </a:solidFill>
@@ -3366,7 +3376,7 @@
             </a:ln>
             <a:extLst>
               <a:ext uri="{91240B29-F687-4f45-9708-019B960494DF}">
-                <a14:hiddenLine xmlns="" xmlns:a14="http://schemas.microsoft.com/office/drawing/2010/main" w="9525">
+                <a14:hiddenLine xmlns:a14="http://schemas.microsoft.com/office/drawing/2010/main" xmlns="" w="9525">
                   <a:solidFill>
                     <a:srgbClr val="000000"/>
                   </a:solidFill>
@@ -3428,7 +3438,7 @@
             </a:ln>
             <a:extLst>
               <a:ext uri="{91240B29-F687-4f45-9708-019B960494DF}">
-                <a14:hiddenLine xmlns="" xmlns:a14="http://schemas.microsoft.com/office/drawing/2010/main" w="9525">
+                <a14:hiddenLine xmlns:a14="http://schemas.microsoft.com/office/drawing/2010/main" xmlns="" w="9525">
                   <a:solidFill>
                     <a:srgbClr val="000000"/>
                   </a:solidFill>
@@ -3518,7 +3528,7 @@
             </a:ln>
             <a:extLst>
               <a:ext uri="{91240B29-F687-4f45-9708-019B960494DF}">
-                <a14:hiddenLine xmlns="" xmlns:a14="http://schemas.microsoft.com/office/drawing/2010/main" w="9525">
+                <a14:hiddenLine xmlns:a14="http://schemas.microsoft.com/office/drawing/2010/main" xmlns="" w="9525">
                   <a:solidFill>
                     <a:srgbClr val="000000"/>
                   </a:solidFill>
@@ -3608,7 +3618,7 @@
             </a:ln>
             <a:extLst>
               <a:ext uri="{91240B29-F687-4f45-9708-019B960494DF}">
-                <a14:hiddenLine xmlns="" xmlns:a14="http://schemas.microsoft.com/office/drawing/2010/main" w="9525">
+                <a14:hiddenLine xmlns:a14="http://schemas.microsoft.com/office/drawing/2010/main" xmlns="" w="9525">
                   <a:solidFill>
                     <a:srgbClr val="000000"/>
                   </a:solidFill>
@@ -3673,7 +3683,7 @@
             </a:ln>
             <a:extLst>
               <a:ext uri="{91240B29-F687-4f45-9708-019B960494DF}">
-                <a14:hiddenLine xmlns="" xmlns:a14="http://schemas.microsoft.com/office/drawing/2010/main" w="9525">
+                <a14:hiddenLine xmlns:a14="http://schemas.microsoft.com/office/drawing/2010/main" xmlns="" w="9525">
                   <a:solidFill>
                     <a:srgbClr val="000000"/>
                   </a:solidFill>
@@ -3735,7 +3745,7 @@
             </a:ln>
             <a:extLst>
               <a:ext uri="{91240B29-F687-4f45-9708-019B960494DF}">
-                <a14:hiddenLine xmlns="" xmlns:a14="http://schemas.microsoft.com/office/drawing/2010/main" w="9525">
+                <a14:hiddenLine xmlns:a14="http://schemas.microsoft.com/office/drawing/2010/main" xmlns="" w="9525">
                   <a:solidFill>
                     <a:srgbClr val="000000"/>
                   </a:solidFill>
@@ -3825,7 +3835,7 @@
             </a:ln>
             <a:extLst>
               <a:ext uri="{91240B29-F687-4f45-9708-019B960494DF}">
-                <a14:hiddenLine xmlns="" xmlns:a14="http://schemas.microsoft.com/office/drawing/2010/main" w="9525">
+                <a14:hiddenLine xmlns:a14="http://schemas.microsoft.com/office/drawing/2010/main" xmlns="" w="9525">
                   <a:solidFill>
                     <a:srgbClr val="000000"/>
                   </a:solidFill>
@@ -3915,7 +3925,7 @@
             </a:ln>
             <a:extLst>
               <a:ext uri="{91240B29-F687-4f45-9708-019B960494DF}">
-                <a14:hiddenLine xmlns="" xmlns:a14="http://schemas.microsoft.com/office/drawing/2010/main" w="9525">
+                <a14:hiddenLine xmlns:a14="http://schemas.microsoft.com/office/drawing/2010/main" xmlns="" w="9525">
                   <a:solidFill>
                     <a:srgbClr val="000000"/>
                   </a:solidFill>
@@ -3977,7 +3987,7 @@
             </a:ln>
             <a:extLst>
               <a:ext uri="{91240B29-F687-4f45-9708-019B960494DF}">
-                <a14:hiddenLine xmlns="" xmlns:a14="http://schemas.microsoft.com/office/drawing/2010/main" w="9525">
+                <a14:hiddenLine xmlns:a14="http://schemas.microsoft.com/office/drawing/2010/main" xmlns="" w="9525">
                   <a:solidFill>
                     <a:srgbClr val="000000"/>
                   </a:solidFill>
@@ -4097,7 +4107,7 @@
             </a:ln>
             <a:extLst>
               <a:ext uri="{91240B29-F687-4f45-9708-019B960494DF}">
-                <a14:hiddenLine xmlns="" xmlns:a14="http://schemas.microsoft.com/office/drawing/2010/main" w="9525">
+                <a14:hiddenLine xmlns:a14="http://schemas.microsoft.com/office/drawing/2010/main" xmlns="" w="9525">
                   <a:solidFill>
                     <a:srgbClr val="000000"/>
                   </a:solidFill>
@@ -4165,7 +4175,7 @@
             </a:ln>
             <a:extLst>
               <a:ext uri="{91240B29-F687-4f45-9708-019B960494DF}">
-                <a14:hiddenLine xmlns="" xmlns:a14="http://schemas.microsoft.com/office/drawing/2010/main" w="9525">
+                <a14:hiddenLine xmlns:a14="http://schemas.microsoft.com/office/drawing/2010/main" xmlns="" w="9525">
                   <a:solidFill>
                     <a:srgbClr val="000000"/>
                   </a:solidFill>
@@ -4255,7 +4265,7 @@
             </a:ln>
             <a:extLst>
               <a:ext uri="{91240B29-F687-4f45-9708-019B960494DF}">
-                <a14:hiddenLine xmlns="" xmlns:a14="http://schemas.microsoft.com/office/drawing/2010/main" w="9525">
+                <a14:hiddenLine xmlns:a14="http://schemas.microsoft.com/office/drawing/2010/main" xmlns="" w="9525">
                   <a:solidFill>
                     <a:srgbClr val="000000"/>
                   </a:solidFill>
@@ -9062,7 +9072,7 @@
           <a:noFill/>
           <a:extLst>
             <a:ext uri="{909E8E84-426E-40dd-AFC4-6F175D3DCCD1}">
-              <a14:hiddenFill xmlns="" xmlns:a14="http://schemas.microsoft.com/office/drawing/2010/main">
+              <a14:hiddenFill xmlns:a14="http://schemas.microsoft.com/office/drawing/2010/main" xmlns="">
                 <a:solidFill>
                   <a:srgbClr val="FFFFFF"/>
                 </a:solidFill>
@@ -9136,7 +9146,7 @@
               </a:ln>
               <a:extLst>
                 <a:ext uri="{91240B29-F687-4f45-9708-019B960494DF}">
-                  <a14:hiddenLine xmlns="" xmlns:a14="http://schemas.microsoft.com/office/drawing/2010/main" w="9525">
+                  <a14:hiddenLine xmlns:a14="http://schemas.microsoft.com/office/drawing/2010/main" xmlns="" w="9525">
                     <a:solidFill>
                       <a:srgbClr val="000000"/>
                     </a:solidFill>
@@ -9226,7 +9236,7 @@
               </a:ln>
               <a:extLst>
                 <a:ext uri="{91240B29-F687-4f45-9708-019B960494DF}">
-                  <a14:hiddenLine xmlns="" xmlns:a14="http://schemas.microsoft.com/office/drawing/2010/main" w="9525">
+                  <a14:hiddenLine xmlns:a14="http://schemas.microsoft.com/office/drawing/2010/main" xmlns="" w="9525">
                     <a:solidFill>
                       <a:srgbClr val="000000"/>
                     </a:solidFill>
@@ -9316,7 +9326,7 @@
               </a:ln>
               <a:extLst>
                 <a:ext uri="{91240B29-F687-4f45-9708-019B960494DF}">
-                  <a14:hiddenLine xmlns="" xmlns:a14="http://schemas.microsoft.com/office/drawing/2010/main" w="9525">
+                  <a14:hiddenLine xmlns:a14="http://schemas.microsoft.com/office/drawing/2010/main" xmlns="" w="9525">
                     <a:solidFill>
                       <a:srgbClr val="000000"/>
                     </a:solidFill>
@@ -9378,7 +9388,7 @@
               </a:ln>
               <a:extLst>
                 <a:ext uri="{91240B29-F687-4f45-9708-019B960494DF}">
-                  <a14:hiddenLine xmlns="" xmlns:a14="http://schemas.microsoft.com/office/drawing/2010/main" w="9525">
+                  <a14:hiddenLine xmlns:a14="http://schemas.microsoft.com/office/drawing/2010/main" xmlns="" w="9525">
                     <a:solidFill>
                       <a:srgbClr val="000000"/>
                     </a:solidFill>
@@ -9468,7 +9478,7 @@
               </a:ln>
               <a:extLst>
                 <a:ext uri="{91240B29-F687-4f45-9708-019B960494DF}">
-                  <a14:hiddenLine xmlns="" xmlns:a14="http://schemas.microsoft.com/office/drawing/2010/main" w="9525">
+                  <a14:hiddenLine xmlns:a14="http://schemas.microsoft.com/office/drawing/2010/main" xmlns="" w="9525">
                     <a:solidFill>
                       <a:srgbClr val="000000"/>
                     </a:solidFill>
@@ -9530,7 +9540,7 @@
               </a:ln>
               <a:extLst>
                 <a:ext uri="{91240B29-F687-4f45-9708-019B960494DF}">
-                  <a14:hiddenLine xmlns="" xmlns:a14="http://schemas.microsoft.com/office/drawing/2010/main" w="9525">
+                  <a14:hiddenLine xmlns:a14="http://schemas.microsoft.com/office/drawing/2010/main" xmlns="" w="9525">
                     <a:solidFill>
                       <a:srgbClr val="000000"/>
                     </a:solidFill>
@@ -9592,7 +9602,7 @@
               </a:ln>
               <a:extLst>
                 <a:ext uri="{91240B29-F687-4f45-9708-019B960494DF}">
-                  <a14:hiddenLine xmlns="" xmlns:a14="http://schemas.microsoft.com/office/drawing/2010/main" w="9525">
+                  <a14:hiddenLine xmlns:a14="http://schemas.microsoft.com/office/drawing/2010/main" xmlns="" w="9525">
                     <a:solidFill>
                       <a:srgbClr val="000000"/>
                     </a:solidFill>
@@ -9682,7 +9692,7 @@
               </a:ln>
               <a:extLst>
                 <a:ext uri="{91240B29-F687-4f45-9708-019B960494DF}">
-                  <a14:hiddenLine xmlns="" xmlns:a14="http://schemas.microsoft.com/office/drawing/2010/main" w="9525">
+                  <a14:hiddenLine xmlns:a14="http://schemas.microsoft.com/office/drawing/2010/main" xmlns="" w="9525">
                     <a:solidFill>
                       <a:srgbClr val="000000"/>
                     </a:solidFill>
@@ -9772,7 +9782,7 @@
               </a:ln>
               <a:extLst>
                 <a:ext uri="{91240B29-F687-4f45-9708-019B960494DF}">
-                  <a14:hiddenLine xmlns="" xmlns:a14="http://schemas.microsoft.com/office/drawing/2010/main" w="9525">
+                  <a14:hiddenLine xmlns:a14="http://schemas.microsoft.com/office/drawing/2010/main" xmlns="" w="9525">
                     <a:solidFill>
                       <a:srgbClr val="000000"/>
                     </a:solidFill>
@@ -9834,7 +9844,7 @@
               </a:ln>
               <a:extLst>
                 <a:ext uri="{91240B29-F687-4f45-9708-019B960494DF}">
-                  <a14:hiddenLine xmlns="" xmlns:a14="http://schemas.microsoft.com/office/drawing/2010/main" w="9525">
+                  <a14:hiddenLine xmlns:a14="http://schemas.microsoft.com/office/drawing/2010/main" xmlns="" w="9525">
                     <a:solidFill>
                       <a:srgbClr val="000000"/>
                     </a:solidFill>
@@ -9944,7 +9954,7 @@
               </a:ln>
               <a:extLst>
                 <a:ext uri="{91240B29-F687-4f45-9708-019B960494DF}">
-                  <a14:hiddenLine xmlns="" xmlns:a14="http://schemas.microsoft.com/office/drawing/2010/main" w="9525">
+                  <a14:hiddenLine xmlns:a14="http://schemas.microsoft.com/office/drawing/2010/main" xmlns="" w="9525">
                     <a:solidFill>
                       <a:srgbClr val="000000"/>
                     </a:solidFill>
@@ -10028,7 +10038,7 @@
               </a:ln>
               <a:extLst>
                 <a:ext uri="{91240B29-F687-4f45-9708-019B960494DF}">
-                  <a14:hiddenLine xmlns="" xmlns:a14="http://schemas.microsoft.com/office/drawing/2010/main" w="9525">
+                  <a14:hiddenLine xmlns:a14="http://schemas.microsoft.com/office/drawing/2010/main" xmlns="" w="9525">
                     <a:solidFill>
                       <a:srgbClr val="000000"/>
                     </a:solidFill>
@@ -10090,7 +10100,7 @@
               </a:ln>
               <a:extLst>
                 <a:ext uri="{91240B29-F687-4f45-9708-019B960494DF}">
-                  <a14:hiddenLine xmlns="" xmlns:a14="http://schemas.microsoft.com/office/drawing/2010/main" w="9525">
+                  <a14:hiddenLine xmlns:a14="http://schemas.microsoft.com/office/drawing/2010/main" xmlns="" w="9525">
                     <a:solidFill>
                       <a:srgbClr val="000000"/>
                     </a:solidFill>
@@ -10152,7 +10162,7 @@
               </a:ln>
               <a:extLst>
                 <a:ext uri="{91240B29-F687-4f45-9708-019B960494DF}">
-                  <a14:hiddenLine xmlns="" xmlns:a14="http://schemas.microsoft.com/office/drawing/2010/main" w="9525">
+                  <a14:hiddenLine xmlns:a14="http://schemas.microsoft.com/office/drawing/2010/main" xmlns="" w="9525">
                     <a:solidFill>
                       <a:srgbClr val="000000"/>
                     </a:solidFill>
@@ -10242,7 +10252,7 @@
               </a:ln>
               <a:extLst>
                 <a:ext uri="{91240B29-F687-4f45-9708-019B960494DF}">
-                  <a14:hiddenLine xmlns="" xmlns:a14="http://schemas.microsoft.com/office/drawing/2010/main" w="9525">
+                  <a14:hiddenLine xmlns:a14="http://schemas.microsoft.com/office/drawing/2010/main" xmlns="" w="9525">
                     <a:solidFill>
                       <a:srgbClr val="000000"/>
                     </a:solidFill>
@@ -10276,7 +10286,7 @@
               </a:ln>
               <a:extLst>
                 <a:ext uri="{91240B29-F687-4f45-9708-019B960494DF}">
-                  <a14:hiddenLine xmlns="" xmlns:a14="http://schemas.microsoft.com/office/drawing/2010/main" w="9525">
+                  <a14:hiddenLine xmlns:a14="http://schemas.microsoft.com/office/drawing/2010/main" xmlns="" w="9525">
                     <a:solidFill>
                       <a:srgbClr val="000000"/>
                     </a:solidFill>
@@ -10341,7 +10351,7 @@
               </a:ln>
               <a:extLst>
                 <a:ext uri="{91240B29-F687-4f45-9708-019B960494DF}">
-                  <a14:hiddenLine xmlns="" xmlns:a14="http://schemas.microsoft.com/office/drawing/2010/main" w="9525">
+                  <a14:hiddenLine xmlns:a14="http://schemas.microsoft.com/office/drawing/2010/main" xmlns="" w="9525">
                     <a:solidFill>
                       <a:srgbClr val="000000"/>
                     </a:solidFill>
@@ -10431,7 +10441,7 @@
               </a:ln>
               <a:extLst>
                 <a:ext uri="{91240B29-F687-4f45-9708-019B960494DF}">
-                  <a14:hiddenLine xmlns="" xmlns:a14="http://schemas.microsoft.com/office/drawing/2010/main" w="9525">
+                  <a14:hiddenLine xmlns:a14="http://schemas.microsoft.com/office/drawing/2010/main" xmlns="" w="9525">
                     <a:solidFill>
                       <a:srgbClr val="000000"/>
                     </a:solidFill>
@@ -10493,7 +10503,7 @@
               </a:ln>
               <a:extLst>
                 <a:ext uri="{91240B29-F687-4f45-9708-019B960494DF}">
-                  <a14:hiddenLine xmlns="" xmlns:a14="http://schemas.microsoft.com/office/drawing/2010/main" w="9525">
+                  <a14:hiddenLine xmlns:a14="http://schemas.microsoft.com/office/drawing/2010/main" xmlns="" w="9525">
                     <a:solidFill>
                       <a:srgbClr val="000000"/>
                     </a:solidFill>
@@ -10583,7 +10593,7 @@
               </a:ln>
               <a:extLst>
                 <a:ext uri="{91240B29-F687-4f45-9708-019B960494DF}">
-                  <a14:hiddenLine xmlns="" xmlns:a14="http://schemas.microsoft.com/office/drawing/2010/main" w="9525">
+                  <a14:hiddenLine xmlns:a14="http://schemas.microsoft.com/office/drawing/2010/main" xmlns="" w="9525">
                     <a:solidFill>
                       <a:srgbClr val="000000"/>
                     </a:solidFill>
@@ -10648,7 +10658,7 @@
               </a:ln>
               <a:extLst>
                 <a:ext uri="{91240B29-F687-4f45-9708-019B960494DF}">
-                  <a14:hiddenLine xmlns="" xmlns:a14="http://schemas.microsoft.com/office/drawing/2010/main" w="9525">
+                  <a14:hiddenLine xmlns:a14="http://schemas.microsoft.com/office/drawing/2010/main" xmlns="" w="9525">
                     <a:solidFill>
                       <a:srgbClr val="000000"/>
                     </a:solidFill>
@@ -10710,7 +10720,7 @@
               </a:ln>
               <a:extLst>
                 <a:ext uri="{91240B29-F687-4f45-9708-019B960494DF}">
-                  <a14:hiddenLine xmlns="" xmlns:a14="http://schemas.microsoft.com/office/drawing/2010/main" w="9525">
+                  <a14:hiddenLine xmlns:a14="http://schemas.microsoft.com/office/drawing/2010/main" xmlns="" w="9525">
                     <a:solidFill>
                       <a:srgbClr val="000000"/>
                     </a:solidFill>
@@ -10800,7 +10810,7 @@
               </a:ln>
               <a:extLst>
                 <a:ext uri="{91240B29-F687-4f45-9708-019B960494DF}">
-                  <a14:hiddenLine xmlns="" xmlns:a14="http://schemas.microsoft.com/office/drawing/2010/main" w="9525">
+                  <a14:hiddenLine xmlns:a14="http://schemas.microsoft.com/office/drawing/2010/main" xmlns="" w="9525">
                     <a:solidFill>
                       <a:srgbClr val="000000"/>
                     </a:solidFill>
@@ -10890,7 +10900,7 @@
               </a:ln>
               <a:extLst>
                 <a:ext uri="{91240B29-F687-4f45-9708-019B960494DF}">
-                  <a14:hiddenLine xmlns="" xmlns:a14="http://schemas.microsoft.com/office/drawing/2010/main" w="9525">
+                  <a14:hiddenLine xmlns:a14="http://schemas.microsoft.com/office/drawing/2010/main" xmlns="" w="9525">
                     <a:solidFill>
                       <a:srgbClr val="000000"/>
                     </a:solidFill>
@@ -10955,7 +10965,7 @@
               </a:ln>
               <a:extLst>
                 <a:ext uri="{91240B29-F687-4f45-9708-019B960494DF}">
-                  <a14:hiddenLine xmlns="" xmlns:a14="http://schemas.microsoft.com/office/drawing/2010/main" w="9525">
+                  <a14:hiddenLine xmlns:a14="http://schemas.microsoft.com/office/drawing/2010/main" xmlns="" w="9525">
                     <a:solidFill>
                       <a:srgbClr val="000000"/>
                     </a:solidFill>
@@ -11075,7 +11085,7 @@
               </a:ln>
               <a:extLst>
                 <a:ext uri="{91240B29-F687-4f45-9708-019B960494DF}">
-                  <a14:hiddenLine xmlns="" xmlns:a14="http://schemas.microsoft.com/office/drawing/2010/main" w="9525">
+                  <a14:hiddenLine xmlns:a14="http://schemas.microsoft.com/office/drawing/2010/main" xmlns="" w="9525">
                     <a:solidFill>
                       <a:srgbClr val="000000"/>
                     </a:solidFill>
@@ -11173,7 +11183,7 @@
               </a:ln>
               <a:extLst>
                 <a:ext uri="{91240B29-F687-4f45-9708-019B960494DF}">
-                  <a14:hiddenLine xmlns="" xmlns:a14="http://schemas.microsoft.com/office/drawing/2010/main" w="9525">
+                  <a14:hiddenLine xmlns:a14="http://schemas.microsoft.com/office/drawing/2010/main" xmlns="" w="9525">
                     <a:solidFill>
                       <a:srgbClr val="000000"/>
                     </a:solidFill>
@@ -11288,7 +11298,7 @@
               </a:ln>
               <a:extLst>
                 <a:ext uri="{91240B29-F687-4f45-9708-019B960494DF}">
-                  <a14:hiddenLine xmlns="" xmlns:a14="http://schemas.microsoft.com/office/drawing/2010/main" w="9525">
+                  <a14:hiddenLine xmlns:a14="http://schemas.microsoft.com/office/drawing/2010/main" xmlns="" w="9525">
                     <a:solidFill>
                       <a:srgbClr val="000000"/>
                     </a:solidFill>
@@ -11378,7 +11388,7 @@
               </a:ln>
               <a:extLst>
                 <a:ext uri="{91240B29-F687-4f45-9708-019B960494DF}">
-                  <a14:hiddenLine xmlns="" xmlns:a14="http://schemas.microsoft.com/office/drawing/2010/main" w="9525">
+                  <a14:hiddenLine xmlns:a14="http://schemas.microsoft.com/office/drawing/2010/main" xmlns="" w="9525">
                     <a:solidFill>
                       <a:srgbClr val="000000"/>
                     </a:solidFill>
@@ -11443,7 +11453,7 @@
               </a:ln>
               <a:extLst>
                 <a:ext uri="{91240B29-F687-4f45-9708-019B960494DF}">
-                  <a14:hiddenLine xmlns="" xmlns:a14="http://schemas.microsoft.com/office/drawing/2010/main" w="9525">
+                  <a14:hiddenLine xmlns:a14="http://schemas.microsoft.com/office/drawing/2010/main" xmlns="" w="9525">
                     <a:solidFill>
                       <a:srgbClr val="000000"/>
                     </a:solidFill>
@@ -11533,7 +11543,7 @@
               </a:ln>
               <a:extLst>
                 <a:ext uri="{91240B29-F687-4f45-9708-019B960494DF}">
-                  <a14:hiddenLine xmlns="" xmlns:a14="http://schemas.microsoft.com/office/drawing/2010/main" w="9525">
+                  <a14:hiddenLine xmlns:a14="http://schemas.microsoft.com/office/drawing/2010/main" xmlns="" w="9525">
                     <a:solidFill>
                       <a:srgbClr val="000000"/>
                     </a:solidFill>
@@ -11601,7 +11611,7 @@
               </a:ln>
               <a:extLst>
                 <a:ext uri="{91240B29-F687-4f45-9708-019B960494DF}">
-                  <a14:hiddenLine xmlns="" xmlns:a14="http://schemas.microsoft.com/office/drawing/2010/main" w="9525">
+                  <a14:hiddenLine xmlns:a14="http://schemas.microsoft.com/office/drawing/2010/main" xmlns="" w="9525">
                     <a:solidFill>
                       <a:srgbClr val="000000"/>
                     </a:solidFill>
@@ -11691,7 +11701,7 @@
               </a:ln>
               <a:extLst>
                 <a:ext uri="{91240B29-F687-4f45-9708-019B960494DF}">
-                  <a14:hiddenLine xmlns="" xmlns:a14="http://schemas.microsoft.com/office/drawing/2010/main" w="9525">
+                  <a14:hiddenLine xmlns:a14="http://schemas.microsoft.com/office/drawing/2010/main" xmlns="" w="9525">
                     <a:solidFill>
                       <a:srgbClr val="000000"/>
                     </a:solidFill>
@@ -11759,7 +11769,7 @@
               </a:ln>
               <a:extLst>
                 <a:ext uri="{91240B29-F687-4f45-9708-019B960494DF}">
-                  <a14:hiddenLine xmlns="" xmlns:a14="http://schemas.microsoft.com/office/drawing/2010/main" w="9525">
+                  <a14:hiddenLine xmlns:a14="http://schemas.microsoft.com/office/drawing/2010/main" xmlns="" w="9525">
                     <a:solidFill>
                       <a:srgbClr val="000000"/>
                     </a:solidFill>
@@ -11849,7 +11859,7 @@
               </a:ln>
               <a:extLst>
                 <a:ext uri="{91240B29-F687-4f45-9708-019B960494DF}">
-                  <a14:hiddenLine xmlns="" xmlns:a14="http://schemas.microsoft.com/office/drawing/2010/main" w="9525">
+                  <a14:hiddenLine xmlns:a14="http://schemas.microsoft.com/office/drawing/2010/main" xmlns="" w="9525">
                     <a:solidFill>
                       <a:srgbClr val="000000"/>
                     </a:solidFill>
@@ -11883,7 +11893,7 @@
               </a:ln>
               <a:extLst>
                 <a:ext uri="{91240B29-F687-4f45-9708-019B960494DF}">
-                  <a14:hiddenLine xmlns="" xmlns:a14="http://schemas.microsoft.com/office/drawing/2010/main" w="9525">
+                  <a14:hiddenLine xmlns:a14="http://schemas.microsoft.com/office/drawing/2010/main" xmlns="" w="9525">
                     <a:solidFill>
                       <a:srgbClr val="000000"/>
                     </a:solidFill>
@@ -12554,6 +12564,1831 @@
 </p:sld>
 </file>
 
+<file path=ppt/slides/slide10.xml><?xml version="1.0" encoding="utf-8"?>
+<p:sld xmlns:a="http://schemas.openxmlformats.org/drawingml/2006/main" xmlns:r="http://schemas.openxmlformats.org/officeDocument/2006/relationships" xmlns:p="http://schemas.openxmlformats.org/presentationml/2006/main">
+  <p:cSld>
+    <p:spTree>
+      <p:nvGrpSpPr>
+        <p:cNvPr id="1" name=""/>
+        <p:cNvGrpSpPr/>
+        <p:nvPr/>
+      </p:nvGrpSpPr>
+      <p:grpSpPr>
+        <a:xfrm>
+          <a:off x="0" y="0"/>
+          <a:ext cx="0" cy="0"/>
+          <a:chOff x="0" y="0"/>
+          <a:chExt cx="0" cy="0"/>
+        </a:xfrm>
+      </p:grpSpPr>
+      <p:pic>
+        <p:nvPicPr>
+          <p:cNvPr id="1026" name="Picture 2">
+            <a:extLst>
+              <a:ext uri="{FF2B5EF4-FFF2-40B4-BE49-F238E27FC236}">
+                <a16:creationId xmlns:a16="http://schemas.microsoft.com/office/drawing/2014/main" id="{F1C9A715-600B-4E5A-873A-1C5484AC8408}"/>
+              </a:ext>
+            </a:extLst>
+          </p:cNvPr>
+          <p:cNvPicPr>
+            <a:picLocks noChangeAspect="1" noChangeArrowheads="1"/>
+          </p:cNvPicPr>
+          <p:nvPr/>
+        </p:nvPicPr>
+        <p:blipFill>
+          <a:blip r:embed="rId2">
+            <a:extLst>
+              <a:ext uri="{28A0092B-C50C-407E-A947-70E740481C1C}">
+                <a14:useLocalDpi xmlns:a14="http://schemas.microsoft.com/office/drawing/2010/main" val="0"/>
+              </a:ext>
+            </a:extLst>
+          </a:blip>
+          <a:srcRect/>
+          <a:stretch>
+            <a:fillRect/>
+          </a:stretch>
+        </p:blipFill>
+        <p:spPr bwMode="auto">
+          <a:xfrm>
+            <a:off x="3645732" y="932155"/>
+            <a:ext cx="4900535" cy="4192971"/>
+          </a:xfrm>
+          <a:prstGeom prst="roundRect">
+            <a:avLst>
+              <a:gd name="adj" fmla="val 8594"/>
+            </a:avLst>
+          </a:prstGeom>
+          <a:solidFill>
+            <a:srgbClr val="FFFFFF">
+              <a:shade val="85000"/>
+            </a:srgbClr>
+          </a:solidFill>
+          <a:ln>
+            <a:noFill/>
+          </a:ln>
+          <a:effectLst>
+            <a:reflection blurRad="12700" stA="38000" endPos="28000" dist="5000" dir="5400000" sy="-100000" algn="bl" rotWithShape="0"/>
+          </a:effectLst>
+          <a:extLst>
+            <a:ext uri="{909E8E84-426E-40DD-AFC4-6F175D3DCCD1}">
+              <a14:hiddenFill xmlns:a14="http://schemas.microsoft.com/office/drawing/2010/main">
+                <a:solidFill>
+                  <a:srgbClr val="FFFFFF"/>
+                </a:solidFill>
+              </a14:hiddenFill>
+            </a:ext>
+          </a:extLst>
+        </p:spPr>
+      </p:pic>
+    </p:spTree>
+    <p:extLst>
+      <p:ext uri="{BB962C8B-B14F-4D97-AF65-F5344CB8AC3E}">
+        <p14:creationId xmlns:p14="http://schemas.microsoft.com/office/powerpoint/2010/main" val="1508580684"/>
+      </p:ext>
+    </p:extLst>
+  </p:cSld>
+  <p:clrMapOvr>
+    <a:masterClrMapping/>
+  </p:clrMapOvr>
+</p:sld>
+</file>
+
+<file path=ppt/slides/slide11.xml><?xml version="1.0" encoding="utf-8"?>
+<p:sld xmlns:a="http://schemas.openxmlformats.org/drawingml/2006/main" xmlns:r="http://schemas.openxmlformats.org/officeDocument/2006/relationships" xmlns:p="http://schemas.openxmlformats.org/presentationml/2006/main">
+  <p:cSld>
+    <p:spTree>
+      <p:nvGrpSpPr>
+        <p:cNvPr id="1" name=""/>
+        <p:cNvGrpSpPr/>
+        <p:nvPr/>
+      </p:nvGrpSpPr>
+      <p:grpSpPr>
+        <a:xfrm>
+          <a:off x="0" y="0"/>
+          <a:ext cx="0" cy="0"/>
+          <a:chOff x="0" y="0"/>
+          <a:chExt cx="0" cy="0"/>
+        </a:xfrm>
+      </p:grpSpPr>
+      <p:sp>
+        <p:nvSpPr>
+          <p:cNvPr id="7" name="Slide Number Placeholder 3"/>
+          <p:cNvSpPr>
+            <a:spLocks noGrp="1"/>
+          </p:cNvSpPr>
+          <p:nvPr>
+            <p:ph type="sldNum" sz="quarter" idx="4294967295"/>
+          </p:nvPr>
+        </p:nvSpPr>
+        <p:spPr>
+          <a:xfrm>
+            <a:off x="11568000" y="6525003"/>
+            <a:ext cx="428822" cy="196477"/>
+          </a:xfrm>
+          <a:prstGeom prst="rect">
+            <a:avLst/>
+          </a:prstGeom>
+        </p:spPr>
+        <p:txBody>
+          <a:bodyPr/>
+          <a:lstStyle/>
+          <a:p>
+            <a:pPr>
+              <a:defRPr/>
+            </a:pPr>
+            <a:fld id="{58452FF4-89E3-4D1B-9927-2DBDC00E58D7}" type="slidenum">
+              <a:rPr lang="en-US" smtClean="0"/>
+              <a:pPr>
+                <a:defRPr/>
+              </a:pPr>
+              <a:t>11</a:t>
+            </a:fld>
+            <a:endParaRPr lang="en-US" dirty="0"/>
+          </a:p>
+        </p:txBody>
+      </p:sp>
+      <p:sp>
+        <p:nvSpPr>
+          <p:cNvPr id="5" name="Content Placeholder 4"/>
+          <p:cNvSpPr>
+            <a:spLocks noGrp="1"/>
+          </p:cNvSpPr>
+          <p:nvPr>
+            <p:ph idx="1"/>
+          </p:nvPr>
+        </p:nvSpPr>
+        <p:spPr>
+          <a:xfrm>
+            <a:off x="1141413" y="1712549"/>
+            <a:ext cx="11696797" cy="5458202"/>
+          </a:xfrm>
+        </p:spPr>
+        <p:txBody>
+          <a:bodyPr>
+            <a:normAutofit/>
+          </a:bodyPr>
+          <a:lstStyle/>
+          <a:p>
+            <a:pPr>
+              <a:lnSpc>
+                <a:spcPct val="100000"/>
+              </a:lnSpc>
+            </a:pPr>
+            <a:r>
+              <a:rPr lang="en-US" dirty="0"/>
+              <a:t>Approach in which an application or service is packaged as an image</a:t>
+            </a:r>
+          </a:p>
+          <a:p>
+            <a:pPr lvl="1">
+              <a:lnSpc>
+                <a:spcPct val="100000"/>
+              </a:lnSpc>
+            </a:pPr>
+            <a:r>
+              <a:rPr lang="en-US" dirty="0"/>
+              <a:t>With its dependencies and configuration</a:t>
+            </a:r>
+          </a:p>
+          <a:p>
+            <a:pPr>
+              <a:lnSpc>
+                <a:spcPct val="100000"/>
+              </a:lnSpc>
+            </a:pPr>
+            <a:r>
+              <a:rPr lang="en-US" dirty="0"/>
+              <a:t>The containerized application can be tested and deployed </a:t>
+            </a:r>
+            <a:br>
+              <a:rPr lang="en-US" dirty="0"/>
+            </a:br>
+            <a:r>
+              <a:rPr lang="en-US" dirty="0"/>
+              <a:t>as a unit to the host OS</a:t>
+            </a:r>
+          </a:p>
+          <a:p>
+            <a:pPr>
+              <a:lnSpc>
+                <a:spcPct val="100000"/>
+              </a:lnSpc>
+            </a:pPr>
+            <a:r>
+              <a:rPr lang="en-US" dirty="0"/>
+              <a:t>Allows deployments across environments with </a:t>
+            </a:r>
+            <a:br>
+              <a:rPr lang="en-US" dirty="0"/>
+            </a:br>
+            <a:r>
+              <a:rPr lang="en-US" dirty="0"/>
+              <a:t>little or no modification</a:t>
+            </a:r>
+          </a:p>
+          <a:p>
+            <a:pPr>
+              <a:lnSpc>
+                <a:spcPct val="100000"/>
+              </a:lnSpc>
+            </a:pPr>
+            <a:r>
+              <a:rPr lang="en-US" dirty="0"/>
+              <a:t>Containers also isolate applications from </a:t>
+            </a:r>
+            <a:br>
+              <a:rPr lang="en-US" dirty="0"/>
+            </a:br>
+            <a:r>
+              <a:rPr lang="en-US" dirty="0"/>
+              <a:t>each other on a shared OS</a:t>
+            </a:r>
+          </a:p>
+          <a:p>
+            <a:pPr lvl="1">
+              <a:lnSpc>
+                <a:spcPct val="100000"/>
+              </a:lnSpc>
+            </a:pPr>
+            <a:r>
+              <a:rPr lang="en-US" dirty="0"/>
+              <a:t>The containers runs on a container host</a:t>
+            </a:r>
+          </a:p>
+          <a:p>
+            <a:pPr lvl="1">
+              <a:lnSpc>
+                <a:spcPct val="100000"/>
+              </a:lnSpc>
+            </a:pPr>
+            <a:r>
+              <a:rPr lang="en-US" dirty="0"/>
+              <a:t>The container host runs on an OS (Linux or Windows)</a:t>
+            </a:r>
+          </a:p>
+          <a:p>
+            <a:pPr lvl="1">
+              <a:lnSpc>
+                <a:spcPct val="100000"/>
+              </a:lnSpc>
+            </a:pPr>
+            <a:r>
+              <a:rPr lang="en-US" dirty="0"/>
+              <a:t>Thus having a smaller footprint than virtual machines</a:t>
+            </a:r>
+          </a:p>
+        </p:txBody>
+      </p:sp>
+      <p:sp>
+        <p:nvSpPr>
+          <p:cNvPr id="4" name="Title 3"/>
+          <p:cNvSpPr>
+            <a:spLocks noGrp="1"/>
+          </p:cNvSpPr>
+          <p:nvPr>
+            <p:ph type="title"/>
+          </p:nvPr>
+        </p:nvSpPr>
+        <p:spPr/>
+        <p:txBody>
+          <a:bodyPr/>
+          <a:lstStyle/>
+          <a:p>
+            <a:r>
+              <a:rPr lang="en-US" dirty="0"/>
+              <a:t>Containerization </a:t>
+            </a:r>
+          </a:p>
+        </p:txBody>
+      </p:sp>
+      <p:pic>
+        <p:nvPicPr>
+          <p:cNvPr id="2" name="Picture 1">
+            <a:extLst>
+              <a:ext uri="{FF2B5EF4-FFF2-40B4-BE49-F238E27FC236}">
+                <a16:creationId xmlns:a16="http://schemas.microsoft.com/office/drawing/2014/main" id="{E3EF3168-6301-4034-AEF0-2FC958C068F3}"/>
+              </a:ext>
+            </a:extLst>
+          </p:cNvPr>
+          <p:cNvPicPr>
+            <a:picLocks noChangeAspect="1"/>
+          </p:cNvPicPr>
+          <p:nvPr/>
+        </p:nvPicPr>
+        <p:blipFill>
+          <a:blip r:embed="rId2"/>
+          <a:stretch>
+            <a:fillRect/>
+          </a:stretch>
+        </p:blipFill>
+        <p:spPr>
+          <a:xfrm>
+            <a:off x="8028393" y="3278115"/>
+            <a:ext cx="2671389" cy="1779587"/>
+          </a:xfrm>
+          <a:prstGeom prst="rect">
+            <a:avLst/>
+          </a:prstGeom>
+          <a:ln>
+            <a:noFill/>
+          </a:ln>
+          <a:effectLst>
+            <a:outerShdw blurRad="190500" algn="tl" rotWithShape="0">
+              <a:srgbClr val="000000">
+                <a:alpha val="70000"/>
+              </a:srgbClr>
+            </a:outerShdw>
+          </a:effectLst>
+        </p:spPr>
+      </p:pic>
+    </p:spTree>
+    <p:extLst>
+      <p:ext uri="{BB962C8B-B14F-4D97-AF65-F5344CB8AC3E}">
+        <p14:creationId xmlns:p14="http://schemas.microsoft.com/office/powerpoint/2010/main" val="245332833"/>
+      </p:ext>
+    </p:extLst>
+  </p:cSld>
+  <p:clrMapOvr>
+    <a:masterClrMapping/>
+  </p:clrMapOvr>
+</p:sld>
+</file>
+
+<file path=ppt/slides/slide12.xml><?xml version="1.0" encoding="utf-8"?>
+<p:sld xmlns:a="http://schemas.openxmlformats.org/drawingml/2006/main" xmlns:r="http://schemas.openxmlformats.org/officeDocument/2006/relationships" xmlns:p="http://schemas.openxmlformats.org/presentationml/2006/main">
+  <p:cSld>
+    <p:spTree>
+      <p:nvGrpSpPr>
+        <p:cNvPr id="1" name=""/>
+        <p:cNvGrpSpPr/>
+        <p:nvPr/>
+      </p:nvGrpSpPr>
+      <p:grpSpPr>
+        <a:xfrm>
+          <a:off x="0" y="0"/>
+          <a:ext cx="0" cy="0"/>
+          <a:chOff x="0" y="0"/>
+          <a:chExt cx="0" cy="0"/>
+        </a:xfrm>
+      </p:grpSpPr>
+      <p:sp>
+        <p:nvSpPr>
+          <p:cNvPr id="7" name="Slide Number Placeholder 3"/>
+          <p:cNvSpPr>
+            <a:spLocks noGrp="1"/>
+          </p:cNvSpPr>
+          <p:nvPr>
+            <p:ph type="sldNum" sz="quarter" idx="4294967295"/>
+          </p:nvPr>
+        </p:nvSpPr>
+        <p:spPr>
+          <a:xfrm>
+            <a:off x="11568000" y="6525003"/>
+            <a:ext cx="428822" cy="196477"/>
+          </a:xfrm>
+          <a:prstGeom prst="rect">
+            <a:avLst/>
+          </a:prstGeom>
+        </p:spPr>
+        <p:txBody>
+          <a:bodyPr/>
+          <a:lstStyle/>
+          <a:p>
+            <a:pPr>
+              <a:defRPr/>
+            </a:pPr>
+            <a:fld id="{58452FF4-89E3-4D1B-9927-2DBDC00E58D7}" type="slidenum">
+              <a:rPr lang="en-US" smtClean="0"/>
+              <a:pPr>
+                <a:defRPr/>
+              </a:pPr>
+              <a:t>12</a:t>
+            </a:fld>
+            <a:endParaRPr lang="en-US" dirty="0"/>
+          </a:p>
+        </p:txBody>
+      </p:sp>
+      <p:sp>
+        <p:nvSpPr>
+          <p:cNvPr id="5" name="Content Placeholder 4"/>
+          <p:cNvSpPr>
+            <a:spLocks noGrp="1"/>
+          </p:cNvSpPr>
+          <p:nvPr>
+            <p:ph idx="1"/>
+          </p:nvPr>
+        </p:nvSpPr>
+        <p:spPr>
+          <a:xfrm>
+            <a:off x="1141413" y="1712549"/>
+            <a:ext cx="11696797" cy="5458202"/>
+          </a:xfrm>
+        </p:spPr>
+        <p:txBody>
+          <a:bodyPr>
+            <a:normAutofit/>
+          </a:bodyPr>
+          <a:lstStyle/>
+          <a:p>
+            <a:pPr>
+              <a:lnSpc>
+                <a:spcPct val="100000"/>
+              </a:lnSpc>
+            </a:pPr>
+            <a:r>
+              <a:rPr lang="en-US" dirty="0"/>
+              <a:t>Docker is lightweight, open, secure</a:t>
+            </a:r>
+          </a:p>
+          <a:p>
+            <a:pPr>
+              <a:lnSpc>
+                <a:spcPct val="100000"/>
+              </a:lnSpc>
+            </a:pPr>
+            <a:r>
+              <a:rPr lang="en-US" dirty="0"/>
+              <a:t>It simplifies building, shipping, and running applications</a:t>
+            </a:r>
+          </a:p>
+          <a:p>
+            <a:pPr lvl="1">
+              <a:lnSpc>
+                <a:spcPct val="100000"/>
+              </a:lnSpc>
+            </a:pPr>
+            <a:r>
+              <a:rPr lang="en-US" dirty="0"/>
+              <a:t>On different environments</a:t>
+            </a:r>
+          </a:p>
+          <a:p>
+            <a:pPr>
+              <a:lnSpc>
+                <a:spcPct val="100000"/>
+              </a:lnSpc>
+            </a:pPr>
+            <a:r>
+              <a:rPr lang="en-US" dirty="0"/>
+              <a:t>Runs natively on Linux or Windows servers</a:t>
+            </a:r>
+          </a:p>
+          <a:p>
+            <a:pPr>
+              <a:lnSpc>
+                <a:spcPct val="100000"/>
+              </a:lnSpc>
+            </a:pPr>
+            <a:r>
+              <a:rPr lang="en-US" dirty="0"/>
+              <a:t>Runs on Windows or Mac development machines</a:t>
+            </a:r>
+          </a:p>
+          <a:p>
+            <a:pPr>
+              <a:lnSpc>
+                <a:spcPct val="100000"/>
+              </a:lnSpc>
+            </a:pPr>
+            <a:r>
+              <a:rPr lang="en-US" dirty="0"/>
+              <a:t>Relies on "images" and "containers"</a:t>
+            </a:r>
+          </a:p>
+          <a:p>
+            <a:pPr>
+              <a:lnSpc>
+                <a:spcPct val="100000"/>
+              </a:lnSpc>
+            </a:pPr>
+            <a:r>
+              <a:rPr lang="en-US" dirty="0"/>
+              <a:t>The playground is a good starting point:</a:t>
+            </a:r>
+          </a:p>
+          <a:p>
+            <a:pPr lvl="1">
+              <a:lnSpc>
+                <a:spcPct val="100000"/>
+              </a:lnSpc>
+            </a:pPr>
+            <a:r>
+              <a:rPr lang="en-GB" dirty="0">
+                <a:hlinkClick r:id="rId2"/>
+              </a:rPr>
+              <a:t>https://www.docker.com/play-with-docker</a:t>
+            </a:r>
+            <a:endParaRPr lang="en-US" dirty="0"/>
+          </a:p>
+        </p:txBody>
+      </p:sp>
+      <p:sp>
+        <p:nvSpPr>
+          <p:cNvPr id="4" name="Title 3"/>
+          <p:cNvSpPr>
+            <a:spLocks noGrp="1"/>
+          </p:cNvSpPr>
+          <p:nvPr>
+            <p:ph type="title"/>
+          </p:nvPr>
+        </p:nvSpPr>
+        <p:spPr/>
+        <p:txBody>
+          <a:bodyPr/>
+          <a:lstStyle/>
+          <a:p>
+            <a:r>
+              <a:rPr lang="en-US" dirty="0"/>
+              <a:t>What is docker?</a:t>
+            </a:r>
+          </a:p>
+        </p:txBody>
+      </p:sp>
+    </p:spTree>
+    <p:extLst>
+      <p:ext uri="{BB962C8B-B14F-4D97-AF65-F5344CB8AC3E}">
+        <p14:creationId xmlns:p14="http://schemas.microsoft.com/office/powerpoint/2010/main" val="2315132730"/>
+      </p:ext>
+    </p:extLst>
+  </p:cSld>
+  <p:clrMapOvr>
+    <a:masterClrMapping/>
+  </p:clrMapOvr>
+</p:sld>
+</file>
+
+<file path=ppt/slides/slide13.xml><?xml version="1.0" encoding="utf-8"?>
+<p:sld xmlns:a="http://schemas.openxmlformats.org/drawingml/2006/main" xmlns:r="http://schemas.openxmlformats.org/officeDocument/2006/relationships" xmlns:p="http://schemas.openxmlformats.org/presentationml/2006/main">
+  <p:cSld>
+    <p:spTree>
+      <p:nvGrpSpPr>
+        <p:cNvPr id="1" name=""/>
+        <p:cNvGrpSpPr/>
+        <p:nvPr/>
+      </p:nvGrpSpPr>
+      <p:grpSpPr>
+        <a:xfrm>
+          <a:off x="0" y="0"/>
+          <a:ext cx="0" cy="0"/>
+          <a:chOff x="0" y="0"/>
+          <a:chExt cx="0" cy="0"/>
+        </a:xfrm>
+      </p:grpSpPr>
+      <p:sp>
+        <p:nvSpPr>
+          <p:cNvPr id="7" name="Slide Number Placeholder 3"/>
+          <p:cNvSpPr>
+            <a:spLocks noGrp="1"/>
+          </p:cNvSpPr>
+          <p:nvPr>
+            <p:ph type="sldNum" sz="quarter" idx="4294967295"/>
+          </p:nvPr>
+        </p:nvSpPr>
+        <p:spPr>
+          <a:xfrm>
+            <a:off x="11568000" y="6525003"/>
+            <a:ext cx="428822" cy="196477"/>
+          </a:xfrm>
+          <a:prstGeom prst="rect">
+            <a:avLst/>
+          </a:prstGeom>
+        </p:spPr>
+        <p:txBody>
+          <a:bodyPr/>
+          <a:lstStyle/>
+          <a:p>
+            <a:pPr>
+              <a:defRPr/>
+            </a:pPr>
+            <a:fld id="{58452FF4-89E3-4D1B-9927-2DBDC00E58D7}" type="slidenum">
+              <a:rPr lang="en-US" smtClean="0"/>
+              <a:pPr>
+                <a:defRPr/>
+              </a:pPr>
+              <a:t>13</a:t>
+            </a:fld>
+            <a:endParaRPr lang="en-US" dirty="0"/>
+          </a:p>
+        </p:txBody>
+      </p:sp>
+      <p:sp>
+        <p:nvSpPr>
+          <p:cNvPr id="5" name="Content Placeholder 4"/>
+          <p:cNvSpPr>
+            <a:spLocks noGrp="1"/>
+          </p:cNvSpPr>
+          <p:nvPr>
+            <p:ph idx="1"/>
+          </p:nvPr>
+        </p:nvSpPr>
+        <p:spPr>
+          <a:xfrm>
+            <a:off x="1141413" y="1712549"/>
+            <a:ext cx="11696797" cy="5458202"/>
+          </a:xfrm>
+        </p:spPr>
+        <p:txBody>
+          <a:bodyPr>
+            <a:normAutofit/>
+          </a:bodyPr>
+          <a:lstStyle/>
+          <a:p>
+            <a:pPr>
+              <a:lnSpc>
+                <a:spcPct val="100000"/>
+              </a:lnSpc>
+            </a:pPr>
+            <a:r>
+              <a:rPr lang="en-US" dirty="0"/>
+              <a:t>Image</a:t>
+            </a:r>
+          </a:p>
+          <a:p>
+            <a:pPr lvl="1">
+              <a:lnSpc>
+                <a:spcPct val="100000"/>
+              </a:lnSpc>
+            </a:pPr>
+            <a:r>
+              <a:rPr lang="en-US" dirty="0"/>
+              <a:t>An image is just like a blueprint</a:t>
+            </a:r>
+          </a:p>
+          <a:p>
+            <a:pPr lvl="1">
+              <a:lnSpc>
+                <a:spcPct val="100000"/>
+              </a:lnSpc>
+            </a:pPr>
+            <a:r>
+              <a:rPr lang="en-US" dirty="0"/>
+              <a:t>A read-only template</a:t>
+            </a:r>
+          </a:p>
+          <a:p>
+            <a:pPr lvl="1">
+              <a:lnSpc>
+                <a:spcPct val="100000"/>
+              </a:lnSpc>
+            </a:pPr>
+            <a:r>
+              <a:rPr lang="en-US" dirty="0"/>
+              <a:t>Contains the building blocks of an application</a:t>
+            </a:r>
+          </a:p>
+          <a:p>
+            <a:pPr lvl="1">
+              <a:lnSpc>
+                <a:spcPct val="100000"/>
+              </a:lnSpc>
+            </a:pPr>
+            <a:r>
+              <a:rPr lang="en-US" dirty="0"/>
+              <a:t>Framework, dependencies and code are "described" here</a:t>
+            </a:r>
+          </a:p>
+          <a:p>
+            <a:pPr>
+              <a:lnSpc>
+                <a:spcPct val="100000"/>
+              </a:lnSpc>
+            </a:pPr>
+            <a:r>
+              <a:rPr lang="en-US" dirty="0"/>
+              <a:t>Container</a:t>
+            </a:r>
+          </a:p>
+          <a:p>
+            <a:pPr lvl="1">
+              <a:lnSpc>
+                <a:spcPct val="100000"/>
+              </a:lnSpc>
+            </a:pPr>
+            <a:r>
+              <a:rPr lang="en-US" dirty="0"/>
+              <a:t>Built from the image</a:t>
+            </a:r>
+          </a:p>
+          <a:p>
+            <a:pPr lvl="1">
+              <a:lnSpc>
+                <a:spcPct val="100000"/>
+              </a:lnSpc>
+            </a:pPr>
+            <a:r>
+              <a:rPr lang="en-US" dirty="0"/>
+              <a:t>It is the actual running environment for your application</a:t>
+            </a:r>
+          </a:p>
+          <a:p>
+            <a:pPr lvl="1">
+              <a:lnSpc>
+                <a:spcPct val="100000"/>
+              </a:lnSpc>
+            </a:pPr>
+            <a:r>
+              <a:rPr lang="en-US" dirty="0"/>
+              <a:t>Isolated and secured</a:t>
+            </a:r>
+          </a:p>
+          <a:p>
+            <a:pPr lvl="1">
+              <a:lnSpc>
+                <a:spcPct val="100000"/>
+              </a:lnSpc>
+            </a:pPr>
+            <a:r>
+              <a:rPr lang="en-US" dirty="0"/>
+              <a:t>It can be started, stopped, moved, and deleted</a:t>
+            </a:r>
+          </a:p>
+          <a:p>
+            <a:pPr lvl="1">
+              <a:lnSpc>
+                <a:spcPct val="100000"/>
+              </a:lnSpc>
+            </a:pPr>
+            <a:r>
+              <a:rPr lang="en-US" dirty="0"/>
+              <a:t>You create a container for your different application pieces</a:t>
+            </a:r>
+          </a:p>
+          <a:p>
+            <a:pPr lvl="2">
+              <a:lnSpc>
+                <a:spcPct val="100000"/>
+              </a:lnSpc>
+            </a:pPr>
+            <a:r>
+              <a:rPr lang="en-US" dirty="0"/>
+              <a:t>Database, Presentation, Caching, etc.</a:t>
+            </a:r>
+          </a:p>
+        </p:txBody>
+      </p:sp>
+      <p:sp>
+        <p:nvSpPr>
+          <p:cNvPr id="4" name="Title 3"/>
+          <p:cNvSpPr>
+            <a:spLocks noGrp="1"/>
+          </p:cNvSpPr>
+          <p:nvPr>
+            <p:ph type="title"/>
+          </p:nvPr>
+        </p:nvSpPr>
+        <p:spPr/>
+        <p:txBody>
+          <a:bodyPr/>
+          <a:lstStyle/>
+          <a:p>
+            <a:r>
+              <a:rPr lang="en-US" dirty="0"/>
+              <a:t>What is docker?</a:t>
+            </a:r>
+          </a:p>
+        </p:txBody>
+      </p:sp>
+    </p:spTree>
+    <p:extLst>
+      <p:ext uri="{BB962C8B-B14F-4D97-AF65-F5344CB8AC3E}">
+        <p14:creationId xmlns:p14="http://schemas.microsoft.com/office/powerpoint/2010/main" val="1280000100"/>
+      </p:ext>
+    </p:extLst>
+  </p:cSld>
+  <p:clrMapOvr>
+    <a:masterClrMapping/>
+  </p:clrMapOvr>
+</p:sld>
+</file>
+
+<file path=ppt/slides/slide14.xml><?xml version="1.0" encoding="utf-8"?>
+<p:sld xmlns:a="http://schemas.openxmlformats.org/drawingml/2006/main" xmlns:r="http://schemas.openxmlformats.org/officeDocument/2006/relationships" xmlns:p="http://schemas.openxmlformats.org/presentationml/2006/main">
+  <p:cSld>
+    <p:spTree>
+      <p:nvGrpSpPr>
+        <p:cNvPr id="1" name=""/>
+        <p:cNvGrpSpPr/>
+        <p:nvPr/>
+      </p:nvGrpSpPr>
+      <p:grpSpPr>
+        <a:xfrm>
+          <a:off x="0" y="0"/>
+          <a:ext cx="0" cy="0"/>
+          <a:chOff x="0" y="0"/>
+          <a:chExt cx="0" cy="0"/>
+        </a:xfrm>
+      </p:grpSpPr>
+      <p:sp>
+        <p:nvSpPr>
+          <p:cNvPr id="7" name="Slide Number Placeholder 3"/>
+          <p:cNvSpPr>
+            <a:spLocks noGrp="1"/>
+          </p:cNvSpPr>
+          <p:nvPr>
+            <p:ph type="sldNum" sz="quarter" idx="4294967295"/>
+          </p:nvPr>
+        </p:nvSpPr>
+        <p:spPr>
+          <a:xfrm>
+            <a:off x="11568000" y="6525003"/>
+            <a:ext cx="428822" cy="196477"/>
+          </a:xfrm>
+          <a:prstGeom prst="rect">
+            <a:avLst/>
+          </a:prstGeom>
+        </p:spPr>
+        <p:txBody>
+          <a:bodyPr/>
+          <a:lstStyle/>
+          <a:p>
+            <a:pPr>
+              <a:defRPr/>
+            </a:pPr>
+            <a:fld id="{58452FF4-89E3-4D1B-9927-2DBDC00E58D7}" type="slidenum">
+              <a:rPr lang="en-US" smtClean="0"/>
+              <a:pPr>
+                <a:defRPr/>
+              </a:pPr>
+              <a:t>14</a:t>
+            </a:fld>
+            <a:endParaRPr lang="en-US" dirty="0"/>
+          </a:p>
+        </p:txBody>
+      </p:sp>
+      <p:sp>
+        <p:nvSpPr>
+          <p:cNvPr id="4" name="Title 3"/>
+          <p:cNvSpPr>
+            <a:spLocks noGrp="1"/>
+          </p:cNvSpPr>
+          <p:nvPr>
+            <p:ph type="title"/>
+          </p:nvPr>
+        </p:nvSpPr>
+        <p:spPr/>
+        <p:txBody>
+          <a:bodyPr/>
+          <a:lstStyle/>
+          <a:p>
+            <a:pPr>
+              <a:lnSpc>
+                <a:spcPct val="100000"/>
+              </a:lnSpc>
+            </a:pPr>
+            <a:r>
+              <a:rPr lang="en-US" dirty="0"/>
+              <a:t>Docker VS Virtual Machines</a:t>
+            </a:r>
+          </a:p>
+        </p:txBody>
+      </p:sp>
+      <p:pic>
+        <p:nvPicPr>
+          <p:cNvPr id="2" name="Picture 1">
+            <a:extLst>
+              <a:ext uri="{FF2B5EF4-FFF2-40B4-BE49-F238E27FC236}">
+                <a16:creationId xmlns:a16="http://schemas.microsoft.com/office/drawing/2014/main" id="{E046190A-8287-46FD-9E0D-C39325EA6AD0}"/>
+              </a:ext>
+            </a:extLst>
+          </p:cNvPr>
+          <p:cNvPicPr>
+            <a:picLocks noChangeAspect="1"/>
+          </p:cNvPicPr>
+          <p:nvPr/>
+        </p:nvPicPr>
+        <p:blipFill>
+          <a:blip r:embed="rId2"/>
+          <a:stretch>
+            <a:fillRect/>
+          </a:stretch>
+        </p:blipFill>
+        <p:spPr>
+          <a:xfrm>
+            <a:off x="3157077" y="2097088"/>
+            <a:ext cx="5874670" cy="3680066"/>
+          </a:xfrm>
+          <a:prstGeom prst="rect">
+            <a:avLst/>
+          </a:prstGeom>
+          <a:ln w="88900" cap="sq" cmpd="thickThin">
+            <a:solidFill>
+              <a:srgbClr val="000000"/>
+            </a:solidFill>
+            <a:prstDash val="solid"/>
+            <a:miter lim="800000"/>
+          </a:ln>
+          <a:effectLst>
+            <a:innerShdw blurRad="76200">
+              <a:srgbClr val="000000"/>
+            </a:innerShdw>
+          </a:effectLst>
+        </p:spPr>
+      </p:pic>
+    </p:spTree>
+    <p:extLst>
+      <p:ext uri="{BB962C8B-B14F-4D97-AF65-F5344CB8AC3E}">
+        <p14:creationId xmlns:p14="http://schemas.microsoft.com/office/powerpoint/2010/main" val="574319365"/>
+      </p:ext>
+    </p:extLst>
+  </p:cSld>
+  <p:clrMapOvr>
+    <a:masterClrMapping/>
+  </p:clrMapOvr>
+</p:sld>
+</file>
+
+<file path=ppt/slides/slide15.xml><?xml version="1.0" encoding="utf-8"?>
+<p:sld xmlns:a="http://schemas.openxmlformats.org/drawingml/2006/main" xmlns:r="http://schemas.openxmlformats.org/officeDocument/2006/relationships" xmlns:p="http://schemas.openxmlformats.org/presentationml/2006/main">
+  <p:cSld>
+    <p:spTree>
+      <p:nvGrpSpPr>
+        <p:cNvPr id="1" name=""/>
+        <p:cNvGrpSpPr/>
+        <p:nvPr/>
+      </p:nvGrpSpPr>
+      <p:grpSpPr>
+        <a:xfrm>
+          <a:off x="0" y="0"/>
+          <a:ext cx="0" cy="0"/>
+          <a:chOff x="0" y="0"/>
+          <a:chExt cx="0" cy="0"/>
+        </a:xfrm>
+      </p:grpSpPr>
+      <p:sp>
+        <p:nvSpPr>
+          <p:cNvPr id="7" name="Slide Number Placeholder 3"/>
+          <p:cNvSpPr>
+            <a:spLocks noGrp="1"/>
+          </p:cNvSpPr>
+          <p:nvPr>
+            <p:ph type="sldNum" sz="quarter" idx="4294967295"/>
+          </p:nvPr>
+        </p:nvSpPr>
+        <p:spPr>
+          <a:xfrm>
+            <a:off x="11568000" y="6525003"/>
+            <a:ext cx="428822" cy="196477"/>
+          </a:xfrm>
+          <a:prstGeom prst="rect">
+            <a:avLst/>
+          </a:prstGeom>
+        </p:spPr>
+        <p:txBody>
+          <a:bodyPr/>
+          <a:lstStyle/>
+          <a:p>
+            <a:pPr>
+              <a:defRPr/>
+            </a:pPr>
+            <a:fld id="{58452FF4-89E3-4D1B-9927-2DBDC00E58D7}" type="slidenum">
+              <a:rPr lang="en-US" smtClean="0"/>
+              <a:pPr>
+                <a:defRPr/>
+              </a:pPr>
+              <a:t>15</a:t>
+            </a:fld>
+            <a:endParaRPr lang="en-US" dirty="0"/>
+          </a:p>
+        </p:txBody>
+      </p:sp>
+      <p:sp>
+        <p:nvSpPr>
+          <p:cNvPr id="5" name="Content Placeholder 4"/>
+          <p:cNvSpPr>
+            <a:spLocks noGrp="1"/>
+          </p:cNvSpPr>
+          <p:nvPr>
+            <p:ph idx="1"/>
+          </p:nvPr>
+        </p:nvSpPr>
+        <p:spPr>
+          <a:xfrm>
+            <a:off x="1141413" y="1712549"/>
+            <a:ext cx="11696797" cy="5458202"/>
+          </a:xfrm>
+        </p:spPr>
+        <p:txBody>
+          <a:bodyPr>
+            <a:normAutofit/>
+          </a:bodyPr>
+          <a:lstStyle/>
+          <a:p>
+            <a:pPr>
+              <a:lnSpc>
+                <a:spcPct val="100000"/>
+              </a:lnSpc>
+            </a:pPr>
+            <a:r>
+              <a:rPr lang="en-US" dirty="0"/>
+              <a:t>Virtual Machines</a:t>
+            </a:r>
+          </a:p>
+          <a:p>
+            <a:pPr lvl="1">
+              <a:lnSpc>
+                <a:spcPct val="100000"/>
+              </a:lnSpc>
+            </a:pPr>
+            <a:r>
+              <a:rPr lang="en-US" dirty="0"/>
+              <a:t>Have a guest OS, which is heavier</a:t>
+            </a:r>
+          </a:p>
+          <a:p>
+            <a:pPr lvl="1">
+              <a:lnSpc>
+                <a:spcPct val="100000"/>
+              </a:lnSpc>
+            </a:pPr>
+            <a:r>
+              <a:rPr lang="en-US" dirty="0"/>
+              <a:t>Images are bigger in terms of size</a:t>
+            </a:r>
+          </a:p>
+          <a:p>
+            <a:pPr lvl="1">
+              <a:lnSpc>
+                <a:spcPct val="100000"/>
+              </a:lnSpc>
+            </a:pPr>
+            <a:r>
+              <a:rPr lang="en-US" dirty="0"/>
+              <a:t>Slower startup time</a:t>
+            </a:r>
+          </a:p>
+          <a:p>
+            <a:pPr lvl="1">
+              <a:lnSpc>
+                <a:spcPct val="100000"/>
+              </a:lnSpc>
+            </a:pPr>
+            <a:r>
+              <a:rPr lang="en-US" dirty="0"/>
+              <a:t>Everything is a copy of the host OS</a:t>
+            </a:r>
+          </a:p>
+          <a:p>
+            <a:pPr>
+              <a:lnSpc>
+                <a:spcPct val="100000"/>
+              </a:lnSpc>
+            </a:pPr>
+            <a:r>
+              <a:rPr lang="en-US" dirty="0"/>
+              <a:t> Docker</a:t>
+            </a:r>
+          </a:p>
+          <a:p>
+            <a:pPr lvl="1">
+              <a:lnSpc>
+                <a:spcPct val="100000"/>
+              </a:lnSpc>
+            </a:pPr>
+            <a:r>
+              <a:rPr lang="en-US" dirty="0"/>
+              <a:t>No guest OS, just a process</a:t>
+            </a:r>
+          </a:p>
+          <a:p>
+            <a:pPr lvl="1">
+              <a:lnSpc>
+                <a:spcPct val="100000"/>
+              </a:lnSpc>
+            </a:pPr>
+            <a:r>
+              <a:rPr lang="en-US" dirty="0"/>
+              <a:t>Images are small in terms of size</a:t>
+            </a:r>
+          </a:p>
+          <a:p>
+            <a:pPr lvl="1">
+              <a:lnSpc>
+                <a:spcPct val="100000"/>
+              </a:lnSpc>
+            </a:pPr>
+            <a:r>
+              <a:rPr lang="en-US" dirty="0"/>
+              <a:t>Fast startup time</a:t>
+            </a:r>
+          </a:p>
+          <a:p>
+            <a:pPr lvl="1">
+              <a:lnSpc>
+                <a:spcPct val="100000"/>
+              </a:lnSpc>
+            </a:pPr>
+            <a:endParaRPr lang="en-US" dirty="0"/>
+          </a:p>
+          <a:p>
+            <a:pPr lvl="1">
+              <a:lnSpc>
+                <a:spcPct val="100000"/>
+              </a:lnSpc>
+            </a:pPr>
+            <a:endParaRPr lang="en-US" dirty="0"/>
+          </a:p>
+        </p:txBody>
+      </p:sp>
+      <p:sp>
+        <p:nvSpPr>
+          <p:cNvPr id="4" name="Title 3"/>
+          <p:cNvSpPr>
+            <a:spLocks noGrp="1"/>
+          </p:cNvSpPr>
+          <p:nvPr>
+            <p:ph type="title"/>
+          </p:nvPr>
+        </p:nvSpPr>
+        <p:spPr/>
+        <p:txBody>
+          <a:bodyPr/>
+          <a:lstStyle/>
+          <a:p>
+            <a:r>
+              <a:rPr lang="en-US" dirty="0"/>
+              <a:t>Docker VS Virtual Machines</a:t>
+            </a:r>
+          </a:p>
+        </p:txBody>
+      </p:sp>
+    </p:spTree>
+    <p:extLst>
+      <p:ext uri="{BB962C8B-B14F-4D97-AF65-F5344CB8AC3E}">
+        <p14:creationId xmlns:p14="http://schemas.microsoft.com/office/powerpoint/2010/main" val="174063324"/>
+      </p:ext>
+    </p:extLst>
+  </p:cSld>
+  <p:clrMapOvr>
+    <a:masterClrMapping/>
+  </p:clrMapOvr>
+</p:sld>
+</file>
+
+<file path=ppt/slides/slide16.xml><?xml version="1.0" encoding="utf-8"?>
+<p:sld xmlns:a="http://schemas.openxmlformats.org/drawingml/2006/main" xmlns:r="http://schemas.openxmlformats.org/officeDocument/2006/relationships" xmlns:p="http://schemas.openxmlformats.org/presentationml/2006/main">
+  <p:cSld>
+    <p:spTree>
+      <p:nvGrpSpPr>
+        <p:cNvPr id="1" name=""/>
+        <p:cNvGrpSpPr/>
+        <p:nvPr/>
+      </p:nvGrpSpPr>
+      <p:grpSpPr>
+        <a:xfrm>
+          <a:off x="0" y="0"/>
+          <a:ext cx="0" cy="0"/>
+          <a:chOff x="0" y="0"/>
+          <a:chExt cx="0" cy="0"/>
+        </a:xfrm>
+      </p:grpSpPr>
+      <p:sp>
+        <p:nvSpPr>
+          <p:cNvPr id="7" name="Slide Number Placeholder 3"/>
+          <p:cNvSpPr>
+            <a:spLocks noGrp="1"/>
+          </p:cNvSpPr>
+          <p:nvPr>
+            <p:ph type="sldNum" sz="quarter" idx="4294967295"/>
+          </p:nvPr>
+        </p:nvSpPr>
+        <p:spPr>
+          <a:xfrm>
+            <a:off x="11568000" y="6525003"/>
+            <a:ext cx="428822" cy="196477"/>
+          </a:xfrm>
+          <a:prstGeom prst="rect">
+            <a:avLst/>
+          </a:prstGeom>
+        </p:spPr>
+        <p:txBody>
+          <a:bodyPr/>
+          <a:lstStyle/>
+          <a:p>
+            <a:pPr>
+              <a:defRPr/>
+            </a:pPr>
+            <a:fld id="{58452FF4-89E3-4D1B-9927-2DBDC00E58D7}" type="slidenum">
+              <a:rPr lang="en-US" smtClean="0"/>
+              <a:pPr>
+                <a:defRPr/>
+              </a:pPr>
+              <a:t>16</a:t>
+            </a:fld>
+            <a:endParaRPr lang="en-US" dirty="0"/>
+          </a:p>
+        </p:txBody>
+      </p:sp>
+      <p:sp>
+        <p:nvSpPr>
+          <p:cNvPr id="5" name="Content Placeholder 4"/>
+          <p:cNvSpPr>
+            <a:spLocks noGrp="1"/>
+          </p:cNvSpPr>
+          <p:nvPr>
+            <p:ph idx="1"/>
+          </p:nvPr>
+        </p:nvSpPr>
+        <p:spPr>
+          <a:xfrm>
+            <a:off x="1141413" y="1712549"/>
+            <a:ext cx="11696797" cy="5458202"/>
+          </a:xfrm>
+        </p:spPr>
+        <p:txBody>
+          <a:bodyPr>
+            <a:normAutofit/>
+          </a:bodyPr>
+          <a:lstStyle/>
+          <a:p>
+            <a:pPr>
+              <a:lnSpc>
+                <a:spcPct val="100000"/>
+              </a:lnSpc>
+            </a:pPr>
+            <a:r>
+              <a:rPr lang="en-US" dirty="0"/>
+              <a:t>Accelerating developer onboarding</a:t>
+            </a:r>
+          </a:p>
+          <a:p>
+            <a:pPr>
+              <a:lnSpc>
+                <a:spcPct val="100000"/>
+              </a:lnSpc>
+            </a:pPr>
+            <a:r>
+              <a:rPr lang="en-US" dirty="0"/>
+              <a:t>Eliminate application conflicts</a:t>
+            </a:r>
+          </a:p>
+          <a:p>
+            <a:pPr lvl="1">
+              <a:lnSpc>
+                <a:spcPct val="100000"/>
+              </a:lnSpc>
+            </a:pPr>
+            <a:r>
+              <a:rPr lang="en-US" dirty="0"/>
+              <a:t>Isolated containers</a:t>
+            </a:r>
+          </a:p>
+          <a:p>
+            <a:pPr>
+              <a:lnSpc>
+                <a:spcPct val="100000"/>
+              </a:lnSpc>
+            </a:pPr>
+            <a:r>
+              <a:rPr lang="en-US" dirty="0"/>
+              <a:t>Environment consistency</a:t>
+            </a:r>
+          </a:p>
+          <a:p>
+            <a:pPr lvl="1">
+              <a:lnSpc>
+                <a:spcPct val="100000"/>
+              </a:lnSpc>
+            </a:pPr>
+            <a:r>
+              <a:rPr lang="en-US" dirty="0"/>
+              <a:t>If it runs on development environment, it should run on the staging/production </a:t>
+            </a:r>
+          </a:p>
+          <a:p>
+            <a:pPr>
+              <a:lnSpc>
+                <a:spcPct val="100000"/>
+              </a:lnSpc>
+            </a:pPr>
+            <a:r>
+              <a:rPr lang="en-US" dirty="0"/>
+              <a:t>Ship software faster</a:t>
+            </a:r>
+          </a:p>
+          <a:p>
+            <a:pPr lvl="1">
+              <a:lnSpc>
+                <a:spcPct val="100000"/>
+              </a:lnSpc>
+            </a:pPr>
+            <a:r>
+              <a:rPr lang="en-US" dirty="0"/>
+              <a:t>Updating and migrating software is very easy</a:t>
+            </a:r>
+          </a:p>
+          <a:p>
+            <a:pPr lvl="1">
+              <a:lnSpc>
+                <a:spcPct val="100000"/>
+              </a:lnSpc>
+            </a:pPr>
+            <a:endParaRPr lang="en-US" dirty="0"/>
+          </a:p>
+        </p:txBody>
+      </p:sp>
+      <p:sp>
+        <p:nvSpPr>
+          <p:cNvPr id="4" name="Title 3"/>
+          <p:cNvSpPr>
+            <a:spLocks noGrp="1"/>
+          </p:cNvSpPr>
+          <p:nvPr>
+            <p:ph type="title"/>
+          </p:nvPr>
+        </p:nvSpPr>
+        <p:spPr/>
+        <p:txBody>
+          <a:bodyPr/>
+          <a:lstStyle/>
+          <a:p>
+            <a:pPr>
+              <a:lnSpc>
+                <a:spcPct val="100000"/>
+              </a:lnSpc>
+            </a:pPr>
+            <a:r>
+              <a:rPr lang="en-US" dirty="0"/>
+              <a:t>Benefits for web developers</a:t>
+            </a:r>
+          </a:p>
+        </p:txBody>
+      </p:sp>
+    </p:spTree>
+    <p:extLst>
+      <p:ext uri="{BB962C8B-B14F-4D97-AF65-F5344CB8AC3E}">
+        <p14:creationId xmlns:p14="http://schemas.microsoft.com/office/powerpoint/2010/main" val="1025572233"/>
+      </p:ext>
+    </p:extLst>
+  </p:cSld>
+  <p:clrMapOvr>
+    <a:masterClrMapping/>
+  </p:clrMapOvr>
+</p:sld>
+</file>
+
+<file path=ppt/slides/slide17.xml><?xml version="1.0" encoding="utf-8"?>
+<p:sld xmlns:a="http://schemas.openxmlformats.org/drawingml/2006/main" xmlns:r="http://schemas.openxmlformats.org/officeDocument/2006/relationships" xmlns:p="http://schemas.openxmlformats.org/presentationml/2006/main">
+  <p:cSld>
+    <p:spTree>
+      <p:nvGrpSpPr>
+        <p:cNvPr id="1" name=""/>
+        <p:cNvGrpSpPr/>
+        <p:nvPr/>
+      </p:nvGrpSpPr>
+      <p:grpSpPr>
+        <a:xfrm>
+          <a:off x="0" y="0"/>
+          <a:ext cx="0" cy="0"/>
+          <a:chOff x="0" y="0"/>
+          <a:chExt cx="0" cy="0"/>
+        </a:xfrm>
+      </p:grpSpPr>
+      <p:sp>
+        <p:nvSpPr>
+          <p:cNvPr id="7" name="Slide Number Placeholder 3"/>
+          <p:cNvSpPr>
+            <a:spLocks noGrp="1"/>
+          </p:cNvSpPr>
+          <p:nvPr>
+            <p:ph type="sldNum" sz="quarter" idx="4294967295"/>
+          </p:nvPr>
+        </p:nvSpPr>
+        <p:spPr>
+          <a:xfrm>
+            <a:off x="11568000" y="6525003"/>
+            <a:ext cx="428822" cy="196477"/>
+          </a:xfrm>
+          <a:prstGeom prst="rect">
+            <a:avLst/>
+          </a:prstGeom>
+        </p:spPr>
+        <p:txBody>
+          <a:bodyPr/>
+          <a:lstStyle/>
+          <a:p>
+            <a:pPr>
+              <a:defRPr/>
+            </a:pPr>
+            <a:fld id="{58452FF4-89E3-4D1B-9927-2DBDC00E58D7}" type="slidenum">
+              <a:rPr lang="en-US" smtClean="0"/>
+              <a:pPr>
+                <a:defRPr/>
+              </a:pPr>
+              <a:t>17</a:t>
+            </a:fld>
+            <a:endParaRPr lang="en-US" dirty="0"/>
+          </a:p>
+        </p:txBody>
+      </p:sp>
+      <p:sp>
+        <p:nvSpPr>
+          <p:cNvPr id="5" name="Content Placeholder 4"/>
+          <p:cNvSpPr>
+            <a:spLocks noGrp="1"/>
+          </p:cNvSpPr>
+          <p:nvPr>
+            <p:ph idx="1"/>
+          </p:nvPr>
+        </p:nvSpPr>
+        <p:spPr>
+          <a:xfrm>
+            <a:off x="1141413" y="1712549"/>
+            <a:ext cx="11696797" cy="5458202"/>
+          </a:xfrm>
+        </p:spPr>
+        <p:txBody>
+          <a:bodyPr>
+            <a:normAutofit/>
+          </a:bodyPr>
+          <a:lstStyle/>
+          <a:p>
+            <a:pPr>
+              <a:lnSpc>
+                <a:spcPct val="100000"/>
+              </a:lnSpc>
+            </a:pPr>
+            <a:r>
+              <a:rPr lang="en-US" dirty="0"/>
+              <a:t>Docker Desktop</a:t>
+            </a:r>
+          </a:p>
+          <a:p>
+            <a:pPr lvl="1">
+              <a:lnSpc>
+                <a:spcPct val="100000"/>
+              </a:lnSpc>
+            </a:pPr>
+            <a:r>
+              <a:rPr lang="en-US" dirty="0"/>
+              <a:t>Runs on Windows or Mac development machines</a:t>
+            </a:r>
+          </a:p>
+          <a:p>
+            <a:pPr lvl="1">
+              <a:lnSpc>
+                <a:spcPct val="100000"/>
+              </a:lnSpc>
+            </a:pPr>
+            <a:r>
+              <a:rPr lang="en-US" dirty="0"/>
+              <a:t>Includes Docker Engine, CLI and Kubernetes</a:t>
+            </a:r>
+          </a:p>
+          <a:p>
+            <a:pPr lvl="1">
+              <a:lnSpc>
+                <a:spcPct val="100000"/>
+              </a:lnSpc>
+            </a:pPr>
+            <a:r>
+              <a:rPr lang="en-GB" dirty="0"/>
+              <a:t>Containerize and share any application</a:t>
+            </a:r>
+          </a:p>
+          <a:p>
+            <a:pPr lvl="1">
+              <a:lnSpc>
+                <a:spcPct val="100000"/>
+              </a:lnSpc>
+            </a:pPr>
+            <a:r>
+              <a:rPr lang="en-GB" dirty="0"/>
+              <a:t>Complete Docker development environment</a:t>
+            </a:r>
+          </a:p>
+          <a:p>
+            <a:pPr>
+              <a:lnSpc>
+                <a:spcPct val="100000"/>
+              </a:lnSpc>
+            </a:pPr>
+            <a:r>
+              <a:rPr lang="en-GB" dirty="0"/>
+              <a:t>On Windows</a:t>
+            </a:r>
+          </a:p>
+          <a:p>
+            <a:pPr lvl="1">
+              <a:lnSpc>
+                <a:spcPct val="100000"/>
+              </a:lnSpc>
+            </a:pPr>
+            <a:r>
+              <a:rPr lang="en-GB" dirty="0"/>
+              <a:t>Ability to switch between Linux and Windows Server environments</a:t>
+            </a:r>
+          </a:p>
+          <a:p>
+            <a:pPr lvl="1">
+              <a:lnSpc>
+                <a:spcPct val="100000"/>
+              </a:lnSpc>
+            </a:pPr>
+            <a:r>
+              <a:rPr lang="en-US" dirty="0"/>
+              <a:t>Supports Pro, Enterprise, and </a:t>
+            </a:r>
+            <a:r>
+              <a:rPr lang="en-GB" dirty="0"/>
+              <a:t>Education versions</a:t>
+            </a:r>
+          </a:p>
+          <a:p>
+            <a:pPr lvl="1">
+              <a:lnSpc>
+                <a:spcPct val="100000"/>
+              </a:lnSpc>
+            </a:pPr>
+            <a:r>
+              <a:rPr lang="en-GB" dirty="0"/>
+              <a:t>For Home – you can only run Linux containers through WSL 2</a:t>
+            </a:r>
+            <a:endParaRPr lang="en-US" dirty="0"/>
+          </a:p>
+          <a:p>
+            <a:pPr>
+              <a:lnSpc>
+                <a:spcPct val="100000"/>
+              </a:lnSpc>
+            </a:pPr>
+            <a:r>
+              <a:rPr lang="en-US" dirty="0"/>
+              <a:t>There are third-party solutions for Linux – </a:t>
+            </a:r>
+            <a:r>
+              <a:rPr lang="en-GB" dirty="0" err="1"/>
+              <a:t>DockStation</a:t>
+            </a:r>
+            <a:r>
+              <a:rPr lang="en-GB" dirty="0"/>
+              <a:t>, </a:t>
+            </a:r>
+            <a:br>
+              <a:rPr lang="en-GB" dirty="0"/>
+            </a:br>
+            <a:r>
+              <a:rPr lang="en-GB" dirty="0" err="1"/>
+              <a:t>CairoDock</a:t>
+            </a:r>
+            <a:r>
+              <a:rPr lang="en-GB" dirty="0"/>
+              <a:t>, and more…</a:t>
+            </a:r>
+          </a:p>
+          <a:p>
+            <a:pPr lvl="1">
+              <a:lnSpc>
+                <a:spcPct val="100000"/>
+              </a:lnSpc>
+            </a:pPr>
+            <a:endParaRPr lang="en-US" dirty="0"/>
+          </a:p>
+          <a:p>
+            <a:pPr lvl="1">
+              <a:lnSpc>
+                <a:spcPct val="100000"/>
+              </a:lnSpc>
+            </a:pPr>
+            <a:endParaRPr lang="en-US" dirty="0"/>
+          </a:p>
+        </p:txBody>
+      </p:sp>
+      <p:sp>
+        <p:nvSpPr>
+          <p:cNvPr id="4" name="Title 3"/>
+          <p:cNvSpPr>
+            <a:spLocks noGrp="1"/>
+          </p:cNvSpPr>
+          <p:nvPr>
+            <p:ph type="title"/>
+          </p:nvPr>
+        </p:nvSpPr>
+        <p:spPr/>
+        <p:txBody>
+          <a:bodyPr/>
+          <a:lstStyle/>
+          <a:p>
+            <a:r>
+              <a:rPr lang="en-US" dirty="0"/>
+              <a:t>Docker Tools</a:t>
+            </a:r>
+          </a:p>
+        </p:txBody>
+      </p:sp>
+    </p:spTree>
+    <p:extLst>
+      <p:ext uri="{BB962C8B-B14F-4D97-AF65-F5344CB8AC3E}">
+        <p14:creationId xmlns:p14="http://schemas.microsoft.com/office/powerpoint/2010/main" val="896969366"/>
+      </p:ext>
+    </p:extLst>
+  </p:cSld>
+  <p:clrMapOvr>
+    <a:masterClrMapping/>
+  </p:clrMapOvr>
+</p:sld>
+</file>
+
+<file path=ppt/slides/slide18.xml><?xml version="1.0" encoding="utf-8"?>
+<p:sld xmlns:a="http://schemas.openxmlformats.org/drawingml/2006/main" xmlns:r="http://schemas.openxmlformats.org/officeDocument/2006/relationships" xmlns:p="http://schemas.openxmlformats.org/presentationml/2006/main">
+  <p:cSld>
+    <p:spTree>
+      <p:nvGrpSpPr>
+        <p:cNvPr id="1" name=""/>
+        <p:cNvGrpSpPr/>
+        <p:nvPr/>
+      </p:nvGrpSpPr>
+      <p:grpSpPr>
+        <a:xfrm>
+          <a:off x="0" y="0"/>
+          <a:ext cx="0" cy="0"/>
+          <a:chOff x="0" y="0"/>
+          <a:chExt cx="0" cy="0"/>
+        </a:xfrm>
+      </p:grpSpPr>
+      <p:sp>
+        <p:nvSpPr>
+          <p:cNvPr id="7" name="Slide Number Placeholder 3"/>
+          <p:cNvSpPr>
+            <a:spLocks noGrp="1"/>
+          </p:cNvSpPr>
+          <p:nvPr>
+            <p:ph type="sldNum" sz="quarter" idx="4294967295"/>
+          </p:nvPr>
+        </p:nvSpPr>
+        <p:spPr>
+          <a:xfrm>
+            <a:off x="11568000" y="6525003"/>
+            <a:ext cx="428822" cy="196477"/>
+          </a:xfrm>
+          <a:prstGeom prst="rect">
+            <a:avLst/>
+          </a:prstGeom>
+        </p:spPr>
+        <p:txBody>
+          <a:bodyPr/>
+          <a:lstStyle/>
+          <a:p>
+            <a:pPr>
+              <a:defRPr/>
+            </a:pPr>
+            <a:fld id="{58452FF4-89E3-4D1B-9927-2DBDC00E58D7}" type="slidenum">
+              <a:rPr lang="en-US" smtClean="0"/>
+              <a:pPr>
+                <a:defRPr/>
+              </a:pPr>
+              <a:t>18</a:t>
+            </a:fld>
+            <a:endParaRPr lang="en-US" dirty="0"/>
+          </a:p>
+        </p:txBody>
+      </p:sp>
+      <p:sp>
+        <p:nvSpPr>
+          <p:cNvPr id="5" name="Content Placeholder 4"/>
+          <p:cNvSpPr>
+            <a:spLocks noGrp="1"/>
+          </p:cNvSpPr>
+          <p:nvPr>
+            <p:ph idx="1"/>
+          </p:nvPr>
+        </p:nvSpPr>
+        <p:spPr>
+          <a:xfrm>
+            <a:off x="1141413" y="1712549"/>
+            <a:ext cx="11696797" cy="5458202"/>
+          </a:xfrm>
+        </p:spPr>
+        <p:txBody>
+          <a:bodyPr>
+            <a:normAutofit/>
+          </a:bodyPr>
+          <a:lstStyle/>
+          <a:p>
+            <a:pPr>
+              <a:lnSpc>
+                <a:spcPct val="100000"/>
+              </a:lnSpc>
+            </a:pPr>
+            <a:r>
+              <a:rPr lang="en-US" dirty="0"/>
+              <a:t>Docker Hub</a:t>
+            </a:r>
+          </a:p>
+          <a:p>
+            <a:pPr lvl="1">
+              <a:lnSpc>
+                <a:spcPct val="100000"/>
+              </a:lnSpc>
+            </a:pPr>
+            <a:r>
+              <a:rPr lang="en-GB" dirty="0"/>
+              <a:t>Cloud-based application registry</a:t>
+            </a:r>
+          </a:p>
+          <a:p>
+            <a:pPr lvl="1">
+              <a:lnSpc>
+                <a:spcPct val="100000"/>
+              </a:lnSpc>
+            </a:pPr>
+            <a:r>
+              <a:rPr lang="en-GB" dirty="0"/>
+              <a:t>Development team collaboration services</a:t>
+            </a:r>
+          </a:p>
+          <a:p>
+            <a:pPr lvl="1">
+              <a:lnSpc>
+                <a:spcPct val="100000"/>
+              </a:lnSpc>
+            </a:pPr>
+            <a:r>
+              <a:rPr lang="en-US" dirty="0"/>
+              <a:t>Supports public and private repositories</a:t>
+            </a:r>
+          </a:p>
+          <a:p>
+            <a:pPr lvl="1">
+              <a:lnSpc>
+                <a:spcPct val="100000"/>
+              </a:lnSpc>
+            </a:pPr>
+            <a:r>
+              <a:rPr lang="en-GB" dirty="0"/>
+              <a:t>The world’s largest library of container images</a:t>
+            </a:r>
+          </a:p>
+          <a:p>
+            <a:pPr lvl="1">
+              <a:lnSpc>
+                <a:spcPct val="100000"/>
+              </a:lnSpc>
+            </a:pPr>
+            <a:r>
+              <a:rPr lang="en-GB" dirty="0"/>
+              <a:t>Automated builds and webhooks</a:t>
+            </a:r>
+            <a:endParaRPr lang="en-US" dirty="0"/>
+          </a:p>
+          <a:p>
+            <a:pPr lvl="1">
+              <a:lnSpc>
+                <a:spcPct val="100000"/>
+              </a:lnSpc>
+            </a:pPr>
+            <a:r>
+              <a:rPr lang="en-GB" dirty="0">
+                <a:hlinkClick r:id="rId2"/>
+              </a:rPr>
+              <a:t>https://hub.docker.com/</a:t>
+            </a:r>
+            <a:endParaRPr lang="en-US" dirty="0"/>
+          </a:p>
+          <a:p>
+            <a:pPr lvl="1">
+              <a:lnSpc>
+                <a:spcPct val="100000"/>
+              </a:lnSpc>
+            </a:pPr>
+            <a:endParaRPr lang="en-US" dirty="0"/>
+          </a:p>
+        </p:txBody>
+      </p:sp>
+      <p:sp>
+        <p:nvSpPr>
+          <p:cNvPr id="4" name="Title 3"/>
+          <p:cNvSpPr>
+            <a:spLocks noGrp="1"/>
+          </p:cNvSpPr>
+          <p:nvPr>
+            <p:ph type="title"/>
+          </p:nvPr>
+        </p:nvSpPr>
+        <p:spPr/>
+        <p:txBody>
+          <a:bodyPr/>
+          <a:lstStyle/>
+          <a:p>
+            <a:r>
+              <a:rPr lang="en-US" dirty="0"/>
+              <a:t>Docker Tools</a:t>
+            </a:r>
+          </a:p>
+        </p:txBody>
+      </p:sp>
+    </p:spTree>
+    <p:extLst>
+      <p:ext uri="{BB962C8B-B14F-4D97-AF65-F5344CB8AC3E}">
+        <p14:creationId xmlns:p14="http://schemas.microsoft.com/office/powerpoint/2010/main" val="349724400"/>
+      </p:ext>
+    </p:extLst>
+  </p:cSld>
+  <p:clrMapOvr>
+    <a:masterClrMapping/>
+  </p:clrMapOvr>
+</p:sld>
+</file>
+
 <file path=ppt/slides/slide2.xml><?xml version="1.0" encoding="utf-8"?>
 <p:sld xmlns:a="http://schemas.openxmlformats.org/drawingml/2006/main" xmlns:r="http://schemas.openxmlformats.org/officeDocument/2006/relationships" xmlns:p="http://schemas.openxmlformats.org/presentationml/2006/main">
   <p:cSld>
@@ -15516,6 +17351,36 @@
     <p:extLst>
       <p:ext uri="{BB962C8B-B14F-4D97-AF65-F5344CB8AC3E}">
         <p14:creationId xmlns:p14="http://schemas.microsoft.com/office/powerpoint/2010/main" val="1582317988"/>
+      </p:ext>
+    </p:extLst>
+  </p:cSld>
+  <p:clrMapOvr>
+    <a:masterClrMapping/>
+  </p:clrMapOvr>
+</p:sld>
+</file>
+
+<file path=ppt/slides/slide9.xml><?xml version="1.0" encoding="utf-8"?>
+<p:sld xmlns:a="http://schemas.openxmlformats.org/drawingml/2006/main" xmlns:r="http://schemas.openxmlformats.org/officeDocument/2006/relationships" xmlns:p="http://schemas.openxmlformats.org/presentationml/2006/main">
+  <p:cSld>
+    <p:spTree>
+      <p:nvGrpSpPr>
+        <p:cNvPr id="1" name=""/>
+        <p:cNvGrpSpPr/>
+        <p:nvPr/>
+      </p:nvGrpSpPr>
+      <p:grpSpPr>
+        <a:xfrm>
+          <a:off x="0" y="0"/>
+          <a:ext cx="0" cy="0"/>
+          <a:chOff x="0" y="0"/>
+          <a:chExt cx="0" cy="0"/>
+        </a:xfrm>
+      </p:grpSpPr>
+    </p:spTree>
+    <p:extLst>
+      <p:ext uri="{BB962C8B-B14F-4D97-AF65-F5344CB8AC3E}">
+        <p14:creationId xmlns:p14="http://schemas.microsoft.com/office/powerpoint/2010/main" val="3908295050"/>
       </p:ext>
     </p:extLst>
   </p:cSld>

--- a/intro/lecture.pptx
+++ b/intro/lecture.pptx
@@ -14,15 +14,16 @@
     <p:sldId id="262" r:id="rId8"/>
     <p:sldId id="263" r:id="rId9"/>
     <p:sldId id="264" r:id="rId10"/>
-    <p:sldId id="315" r:id="rId11"/>
-    <p:sldId id="387" r:id="rId12"/>
-    <p:sldId id="459" r:id="rId13"/>
-    <p:sldId id="501" r:id="rId14"/>
-    <p:sldId id="502" r:id="rId15"/>
-    <p:sldId id="503" r:id="rId16"/>
-    <p:sldId id="504" r:id="rId17"/>
-    <p:sldId id="505" r:id="rId18"/>
-    <p:sldId id="508" r:id="rId19"/>
+    <p:sldId id="509" r:id="rId11"/>
+    <p:sldId id="315" r:id="rId12"/>
+    <p:sldId id="387" r:id="rId13"/>
+    <p:sldId id="459" r:id="rId14"/>
+    <p:sldId id="501" r:id="rId15"/>
+    <p:sldId id="502" r:id="rId16"/>
+    <p:sldId id="503" r:id="rId17"/>
+    <p:sldId id="504" r:id="rId18"/>
+    <p:sldId id="505" r:id="rId19"/>
+    <p:sldId id="508" r:id="rId20"/>
   </p:sldIdLst>
   <p:sldSz cx="12192000" cy="6858000"/>
   <p:notesSz cx="6858000" cy="9144000"/>
@@ -179,7 +180,7 @@
           <a:noFill/>
           <a:extLst>
             <a:ext uri="{909E8E84-426E-40dd-AFC4-6F175D3DCCD1}">
-              <a14:hiddenFill xmlns:a14="http://schemas.microsoft.com/office/drawing/2010/main" xmlns="">
+              <a14:hiddenFill xmlns="" xmlns:a14="http://schemas.microsoft.com/office/drawing/2010/main">
                 <a:solidFill>
                   <a:srgbClr val="FFFFFF"/>
                 </a:solidFill>
@@ -239,7 +240,7 @@
             </a:ln>
             <a:extLst>
               <a:ext uri="{91240B29-F687-4f45-9708-019B960494DF}">
-                <a14:hiddenLine xmlns:a14="http://schemas.microsoft.com/office/drawing/2010/main" xmlns="" w="9525">
+                <a14:hiddenLine xmlns="" xmlns:a14="http://schemas.microsoft.com/office/drawing/2010/main" w="9525">
                   <a:solidFill>
                     <a:srgbClr val="000000"/>
                   </a:solidFill>
@@ -329,7 +330,7 @@
             </a:ln>
             <a:extLst>
               <a:ext uri="{91240B29-F687-4f45-9708-019B960494DF}">
-                <a14:hiddenLine xmlns:a14="http://schemas.microsoft.com/office/drawing/2010/main" xmlns="" w="9525">
+                <a14:hiddenLine xmlns="" xmlns:a14="http://schemas.microsoft.com/office/drawing/2010/main" w="9525">
                   <a:solidFill>
                     <a:srgbClr val="000000"/>
                   </a:solidFill>
@@ -419,7 +420,7 @@
             </a:ln>
             <a:extLst>
               <a:ext uri="{91240B29-F687-4f45-9708-019B960494DF}">
-                <a14:hiddenLine xmlns:a14="http://schemas.microsoft.com/office/drawing/2010/main" xmlns="" w="9525">
+                <a14:hiddenLine xmlns="" xmlns:a14="http://schemas.microsoft.com/office/drawing/2010/main" w="9525">
                   <a:solidFill>
                     <a:srgbClr val="000000"/>
                   </a:solidFill>
@@ -453,7 +454,7 @@
             </a:ln>
             <a:extLst>
               <a:ext uri="{91240B29-F687-4f45-9708-019B960494DF}">
-                <a14:hiddenLine xmlns:a14="http://schemas.microsoft.com/office/drawing/2010/main" xmlns="" w="9525">
+                <a14:hiddenLine xmlns="" xmlns:a14="http://schemas.microsoft.com/office/drawing/2010/main" w="9525">
                   <a:solidFill>
                     <a:srgbClr val="000000"/>
                   </a:solidFill>
@@ -543,7 +544,7 @@
             </a:ln>
             <a:extLst>
               <a:ext uri="{91240B29-F687-4f45-9708-019B960494DF}">
-                <a14:hiddenLine xmlns:a14="http://schemas.microsoft.com/office/drawing/2010/main" xmlns="" w="9525">
+                <a14:hiddenLine xmlns="" xmlns:a14="http://schemas.microsoft.com/office/drawing/2010/main" w="9525">
                   <a:solidFill>
                     <a:srgbClr val="000000"/>
                   </a:solidFill>
@@ -605,7 +606,7 @@
             </a:ln>
             <a:extLst>
               <a:ext uri="{91240B29-F687-4f45-9708-019B960494DF}">
-                <a14:hiddenLine xmlns:a14="http://schemas.microsoft.com/office/drawing/2010/main" xmlns="" w="9525">
+                <a14:hiddenLine xmlns="" xmlns:a14="http://schemas.microsoft.com/office/drawing/2010/main" w="9525">
                   <a:solidFill>
                     <a:srgbClr val="000000"/>
                   </a:solidFill>
@@ -667,7 +668,7 @@
             </a:ln>
             <a:extLst>
               <a:ext uri="{91240B29-F687-4f45-9708-019B960494DF}">
-                <a14:hiddenLine xmlns:a14="http://schemas.microsoft.com/office/drawing/2010/main" xmlns="" w="9525">
+                <a14:hiddenLine xmlns="" xmlns:a14="http://schemas.microsoft.com/office/drawing/2010/main" w="9525">
                   <a:solidFill>
                     <a:srgbClr val="000000"/>
                   </a:solidFill>
@@ -757,7 +758,7 @@
             </a:ln>
             <a:extLst>
               <a:ext uri="{91240B29-F687-4f45-9708-019B960494DF}">
-                <a14:hiddenLine xmlns:a14="http://schemas.microsoft.com/office/drawing/2010/main" xmlns="" w="9525">
+                <a14:hiddenLine xmlns="" xmlns:a14="http://schemas.microsoft.com/office/drawing/2010/main" w="9525">
                   <a:solidFill>
                     <a:srgbClr val="000000"/>
                   </a:solidFill>
@@ -819,7 +820,7 @@
             </a:ln>
             <a:extLst>
               <a:ext uri="{91240B29-F687-4f45-9708-019B960494DF}">
-                <a14:hiddenLine xmlns:a14="http://schemas.microsoft.com/office/drawing/2010/main" xmlns="" w="9525">
+                <a14:hiddenLine xmlns="" xmlns:a14="http://schemas.microsoft.com/office/drawing/2010/main" w="9525">
                   <a:solidFill>
                     <a:srgbClr val="000000"/>
                   </a:solidFill>
@@ -881,7 +882,7 @@
             </a:ln>
             <a:extLst>
               <a:ext uri="{91240B29-F687-4f45-9708-019B960494DF}">
-                <a14:hiddenLine xmlns:a14="http://schemas.microsoft.com/office/drawing/2010/main" xmlns="" w="9525">
+                <a14:hiddenLine xmlns="" xmlns:a14="http://schemas.microsoft.com/office/drawing/2010/main" w="9525">
                   <a:solidFill>
                     <a:srgbClr val="000000"/>
                   </a:solidFill>
@@ -971,7 +972,7 @@
             </a:ln>
             <a:extLst>
               <a:ext uri="{91240B29-F687-4f45-9708-019B960494DF}">
-                <a14:hiddenLine xmlns:a14="http://schemas.microsoft.com/office/drawing/2010/main" xmlns="" w="9525">
+                <a14:hiddenLine xmlns="" xmlns:a14="http://schemas.microsoft.com/office/drawing/2010/main" w="9525">
                   <a:solidFill>
                     <a:srgbClr val="000000"/>
                   </a:solidFill>
@@ -1061,7 +1062,7 @@
             </a:ln>
             <a:extLst>
               <a:ext uri="{91240B29-F687-4f45-9708-019B960494DF}">
-                <a14:hiddenLine xmlns:a14="http://schemas.microsoft.com/office/drawing/2010/main" xmlns="" w="9525">
+                <a14:hiddenLine xmlns="" xmlns:a14="http://schemas.microsoft.com/office/drawing/2010/main" w="9525">
                   <a:solidFill>
                     <a:srgbClr val="000000"/>
                   </a:solidFill>
@@ -1123,7 +1124,7 @@
             </a:ln>
             <a:extLst>
               <a:ext uri="{91240B29-F687-4f45-9708-019B960494DF}">
-                <a14:hiddenLine xmlns:a14="http://schemas.microsoft.com/office/drawing/2010/main" xmlns="" w="9525">
+                <a14:hiddenLine xmlns="" xmlns:a14="http://schemas.microsoft.com/office/drawing/2010/main" w="9525">
                   <a:solidFill>
                     <a:srgbClr val="000000"/>
                   </a:solidFill>
@@ -1233,7 +1234,7 @@
             </a:ln>
             <a:extLst>
               <a:ext uri="{91240B29-F687-4f45-9708-019B960494DF}">
-                <a14:hiddenLine xmlns:a14="http://schemas.microsoft.com/office/drawing/2010/main" xmlns="" w="9525">
+                <a14:hiddenLine xmlns="" xmlns:a14="http://schemas.microsoft.com/office/drawing/2010/main" w="9525">
                   <a:solidFill>
                     <a:srgbClr val="000000"/>
                   </a:solidFill>
@@ -1295,7 +1296,7 @@
             </a:ln>
             <a:extLst>
               <a:ext uri="{91240B29-F687-4f45-9708-019B960494DF}">
-                <a14:hiddenLine xmlns:a14="http://schemas.microsoft.com/office/drawing/2010/main" xmlns="" w="9525">
+                <a14:hiddenLine xmlns="" xmlns:a14="http://schemas.microsoft.com/office/drawing/2010/main" w="9525">
                   <a:solidFill>
                     <a:srgbClr val="000000"/>
                   </a:solidFill>
@@ -1385,7 +1386,7 @@
             </a:ln>
             <a:extLst>
               <a:ext uri="{91240B29-F687-4f45-9708-019B960494DF}">
-                <a14:hiddenLine xmlns:a14="http://schemas.microsoft.com/office/drawing/2010/main" xmlns="" w="9525">
+                <a14:hiddenLine xmlns="" xmlns:a14="http://schemas.microsoft.com/office/drawing/2010/main" w="9525">
                   <a:solidFill>
                     <a:srgbClr val="000000"/>
                   </a:solidFill>
@@ -1475,7 +1476,7 @@
             </a:ln>
             <a:extLst>
               <a:ext uri="{91240B29-F687-4f45-9708-019B960494DF}">
-                <a14:hiddenLine xmlns:a14="http://schemas.microsoft.com/office/drawing/2010/main" xmlns="" w="9525">
+                <a14:hiddenLine xmlns="" xmlns:a14="http://schemas.microsoft.com/office/drawing/2010/main" w="9525">
                   <a:solidFill>
                     <a:srgbClr val="000000"/>
                   </a:solidFill>
@@ -1537,7 +1538,7 @@
             </a:ln>
             <a:extLst>
               <a:ext uri="{91240B29-F687-4f45-9708-019B960494DF}">
-                <a14:hiddenLine xmlns:a14="http://schemas.microsoft.com/office/drawing/2010/main" xmlns="" w="9525">
+                <a14:hiddenLine xmlns="" xmlns:a14="http://schemas.microsoft.com/office/drawing/2010/main" w="9525">
                   <a:solidFill>
                     <a:srgbClr val="000000"/>
                   </a:solidFill>
@@ -1627,7 +1628,7 @@
             </a:ln>
             <a:extLst>
               <a:ext uri="{91240B29-F687-4f45-9708-019B960494DF}">
-                <a14:hiddenLine xmlns:a14="http://schemas.microsoft.com/office/drawing/2010/main" xmlns="" w="9525">
+                <a14:hiddenLine xmlns="" xmlns:a14="http://schemas.microsoft.com/office/drawing/2010/main" w="9525">
                   <a:solidFill>
                     <a:srgbClr val="000000"/>
                   </a:solidFill>
@@ -1717,7 +1718,7 @@
             </a:ln>
             <a:extLst>
               <a:ext uri="{91240B29-F687-4f45-9708-019B960494DF}">
-                <a14:hiddenLine xmlns:a14="http://schemas.microsoft.com/office/drawing/2010/main" xmlns="" w="9525">
+                <a14:hiddenLine xmlns="" xmlns:a14="http://schemas.microsoft.com/office/drawing/2010/main" w="9525">
                   <a:solidFill>
                     <a:srgbClr val="000000"/>
                   </a:solidFill>
@@ -1773,7 +1774,7 @@
             </a:ln>
             <a:extLst>
               <a:ext uri="{91240B29-F687-4f45-9708-019B960494DF}">
-                <a14:hiddenLine xmlns:a14="http://schemas.microsoft.com/office/drawing/2010/main" xmlns="" w="9525">
+                <a14:hiddenLine xmlns="" xmlns:a14="http://schemas.microsoft.com/office/drawing/2010/main" w="9525">
                   <a:solidFill>
                     <a:srgbClr val="000000"/>
                   </a:solidFill>
@@ -1863,7 +1864,7 @@
             </a:ln>
             <a:extLst>
               <a:ext uri="{91240B29-F687-4f45-9708-019B960494DF}">
-                <a14:hiddenLine xmlns:a14="http://schemas.microsoft.com/office/drawing/2010/main" xmlns="" w="9525">
+                <a14:hiddenLine xmlns="" xmlns:a14="http://schemas.microsoft.com/office/drawing/2010/main" w="9525">
                   <a:solidFill>
                     <a:srgbClr val="000000"/>
                   </a:solidFill>
@@ -1919,7 +1920,7 @@
             </a:ln>
             <a:extLst>
               <a:ext uri="{91240B29-F687-4f45-9708-019B960494DF}">
-                <a14:hiddenLine xmlns:a14="http://schemas.microsoft.com/office/drawing/2010/main" xmlns="" w="9525">
+                <a14:hiddenLine xmlns="" xmlns:a14="http://schemas.microsoft.com/office/drawing/2010/main" w="9525">
                   <a:solidFill>
                     <a:srgbClr val="000000"/>
                   </a:solidFill>
@@ -2009,7 +2010,7 @@
             </a:ln>
             <a:extLst>
               <a:ext uri="{91240B29-F687-4f45-9708-019B960494DF}">
-                <a14:hiddenLine xmlns:a14="http://schemas.microsoft.com/office/drawing/2010/main" xmlns="" w="9525">
+                <a14:hiddenLine xmlns="" xmlns:a14="http://schemas.microsoft.com/office/drawing/2010/main" w="9525">
                   <a:solidFill>
                     <a:srgbClr val="000000"/>
                   </a:solidFill>
@@ -2077,7 +2078,7 @@
             </a:ln>
             <a:extLst>
               <a:ext uri="{91240B29-F687-4f45-9708-019B960494DF}">
-                <a14:hiddenLine xmlns:a14="http://schemas.microsoft.com/office/drawing/2010/main" xmlns="" w="9525">
+                <a14:hiddenLine xmlns="" xmlns:a14="http://schemas.microsoft.com/office/drawing/2010/main" w="9525">
                   <a:solidFill>
                     <a:srgbClr val="000000"/>
                   </a:solidFill>
@@ -2167,7 +2168,7 @@
             </a:ln>
             <a:extLst>
               <a:ext uri="{91240B29-F687-4f45-9708-019B960494DF}">
-                <a14:hiddenLine xmlns:a14="http://schemas.microsoft.com/office/drawing/2010/main" xmlns="" w="9525">
+                <a14:hiddenLine xmlns="" xmlns:a14="http://schemas.microsoft.com/office/drawing/2010/main" w="9525">
                   <a:solidFill>
                     <a:srgbClr val="000000"/>
                   </a:solidFill>
@@ -2235,7 +2236,7 @@
             </a:ln>
             <a:extLst>
               <a:ext uri="{91240B29-F687-4f45-9708-019B960494DF}">
-                <a14:hiddenLine xmlns:a14="http://schemas.microsoft.com/office/drawing/2010/main" xmlns="" w="9525">
+                <a14:hiddenLine xmlns="" xmlns:a14="http://schemas.microsoft.com/office/drawing/2010/main" w="9525">
                   <a:solidFill>
                     <a:srgbClr val="000000"/>
                   </a:solidFill>
@@ -2325,7 +2326,7 @@
             </a:ln>
             <a:extLst>
               <a:ext uri="{91240B29-F687-4f45-9708-019B960494DF}">
-                <a14:hiddenLine xmlns:a14="http://schemas.microsoft.com/office/drawing/2010/main" xmlns="" w="9525">
+                <a14:hiddenLine xmlns="" xmlns:a14="http://schemas.microsoft.com/office/drawing/2010/main" w="9525">
                   <a:solidFill>
                     <a:srgbClr val="000000"/>
                   </a:solidFill>
@@ -2359,7 +2360,7 @@
             </a:ln>
             <a:extLst>
               <a:ext uri="{91240B29-F687-4f45-9708-019B960494DF}">
-                <a14:hiddenLine xmlns:a14="http://schemas.microsoft.com/office/drawing/2010/main" xmlns="" w="9525">
+                <a14:hiddenLine xmlns="" xmlns:a14="http://schemas.microsoft.com/office/drawing/2010/main" w="9525">
                   <a:solidFill>
                     <a:srgbClr val="000000"/>
                   </a:solidFill>
@@ -2449,7 +2450,7 @@
             </a:ln>
             <a:extLst>
               <a:ext uri="{91240B29-F687-4f45-9708-019B960494DF}">
-                <a14:hiddenLine xmlns:a14="http://schemas.microsoft.com/office/drawing/2010/main" xmlns="" w="9525">
+                <a14:hiddenLine xmlns="" xmlns:a14="http://schemas.microsoft.com/office/drawing/2010/main" w="9525">
                   <a:solidFill>
                     <a:srgbClr val="000000"/>
                   </a:solidFill>
@@ -2511,7 +2512,7 @@
             </a:ln>
             <a:extLst>
               <a:ext uri="{91240B29-F687-4f45-9708-019B960494DF}">
-                <a14:hiddenLine xmlns:a14="http://schemas.microsoft.com/office/drawing/2010/main" xmlns="" w="9525">
+                <a14:hiddenLine xmlns="" xmlns:a14="http://schemas.microsoft.com/office/drawing/2010/main" w="9525">
                   <a:solidFill>
                     <a:srgbClr val="000000"/>
                   </a:solidFill>
@@ -2573,7 +2574,7 @@
             </a:ln>
             <a:extLst>
               <a:ext uri="{91240B29-F687-4f45-9708-019B960494DF}">
-                <a14:hiddenLine xmlns:a14="http://schemas.microsoft.com/office/drawing/2010/main" xmlns="" w="9525">
+                <a14:hiddenLine xmlns="" xmlns:a14="http://schemas.microsoft.com/office/drawing/2010/main" w="9525">
                   <a:solidFill>
                     <a:srgbClr val="000000"/>
                   </a:solidFill>
@@ -2663,7 +2664,7 @@
             </a:ln>
             <a:extLst>
               <a:ext uri="{91240B29-F687-4f45-9708-019B960494DF}">
-                <a14:hiddenLine xmlns:a14="http://schemas.microsoft.com/office/drawing/2010/main" xmlns="" w="9525">
+                <a14:hiddenLine xmlns="" xmlns:a14="http://schemas.microsoft.com/office/drawing/2010/main" w="9525">
                   <a:solidFill>
                     <a:srgbClr val="000000"/>
                   </a:solidFill>
@@ -2731,7 +2732,7 @@
             </a:ln>
             <a:extLst>
               <a:ext uri="{91240B29-F687-4f45-9708-019B960494DF}">
-                <a14:hiddenLine xmlns:a14="http://schemas.microsoft.com/office/drawing/2010/main" xmlns="" w="9525">
+                <a14:hiddenLine xmlns="" xmlns:a14="http://schemas.microsoft.com/office/drawing/2010/main" w="9525">
                   <a:solidFill>
                     <a:srgbClr val="000000"/>
                   </a:solidFill>
@@ -2793,7 +2794,7 @@
             </a:ln>
             <a:extLst>
               <a:ext uri="{91240B29-F687-4f45-9708-019B960494DF}">
-                <a14:hiddenLine xmlns:a14="http://schemas.microsoft.com/office/drawing/2010/main" xmlns="" w="9525">
+                <a14:hiddenLine xmlns="" xmlns:a14="http://schemas.microsoft.com/office/drawing/2010/main" w="9525">
                   <a:solidFill>
                     <a:srgbClr val="000000"/>
                   </a:solidFill>
@@ -2883,7 +2884,7 @@
             </a:ln>
             <a:extLst>
               <a:ext uri="{91240B29-F687-4f45-9708-019B960494DF}">
-                <a14:hiddenLine xmlns:a14="http://schemas.microsoft.com/office/drawing/2010/main" xmlns="" w="9525">
+                <a14:hiddenLine xmlns="" xmlns:a14="http://schemas.microsoft.com/office/drawing/2010/main" w="9525">
                   <a:solidFill>
                     <a:srgbClr val="000000"/>
                   </a:solidFill>
@@ -2945,7 +2946,7 @@
             </a:ln>
             <a:extLst>
               <a:ext uri="{91240B29-F687-4f45-9708-019B960494DF}">
-                <a14:hiddenLine xmlns:a14="http://schemas.microsoft.com/office/drawing/2010/main" xmlns="" w="9525">
+                <a14:hiddenLine xmlns="" xmlns:a14="http://schemas.microsoft.com/office/drawing/2010/main" w="9525">
                   <a:solidFill>
                     <a:srgbClr val="000000"/>
                   </a:solidFill>
@@ -3035,7 +3036,7 @@
             </a:ln>
             <a:extLst>
               <a:ext uri="{91240B29-F687-4f45-9708-019B960494DF}">
-                <a14:hiddenLine xmlns:a14="http://schemas.microsoft.com/office/drawing/2010/main" xmlns="" w="9525">
+                <a14:hiddenLine xmlns="" xmlns:a14="http://schemas.microsoft.com/office/drawing/2010/main" w="9525">
                   <a:solidFill>
                     <a:srgbClr val="000000"/>
                   </a:solidFill>
@@ -3097,7 +3098,7 @@
             </a:ln>
             <a:extLst>
               <a:ext uri="{91240B29-F687-4f45-9708-019B960494DF}">
-                <a14:hiddenLine xmlns:a14="http://schemas.microsoft.com/office/drawing/2010/main" xmlns="" w="9525">
+                <a14:hiddenLine xmlns="" xmlns:a14="http://schemas.microsoft.com/office/drawing/2010/main" w="9525">
                   <a:solidFill>
                     <a:srgbClr val="000000"/>
                   </a:solidFill>
@@ -3187,7 +3188,7 @@
             </a:ln>
             <a:extLst>
               <a:ext uri="{91240B29-F687-4f45-9708-019B960494DF}">
-                <a14:hiddenLine xmlns:a14="http://schemas.microsoft.com/office/drawing/2010/main" xmlns="" w="9525">
+                <a14:hiddenLine xmlns="" xmlns:a14="http://schemas.microsoft.com/office/drawing/2010/main" w="9525">
                   <a:solidFill>
                     <a:srgbClr val="000000"/>
                   </a:solidFill>
@@ -3221,7 +3222,7 @@
             </a:ln>
             <a:extLst>
               <a:ext uri="{91240B29-F687-4f45-9708-019B960494DF}">
-                <a14:hiddenLine xmlns:a14="http://schemas.microsoft.com/office/drawing/2010/main" xmlns="" w="9525">
+                <a14:hiddenLine xmlns="" xmlns:a14="http://schemas.microsoft.com/office/drawing/2010/main" w="9525">
                   <a:solidFill>
                     <a:srgbClr val="000000"/>
                   </a:solidFill>
@@ -3286,7 +3287,7 @@
             </a:ln>
             <a:extLst>
               <a:ext uri="{91240B29-F687-4f45-9708-019B960494DF}">
-                <a14:hiddenLine xmlns:a14="http://schemas.microsoft.com/office/drawing/2010/main" xmlns="" w="9525">
+                <a14:hiddenLine xmlns="" xmlns:a14="http://schemas.microsoft.com/office/drawing/2010/main" w="9525">
                   <a:solidFill>
                     <a:srgbClr val="000000"/>
                   </a:solidFill>
@@ -3376,7 +3377,7 @@
             </a:ln>
             <a:extLst>
               <a:ext uri="{91240B29-F687-4f45-9708-019B960494DF}">
-                <a14:hiddenLine xmlns:a14="http://schemas.microsoft.com/office/drawing/2010/main" xmlns="" w="9525">
+                <a14:hiddenLine xmlns="" xmlns:a14="http://schemas.microsoft.com/office/drawing/2010/main" w="9525">
                   <a:solidFill>
                     <a:srgbClr val="000000"/>
                   </a:solidFill>
@@ -3438,7 +3439,7 @@
             </a:ln>
             <a:extLst>
               <a:ext uri="{91240B29-F687-4f45-9708-019B960494DF}">
-                <a14:hiddenLine xmlns:a14="http://schemas.microsoft.com/office/drawing/2010/main" xmlns="" w="9525">
+                <a14:hiddenLine xmlns="" xmlns:a14="http://schemas.microsoft.com/office/drawing/2010/main" w="9525">
                   <a:solidFill>
                     <a:srgbClr val="000000"/>
                   </a:solidFill>
@@ -3528,7 +3529,7 @@
             </a:ln>
             <a:extLst>
               <a:ext uri="{91240B29-F687-4f45-9708-019B960494DF}">
-                <a14:hiddenLine xmlns:a14="http://schemas.microsoft.com/office/drawing/2010/main" xmlns="" w="9525">
+                <a14:hiddenLine xmlns="" xmlns:a14="http://schemas.microsoft.com/office/drawing/2010/main" w="9525">
                   <a:solidFill>
                     <a:srgbClr val="000000"/>
                   </a:solidFill>
@@ -3618,7 +3619,7 @@
             </a:ln>
             <a:extLst>
               <a:ext uri="{91240B29-F687-4f45-9708-019B960494DF}">
-                <a14:hiddenLine xmlns:a14="http://schemas.microsoft.com/office/drawing/2010/main" xmlns="" w="9525">
+                <a14:hiddenLine xmlns="" xmlns:a14="http://schemas.microsoft.com/office/drawing/2010/main" w="9525">
                   <a:solidFill>
                     <a:srgbClr val="000000"/>
                   </a:solidFill>
@@ -3683,7 +3684,7 @@
             </a:ln>
             <a:extLst>
               <a:ext uri="{91240B29-F687-4f45-9708-019B960494DF}">
-                <a14:hiddenLine xmlns:a14="http://schemas.microsoft.com/office/drawing/2010/main" xmlns="" w="9525">
+                <a14:hiddenLine xmlns="" xmlns:a14="http://schemas.microsoft.com/office/drawing/2010/main" w="9525">
                   <a:solidFill>
                     <a:srgbClr val="000000"/>
                   </a:solidFill>
@@ -3745,7 +3746,7 @@
             </a:ln>
             <a:extLst>
               <a:ext uri="{91240B29-F687-4f45-9708-019B960494DF}">
-                <a14:hiddenLine xmlns:a14="http://schemas.microsoft.com/office/drawing/2010/main" xmlns="" w="9525">
+                <a14:hiddenLine xmlns="" xmlns:a14="http://schemas.microsoft.com/office/drawing/2010/main" w="9525">
                   <a:solidFill>
                     <a:srgbClr val="000000"/>
                   </a:solidFill>
@@ -3835,7 +3836,7 @@
             </a:ln>
             <a:extLst>
               <a:ext uri="{91240B29-F687-4f45-9708-019B960494DF}">
-                <a14:hiddenLine xmlns:a14="http://schemas.microsoft.com/office/drawing/2010/main" xmlns="" w="9525">
+                <a14:hiddenLine xmlns="" xmlns:a14="http://schemas.microsoft.com/office/drawing/2010/main" w="9525">
                   <a:solidFill>
                     <a:srgbClr val="000000"/>
                   </a:solidFill>
@@ -3925,7 +3926,7 @@
             </a:ln>
             <a:extLst>
               <a:ext uri="{91240B29-F687-4f45-9708-019B960494DF}">
-                <a14:hiddenLine xmlns:a14="http://schemas.microsoft.com/office/drawing/2010/main" xmlns="" w="9525">
+                <a14:hiddenLine xmlns="" xmlns:a14="http://schemas.microsoft.com/office/drawing/2010/main" w="9525">
                   <a:solidFill>
                     <a:srgbClr val="000000"/>
                   </a:solidFill>
@@ -3987,7 +3988,7 @@
             </a:ln>
             <a:extLst>
               <a:ext uri="{91240B29-F687-4f45-9708-019B960494DF}">
-                <a14:hiddenLine xmlns:a14="http://schemas.microsoft.com/office/drawing/2010/main" xmlns="" w="9525">
+                <a14:hiddenLine xmlns="" xmlns:a14="http://schemas.microsoft.com/office/drawing/2010/main" w="9525">
                   <a:solidFill>
                     <a:srgbClr val="000000"/>
                   </a:solidFill>
@@ -4107,7 +4108,7 @@
             </a:ln>
             <a:extLst>
               <a:ext uri="{91240B29-F687-4f45-9708-019B960494DF}">
-                <a14:hiddenLine xmlns:a14="http://schemas.microsoft.com/office/drawing/2010/main" xmlns="" w="9525">
+                <a14:hiddenLine xmlns="" xmlns:a14="http://schemas.microsoft.com/office/drawing/2010/main" w="9525">
                   <a:solidFill>
                     <a:srgbClr val="000000"/>
                   </a:solidFill>
@@ -4175,7 +4176,7 @@
             </a:ln>
             <a:extLst>
               <a:ext uri="{91240B29-F687-4f45-9708-019B960494DF}">
-                <a14:hiddenLine xmlns:a14="http://schemas.microsoft.com/office/drawing/2010/main" xmlns="" w="9525">
+                <a14:hiddenLine xmlns="" xmlns:a14="http://schemas.microsoft.com/office/drawing/2010/main" w="9525">
                   <a:solidFill>
                     <a:srgbClr val="000000"/>
                   </a:solidFill>
@@ -4265,7 +4266,7 @@
             </a:ln>
             <a:extLst>
               <a:ext uri="{91240B29-F687-4f45-9708-019B960494DF}">
-                <a14:hiddenLine xmlns:a14="http://schemas.microsoft.com/office/drawing/2010/main" xmlns="" w="9525">
+                <a14:hiddenLine xmlns="" xmlns:a14="http://schemas.microsoft.com/office/drawing/2010/main" w="9525">
                   <a:solidFill>
                     <a:srgbClr val="000000"/>
                   </a:solidFill>
@@ -4405,7 +4406,7 @@
           <a:p>
             <a:fld id="{8637FE78-371E-4905-91BC-AD0CC6760D84}" type="datetimeFigureOut">
               <a:rPr lang="en-US" smtClean="0"/>
-              <a:t>1/26/2023</a:t>
+              <a:t>1/27/2023</a:t>
             </a:fld>
             <a:endParaRPr lang="en-US"/>
           </a:p>
@@ -4672,7 +4673,7 @@
           <a:p>
             <a:fld id="{8637FE78-371E-4905-91BC-AD0CC6760D84}" type="datetimeFigureOut">
               <a:rPr lang="en-US" smtClean="0"/>
-              <a:t>1/26/2023</a:t>
+              <a:t>1/27/2023</a:t>
             </a:fld>
             <a:endParaRPr lang="en-US"/>
           </a:p>
@@ -4868,7 +4869,7 @@
           <a:p>
             <a:fld id="{8637FE78-371E-4905-91BC-AD0CC6760D84}" type="datetimeFigureOut">
               <a:rPr lang="en-US" smtClean="0"/>
-              <a:t>1/26/2023</a:t>
+              <a:t>1/27/2023</a:t>
             </a:fld>
             <a:endParaRPr lang="en-US"/>
           </a:p>
@@ -5131,7 +5132,7 @@
           <a:p>
             <a:fld id="{8637FE78-371E-4905-91BC-AD0CC6760D84}" type="datetimeFigureOut">
               <a:rPr lang="en-US" smtClean="0"/>
-              <a:t>1/26/2023</a:t>
+              <a:t>1/27/2023</a:t>
             </a:fld>
             <a:endParaRPr lang="en-US"/>
           </a:p>
@@ -5565,7 +5566,7 @@
           <a:p>
             <a:fld id="{8637FE78-371E-4905-91BC-AD0CC6760D84}" type="datetimeFigureOut">
               <a:rPr lang="en-US" smtClean="0"/>
-              <a:t>1/26/2023</a:t>
+              <a:t>1/27/2023</a:t>
             </a:fld>
             <a:endParaRPr lang="en-US"/>
           </a:p>
@@ -6111,7 +6112,7 @@
           <a:p>
             <a:fld id="{8637FE78-371E-4905-91BC-AD0CC6760D84}" type="datetimeFigureOut">
               <a:rPr lang="en-US" smtClean="0"/>
-              <a:t>1/26/2023</a:t>
+              <a:t>1/27/2023</a:t>
             </a:fld>
             <a:endParaRPr lang="en-US"/>
           </a:p>
@@ -6831,7 +6832,7 @@
           <a:p>
             <a:fld id="{8637FE78-371E-4905-91BC-AD0CC6760D84}" type="datetimeFigureOut">
               <a:rPr lang="en-US" smtClean="0"/>
-              <a:t>1/26/2023</a:t>
+              <a:t>1/27/2023</a:t>
             </a:fld>
             <a:endParaRPr lang="en-US"/>
           </a:p>
@@ -7001,7 +7002,7 @@
           <a:p>
             <a:fld id="{8637FE78-371E-4905-91BC-AD0CC6760D84}" type="datetimeFigureOut">
               <a:rPr lang="en-US" smtClean="0"/>
-              <a:t>1/26/2023</a:t>
+              <a:t>1/27/2023</a:t>
             </a:fld>
             <a:endParaRPr lang="en-US"/>
           </a:p>
@@ -7181,7 +7182,7 @@
           <a:p>
             <a:fld id="{8637FE78-371E-4905-91BC-AD0CC6760D84}" type="datetimeFigureOut">
               <a:rPr lang="en-US" smtClean="0"/>
-              <a:t>1/26/2023</a:t>
+              <a:t>1/27/2023</a:t>
             </a:fld>
             <a:endParaRPr lang="en-US"/>
           </a:p>
@@ -7351,7 +7352,7 @@
           <a:p>
             <a:fld id="{8637FE78-371E-4905-91BC-AD0CC6760D84}" type="datetimeFigureOut">
               <a:rPr lang="en-US" smtClean="0"/>
-              <a:t>1/26/2023</a:t>
+              <a:t>1/27/2023</a:t>
             </a:fld>
             <a:endParaRPr lang="en-US"/>
           </a:p>
@@ -7601,7 +7602,7 @@
           <a:p>
             <a:fld id="{8637FE78-371E-4905-91BC-AD0CC6760D84}" type="datetimeFigureOut">
               <a:rPr lang="en-US" smtClean="0"/>
-              <a:t>1/26/2023</a:t>
+              <a:t>1/27/2023</a:t>
             </a:fld>
             <a:endParaRPr lang="en-US"/>
           </a:p>
@@ -7833,7 +7834,7 @@
           <a:p>
             <a:fld id="{8637FE78-371E-4905-91BC-AD0CC6760D84}" type="datetimeFigureOut">
               <a:rPr lang="en-US" smtClean="0"/>
-              <a:t>1/26/2023</a:t>
+              <a:t>1/27/2023</a:t>
             </a:fld>
             <a:endParaRPr lang="en-US"/>
           </a:p>
@@ -8214,7 +8215,7 @@
           <a:p>
             <a:fld id="{8637FE78-371E-4905-91BC-AD0CC6760D84}" type="datetimeFigureOut">
               <a:rPr lang="en-US" smtClean="0"/>
-              <a:t>1/26/2023</a:t>
+              <a:t>1/27/2023</a:t>
             </a:fld>
             <a:endParaRPr lang="en-US"/>
           </a:p>
@@ -8332,7 +8333,7 @@
           <a:p>
             <a:fld id="{8637FE78-371E-4905-91BC-AD0CC6760D84}" type="datetimeFigureOut">
               <a:rPr lang="en-US" smtClean="0"/>
-              <a:t>1/26/2023</a:t>
+              <a:t>1/27/2023</a:t>
             </a:fld>
             <a:endParaRPr lang="en-US"/>
           </a:p>
@@ -8427,7 +8428,7 @@
           <a:p>
             <a:fld id="{8637FE78-371E-4905-91BC-AD0CC6760D84}" type="datetimeFigureOut">
               <a:rPr lang="en-US" smtClean="0"/>
-              <a:t>1/26/2023</a:t>
+              <a:t>1/27/2023</a:t>
             </a:fld>
             <a:endParaRPr lang="en-US"/>
           </a:p>
@@ -8676,7 +8677,7 @@
           <a:p>
             <a:fld id="{8637FE78-371E-4905-91BC-AD0CC6760D84}" type="datetimeFigureOut">
               <a:rPr lang="en-US" smtClean="0"/>
-              <a:t>1/26/2023</a:t>
+              <a:t>1/27/2023</a:t>
             </a:fld>
             <a:endParaRPr lang="en-US"/>
           </a:p>
@@ -8956,7 +8957,7 @@
           <a:p>
             <a:fld id="{8637FE78-371E-4905-91BC-AD0CC6760D84}" type="datetimeFigureOut">
               <a:rPr lang="en-US" smtClean="0"/>
-              <a:t>1/26/2023</a:t>
+              <a:t>1/27/2023</a:t>
             </a:fld>
             <a:endParaRPr lang="en-US"/>
           </a:p>
@@ -9072,7 +9073,7 @@
           <a:noFill/>
           <a:extLst>
             <a:ext uri="{909E8E84-426E-40dd-AFC4-6F175D3DCCD1}">
-              <a14:hiddenFill xmlns:a14="http://schemas.microsoft.com/office/drawing/2010/main" xmlns="">
+              <a14:hiddenFill xmlns="" xmlns:a14="http://schemas.microsoft.com/office/drawing/2010/main">
                 <a:solidFill>
                   <a:srgbClr val="FFFFFF"/>
                 </a:solidFill>
@@ -9146,7 +9147,7 @@
               </a:ln>
               <a:extLst>
                 <a:ext uri="{91240B29-F687-4f45-9708-019B960494DF}">
-                  <a14:hiddenLine xmlns:a14="http://schemas.microsoft.com/office/drawing/2010/main" xmlns="" w="9525">
+                  <a14:hiddenLine xmlns="" xmlns:a14="http://schemas.microsoft.com/office/drawing/2010/main" w="9525">
                     <a:solidFill>
                       <a:srgbClr val="000000"/>
                     </a:solidFill>
@@ -9236,7 +9237,7 @@
               </a:ln>
               <a:extLst>
                 <a:ext uri="{91240B29-F687-4f45-9708-019B960494DF}">
-                  <a14:hiddenLine xmlns:a14="http://schemas.microsoft.com/office/drawing/2010/main" xmlns="" w="9525">
+                  <a14:hiddenLine xmlns="" xmlns:a14="http://schemas.microsoft.com/office/drawing/2010/main" w="9525">
                     <a:solidFill>
                       <a:srgbClr val="000000"/>
                     </a:solidFill>
@@ -9326,7 +9327,7 @@
               </a:ln>
               <a:extLst>
                 <a:ext uri="{91240B29-F687-4f45-9708-019B960494DF}">
-                  <a14:hiddenLine xmlns:a14="http://schemas.microsoft.com/office/drawing/2010/main" xmlns="" w="9525">
+                  <a14:hiddenLine xmlns="" xmlns:a14="http://schemas.microsoft.com/office/drawing/2010/main" w="9525">
                     <a:solidFill>
                       <a:srgbClr val="000000"/>
                     </a:solidFill>
@@ -9388,7 +9389,7 @@
               </a:ln>
               <a:extLst>
                 <a:ext uri="{91240B29-F687-4f45-9708-019B960494DF}">
-                  <a14:hiddenLine xmlns:a14="http://schemas.microsoft.com/office/drawing/2010/main" xmlns="" w="9525">
+                  <a14:hiddenLine xmlns="" xmlns:a14="http://schemas.microsoft.com/office/drawing/2010/main" w="9525">
                     <a:solidFill>
                       <a:srgbClr val="000000"/>
                     </a:solidFill>
@@ -9478,7 +9479,7 @@
               </a:ln>
               <a:extLst>
                 <a:ext uri="{91240B29-F687-4f45-9708-019B960494DF}">
-                  <a14:hiddenLine xmlns:a14="http://schemas.microsoft.com/office/drawing/2010/main" xmlns="" w="9525">
+                  <a14:hiddenLine xmlns="" xmlns:a14="http://schemas.microsoft.com/office/drawing/2010/main" w="9525">
                     <a:solidFill>
                       <a:srgbClr val="000000"/>
                     </a:solidFill>
@@ -9540,7 +9541,7 @@
               </a:ln>
               <a:extLst>
                 <a:ext uri="{91240B29-F687-4f45-9708-019B960494DF}">
-                  <a14:hiddenLine xmlns:a14="http://schemas.microsoft.com/office/drawing/2010/main" xmlns="" w="9525">
+                  <a14:hiddenLine xmlns="" xmlns:a14="http://schemas.microsoft.com/office/drawing/2010/main" w="9525">
                     <a:solidFill>
                       <a:srgbClr val="000000"/>
                     </a:solidFill>
@@ -9602,7 +9603,7 @@
               </a:ln>
               <a:extLst>
                 <a:ext uri="{91240B29-F687-4f45-9708-019B960494DF}">
-                  <a14:hiddenLine xmlns:a14="http://schemas.microsoft.com/office/drawing/2010/main" xmlns="" w="9525">
+                  <a14:hiddenLine xmlns="" xmlns:a14="http://schemas.microsoft.com/office/drawing/2010/main" w="9525">
                     <a:solidFill>
                       <a:srgbClr val="000000"/>
                     </a:solidFill>
@@ -9692,7 +9693,7 @@
               </a:ln>
               <a:extLst>
                 <a:ext uri="{91240B29-F687-4f45-9708-019B960494DF}">
-                  <a14:hiddenLine xmlns:a14="http://schemas.microsoft.com/office/drawing/2010/main" xmlns="" w="9525">
+                  <a14:hiddenLine xmlns="" xmlns:a14="http://schemas.microsoft.com/office/drawing/2010/main" w="9525">
                     <a:solidFill>
                       <a:srgbClr val="000000"/>
                     </a:solidFill>
@@ -9782,7 +9783,7 @@
               </a:ln>
               <a:extLst>
                 <a:ext uri="{91240B29-F687-4f45-9708-019B960494DF}">
-                  <a14:hiddenLine xmlns:a14="http://schemas.microsoft.com/office/drawing/2010/main" xmlns="" w="9525">
+                  <a14:hiddenLine xmlns="" xmlns:a14="http://schemas.microsoft.com/office/drawing/2010/main" w="9525">
                     <a:solidFill>
                       <a:srgbClr val="000000"/>
                     </a:solidFill>
@@ -9844,7 +9845,7 @@
               </a:ln>
               <a:extLst>
                 <a:ext uri="{91240B29-F687-4f45-9708-019B960494DF}">
-                  <a14:hiddenLine xmlns:a14="http://schemas.microsoft.com/office/drawing/2010/main" xmlns="" w="9525">
+                  <a14:hiddenLine xmlns="" xmlns:a14="http://schemas.microsoft.com/office/drawing/2010/main" w="9525">
                     <a:solidFill>
                       <a:srgbClr val="000000"/>
                     </a:solidFill>
@@ -9954,7 +9955,7 @@
               </a:ln>
               <a:extLst>
                 <a:ext uri="{91240B29-F687-4f45-9708-019B960494DF}">
-                  <a14:hiddenLine xmlns:a14="http://schemas.microsoft.com/office/drawing/2010/main" xmlns="" w="9525">
+                  <a14:hiddenLine xmlns="" xmlns:a14="http://schemas.microsoft.com/office/drawing/2010/main" w="9525">
                     <a:solidFill>
                       <a:srgbClr val="000000"/>
                     </a:solidFill>
@@ -10038,7 +10039,7 @@
               </a:ln>
               <a:extLst>
                 <a:ext uri="{91240B29-F687-4f45-9708-019B960494DF}">
-                  <a14:hiddenLine xmlns:a14="http://schemas.microsoft.com/office/drawing/2010/main" xmlns="" w="9525">
+                  <a14:hiddenLine xmlns="" xmlns:a14="http://schemas.microsoft.com/office/drawing/2010/main" w="9525">
                     <a:solidFill>
                       <a:srgbClr val="000000"/>
                     </a:solidFill>
@@ -10100,7 +10101,7 @@
               </a:ln>
               <a:extLst>
                 <a:ext uri="{91240B29-F687-4f45-9708-019B960494DF}">
-                  <a14:hiddenLine xmlns:a14="http://schemas.microsoft.com/office/drawing/2010/main" xmlns="" w="9525">
+                  <a14:hiddenLine xmlns="" xmlns:a14="http://schemas.microsoft.com/office/drawing/2010/main" w="9525">
                     <a:solidFill>
                       <a:srgbClr val="000000"/>
                     </a:solidFill>
@@ -10162,7 +10163,7 @@
               </a:ln>
               <a:extLst>
                 <a:ext uri="{91240B29-F687-4f45-9708-019B960494DF}">
-                  <a14:hiddenLine xmlns:a14="http://schemas.microsoft.com/office/drawing/2010/main" xmlns="" w="9525">
+                  <a14:hiddenLine xmlns="" xmlns:a14="http://schemas.microsoft.com/office/drawing/2010/main" w="9525">
                     <a:solidFill>
                       <a:srgbClr val="000000"/>
                     </a:solidFill>
@@ -10252,7 +10253,7 @@
               </a:ln>
               <a:extLst>
                 <a:ext uri="{91240B29-F687-4f45-9708-019B960494DF}">
-                  <a14:hiddenLine xmlns:a14="http://schemas.microsoft.com/office/drawing/2010/main" xmlns="" w="9525">
+                  <a14:hiddenLine xmlns="" xmlns:a14="http://schemas.microsoft.com/office/drawing/2010/main" w="9525">
                     <a:solidFill>
                       <a:srgbClr val="000000"/>
                     </a:solidFill>
@@ -10286,7 +10287,7 @@
               </a:ln>
               <a:extLst>
                 <a:ext uri="{91240B29-F687-4f45-9708-019B960494DF}">
-                  <a14:hiddenLine xmlns:a14="http://schemas.microsoft.com/office/drawing/2010/main" xmlns="" w="9525">
+                  <a14:hiddenLine xmlns="" xmlns:a14="http://schemas.microsoft.com/office/drawing/2010/main" w="9525">
                     <a:solidFill>
                       <a:srgbClr val="000000"/>
                     </a:solidFill>
@@ -10351,7 +10352,7 @@
               </a:ln>
               <a:extLst>
                 <a:ext uri="{91240B29-F687-4f45-9708-019B960494DF}">
-                  <a14:hiddenLine xmlns:a14="http://schemas.microsoft.com/office/drawing/2010/main" xmlns="" w="9525">
+                  <a14:hiddenLine xmlns="" xmlns:a14="http://schemas.microsoft.com/office/drawing/2010/main" w="9525">
                     <a:solidFill>
                       <a:srgbClr val="000000"/>
                     </a:solidFill>
@@ -10441,7 +10442,7 @@
               </a:ln>
               <a:extLst>
                 <a:ext uri="{91240B29-F687-4f45-9708-019B960494DF}">
-                  <a14:hiddenLine xmlns:a14="http://schemas.microsoft.com/office/drawing/2010/main" xmlns="" w="9525">
+                  <a14:hiddenLine xmlns="" xmlns:a14="http://schemas.microsoft.com/office/drawing/2010/main" w="9525">
                     <a:solidFill>
                       <a:srgbClr val="000000"/>
                     </a:solidFill>
@@ -10503,7 +10504,7 @@
               </a:ln>
               <a:extLst>
                 <a:ext uri="{91240B29-F687-4f45-9708-019B960494DF}">
-                  <a14:hiddenLine xmlns:a14="http://schemas.microsoft.com/office/drawing/2010/main" xmlns="" w="9525">
+                  <a14:hiddenLine xmlns="" xmlns:a14="http://schemas.microsoft.com/office/drawing/2010/main" w="9525">
                     <a:solidFill>
                       <a:srgbClr val="000000"/>
                     </a:solidFill>
@@ -10593,7 +10594,7 @@
               </a:ln>
               <a:extLst>
                 <a:ext uri="{91240B29-F687-4f45-9708-019B960494DF}">
-                  <a14:hiddenLine xmlns:a14="http://schemas.microsoft.com/office/drawing/2010/main" xmlns="" w="9525">
+                  <a14:hiddenLine xmlns="" xmlns:a14="http://schemas.microsoft.com/office/drawing/2010/main" w="9525">
                     <a:solidFill>
                       <a:srgbClr val="000000"/>
                     </a:solidFill>
@@ -10658,7 +10659,7 @@
               </a:ln>
               <a:extLst>
                 <a:ext uri="{91240B29-F687-4f45-9708-019B960494DF}">
-                  <a14:hiddenLine xmlns:a14="http://schemas.microsoft.com/office/drawing/2010/main" xmlns="" w="9525">
+                  <a14:hiddenLine xmlns="" xmlns:a14="http://schemas.microsoft.com/office/drawing/2010/main" w="9525">
                     <a:solidFill>
                       <a:srgbClr val="000000"/>
                     </a:solidFill>
@@ -10720,7 +10721,7 @@
               </a:ln>
               <a:extLst>
                 <a:ext uri="{91240B29-F687-4f45-9708-019B960494DF}">
-                  <a14:hiddenLine xmlns:a14="http://schemas.microsoft.com/office/drawing/2010/main" xmlns="" w="9525">
+                  <a14:hiddenLine xmlns="" xmlns:a14="http://schemas.microsoft.com/office/drawing/2010/main" w="9525">
                     <a:solidFill>
                       <a:srgbClr val="000000"/>
                     </a:solidFill>
@@ -10810,7 +10811,7 @@
               </a:ln>
               <a:extLst>
                 <a:ext uri="{91240B29-F687-4f45-9708-019B960494DF}">
-                  <a14:hiddenLine xmlns:a14="http://schemas.microsoft.com/office/drawing/2010/main" xmlns="" w="9525">
+                  <a14:hiddenLine xmlns="" xmlns:a14="http://schemas.microsoft.com/office/drawing/2010/main" w="9525">
                     <a:solidFill>
                       <a:srgbClr val="000000"/>
                     </a:solidFill>
@@ -10900,7 +10901,7 @@
               </a:ln>
               <a:extLst>
                 <a:ext uri="{91240B29-F687-4f45-9708-019B960494DF}">
-                  <a14:hiddenLine xmlns:a14="http://schemas.microsoft.com/office/drawing/2010/main" xmlns="" w="9525">
+                  <a14:hiddenLine xmlns="" xmlns:a14="http://schemas.microsoft.com/office/drawing/2010/main" w="9525">
                     <a:solidFill>
                       <a:srgbClr val="000000"/>
                     </a:solidFill>
@@ -10965,7 +10966,7 @@
               </a:ln>
               <a:extLst>
                 <a:ext uri="{91240B29-F687-4f45-9708-019B960494DF}">
-                  <a14:hiddenLine xmlns:a14="http://schemas.microsoft.com/office/drawing/2010/main" xmlns="" w="9525">
+                  <a14:hiddenLine xmlns="" xmlns:a14="http://schemas.microsoft.com/office/drawing/2010/main" w="9525">
                     <a:solidFill>
                       <a:srgbClr val="000000"/>
                     </a:solidFill>
@@ -11085,7 +11086,7 @@
               </a:ln>
               <a:extLst>
                 <a:ext uri="{91240B29-F687-4f45-9708-019B960494DF}">
-                  <a14:hiddenLine xmlns:a14="http://schemas.microsoft.com/office/drawing/2010/main" xmlns="" w="9525">
+                  <a14:hiddenLine xmlns="" xmlns:a14="http://schemas.microsoft.com/office/drawing/2010/main" w="9525">
                     <a:solidFill>
                       <a:srgbClr val="000000"/>
                     </a:solidFill>
@@ -11183,7 +11184,7 @@
               </a:ln>
               <a:extLst>
                 <a:ext uri="{91240B29-F687-4f45-9708-019B960494DF}">
-                  <a14:hiddenLine xmlns:a14="http://schemas.microsoft.com/office/drawing/2010/main" xmlns="" w="9525">
+                  <a14:hiddenLine xmlns="" xmlns:a14="http://schemas.microsoft.com/office/drawing/2010/main" w="9525">
                     <a:solidFill>
                       <a:srgbClr val="000000"/>
                     </a:solidFill>
@@ -11298,7 +11299,7 @@
               </a:ln>
               <a:extLst>
                 <a:ext uri="{91240B29-F687-4f45-9708-019B960494DF}">
-                  <a14:hiddenLine xmlns:a14="http://schemas.microsoft.com/office/drawing/2010/main" xmlns="" w="9525">
+                  <a14:hiddenLine xmlns="" xmlns:a14="http://schemas.microsoft.com/office/drawing/2010/main" w="9525">
                     <a:solidFill>
                       <a:srgbClr val="000000"/>
                     </a:solidFill>
@@ -11388,7 +11389,7 @@
               </a:ln>
               <a:extLst>
                 <a:ext uri="{91240B29-F687-4f45-9708-019B960494DF}">
-                  <a14:hiddenLine xmlns:a14="http://schemas.microsoft.com/office/drawing/2010/main" xmlns="" w="9525">
+                  <a14:hiddenLine xmlns="" xmlns:a14="http://schemas.microsoft.com/office/drawing/2010/main" w="9525">
                     <a:solidFill>
                       <a:srgbClr val="000000"/>
                     </a:solidFill>
@@ -11453,7 +11454,7 @@
               </a:ln>
               <a:extLst>
                 <a:ext uri="{91240B29-F687-4f45-9708-019B960494DF}">
-                  <a14:hiddenLine xmlns:a14="http://schemas.microsoft.com/office/drawing/2010/main" xmlns="" w="9525">
+                  <a14:hiddenLine xmlns="" xmlns:a14="http://schemas.microsoft.com/office/drawing/2010/main" w="9525">
                     <a:solidFill>
                       <a:srgbClr val="000000"/>
                     </a:solidFill>
@@ -11543,7 +11544,7 @@
               </a:ln>
               <a:extLst>
                 <a:ext uri="{91240B29-F687-4f45-9708-019B960494DF}">
-                  <a14:hiddenLine xmlns:a14="http://schemas.microsoft.com/office/drawing/2010/main" xmlns="" w="9525">
+                  <a14:hiddenLine xmlns="" xmlns:a14="http://schemas.microsoft.com/office/drawing/2010/main" w="9525">
                     <a:solidFill>
                       <a:srgbClr val="000000"/>
                     </a:solidFill>
@@ -11611,7 +11612,7 @@
               </a:ln>
               <a:extLst>
                 <a:ext uri="{91240B29-F687-4f45-9708-019B960494DF}">
-                  <a14:hiddenLine xmlns:a14="http://schemas.microsoft.com/office/drawing/2010/main" xmlns="" w="9525">
+                  <a14:hiddenLine xmlns="" xmlns:a14="http://schemas.microsoft.com/office/drawing/2010/main" w="9525">
                     <a:solidFill>
                       <a:srgbClr val="000000"/>
                     </a:solidFill>
@@ -11701,7 +11702,7 @@
               </a:ln>
               <a:extLst>
                 <a:ext uri="{91240B29-F687-4f45-9708-019B960494DF}">
-                  <a14:hiddenLine xmlns:a14="http://schemas.microsoft.com/office/drawing/2010/main" xmlns="" w="9525">
+                  <a14:hiddenLine xmlns="" xmlns:a14="http://schemas.microsoft.com/office/drawing/2010/main" w="9525">
                     <a:solidFill>
                       <a:srgbClr val="000000"/>
                     </a:solidFill>
@@ -11769,7 +11770,7 @@
               </a:ln>
               <a:extLst>
                 <a:ext uri="{91240B29-F687-4f45-9708-019B960494DF}">
-                  <a14:hiddenLine xmlns:a14="http://schemas.microsoft.com/office/drawing/2010/main" xmlns="" w="9525">
+                  <a14:hiddenLine xmlns="" xmlns:a14="http://schemas.microsoft.com/office/drawing/2010/main" w="9525">
                     <a:solidFill>
                       <a:srgbClr val="000000"/>
                     </a:solidFill>
@@ -11859,7 +11860,7 @@
               </a:ln>
               <a:extLst>
                 <a:ext uri="{91240B29-F687-4f45-9708-019B960494DF}">
-                  <a14:hiddenLine xmlns:a14="http://schemas.microsoft.com/office/drawing/2010/main" xmlns="" w="9525">
+                  <a14:hiddenLine xmlns="" xmlns:a14="http://schemas.microsoft.com/office/drawing/2010/main" w="9525">
                     <a:solidFill>
                       <a:srgbClr val="000000"/>
                     </a:solidFill>
@@ -11893,7 +11894,7 @@
               </a:ln>
               <a:extLst>
                 <a:ext uri="{91240B29-F687-4f45-9708-019B960494DF}">
-                  <a14:hiddenLine xmlns:a14="http://schemas.microsoft.com/office/drawing/2010/main" xmlns="" w="9525">
+                  <a14:hiddenLine xmlns="" xmlns:a14="http://schemas.microsoft.com/office/drawing/2010/main" w="9525">
                     <a:solidFill>
                       <a:srgbClr val="000000"/>
                     </a:solidFill>
@@ -12033,7 +12034,7 @@
           <a:p>
             <a:fld id="{8637FE78-371E-4905-91BC-AD0CC6760D84}" type="datetimeFigureOut">
               <a:rPr lang="en-US" smtClean="0"/>
-              <a:t>1/26/2023</a:t>
+              <a:t>1/27/2023</a:t>
             </a:fld>
             <a:endParaRPr lang="en-US"/>
           </a:p>
@@ -12581,6 +12582,36 @@
           <a:chExt cx="0" cy="0"/>
         </a:xfrm>
       </p:grpSpPr>
+    </p:spTree>
+    <p:extLst>
+      <p:ext uri="{BB962C8B-B14F-4D97-AF65-F5344CB8AC3E}">
+        <p14:creationId xmlns:p14="http://schemas.microsoft.com/office/powerpoint/2010/main" val="3322862001"/>
+      </p:ext>
+    </p:extLst>
+  </p:cSld>
+  <p:clrMapOvr>
+    <a:masterClrMapping/>
+  </p:clrMapOvr>
+</p:sld>
+</file>
+
+<file path=ppt/slides/slide11.xml><?xml version="1.0" encoding="utf-8"?>
+<p:sld xmlns:a="http://schemas.openxmlformats.org/drawingml/2006/main" xmlns:r="http://schemas.openxmlformats.org/officeDocument/2006/relationships" xmlns:p="http://schemas.openxmlformats.org/presentationml/2006/main">
+  <p:cSld>
+    <p:spTree>
+      <p:nvGrpSpPr>
+        <p:cNvPr id="1" name=""/>
+        <p:cNvGrpSpPr/>
+        <p:nvPr/>
+      </p:nvGrpSpPr>
+      <p:grpSpPr>
+        <a:xfrm>
+          <a:off x="0" y="0"/>
+          <a:ext cx="0" cy="0"/>
+          <a:chOff x="0" y="0"/>
+          <a:chExt cx="0" cy="0"/>
+        </a:xfrm>
+      </p:grpSpPr>
       <p:pic>
         <p:nvPicPr>
           <p:cNvPr id="1026" name="Picture 2">
@@ -12629,15 +12660,6 @@
           <a:effectLst>
             <a:reflection blurRad="12700" stA="38000" endPos="28000" dist="5000" dir="5400000" sy="-100000" algn="bl" rotWithShape="0"/>
           </a:effectLst>
-          <a:extLst>
-            <a:ext uri="{909E8E84-426E-40DD-AFC4-6F175D3DCCD1}">
-              <a14:hiddenFill xmlns:a14="http://schemas.microsoft.com/office/drawing/2010/main">
-                <a:solidFill>
-                  <a:srgbClr val="FFFFFF"/>
-                </a:solidFill>
-              </a14:hiddenFill>
-            </a:ext>
-          </a:extLst>
         </p:spPr>
       </p:pic>
     </p:spTree>
@@ -12653,7 +12675,7 @@
 </p:sld>
 </file>
 
-<file path=ppt/slides/slide11.xml><?xml version="1.0" encoding="utf-8"?>
+<file path=ppt/slides/slide12.xml><?xml version="1.0" encoding="utf-8"?>
 <p:sld xmlns:a="http://schemas.openxmlformats.org/drawingml/2006/main" xmlns:r="http://schemas.openxmlformats.org/officeDocument/2006/relationships" xmlns:p="http://schemas.openxmlformats.org/presentationml/2006/main">
   <p:cSld>
     <p:spTree>
@@ -12701,7 +12723,7 @@
               <a:pPr>
                 <a:defRPr/>
               </a:pPr>
-              <a:t>11</a:t>
+              <a:t>12</a:t>
             </a:fld>
             <a:endParaRPr lang="en-US" dirty="0"/>
           </a:p>
@@ -12914,209 +12936,6 @@
 </p:sld>
 </file>
 
-<file path=ppt/slides/slide12.xml><?xml version="1.0" encoding="utf-8"?>
-<p:sld xmlns:a="http://schemas.openxmlformats.org/drawingml/2006/main" xmlns:r="http://schemas.openxmlformats.org/officeDocument/2006/relationships" xmlns:p="http://schemas.openxmlformats.org/presentationml/2006/main">
-  <p:cSld>
-    <p:spTree>
-      <p:nvGrpSpPr>
-        <p:cNvPr id="1" name=""/>
-        <p:cNvGrpSpPr/>
-        <p:nvPr/>
-      </p:nvGrpSpPr>
-      <p:grpSpPr>
-        <a:xfrm>
-          <a:off x="0" y="0"/>
-          <a:ext cx="0" cy="0"/>
-          <a:chOff x="0" y="0"/>
-          <a:chExt cx="0" cy="0"/>
-        </a:xfrm>
-      </p:grpSpPr>
-      <p:sp>
-        <p:nvSpPr>
-          <p:cNvPr id="7" name="Slide Number Placeholder 3"/>
-          <p:cNvSpPr>
-            <a:spLocks noGrp="1"/>
-          </p:cNvSpPr>
-          <p:nvPr>
-            <p:ph type="sldNum" sz="quarter" idx="4294967295"/>
-          </p:nvPr>
-        </p:nvSpPr>
-        <p:spPr>
-          <a:xfrm>
-            <a:off x="11568000" y="6525003"/>
-            <a:ext cx="428822" cy="196477"/>
-          </a:xfrm>
-          <a:prstGeom prst="rect">
-            <a:avLst/>
-          </a:prstGeom>
-        </p:spPr>
-        <p:txBody>
-          <a:bodyPr/>
-          <a:lstStyle/>
-          <a:p>
-            <a:pPr>
-              <a:defRPr/>
-            </a:pPr>
-            <a:fld id="{58452FF4-89E3-4D1B-9927-2DBDC00E58D7}" type="slidenum">
-              <a:rPr lang="en-US" smtClean="0"/>
-              <a:pPr>
-                <a:defRPr/>
-              </a:pPr>
-              <a:t>12</a:t>
-            </a:fld>
-            <a:endParaRPr lang="en-US" dirty="0"/>
-          </a:p>
-        </p:txBody>
-      </p:sp>
-      <p:sp>
-        <p:nvSpPr>
-          <p:cNvPr id="5" name="Content Placeholder 4"/>
-          <p:cNvSpPr>
-            <a:spLocks noGrp="1"/>
-          </p:cNvSpPr>
-          <p:nvPr>
-            <p:ph idx="1"/>
-          </p:nvPr>
-        </p:nvSpPr>
-        <p:spPr>
-          <a:xfrm>
-            <a:off x="1141413" y="1712549"/>
-            <a:ext cx="11696797" cy="5458202"/>
-          </a:xfrm>
-        </p:spPr>
-        <p:txBody>
-          <a:bodyPr>
-            <a:normAutofit/>
-          </a:bodyPr>
-          <a:lstStyle/>
-          <a:p>
-            <a:pPr>
-              <a:lnSpc>
-                <a:spcPct val="100000"/>
-              </a:lnSpc>
-            </a:pPr>
-            <a:r>
-              <a:rPr lang="en-US" dirty="0"/>
-              <a:t>Docker is lightweight, open, secure</a:t>
-            </a:r>
-          </a:p>
-          <a:p>
-            <a:pPr>
-              <a:lnSpc>
-                <a:spcPct val="100000"/>
-              </a:lnSpc>
-            </a:pPr>
-            <a:r>
-              <a:rPr lang="en-US" dirty="0"/>
-              <a:t>It simplifies building, shipping, and running applications</a:t>
-            </a:r>
-          </a:p>
-          <a:p>
-            <a:pPr lvl="1">
-              <a:lnSpc>
-                <a:spcPct val="100000"/>
-              </a:lnSpc>
-            </a:pPr>
-            <a:r>
-              <a:rPr lang="en-US" dirty="0"/>
-              <a:t>On different environments</a:t>
-            </a:r>
-          </a:p>
-          <a:p>
-            <a:pPr>
-              <a:lnSpc>
-                <a:spcPct val="100000"/>
-              </a:lnSpc>
-            </a:pPr>
-            <a:r>
-              <a:rPr lang="en-US" dirty="0"/>
-              <a:t>Runs natively on Linux or Windows servers</a:t>
-            </a:r>
-          </a:p>
-          <a:p>
-            <a:pPr>
-              <a:lnSpc>
-                <a:spcPct val="100000"/>
-              </a:lnSpc>
-            </a:pPr>
-            <a:r>
-              <a:rPr lang="en-US" dirty="0"/>
-              <a:t>Runs on Windows or Mac development machines</a:t>
-            </a:r>
-          </a:p>
-          <a:p>
-            <a:pPr>
-              <a:lnSpc>
-                <a:spcPct val="100000"/>
-              </a:lnSpc>
-            </a:pPr>
-            <a:r>
-              <a:rPr lang="en-US" dirty="0"/>
-              <a:t>Relies on "images" and "containers"</a:t>
-            </a:r>
-          </a:p>
-          <a:p>
-            <a:pPr>
-              <a:lnSpc>
-                <a:spcPct val="100000"/>
-              </a:lnSpc>
-            </a:pPr>
-            <a:r>
-              <a:rPr lang="en-US" dirty="0"/>
-              <a:t>The playground is a good starting point:</a:t>
-            </a:r>
-          </a:p>
-          <a:p>
-            <a:pPr lvl="1">
-              <a:lnSpc>
-                <a:spcPct val="100000"/>
-              </a:lnSpc>
-            </a:pPr>
-            <a:r>
-              <a:rPr lang="en-GB" dirty="0">
-                <a:hlinkClick r:id="rId2"/>
-              </a:rPr>
-              <a:t>https://www.docker.com/play-with-docker</a:t>
-            </a:r>
-            <a:endParaRPr lang="en-US" dirty="0"/>
-          </a:p>
-        </p:txBody>
-      </p:sp>
-      <p:sp>
-        <p:nvSpPr>
-          <p:cNvPr id="4" name="Title 3"/>
-          <p:cNvSpPr>
-            <a:spLocks noGrp="1"/>
-          </p:cNvSpPr>
-          <p:nvPr>
-            <p:ph type="title"/>
-          </p:nvPr>
-        </p:nvSpPr>
-        <p:spPr/>
-        <p:txBody>
-          <a:bodyPr/>
-          <a:lstStyle/>
-          <a:p>
-            <a:r>
-              <a:rPr lang="en-US" dirty="0"/>
-              <a:t>What is docker?</a:t>
-            </a:r>
-          </a:p>
-        </p:txBody>
-      </p:sp>
-    </p:spTree>
-    <p:extLst>
-      <p:ext uri="{BB962C8B-B14F-4D97-AF65-F5344CB8AC3E}">
-        <p14:creationId xmlns:p14="http://schemas.microsoft.com/office/powerpoint/2010/main" val="2315132730"/>
-      </p:ext>
-    </p:extLst>
-  </p:cSld>
-  <p:clrMapOvr>
-    <a:masterClrMapping/>
-  </p:clrMapOvr>
-</p:sld>
-</file>
-
 <file path=ppt/slides/slide13.xml><?xml version="1.0" encoding="utf-8"?>
 <p:sld xmlns:a="http://schemas.openxmlformats.org/drawingml/2006/main" xmlns:r="http://schemas.openxmlformats.org/officeDocument/2006/relationships" xmlns:p="http://schemas.openxmlformats.org/presentationml/2006/main">
   <p:cSld>
@@ -13200,7 +13019,18 @@
             </a:pPr>
             <a:r>
               <a:rPr lang="en-US" dirty="0"/>
-              <a:t>Image</a:t>
+              <a:t>Docker is lightweight, open, secure</a:t>
+            </a:r>
+          </a:p>
+          <a:p>
+            <a:pPr>
+              <a:lnSpc>
+                <a:spcPct val="100000"/>
+              </a:lnSpc>
+            </a:pPr>
+            <a:r>
+              <a:rPr lang="en-US" dirty="0"/>
+              <a:t>It simplifies building, shipping, and running applications</a:t>
             </a:r>
           </a:p>
           <a:p>
@@ -13211,7 +13041,51 @@
             </a:pPr>
             <a:r>
               <a:rPr lang="en-US" dirty="0"/>
-              <a:t>An image is just like a blueprint</a:t>
+              <a:t>On different environments</a:t>
+            </a:r>
+          </a:p>
+          <a:p>
+            <a:pPr>
+              <a:lnSpc>
+                <a:spcPct val="100000"/>
+              </a:lnSpc>
+            </a:pPr>
+            <a:r>
+              <a:rPr lang="en-US" dirty="0"/>
+              <a:t>Runs natively on Linux or Windows servers</a:t>
+            </a:r>
+          </a:p>
+          <a:p>
+            <a:pPr>
+              <a:lnSpc>
+                <a:spcPct val="100000"/>
+              </a:lnSpc>
+            </a:pPr>
+            <a:r>
+              <a:rPr lang="en-US" dirty="0"/>
+              <a:t>Runs on Windows or Mac development machines</a:t>
+            </a:r>
+          </a:p>
+          <a:p>
+            <a:pPr>
+              <a:lnSpc>
+                <a:spcPct val="100000"/>
+              </a:lnSpc>
+            </a:pPr>
+            <a:r>
+              <a:rPr lang="en-US" dirty="0"/>
+              <a:t>Relies on "images" and "containers"</a:t>
+            </a:r>
+          </a:p>
+          <a:p>
+            <a:pPr>
+              <a:lnSpc>
+                <a:spcPct val="100000"/>
+              </a:lnSpc>
+            </a:pPr>
+            <a:r>
+              <a:rPr lang="en-US" dirty="0"/>
+              <a:t>The playground is a good starting point:</a:t>
             </a:r>
           </a:p>
           <a:p>
@@ -13221,108 +13095,12 @@
               </a:lnSpc>
             </a:pPr>
             <a:r>
-              <a:rPr lang="en-US" dirty="0"/>
-              <a:t>A read-only template</a:t>
-            </a:r>
-          </a:p>
-          <a:p>
-            <a:pPr lvl="1">
-              <a:lnSpc>
-                <a:spcPct val="100000"/>
-              </a:lnSpc>
-            </a:pPr>
-            <a:r>
-              <a:rPr lang="en-US" dirty="0"/>
-              <a:t>Contains the building blocks of an application</a:t>
-            </a:r>
-          </a:p>
-          <a:p>
-            <a:pPr lvl="1">
-              <a:lnSpc>
-                <a:spcPct val="100000"/>
-              </a:lnSpc>
-            </a:pPr>
-            <a:r>
-              <a:rPr lang="en-US" dirty="0"/>
-              <a:t>Framework, dependencies and code are "described" here</a:t>
-            </a:r>
-          </a:p>
-          <a:p>
-            <a:pPr>
-              <a:lnSpc>
-                <a:spcPct val="100000"/>
-              </a:lnSpc>
-            </a:pPr>
-            <a:r>
-              <a:rPr lang="en-US" dirty="0"/>
-              <a:t>Container</a:t>
-            </a:r>
-          </a:p>
-          <a:p>
-            <a:pPr lvl="1">
-              <a:lnSpc>
-                <a:spcPct val="100000"/>
-              </a:lnSpc>
-            </a:pPr>
-            <a:r>
-              <a:rPr lang="en-US" dirty="0"/>
-              <a:t>Built from the image</a:t>
-            </a:r>
-          </a:p>
-          <a:p>
-            <a:pPr lvl="1">
-              <a:lnSpc>
-                <a:spcPct val="100000"/>
-              </a:lnSpc>
-            </a:pPr>
-            <a:r>
-              <a:rPr lang="en-US" dirty="0"/>
-              <a:t>It is the actual running environment for your application</a:t>
-            </a:r>
-          </a:p>
-          <a:p>
-            <a:pPr lvl="1">
-              <a:lnSpc>
-                <a:spcPct val="100000"/>
-              </a:lnSpc>
-            </a:pPr>
-            <a:r>
-              <a:rPr lang="en-US" dirty="0"/>
-              <a:t>Isolated and secured</a:t>
-            </a:r>
-          </a:p>
-          <a:p>
-            <a:pPr lvl="1">
-              <a:lnSpc>
-                <a:spcPct val="100000"/>
-              </a:lnSpc>
-            </a:pPr>
-            <a:r>
-              <a:rPr lang="en-US" dirty="0"/>
-              <a:t>It can be started, stopped, moved, and deleted</a:t>
-            </a:r>
-          </a:p>
-          <a:p>
-            <a:pPr lvl="1">
-              <a:lnSpc>
-                <a:spcPct val="100000"/>
-              </a:lnSpc>
-            </a:pPr>
-            <a:r>
-              <a:rPr lang="en-US" dirty="0"/>
-              <a:t>You create a container for your different application pieces</a:t>
-            </a:r>
-          </a:p>
-          <a:p>
-            <a:pPr lvl="2">
-              <a:lnSpc>
-                <a:spcPct val="100000"/>
-              </a:lnSpc>
-            </a:pPr>
-            <a:r>
-              <a:rPr lang="en-US" dirty="0"/>
-              <a:t>Database, Presentation, Caching, etc.</a:t>
-            </a:r>
+              <a:rPr lang="en-GB" dirty="0">
+                <a:hlinkClick r:id="rId2"/>
+              </a:rPr>
+              <a:t>https://www.docker.com/play-with-docker</a:t>
+            </a:r>
+            <a:endParaRPr lang="en-US" dirty="0"/>
           </a:p>
         </p:txBody>
       </p:sp>
@@ -13351,7 +13129,7 @@
     </p:spTree>
     <p:extLst>
       <p:ext uri="{BB962C8B-B14F-4D97-AF65-F5344CB8AC3E}">
-        <p14:creationId xmlns:p14="http://schemas.microsoft.com/office/powerpoint/2010/main" val="1280000100"/>
+        <p14:creationId xmlns:p14="http://schemas.microsoft.com/office/powerpoint/2010/main" val="2315132730"/>
       </p:ext>
     </p:extLst>
   </p:cSld>
@@ -13410,6 +13188,250 @@
                 <a:defRPr/>
               </a:pPr>
               <a:t>14</a:t>
+            </a:fld>
+            <a:endParaRPr lang="en-US" dirty="0"/>
+          </a:p>
+        </p:txBody>
+      </p:sp>
+      <p:sp>
+        <p:nvSpPr>
+          <p:cNvPr id="5" name="Content Placeholder 4"/>
+          <p:cNvSpPr>
+            <a:spLocks noGrp="1"/>
+          </p:cNvSpPr>
+          <p:nvPr>
+            <p:ph idx="1"/>
+          </p:nvPr>
+        </p:nvSpPr>
+        <p:spPr>
+          <a:xfrm>
+            <a:off x="1141413" y="1712549"/>
+            <a:ext cx="11696797" cy="5458202"/>
+          </a:xfrm>
+        </p:spPr>
+        <p:txBody>
+          <a:bodyPr>
+            <a:normAutofit/>
+          </a:bodyPr>
+          <a:lstStyle/>
+          <a:p>
+            <a:pPr>
+              <a:lnSpc>
+                <a:spcPct val="100000"/>
+              </a:lnSpc>
+            </a:pPr>
+            <a:r>
+              <a:rPr lang="en-US" dirty="0"/>
+              <a:t>Image</a:t>
+            </a:r>
+          </a:p>
+          <a:p>
+            <a:pPr lvl="1">
+              <a:lnSpc>
+                <a:spcPct val="100000"/>
+              </a:lnSpc>
+            </a:pPr>
+            <a:r>
+              <a:rPr lang="en-US" dirty="0"/>
+              <a:t>An image is just like a blueprint</a:t>
+            </a:r>
+          </a:p>
+          <a:p>
+            <a:pPr lvl="1">
+              <a:lnSpc>
+                <a:spcPct val="100000"/>
+              </a:lnSpc>
+            </a:pPr>
+            <a:r>
+              <a:rPr lang="en-US" dirty="0"/>
+              <a:t>A read-only template</a:t>
+            </a:r>
+          </a:p>
+          <a:p>
+            <a:pPr lvl="1">
+              <a:lnSpc>
+                <a:spcPct val="100000"/>
+              </a:lnSpc>
+            </a:pPr>
+            <a:r>
+              <a:rPr lang="en-US" dirty="0"/>
+              <a:t>Contains the building blocks of an application</a:t>
+            </a:r>
+          </a:p>
+          <a:p>
+            <a:pPr lvl="1">
+              <a:lnSpc>
+                <a:spcPct val="100000"/>
+              </a:lnSpc>
+            </a:pPr>
+            <a:r>
+              <a:rPr lang="en-US" dirty="0"/>
+              <a:t>Framework, dependencies and code are "described" here</a:t>
+            </a:r>
+          </a:p>
+          <a:p>
+            <a:pPr>
+              <a:lnSpc>
+                <a:spcPct val="100000"/>
+              </a:lnSpc>
+            </a:pPr>
+            <a:r>
+              <a:rPr lang="en-US" dirty="0"/>
+              <a:t>Container</a:t>
+            </a:r>
+          </a:p>
+          <a:p>
+            <a:pPr lvl="1">
+              <a:lnSpc>
+                <a:spcPct val="100000"/>
+              </a:lnSpc>
+            </a:pPr>
+            <a:r>
+              <a:rPr lang="en-US" dirty="0"/>
+              <a:t>Built from the image</a:t>
+            </a:r>
+          </a:p>
+          <a:p>
+            <a:pPr lvl="1">
+              <a:lnSpc>
+                <a:spcPct val="100000"/>
+              </a:lnSpc>
+            </a:pPr>
+            <a:r>
+              <a:rPr lang="en-US" dirty="0"/>
+              <a:t>It is the actual running environment for your application</a:t>
+            </a:r>
+          </a:p>
+          <a:p>
+            <a:pPr lvl="1">
+              <a:lnSpc>
+                <a:spcPct val="100000"/>
+              </a:lnSpc>
+            </a:pPr>
+            <a:r>
+              <a:rPr lang="en-US" dirty="0"/>
+              <a:t>Isolated and secured</a:t>
+            </a:r>
+          </a:p>
+          <a:p>
+            <a:pPr lvl="1">
+              <a:lnSpc>
+                <a:spcPct val="100000"/>
+              </a:lnSpc>
+            </a:pPr>
+            <a:r>
+              <a:rPr lang="en-US" dirty="0"/>
+              <a:t>It can be started, stopped, moved, and deleted</a:t>
+            </a:r>
+          </a:p>
+          <a:p>
+            <a:pPr lvl="1">
+              <a:lnSpc>
+                <a:spcPct val="100000"/>
+              </a:lnSpc>
+            </a:pPr>
+            <a:r>
+              <a:rPr lang="en-US" dirty="0"/>
+              <a:t>You create a container for your different application pieces</a:t>
+            </a:r>
+          </a:p>
+          <a:p>
+            <a:pPr lvl="2">
+              <a:lnSpc>
+                <a:spcPct val="100000"/>
+              </a:lnSpc>
+            </a:pPr>
+            <a:r>
+              <a:rPr lang="en-US" dirty="0"/>
+              <a:t>Database, Presentation, Caching, etc.</a:t>
+            </a:r>
+          </a:p>
+        </p:txBody>
+      </p:sp>
+      <p:sp>
+        <p:nvSpPr>
+          <p:cNvPr id="4" name="Title 3"/>
+          <p:cNvSpPr>
+            <a:spLocks noGrp="1"/>
+          </p:cNvSpPr>
+          <p:nvPr>
+            <p:ph type="title"/>
+          </p:nvPr>
+        </p:nvSpPr>
+        <p:spPr/>
+        <p:txBody>
+          <a:bodyPr/>
+          <a:lstStyle/>
+          <a:p>
+            <a:r>
+              <a:rPr lang="en-US" dirty="0"/>
+              <a:t>What is docker?</a:t>
+            </a:r>
+          </a:p>
+        </p:txBody>
+      </p:sp>
+    </p:spTree>
+    <p:extLst>
+      <p:ext uri="{BB962C8B-B14F-4D97-AF65-F5344CB8AC3E}">
+        <p14:creationId xmlns:p14="http://schemas.microsoft.com/office/powerpoint/2010/main" val="1280000100"/>
+      </p:ext>
+    </p:extLst>
+  </p:cSld>
+  <p:clrMapOvr>
+    <a:masterClrMapping/>
+  </p:clrMapOvr>
+</p:sld>
+</file>
+
+<file path=ppt/slides/slide15.xml><?xml version="1.0" encoding="utf-8"?>
+<p:sld xmlns:a="http://schemas.openxmlformats.org/drawingml/2006/main" xmlns:r="http://schemas.openxmlformats.org/officeDocument/2006/relationships" xmlns:p="http://schemas.openxmlformats.org/presentationml/2006/main">
+  <p:cSld>
+    <p:spTree>
+      <p:nvGrpSpPr>
+        <p:cNvPr id="1" name=""/>
+        <p:cNvGrpSpPr/>
+        <p:nvPr/>
+      </p:nvGrpSpPr>
+      <p:grpSpPr>
+        <a:xfrm>
+          <a:off x="0" y="0"/>
+          <a:ext cx="0" cy="0"/>
+          <a:chOff x="0" y="0"/>
+          <a:chExt cx="0" cy="0"/>
+        </a:xfrm>
+      </p:grpSpPr>
+      <p:sp>
+        <p:nvSpPr>
+          <p:cNvPr id="7" name="Slide Number Placeholder 3"/>
+          <p:cNvSpPr>
+            <a:spLocks noGrp="1"/>
+          </p:cNvSpPr>
+          <p:nvPr>
+            <p:ph type="sldNum" sz="quarter" idx="4294967295"/>
+          </p:nvPr>
+        </p:nvSpPr>
+        <p:spPr>
+          <a:xfrm>
+            <a:off x="11568000" y="6525003"/>
+            <a:ext cx="428822" cy="196477"/>
+          </a:xfrm>
+          <a:prstGeom prst="rect">
+            <a:avLst/>
+          </a:prstGeom>
+        </p:spPr>
+        <p:txBody>
+          <a:bodyPr/>
+          <a:lstStyle/>
+          <a:p>
+            <a:pPr>
+              <a:defRPr/>
+            </a:pPr>
+            <a:fld id="{58452FF4-89E3-4D1B-9927-2DBDC00E58D7}" type="slidenum">
+              <a:rPr lang="en-US" smtClean="0"/>
+              <a:pPr>
+                <a:defRPr/>
+              </a:pPr>
+              <a:t>15</a:t>
             </a:fld>
             <a:endParaRPr lang="en-US" dirty="0"/>
           </a:p>
@@ -13497,233 +13519,6 @@
 </p:sld>
 </file>
 
-<file path=ppt/slides/slide15.xml><?xml version="1.0" encoding="utf-8"?>
-<p:sld xmlns:a="http://schemas.openxmlformats.org/drawingml/2006/main" xmlns:r="http://schemas.openxmlformats.org/officeDocument/2006/relationships" xmlns:p="http://schemas.openxmlformats.org/presentationml/2006/main">
-  <p:cSld>
-    <p:spTree>
-      <p:nvGrpSpPr>
-        <p:cNvPr id="1" name=""/>
-        <p:cNvGrpSpPr/>
-        <p:nvPr/>
-      </p:nvGrpSpPr>
-      <p:grpSpPr>
-        <a:xfrm>
-          <a:off x="0" y="0"/>
-          <a:ext cx="0" cy="0"/>
-          <a:chOff x="0" y="0"/>
-          <a:chExt cx="0" cy="0"/>
-        </a:xfrm>
-      </p:grpSpPr>
-      <p:sp>
-        <p:nvSpPr>
-          <p:cNvPr id="7" name="Slide Number Placeholder 3"/>
-          <p:cNvSpPr>
-            <a:spLocks noGrp="1"/>
-          </p:cNvSpPr>
-          <p:nvPr>
-            <p:ph type="sldNum" sz="quarter" idx="4294967295"/>
-          </p:nvPr>
-        </p:nvSpPr>
-        <p:spPr>
-          <a:xfrm>
-            <a:off x="11568000" y="6525003"/>
-            <a:ext cx="428822" cy="196477"/>
-          </a:xfrm>
-          <a:prstGeom prst="rect">
-            <a:avLst/>
-          </a:prstGeom>
-        </p:spPr>
-        <p:txBody>
-          <a:bodyPr/>
-          <a:lstStyle/>
-          <a:p>
-            <a:pPr>
-              <a:defRPr/>
-            </a:pPr>
-            <a:fld id="{58452FF4-89E3-4D1B-9927-2DBDC00E58D7}" type="slidenum">
-              <a:rPr lang="en-US" smtClean="0"/>
-              <a:pPr>
-                <a:defRPr/>
-              </a:pPr>
-              <a:t>15</a:t>
-            </a:fld>
-            <a:endParaRPr lang="en-US" dirty="0"/>
-          </a:p>
-        </p:txBody>
-      </p:sp>
-      <p:sp>
-        <p:nvSpPr>
-          <p:cNvPr id="5" name="Content Placeholder 4"/>
-          <p:cNvSpPr>
-            <a:spLocks noGrp="1"/>
-          </p:cNvSpPr>
-          <p:nvPr>
-            <p:ph idx="1"/>
-          </p:nvPr>
-        </p:nvSpPr>
-        <p:spPr>
-          <a:xfrm>
-            <a:off x="1141413" y="1712549"/>
-            <a:ext cx="11696797" cy="5458202"/>
-          </a:xfrm>
-        </p:spPr>
-        <p:txBody>
-          <a:bodyPr>
-            <a:normAutofit/>
-          </a:bodyPr>
-          <a:lstStyle/>
-          <a:p>
-            <a:pPr>
-              <a:lnSpc>
-                <a:spcPct val="100000"/>
-              </a:lnSpc>
-            </a:pPr>
-            <a:r>
-              <a:rPr lang="en-US" dirty="0"/>
-              <a:t>Virtual Machines</a:t>
-            </a:r>
-          </a:p>
-          <a:p>
-            <a:pPr lvl="1">
-              <a:lnSpc>
-                <a:spcPct val="100000"/>
-              </a:lnSpc>
-            </a:pPr>
-            <a:r>
-              <a:rPr lang="en-US" dirty="0"/>
-              <a:t>Have a guest OS, which is heavier</a:t>
-            </a:r>
-          </a:p>
-          <a:p>
-            <a:pPr lvl="1">
-              <a:lnSpc>
-                <a:spcPct val="100000"/>
-              </a:lnSpc>
-            </a:pPr>
-            <a:r>
-              <a:rPr lang="en-US" dirty="0"/>
-              <a:t>Images are bigger in terms of size</a:t>
-            </a:r>
-          </a:p>
-          <a:p>
-            <a:pPr lvl="1">
-              <a:lnSpc>
-                <a:spcPct val="100000"/>
-              </a:lnSpc>
-            </a:pPr>
-            <a:r>
-              <a:rPr lang="en-US" dirty="0"/>
-              <a:t>Slower startup time</a:t>
-            </a:r>
-          </a:p>
-          <a:p>
-            <a:pPr lvl="1">
-              <a:lnSpc>
-                <a:spcPct val="100000"/>
-              </a:lnSpc>
-            </a:pPr>
-            <a:r>
-              <a:rPr lang="en-US" dirty="0"/>
-              <a:t>Everything is a copy of the host OS</a:t>
-            </a:r>
-          </a:p>
-          <a:p>
-            <a:pPr>
-              <a:lnSpc>
-                <a:spcPct val="100000"/>
-              </a:lnSpc>
-            </a:pPr>
-            <a:r>
-              <a:rPr lang="en-US" dirty="0"/>
-              <a:t> Docker</a:t>
-            </a:r>
-          </a:p>
-          <a:p>
-            <a:pPr lvl="1">
-              <a:lnSpc>
-                <a:spcPct val="100000"/>
-              </a:lnSpc>
-            </a:pPr>
-            <a:r>
-              <a:rPr lang="en-US" dirty="0"/>
-              <a:t>No guest OS, just a process</a:t>
-            </a:r>
-          </a:p>
-          <a:p>
-            <a:pPr lvl="1">
-              <a:lnSpc>
-                <a:spcPct val="100000"/>
-              </a:lnSpc>
-            </a:pPr>
-            <a:r>
-              <a:rPr lang="en-US" dirty="0"/>
-              <a:t>Images are small in terms of size</a:t>
-            </a:r>
-          </a:p>
-          <a:p>
-            <a:pPr lvl="1">
-              <a:lnSpc>
-                <a:spcPct val="100000"/>
-              </a:lnSpc>
-            </a:pPr>
-            <a:r>
-              <a:rPr lang="en-US" dirty="0"/>
-              <a:t>Fast startup time</a:t>
-            </a:r>
-          </a:p>
-          <a:p>
-            <a:pPr lvl="1">
-              <a:lnSpc>
-                <a:spcPct val="100000"/>
-              </a:lnSpc>
-            </a:pPr>
-            <a:endParaRPr lang="en-US" dirty="0"/>
-          </a:p>
-          <a:p>
-            <a:pPr lvl="1">
-              <a:lnSpc>
-                <a:spcPct val="100000"/>
-              </a:lnSpc>
-            </a:pPr>
-            <a:endParaRPr lang="en-US" dirty="0"/>
-          </a:p>
-        </p:txBody>
-      </p:sp>
-      <p:sp>
-        <p:nvSpPr>
-          <p:cNvPr id="4" name="Title 3"/>
-          <p:cNvSpPr>
-            <a:spLocks noGrp="1"/>
-          </p:cNvSpPr>
-          <p:nvPr>
-            <p:ph type="title"/>
-          </p:nvPr>
-        </p:nvSpPr>
-        <p:spPr/>
-        <p:txBody>
-          <a:bodyPr/>
-          <a:lstStyle/>
-          <a:p>
-            <a:r>
-              <a:rPr lang="en-US" dirty="0"/>
-              <a:t>Docker VS Virtual Machines</a:t>
-            </a:r>
-          </a:p>
-        </p:txBody>
-      </p:sp>
-    </p:spTree>
-    <p:extLst>
-      <p:ext uri="{BB962C8B-B14F-4D97-AF65-F5344CB8AC3E}">
-        <p14:creationId xmlns:p14="http://schemas.microsoft.com/office/powerpoint/2010/main" val="174063324"/>
-      </p:ext>
-    </p:extLst>
-  </p:cSld>
-  <p:clrMapOvr>
-    <a:masterClrMapping/>
-  </p:clrMapOvr>
-</p:sld>
-</file>
-
 <file path=ppt/slides/slide16.xml><?xml version="1.0" encoding="utf-8"?>
 <p:sld xmlns:a="http://schemas.openxmlformats.org/drawingml/2006/main" xmlns:r="http://schemas.openxmlformats.org/officeDocument/2006/relationships" xmlns:p="http://schemas.openxmlformats.org/presentationml/2006/main">
   <p:cSld>
@@ -13807,7 +13602,51 @@
             </a:pPr>
             <a:r>
               <a:rPr lang="en-US" dirty="0"/>
-              <a:t>Accelerating developer onboarding</a:t>
+              <a:t>Virtual Machines</a:t>
+            </a:r>
+          </a:p>
+          <a:p>
+            <a:pPr lvl="1">
+              <a:lnSpc>
+                <a:spcPct val="100000"/>
+              </a:lnSpc>
+            </a:pPr>
+            <a:r>
+              <a:rPr lang="en-US" dirty="0"/>
+              <a:t>Have a guest OS, which is heavier</a:t>
+            </a:r>
+          </a:p>
+          <a:p>
+            <a:pPr lvl="1">
+              <a:lnSpc>
+                <a:spcPct val="100000"/>
+              </a:lnSpc>
+            </a:pPr>
+            <a:r>
+              <a:rPr lang="en-US" dirty="0"/>
+              <a:t>Images are bigger in terms of size</a:t>
+            </a:r>
+          </a:p>
+          <a:p>
+            <a:pPr lvl="1">
+              <a:lnSpc>
+                <a:spcPct val="100000"/>
+              </a:lnSpc>
+            </a:pPr>
+            <a:r>
+              <a:rPr lang="en-US" dirty="0"/>
+              <a:t>Slower startup time</a:t>
+            </a:r>
+          </a:p>
+          <a:p>
+            <a:pPr lvl="1">
+              <a:lnSpc>
+                <a:spcPct val="100000"/>
+              </a:lnSpc>
+            </a:pPr>
+            <a:r>
+              <a:rPr lang="en-US" dirty="0"/>
+              <a:t>Everything is a copy of the host OS</a:t>
             </a:r>
           </a:p>
           <a:p>
@@ -13818,7 +13657,7 @@
             </a:pPr>
             <a:r>
               <a:rPr lang="en-US" dirty="0"/>
-              <a:t>Eliminate application conflicts</a:t>
+              <a:t> Docker</a:t>
             </a:r>
           </a:p>
           <a:p>
@@ -13829,18 +13668,7 @@
             </a:pPr>
             <a:r>
               <a:rPr lang="en-US" dirty="0"/>
-              <a:t>Isolated containers</a:t>
-            </a:r>
-          </a:p>
-          <a:p>
-            <a:pPr>
-              <a:lnSpc>
-                <a:spcPct val="100000"/>
-              </a:lnSpc>
-            </a:pPr>
-            <a:r>
-              <a:rPr lang="en-US" dirty="0"/>
-              <a:t>Environment consistency</a:t>
+              <a:t>No guest OS, just a process</a:t>
             </a:r>
           </a:p>
           <a:p>
@@ -13851,18 +13679,7 @@
             </a:pPr>
             <a:r>
               <a:rPr lang="en-US" dirty="0"/>
-              <a:t>If it runs on development environment, it should run on the staging/production </a:t>
-            </a:r>
-          </a:p>
-          <a:p>
-            <a:pPr>
-              <a:lnSpc>
-                <a:spcPct val="100000"/>
-              </a:lnSpc>
-            </a:pPr>
-            <a:r>
-              <a:rPr lang="en-US" dirty="0"/>
-              <a:t>Ship software faster</a:t>
+              <a:t>Images are small in terms of size</a:t>
             </a:r>
           </a:p>
           <a:p>
@@ -13873,8 +13690,16 @@
             </a:pPr>
             <a:r>
               <a:rPr lang="en-US" dirty="0"/>
-              <a:t>Updating and migrating software is very easy</a:t>
-            </a:r>
+              <a:t>Fast startup time</a:t>
+            </a:r>
+          </a:p>
+          <a:p>
+            <a:pPr lvl="1">
+              <a:lnSpc>
+                <a:spcPct val="100000"/>
+              </a:lnSpc>
+            </a:pPr>
+            <a:endParaRPr lang="en-US" dirty="0"/>
           </a:p>
           <a:p>
             <a:pPr lvl="1">
@@ -13901,14 +13726,9 @@
           <a:bodyPr/>
           <a:lstStyle/>
           <a:p>
-            <a:pPr>
-              <a:lnSpc>
-                <a:spcPct val="100000"/>
-              </a:lnSpc>
-            </a:pPr>
             <a:r>
               <a:rPr lang="en-US" dirty="0"/>
-              <a:t>Benefits for web developers</a:t>
+              <a:t>Docker VS Virtual Machines</a:t>
             </a:r>
           </a:p>
         </p:txBody>
@@ -13916,7 +13736,7 @@
     </p:spTree>
     <p:extLst>
       <p:ext uri="{BB962C8B-B14F-4D97-AF65-F5344CB8AC3E}">
-        <p14:creationId xmlns:p14="http://schemas.microsoft.com/office/powerpoint/2010/main" val="1025572233"/>
+        <p14:creationId xmlns:p14="http://schemas.microsoft.com/office/powerpoint/2010/main" val="174063324"/>
       </p:ext>
     </p:extLst>
   </p:cSld>
@@ -14009,7 +13829,18 @@
             </a:pPr>
             <a:r>
               <a:rPr lang="en-US" dirty="0"/>
-              <a:t>Docker Desktop</a:t>
+              <a:t>Accelerating developer onboarding</a:t>
+            </a:r>
+          </a:p>
+          <a:p>
+            <a:pPr>
+              <a:lnSpc>
+                <a:spcPct val="100000"/>
+              </a:lnSpc>
+            </a:pPr>
+            <a:r>
+              <a:rPr lang="en-US" dirty="0"/>
+              <a:t>Eliminate application conflicts</a:t>
             </a:r>
           </a:p>
           <a:p>
@@ -14020,7 +13851,18 @@
             </a:pPr>
             <a:r>
               <a:rPr lang="en-US" dirty="0"/>
-              <a:t>Runs on Windows or Mac development machines</a:t>
+              <a:t>Isolated containers</a:t>
+            </a:r>
+          </a:p>
+          <a:p>
+            <a:pPr>
+              <a:lnSpc>
+                <a:spcPct val="100000"/>
+              </a:lnSpc>
+            </a:pPr>
+            <a:r>
+              <a:rPr lang="en-US" dirty="0"/>
+              <a:t>Environment consistency</a:t>
             </a:r>
           </a:p>
           <a:p>
@@ -14031,7 +13873,18 @@
             </a:pPr>
             <a:r>
               <a:rPr lang="en-US" dirty="0"/>
-              <a:t>Includes Docker Engine, CLI and Kubernetes</a:t>
+              <a:t>If it runs on development environment, it should run on the staging/production </a:t>
+            </a:r>
+          </a:p>
+          <a:p>
+            <a:pPr>
+              <a:lnSpc>
+                <a:spcPct val="100000"/>
+              </a:lnSpc>
+            </a:pPr>
+            <a:r>
+              <a:rPr lang="en-US" dirty="0"/>
+              <a:t>Ship software faster</a:t>
             </a:r>
           </a:p>
           <a:p>
@@ -14041,107 +13894,9 @@
               </a:lnSpc>
             </a:pPr>
             <a:r>
-              <a:rPr lang="en-GB" dirty="0"/>
-              <a:t>Containerize and share any application</a:t>
-            </a:r>
-          </a:p>
-          <a:p>
-            <a:pPr lvl="1">
-              <a:lnSpc>
-                <a:spcPct val="100000"/>
-              </a:lnSpc>
-            </a:pPr>
-            <a:r>
-              <a:rPr lang="en-GB" dirty="0"/>
-              <a:t>Complete Docker development environment</a:t>
-            </a:r>
-          </a:p>
-          <a:p>
-            <a:pPr>
-              <a:lnSpc>
-                <a:spcPct val="100000"/>
-              </a:lnSpc>
-            </a:pPr>
-            <a:r>
-              <a:rPr lang="en-GB" dirty="0"/>
-              <a:t>On Windows</a:t>
-            </a:r>
-          </a:p>
-          <a:p>
-            <a:pPr lvl="1">
-              <a:lnSpc>
-                <a:spcPct val="100000"/>
-              </a:lnSpc>
-            </a:pPr>
-            <a:r>
-              <a:rPr lang="en-GB" dirty="0"/>
-              <a:t>Ability to switch between Linux and Windows Server environments</a:t>
-            </a:r>
-          </a:p>
-          <a:p>
-            <a:pPr lvl="1">
-              <a:lnSpc>
-                <a:spcPct val="100000"/>
-              </a:lnSpc>
-            </a:pPr>
-            <a:r>
               <a:rPr lang="en-US" dirty="0"/>
-              <a:t>Supports Pro, Enterprise, and </a:t>
-            </a:r>
-            <a:r>
-              <a:rPr lang="en-GB" dirty="0"/>
-              <a:t>Education versions</a:t>
-            </a:r>
-          </a:p>
-          <a:p>
-            <a:pPr lvl="1">
-              <a:lnSpc>
-                <a:spcPct val="100000"/>
-              </a:lnSpc>
-            </a:pPr>
-            <a:r>
-              <a:rPr lang="en-GB" dirty="0"/>
-              <a:t>For Home – you can only run Linux containers through WSL 2</a:t>
-            </a:r>
-            <a:endParaRPr lang="en-US" dirty="0"/>
-          </a:p>
-          <a:p>
-            <a:pPr>
-              <a:lnSpc>
-                <a:spcPct val="100000"/>
-              </a:lnSpc>
-            </a:pPr>
-            <a:r>
-              <a:rPr lang="en-US" dirty="0"/>
-              <a:t>There are third-party solutions for Linux – </a:t>
-            </a:r>
-            <a:r>
-              <a:rPr lang="en-GB" dirty="0" err="1"/>
-              <a:t>DockStation</a:t>
-            </a:r>
-            <a:r>
-              <a:rPr lang="en-GB" dirty="0"/>
-              <a:t>, </a:t>
-            </a:r>
-            <a:br>
-              <a:rPr lang="en-GB" dirty="0"/>
-            </a:br>
-            <a:r>
-              <a:rPr lang="en-GB" dirty="0" err="1"/>
-              <a:t>CairoDock</a:t>
-            </a:r>
-            <a:r>
-              <a:rPr lang="en-GB" dirty="0"/>
-              <a:t>, and more…</a:t>
-            </a:r>
-          </a:p>
-          <a:p>
-            <a:pPr lvl="1">
-              <a:lnSpc>
-                <a:spcPct val="100000"/>
-              </a:lnSpc>
-            </a:pPr>
-            <a:endParaRPr lang="en-US" dirty="0"/>
+              <a:t>Updating and migrating software is very easy</a:t>
+            </a:r>
           </a:p>
           <a:p>
             <a:pPr lvl="1">
@@ -14168,9 +13923,14 @@
           <a:bodyPr/>
           <a:lstStyle/>
           <a:p>
+            <a:pPr>
+              <a:lnSpc>
+                <a:spcPct val="100000"/>
+              </a:lnSpc>
+            </a:pPr>
             <a:r>
               <a:rPr lang="en-US" dirty="0"/>
-              <a:t>Docker Tools</a:t>
+              <a:t>Benefits for web developers</a:t>
             </a:r>
           </a:p>
         </p:txBody>
@@ -14178,7 +13938,7 @@
     </p:spTree>
     <p:extLst>
       <p:ext uri="{BB962C8B-B14F-4D97-AF65-F5344CB8AC3E}">
-        <p14:creationId xmlns:p14="http://schemas.microsoft.com/office/powerpoint/2010/main" val="896969366"/>
+        <p14:creationId xmlns:p14="http://schemas.microsoft.com/office/powerpoint/2010/main" val="1025572233"/>
       </p:ext>
     </p:extLst>
   </p:cSld>
@@ -14237,6 +13997,268 @@
                 <a:defRPr/>
               </a:pPr>
               <a:t>18</a:t>
+            </a:fld>
+            <a:endParaRPr lang="en-US" dirty="0"/>
+          </a:p>
+        </p:txBody>
+      </p:sp>
+      <p:sp>
+        <p:nvSpPr>
+          <p:cNvPr id="5" name="Content Placeholder 4"/>
+          <p:cNvSpPr>
+            <a:spLocks noGrp="1"/>
+          </p:cNvSpPr>
+          <p:nvPr>
+            <p:ph idx="1"/>
+          </p:nvPr>
+        </p:nvSpPr>
+        <p:spPr>
+          <a:xfrm>
+            <a:off x="1141413" y="1712549"/>
+            <a:ext cx="11696797" cy="5458202"/>
+          </a:xfrm>
+        </p:spPr>
+        <p:txBody>
+          <a:bodyPr>
+            <a:normAutofit/>
+          </a:bodyPr>
+          <a:lstStyle/>
+          <a:p>
+            <a:pPr>
+              <a:lnSpc>
+                <a:spcPct val="100000"/>
+              </a:lnSpc>
+            </a:pPr>
+            <a:r>
+              <a:rPr lang="en-US" dirty="0"/>
+              <a:t>Docker Desktop</a:t>
+            </a:r>
+          </a:p>
+          <a:p>
+            <a:pPr lvl="1">
+              <a:lnSpc>
+                <a:spcPct val="100000"/>
+              </a:lnSpc>
+            </a:pPr>
+            <a:r>
+              <a:rPr lang="en-US" dirty="0"/>
+              <a:t>Runs on Windows or Mac development machines</a:t>
+            </a:r>
+          </a:p>
+          <a:p>
+            <a:pPr lvl="1">
+              <a:lnSpc>
+                <a:spcPct val="100000"/>
+              </a:lnSpc>
+            </a:pPr>
+            <a:r>
+              <a:rPr lang="en-US" dirty="0"/>
+              <a:t>Includes Docker Engine, CLI and Kubernetes</a:t>
+            </a:r>
+          </a:p>
+          <a:p>
+            <a:pPr lvl="1">
+              <a:lnSpc>
+                <a:spcPct val="100000"/>
+              </a:lnSpc>
+            </a:pPr>
+            <a:r>
+              <a:rPr lang="en-GB" dirty="0"/>
+              <a:t>Containerize and share any application</a:t>
+            </a:r>
+          </a:p>
+          <a:p>
+            <a:pPr lvl="1">
+              <a:lnSpc>
+                <a:spcPct val="100000"/>
+              </a:lnSpc>
+            </a:pPr>
+            <a:r>
+              <a:rPr lang="en-GB" dirty="0"/>
+              <a:t>Complete Docker development environment</a:t>
+            </a:r>
+          </a:p>
+          <a:p>
+            <a:pPr>
+              <a:lnSpc>
+                <a:spcPct val="100000"/>
+              </a:lnSpc>
+            </a:pPr>
+            <a:r>
+              <a:rPr lang="en-GB" dirty="0"/>
+              <a:t>On Windows</a:t>
+            </a:r>
+          </a:p>
+          <a:p>
+            <a:pPr lvl="1">
+              <a:lnSpc>
+                <a:spcPct val="100000"/>
+              </a:lnSpc>
+            </a:pPr>
+            <a:r>
+              <a:rPr lang="en-GB" dirty="0"/>
+              <a:t>Ability to switch between Linux and Windows Server environments</a:t>
+            </a:r>
+          </a:p>
+          <a:p>
+            <a:pPr lvl="1">
+              <a:lnSpc>
+                <a:spcPct val="100000"/>
+              </a:lnSpc>
+            </a:pPr>
+            <a:r>
+              <a:rPr lang="en-US" dirty="0"/>
+              <a:t>Supports Pro, Enterprise, and </a:t>
+            </a:r>
+            <a:r>
+              <a:rPr lang="en-GB" dirty="0"/>
+              <a:t>Education versions</a:t>
+            </a:r>
+          </a:p>
+          <a:p>
+            <a:pPr lvl="1">
+              <a:lnSpc>
+                <a:spcPct val="100000"/>
+              </a:lnSpc>
+            </a:pPr>
+            <a:r>
+              <a:rPr lang="en-GB" dirty="0"/>
+              <a:t>For Home – you can only run Linux containers through WSL 2</a:t>
+            </a:r>
+            <a:endParaRPr lang="en-US" dirty="0"/>
+          </a:p>
+          <a:p>
+            <a:pPr>
+              <a:lnSpc>
+                <a:spcPct val="100000"/>
+              </a:lnSpc>
+            </a:pPr>
+            <a:r>
+              <a:rPr lang="en-US" dirty="0"/>
+              <a:t>There are third-party solutions for Linux – </a:t>
+            </a:r>
+            <a:r>
+              <a:rPr lang="en-GB" dirty="0" err="1"/>
+              <a:t>DockStation</a:t>
+            </a:r>
+            <a:r>
+              <a:rPr lang="en-GB" dirty="0"/>
+              <a:t>, </a:t>
+            </a:r>
+            <a:br>
+              <a:rPr lang="en-GB" dirty="0"/>
+            </a:br>
+            <a:r>
+              <a:rPr lang="en-GB" dirty="0" err="1"/>
+              <a:t>CairoDock</a:t>
+            </a:r>
+            <a:r>
+              <a:rPr lang="en-GB" dirty="0"/>
+              <a:t>, and more…</a:t>
+            </a:r>
+          </a:p>
+          <a:p>
+            <a:pPr lvl="1">
+              <a:lnSpc>
+                <a:spcPct val="100000"/>
+              </a:lnSpc>
+            </a:pPr>
+            <a:endParaRPr lang="en-US" dirty="0"/>
+          </a:p>
+          <a:p>
+            <a:pPr lvl="1">
+              <a:lnSpc>
+                <a:spcPct val="100000"/>
+              </a:lnSpc>
+            </a:pPr>
+            <a:endParaRPr lang="en-US" dirty="0"/>
+          </a:p>
+        </p:txBody>
+      </p:sp>
+      <p:sp>
+        <p:nvSpPr>
+          <p:cNvPr id="4" name="Title 3"/>
+          <p:cNvSpPr>
+            <a:spLocks noGrp="1"/>
+          </p:cNvSpPr>
+          <p:nvPr>
+            <p:ph type="title"/>
+          </p:nvPr>
+        </p:nvSpPr>
+        <p:spPr/>
+        <p:txBody>
+          <a:bodyPr/>
+          <a:lstStyle/>
+          <a:p>
+            <a:r>
+              <a:rPr lang="en-US" dirty="0"/>
+              <a:t>Docker Tools</a:t>
+            </a:r>
+          </a:p>
+        </p:txBody>
+      </p:sp>
+    </p:spTree>
+    <p:extLst>
+      <p:ext uri="{BB962C8B-B14F-4D97-AF65-F5344CB8AC3E}">
+        <p14:creationId xmlns:p14="http://schemas.microsoft.com/office/powerpoint/2010/main" val="896969366"/>
+      </p:ext>
+    </p:extLst>
+  </p:cSld>
+  <p:clrMapOvr>
+    <a:masterClrMapping/>
+  </p:clrMapOvr>
+</p:sld>
+</file>
+
+<file path=ppt/slides/slide19.xml><?xml version="1.0" encoding="utf-8"?>
+<p:sld xmlns:a="http://schemas.openxmlformats.org/drawingml/2006/main" xmlns:r="http://schemas.openxmlformats.org/officeDocument/2006/relationships" xmlns:p="http://schemas.openxmlformats.org/presentationml/2006/main">
+  <p:cSld>
+    <p:spTree>
+      <p:nvGrpSpPr>
+        <p:cNvPr id="1" name=""/>
+        <p:cNvGrpSpPr/>
+        <p:nvPr/>
+      </p:nvGrpSpPr>
+      <p:grpSpPr>
+        <a:xfrm>
+          <a:off x="0" y="0"/>
+          <a:ext cx="0" cy="0"/>
+          <a:chOff x="0" y="0"/>
+          <a:chExt cx="0" cy="0"/>
+        </a:xfrm>
+      </p:grpSpPr>
+      <p:sp>
+        <p:nvSpPr>
+          <p:cNvPr id="7" name="Slide Number Placeholder 3"/>
+          <p:cNvSpPr>
+            <a:spLocks noGrp="1"/>
+          </p:cNvSpPr>
+          <p:nvPr>
+            <p:ph type="sldNum" sz="quarter" idx="4294967295"/>
+          </p:nvPr>
+        </p:nvSpPr>
+        <p:spPr>
+          <a:xfrm>
+            <a:off x="11568000" y="6525003"/>
+            <a:ext cx="428822" cy="196477"/>
+          </a:xfrm>
+          <a:prstGeom prst="rect">
+            <a:avLst/>
+          </a:prstGeom>
+        </p:spPr>
+        <p:txBody>
+          <a:bodyPr/>
+          <a:lstStyle/>
+          <a:p>
+            <a:pPr>
+              <a:defRPr/>
+            </a:pPr>
+            <a:fld id="{58452FF4-89E3-4D1B-9927-2DBDC00E58D7}" type="slidenum">
+              <a:rPr lang="en-US" smtClean="0"/>
+              <a:pPr>
+                <a:defRPr/>
+              </a:pPr>
+              <a:t>19</a:t>
             </a:fld>
             <a:endParaRPr lang="en-US" dirty="0"/>
           </a:p>
@@ -17347,6 +17369,53 @@
           <a:chExt cx="0" cy="0"/>
         </a:xfrm>
       </p:grpSpPr>
+      <p:pic>
+        <p:nvPicPr>
+          <p:cNvPr id="1026" name="Picture 2" descr="A Primer on Cloud Computing. Cloud computing is defined as: | by Colin  Baird | Medium">
+            <a:extLst>
+              <a:ext uri="{FF2B5EF4-FFF2-40B4-BE49-F238E27FC236}">
+                <a16:creationId xmlns:a16="http://schemas.microsoft.com/office/drawing/2014/main" id="{7D7CCB2B-A042-4DD5-A2B7-35D958BB806B}"/>
+              </a:ext>
+            </a:extLst>
+          </p:cNvPr>
+          <p:cNvPicPr>
+            <a:picLocks noChangeAspect="1" noChangeArrowheads="1"/>
+          </p:cNvPicPr>
+          <p:nvPr/>
+        </p:nvPicPr>
+        <p:blipFill>
+          <a:blip r:embed="rId2">
+            <a:extLst>
+              <a:ext uri="{28A0092B-C50C-407E-A947-70E740481C1C}">
+                <a14:useLocalDpi xmlns:a14="http://schemas.microsoft.com/office/drawing/2010/main" val="0"/>
+              </a:ext>
+            </a:extLst>
+          </a:blip>
+          <a:srcRect/>
+          <a:stretch>
+            <a:fillRect/>
+          </a:stretch>
+        </p:blipFill>
+        <p:spPr bwMode="auto">
+          <a:xfrm>
+            <a:off x="2959224" y="1195387"/>
+            <a:ext cx="6096000" cy="4467225"/>
+          </a:xfrm>
+          <a:prstGeom prst="rect">
+            <a:avLst/>
+          </a:prstGeom>
+          <a:noFill/>
+          <a:extLst>
+            <a:ext uri="{909E8E84-426E-40DD-AFC4-6F175D3DCCD1}">
+              <a14:hiddenFill xmlns:a14="http://schemas.microsoft.com/office/drawing/2010/main">
+                <a:solidFill>
+                  <a:srgbClr val="FFFFFF"/>
+                </a:solidFill>
+              </a14:hiddenFill>
+            </a:ext>
+          </a:extLst>
+        </p:spPr>
+      </p:pic>
     </p:spTree>
     <p:extLst>
       <p:ext uri="{BB962C8B-B14F-4D97-AF65-F5344CB8AC3E}">
@@ -17377,6 +17446,884 @@
           <a:chExt cx="0" cy="0"/>
         </a:xfrm>
       </p:grpSpPr>
+      <p:pic>
+        <p:nvPicPr>
+          <p:cNvPr id="2050" name="Picture 2" descr="Cloud Native Computing Foundation">
+            <a:extLst>
+              <a:ext uri="{FF2B5EF4-FFF2-40B4-BE49-F238E27FC236}">
+                <a16:creationId xmlns:a16="http://schemas.microsoft.com/office/drawing/2014/main" id="{8B281BAB-768F-4F4D-835D-C393223AE8D2}"/>
+              </a:ext>
+            </a:extLst>
+          </p:cNvPr>
+          <p:cNvPicPr>
+            <a:picLocks noChangeAspect="1" noChangeArrowheads="1"/>
+          </p:cNvPicPr>
+          <p:nvPr/>
+        </p:nvPicPr>
+        <p:blipFill>
+          <a:blip r:embed="rId2">
+            <a:extLst>
+              <a:ext uri="{28A0092B-C50C-407E-A947-70E740481C1C}">
+                <a14:useLocalDpi xmlns:a14="http://schemas.microsoft.com/office/drawing/2010/main" val="0"/>
+              </a:ext>
+            </a:extLst>
+          </a:blip>
+          <a:srcRect/>
+          <a:stretch>
+            <a:fillRect/>
+          </a:stretch>
+        </p:blipFill>
+        <p:spPr bwMode="auto">
+          <a:xfrm>
+            <a:off x="3559298" y="1124597"/>
+            <a:ext cx="4895850" cy="933450"/>
+          </a:xfrm>
+          <a:prstGeom prst="rect">
+            <a:avLst/>
+          </a:prstGeom>
+          <a:noFill/>
+          <a:extLst>
+            <a:ext uri="{909E8E84-426E-40DD-AFC4-6F175D3DCCD1}">
+              <a14:hiddenFill xmlns:a14="http://schemas.microsoft.com/office/drawing/2010/main">
+                <a:solidFill>
+                  <a:srgbClr val="FFFFFF"/>
+                </a:solidFill>
+              </a14:hiddenFill>
+            </a:ext>
+          </a:extLst>
+        </p:spPr>
+      </p:pic>
+      <p:sp>
+        <p:nvSpPr>
+          <p:cNvPr id="8" name="TextBox 7">
+            <a:extLst>
+              <a:ext uri="{FF2B5EF4-FFF2-40B4-BE49-F238E27FC236}">
+                <a16:creationId xmlns:a16="http://schemas.microsoft.com/office/drawing/2014/main" id="{6A2E031E-4B0B-45BE-8862-75115605F08A}"/>
+              </a:ext>
+            </a:extLst>
+          </p:cNvPr>
+          <p:cNvSpPr txBox="1"/>
+          <p:nvPr/>
+        </p:nvSpPr>
+        <p:spPr>
+          <a:xfrm>
+            <a:off x="3044301" y="2289466"/>
+            <a:ext cx="6103398" cy="3477875"/>
+          </a:xfrm>
+          <a:prstGeom prst="rect">
+            <a:avLst/>
+          </a:prstGeom>
+          <a:noFill/>
+        </p:spPr>
+        <p:txBody>
+          <a:bodyPr wrap="square">
+            <a:spAutoFit/>
+          </a:bodyPr>
+          <a:lstStyle/>
+          <a:p>
+            <a:pPr algn="just"/>
+            <a:r>
+              <a:rPr lang="ru-RU" sz="2000" b="0" i="1" u="none" strike="noStrike" baseline="0" dirty="0" err="1">
+                <a:solidFill>
+                  <a:schemeClr val="tx1">
+                    <a:lumMod val="95000"/>
+                  </a:schemeClr>
+                </a:solidFill>
+                <a:latin typeface="Times New Roman" panose="02020603050405020304" pitchFamily="18" charset="0"/>
+              </a:rPr>
+              <a:t>Технологиите</a:t>
+            </a:r>
+            <a:r>
+              <a:rPr lang="ru-RU" sz="2000" b="0" i="1" u="none" strike="noStrike" baseline="0" dirty="0">
+                <a:solidFill>
+                  <a:schemeClr val="tx1">
+                    <a:lumMod val="95000"/>
+                  </a:schemeClr>
+                </a:solidFill>
+                <a:latin typeface="Times New Roman" panose="02020603050405020304" pitchFamily="18" charset="0"/>
+              </a:rPr>
+              <a:t>, </a:t>
+            </a:r>
+            <a:r>
+              <a:rPr lang="ru-RU" sz="2000" b="0" i="1" u="none" strike="noStrike" baseline="0" dirty="0" err="1">
+                <a:solidFill>
+                  <a:schemeClr val="tx1">
+                    <a:lumMod val="95000"/>
+                  </a:schemeClr>
+                </a:solidFill>
+                <a:latin typeface="Times New Roman" panose="02020603050405020304" pitchFamily="18" charset="0"/>
+              </a:rPr>
+              <a:t>базирани</a:t>
+            </a:r>
+            <a:r>
+              <a:rPr lang="ru-RU" sz="2000" b="0" i="1" u="none" strike="noStrike" baseline="0" dirty="0">
+                <a:solidFill>
+                  <a:schemeClr val="tx1">
+                    <a:lumMod val="95000"/>
+                  </a:schemeClr>
+                </a:solidFill>
+                <a:latin typeface="Times New Roman" panose="02020603050405020304" pitchFamily="18" charset="0"/>
+              </a:rPr>
+              <a:t> на </a:t>
+            </a:r>
+            <a:r>
+              <a:rPr lang="ru-RU" sz="2000" b="0" i="1" u="none" strike="noStrike" baseline="0" dirty="0" err="1">
+                <a:solidFill>
+                  <a:schemeClr val="tx1">
+                    <a:lumMod val="95000"/>
+                  </a:schemeClr>
+                </a:solidFill>
+                <a:latin typeface="Times New Roman" panose="02020603050405020304" pitchFamily="18" charset="0"/>
+              </a:rPr>
+              <a:t>облак</a:t>
+            </a:r>
+            <a:r>
+              <a:rPr lang="ru-RU" sz="2000" b="0" i="1" u="none" strike="noStrike" baseline="0" dirty="0">
+                <a:solidFill>
+                  <a:schemeClr val="tx1">
+                    <a:lumMod val="95000"/>
+                  </a:schemeClr>
+                </a:solidFill>
+                <a:latin typeface="Times New Roman" panose="02020603050405020304" pitchFamily="18" charset="0"/>
+              </a:rPr>
+              <a:t>, </a:t>
+            </a:r>
+            <a:r>
+              <a:rPr lang="ru-RU" sz="2000" b="0" i="1" u="none" strike="noStrike" baseline="0" dirty="0" err="1">
+                <a:solidFill>
+                  <a:schemeClr val="tx1">
+                    <a:lumMod val="95000"/>
+                  </a:schemeClr>
+                </a:solidFill>
+                <a:latin typeface="Times New Roman" panose="02020603050405020304" pitchFamily="18" charset="0"/>
+              </a:rPr>
+              <a:t>дават</a:t>
+            </a:r>
+            <a:r>
+              <a:rPr lang="ru-RU" sz="2000" b="0" i="1" u="none" strike="noStrike" baseline="0" dirty="0">
+                <a:solidFill>
+                  <a:schemeClr val="tx1">
+                    <a:lumMod val="95000"/>
+                  </a:schemeClr>
+                </a:solidFill>
+                <a:latin typeface="Times New Roman" panose="02020603050405020304" pitchFamily="18" charset="0"/>
+              </a:rPr>
+              <a:t> </a:t>
+            </a:r>
+            <a:r>
+              <a:rPr lang="ru-RU" sz="2000" b="0" i="1" u="none" strike="noStrike" baseline="0" dirty="0" err="1">
+                <a:solidFill>
+                  <a:schemeClr val="tx1">
+                    <a:lumMod val="95000"/>
+                  </a:schemeClr>
+                </a:solidFill>
+                <a:latin typeface="Times New Roman" panose="02020603050405020304" pitchFamily="18" charset="0"/>
+              </a:rPr>
+              <a:t>възможност</a:t>
+            </a:r>
+            <a:r>
+              <a:rPr lang="ru-RU" sz="2000" b="0" i="1" u="none" strike="noStrike" baseline="0" dirty="0">
+                <a:solidFill>
+                  <a:schemeClr val="tx1">
+                    <a:lumMod val="95000"/>
+                  </a:schemeClr>
+                </a:solidFill>
+                <a:latin typeface="Times New Roman" panose="02020603050405020304" pitchFamily="18" charset="0"/>
+              </a:rPr>
+              <a:t> на </a:t>
+            </a:r>
+            <a:r>
+              <a:rPr lang="ru-RU" sz="2000" b="0" i="1" u="none" strike="noStrike" baseline="0" dirty="0" err="1">
+                <a:solidFill>
+                  <a:schemeClr val="tx1">
+                    <a:lumMod val="95000"/>
+                  </a:schemeClr>
+                </a:solidFill>
+                <a:latin typeface="Times New Roman" panose="02020603050405020304" pitchFamily="18" charset="0"/>
+              </a:rPr>
+              <a:t>организациите</a:t>
+            </a:r>
+            <a:r>
+              <a:rPr lang="ru-RU" sz="2000" b="0" i="1" u="none" strike="noStrike" baseline="0" dirty="0">
+                <a:solidFill>
+                  <a:schemeClr val="tx1">
+                    <a:lumMod val="95000"/>
+                  </a:schemeClr>
+                </a:solidFill>
+                <a:latin typeface="Times New Roman" panose="02020603050405020304" pitchFamily="18" charset="0"/>
+              </a:rPr>
+              <a:t> да </a:t>
+            </a:r>
+            <a:r>
+              <a:rPr lang="ru-RU" sz="2000" b="0" i="1" u="none" strike="noStrike" baseline="0" dirty="0" err="1">
+                <a:solidFill>
+                  <a:schemeClr val="tx1">
+                    <a:lumMod val="95000"/>
+                  </a:schemeClr>
+                </a:solidFill>
+                <a:latin typeface="Times New Roman" panose="02020603050405020304" pitchFamily="18" charset="0"/>
+              </a:rPr>
+              <a:t>създават</a:t>
+            </a:r>
+            <a:r>
+              <a:rPr lang="ru-RU" sz="2000" b="0" i="1" u="none" strike="noStrike" baseline="0" dirty="0">
+                <a:solidFill>
+                  <a:schemeClr val="tx1">
+                    <a:lumMod val="95000"/>
+                  </a:schemeClr>
+                </a:solidFill>
+                <a:latin typeface="Times New Roman" panose="02020603050405020304" pitchFamily="18" charset="0"/>
+              </a:rPr>
+              <a:t> и </a:t>
+            </a:r>
+            <a:r>
+              <a:rPr lang="ru-RU" sz="2000" b="0" i="1" u="none" strike="noStrike" baseline="0" dirty="0" err="1">
+                <a:solidFill>
+                  <a:schemeClr val="tx1">
+                    <a:lumMod val="95000"/>
+                  </a:schemeClr>
+                </a:solidFill>
+                <a:latin typeface="Times New Roman" panose="02020603050405020304" pitchFamily="18" charset="0"/>
+              </a:rPr>
+              <a:t>изпълняват</a:t>
+            </a:r>
+            <a:r>
+              <a:rPr lang="ru-RU" sz="2000" b="0" i="1" u="none" strike="noStrike" baseline="0" dirty="0">
+                <a:solidFill>
+                  <a:schemeClr val="tx1">
+                    <a:lumMod val="95000"/>
+                  </a:schemeClr>
+                </a:solidFill>
+                <a:latin typeface="Times New Roman" panose="02020603050405020304" pitchFamily="18" charset="0"/>
+              </a:rPr>
+              <a:t> приложения в </a:t>
+            </a:r>
+            <a:r>
+              <a:rPr lang="ru-RU" sz="2000" b="0" i="1" u="none" strike="noStrike" baseline="0" dirty="0" err="1">
+                <a:solidFill>
+                  <a:schemeClr val="tx1">
+                    <a:lumMod val="95000"/>
+                  </a:schemeClr>
+                </a:solidFill>
+                <a:latin typeface="Times New Roman" panose="02020603050405020304" pitchFamily="18" charset="0"/>
+              </a:rPr>
+              <a:t>модерни</a:t>
+            </a:r>
+            <a:r>
+              <a:rPr lang="ru-RU" sz="2000" b="0" i="1" u="none" strike="noStrike" baseline="0" dirty="0">
+                <a:solidFill>
+                  <a:schemeClr val="tx1">
+                    <a:lumMod val="95000"/>
+                  </a:schemeClr>
+                </a:solidFill>
+                <a:latin typeface="Times New Roman" panose="02020603050405020304" pitchFamily="18" charset="0"/>
+              </a:rPr>
+              <a:t>, </a:t>
+            </a:r>
+            <a:r>
+              <a:rPr lang="ru-RU" sz="2000" b="0" i="1" u="none" strike="noStrike" baseline="0" dirty="0" err="1">
+                <a:solidFill>
+                  <a:schemeClr val="tx1">
+                    <a:lumMod val="95000"/>
+                  </a:schemeClr>
+                </a:solidFill>
+                <a:latin typeface="Times New Roman" panose="02020603050405020304" pitchFamily="18" charset="0"/>
+              </a:rPr>
+              <a:t>динамични</a:t>
+            </a:r>
+            <a:r>
+              <a:rPr lang="ru-RU" sz="2000" b="0" i="1" u="none" strike="noStrike" baseline="0" dirty="0">
+                <a:solidFill>
+                  <a:schemeClr val="tx1">
+                    <a:lumMod val="95000"/>
+                  </a:schemeClr>
+                </a:solidFill>
+                <a:latin typeface="Times New Roman" panose="02020603050405020304" pitchFamily="18" charset="0"/>
+              </a:rPr>
+              <a:t> среди </a:t>
+            </a:r>
+            <a:r>
+              <a:rPr lang="ru-RU" sz="2000" b="0" i="1" u="none" strike="noStrike" baseline="0" dirty="0" err="1">
+                <a:solidFill>
+                  <a:schemeClr val="tx1">
+                    <a:lumMod val="95000"/>
+                  </a:schemeClr>
+                </a:solidFill>
+                <a:latin typeface="Times New Roman" panose="02020603050405020304" pitchFamily="18" charset="0"/>
+              </a:rPr>
+              <a:t>като</a:t>
+            </a:r>
+            <a:r>
+              <a:rPr lang="ru-RU" sz="2000" b="0" i="1" u="none" strike="noStrike" baseline="0" dirty="0">
+                <a:solidFill>
+                  <a:schemeClr val="tx1">
+                    <a:lumMod val="95000"/>
+                  </a:schemeClr>
+                </a:solidFill>
+                <a:latin typeface="Times New Roman" panose="02020603050405020304" pitchFamily="18" charset="0"/>
+              </a:rPr>
+              <a:t> </a:t>
+            </a:r>
+            <a:r>
+              <a:rPr lang="ru-RU" sz="2000" b="0" i="1" u="none" strike="noStrike" baseline="0" dirty="0" err="1">
+                <a:solidFill>
+                  <a:schemeClr val="tx1">
+                    <a:lumMod val="95000"/>
+                  </a:schemeClr>
+                </a:solidFill>
+                <a:latin typeface="Times New Roman" panose="02020603050405020304" pitchFamily="18" charset="0"/>
+              </a:rPr>
+              <a:t>публични</a:t>
+            </a:r>
+            <a:r>
+              <a:rPr lang="ru-RU" sz="2000" b="0" i="1" u="none" strike="noStrike" baseline="0" dirty="0">
+                <a:solidFill>
+                  <a:schemeClr val="tx1">
+                    <a:lumMod val="95000"/>
+                  </a:schemeClr>
+                </a:solidFill>
+                <a:latin typeface="Times New Roman" panose="02020603050405020304" pitchFamily="18" charset="0"/>
+              </a:rPr>
+              <a:t>, </a:t>
+            </a:r>
+            <a:r>
+              <a:rPr lang="ru-RU" sz="2000" b="0" i="1" u="none" strike="noStrike" baseline="0" dirty="0" err="1">
+                <a:solidFill>
+                  <a:schemeClr val="tx1">
+                    <a:lumMod val="95000"/>
+                  </a:schemeClr>
+                </a:solidFill>
+                <a:latin typeface="Times New Roman" panose="02020603050405020304" pitchFamily="18" charset="0"/>
+              </a:rPr>
+              <a:t>частни</a:t>
+            </a:r>
+            <a:r>
+              <a:rPr lang="ru-RU" sz="2000" b="0" i="1" u="none" strike="noStrike" baseline="0" dirty="0">
+                <a:solidFill>
+                  <a:schemeClr val="tx1">
+                    <a:lumMod val="95000"/>
+                  </a:schemeClr>
+                </a:solidFill>
+                <a:latin typeface="Times New Roman" panose="02020603050405020304" pitchFamily="18" charset="0"/>
+              </a:rPr>
+              <a:t> и </a:t>
+            </a:r>
+            <a:r>
+              <a:rPr lang="ru-RU" sz="2000" b="0" i="1" u="none" strike="noStrike" baseline="0" dirty="0" err="1">
+                <a:solidFill>
+                  <a:schemeClr val="tx1">
+                    <a:lumMod val="95000"/>
+                  </a:schemeClr>
+                </a:solidFill>
+                <a:latin typeface="Times New Roman" panose="02020603050405020304" pitchFamily="18" charset="0"/>
+              </a:rPr>
+              <a:t>хибридни</a:t>
+            </a:r>
+            <a:r>
+              <a:rPr lang="ru-RU" sz="2000" b="0" i="1" u="none" strike="noStrike" baseline="0" dirty="0">
+                <a:solidFill>
+                  <a:schemeClr val="tx1">
+                    <a:lumMod val="95000"/>
+                  </a:schemeClr>
+                </a:solidFill>
+                <a:latin typeface="Times New Roman" panose="02020603050405020304" pitchFamily="18" charset="0"/>
+              </a:rPr>
+              <a:t> </a:t>
+            </a:r>
+            <a:r>
+              <a:rPr lang="ru-RU" sz="2000" b="0" i="1" u="none" strike="noStrike" baseline="0" dirty="0" err="1">
+                <a:solidFill>
+                  <a:schemeClr val="tx1">
+                    <a:lumMod val="95000"/>
+                  </a:schemeClr>
+                </a:solidFill>
+                <a:latin typeface="Times New Roman" panose="02020603050405020304" pitchFamily="18" charset="0"/>
+              </a:rPr>
+              <a:t>облаци</a:t>
+            </a:r>
+            <a:r>
+              <a:rPr lang="ru-RU" sz="2000" b="0" i="1" u="none" strike="noStrike" baseline="0" dirty="0">
+                <a:solidFill>
+                  <a:schemeClr val="tx1">
+                    <a:lumMod val="95000"/>
+                  </a:schemeClr>
+                </a:solidFill>
+                <a:latin typeface="Times New Roman" panose="02020603050405020304" pitchFamily="18" charset="0"/>
+              </a:rPr>
+              <a:t>, чрез мрежи от услуги и </a:t>
+            </a:r>
+            <a:r>
+              <a:rPr lang="ru-RU" sz="2000" b="0" i="1" u="none" strike="noStrike" baseline="0" dirty="0" err="1">
+                <a:solidFill>
+                  <a:schemeClr val="tx1">
+                    <a:lumMod val="95000"/>
+                  </a:schemeClr>
+                </a:solidFill>
+                <a:latin typeface="Times New Roman" panose="02020603050405020304" pitchFamily="18" charset="0"/>
+              </a:rPr>
+              <a:t>микроуслуги</a:t>
+            </a:r>
+            <a:r>
+              <a:rPr lang="ru-RU" sz="2000" b="0" i="1" u="none" strike="noStrike" baseline="0" dirty="0">
+                <a:solidFill>
+                  <a:schemeClr val="tx1">
+                    <a:lumMod val="95000"/>
+                  </a:schemeClr>
+                </a:solidFill>
+                <a:latin typeface="Times New Roman" panose="02020603050405020304" pitchFamily="18" charset="0"/>
+              </a:rPr>
+              <a:t>. Качества на </a:t>
+            </a:r>
+            <a:r>
+              <a:rPr lang="ru-RU" sz="2000" b="0" i="1" u="none" strike="noStrike" baseline="0" dirty="0" err="1">
+                <a:solidFill>
+                  <a:schemeClr val="tx1">
+                    <a:lumMod val="95000"/>
+                  </a:schemeClr>
+                </a:solidFill>
+                <a:latin typeface="Times New Roman" panose="02020603050405020304" pitchFamily="18" charset="0"/>
+              </a:rPr>
+              <a:t>системите</a:t>
+            </a:r>
+            <a:r>
+              <a:rPr lang="ru-RU" sz="2000" b="0" i="1" u="none" strike="noStrike" baseline="0" dirty="0">
+                <a:solidFill>
+                  <a:schemeClr val="tx1">
+                    <a:lumMod val="95000"/>
+                  </a:schemeClr>
+                </a:solidFill>
+                <a:latin typeface="Times New Roman" panose="02020603050405020304" pitchFamily="18" charset="0"/>
+              </a:rPr>
+              <a:t> </a:t>
+            </a:r>
+            <a:r>
+              <a:rPr lang="ru-RU" sz="2000" b="0" i="1" u="none" strike="noStrike" baseline="0" dirty="0" err="1">
+                <a:solidFill>
+                  <a:schemeClr val="tx1">
+                    <a:lumMod val="95000"/>
+                  </a:schemeClr>
+                </a:solidFill>
+                <a:latin typeface="Times New Roman" panose="02020603050405020304" pitchFamily="18" charset="0"/>
+              </a:rPr>
+              <a:t>са</a:t>
+            </a:r>
+            <a:r>
+              <a:rPr lang="ru-RU" sz="2000" b="0" i="1" u="none" strike="noStrike" baseline="0" dirty="0">
+                <a:solidFill>
+                  <a:schemeClr val="tx1">
+                    <a:lumMod val="95000"/>
+                  </a:schemeClr>
+                </a:solidFill>
+                <a:latin typeface="Times New Roman" panose="02020603050405020304" pitchFamily="18" charset="0"/>
+              </a:rPr>
+              <a:t> </a:t>
+            </a:r>
+            <a:r>
+              <a:rPr lang="ru-RU" sz="2000" b="0" i="1" u="none" strike="noStrike" baseline="0" dirty="0" err="1">
+                <a:solidFill>
+                  <a:schemeClr val="tx1">
+                    <a:lumMod val="95000"/>
+                  </a:schemeClr>
+                </a:solidFill>
+                <a:latin typeface="Times New Roman" panose="02020603050405020304" pitchFamily="18" charset="0"/>
+              </a:rPr>
+              <a:t>устойчивост</a:t>
+            </a:r>
+            <a:r>
+              <a:rPr lang="ru-RU" sz="2000" b="0" i="1" u="none" strike="noStrike" baseline="0" dirty="0">
+                <a:solidFill>
+                  <a:schemeClr val="tx1">
+                    <a:lumMod val="95000"/>
+                  </a:schemeClr>
+                </a:solidFill>
+                <a:latin typeface="Times New Roman" panose="02020603050405020304" pitchFamily="18" charset="0"/>
+              </a:rPr>
+              <a:t>, </a:t>
+            </a:r>
+            <a:r>
+              <a:rPr lang="ru-RU" sz="2000" b="0" i="1" u="none" strike="noStrike" baseline="0" dirty="0" err="1">
+                <a:solidFill>
+                  <a:schemeClr val="tx1">
+                    <a:lumMod val="95000"/>
+                  </a:schemeClr>
+                </a:solidFill>
+                <a:latin typeface="Times New Roman" panose="02020603050405020304" pitchFamily="18" charset="0"/>
+              </a:rPr>
+              <a:t>висока</a:t>
+            </a:r>
+            <a:r>
+              <a:rPr lang="ru-RU" sz="2000" b="0" i="1" u="none" strike="noStrike" baseline="0" dirty="0">
+                <a:solidFill>
+                  <a:schemeClr val="tx1">
+                    <a:lumMod val="95000"/>
+                  </a:schemeClr>
+                </a:solidFill>
+                <a:latin typeface="Times New Roman" panose="02020603050405020304" pitchFamily="18" charset="0"/>
+              </a:rPr>
+              <a:t> </a:t>
+            </a:r>
+            <a:r>
+              <a:rPr lang="ru-RU" sz="2000" b="0" i="1" u="none" strike="noStrike" baseline="0" dirty="0" err="1">
+                <a:solidFill>
+                  <a:schemeClr val="tx1">
+                    <a:lumMod val="95000"/>
+                  </a:schemeClr>
+                </a:solidFill>
+                <a:latin typeface="Times New Roman" panose="02020603050405020304" pitchFamily="18" charset="0"/>
+              </a:rPr>
+              <a:t>наличност</a:t>
+            </a:r>
+            <a:r>
+              <a:rPr lang="ru-RU" sz="2000" b="0" i="1" u="none" strike="noStrike" baseline="0" dirty="0">
+                <a:solidFill>
+                  <a:schemeClr val="tx1">
+                    <a:lumMod val="95000"/>
+                  </a:schemeClr>
+                </a:solidFill>
+                <a:latin typeface="Times New Roman" panose="02020603050405020304" pitchFamily="18" charset="0"/>
+              </a:rPr>
+              <a:t> и </a:t>
+            </a:r>
+            <a:r>
+              <a:rPr lang="ru-RU" sz="2000" b="0" i="1" u="none" strike="noStrike" baseline="0" dirty="0" err="1">
+                <a:solidFill>
+                  <a:schemeClr val="tx1">
+                    <a:lumMod val="95000"/>
+                  </a:schemeClr>
+                </a:solidFill>
+                <a:latin typeface="Times New Roman" panose="02020603050405020304" pitchFamily="18" charset="0"/>
+              </a:rPr>
+              <a:t>достъпност</a:t>
+            </a:r>
+            <a:r>
+              <a:rPr lang="ru-RU" sz="2000" b="0" i="1" u="none" strike="noStrike" baseline="0" dirty="0">
+                <a:solidFill>
+                  <a:schemeClr val="tx1">
+                    <a:lumMod val="95000"/>
+                  </a:schemeClr>
+                </a:solidFill>
+                <a:latin typeface="Times New Roman" panose="02020603050405020304" pitchFamily="18" charset="0"/>
+              </a:rPr>
+              <a:t>, </a:t>
+            </a:r>
+            <a:r>
+              <a:rPr lang="ru-RU" sz="2000" b="0" i="1" u="none" strike="noStrike" baseline="0" dirty="0" err="1">
+                <a:solidFill>
+                  <a:schemeClr val="tx1">
+                    <a:lumMod val="95000"/>
+                  </a:schemeClr>
+                </a:solidFill>
+                <a:latin typeface="Times New Roman" panose="02020603050405020304" pitchFamily="18" charset="0"/>
+              </a:rPr>
+              <a:t>мащабируемост</a:t>
+            </a:r>
+            <a:r>
+              <a:rPr lang="ru-RU" sz="2000" b="0" i="1" u="none" strike="noStrike" baseline="0" dirty="0">
+                <a:solidFill>
+                  <a:schemeClr val="tx1">
+                    <a:lumMod val="95000"/>
+                  </a:schemeClr>
+                </a:solidFill>
+                <a:latin typeface="Times New Roman" panose="02020603050405020304" pitchFamily="18" charset="0"/>
+              </a:rPr>
+              <a:t> и </a:t>
+            </a:r>
+            <a:r>
+              <a:rPr lang="ru-RU" sz="2000" b="0" i="1" u="none" strike="noStrike" baseline="0" dirty="0" err="1">
+                <a:solidFill>
+                  <a:schemeClr val="tx1">
+                    <a:lumMod val="95000"/>
+                  </a:schemeClr>
+                </a:solidFill>
+                <a:latin typeface="Times New Roman" panose="02020603050405020304" pitchFamily="18" charset="0"/>
+              </a:rPr>
+              <a:t>управляемост</a:t>
+            </a:r>
+            <a:r>
+              <a:rPr lang="ru-RU" sz="2000" b="0" i="1" u="none" strike="noStrike" baseline="0" dirty="0">
+                <a:solidFill>
+                  <a:schemeClr val="tx1">
+                    <a:lumMod val="95000"/>
+                  </a:schemeClr>
+                </a:solidFill>
+                <a:latin typeface="Times New Roman" panose="02020603050405020304" pitchFamily="18" charset="0"/>
+              </a:rPr>
+              <a:t>, </a:t>
+            </a:r>
+            <a:r>
+              <a:rPr lang="ru-RU" sz="2000" b="0" i="1" u="none" strike="noStrike" baseline="0" dirty="0" err="1">
+                <a:solidFill>
+                  <a:schemeClr val="tx1">
+                    <a:lumMod val="95000"/>
+                  </a:schemeClr>
+                </a:solidFill>
+                <a:latin typeface="Times New Roman" panose="02020603050405020304" pitchFamily="18" charset="0"/>
+              </a:rPr>
+              <a:t>които</a:t>
+            </a:r>
+            <a:r>
+              <a:rPr lang="ru-RU" sz="2000" b="0" i="1" u="none" strike="noStrike" baseline="0" dirty="0">
+                <a:solidFill>
+                  <a:schemeClr val="tx1">
+                    <a:lumMod val="95000"/>
+                  </a:schemeClr>
+                </a:solidFill>
+                <a:latin typeface="Times New Roman" panose="02020603050405020304" pitchFamily="18" charset="0"/>
+              </a:rPr>
+              <a:t> </a:t>
+            </a:r>
+            <a:r>
+              <a:rPr lang="ru-RU" sz="2000" b="0" i="1" u="none" strike="noStrike" baseline="0" dirty="0" err="1">
+                <a:solidFill>
+                  <a:schemeClr val="tx1">
+                    <a:lumMod val="95000"/>
+                  </a:schemeClr>
+                </a:solidFill>
+                <a:latin typeface="Times New Roman" panose="02020603050405020304" pitchFamily="18" charset="0"/>
+              </a:rPr>
+              <a:t>са</a:t>
+            </a:r>
+            <a:r>
+              <a:rPr lang="ru-RU" sz="2000" b="0" i="1" u="none" strike="noStrike" baseline="0" dirty="0">
+                <a:solidFill>
+                  <a:schemeClr val="tx1">
+                    <a:lumMod val="95000"/>
+                  </a:schemeClr>
+                </a:solidFill>
+                <a:latin typeface="Times New Roman" panose="02020603050405020304" pitchFamily="18" charset="0"/>
+              </a:rPr>
+              <a:t> от критично значение за много от бизнес </a:t>
+            </a:r>
+            <a:r>
+              <a:rPr lang="ru-RU" sz="2000" b="0" i="1" u="none" strike="noStrike" baseline="0" dirty="0" err="1">
+                <a:solidFill>
+                  <a:schemeClr val="tx1">
+                    <a:lumMod val="95000"/>
+                  </a:schemeClr>
+                </a:solidFill>
+                <a:latin typeface="Times New Roman" panose="02020603050405020304" pitchFamily="18" charset="0"/>
+              </a:rPr>
+              <a:t>единиците</a:t>
+            </a:r>
+            <a:r>
+              <a:rPr lang="ru-RU" sz="2000" b="0" i="1" u="none" strike="noStrike" baseline="0" dirty="0">
+                <a:solidFill>
+                  <a:schemeClr val="tx1">
+                    <a:lumMod val="95000"/>
+                  </a:schemeClr>
+                </a:solidFill>
+                <a:latin typeface="Times New Roman" panose="02020603050405020304" pitchFamily="18" charset="0"/>
+              </a:rPr>
+              <a:t>. </a:t>
+            </a:r>
+            <a:r>
+              <a:rPr lang="ru-RU" sz="2000" b="0" i="1" u="none" strike="noStrike" baseline="0" dirty="0" err="1">
+                <a:solidFill>
+                  <a:schemeClr val="tx1">
+                    <a:lumMod val="95000"/>
+                  </a:schemeClr>
+                </a:solidFill>
+                <a:latin typeface="Times New Roman" panose="02020603050405020304" pitchFamily="18" charset="0"/>
+              </a:rPr>
+              <a:t>Автоматизацията</a:t>
+            </a:r>
+            <a:r>
+              <a:rPr lang="ru-RU" sz="2000" b="0" i="1" u="none" strike="noStrike" baseline="0" dirty="0">
+                <a:solidFill>
+                  <a:schemeClr val="tx1">
+                    <a:lumMod val="95000"/>
+                  </a:schemeClr>
+                </a:solidFill>
+                <a:latin typeface="Times New Roman" panose="02020603050405020304" pitchFamily="18" charset="0"/>
+              </a:rPr>
+              <a:t> на </a:t>
+            </a:r>
+            <a:r>
+              <a:rPr lang="ru-RU" sz="2000" b="0" i="1" u="none" strike="noStrike" baseline="0" dirty="0" err="1">
+                <a:solidFill>
+                  <a:schemeClr val="tx1">
+                    <a:lumMod val="95000"/>
+                  </a:schemeClr>
+                </a:solidFill>
+                <a:latin typeface="Times New Roman" panose="02020603050405020304" pitchFamily="18" charset="0"/>
+              </a:rPr>
+              <a:t>тези</a:t>
+            </a:r>
+            <a:r>
+              <a:rPr lang="ru-RU" sz="2000" b="0" i="1" u="none" strike="noStrike" baseline="0" dirty="0">
+                <a:solidFill>
+                  <a:schemeClr val="tx1">
+                    <a:lumMod val="95000"/>
+                  </a:schemeClr>
+                </a:solidFill>
+                <a:latin typeface="Times New Roman" panose="02020603050405020304" pitchFamily="18" charset="0"/>
+              </a:rPr>
+              <a:t> </a:t>
+            </a:r>
+            <a:r>
+              <a:rPr lang="ru-RU" sz="2000" b="0" i="1" u="none" strike="noStrike" baseline="0" dirty="0" err="1">
+                <a:solidFill>
+                  <a:schemeClr val="tx1">
+                    <a:lumMod val="95000"/>
+                  </a:schemeClr>
+                </a:solidFill>
+                <a:latin typeface="Times New Roman" panose="02020603050405020304" pitchFamily="18" charset="0"/>
+              </a:rPr>
+              <a:t>процеси</a:t>
+            </a:r>
+            <a:r>
+              <a:rPr lang="ru-RU" sz="2000" b="0" i="1" u="none" strike="noStrike" baseline="0" dirty="0">
+                <a:solidFill>
+                  <a:schemeClr val="tx1">
+                    <a:lumMod val="95000"/>
+                  </a:schemeClr>
+                </a:solidFill>
+                <a:latin typeface="Times New Roman" panose="02020603050405020304" pitchFamily="18" charset="0"/>
+              </a:rPr>
+              <a:t> </a:t>
+            </a:r>
+            <a:r>
+              <a:rPr lang="ru-RU" sz="2000" b="0" i="1" u="none" strike="noStrike" baseline="0" dirty="0" err="1">
+                <a:solidFill>
+                  <a:schemeClr val="tx1">
+                    <a:lumMod val="95000"/>
+                  </a:schemeClr>
+                </a:solidFill>
+                <a:latin typeface="Times New Roman" panose="02020603050405020304" pitchFamily="18" charset="0"/>
+              </a:rPr>
+              <a:t>позволява</a:t>
+            </a:r>
+            <a:r>
+              <a:rPr lang="ru-RU" sz="2000" b="0" i="1" u="none" strike="noStrike" baseline="0" dirty="0">
+                <a:solidFill>
+                  <a:schemeClr val="tx1">
+                    <a:lumMod val="95000"/>
+                  </a:schemeClr>
+                </a:solidFill>
+                <a:latin typeface="Times New Roman" panose="02020603050405020304" pitchFamily="18" charset="0"/>
+              </a:rPr>
+              <a:t> на </a:t>
+            </a:r>
+            <a:r>
+              <a:rPr lang="ru-RU" sz="2000" b="0" i="1" u="none" strike="noStrike" baseline="0" dirty="0" err="1">
+                <a:solidFill>
+                  <a:schemeClr val="tx1">
+                    <a:lumMod val="95000"/>
+                  </a:schemeClr>
+                </a:solidFill>
+                <a:latin typeface="Times New Roman" panose="02020603050405020304" pitchFamily="18" charset="0"/>
+              </a:rPr>
+              <a:t>инженерите</a:t>
+            </a:r>
+            <a:r>
+              <a:rPr lang="ru-RU" sz="2000" b="0" i="1" u="none" strike="noStrike" baseline="0" dirty="0">
+                <a:solidFill>
+                  <a:schemeClr val="tx1">
+                    <a:lumMod val="95000"/>
+                  </a:schemeClr>
+                </a:solidFill>
+                <a:latin typeface="Times New Roman" panose="02020603050405020304" pitchFamily="18" charset="0"/>
+              </a:rPr>
+              <a:t> да правят </a:t>
+            </a:r>
+            <a:r>
+              <a:rPr lang="ru-RU" sz="2000" b="0" i="1" u="none" strike="noStrike" baseline="0" dirty="0" err="1">
+                <a:solidFill>
+                  <a:schemeClr val="tx1">
+                    <a:lumMod val="95000"/>
+                  </a:schemeClr>
+                </a:solidFill>
+                <a:latin typeface="Times New Roman" panose="02020603050405020304" pitchFamily="18" charset="0"/>
+              </a:rPr>
+              <a:t>промени</a:t>
+            </a:r>
+            <a:r>
+              <a:rPr lang="ru-RU" sz="2000" b="0" i="1" u="none" strike="noStrike" baseline="0" dirty="0">
+                <a:solidFill>
+                  <a:schemeClr val="tx1">
+                    <a:lumMod val="95000"/>
+                  </a:schemeClr>
+                </a:solidFill>
+                <a:latin typeface="Times New Roman" panose="02020603050405020304" pitchFamily="18" charset="0"/>
+              </a:rPr>
+              <a:t>, с </a:t>
+            </a:r>
+            <a:r>
+              <a:rPr lang="ru-RU" sz="2000" b="0" i="1" u="none" strike="noStrike" baseline="0" dirty="0" err="1">
+                <a:solidFill>
+                  <a:schemeClr val="tx1">
+                    <a:lumMod val="95000"/>
+                  </a:schemeClr>
+                </a:solidFill>
+                <a:latin typeface="Times New Roman" panose="02020603050405020304" pitchFamily="18" charset="0"/>
+              </a:rPr>
+              <a:t>голямо</a:t>
+            </a:r>
+            <a:r>
+              <a:rPr lang="ru-RU" sz="2000" b="0" i="1" u="none" strike="noStrike" baseline="0" dirty="0">
+                <a:solidFill>
+                  <a:schemeClr val="tx1">
+                    <a:lumMod val="95000"/>
+                  </a:schemeClr>
+                </a:solidFill>
+                <a:latin typeface="Times New Roman" panose="02020603050405020304" pitchFamily="18" charset="0"/>
+              </a:rPr>
+              <a:t> </a:t>
+            </a:r>
+            <a:r>
+              <a:rPr lang="ru-RU" sz="2000" b="0" i="1" u="none" strike="noStrike" baseline="0" dirty="0" err="1">
+                <a:solidFill>
+                  <a:schemeClr val="tx1">
+                    <a:lumMod val="95000"/>
+                  </a:schemeClr>
+                </a:solidFill>
+                <a:latin typeface="Times New Roman" panose="02020603050405020304" pitchFamily="18" charset="0"/>
+              </a:rPr>
+              <a:t>въздействие</a:t>
+            </a:r>
+            <a:r>
+              <a:rPr lang="ru-RU" sz="2000" b="0" i="1" u="none" strike="noStrike" baseline="0" dirty="0">
+                <a:solidFill>
+                  <a:schemeClr val="tx1">
+                    <a:lumMod val="95000"/>
+                  </a:schemeClr>
+                </a:solidFill>
+                <a:latin typeface="Times New Roman" panose="02020603050405020304" pitchFamily="18" charset="0"/>
+              </a:rPr>
+              <a:t>, но с </a:t>
+            </a:r>
+            <a:r>
+              <a:rPr lang="ru-RU" sz="2000" b="0" i="1" u="none" strike="noStrike" baseline="0" dirty="0" err="1">
+                <a:solidFill>
+                  <a:schemeClr val="tx1">
+                    <a:lumMod val="95000"/>
+                  </a:schemeClr>
+                </a:solidFill>
+                <a:latin typeface="Times New Roman" panose="02020603050405020304" pitchFamily="18" charset="0"/>
+              </a:rPr>
+              <a:t>минимални</a:t>
+            </a:r>
+            <a:r>
+              <a:rPr lang="ru-RU" sz="2000" b="0" i="1" u="none" strike="noStrike" baseline="0" dirty="0">
+                <a:solidFill>
+                  <a:schemeClr val="tx1">
+                    <a:lumMod val="95000"/>
+                  </a:schemeClr>
+                </a:solidFill>
+                <a:latin typeface="Times New Roman" panose="02020603050405020304" pitchFamily="18" charset="0"/>
+              </a:rPr>
+              <a:t> усилия </a:t>
+            </a:r>
+            <a:endParaRPr lang="en-US" sz="2000" dirty="0">
+              <a:solidFill>
+                <a:schemeClr val="tx1">
+                  <a:lumMod val="95000"/>
+                </a:schemeClr>
+              </a:solidFill>
+            </a:endParaRPr>
+          </a:p>
+        </p:txBody>
+      </p:sp>
     </p:spTree>
     <p:extLst>
       <p:ext uri="{BB962C8B-B14F-4D97-AF65-F5344CB8AC3E}">

--- a/intro/lecture.pptx
+++ b/intro/lecture.pptx
@@ -180,7 +180,7 @@
           <a:noFill/>
           <a:extLst>
             <a:ext uri="{909E8E84-426E-40dd-AFC4-6F175D3DCCD1}">
-              <a14:hiddenFill xmlns="" xmlns:a14="http://schemas.microsoft.com/office/drawing/2010/main">
+              <a14:hiddenFill xmlns:a14="http://schemas.microsoft.com/office/drawing/2010/main" xmlns="">
                 <a:solidFill>
                   <a:srgbClr val="FFFFFF"/>
                 </a:solidFill>
@@ -240,7 +240,7 @@
             </a:ln>
             <a:extLst>
               <a:ext uri="{91240B29-F687-4f45-9708-019B960494DF}">
-                <a14:hiddenLine xmlns="" xmlns:a14="http://schemas.microsoft.com/office/drawing/2010/main" w="9525">
+                <a14:hiddenLine xmlns:a14="http://schemas.microsoft.com/office/drawing/2010/main" xmlns="" w="9525">
                   <a:solidFill>
                     <a:srgbClr val="000000"/>
                   </a:solidFill>
@@ -330,7 +330,7 @@
             </a:ln>
             <a:extLst>
               <a:ext uri="{91240B29-F687-4f45-9708-019B960494DF}">
-                <a14:hiddenLine xmlns="" xmlns:a14="http://schemas.microsoft.com/office/drawing/2010/main" w="9525">
+                <a14:hiddenLine xmlns:a14="http://schemas.microsoft.com/office/drawing/2010/main" xmlns="" w="9525">
                   <a:solidFill>
                     <a:srgbClr val="000000"/>
                   </a:solidFill>
@@ -420,7 +420,7 @@
             </a:ln>
             <a:extLst>
               <a:ext uri="{91240B29-F687-4f45-9708-019B960494DF}">
-                <a14:hiddenLine xmlns="" xmlns:a14="http://schemas.microsoft.com/office/drawing/2010/main" w="9525">
+                <a14:hiddenLine xmlns:a14="http://schemas.microsoft.com/office/drawing/2010/main" xmlns="" w="9525">
                   <a:solidFill>
                     <a:srgbClr val="000000"/>
                   </a:solidFill>
@@ -454,7 +454,7 @@
             </a:ln>
             <a:extLst>
               <a:ext uri="{91240B29-F687-4f45-9708-019B960494DF}">
-                <a14:hiddenLine xmlns="" xmlns:a14="http://schemas.microsoft.com/office/drawing/2010/main" w="9525">
+                <a14:hiddenLine xmlns:a14="http://schemas.microsoft.com/office/drawing/2010/main" xmlns="" w="9525">
                   <a:solidFill>
                     <a:srgbClr val="000000"/>
                   </a:solidFill>
@@ -544,7 +544,7 @@
             </a:ln>
             <a:extLst>
               <a:ext uri="{91240B29-F687-4f45-9708-019B960494DF}">
-                <a14:hiddenLine xmlns="" xmlns:a14="http://schemas.microsoft.com/office/drawing/2010/main" w="9525">
+                <a14:hiddenLine xmlns:a14="http://schemas.microsoft.com/office/drawing/2010/main" xmlns="" w="9525">
                   <a:solidFill>
                     <a:srgbClr val="000000"/>
                   </a:solidFill>
@@ -606,7 +606,7 @@
             </a:ln>
             <a:extLst>
               <a:ext uri="{91240B29-F687-4f45-9708-019B960494DF}">
-                <a14:hiddenLine xmlns="" xmlns:a14="http://schemas.microsoft.com/office/drawing/2010/main" w="9525">
+                <a14:hiddenLine xmlns:a14="http://schemas.microsoft.com/office/drawing/2010/main" xmlns="" w="9525">
                   <a:solidFill>
                     <a:srgbClr val="000000"/>
                   </a:solidFill>
@@ -668,7 +668,7 @@
             </a:ln>
             <a:extLst>
               <a:ext uri="{91240B29-F687-4f45-9708-019B960494DF}">
-                <a14:hiddenLine xmlns="" xmlns:a14="http://schemas.microsoft.com/office/drawing/2010/main" w="9525">
+                <a14:hiddenLine xmlns:a14="http://schemas.microsoft.com/office/drawing/2010/main" xmlns="" w="9525">
                   <a:solidFill>
                     <a:srgbClr val="000000"/>
                   </a:solidFill>
@@ -758,7 +758,7 @@
             </a:ln>
             <a:extLst>
               <a:ext uri="{91240B29-F687-4f45-9708-019B960494DF}">
-                <a14:hiddenLine xmlns="" xmlns:a14="http://schemas.microsoft.com/office/drawing/2010/main" w="9525">
+                <a14:hiddenLine xmlns:a14="http://schemas.microsoft.com/office/drawing/2010/main" xmlns="" w="9525">
                   <a:solidFill>
                     <a:srgbClr val="000000"/>
                   </a:solidFill>
@@ -820,7 +820,7 @@
             </a:ln>
             <a:extLst>
               <a:ext uri="{91240B29-F687-4f45-9708-019B960494DF}">
-                <a14:hiddenLine xmlns="" xmlns:a14="http://schemas.microsoft.com/office/drawing/2010/main" w="9525">
+                <a14:hiddenLine xmlns:a14="http://schemas.microsoft.com/office/drawing/2010/main" xmlns="" w="9525">
                   <a:solidFill>
                     <a:srgbClr val="000000"/>
                   </a:solidFill>
@@ -882,7 +882,7 @@
             </a:ln>
             <a:extLst>
               <a:ext uri="{91240B29-F687-4f45-9708-019B960494DF}">
-                <a14:hiddenLine xmlns="" xmlns:a14="http://schemas.microsoft.com/office/drawing/2010/main" w="9525">
+                <a14:hiddenLine xmlns:a14="http://schemas.microsoft.com/office/drawing/2010/main" xmlns="" w="9525">
                   <a:solidFill>
                     <a:srgbClr val="000000"/>
                   </a:solidFill>
@@ -972,7 +972,7 @@
             </a:ln>
             <a:extLst>
               <a:ext uri="{91240B29-F687-4f45-9708-019B960494DF}">
-                <a14:hiddenLine xmlns="" xmlns:a14="http://schemas.microsoft.com/office/drawing/2010/main" w="9525">
+                <a14:hiddenLine xmlns:a14="http://schemas.microsoft.com/office/drawing/2010/main" xmlns="" w="9525">
                   <a:solidFill>
                     <a:srgbClr val="000000"/>
                   </a:solidFill>
@@ -1062,7 +1062,7 @@
             </a:ln>
             <a:extLst>
               <a:ext uri="{91240B29-F687-4f45-9708-019B960494DF}">
-                <a14:hiddenLine xmlns="" xmlns:a14="http://schemas.microsoft.com/office/drawing/2010/main" w="9525">
+                <a14:hiddenLine xmlns:a14="http://schemas.microsoft.com/office/drawing/2010/main" xmlns="" w="9525">
                   <a:solidFill>
                     <a:srgbClr val="000000"/>
                   </a:solidFill>
@@ -1124,7 +1124,7 @@
             </a:ln>
             <a:extLst>
               <a:ext uri="{91240B29-F687-4f45-9708-019B960494DF}">
-                <a14:hiddenLine xmlns="" xmlns:a14="http://schemas.microsoft.com/office/drawing/2010/main" w="9525">
+                <a14:hiddenLine xmlns:a14="http://schemas.microsoft.com/office/drawing/2010/main" xmlns="" w="9525">
                   <a:solidFill>
                     <a:srgbClr val="000000"/>
                   </a:solidFill>
@@ -1234,7 +1234,7 @@
             </a:ln>
             <a:extLst>
               <a:ext uri="{91240B29-F687-4f45-9708-019B960494DF}">
-                <a14:hiddenLine xmlns="" xmlns:a14="http://schemas.microsoft.com/office/drawing/2010/main" w="9525">
+                <a14:hiddenLine xmlns:a14="http://schemas.microsoft.com/office/drawing/2010/main" xmlns="" w="9525">
                   <a:solidFill>
                     <a:srgbClr val="000000"/>
                   </a:solidFill>
@@ -1296,7 +1296,7 @@
             </a:ln>
             <a:extLst>
               <a:ext uri="{91240B29-F687-4f45-9708-019B960494DF}">
-                <a14:hiddenLine xmlns="" xmlns:a14="http://schemas.microsoft.com/office/drawing/2010/main" w="9525">
+                <a14:hiddenLine xmlns:a14="http://schemas.microsoft.com/office/drawing/2010/main" xmlns="" w="9525">
                   <a:solidFill>
                     <a:srgbClr val="000000"/>
                   </a:solidFill>
@@ -1386,7 +1386,7 @@
             </a:ln>
             <a:extLst>
               <a:ext uri="{91240B29-F687-4f45-9708-019B960494DF}">
-                <a14:hiddenLine xmlns="" xmlns:a14="http://schemas.microsoft.com/office/drawing/2010/main" w="9525">
+                <a14:hiddenLine xmlns:a14="http://schemas.microsoft.com/office/drawing/2010/main" xmlns="" w="9525">
                   <a:solidFill>
                     <a:srgbClr val="000000"/>
                   </a:solidFill>
@@ -1476,7 +1476,7 @@
             </a:ln>
             <a:extLst>
               <a:ext uri="{91240B29-F687-4f45-9708-019B960494DF}">
-                <a14:hiddenLine xmlns="" xmlns:a14="http://schemas.microsoft.com/office/drawing/2010/main" w="9525">
+                <a14:hiddenLine xmlns:a14="http://schemas.microsoft.com/office/drawing/2010/main" xmlns="" w="9525">
                   <a:solidFill>
                     <a:srgbClr val="000000"/>
                   </a:solidFill>
@@ -1538,7 +1538,7 @@
             </a:ln>
             <a:extLst>
               <a:ext uri="{91240B29-F687-4f45-9708-019B960494DF}">
-                <a14:hiddenLine xmlns="" xmlns:a14="http://schemas.microsoft.com/office/drawing/2010/main" w="9525">
+                <a14:hiddenLine xmlns:a14="http://schemas.microsoft.com/office/drawing/2010/main" xmlns="" w="9525">
                   <a:solidFill>
                     <a:srgbClr val="000000"/>
                   </a:solidFill>
@@ -1628,7 +1628,7 @@
             </a:ln>
             <a:extLst>
               <a:ext uri="{91240B29-F687-4f45-9708-019B960494DF}">
-                <a14:hiddenLine xmlns="" xmlns:a14="http://schemas.microsoft.com/office/drawing/2010/main" w="9525">
+                <a14:hiddenLine xmlns:a14="http://schemas.microsoft.com/office/drawing/2010/main" xmlns="" w="9525">
                   <a:solidFill>
                     <a:srgbClr val="000000"/>
                   </a:solidFill>
@@ -1718,7 +1718,7 @@
             </a:ln>
             <a:extLst>
               <a:ext uri="{91240B29-F687-4f45-9708-019B960494DF}">
-                <a14:hiddenLine xmlns="" xmlns:a14="http://schemas.microsoft.com/office/drawing/2010/main" w="9525">
+                <a14:hiddenLine xmlns:a14="http://schemas.microsoft.com/office/drawing/2010/main" xmlns="" w="9525">
                   <a:solidFill>
                     <a:srgbClr val="000000"/>
                   </a:solidFill>
@@ -1774,7 +1774,7 @@
             </a:ln>
             <a:extLst>
               <a:ext uri="{91240B29-F687-4f45-9708-019B960494DF}">
-                <a14:hiddenLine xmlns="" xmlns:a14="http://schemas.microsoft.com/office/drawing/2010/main" w="9525">
+                <a14:hiddenLine xmlns:a14="http://schemas.microsoft.com/office/drawing/2010/main" xmlns="" w="9525">
                   <a:solidFill>
                     <a:srgbClr val="000000"/>
                   </a:solidFill>
@@ -1864,7 +1864,7 @@
             </a:ln>
             <a:extLst>
               <a:ext uri="{91240B29-F687-4f45-9708-019B960494DF}">
-                <a14:hiddenLine xmlns="" xmlns:a14="http://schemas.microsoft.com/office/drawing/2010/main" w="9525">
+                <a14:hiddenLine xmlns:a14="http://schemas.microsoft.com/office/drawing/2010/main" xmlns="" w="9525">
                   <a:solidFill>
                     <a:srgbClr val="000000"/>
                   </a:solidFill>
@@ -1920,7 +1920,7 @@
             </a:ln>
             <a:extLst>
               <a:ext uri="{91240B29-F687-4f45-9708-019B960494DF}">
-                <a14:hiddenLine xmlns="" xmlns:a14="http://schemas.microsoft.com/office/drawing/2010/main" w="9525">
+                <a14:hiddenLine xmlns:a14="http://schemas.microsoft.com/office/drawing/2010/main" xmlns="" w="9525">
                   <a:solidFill>
                     <a:srgbClr val="000000"/>
                   </a:solidFill>
@@ -2010,7 +2010,7 @@
             </a:ln>
             <a:extLst>
               <a:ext uri="{91240B29-F687-4f45-9708-019B960494DF}">
-                <a14:hiddenLine xmlns="" xmlns:a14="http://schemas.microsoft.com/office/drawing/2010/main" w="9525">
+                <a14:hiddenLine xmlns:a14="http://schemas.microsoft.com/office/drawing/2010/main" xmlns="" w="9525">
                   <a:solidFill>
                     <a:srgbClr val="000000"/>
                   </a:solidFill>
@@ -2078,7 +2078,7 @@
             </a:ln>
             <a:extLst>
               <a:ext uri="{91240B29-F687-4f45-9708-019B960494DF}">
-                <a14:hiddenLine xmlns="" xmlns:a14="http://schemas.microsoft.com/office/drawing/2010/main" w="9525">
+                <a14:hiddenLine xmlns:a14="http://schemas.microsoft.com/office/drawing/2010/main" xmlns="" w="9525">
                   <a:solidFill>
                     <a:srgbClr val="000000"/>
                   </a:solidFill>
@@ -2168,7 +2168,7 @@
             </a:ln>
             <a:extLst>
               <a:ext uri="{91240B29-F687-4f45-9708-019B960494DF}">
-                <a14:hiddenLine xmlns="" xmlns:a14="http://schemas.microsoft.com/office/drawing/2010/main" w="9525">
+                <a14:hiddenLine xmlns:a14="http://schemas.microsoft.com/office/drawing/2010/main" xmlns="" w="9525">
                   <a:solidFill>
                     <a:srgbClr val="000000"/>
                   </a:solidFill>
@@ -2236,7 +2236,7 @@
             </a:ln>
             <a:extLst>
               <a:ext uri="{91240B29-F687-4f45-9708-019B960494DF}">
-                <a14:hiddenLine xmlns="" xmlns:a14="http://schemas.microsoft.com/office/drawing/2010/main" w="9525">
+                <a14:hiddenLine xmlns:a14="http://schemas.microsoft.com/office/drawing/2010/main" xmlns="" w="9525">
                   <a:solidFill>
                     <a:srgbClr val="000000"/>
                   </a:solidFill>
@@ -2326,7 +2326,7 @@
             </a:ln>
             <a:extLst>
               <a:ext uri="{91240B29-F687-4f45-9708-019B960494DF}">
-                <a14:hiddenLine xmlns="" xmlns:a14="http://schemas.microsoft.com/office/drawing/2010/main" w="9525">
+                <a14:hiddenLine xmlns:a14="http://schemas.microsoft.com/office/drawing/2010/main" xmlns="" w="9525">
                   <a:solidFill>
                     <a:srgbClr val="000000"/>
                   </a:solidFill>
@@ -2360,7 +2360,7 @@
             </a:ln>
             <a:extLst>
               <a:ext uri="{91240B29-F687-4f45-9708-019B960494DF}">
-                <a14:hiddenLine xmlns="" xmlns:a14="http://schemas.microsoft.com/office/drawing/2010/main" w="9525">
+                <a14:hiddenLine xmlns:a14="http://schemas.microsoft.com/office/drawing/2010/main" xmlns="" w="9525">
                   <a:solidFill>
                     <a:srgbClr val="000000"/>
                   </a:solidFill>
@@ -2450,7 +2450,7 @@
             </a:ln>
             <a:extLst>
               <a:ext uri="{91240B29-F687-4f45-9708-019B960494DF}">
-                <a14:hiddenLine xmlns="" xmlns:a14="http://schemas.microsoft.com/office/drawing/2010/main" w="9525">
+                <a14:hiddenLine xmlns:a14="http://schemas.microsoft.com/office/drawing/2010/main" xmlns="" w="9525">
                   <a:solidFill>
                     <a:srgbClr val="000000"/>
                   </a:solidFill>
@@ -2512,7 +2512,7 @@
             </a:ln>
             <a:extLst>
               <a:ext uri="{91240B29-F687-4f45-9708-019B960494DF}">
-                <a14:hiddenLine xmlns="" xmlns:a14="http://schemas.microsoft.com/office/drawing/2010/main" w="9525">
+                <a14:hiddenLine xmlns:a14="http://schemas.microsoft.com/office/drawing/2010/main" xmlns="" w="9525">
                   <a:solidFill>
                     <a:srgbClr val="000000"/>
                   </a:solidFill>
@@ -2574,7 +2574,7 @@
             </a:ln>
             <a:extLst>
               <a:ext uri="{91240B29-F687-4f45-9708-019B960494DF}">
-                <a14:hiddenLine xmlns="" xmlns:a14="http://schemas.microsoft.com/office/drawing/2010/main" w="9525">
+                <a14:hiddenLine xmlns:a14="http://schemas.microsoft.com/office/drawing/2010/main" xmlns="" w="9525">
                   <a:solidFill>
                     <a:srgbClr val="000000"/>
                   </a:solidFill>
@@ -2664,7 +2664,7 @@
             </a:ln>
             <a:extLst>
               <a:ext uri="{91240B29-F687-4f45-9708-019B960494DF}">
-                <a14:hiddenLine xmlns="" xmlns:a14="http://schemas.microsoft.com/office/drawing/2010/main" w="9525">
+                <a14:hiddenLine xmlns:a14="http://schemas.microsoft.com/office/drawing/2010/main" xmlns="" w="9525">
                   <a:solidFill>
                     <a:srgbClr val="000000"/>
                   </a:solidFill>
@@ -2732,7 +2732,7 @@
             </a:ln>
             <a:extLst>
               <a:ext uri="{91240B29-F687-4f45-9708-019B960494DF}">
-                <a14:hiddenLine xmlns="" xmlns:a14="http://schemas.microsoft.com/office/drawing/2010/main" w="9525">
+                <a14:hiddenLine xmlns:a14="http://schemas.microsoft.com/office/drawing/2010/main" xmlns="" w="9525">
                   <a:solidFill>
                     <a:srgbClr val="000000"/>
                   </a:solidFill>
@@ -2794,7 +2794,7 @@
             </a:ln>
             <a:extLst>
               <a:ext uri="{91240B29-F687-4f45-9708-019B960494DF}">
-                <a14:hiddenLine xmlns="" xmlns:a14="http://schemas.microsoft.com/office/drawing/2010/main" w="9525">
+                <a14:hiddenLine xmlns:a14="http://schemas.microsoft.com/office/drawing/2010/main" xmlns="" w="9525">
                   <a:solidFill>
                     <a:srgbClr val="000000"/>
                   </a:solidFill>
@@ -2884,7 +2884,7 @@
             </a:ln>
             <a:extLst>
               <a:ext uri="{91240B29-F687-4f45-9708-019B960494DF}">
-                <a14:hiddenLine xmlns="" xmlns:a14="http://schemas.microsoft.com/office/drawing/2010/main" w="9525">
+                <a14:hiddenLine xmlns:a14="http://schemas.microsoft.com/office/drawing/2010/main" xmlns="" w="9525">
                   <a:solidFill>
                     <a:srgbClr val="000000"/>
                   </a:solidFill>
@@ -2946,7 +2946,7 @@
             </a:ln>
             <a:extLst>
               <a:ext uri="{91240B29-F687-4f45-9708-019B960494DF}">
-                <a14:hiddenLine xmlns="" xmlns:a14="http://schemas.microsoft.com/office/drawing/2010/main" w="9525">
+                <a14:hiddenLine xmlns:a14="http://schemas.microsoft.com/office/drawing/2010/main" xmlns="" w="9525">
                   <a:solidFill>
                     <a:srgbClr val="000000"/>
                   </a:solidFill>
@@ -3036,7 +3036,7 @@
             </a:ln>
             <a:extLst>
               <a:ext uri="{91240B29-F687-4f45-9708-019B960494DF}">
-                <a14:hiddenLine xmlns="" xmlns:a14="http://schemas.microsoft.com/office/drawing/2010/main" w="9525">
+                <a14:hiddenLine xmlns:a14="http://schemas.microsoft.com/office/drawing/2010/main" xmlns="" w="9525">
                   <a:solidFill>
                     <a:srgbClr val="000000"/>
                   </a:solidFill>
@@ -3098,7 +3098,7 @@
             </a:ln>
             <a:extLst>
               <a:ext uri="{91240B29-F687-4f45-9708-019B960494DF}">
-                <a14:hiddenLine xmlns="" xmlns:a14="http://schemas.microsoft.com/office/drawing/2010/main" w="9525">
+                <a14:hiddenLine xmlns:a14="http://schemas.microsoft.com/office/drawing/2010/main" xmlns="" w="9525">
                   <a:solidFill>
                     <a:srgbClr val="000000"/>
                   </a:solidFill>
@@ -3188,7 +3188,7 @@
             </a:ln>
             <a:extLst>
               <a:ext uri="{91240B29-F687-4f45-9708-019B960494DF}">
-                <a14:hiddenLine xmlns="" xmlns:a14="http://schemas.microsoft.com/office/drawing/2010/main" w="9525">
+                <a14:hiddenLine xmlns:a14="http://schemas.microsoft.com/office/drawing/2010/main" xmlns="" w="9525">
                   <a:solidFill>
                     <a:srgbClr val="000000"/>
                   </a:solidFill>
@@ -3222,7 +3222,7 @@
             </a:ln>
             <a:extLst>
               <a:ext uri="{91240B29-F687-4f45-9708-019B960494DF}">
-                <a14:hiddenLine xmlns="" xmlns:a14="http://schemas.microsoft.com/office/drawing/2010/main" w="9525">
+                <a14:hiddenLine xmlns:a14="http://schemas.microsoft.com/office/drawing/2010/main" xmlns="" w="9525">
                   <a:solidFill>
                     <a:srgbClr val="000000"/>
                   </a:solidFill>
@@ -3287,7 +3287,7 @@
             </a:ln>
             <a:extLst>
               <a:ext uri="{91240B29-F687-4f45-9708-019B960494DF}">
-                <a14:hiddenLine xmlns="" xmlns:a14="http://schemas.microsoft.com/office/drawing/2010/main" w="9525">
+                <a14:hiddenLine xmlns:a14="http://schemas.microsoft.com/office/drawing/2010/main" xmlns="" w="9525">
                   <a:solidFill>
                     <a:srgbClr val="000000"/>
                   </a:solidFill>
@@ -3377,7 +3377,7 @@
             </a:ln>
             <a:extLst>
               <a:ext uri="{91240B29-F687-4f45-9708-019B960494DF}">
-                <a14:hiddenLine xmlns="" xmlns:a14="http://schemas.microsoft.com/office/drawing/2010/main" w="9525">
+                <a14:hiddenLine xmlns:a14="http://schemas.microsoft.com/office/drawing/2010/main" xmlns="" w="9525">
                   <a:solidFill>
                     <a:srgbClr val="000000"/>
                   </a:solidFill>
@@ -3439,7 +3439,7 @@
             </a:ln>
             <a:extLst>
               <a:ext uri="{91240B29-F687-4f45-9708-019B960494DF}">
-                <a14:hiddenLine xmlns="" xmlns:a14="http://schemas.microsoft.com/office/drawing/2010/main" w="9525">
+                <a14:hiddenLine xmlns:a14="http://schemas.microsoft.com/office/drawing/2010/main" xmlns="" w="9525">
                   <a:solidFill>
                     <a:srgbClr val="000000"/>
                   </a:solidFill>
@@ -3529,7 +3529,7 @@
             </a:ln>
             <a:extLst>
               <a:ext uri="{91240B29-F687-4f45-9708-019B960494DF}">
-                <a14:hiddenLine xmlns="" xmlns:a14="http://schemas.microsoft.com/office/drawing/2010/main" w="9525">
+                <a14:hiddenLine xmlns:a14="http://schemas.microsoft.com/office/drawing/2010/main" xmlns="" w="9525">
                   <a:solidFill>
                     <a:srgbClr val="000000"/>
                   </a:solidFill>
@@ -3619,7 +3619,7 @@
             </a:ln>
             <a:extLst>
               <a:ext uri="{91240B29-F687-4f45-9708-019B960494DF}">
-                <a14:hiddenLine xmlns="" xmlns:a14="http://schemas.microsoft.com/office/drawing/2010/main" w="9525">
+                <a14:hiddenLine xmlns:a14="http://schemas.microsoft.com/office/drawing/2010/main" xmlns="" w="9525">
                   <a:solidFill>
                     <a:srgbClr val="000000"/>
                   </a:solidFill>
@@ -3684,7 +3684,7 @@
             </a:ln>
             <a:extLst>
               <a:ext uri="{91240B29-F687-4f45-9708-019B960494DF}">
-                <a14:hiddenLine xmlns="" xmlns:a14="http://schemas.microsoft.com/office/drawing/2010/main" w="9525">
+                <a14:hiddenLine xmlns:a14="http://schemas.microsoft.com/office/drawing/2010/main" xmlns="" w="9525">
                   <a:solidFill>
                     <a:srgbClr val="000000"/>
                   </a:solidFill>
@@ -3746,7 +3746,7 @@
             </a:ln>
             <a:extLst>
               <a:ext uri="{91240B29-F687-4f45-9708-019B960494DF}">
-                <a14:hiddenLine xmlns="" xmlns:a14="http://schemas.microsoft.com/office/drawing/2010/main" w="9525">
+                <a14:hiddenLine xmlns:a14="http://schemas.microsoft.com/office/drawing/2010/main" xmlns="" w="9525">
                   <a:solidFill>
                     <a:srgbClr val="000000"/>
                   </a:solidFill>
@@ -3836,7 +3836,7 @@
             </a:ln>
             <a:extLst>
               <a:ext uri="{91240B29-F687-4f45-9708-019B960494DF}">
-                <a14:hiddenLine xmlns="" xmlns:a14="http://schemas.microsoft.com/office/drawing/2010/main" w="9525">
+                <a14:hiddenLine xmlns:a14="http://schemas.microsoft.com/office/drawing/2010/main" xmlns="" w="9525">
                   <a:solidFill>
                     <a:srgbClr val="000000"/>
                   </a:solidFill>
@@ -3926,7 +3926,7 @@
             </a:ln>
             <a:extLst>
               <a:ext uri="{91240B29-F687-4f45-9708-019B960494DF}">
-                <a14:hiddenLine xmlns="" xmlns:a14="http://schemas.microsoft.com/office/drawing/2010/main" w="9525">
+                <a14:hiddenLine xmlns:a14="http://schemas.microsoft.com/office/drawing/2010/main" xmlns="" w="9525">
                   <a:solidFill>
                     <a:srgbClr val="000000"/>
                   </a:solidFill>
@@ -3988,7 +3988,7 @@
             </a:ln>
             <a:extLst>
               <a:ext uri="{91240B29-F687-4f45-9708-019B960494DF}">
-                <a14:hiddenLine xmlns="" xmlns:a14="http://schemas.microsoft.com/office/drawing/2010/main" w="9525">
+                <a14:hiddenLine xmlns:a14="http://schemas.microsoft.com/office/drawing/2010/main" xmlns="" w="9525">
                   <a:solidFill>
                     <a:srgbClr val="000000"/>
                   </a:solidFill>
@@ -4108,7 +4108,7 @@
             </a:ln>
             <a:extLst>
               <a:ext uri="{91240B29-F687-4f45-9708-019B960494DF}">
-                <a14:hiddenLine xmlns="" xmlns:a14="http://schemas.microsoft.com/office/drawing/2010/main" w="9525">
+                <a14:hiddenLine xmlns:a14="http://schemas.microsoft.com/office/drawing/2010/main" xmlns="" w="9525">
                   <a:solidFill>
                     <a:srgbClr val="000000"/>
                   </a:solidFill>
@@ -4176,7 +4176,7 @@
             </a:ln>
             <a:extLst>
               <a:ext uri="{91240B29-F687-4f45-9708-019B960494DF}">
-                <a14:hiddenLine xmlns="" xmlns:a14="http://schemas.microsoft.com/office/drawing/2010/main" w="9525">
+                <a14:hiddenLine xmlns:a14="http://schemas.microsoft.com/office/drawing/2010/main" xmlns="" w="9525">
                   <a:solidFill>
                     <a:srgbClr val="000000"/>
                   </a:solidFill>
@@ -4266,7 +4266,7 @@
             </a:ln>
             <a:extLst>
               <a:ext uri="{91240B29-F687-4f45-9708-019B960494DF}">
-                <a14:hiddenLine xmlns="" xmlns:a14="http://schemas.microsoft.com/office/drawing/2010/main" w="9525">
+                <a14:hiddenLine xmlns:a14="http://schemas.microsoft.com/office/drawing/2010/main" xmlns="" w="9525">
                   <a:solidFill>
                     <a:srgbClr val="000000"/>
                   </a:solidFill>
@@ -9073,7 +9073,7 @@
           <a:noFill/>
           <a:extLst>
             <a:ext uri="{909E8E84-426E-40dd-AFC4-6F175D3DCCD1}">
-              <a14:hiddenFill xmlns="" xmlns:a14="http://schemas.microsoft.com/office/drawing/2010/main">
+              <a14:hiddenFill xmlns:a14="http://schemas.microsoft.com/office/drawing/2010/main" xmlns="">
                 <a:solidFill>
                   <a:srgbClr val="FFFFFF"/>
                 </a:solidFill>
@@ -9147,7 +9147,7 @@
               </a:ln>
               <a:extLst>
                 <a:ext uri="{91240B29-F687-4f45-9708-019B960494DF}">
-                  <a14:hiddenLine xmlns="" xmlns:a14="http://schemas.microsoft.com/office/drawing/2010/main" w="9525">
+                  <a14:hiddenLine xmlns:a14="http://schemas.microsoft.com/office/drawing/2010/main" xmlns="" w="9525">
                     <a:solidFill>
                       <a:srgbClr val="000000"/>
                     </a:solidFill>
@@ -9237,7 +9237,7 @@
               </a:ln>
               <a:extLst>
                 <a:ext uri="{91240B29-F687-4f45-9708-019B960494DF}">
-                  <a14:hiddenLine xmlns="" xmlns:a14="http://schemas.microsoft.com/office/drawing/2010/main" w="9525">
+                  <a14:hiddenLine xmlns:a14="http://schemas.microsoft.com/office/drawing/2010/main" xmlns="" w="9525">
                     <a:solidFill>
                       <a:srgbClr val="000000"/>
                     </a:solidFill>
@@ -9327,7 +9327,7 @@
               </a:ln>
               <a:extLst>
                 <a:ext uri="{91240B29-F687-4f45-9708-019B960494DF}">
-                  <a14:hiddenLine xmlns="" xmlns:a14="http://schemas.microsoft.com/office/drawing/2010/main" w="9525">
+                  <a14:hiddenLine xmlns:a14="http://schemas.microsoft.com/office/drawing/2010/main" xmlns="" w="9525">
                     <a:solidFill>
                       <a:srgbClr val="000000"/>
                     </a:solidFill>
@@ -9389,7 +9389,7 @@
               </a:ln>
               <a:extLst>
                 <a:ext uri="{91240B29-F687-4f45-9708-019B960494DF}">
-                  <a14:hiddenLine xmlns="" xmlns:a14="http://schemas.microsoft.com/office/drawing/2010/main" w="9525">
+                  <a14:hiddenLine xmlns:a14="http://schemas.microsoft.com/office/drawing/2010/main" xmlns="" w="9525">
                     <a:solidFill>
                       <a:srgbClr val="000000"/>
                     </a:solidFill>
@@ -9479,7 +9479,7 @@
               </a:ln>
               <a:extLst>
                 <a:ext uri="{91240B29-F687-4f45-9708-019B960494DF}">
-                  <a14:hiddenLine xmlns="" xmlns:a14="http://schemas.microsoft.com/office/drawing/2010/main" w="9525">
+                  <a14:hiddenLine xmlns:a14="http://schemas.microsoft.com/office/drawing/2010/main" xmlns="" w="9525">
                     <a:solidFill>
                       <a:srgbClr val="000000"/>
                     </a:solidFill>
@@ -9541,7 +9541,7 @@
               </a:ln>
               <a:extLst>
                 <a:ext uri="{91240B29-F687-4f45-9708-019B960494DF}">
-                  <a14:hiddenLine xmlns="" xmlns:a14="http://schemas.microsoft.com/office/drawing/2010/main" w="9525">
+                  <a14:hiddenLine xmlns:a14="http://schemas.microsoft.com/office/drawing/2010/main" xmlns="" w="9525">
                     <a:solidFill>
                       <a:srgbClr val="000000"/>
                     </a:solidFill>
@@ -9603,7 +9603,7 @@
               </a:ln>
               <a:extLst>
                 <a:ext uri="{91240B29-F687-4f45-9708-019B960494DF}">
-                  <a14:hiddenLine xmlns="" xmlns:a14="http://schemas.microsoft.com/office/drawing/2010/main" w="9525">
+                  <a14:hiddenLine xmlns:a14="http://schemas.microsoft.com/office/drawing/2010/main" xmlns="" w="9525">
                     <a:solidFill>
                       <a:srgbClr val="000000"/>
                     </a:solidFill>
@@ -9693,7 +9693,7 @@
               </a:ln>
               <a:extLst>
                 <a:ext uri="{91240B29-F687-4f45-9708-019B960494DF}">
-                  <a14:hiddenLine xmlns="" xmlns:a14="http://schemas.microsoft.com/office/drawing/2010/main" w="9525">
+                  <a14:hiddenLine xmlns:a14="http://schemas.microsoft.com/office/drawing/2010/main" xmlns="" w="9525">
                     <a:solidFill>
                       <a:srgbClr val="000000"/>
                     </a:solidFill>
@@ -9783,7 +9783,7 @@
               </a:ln>
               <a:extLst>
                 <a:ext uri="{91240B29-F687-4f45-9708-019B960494DF}">
-                  <a14:hiddenLine xmlns="" xmlns:a14="http://schemas.microsoft.com/office/drawing/2010/main" w="9525">
+                  <a14:hiddenLine xmlns:a14="http://schemas.microsoft.com/office/drawing/2010/main" xmlns="" w="9525">
                     <a:solidFill>
                       <a:srgbClr val="000000"/>
                     </a:solidFill>
@@ -9845,7 +9845,7 @@
               </a:ln>
               <a:extLst>
                 <a:ext uri="{91240B29-F687-4f45-9708-019B960494DF}">
-                  <a14:hiddenLine xmlns="" xmlns:a14="http://schemas.microsoft.com/office/drawing/2010/main" w="9525">
+                  <a14:hiddenLine xmlns:a14="http://schemas.microsoft.com/office/drawing/2010/main" xmlns="" w="9525">
                     <a:solidFill>
                       <a:srgbClr val="000000"/>
                     </a:solidFill>
@@ -9955,7 +9955,7 @@
               </a:ln>
               <a:extLst>
                 <a:ext uri="{91240B29-F687-4f45-9708-019B960494DF}">
-                  <a14:hiddenLine xmlns="" xmlns:a14="http://schemas.microsoft.com/office/drawing/2010/main" w="9525">
+                  <a14:hiddenLine xmlns:a14="http://schemas.microsoft.com/office/drawing/2010/main" xmlns="" w="9525">
                     <a:solidFill>
                       <a:srgbClr val="000000"/>
                     </a:solidFill>
@@ -10039,7 +10039,7 @@
               </a:ln>
               <a:extLst>
                 <a:ext uri="{91240B29-F687-4f45-9708-019B960494DF}">
-                  <a14:hiddenLine xmlns="" xmlns:a14="http://schemas.microsoft.com/office/drawing/2010/main" w="9525">
+                  <a14:hiddenLine xmlns:a14="http://schemas.microsoft.com/office/drawing/2010/main" xmlns="" w="9525">
                     <a:solidFill>
                       <a:srgbClr val="000000"/>
                     </a:solidFill>
@@ -10101,7 +10101,7 @@
               </a:ln>
               <a:extLst>
                 <a:ext uri="{91240B29-F687-4f45-9708-019B960494DF}">
-                  <a14:hiddenLine xmlns="" xmlns:a14="http://schemas.microsoft.com/office/drawing/2010/main" w="9525">
+                  <a14:hiddenLine xmlns:a14="http://schemas.microsoft.com/office/drawing/2010/main" xmlns="" w="9525">
                     <a:solidFill>
                       <a:srgbClr val="000000"/>
                     </a:solidFill>
@@ -10163,7 +10163,7 @@
               </a:ln>
               <a:extLst>
                 <a:ext uri="{91240B29-F687-4f45-9708-019B960494DF}">
-                  <a14:hiddenLine xmlns="" xmlns:a14="http://schemas.microsoft.com/office/drawing/2010/main" w="9525">
+                  <a14:hiddenLine xmlns:a14="http://schemas.microsoft.com/office/drawing/2010/main" xmlns="" w="9525">
                     <a:solidFill>
                       <a:srgbClr val="000000"/>
                     </a:solidFill>
@@ -10253,7 +10253,7 @@
               </a:ln>
               <a:extLst>
                 <a:ext uri="{91240B29-F687-4f45-9708-019B960494DF}">
-                  <a14:hiddenLine xmlns="" xmlns:a14="http://schemas.microsoft.com/office/drawing/2010/main" w="9525">
+                  <a14:hiddenLine xmlns:a14="http://schemas.microsoft.com/office/drawing/2010/main" xmlns="" w="9525">
                     <a:solidFill>
                       <a:srgbClr val="000000"/>
                     </a:solidFill>
@@ -10287,7 +10287,7 @@
               </a:ln>
               <a:extLst>
                 <a:ext uri="{91240B29-F687-4f45-9708-019B960494DF}">
-                  <a14:hiddenLine xmlns="" xmlns:a14="http://schemas.microsoft.com/office/drawing/2010/main" w="9525">
+                  <a14:hiddenLine xmlns:a14="http://schemas.microsoft.com/office/drawing/2010/main" xmlns="" w="9525">
                     <a:solidFill>
                       <a:srgbClr val="000000"/>
                     </a:solidFill>
@@ -10352,7 +10352,7 @@
               </a:ln>
               <a:extLst>
                 <a:ext uri="{91240B29-F687-4f45-9708-019B960494DF}">
-                  <a14:hiddenLine xmlns="" xmlns:a14="http://schemas.microsoft.com/office/drawing/2010/main" w="9525">
+                  <a14:hiddenLine xmlns:a14="http://schemas.microsoft.com/office/drawing/2010/main" xmlns="" w="9525">
                     <a:solidFill>
                       <a:srgbClr val="000000"/>
                     </a:solidFill>
@@ -10442,7 +10442,7 @@
               </a:ln>
               <a:extLst>
                 <a:ext uri="{91240B29-F687-4f45-9708-019B960494DF}">
-                  <a14:hiddenLine xmlns="" xmlns:a14="http://schemas.microsoft.com/office/drawing/2010/main" w="9525">
+                  <a14:hiddenLine xmlns:a14="http://schemas.microsoft.com/office/drawing/2010/main" xmlns="" w="9525">
                     <a:solidFill>
                       <a:srgbClr val="000000"/>
                     </a:solidFill>
@@ -10504,7 +10504,7 @@
               </a:ln>
               <a:extLst>
                 <a:ext uri="{91240B29-F687-4f45-9708-019B960494DF}">
-                  <a14:hiddenLine xmlns="" xmlns:a14="http://schemas.microsoft.com/office/drawing/2010/main" w="9525">
+                  <a14:hiddenLine xmlns:a14="http://schemas.microsoft.com/office/drawing/2010/main" xmlns="" w="9525">
                     <a:solidFill>
                       <a:srgbClr val="000000"/>
                     </a:solidFill>
@@ -10594,7 +10594,7 @@
               </a:ln>
               <a:extLst>
                 <a:ext uri="{91240B29-F687-4f45-9708-019B960494DF}">
-                  <a14:hiddenLine xmlns="" xmlns:a14="http://schemas.microsoft.com/office/drawing/2010/main" w="9525">
+                  <a14:hiddenLine xmlns:a14="http://schemas.microsoft.com/office/drawing/2010/main" xmlns="" w="9525">
                     <a:solidFill>
                       <a:srgbClr val="000000"/>
                     </a:solidFill>
@@ -10659,7 +10659,7 @@
               </a:ln>
               <a:extLst>
                 <a:ext uri="{91240B29-F687-4f45-9708-019B960494DF}">
-                  <a14:hiddenLine xmlns="" xmlns:a14="http://schemas.microsoft.com/office/drawing/2010/main" w="9525">
+                  <a14:hiddenLine xmlns:a14="http://schemas.microsoft.com/office/drawing/2010/main" xmlns="" w="9525">
                     <a:solidFill>
                       <a:srgbClr val="000000"/>
                     </a:solidFill>
@@ -10721,7 +10721,7 @@
               </a:ln>
               <a:extLst>
                 <a:ext uri="{91240B29-F687-4f45-9708-019B960494DF}">
-                  <a14:hiddenLine xmlns="" xmlns:a14="http://schemas.microsoft.com/office/drawing/2010/main" w="9525">
+                  <a14:hiddenLine xmlns:a14="http://schemas.microsoft.com/office/drawing/2010/main" xmlns="" w="9525">
                     <a:solidFill>
                       <a:srgbClr val="000000"/>
                     </a:solidFill>
@@ -10811,7 +10811,7 @@
               </a:ln>
               <a:extLst>
                 <a:ext uri="{91240B29-F687-4f45-9708-019B960494DF}">
-                  <a14:hiddenLine xmlns="" xmlns:a14="http://schemas.microsoft.com/office/drawing/2010/main" w="9525">
+                  <a14:hiddenLine xmlns:a14="http://schemas.microsoft.com/office/drawing/2010/main" xmlns="" w="9525">
                     <a:solidFill>
                       <a:srgbClr val="000000"/>
                     </a:solidFill>
@@ -10901,7 +10901,7 @@
               </a:ln>
               <a:extLst>
                 <a:ext uri="{91240B29-F687-4f45-9708-019B960494DF}">
-                  <a14:hiddenLine xmlns="" xmlns:a14="http://schemas.microsoft.com/office/drawing/2010/main" w="9525">
+                  <a14:hiddenLine xmlns:a14="http://schemas.microsoft.com/office/drawing/2010/main" xmlns="" w="9525">
                     <a:solidFill>
                       <a:srgbClr val="000000"/>
                     </a:solidFill>
@@ -10966,7 +10966,7 @@
               </a:ln>
               <a:extLst>
                 <a:ext uri="{91240B29-F687-4f45-9708-019B960494DF}">
-                  <a14:hiddenLine xmlns="" xmlns:a14="http://schemas.microsoft.com/office/drawing/2010/main" w="9525">
+                  <a14:hiddenLine xmlns:a14="http://schemas.microsoft.com/office/drawing/2010/main" xmlns="" w="9525">
                     <a:solidFill>
                       <a:srgbClr val="000000"/>
                     </a:solidFill>
@@ -11086,7 +11086,7 @@
               </a:ln>
               <a:extLst>
                 <a:ext uri="{91240B29-F687-4f45-9708-019B960494DF}">
-                  <a14:hiddenLine xmlns="" xmlns:a14="http://schemas.microsoft.com/office/drawing/2010/main" w="9525">
+                  <a14:hiddenLine xmlns:a14="http://schemas.microsoft.com/office/drawing/2010/main" xmlns="" w="9525">
                     <a:solidFill>
                       <a:srgbClr val="000000"/>
                     </a:solidFill>
@@ -11184,7 +11184,7 @@
               </a:ln>
               <a:extLst>
                 <a:ext uri="{91240B29-F687-4f45-9708-019B960494DF}">
-                  <a14:hiddenLine xmlns="" xmlns:a14="http://schemas.microsoft.com/office/drawing/2010/main" w="9525">
+                  <a14:hiddenLine xmlns:a14="http://schemas.microsoft.com/office/drawing/2010/main" xmlns="" w="9525">
                     <a:solidFill>
                       <a:srgbClr val="000000"/>
                     </a:solidFill>
@@ -11299,7 +11299,7 @@
               </a:ln>
               <a:extLst>
                 <a:ext uri="{91240B29-F687-4f45-9708-019B960494DF}">
-                  <a14:hiddenLine xmlns="" xmlns:a14="http://schemas.microsoft.com/office/drawing/2010/main" w="9525">
+                  <a14:hiddenLine xmlns:a14="http://schemas.microsoft.com/office/drawing/2010/main" xmlns="" w="9525">
                     <a:solidFill>
                       <a:srgbClr val="000000"/>
                     </a:solidFill>
@@ -11389,7 +11389,7 @@
               </a:ln>
               <a:extLst>
                 <a:ext uri="{91240B29-F687-4f45-9708-019B960494DF}">
-                  <a14:hiddenLine xmlns="" xmlns:a14="http://schemas.microsoft.com/office/drawing/2010/main" w="9525">
+                  <a14:hiddenLine xmlns:a14="http://schemas.microsoft.com/office/drawing/2010/main" xmlns="" w="9525">
                     <a:solidFill>
                       <a:srgbClr val="000000"/>
                     </a:solidFill>
@@ -11454,7 +11454,7 @@
               </a:ln>
               <a:extLst>
                 <a:ext uri="{91240B29-F687-4f45-9708-019B960494DF}">
-                  <a14:hiddenLine xmlns="" xmlns:a14="http://schemas.microsoft.com/office/drawing/2010/main" w="9525">
+                  <a14:hiddenLine xmlns:a14="http://schemas.microsoft.com/office/drawing/2010/main" xmlns="" w="9525">
                     <a:solidFill>
                       <a:srgbClr val="000000"/>
                     </a:solidFill>
@@ -11544,7 +11544,7 @@
               </a:ln>
               <a:extLst>
                 <a:ext uri="{91240B29-F687-4f45-9708-019B960494DF}">
-                  <a14:hiddenLine xmlns="" xmlns:a14="http://schemas.microsoft.com/office/drawing/2010/main" w="9525">
+                  <a14:hiddenLine xmlns:a14="http://schemas.microsoft.com/office/drawing/2010/main" xmlns="" w="9525">
                     <a:solidFill>
                       <a:srgbClr val="000000"/>
                     </a:solidFill>
@@ -11612,7 +11612,7 @@
               </a:ln>
               <a:extLst>
                 <a:ext uri="{91240B29-F687-4f45-9708-019B960494DF}">
-                  <a14:hiddenLine xmlns="" xmlns:a14="http://schemas.microsoft.com/office/drawing/2010/main" w="9525">
+                  <a14:hiddenLine xmlns:a14="http://schemas.microsoft.com/office/drawing/2010/main" xmlns="" w="9525">
                     <a:solidFill>
                       <a:srgbClr val="000000"/>
                     </a:solidFill>
@@ -11702,7 +11702,7 @@
               </a:ln>
               <a:extLst>
                 <a:ext uri="{91240B29-F687-4f45-9708-019B960494DF}">
-                  <a14:hiddenLine xmlns="" xmlns:a14="http://schemas.microsoft.com/office/drawing/2010/main" w="9525">
+                  <a14:hiddenLine xmlns:a14="http://schemas.microsoft.com/office/drawing/2010/main" xmlns="" w="9525">
                     <a:solidFill>
                       <a:srgbClr val="000000"/>
                     </a:solidFill>
@@ -11770,7 +11770,7 @@
               </a:ln>
               <a:extLst>
                 <a:ext uri="{91240B29-F687-4f45-9708-019B960494DF}">
-                  <a14:hiddenLine xmlns="" xmlns:a14="http://schemas.microsoft.com/office/drawing/2010/main" w="9525">
+                  <a14:hiddenLine xmlns:a14="http://schemas.microsoft.com/office/drawing/2010/main" xmlns="" w="9525">
                     <a:solidFill>
                       <a:srgbClr val="000000"/>
                     </a:solidFill>
@@ -11860,7 +11860,7 @@
               </a:ln>
               <a:extLst>
                 <a:ext uri="{91240B29-F687-4f45-9708-019B960494DF}">
-                  <a14:hiddenLine xmlns="" xmlns:a14="http://schemas.microsoft.com/office/drawing/2010/main" w="9525">
+                  <a14:hiddenLine xmlns:a14="http://schemas.microsoft.com/office/drawing/2010/main" xmlns="" w="9525">
                     <a:solidFill>
                       <a:srgbClr val="000000"/>
                     </a:solidFill>
@@ -11894,7 +11894,7 @@
               </a:ln>
               <a:extLst>
                 <a:ext uri="{91240B29-F687-4f45-9708-019B960494DF}">
-                  <a14:hiddenLine xmlns="" xmlns:a14="http://schemas.microsoft.com/office/drawing/2010/main" w="9525">
+                  <a14:hiddenLine xmlns:a14="http://schemas.microsoft.com/office/drawing/2010/main" xmlns="" w="9525">
                     <a:solidFill>
                       <a:srgbClr val="000000"/>
                     </a:solidFill>
@@ -12582,6 +12582,36 @@
           <a:chExt cx="0" cy="0"/>
         </a:xfrm>
       </p:grpSpPr>
+      <p:pic>
+        <p:nvPicPr>
+          <p:cNvPr id="3" name="Picture 2">
+            <a:extLst>
+              <a:ext uri="{FF2B5EF4-FFF2-40B4-BE49-F238E27FC236}">
+                <a16:creationId xmlns:a16="http://schemas.microsoft.com/office/drawing/2014/main" id="{E435AED6-ADC3-46A0-9C24-33540BD7578D}"/>
+              </a:ext>
+            </a:extLst>
+          </p:cNvPr>
+          <p:cNvPicPr>
+            <a:picLocks noChangeAspect="1"/>
+          </p:cNvPicPr>
+          <p:nvPr/>
+        </p:nvPicPr>
+        <p:blipFill>
+          <a:blip r:embed="rId2"/>
+          <a:stretch>
+            <a:fillRect/>
+          </a:stretch>
+        </p:blipFill>
+        <p:spPr>
+          <a:xfrm>
+            <a:off x="892342" y="0"/>
+            <a:ext cx="10407316" cy="6858000"/>
+          </a:xfrm>
+          <a:prstGeom prst="rect">
+            <a:avLst/>
+          </a:prstGeom>
+        </p:spPr>
+      </p:pic>
     </p:spTree>
     <p:extLst>
       <p:ext uri="{BB962C8B-B14F-4D97-AF65-F5344CB8AC3E}">

--- a/intro/lecture.pptx
+++ b/intro/lecture.pptx
@@ -12,18 +12,24 @@
     <p:sldId id="260" r:id="rId6"/>
     <p:sldId id="261" r:id="rId7"/>
     <p:sldId id="262" r:id="rId8"/>
-    <p:sldId id="263" r:id="rId9"/>
-    <p:sldId id="264" r:id="rId10"/>
-    <p:sldId id="509" r:id="rId11"/>
-    <p:sldId id="315" r:id="rId12"/>
-    <p:sldId id="387" r:id="rId13"/>
-    <p:sldId id="459" r:id="rId14"/>
-    <p:sldId id="501" r:id="rId15"/>
-    <p:sldId id="502" r:id="rId16"/>
-    <p:sldId id="503" r:id="rId17"/>
-    <p:sldId id="504" r:id="rId18"/>
-    <p:sldId id="505" r:id="rId19"/>
-    <p:sldId id="508" r:id="rId20"/>
+    <p:sldId id="869" r:id="rId9"/>
+    <p:sldId id="870" r:id="rId10"/>
+    <p:sldId id="871" r:id="rId11"/>
+    <p:sldId id="872" r:id="rId12"/>
+    <p:sldId id="873" r:id="rId13"/>
+    <p:sldId id="874" r:id="rId14"/>
+    <p:sldId id="263" r:id="rId15"/>
+    <p:sldId id="264" r:id="rId16"/>
+    <p:sldId id="509" r:id="rId17"/>
+    <p:sldId id="315" r:id="rId18"/>
+    <p:sldId id="387" r:id="rId19"/>
+    <p:sldId id="459" r:id="rId20"/>
+    <p:sldId id="501" r:id="rId21"/>
+    <p:sldId id="502" r:id="rId22"/>
+    <p:sldId id="503" r:id="rId23"/>
+    <p:sldId id="504" r:id="rId24"/>
+    <p:sldId id="505" r:id="rId25"/>
+    <p:sldId id="508" r:id="rId26"/>
   </p:sldIdLst>
   <p:sldSz cx="12192000" cy="6858000"/>
   <p:notesSz cx="6858000" cy="9144000"/>
@@ -180,7 +186,7 @@
           <a:noFill/>
           <a:extLst>
             <a:ext uri="{909E8E84-426E-40dd-AFC4-6F175D3DCCD1}">
-              <a14:hiddenFill xmlns:a14="http://schemas.microsoft.com/office/drawing/2010/main" xmlns="">
+              <a14:hiddenFill xmlns="" xmlns:a14="http://schemas.microsoft.com/office/drawing/2010/main">
                 <a:solidFill>
                   <a:srgbClr val="FFFFFF"/>
                 </a:solidFill>
@@ -240,7 +246,7 @@
             </a:ln>
             <a:extLst>
               <a:ext uri="{91240B29-F687-4f45-9708-019B960494DF}">
-                <a14:hiddenLine xmlns:a14="http://schemas.microsoft.com/office/drawing/2010/main" xmlns="" w="9525">
+                <a14:hiddenLine xmlns="" xmlns:a14="http://schemas.microsoft.com/office/drawing/2010/main" w="9525">
                   <a:solidFill>
                     <a:srgbClr val="000000"/>
                   </a:solidFill>
@@ -330,7 +336,7 @@
             </a:ln>
             <a:extLst>
               <a:ext uri="{91240B29-F687-4f45-9708-019B960494DF}">
-                <a14:hiddenLine xmlns:a14="http://schemas.microsoft.com/office/drawing/2010/main" xmlns="" w="9525">
+                <a14:hiddenLine xmlns="" xmlns:a14="http://schemas.microsoft.com/office/drawing/2010/main" w="9525">
                   <a:solidFill>
                     <a:srgbClr val="000000"/>
                   </a:solidFill>
@@ -420,7 +426,7 @@
             </a:ln>
             <a:extLst>
               <a:ext uri="{91240B29-F687-4f45-9708-019B960494DF}">
-                <a14:hiddenLine xmlns:a14="http://schemas.microsoft.com/office/drawing/2010/main" xmlns="" w="9525">
+                <a14:hiddenLine xmlns="" xmlns:a14="http://schemas.microsoft.com/office/drawing/2010/main" w="9525">
                   <a:solidFill>
                     <a:srgbClr val="000000"/>
                   </a:solidFill>
@@ -454,7 +460,7 @@
             </a:ln>
             <a:extLst>
               <a:ext uri="{91240B29-F687-4f45-9708-019B960494DF}">
-                <a14:hiddenLine xmlns:a14="http://schemas.microsoft.com/office/drawing/2010/main" xmlns="" w="9525">
+                <a14:hiddenLine xmlns="" xmlns:a14="http://schemas.microsoft.com/office/drawing/2010/main" w="9525">
                   <a:solidFill>
                     <a:srgbClr val="000000"/>
                   </a:solidFill>
@@ -544,7 +550,7 @@
             </a:ln>
             <a:extLst>
               <a:ext uri="{91240B29-F687-4f45-9708-019B960494DF}">
-                <a14:hiddenLine xmlns:a14="http://schemas.microsoft.com/office/drawing/2010/main" xmlns="" w="9525">
+                <a14:hiddenLine xmlns="" xmlns:a14="http://schemas.microsoft.com/office/drawing/2010/main" w="9525">
                   <a:solidFill>
                     <a:srgbClr val="000000"/>
                   </a:solidFill>
@@ -606,7 +612,7 @@
             </a:ln>
             <a:extLst>
               <a:ext uri="{91240B29-F687-4f45-9708-019B960494DF}">
-                <a14:hiddenLine xmlns:a14="http://schemas.microsoft.com/office/drawing/2010/main" xmlns="" w="9525">
+                <a14:hiddenLine xmlns="" xmlns:a14="http://schemas.microsoft.com/office/drawing/2010/main" w="9525">
                   <a:solidFill>
                     <a:srgbClr val="000000"/>
                   </a:solidFill>
@@ -668,7 +674,7 @@
             </a:ln>
             <a:extLst>
               <a:ext uri="{91240B29-F687-4f45-9708-019B960494DF}">
-                <a14:hiddenLine xmlns:a14="http://schemas.microsoft.com/office/drawing/2010/main" xmlns="" w="9525">
+                <a14:hiddenLine xmlns="" xmlns:a14="http://schemas.microsoft.com/office/drawing/2010/main" w="9525">
                   <a:solidFill>
                     <a:srgbClr val="000000"/>
                   </a:solidFill>
@@ -758,7 +764,7 @@
             </a:ln>
             <a:extLst>
               <a:ext uri="{91240B29-F687-4f45-9708-019B960494DF}">
-                <a14:hiddenLine xmlns:a14="http://schemas.microsoft.com/office/drawing/2010/main" xmlns="" w="9525">
+                <a14:hiddenLine xmlns="" xmlns:a14="http://schemas.microsoft.com/office/drawing/2010/main" w="9525">
                   <a:solidFill>
                     <a:srgbClr val="000000"/>
                   </a:solidFill>
@@ -820,7 +826,7 @@
             </a:ln>
             <a:extLst>
               <a:ext uri="{91240B29-F687-4f45-9708-019B960494DF}">
-                <a14:hiddenLine xmlns:a14="http://schemas.microsoft.com/office/drawing/2010/main" xmlns="" w="9525">
+                <a14:hiddenLine xmlns="" xmlns:a14="http://schemas.microsoft.com/office/drawing/2010/main" w="9525">
                   <a:solidFill>
                     <a:srgbClr val="000000"/>
                   </a:solidFill>
@@ -882,7 +888,7 @@
             </a:ln>
             <a:extLst>
               <a:ext uri="{91240B29-F687-4f45-9708-019B960494DF}">
-                <a14:hiddenLine xmlns:a14="http://schemas.microsoft.com/office/drawing/2010/main" xmlns="" w="9525">
+                <a14:hiddenLine xmlns="" xmlns:a14="http://schemas.microsoft.com/office/drawing/2010/main" w="9525">
                   <a:solidFill>
                     <a:srgbClr val="000000"/>
                   </a:solidFill>
@@ -972,7 +978,7 @@
             </a:ln>
             <a:extLst>
               <a:ext uri="{91240B29-F687-4f45-9708-019B960494DF}">
-                <a14:hiddenLine xmlns:a14="http://schemas.microsoft.com/office/drawing/2010/main" xmlns="" w="9525">
+                <a14:hiddenLine xmlns="" xmlns:a14="http://schemas.microsoft.com/office/drawing/2010/main" w="9525">
                   <a:solidFill>
                     <a:srgbClr val="000000"/>
                   </a:solidFill>
@@ -1062,7 +1068,7 @@
             </a:ln>
             <a:extLst>
               <a:ext uri="{91240B29-F687-4f45-9708-019B960494DF}">
-                <a14:hiddenLine xmlns:a14="http://schemas.microsoft.com/office/drawing/2010/main" xmlns="" w="9525">
+                <a14:hiddenLine xmlns="" xmlns:a14="http://schemas.microsoft.com/office/drawing/2010/main" w="9525">
                   <a:solidFill>
                     <a:srgbClr val="000000"/>
                   </a:solidFill>
@@ -1124,7 +1130,7 @@
             </a:ln>
             <a:extLst>
               <a:ext uri="{91240B29-F687-4f45-9708-019B960494DF}">
-                <a14:hiddenLine xmlns:a14="http://schemas.microsoft.com/office/drawing/2010/main" xmlns="" w="9525">
+                <a14:hiddenLine xmlns="" xmlns:a14="http://schemas.microsoft.com/office/drawing/2010/main" w="9525">
                   <a:solidFill>
                     <a:srgbClr val="000000"/>
                   </a:solidFill>
@@ -1234,7 +1240,7 @@
             </a:ln>
             <a:extLst>
               <a:ext uri="{91240B29-F687-4f45-9708-019B960494DF}">
-                <a14:hiddenLine xmlns:a14="http://schemas.microsoft.com/office/drawing/2010/main" xmlns="" w="9525">
+                <a14:hiddenLine xmlns="" xmlns:a14="http://schemas.microsoft.com/office/drawing/2010/main" w="9525">
                   <a:solidFill>
                     <a:srgbClr val="000000"/>
                   </a:solidFill>
@@ -1296,7 +1302,7 @@
             </a:ln>
             <a:extLst>
               <a:ext uri="{91240B29-F687-4f45-9708-019B960494DF}">
-                <a14:hiddenLine xmlns:a14="http://schemas.microsoft.com/office/drawing/2010/main" xmlns="" w="9525">
+                <a14:hiddenLine xmlns="" xmlns:a14="http://schemas.microsoft.com/office/drawing/2010/main" w="9525">
                   <a:solidFill>
                     <a:srgbClr val="000000"/>
                   </a:solidFill>
@@ -1386,7 +1392,7 @@
             </a:ln>
             <a:extLst>
               <a:ext uri="{91240B29-F687-4f45-9708-019B960494DF}">
-                <a14:hiddenLine xmlns:a14="http://schemas.microsoft.com/office/drawing/2010/main" xmlns="" w="9525">
+                <a14:hiddenLine xmlns="" xmlns:a14="http://schemas.microsoft.com/office/drawing/2010/main" w="9525">
                   <a:solidFill>
                     <a:srgbClr val="000000"/>
                   </a:solidFill>
@@ -1476,7 +1482,7 @@
             </a:ln>
             <a:extLst>
               <a:ext uri="{91240B29-F687-4f45-9708-019B960494DF}">
-                <a14:hiddenLine xmlns:a14="http://schemas.microsoft.com/office/drawing/2010/main" xmlns="" w="9525">
+                <a14:hiddenLine xmlns="" xmlns:a14="http://schemas.microsoft.com/office/drawing/2010/main" w="9525">
                   <a:solidFill>
                     <a:srgbClr val="000000"/>
                   </a:solidFill>
@@ -1538,7 +1544,7 @@
             </a:ln>
             <a:extLst>
               <a:ext uri="{91240B29-F687-4f45-9708-019B960494DF}">
-                <a14:hiddenLine xmlns:a14="http://schemas.microsoft.com/office/drawing/2010/main" xmlns="" w="9525">
+                <a14:hiddenLine xmlns="" xmlns:a14="http://schemas.microsoft.com/office/drawing/2010/main" w="9525">
                   <a:solidFill>
                     <a:srgbClr val="000000"/>
                   </a:solidFill>
@@ -1628,7 +1634,7 @@
             </a:ln>
             <a:extLst>
               <a:ext uri="{91240B29-F687-4f45-9708-019B960494DF}">
-                <a14:hiddenLine xmlns:a14="http://schemas.microsoft.com/office/drawing/2010/main" xmlns="" w="9525">
+                <a14:hiddenLine xmlns="" xmlns:a14="http://schemas.microsoft.com/office/drawing/2010/main" w="9525">
                   <a:solidFill>
                     <a:srgbClr val="000000"/>
                   </a:solidFill>
@@ -1718,7 +1724,7 @@
             </a:ln>
             <a:extLst>
               <a:ext uri="{91240B29-F687-4f45-9708-019B960494DF}">
-                <a14:hiddenLine xmlns:a14="http://schemas.microsoft.com/office/drawing/2010/main" xmlns="" w="9525">
+                <a14:hiddenLine xmlns="" xmlns:a14="http://schemas.microsoft.com/office/drawing/2010/main" w="9525">
                   <a:solidFill>
                     <a:srgbClr val="000000"/>
                   </a:solidFill>
@@ -1774,7 +1780,7 @@
             </a:ln>
             <a:extLst>
               <a:ext uri="{91240B29-F687-4f45-9708-019B960494DF}">
-                <a14:hiddenLine xmlns:a14="http://schemas.microsoft.com/office/drawing/2010/main" xmlns="" w="9525">
+                <a14:hiddenLine xmlns="" xmlns:a14="http://schemas.microsoft.com/office/drawing/2010/main" w="9525">
                   <a:solidFill>
                     <a:srgbClr val="000000"/>
                   </a:solidFill>
@@ -1864,7 +1870,7 @@
             </a:ln>
             <a:extLst>
               <a:ext uri="{91240B29-F687-4f45-9708-019B960494DF}">
-                <a14:hiddenLine xmlns:a14="http://schemas.microsoft.com/office/drawing/2010/main" xmlns="" w="9525">
+                <a14:hiddenLine xmlns="" xmlns:a14="http://schemas.microsoft.com/office/drawing/2010/main" w="9525">
                   <a:solidFill>
                     <a:srgbClr val="000000"/>
                   </a:solidFill>
@@ -1920,7 +1926,7 @@
             </a:ln>
             <a:extLst>
               <a:ext uri="{91240B29-F687-4f45-9708-019B960494DF}">
-                <a14:hiddenLine xmlns:a14="http://schemas.microsoft.com/office/drawing/2010/main" xmlns="" w="9525">
+                <a14:hiddenLine xmlns="" xmlns:a14="http://schemas.microsoft.com/office/drawing/2010/main" w="9525">
                   <a:solidFill>
                     <a:srgbClr val="000000"/>
                   </a:solidFill>
@@ -2010,7 +2016,7 @@
             </a:ln>
             <a:extLst>
               <a:ext uri="{91240B29-F687-4f45-9708-019B960494DF}">
-                <a14:hiddenLine xmlns:a14="http://schemas.microsoft.com/office/drawing/2010/main" xmlns="" w="9525">
+                <a14:hiddenLine xmlns="" xmlns:a14="http://schemas.microsoft.com/office/drawing/2010/main" w="9525">
                   <a:solidFill>
                     <a:srgbClr val="000000"/>
                   </a:solidFill>
@@ -2078,7 +2084,7 @@
             </a:ln>
             <a:extLst>
               <a:ext uri="{91240B29-F687-4f45-9708-019B960494DF}">
-                <a14:hiddenLine xmlns:a14="http://schemas.microsoft.com/office/drawing/2010/main" xmlns="" w="9525">
+                <a14:hiddenLine xmlns="" xmlns:a14="http://schemas.microsoft.com/office/drawing/2010/main" w="9525">
                   <a:solidFill>
                     <a:srgbClr val="000000"/>
                   </a:solidFill>
@@ -2168,7 +2174,7 @@
             </a:ln>
             <a:extLst>
               <a:ext uri="{91240B29-F687-4f45-9708-019B960494DF}">
-                <a14:hiddenLine xmlns:a14="http://schemas.microsoft.com/office/drawing/2010/main" xmlns="" w="9525">
+                <a14:hiddenLine xmlns="" xmlns:a14="http://schemas.microsoft.com/office/drawing/2010/main" w="9525">
                   <a:solidFill>
                     <a:srgbClr val="000000"/>
                   </a:solidFill>
@@ -2236,7 +2242,7 @@
             </a:ln>
             <a:extLst>
               <a:ext uri="{91240B29-F687-4f45-9708-019B960494DF}">
-                <a14:hiddenLine xmlns:a14="http://schemas.microsoft.com/office/drawing/2010/main" xmlns="" w="9525">
+                <a14:hiddenLine xmlns="" xmlns:a14="http://schemas.microsoft.com/office/drawing/2010/main" w="9525">
                   <a:solidFill>
                     <a:srgbClr val="000000"/>
                   </a:solidFill>
@@ -2326,7 +2332,7 @@
             </a:ln>
             <a:extLst>
               <a:ext uri="{91240B29-F687-4f45-9708-019B960494DF}">
-                <a14:hiddenLine xmlns:a14="http://schemas.microsoft.com/office/drawing/2010/main" xmlns="" w="9525">
+                <a14:hiddenLine xmlns="" xmlns:a14="http://schemas.microsoft.com/office/drawing/2010/main" w="9525">
                   <a:solidFill>
                     <a:srgbClr val="000000"/>
                   </a:solidFill>
@@ -2360,7 +2366,7 @@
             </a:ln>
             <a:extLst>
               <a:ext uri="{91240B29-F687-4f45-9708-019B960494DF}">
-                <a14:hiddenLine xmlns:a14="http://schemas.microsoft.com/office/drawing/2010/main" xmlns="" w="9525">
+                <a14:hiddenLine xmlns="" xmlns:a14="http://schemas.microsoft.com/office/drawing/2010/main" w="9525">
                   <a:solidFill>
                     <a:srgbClr val="000000"/>
                   </a:solidFill>
@@ -2450,7 +2456,7 @@
             </a:ln>
             <a:extLst>
               <a:ext uri="{91240B29-F687-4f45-9708-019B960494DF}">
-                <a14:hiddenLine xmlns:a14="http://schemas.microsoft.com/office/drawing/2010/main" xmlns="" w="9525">
+                <a14:hiddenLine xmlns="" xmlns:a14="http://schemas.microsoft.com/office/drawing/2010/main" w="9525">
                   <a:solidFill>
                     <a:srgbClr val="000000"/>
                   </a:solidFill>
@@ -2512,7 +2518,7 @@
             </a:ln>
             <a:extLst>
               <a:ext uri="{91240B29-F687-4f45-9708-019B960494DF}">
-                <a14:hiddenLine xmlns:a14="http://schemas.microsoft.com/office/drawing/2010/main" xmlns="" w="9525">
+                <a14:hiddenLine xmlns="" xmlns:a14="http://schemas.microsoft.com/office/drawing/2010/main" w="9525">
                   <a:solidFill>
                     <a:srgbClr val="000000"/>
                   </a:solidFill>
@@ -2574,7 +2580,7 @@
             </a:ln>
             <a:extLst>
               <a:ext uri="{91240B29-F687-4f45-9708-019B960494DF}">
-                <a14:hiddenLine xmlns:a14="http://schemas.microsoft.com/office/drawing/2010/main" xmlns="" w="9525">
+                <a14:hiddenLine xmlns="" xmlns:a14="http://schemas.microsoft.com/office/drawing/2010/main" w="9525">
                   <a:solidFill>
                     <a:srgbClr val="000000"/>
                   </a:solidFill>
@@ -2664,7 +2670,7 @@
             </a:ln>
             <a:extLst>
               <a:ext uri="{91240B29-F687-4f45-9708-019B960494DF}">
-                <a14:hiddenLine xmlns:a14="http://schemas.microsoft.com/office/drawing/2010/main" xmlns="" w="9525">
+                <a14:hiddenLine xmlns="" xmlns:a14="http://schemas.microsoft.com/office/drawing/2010/main" w="9525">
                   <a:solidFill>
                     <a:srgbClr val="000000"/>
                   </a:solidFill>
@@ -2732,7 +2738,7 @@
             </a:ln>
             <a:extLst>
               <a:ext uri="{91240B29-F687-4f45-9708-019B960494DF}">
-                <a14:hiddenLine xmlns:a14="http://schemas.microsoft.com/office/drawing/2010/main" xmlns="" w="9525">
+                <a14:hiddenLine xmlns="" xmlns:a14="http://schemas.microsoft.com/office/drawing/2010/main" w="9525">
                   <a:solidFill>
                     <a:srgbClr val="000000"/>
                   </a:solidFill>
@@ -2794,7 +2800,7 @@
             </a:ln>
             <a:extLst>
               <a:ext uri="{91240B29-F687-4f45-9708-019B960494DF}">
-                <a14:hiddenLine xmlns:a14="http://schemas.microsoft.com/office/drawing/2010/main" xmlns="" w="9525">
+                <a14:hiddenLine xmlns="" xmlns:a14="http://schemas.microsoft.com/office/drawing/2010/main" w="9525">
                   <a:solidFill>
                     <a:srgbClr val="000000"/>
                   </a:solidFill>
@@ -2884,7 +2890,7 @@
             </a:ln>
             <a:extLst>
               <a:ext uri="{91240B29-F687-4f45-9708-019B960494DF}">
-                <a14:hiddenLine xmlns:a14="http://schemas.microsoft.com/office/drawing/2010/main" xmlns="" w="9525">
+                <a14:hiddenLine xmlns="" xmlns:a14="http://schemas.microsoft.com/office/drawing/2010/main" w="9525">
                   <a:solidFill>
                     <a:srgbClr val="000000"/>
                   </a:solidFill>
@@ -2946,7 +2952,7 @@
             </a:ln>
             <a:extLst>
               <a:ext uri="{91240B29-F687-4f45-9708-019B960494DF}">
-                <a14:hiddenLine xmlns:a14="http://schemas.microsoft.com/office/drawing/2010/main" xmlns="" w="9525">
+                <a14:hiddenLine xmlns="" xmlns:a14="http://schemas.microsoft.com/office/drawing/2010/main" w="9525">
                   <a:solidFill>
                     <a:srgbClr val="000000"/>
                   </a:solidFill>
@@ -3036,7 +3042,7 @@
             </a:ln>
             <a:extLst>
               <a:ext uri="{91240B29-F687-4f45-9708-019B960494DF}">
-                <a14:hiddenLine xmlns:a14="http://schemas.microsoft.com/office/drawing/2010/main" xmlns="" w="9525">
+                <a14:hiddenLine xmlns="" xmlns:a14="http://schemas.microsoft.com/office/drawing/2010/main" w="9525">
                   <a:solidFill>
                     <a:srgbClr val="000000"/>
                   </a:solidFill>
@@ -3098,7 +3104,7 @@
             </a:ln>
             <a:extLst>
               <a:ext uri="{91240B29-F687-4f45-9708-019B960494DF}">
-                <a14:hiddenLine xmlns:a14="http://schemas.microsoft.com/office/drawing/2010/main" xmlns="" w="9525">
+                <a14:hiddenLine xmlns="" xmlns:a14="http://schemas.microsoft.com/office/drawing/2010/main" w="9525">
                   <a:solidFill>
                     <a:srgbClr val="000000"/>
                   </a:solidFill>
@@ -3188,7 +3194,7 @@
             </a:ln>
             <a:extLst>
               <a:ext uri="{91240B29-F687-4f45-9708-019B960494DF}">
-                <a14:hiddenLine xmlns:a14="http://schemas.microsoft.com/office/drawing/2010/main" xmlns="" w="9525">
+                <a14:hiddenLine xmlns="" xmlns:a14="http://schemas.microsoft.com/office/drawing/2010/main" w="9525">
                   <a:solidFill>
                     <a:srgbClr val="000000"/>
                   </a:solidFill>
@@ -3222,7 +3228,7 @@
             </a:ln>
             <a:extLst>
               <a:ext uri="{91240B29-F687-4f45-9708-019B960494DF}">
-                <a14:hiddenLine xmlns:a14="http://schemas.microsoft.com/office/drawing/2010/main" xmlns="" w="9525">
+                <a14:hiddenLine xmlns="" xmlns:a14="http://schemas.microsoft.com/office/drawing/2010/main" w="9525">
                   <a:solidFill>
                     <a:srgbClr val="000000"/>
                   </a:solidFill>
@@ -3287,7 +3293,7 @@
             </a:ln>
             <a:extLst>
               <a:ext uri="{91240B29-F687-4f45-9708-019B960494DF}">
-                <a14:hiddenLine xmlns:a14="http://schemas.microsoft.com/office/drawing/2010/main" xmlns="" w="9525">
+                <a14:hiddenLine xmlns="" xmlns:a14="http://schemas.microsoft.com/office/drawing/2010/main" w="9525">
                   <a:solidFill>
                     <a:srgbClr val="000000"/>
                   </a:solidFill>
@@ -3377,7 +3383,7 @@
             </a:ln>
             <a:extLst>
               <a:ext uri="{91240B29-F687-4f45-9708-019B960494DF}">
-                <a14:hiddenLine xmlns:a14="http://schemas.microsoft.com/office/drawing/2010/main" xmlns="" w="9525">
+                <a14:hiddenLine xmlns="" xmlns:a14="http://schemas.microsoft.com/office/drawing/2010/main" w="9525">
                   <a:solidFill>
                     <a:srgbClr val="000000"/>
                   </a:solidFill>
@@ -3439,7 +3445,7 @@
             </a:ln>
             <a:extLst>
               <a:ext uri="{91240B29-F687-4f45-9708-019B960494DF}">
-                <a14:hiddenLine xmlns:a14="http://schemas.microsoft.com/office/drawing/2010/main" xmlns="" w="9525">
+                <a14:hiddenLine xmlns="" xmlns:a14="http://schemas.microsoft.com/office/drawing/2010/main" w="9525">
                   <a:solidFill>
                     <a:srgbClr val="000000"/>
                   </a:solidFill>
@@ -3529,7 +3535,7 @@
             </a:ln>
             <a:extLst>
               <a:ext uri="{91240B29-F687-4f45-9708-019B960494DF}">
-                <a14:hiddenLine xmlns:a14="http://schemas.microsoft.com/office/drawing/2010/main" xmlns="" w="9525">
+                <a14:hiddenLine xmlns="" xmlns:a14="http://schemas.microsoft.com/office/drawing/2010/main" w="9525">
                   <a:solidFill>
                     <a:srgbClr val="000000"/>
                   </a:solidFill>
@@ -3619,7 +3625,7 @@
             </a:ln>
             <a:extLst>
               <a:ext uri="{91240B29-F687-4f45-9708-019B960494DF}">
-                <a14:hiddenLine xmlns:a14="http://schemas.microsoft.com/office/drawing/2010/main" xmlns="" w="9525">
+                <a14:hiddenLine xmlns="" xmlns:a14="http://schemas.microsoft.com/office/drawing/2010/main" w="9525">
                   <a:solidFill>
                     <a:srgbClr val="000000"/>
                   </a:solidFill>
@@ -3684,7 +3690,7 @@
             </a:ln>
             <a:extLst>
               <a:ext uri="{91240B29-F687-4f45-9708-019B960494DF}">
-                <a14:hiddenLine xmlns:a14="http://schemas.microsoft.com/office/drawing/2010/main" xmlns="" w="9525">
+                <a14:hiddenLine xmlns="" xmlns:a14="http://schemas.microsoft.com/office/drawing/2010/main" w="9525">
                   <a:solidFill>
                     <a:srgbClr val="000000"/>
                   </a:solidFill>
@@ -3746,7 +3752,7 @@
             </a:ln>
             <a:extLst>
               <a:ext uri="{91240B29-F687-4f45-9708-019B960494DF}">
-                <a14:hiddenLine xmlns:a14="http://schemas.microsoft.com/office/drawing/2010/main" xmlns="" w="9525">
+                <a14:hiddenLine xmlns="" xmlns:a14="http://schemas.microsoft.com/office/drawing/2010/main" w="9525">
                   <a:solidFill>
                     <a:srgbClr val="000000"/>
                   </a:solidFill>
@@ -3836,7 +3842,7 @@
             </a:ln>
             <a:extLst>
               <a:ext uri="{91240B29-F687-4f45-9708-019B960494DF}">
-                <a14:hiddenLine xmlns:a14="http://schemas.microsoft.com/office/drawing/2010/main" xmlns="" w="9525">
+                <a14:hiddenLine xmlns="" xmlns:a14="http://schemas.microsoft.com/office/drawing/2010/main" w="9525">
                   <a:solidFill>
                     <a:srgbClr val="000000"/>
                   </a:solidFill>
@@ -3926,7 +3932,7 @@
             </a:ln>
             <a:extLst>
               <a:ext uri="{91240B29-F687-4f45-9708-019B960494DF}">
-                <a14:hiddenLine xmlns:a14="http://schemas.microsoft.com/office/drawing/2010/main" xmlns="" w="9525">
+                <a14:hiddenLine xmlns="" xmlns:a14="http://schemas.microsoft.com/office/drawing/2010/main" w="9525">
                   <a:solidFill>
                     <a:srgbClr val="000000"/>
                   </a:solidFill>
@@ -3988,7 +3994,7 @@
             </a:ln>
             <a:extLst>
               <a:ext uri="{91240B29-F687-4f45-9708-019B960494DF}">
-                <a14:hiddenLine xmlns:a14="http://schemas.microsoft.com/office/drawing/2010/main" xmlns="" w="9525">
+                <a14:hiddenLine xmlns="" xmlns:a14="http://schemas.microsoft.com/office/drawing/2010/main" w="9525">
                   <a:solidFill>
                     <a:srgbClr val="000000"/>
                   </a:solidFill>
@@ -4108,7 +4114,7 @@
             </a:ln>
             <a:extLst>
               <a:ext uri="{91240B29-F687-4f45-9708-019B960494DF}">
-                <a14:hiddenLine xmlns:a14="http://schemas.microsoft.com/office/drawing/2010/main" xmlns="" w="9525">
+                <a14:hiddenLine xmlns="" xmlns:a14="http://schemas.microsoft.com/office/drawing/2010/main" w="9525">
                   <a:solidFill>
                     <a:srgbClr val="000000"/>
                   </a:solidFill>
@@ -4176,7 +4182,7 @@
             </a:ln>
             <a:extLst>
               <a:ext uri="{91240B29-F687-4f45-9708-019B960494DF}">
-                <a14:hiddenLine xmlns:a14="http://schemas.microsoft.com/office/drawing/2010/main" xmlns="" w="9525">
+                <a14:hiddenLine xmlns="" xmlns:a14="http://schemas.microsoft.com/office/drawing/2010/main" w="9525">
                   <a:solidFill>
                     <a:srgbClr val="000000"/>
                   </a:solidFill>
@@ -4266,7 +4272,7 @@
             </a:ln>
             <a:extLst>
               <a:ext uri="{91240B29-F687-4f45-9708-019B960494DF}">
-                <a14:hiddenLine xmlns:a14="http://schemas.microsoft.com/office/drawing/2010/main" xmlns="" w="9525">
+                <a14:hiddenLine xmlns="" xmlns:a14="http://schemas.microsoft.com/office/drawing/2010/main" w="9525">
                   <a:solidFill>
                     <a:srgbClr val="000000"/>
                   </a:solidFill>
@@ -4406,7 +4412,7 @@
           <a:p>
             <a:fld id="{8637FE78-371E-4905-91BC-AD0CC6760D84}" type="datetimeFigureOut">
               <a:rPr lang="en-US" smtClean="0"/>
-              <a:t>1/27/2023</a:t>
+              <a:t>1/29/2023</a:t>
             </a:fld>
             <a:endParaRPr lang="en-US"/>
           </a:p>
@@ -4673,7 +4679,7 @@
           <a:p>
             <a:fld id="{8637FE78-371E-4905-91BC-AD0CC6760D84}" type="datetimeFigureOut">
               <a:rPr lang="en-US" smtClean="0"/>
-              <a:t>1/27/2023</a:t>
+              <a:t>1/29/2023</a:t>
             </a:fld>
             <a:endParaRPr lang="en-US"/>
           </a:p>
@@ -4869,7 +4875,7 @@
           <a:p>
             <a:fld id="{8637FE78-371E-4905-91BC-AD0CC6760D84}" type="datetimeFigureOut">
               <a:rPr lang="en-US" smtClean="0"/>
-              <a:t>1/27/2023</a:t>
+              <a:t>1/29/2023</a:t>
             </a:fld>
             <a:endParaRPr lang="en-US"/>
           </a:p>
@@ -5132,7 +5138,7 @@
           <a:p>
             <a:fld id="{8637FE78-371E-4905-91BC-AD0CC6760D84}" type="datetimeFigureOut">
               <a:rPr lang="en-US" smtClean="0"/>
-              <a:t>1/27/2023</a:t>
+              <a:t>1/29/2023</a:t>
             </a:fld>
             <a:endParaRPr lang="en-US"/>
           </a:p>
@@ -5566,7 +5572,7 @@
           <a:p>
             <a:fld id="{8637FE78-371E-4905-91BC-AD0CC6760D84}" type="datetimeFigureOut">
               <a:rPr lang="en-US" smtClean="0"/>
-              <a:t>1/27/2023</a:t>
+              <a:t>1/29/2023</a:t>
             </a:fld>
             <a:endParaRPr lang="en-US"/>
           </a:p>
@@ -6112,7 +6118,7 @@
           <a:p>
             <a:fld id="{8637FE78-371E-4905-91BC-AD0CC6760D84}" type="datetimeFigureOut">
               <a:rPr lang="en-US" smtClean="0"/>
-              <a:t>1/27/2023</a:t>
+              <a:t>1/29/2023</a:t>
             </a:fld>
             <a:endParaRPr lang="en-US"/>
           </a:p>
@@ -6832,7 +6838,7 @@
           <a:p>
             <a:fld id="{8637FE78-371E-4905-91BC-AD0CC6760D84}" type="datetimeFigureOut">
               <a:rPr lang="en-US" smtClean="0"/>
-              <a:t>1/27/2023</a:t>
+              <a:t>1/29/2023</a:t>
             </a:fld>
             <a:endParaRPr lang="en-US"/>
           </a:p>
@@ -7002,7 +7008,7 @@
           <a:p>
             <a:fld id="{8637FE78-371E-4905-91BC-AD0CC6760D84}" type="datetimeFigureOut">
               <a:rPr lang="en-US" smtClean="0"/>
-              <a:t>1/27/2023</a:t>
+              <a:t>1/29/2023</a:t>
             </a:fld>
             <a:endParaRPr lang="en-US"/>
           </a:p>
@@ -7182,7 +7188,7 @@
           <a:p>
             <a:fld id="{8637FE78-371E-4905-91BC-AD0CC6760D84}" type="datetimeFigureOut">
               <a:rPr lang="en-US" smtClean="0"/>
-              <a:t>1/27/2023</a:t>
+              <a:t>1/29/2023</a:t>
             </a:fld>
             <a:endParaRPr lang="en-US"/>
           </a:p>
@@ -7352,7 +7358,7 @@
           <a:p>
             <a:fld id="{8637FE78-371E-4905-91BC-AD0CC6760D84}" type="datetimeFigureOut">
               <a:rPr lang="en-US" smtClean="0"/>
-              <a:t>1/27/2023</a:t>
+              <a:t>1/29/2023</a:t>
             </a:fld>
             <a:endParaRPr lang="en-US"/>
           </a:p>
@@ -7602,7 +7608,7 @@
           <a:p>
             <a:fld id="{8637FE78-371E-4905-91BC-AD0CC6760D84}" type="datetimeFigureOut">
               <a:rPr lang="en-US" smtClean="0"/>
-              <a:t>1/27/2023</a:t>
+              <a:t>1/29/2023</a:t>
             </a:fld>
             <a:endParaRPr lang="en-US"/>
           </a:p>
@@ -7834,7 +7840,7 @@
           <a:p>
             <a:fld id="{8637FE78-371E-4905-91BC-AD0CC6760D84}" type="datetimeFigureOut">
               <a:rPr lang="en-US" smtClean="0"/>
-              <a:t>1/27/2023</a:t>
+              <a:t>1/29/2023</a:t>
             </a:fld>
             <a:endParaRPr lang="en-US"/>
           </a:p>
@@ -8215,7 +8221,7 @@
           <a:p>
             <a:fld id="{8637FE78-371E-4905-91BC-AD0CC6760D84}" type="datetimeFigureOut">
               <a:rPr lang="en-US" smtClean="0"/>
-              <a:t>1/27/2023</a:t>
+              <a:t>1/29/2023</a:t>
             </a:fld>
             <a:endParaRPr lang="en-US"/>
           </a:p>
@@ -8333,7 +8339,7 @@
           <a:p>
             <a:fld id="{8637FE78-371E-4905-91BC-AD0CC6760D84}" type="datetimeFigureOut">
               <a:rPr lang="en-US" smtClean="0"/>
-              <a:t>1/27/2023</a:t>
+              <a:t>1/29/2023</a:t>
             </a:fld>
             <a:endParaRPr lang="en-US"/>
           </a:p>
@@ -8428,7 +8434,7 @@
           <a:p>
             <a:fld id="{8637FE78-371E-4905-91BC-AD0CC6760D84}" type="datetimeFigureOut">
               <a:rPr lang="en-US" smtClean="0"/>
-              <a:t>1/27/2023</a:t>
+              <a:t>1/29/2023</a:t>
             </a:fld>
             <a:endParaRPr lang="en-US"/>
           </a:p>
@@ -8677,7 +8683,7 @@
           <a:p>
             <a:fld id="{8637FE78-371E-4905-91BC-AD0CC6760D84}" type="datetimeFigureOut">
               <a:rPr lang="en-US" smtClean="0"/>
-              <a:t>1/27/2023</a:t>
+              <a:t>1/29/2023</a:t>
             </a:fld>
             <a:endParaRPr lang="en-US"/>
           </a:p>
@@ -8957,7 +8963,7 @@
           <a:p>
             <a:fld id="{8637FE78-371E-4905-91BC-AD0CC6760D84}" type="datetimeFigureOut">
               <a:rPr lang="en-US" smtClean="0"/>
-              <a:t>1/27/2023</a:t>
+              <a:t>1/29/2023</a:t>
             </a:fld>
             <a:endParaRPr lang="en-US"/>
           </a:p>
@@ -9073,7 +9079,7 @@
           <a:noFill/>
           <a:extLst>
             <a:ext uri="{909E8E84-426E-40dd-AFC4-6F175D3DCCD1}">
-              <a14:hiddenFill xmlns:a14="http://schemas.microsoft.com/office/drawing/2010/main" xmlns="">
+              <a14:hiddenFill xmlns="" xmlns:a14="http://schemas.microsoft.com/office/drawing/2010/main">
                 <a:solidFill>
                   <a:srgbClr val="FFFFFF"/>
                 </a:solidFill>
@@ -9147,7 +9153,7 @@
               </a:ln>
               <a:extLst>
                 <a:ext uri="{91240B29-F687-4f45-9708-019B960494DF}">
-                  <a14:hiddenLine xmlns:a14="http://schemas.microsoft.com/office/drawing/2010/main" xmlns="" w="9525">
+                  <a14:hiddenLine xmlns="" xmlns:a14="http://schemas.microsoft.com/office/drawing/2010/main" w="9525">
                     <a:solidFill>
                       <a:srgbClr val="000000"/>
                     </a:solidFill>
@@ -9237,7 +9243,7 @@
               </a:ln>
               <a:extLst>
                 <a:ext uri="{91240B29-F687-4f45-9708-019B960494DF}">
-                  <a14:hiddenLine xmlns:a14="http://schemas.microsoft.com/office/drawing/2010/main" xmlns="" w="9525">
+                  <a14:hiddenLine xmlns="" xmlns:a14="http://schemas.microsoft.com/office/drawing/2010/main" w="9525">
                     <a:solidFill>
                       <a:srgbClr val="000000"/>
                     </a:solidFill>
@@ -9327,7 +9333,7 @@
               </a:ln>
               <a:extLst>
                 <a:ext uri="{91240B29-F687-4f45-9708-019B960494DF}">
-                  <a14:hiddenLine xmlns:a14="http://schemas.microsoft.com/office/drawing/2010/main" xmlns="" w="9525">
+                  <a14:hiddenLine xmlns="" xmlns:a14="http://schemas.microsoft.com/office/drawing/2010/main" w="9525">
                     <a:solidFill>
                       <a:srgbClr val="000000"/>
                     </a:solidFill>
@@ -9389,7 +9395,7 @@
               </a:ln>
               <a:extLst>
                 <a:ext uri="{91240B29-F687-4f45-9708-019B960494DF}">
-                  <a14:hiddenLine xmlns:a14="http://schemas.microsoft.com/office/drawing/2010/main" xmlns="" w="9525">
+                  <a14:hiddenLine xmlns="" xmlns:a14="http://schemas.microsoft.com/office/drawing/2010/main" w="9525">
                     <a:solidFill>
                       <a:srgbClr val="000000"/>
                     </a:solidFill>
@@ -9479,7 +9485,7 @@
               </a:ln>
               <a:extLst>
                 <a:ext uri="{91240B29-F687-4f45-9708-019B960494DF}">
-                  <a14:hiddenLine xmlns:a14="http://schemas.microsoft.com/office/drawing/2010/main" xmlns="" w="9525">
+                  <a14:hiddenLine xmlns="" xmlns:a14="http://schemas.microsoft.com/office/drawing/2010/main" w="9525">
                     <a:solidFill>
                       <a:srgbClr val="000000"/>
                     </a:solidFill>
@@ -9541,7 +9547,7 @@
               </a:ln>
               <a:extLst>
                 <a:ext uri="{91240B29-F687-4f45-9708-019B960494DF}">
-                  <a14:hiddenLine xmlns:a14="http://schemas.microsoft.com/office/drawing/2010/main" xmlns="" w="9525">
+                  <a14:hiddenLine xmlns="" xmlns:a14="http://schemas.microsoft.com/office/drawing/2010/main" w="9525">
                     <a:solidFill>
                       <a:srgbClr val="000000"/>
                     </a:solidFill>
@@ -9603,7 +9609,7 @@
               </a:ln>
               <a:extLst>
                 <a:ext uri="{91240B29-F687-4f45-9708-019B960494DF}">
-                  <a14:hiddenLine xmlns:a14="http://schemas.microsoft.com/office/drawing/2010/main" xmlns="" w="9525">
+                  <a14:hiddenLine xmlns="" xmlns:a14="http://schemas.microsoft.com/office/drawing/2010/main" w="9525">
                     <a:solidFill>
                       <a:srgbClr val="000000"/>
                     </a:solidFill>
@@ -9693,7 +9699,7 @@
               </a:ln>
               <a:extLst>
                 <a:ext uri="{91240B29-F687-4f45-9708-019B960494DF}">
-                  <a14:hiddenLine xmlns:a14="http://schemas.microsoft.com/office/drawing/2010/main" xmlns="" w="9525">
+                  <a14:hiddenLine xmlns="" xmlns:a14="http://schemas.microsoft.com/office/drawing/2010/main" w="9525">
                     <a:solidFill>
                       <a:srgbClr val="000000"/>
                     </a:solidFill>
@@ -9783,7 +9789,7 @@
               </a:ln>
               <a:extLst>
                 <a:ext uri="{91240B29-F687-4f45-9708-019B960494DF}">
-                  <a14:hiddenLine xmlns:a14="http://schemas.microsoft.com/office/drawing/2010/main" xmlns="" w="9525">
+                  <a14:hiddenLine xmlns="" xmlns:a14="http://schemas.microsoft.com/office/drawing/2010/main" w="9525">
                     <a:solidFill>
                       <a:srgbClr val="000000"/>
                     </a:solidFill>
@@ -9845,7 +9851,7 @@
               </a:ln>
               <a:extLst>
                 <a:ext uri="{91240B29-F687-4f45-9708-019B960494DF}">
-                  <a14:hiddenLine xmlns:a14="http://schemas.microsoft.com/office/drawing/2010/main" xmlns="" w="9525">
+                  <a14:hiddenLine xmlns="" xmlns:a14="http://schemas.microsoft.com/office/drawing/2010/main" w="9525">
                     <a:solidFill>
                       <a:srgbClr val="000000"/>
                     </a:solidFill>
@@ -9955,7 +9961,7 @@
               </a:ln>
               <a:extLst>
                 <a:ext uri="{91240B29-F687-4f45-9708-019B960494DF}">
-                  <a14:hiddenLine xmlns:a14="http://schemas.microsoft.com/office/drawing/2010/main" xmlns="" w="9525">
+                  <a14:hiddenLine xmlns="" xmlns:a14="http://schemas.microsoft.com/office/drawing/2010/main" w="9525">
                     <a:solidFill>
                       <a:srgbClr val="000000"/>
                     </a:solidFill>
@@ -10039,7 +10045,7 @@
               </a:ln>
               <a:extLst>
                 <a:ext uri="{91240B29-F687-4f45-9708-019B960494DF}">
-                  <a14:hiddenLine xmlns:a14="http://schemas.microsoft.com/office/drawing/2010/main" xmlns="" w="9525">
+                  <a14:hiddenLine xmlns="" xmlns:a14="http://schemas.microsoft.com/office/drawing/2010/main" w="9525">
                     <a:solidFill>
                       <a:srgbClr val="000000"/>
                     </a:solidFill>
@@ -10101,7 +10107,7 @@
               </a:ln>
               <a:extLst>
                 <a:ext uri="{91240B29-F687-4f45-9708-019B960494DF}">
-                  <a14:hiddenLine xmlns:a14="http://schemas.microsoft.com/office/drawing/2010/main" xmlns="" w="9525">
+                  <a14:hiddenLine xmlns="" xmlns:a14="http://schemas.microsoft.com/office/drawing/2010/main" w="9525">
                     <a:solidFill>
                       <a:srgbClr val="000000"/>
                     </a:solidFill>
@@ -10163,7 +10169,7 @@
               </a:ln>
               <a:extLst>
                 <a:ext uri="{91240B29-F687-4f45-9708-019B960494DF}">
-                  <a14:hiddenLine xmlns:a14="http://schemas.microsoft.com/office/drawing/2010/main" xmlns="" w="9525">
+                  <a14:hiddenLine xmlns="" xmlns:a14="http://schemas.microsoft.com/office/drawing/2010/main" w="9525">
                     <a:solidFill>
                       <a:srgbClr val="000000"/>
                     </a:solidFill>
@@ -10253,7 +10259,7 @@
               </a:ln>
               <a:extLst>
                 <a:ext uri="{91240B29-F687-4f45-9708-019B960494DF}">
-                  <a14:hiddenLine xmlns:a14="http://schemas.microsoft.com/office/drawing/2010/main" xmlns="" w="9525">
+                  <a14:hiddenLine xmlns="" xmlns:a14="http://schemas.microsoft.com/office/drawing/2010/main" w="9525">
                     <a:solidFill>
                       <a:srgbClr val="000000"/>
                     </a:solidFill>
@@ -10287,7 +10293,7 @@
               </a:ln>
               <a:extLst>
                 <a:ext uri="{91240B29-F687-4f45-9708-019B960494DF}">
-                  <a14:hiddenLine xmlns:a14="http://schemas.microsoft.com/office/drawing/2010/main" xmlns="" w="9525">
+                  <a14:hiddenLine xmlns="" xmlns:a14="http://schemas.microsoft.com/office/drawing/2010/main" w="9525">
                     <a:solidFill>
                       <a:srgbClr val="000000"/>
                     </a:solidFill>
@@ -10352,7 +10358,7 @@
               </a:ln>
               <a:extLst>
                 <a:ext uri="{91240B29-F687-4f45-9708-019B960494DF}">
-                  <a14:hiddenLine xmlns:a14="http://schemas.microsoft.com/office/drawing/2010/main" xmlns="" w="9525">
+                  <a14:hiddenLine xmlns="" xmlns:a14="http://schemas.microsoft.com/office/drawing/2010/main" w="9525">
                     <a:solidFill>
                       <a:srgbClr val="000000"/>
                     </a:solidFill>
@@ -10442,7 +10448,7 @@
               </a:ln>
               <a:extLst>
                 <a:ext uri="{91240B29-F687-4f45-9708-019B960494DF}">
-                  <a14:hiddenLine xmlns:a14="http://schemas.microsoft.com/office/drawing/2010/main" xmlns="" w="9525">
+                  <a14:hiddenLine xmlns="" xmlns:a14="http://schemas.microsoft.com/office/drawing/2010/main" w="9525">
                     <a:solidFill>
                       <a:srgbClr val="000000"/>
                     </a:solidFill>
@@ -10504,7 +10510,7 @@
               </a:ln>
               <a:extLst>
                 <a:ext uri="{91240B29-F687-4f45-9708-019B960494DF}">
-                  <a14:hiddenLine xmlns:a14="http://schemas.microsoft.com/office/drawing/2010/main" xmlns="" w="9525">
+                  <a14:hiddenLine xmlns="" xmlns:a14="http://schemas.microsoft.com/office/drawing/2010/main" w="9525">
                     <a:solidFill>
                       <a:srgbClr val="000000"/>
                     </a:solidFill>
@@ -10594,7 +10600,7 @@
               </a:ln>
               <a:extLst>
                 <a:ext uri="{91240B29-F687-4f45-9708-019B960494DF}">
-                  <a14:hiddenLine xmlns:a14="http://schemas.microsoft.com/office/drawing/2010/main" xmlns="" w="9525">
+                  <a14:hiddenLine xmlns="" xmlns:a14="http://schemas.microsoft.com/office/drawing/2010/main" w="9525">
                     <a:solidFill>
                       <a:srgbClr val="000000"/>
                     </a:solidFill>
@@ -10659,7 +10665,7 @@
               </a:ln>
               <a:extLst>
                 <a:ext uri="{91240B29-F687-4f45-9708-019B960494DF}">
-                  <a14:hiddenLine xmlns:a14="http://schemas.microsoft.com/office/drawing/2010/main" xmlns="" w="9525">
+                  <a14:hiddenLine xmlns="" xmlns:a14="http://schemas.microsoft.com/office/drawing/2010/main" w="9525">
                     <a:solidFill>
                       <a:srgbClr val="000000"/>
                     </a:solidFill>
@@ -10721,7 +10727,7 @@
               </a:ln>
               <a:extLst>
                 <a:ext uri="{91240B29-F687-4f45-9708-019B960494DF}">
-                  <a14:hiddenLine xmlns:a14="http://schemas.microsoft.com/office/drawing/2010/main" xmlns="" w="9525">
+                  <a14:hiddenLine xmlns="" xmlns:a14="http://schemas.microsoft.com/office/drawing/2010/main" w="9525">
                     <a:solidFill>
                       <a:srgbClr val="000000"/>
                     </a:solidFill>
@@ -10811,7 +10817,7 @@
               </a:ln>
               <a:extLst>
                 <a:ext uri="{91240B29-F687-4f45-9708-019B960494DF}">
-                  <a14:hiddenLine xmlns:a14="http://schemas.microsoft.com/office/drawing/2010/main" xmlns="" w="9525">
+                  <a14:hiddenLine xmlns="" xmlns:a14="http://schemas.microsoft.com/office/drawing/2010/main" w="9525">
                     <a:solidFill>
                       <a:srgbClr val="000000"/>
                     </a:solidFill>
@@ -10901,7 +10907,7 @@
               </a:ln>
               <a:extLst>
                 <a:ext uri="{91240B29-F687-4f45-9708-019B960494DF}">
-                  <a14:hiddenLine xmlns:a14="http://schemas.microsoft.com/office/drawing/2010/main" xmlns="" w="9525">
+                  <a14:hiddenLine xmlns="" xmlns:a14="http://schemas.microsoft.com/office/drawing/2010/main" w="9525">
                     <a:solidFill>
                       <a:srgbClr val="000000"/>
                     </a:solidFill>
@@ -10966,7 +10972,7 @@
               </a:ln>
               <a:extLst>
                 <a:ext uri="{91240B29-F687-4f45-9708-019B960494DF}">
-                  <a14:hiddenLine xmlns:a14="http://schemas.microsoft.com/office/drawing/2010/main" xmlns="" w="9525">
+                  <a14:hiddenLine xmlns="" xmlns:a14="http://schemas.microsoft.com/office/drawing/2010/main" w="9525">
                     <a:solidFill>
                       <a:srgbClr val="000000"/>
                     </a:solidFill>
@@ -11086,7 +11092,7 @@
               </a:ln>
               <a:extLst>
                 <a:ext uri="{91240B29-F687-4f45-9708-019B960494DF}">
-                  <a14:hiddenLine xmlns:a14="http://schemas.microsoft.com/office/drawing/2010/main" xmlns="" w="9525">
+                  <a14:hiddenLine xmlns="" xmlns:a14="http://schemas.microsoft.com/office/drawing/2010/main" w="9525">
                     <a:solidFill>
                       <a:srgbClr val="000000"/>
                     </a:solidFill>
@@ -11184,7 +11190,7 @@
               </a:ln>
               <a:extLst>
                 <a:ext uri="{91240B29-F687-4f45-9708-019B960494DF}">
-                  <a14:hiddenLine xmlns:a14="http://schemas.microsoft.com/office/drawing/2010/main" xmlns="" w="9525">
+                  <a14:hiddenLine xmlns="" xmlns:a14="http://schemas.microsoft.com/office/drawing/2010/main" w="9525">
                     <a:solidFill>
                       <a:srgbClr val="000000"/>
                     </a:solidFill>
@@ -11299,7 +11305,7 @@
               </a:ln>
               <a:extLst>
                 <a:ext uri="{91240B29-F687-4f45-9708-019B960494DF}">
-                  <a14:hiddenLine xmlns:a14="http://schemas.microsoft.com/office/drawing/2010/main" xmlns="" w="9525">
+                  <a14:hiddenLine xmlns="" xmlns:a14="http://schemas.microsoft.com/office/drawing/2010/main" w="9525">
                     <a:solidFill>
                       <a:srgbClr val="000000"/>
                     </a:solidFill>
@@ -11389,7 +11395,7 @@
               </a:ln>
               <a:extLst>
                 <a:ext uri="{91240B29-F687-4f45-9708-019B960494DF}">
-                  <a14:hiddenLine xmlns:a14="http://schemas.microsoft.com/office/drawing/2010/main" xmlns="" w="9525">
+                  <a14:hiddenLine xmlns="" xmlns:a14="http://schemas.microsoft.com/office/drawing/2010/main" w="9525">
                     <a:solidFill>
                       <a:srgbClr val="000000"/>
                     </a:solidFill>
@@ -11454,7 +11460,7 @@
               </a:ln>
               <a:extLst>
                 <a:ext uri="{91240B29-F687-4f45-9708-019B960494DF}">
-                  <a14:hiddenLine xmlns:a14="http://schemas.microsoft.com/office/drawing/2010/main" xmlns="" w="9525">
+                  <a14:hiddenLine xmlns="" xmlns:a14="http://schemas.microsoft.com/office/drawing/2010/main" w="9525">
                     <a:solidFill>
                       <a:srgbClr val="000000"/>
                     </a:solidFill>
@@ -11544,7 +11550,7 @@
               </a:ln>
               <a:extLst>
                 <a:ext uri="{91240B29-F687-4f45-9708-019B960494DF}">
-                  <a14:hiddenLine xmlns:a14="http://schemas.microsoft.com/office/drawing/2010/main" xmlns="" w="9525">
+                  <a14:hiddenLine xmlns="" xmlns:a14="http://schemas.microsoft.com/office/drawing/2010/main" w="9525">
                     <a:solidFill>
                       <a:srgbClr val="000000"/>
                     </a:solidFill>
@@ -11612,7 +11618,7 @@
               </a:ln>
               <a:extLst>
                 <a:ext uri="{91240B29-F687-4f45-9708-019B960494DF}">
-                  <a14:hiddenLine xmlns:a14="http://schemas.microsoft.com/office/drawing/2010/main" xmlns="" w="9525">
+                  <a14:hiddenLine xmlns="" xmlns:a14="http://schemas.microsoft.com/office/drawing/2010/main" w="9525">
                     <a:solidFill>
                       <a:srgbClr val="000000"/>
                     </a:solidFill>
@@ -11702,7 +11708,7 @@
               </a:ln>
               <a:extLst>
                 <a:ext uri="{91240B29-F687-4f45-9708-019B960494DF}">
-                  <a14:hiddenLine xmlns:a14="http://schemas.microsoft.com/office/drawing/2010/main" xmlns="" w="9525">
+                  <a14:hiddenLine xmlns="" xmlns:a14="http://schemas.microsoft.com/office/drawing/2010/main" w="9525">
                     <a:solidFill>
                       <a:srgbClr val="000000"/>
                     </a:solidFill>
@@ -11770,7 +11776,7 @@
               </a:ln>
               <a:extLst>
                 <a:ext uri="{91240B29-F687-4f45-9708-019B960494DF}">
-                  <a14:hiddenLine xmlns:a14="http://schemas.microsoft.com/office/drawing/2010/main" xmlns="" w="9525">
+                  <a14:hiddenLine xmlns="" xmlns:a14="http://schemas.microsoft.com/office/drawing/2010/main" w="9525">
                     <a:solidFill>
                       <a:srgbClr val="000000"/>
                     </a:solidFill>
@@ -11860,7 +11866,7 @@
               </a:ln>
               <a:extLst>
                 <a:ext uri="{91240B29-F687-4f45-9708-019B960494DF}">
-                  <a14:hiddenLine xmlns:a14="http://schemas.microsoft.com/office/drawing/2010/main" xmlns="" w="9525">
+                  <a14:hiddenLine xmlns="" xmlns:a14="http://schemas.microsoft.com/office/drawing/2010/main" w="9525">
                     <a:solidFill>
                       <a:srgbClr val="000000"/>
                     </a:solidFill>
@@ -11894,7 +11900,7 @@
               </a:ln>
               <a:extLst>
                 <a:ext uri="{91240B29-F687-4f45-9708-019B960494DF}">
-                  <a14:hiddenLine xmlns:a14="http://schemas.microsoft.com/office/drawing/2010/main" xmlns="" w="9525">
+                  <a14:hiddenLine xmlns="" xmlns:a14="http://schemas.microsoft.com/office/drawing/2010/main" w="9525">
                     <a:solidFill>
                       <a:srgbClr val="000000"/>
                     </a:solidFill>
@@ -12034,7 +12040,7 @@
           <a:p>
             <a:fld id="{8637FE78-371E-4905-91BC-AD0CC6760D84}" type="datetimeFigureOut">
               <a:rPr lang="en-US" smtClean="0"/>
-              <a:t>1/27/2023</a:t>
+              <a:t>1/29/2023</a:t>
             </a:fld>
             <a:endParaRPr lang="en-US"/>
           </a:p>
@@ -12582,6 +12588,1888 @@
           <a:chExt cx="0" cy="0"/>
         </a:xfrm>
       </p:grpSpPr>
+      <p:sp>
+        <p:nvSpPr>
+          <p:cNvPr id="7" name="Slide Number Placeholder 3"/>
+          <p:cNvSpPr>
+            <a:spLocks noGrp="1"/>
+          </p:cNvSpPr>
+          <p:nvPr>
+            <p:ph type="sldNum" sz="quarter" idx="4294967295"/>
+          </p:nvPr>
+        </p:nvSpPr>
+        <p:spPr>
+          <a:xfrm>
+            <a:off x="11568000" y="6525003"/>
+            <a:ext cx="428822" cy="196477"/>
+          </a:xfrm>
+          <a:prstGeom prst="rect">
+            <a:avLst/>
+          </a:prstGeom>
+        </p:spPr>
+        <p:txBody>
+          <a:bodyPr/>
+          <a:lstStyle/>
+          <a:p>
+            <a:pPr>
+              <a:defRPr/>
+            </a:pPr>
+            <a:fld id="{58452FF4-89E3-4D1B-9927-2DBDC00E58D7}" type="slidenum">
+              <a:rPr lang="en-US" smtClean="0"/>
+              <a:pPr>
+                <a:defRPr/>
+              </a:pPr>
+              <a:t>10</a:t>
+            </a:fld>
+            <a:endParaRPr lang="en-US" dirty="0"/>
+          </a:p>
+        </p:txBody>
+      </p:sp>
+      <p:sp>
+        <p:nvSpPr>
+          <p:cNvPr id="5" name="Content Placeholder 4"/>
+          <p:cNvSpPr>
+            <a:spLocks noGrp="1"/>
+          </p:cNvSpPr>
+          <p:nvPr>
+            <p:ph idx="1"/>
+          </p:nvPr>
+        </p:nvSpPr>
+        <p:spPr>
+          <a:xfrm>
+            <a:off x="1141413" y="1712549"/>
+            <a:ext cx="11696797" cy="5458202"/>
+          </a:xfrm>
+        </p:spPr>
+        <p:txBody>
+          <a:bodyPr>
+            <a:normAutofit/>
+          </a:bodyPr>
+          <a:lstStyle/>
+          <a:p>
+            <a:pPr>
+              <a:lnSpc>
+                <a:spcPct val="100000"/>
+              </a:lnSpc>
+            </a:pPr>
+            <a:r>
+              <a:rPr lang="en-US" dirty="0"/>
+              <a:t>Best suited for:</a:t>
+            </a:r>
+          </a:p>
+          <a:p>
+            <a:pPr lvl="1">
+              <a:lnSpc>
+                <a:spcPct val="100000"/>
+              </a:lnSpc>
+            </a:pPr>
+            <a:r>
+              <a:rPr lang="en-US" dirty="0"/>
+              <a:t>Well, mobile devices </a:t>
+            </a:r>
+            <a:r>
+              <a:rPr lang="en-US" dirty="0">
+                <a:sym typeface="Wingdings" panose="05000000000000000000" pitchFamily="2" charset="2"/>
+              </a:rPr>
+              <a:t></a:t>
+            </a:r>
+          </a:p>
+          <a:p>
+            <a:pPr lvl="1">
+              <a:lnSpc>
+                <a:spcPct val="100000"/>
+              </a:lnSpc>
+            </a:pPr>
+            <a:r>
+              <a:rPr lang="en-US" dirty="0"/>
+              <a:t>User interaction (games, social apps) </a:t>
+            </a:r>
+          </a:p>
+          <a:p>
+            <a:pPr lvl="1">
+              <a:lnSpc>
+                <a:spcPct val="100000"/>
+              </a:lnSpc>
+            </a:pPr>
+            <a:r>
+              <a:rPr lang="en-US" dirty="0"/>
+              <a:t>Front end for Web API </a:t>
+            </a:r>
+          </a:p>
+          <a:p>
+            <a:pPr lvl="1">
+              <a:lnSpc>
+                <a:spcPct val="100000"/>
+              </a:lnSpc>
+            </a:pPr>
+            <a:r>
+              <a:rPr lang="en-US" dirty="0"/>
+              <a:t>Location &amp; camera-based systems</a:t>
+            </a:r>
+            <a:endParaRPr lang="en-US" dirty="0">
+              <a:sym typeface="Wingdings" panose="05000000000000000000" pitchFamily="2" charset="2"/>
+            </a:endParaRPr>
+          </a:p>
+          <a:p>
+            <a:pPr>
+              <a:lnSpc>
+                <a:spcPct val="100000"/>
+              </a:lnSpc>
+            </a:pPr>
+            <a:r>
+              <a:rPr lang="en-US" dirty="0">
+                <a:sym typeface="Wingdings" panose="05000000000000000000" pitchFamily="2" charset="2"/>
+              </a:rPr>
+              <a:t>Usually work with a Web API</a:t>
+            </a:r>
+            <a:endParaRPr lang="en-US" dirty="0"/>
+          </a:p>
+        </p:txBody>
+      </p:sp>
+      <p:sp>
+        <p:nvSpPr>
+          <p:cNvPr id="4" name="Title 3"/>
+          <p:cNvSpPr>
+            <a:spLocks noGrp="1"/>
+          </p:cNvSpPr>
+          <p:nvPr>
+            <p:ph type="title"/>
+          </p:nvPr>
+        </p:nvSpPr>
+        <p:spPr/>
+        <p:txBody>
+          <a:bodyPr/>
+          <a:lstStyle/>
+          <a:p>
+            <a:pPr>
+              <a:lnSpc>
+                <a:spcPct val="100000"/>
+              </a:lnSpc>
+            </a:pPr>
+            <a:r>
+              <a:rPr lang="en-GB" dirty="0"/>
+              <a:t>Application Types – Mobile Application</a:t>
+            </a:r>
+            <a:endParaRPr lang="pt-BR" dirty="0"/>
+          </a:p>
+        </p:txBody>
+      </p:sp>
+      <p:pic>
+        <p:nvPicPr>
+          <p:cNvPr id="2" name="Picture 1">
+            <a:extLst>
+              <a:ext uri="{FF2B5EF4-FFF2-40B4-BE49-F238E27FC236}">
+                <a16:creationId xmlns:a16="http://schemas.microsoft.com/office/drawing/2014/main" id="{5C7B5226-B390-4C9A-9145-B9C56DE8DE2B}"/>
+              </a:ext>
+            </a:extLst>
+          </p:cNvPr>
+          <p:cNvPicPr>
+            <a:picLocks noChangeAspect="1"/>
+          </p:cNvPicPr>
+          <p:nvPr/>
+        </p:nvPicPr>
+        <p:blipFill>
+          <a:blip r:embed="rId2"/>
+          <a:stretch>
+            <a:fillRect/>
+          </a:stretch>
+        </p:blipFill>
+        <p:spPr>
+          <a:xfrm>
+            <a:off x="8364771" y="1712549"/>
+            <a:ext cx="2682640" cy="3592347"/>
+          </a:xfrm>
+          <a:prstGeom prst="rect">
+            <a:avLst/>
+          </a:prstGeom>
+          <a:ln>
+            <a:noFill/>
+          </a:ln>
+          <a:effectLst>
+            <a:outerShdw blurRad="190500" algn="tl" rotWithShape="0">
+              <a:srgbClr val="000000">
+                <a:alpha val="70000"/>
+              </a:srgbClr>
+            </a:outerShdw>
+          </a:effectLst>
+        </p:spPr>
+      </p:pic>
+    </p:spTree>
+    <p:extLst>
+      <p:ext uri="{BB962C8B-B14F-4D97-AF65-F5344CB8AC3E}">
+        <p14:creationId xmlns:p14="http://schemas.microsoft.com/office/powerpoint/2010/main" val="205119809"/>
+      </p:ext>
+    </p:extLst>
+  </p:cSld>
+  <p:clrMapOvr>
+    <a:masterClrMapping/>
+  </p:clrMapOvr>
+</p:sld>
+</file>
+
+<file path=ppt/slides/slide11.xml><?xml version="1.0" encoding="utf-8"?>
+<p:sld xmlns:a="http://schemas.openxmlformats.org/drawingml/2006/main" xmlns:r="http://schemas.openxmlformats.org/officeDocument/2006/relationships" xmlns:p="http://schemas.openxmlformats.org/presentationml/2006/main">
+  <p:cSld>
+    <p:spTree>
+      <p:nvGrpSpPr>
+        <p:cNvPr id="1" name=""/>
+        <p:cNvGrpSpPr/>
+        <p:nvPr/>
+      </p:nvGrpSpPr>
+      <p:grpSpPr>
+        <a:xfrm>
+          <a:off x="0" y="0"/>
+          <a:ext cx="0" cy="0"/>
+          <a:chOff x="0" y="0"/>
+          <a:chExt cx="0" cy="0"/>
+        </a:xfrm>
+      </p:grpSpPr>
+      <p:sp>
+        <p:nvSpPr>
+          <p:cNvPr id="7" name="Slide Number Placeholder 3"/>
+          <p:cNvSpPr>
+            <a:spLocks noGrp="1"/>
+          </p:cNvSpPr>
+          <p:nvPr>
+            <p:ph type="sldNum" sz="quarter" idx="4294967295"/>
+          </p:nvPr>
+        </p:nvSpPr>
+        <p:spPr>
+          <a:xfrm>
+            <a:off x="11568000" y="6525003"/>
+            <a:ext cx="428822" cy="196477"/>
+          </a:xfrm>
+          <a:prstGeom prst="rect">
+            <a:avLst/>
+          </a:prstGeom>
+        </p:spPr>
+        <p:txBody>
+          <a:bodyPr/>
+          <a:lstStyle/>
+          <a:p>
+            <a:pPr>
+              <a:defRPr/>
+            </a:pPr>
+            <a:fld id="{58452FF4-89E3-4D1B-9927-2DBDC00E58D7}" type="slidenum">
+              <a:rPr lang="en-US" smtClean="0"/>
+              <a:pPr>
+                <a:defRPr/>
+              </a:pPr>
+              <a:t>11</a:t>
+            </a:fld>
+            <a:endParaRPr lang="en-US" dirty="0"/>
+          </a:p>
+        </p:txBody>
+      </p:sp>
+      <p:sp>
+        <p:nvSpPr>
+          <p:cNvPr id="5" name="Content Placeholder 4"/>
+          <p:cNvSpPr>
+            <a:spLocks noGrp="1"/>
+          </p:cNvSpPr>
+          <p:nvPr>
+            <p:ph idx="1"/>
+          </p:nvPr>
+        </p:nvSpPr>
+        <p:spPr>
+          <a:xfrm>
+            <a:off x="1141413" y="1712549"/>
+            <a:ext cx="11696797" cy="5458202"/>
+          </a:xfrm>
+        </p:spPr>
+        <p:txBody>
+          <a:bodyPr>
+            <a:normAutofit/>
+          </a:bodyPr>
+          <a:lstStyle/>
+          <a:p>
+            <a:pPr>
+              <a:lnSpc>
+                <a:spcPct val="100000"/>
+              </a:lnSpc>
+            </a:pPr>
+            <a:r>
+              <a:rPr lang="en-US" dirty="0"/>
+              <a:t>Best suited for:</a:t>
+            </a:r>
+          </a:p>
+          <a:p>
+            <a:pPr lvl="1">
+              <a:lnSpc>
+                <a:spcPct val="100000"/>
+              </a:lnSpc>
+            </a:pPr>
+            <a:r>
+              <a:rPr lang="en-GB" dirty="0"/>
+              <a:t>User centric actions</a:t>
+            </a:r>
+          </a:p>
+          <a:p>
+            <a:pPr lvl="1">
+              <a:lnSpc>
+                <a:spcPct val="100000"/>
+              </a:lnSpc>
+            </a:pPr>
+            <a:r>
+              <a:rPr lang="en-GB" dirty="0"/>
+              <a:t>Gaming</a:t>
+            </a:r>
+          </a:p>
+          <a:p>
+            <a:pPr>
+              <a:lnSpc>
+                <a:spcPct val="100000"/>
+              </a:lnSpc>
+            </a:pPr>
+            <a:r>
+              <a:rPr lang="en-US" dirty="0"/>
+              <a:t>Has all its resources on the local PC </a:t>
+            </a:r>
+          </a:p>
+          <a:p>
+            <a:pPr>
+              <a:lnSpc>
+                <a:spcPct val="100000"/>
+              </a:lnSpc>
+            </a:pPr>
+            <a:r>
+              <a:rPr lang="en-US" dirty="0"/>
+              <a:t>Might connect to the web </a:t>
+            </a:r>
+          </a:p>
+          <a:p>
+            <a:pPr>
+              <a:lnSpc>
+                <a:spcPct val="100000"/>
+              </a:lnSpc>
+            </a:pPr>
+            <a:r>
+              <a:rPr lang="en-US" dirty="0"/>
+              <a:t>Great UI</a:t>
+            </a:r>
+          </a:p>
+        </p:txBody>
+      </p:sp>
+      <p:sp>
+        <p:nvSpPr>
+          <p:cNvPr id="4" name="Title 3"/>
+          <p:cNvSpPr>
+            <a:spLocks noGrp="1"/>
+          </p:cNvSpPr>
+          <p:nvPr>
+            <p:ph type="title"/>
+          </p:nvPr>
+        </p:nvSpPr>
+        <p:spPr/>
+        <p:txBody>
+          <a:bodyPr/>
+          <a:lstStyle/>
+          <a:p>
+            <a:pPr>
+              <a:lnSpc>
+                <a:spcPct val="100000"/>
+              </a:lnSpc>
+            </a:pPr>
+            <a:r>
+              <a:rPr lang="en-GB" dirty="0"/>
+              <a:t>Application Types – desktop Application</a:t>
+            </a:r>
+            <a:endParaRPr lang="pt-BR" dirty="0"/>
+          </a:p>
+        </p:txBody>
+      </p:sp>
+      <p:pic>
+        <p:nvPicPr>
+          <p:cNvPr id="6" name="Picture 5">
+            <a:extLst>
+              <a:ext uri="{FF2B5EF4-FFF2-40B4-BE49-F238E27FC236}">
+                <a16:creationId xmlns:a16="http://schemas.microsoft.com/office/drawing/2014/main" id="{5367B2FA-49B7-44E9-A8F8-6995703EBF19}"/>
+              </a:ext>
+            </a:extLst>
+          </p:cNvPr>
+          <p:cNvPicPr>
+            <a:picLocks noChangeAspect="1"/>
+          </p:cNvPicPr>
+          <p:nvPr/>
+        </p:nvPicPr>
+        <p:blipFill>
+          <a:blip r:embed="rId2"/>
+          <a:stretch>
+            <a:fillRect/>
+          </a:stretch>
+        </p:blipFill>
+        <p:spPr>
+          <a:xfrm>
+            <a:off x="6070599" y="1712549"/>
+            <a:ext cx="4976812" cy="2681287"/>
+          </a:xfrm>
+          <a:prstGeom prst="rect">
+            <a:avLst/>
+          </a:prstGeom>
+          <a:ln>
+            <a:noFill/>
+          </a:ln>
+          <a:effectLst>
+            <a:outerShdw blurRad="190500" algn="tl" rotWithShape="0">
+              <a:srgbClr val="000000">
+                <a:alpha val="70000"/>
+              </a:srgbClr>
+            </a:outerShdw>
+          </a:effectLst>
+        </p:spPr>
+      </p:pic>
+    </p:spTree>
+    <p:extLst>
+      <p:ext uri="{BB962C8B-B14F-4D97-AF65-F5344CB8AC3E}">
+        <p14:creationId xmlns:p14="http://schemas.microsoft.com/office/powerpoint/2010/main" val="128782753"/>
+      </p:ext>
+    </p:extLst>
+  </p:cSld>
+  <p:clrMapOvr>
+    <a:masterClrMapping/>
+  </p:clrMapOvr>
+</p:sld>
+</file>
+
+<file path=ppt/slides/slide12.xml><?xml version="1.0" encoding="utf-8"?>
+<p:sld xmlns:a="http://schemas.openxmlformats.org/drawingml/2006/main" xmlns:r="http://schemas.openxmlformats.org/officeDocument/2006/relationships" xmlns:p="http://schemas.openxmlformats.org/presentationml/2006/main">
+  <p:cSld>
+    <p:spTree>
+      <p:nvGrpSpPr>
+        <p:cNvPr id="1" name=""/>
+        <p:cNvGrpSpPr/>
+        <p:nvPr/>
+      </p:nvGrpSpPr>
+      <p:grpSpPr>
+        <a:xfrm>
+          <a:off x="0" y="0"/>
+          <a:ext cx="0" cy="0"/>
+          <a:chOff x="0" y="0"/>
+          <a:chExt cx="0" cy="0"/>
+        </a:xfrm>
+      </p:grpSpPr>
+      <p:sp>
+        <p:nvSpPr>
+          <p:cNvPr id="7" name="Slide Number Placeholder 3"/>
+          <p:cNvSpPr>
+            <a:spLocks noGrp="1"/>
+          </p:cNvSpPr>
+          <p:nvPr>
+            <p:ph type="sldNum" sz="quarter" idx="4294967295"/>
+          </p:nvPr>
+        </p:nvSpPr>
+        <p:spPr>
+          <a:xfrm>
+            <a:off x="11568000" y="6525003"/>
+            <a:ext cx="428822" cy="196477"/>
+          </a:xfrm>
+          <a:prstGeom prst="rect">
+            <a:avLst/>
+          </a:prstGeom>
+        </p:spPr>
+        <p:txBody>
+          <a:bodyPr/>
+          <a:lstStyle/>
+          <a:p>
+            <a:pPr>
+              <a:defRPr/>
+            </a:pPr>
+            <a:fld id="{58452FF4-89E3-4D1B-9927-2DBDC00E58D7}" type="slidenum">
+              <a:rPr lang="en-US" smtClean="0"/>
+              <a:pPr>
+                <a:defRPr/>
+              </a:pPr>
+              <a:t>12</a:t>
+            </a:fld>
+            <a:endParaRPr lang="en-US" dirty="0"/>
+          </a:p>
+        </p:txBody>
+      </p:sp>
+      <p:sp>
+        <p:nvSpPr>
+          <p:cNvPr id="5" name="Content Placeholder 4"/>
+          <p:cNvSpPr>
+            <a:spLocks noGrp="1"/>
+          </p:cNvSpPr>
+          <p:nvPr>
+            <p:ph idx="1"/>
+          </p:nvPr>
+        </p:nvSpPr>
+        <p:spPr>
+          <a:xfrm>
+            <a:off x="1141413" y="1712549"/>
+            <a:ext cx="11696797" cy="5458202"/>
+          </a:xfrm>
+        </p:spPr>
+        <p:txBody>
+          <a:bodyPr>
+            <a:normAutofit/>
+          </a:bodyPr>
+          <a:lstStyle/>
+          <a:p>
+            <a:pPr>
+              <a:lnSpc>
+                <a:spcPct val="100000"/>
+              </a:lnSpc>
+            </a:pPr>
+            <a:r>
+              <a:rPr lang="en-US" dirty="0"/>
+              <a:t>Best suited for:</a:t>
+            </a:r>
+          </a:p>
+          <a:p>
+            <a:pPr lvl="1">
+              <a:lnSpc>
+                <a:spcPct val="100000"/>
+              </a:lnSpc>
+            </a:pPr>
+            <a:r>
+              <a:rPr lang="en-US" dirty="0"/>
+              <a:t>Long-running processes </a:t>
+            </a:r>
+          </a:p>
+          <a:p>
+            <a:pPr lvl="1">
+              <a:lnSpc>
+                <a:spcPct val="100000"/>
+              </a:lnSpc>
+            </a:pPr>
+            <a:r>
+              <a:rPr lang="en-US" dirty="0"/>
+              <a:t>Short actions by trained power-users</a:t>
+            </a:r>
+          </a:p>
+          <a:p>
+            <a:pPr>
+              <a:lnSpc>
+                <a:spcPct val="100000"/>
+              </a:lnSpc>
+            </a:pPr>
+            <a:r>
+              <a:rPr lang="en-US" dirty="0"/>
+              <a:t>No fancy UI </a:t>
+            </a:r>
+          </a:p>
+          <a:p>
+            <a:pPr>
+              <a:lnSpc>
+                <a:spcPct val="100000"/>
+              </a:lnSpc>
+            </a:pPr>
+            <a:r>
+              <a:rPr lang="en-US" dirty="0"/>
+              <a:t>Require technical knowledge </a:t>
+            </a:r>
+          </a:p>
+          <a:p>
+            <a:pPr>
+              <a:lnSpc>
+                <a:spcPct val="100000"/>
+              </a:lnSpc>
+            </a:pPr>
+            <a:r>
+              <a:rPr lang="en-US" dirty="0"/>
+              <a:t>Limited interaction </a:t>
+            </a:r>
+          </a:p>
+          <a:p>
+            <a:pPr>
+              <a:lnSpc>
+                <a:spcPct val="100000"/>
+              </a:lnSpc>
+            </a:pPr>
+            <a:r>
+              <a:rPr lang="en-US" dirty="0"/>
+              <a:t>Long or short-running Processes</a:t>
+            </a:r>
+          </a:p>
+        </p:txBody>
+      </p:sp>
+      <p:sp>
+        <p:nvSpPr>
+          <p:cNvPr id="4" name="Title 3"/>
+          <p:cNvSpPr>
+            <a:spLocks noGrp="1"/>
+          </p:cNvSpPr>
+          <p:nvPr>
+            <p:ph type="title"/>
+          </p:nvPr>
+        </p:nvSpPr>
+        <p:spPr/>
+        <p:txBody>
+          <a:bodyPr/>
+          <a:lstStyle/>
+          <a:p>
+            <a:pPr>
+              <a:lnSpc>
+                <a:spcPct val="100000"/>
+              </a:lnSpc>
+            </a:pPr>
+            <a:r>
+              <a:rPr lang="en-GB" dirty="0"/>
+              <a:t>Application Types – Console Application</a:t>
+            </a:r>
+            <a:endParaRPr lang="pt-BR" dirty="0"/>
+          </a:p>
+        </p:txBody>
+      </p:sp>
+      <p:pic>
+        <p:nvPicPr>
+          <p:cNvPr id="3" name="Picture 2">
+            <a:extLst>
+              <a:ext uri="{FF2B5EF4-FFF2-40B4-BE49-F238E27FC236}">
+                <a16:creationId xmlns:a16="http://schemas.microsoft.com/office/drawing/2014/main" id="{F7FC11E6-0848-403C-A383-B089FE91375F}"/>
+              </a:ext>
+            </a:extLst>
+          </p:cNvPr>
+          <p:cNvPicPr>
+            <a:picLocks noChangeAspect="1"/>
+          </p:cNvPicPr>
+          <p:nvPr/>
+        </p:nvPicPr>
+        <p:blipFill>
+          <a:blip r:embed="rId2"/>
+          <a:stretch>
+            <a:fillRect/>
+          </a:stretch>
+        </p:blipFill>
+        <p:spPr>
+          <a:xfrm>
+            <a:off x="6653408" y="1712549"/>
+            <a:ext cx="4394003" cy="2769644"/>
+          </a:xfrm>
+          <a:prstGeom prst="rect">
+            <a:avLst/>
+          </a:prstGeom>
+          <a:ln>
+            <a:noFill/>
+          </a:ln>
+          <a:effectLst>
+            <a:outerShdw blurRad="190500" algn="tl" rotWithShape="0">
+              <a:srgbClr val="000000">
+                <a:alpha val="70000"/>
+              </a:srgbClr>
+            </a:outerShdw>
+          </a:effectLst>
+        </p:spPr>
+      </p:pic>
+    </p:spTree>
+    <p:extLst>
+      <p:ext uri="{BB962C8B-B14F-4D97-AF65-F5344CB8AC3E}">
+        <p14:creationId xmlns:p14="http://schemas.microsoft.com/office/powerpoint/2010/main" val="652442687"/>
+      </p:ext>
+    </p:extLst>
+  </p:cSld>
+  <p:clrMapOvr>
+    <a:masterClrMapping/>
+  </p:clrMapOvr>
+</p:sld>
+</file>
+
+<file path=ppt/slides/slide13.xml><?xml version="1.0" encoding="utf-8"?>
+<p:sld xmlns:a="http://schemas.openxmlformats.org/drawingml/2006/main" xmlns:r="http://schemas.openxmlformats.org/officeDocument/2006/relationships" xmlns:p="http://schemas.openxmlformats.org/presentationml/2006/main">
+  <p:cSld>
+    <p:spTree>
+      <p:nvGrpSpPr>
+        <p:cNvPr id="1" name=""/>
+        <p:cNvGrpSpPr/>
+        <p:nvPr/>
+      </p:nvGrpSpPr>
+      <p:grpSpPr>
+        <a:xfrm>
+          <a:off x="0" y="0"/>
+          <a:ext cx="0" cy="0"/>
+          <a:chOff x="0" y="0"/>
+          <a:chExt cx="0" cy="0"/>
+        </a:xfrm>
+      </p:grpSpPr>
+      <p:sp>
+        <p:nvSpPr>
+          <p:cNvPr id="7" name="Slide Number Placeholder 3"/>
+          <p:cNvSpPr>
+            <a:spLocks noGrp="1"/>
+          </p:cNvSpPr>
+          <p:nvPr>
+            <p:ph type="sldNum" sz="quarter" idx="4294967295"/>
+          </p:nvPr>
+        </p:nvSpPr>
+        <p:spPr>
+          <a:xfrm>
+            <a:off x="11568000" y="6525003"/>
+            <a:ext cx="428822" cy="196477"/>
+          </a:xfrm>
+          <a:prstGeom prst="rect">
+            <a:avLst/>
+          </a:prstGeom>
+        </p:spPr>
+        <p:txBody>
+          <a:bodyPr/>
+          <a:lstStyle/>
+          <a:p>
+            <a:pPr>
+              <a:defRPr/>
+            </a:pPr>
+            <a:fld id="{58452FF4-89E3-4D1B-9927-2DBDC00E58D7}" type="slidenum">
+              <a:rPr lang="en-US" smtClean="0"/>
+              <a:pPr>
+                <a:defRPr/>
+              </a:pPr>
+              <a:t>13</a:t>
+            </a:fld>
+            <a:endParaRPr lang="en-US" dirty="0"/>
+          </a:p>
+        </p:txBody>
+      </p:sp>
+      <p:sp>
+        <p:nvSpPr>
+          <p:cNvPr id="5" name="Content Placeholder 4"/>
+          <p:cNvSpPr>
+            <a:spLocks noGrp="1"/>
+          </p:cNvSpPr>
+          <p:nvPr>
+            <p:ph idx="1"/>
+          </p:nvPr>
+        </p:nvSpPr>
+        <p:spPr>
+          <a:xfrm>
+            <a:off x="1141413" y="1712549"/>
+            <a:ext cx="11696797" cy="5458202"/>
+          </a:xfrm>
+        </p:spPr>
+        <p:txBody>
+          <a:bodyPr>
+            <a:normAutofit/>
+          </a:bodyPr>
+          <a:lstStyle/>
+          <a:p>
+            <a:pPr>
+              <a:lnSpc>
+                <a:spcPct val="100000"/>
+              </a:lnSpc>
+            </a:pPr>
+            <a:r>
+              <a:rPr lang="en-US" dirty="0"/>
+              <a:t>Best suited for:</a:t>
+            </a:r>
+          </a:p>
+          <a:p>
+            <a:pPr lvl="1">
+              <a:lnSpc>
+                <a:spcPct val="100000"/>
+              </a:lnSpc>
+            </a:pPr>
+            <a:r>
+              <a:rPr lang="en-US" dirty="0"/>
+              <a:t>Long-running processes </a:t>
+            </a:r>
+          </a:p>
+          <a:p>
+            <a:pPr>
+              <a:lnSpc>
+                <a:spcPct val="100000"/>
+              </a:lnSpc>
+            </a:pPr>
+            <a:r>
+              <a:rPr lang="en-US" dirty="0"/>
+              <a:t>No UI at all</a:t>
+            </a:r>
+          </a:p>
+          <a:p>
+            <a:pPr>
+              <a:lnSpc>
+                <a:spcPct val="100000"/>
+              </a:lnSpc>
+            </a:pPr>
+            <a:r>
+              <a:rPr lang="en-US" dirty="0"/>
+              <a:t>Managed by the OS service manager</a:t>
+            </a:r>
+          </a:p>
+        </p:txBody>
+      </p:sp>
+      <p:sp>
+        <p:nvSpPr>
+          <p:cNvPr id="4" name="Title 3"/>
+          <p:cNvSpPr>
+            <a:spLocks noGrp="1"/>
+          </p:cNvSpPr>
+          <p:nvPr>
+            <p:ph type="title"/>
+          </p:nvPr>
+        </p:nvSpPr>
+        <p:spPr/>
+        <p:txBody>
+          <a:bodyPr/>
+          <a:lstStyle/>
+          <a:p>
+            <a:pPr>
+              <a:lnSpc>
+                <a:spcPct val="100000"/>
+              </a:lnSpc>
+            </a:pPr>
+            <a:r>
+              <a:rPr lang="en-GB" dirty="0"/>
+              <a:t>Application Types – Service</a:t>
+            </a:r>
+            <a:endParaRPr lang="pt-BR" dirty="0"/>
+          </a:p>
+        </p:txBody>
+      </p:sp>
+      <p:pic>
+        <p:nvPicPr>
+          <p:cNvPr id="2" name="Picture 1">
+            <a:extLst>
+              <a:ext uri="{FF2B5EF4-FFF2-40B4-BE49-F238E27FC236}">
+                <a16:creationId xmlns:a16="http://schemas.microsoft.com/office/drawing/2014/main" id="{D77E312A-B140-44C7-8392-D36088E155FC}"/>
+              </a:ext>
+            </a:extLst>
+          </p:cNvPr>
+          <p:cNvPicPr>
+            <a:picLocks noChangeAspect="1"/>
+          </p:cNvPicPr>
+          <p:nvPr/>
+        </p:nvPicPr>
+        <p:blipFill>
+          <a:blip r:embed="rId2"/>
+          <a:stretch>
+            <a:fillRect/>
+          </a:stretch>
+        </p:blipFill>
+        <p:spPr>
+          <a:xfrm>
+            <a:off x="6416229" y="1712549"/>
+            <a:ext cx="4631181" cy="2132830"/>
+          </a:xfrm>
+          <a:prstGeom prst="rect">
+            <a:avLst/>
+          </a:prstGeom>
+          <a:ln>
+            <a:noFill/>
+          </a:ln>
+          <a:effectLst>
+            <a:outerShdw blurRad="190500" algn="tl" rotWithShape="0">
+              <a:srgbClr val="000000">
+                <a:alpha val="70000"/>
+              </a:srgbClr>
+            </a:outerShdw>
+          </a:effectLst>
+        </p:spPr>
+      </p:pic>
+    </p:spTree>
+    <p:extLst>
+      <p:ext uri="{BB962C8B-B14F-4D97-AF65-F5344CB8AC3E}">
+        <p14:creationId xmlns:p14="http://schemas.microsoft.com/office/powerpoint/2010/main" val="4236251640"/>
+      </p:ext>
+    </p:extLst>
+  </p:cSld>
+  <p:clrMapOvr>
+    <a:masterClrMapping/>
+  </p:clrMapOvr>
+</p:sld>
+</file>
+
+<file path=ppt/slides/slide14.xml><?xml version="1.0" encoding="utf-8"?>
+<p:sld xmlns:a="http://schemas.openxmlformats.org/drawingml/2006/main" xmlns:r="http://schemas.openxmlformats.org/officeDocument/2006/relationships" xmlns:p="http://schemas.openxmlformats.org/presentationml/2006/main">
+  <p:cSld>
+    <p:spTree>
+      <p:nvGrpSpPr>
+        <p:cNvPr id="1" name=""/>
+        <p:cNvGrpSpPr/>
+        <p:nvPr/>
+      </p:nvGrpSpPr>
+      <p:grpSpPr>
+        <a:xfrm>
+          <a:off x="0" y="0"/>
+          <a:ext cx="0" cy="0"/>
+          <a:chOff x="0" y="0"/>
+          <a:chExt cx="0" cy="0"/>
+        </a:xfrm>
+      </p:grpSpPr>
+      <p:pic>
+        <p:nvPicPr>
+          <p:cNvPr id="1026" name="Picture 2" descr="A Primer on Cloud Computing. Cloud computing is defined as: | by Colin  Baird | Medium">
+            <a:extLst>
+              <a:ext uri="{FF2B5EF4-FFF2-40B4-BE49-F238E27FC236}">
+                <a16:creationId xmlns:a16="http://schemas.microsoft.com/office/drawing/2014/main" id="{7D7CCB2B-A042-4DD5-A2B7-35D958BB806B}"/>
+              </a:ext>
+            </a:extLst>
+          </p:cNvPr>
+          <p:cNvPicPr>
+            <a:picLocks noChangeAspect="1" noChangeArrowheads="1"/>
+          </p:cNvPicPr>
+          <p:nvPr/>
+        </p:nvPicPr>
+        <p:blipFill>
+          <a:blip r:embed="rId2">
+            <a:extLst>
+              <a:ext uri="{28A0092B-C50C-407E-A947-70E740481C1C}">
+                <a14:useLocalDpi xmlns:a14="http://schemas.microsoft.com/office/drawing/2010/main" val="0"/>
+              </a:ext>
+            </a:extLst>
+          </a:blip>
+          <a:srcRect/>
+          <a:stretch>
+            <a:fillRect/>
+          </a:stretch>
+        </p:blipFill>
+        <p:spPr bwMode="auto">
+          <a:xfrm>
+            <a:off x="2959224" y="1195387"/>
+            <a:ext cx="6096000" cy="4467225"/>
+          </a:xfrm>
+          <a:prstGeom prst="rect">
+            <a:avLst/>
+          </a:prstGeom>
+          <a:noFill/>
+          <a:extLst>
+            <a:ext uri="{909E8E84-426E-40DD-AFC4-6F175D3DCCD1}">
+              <a14:hiddenFill xmlns:a14="http://schemas.microsoft.com/office/drawing/2010/main">
+                <a:solidFill>
+                  <a:srgbClr val="FFFFFF"/>
+                </a:solidFill>
+              </a14:hiddenFill>
+            </a:ext>
+          </a:extLst>
+        </p:spPr>
+      </p:pic>
+    </p:spTree>
+    <p:extLst>
+      <p:ext uri="{BB962C8B-B14F-4D97-AF65-F5344CB8AC3E}">
+        <p14:creationId xmlns:p14="http://schemas.microsoft.com/office/powerpoint/2010/main" val="1582317988"/>
+      </p:ext>
+    </p:extLst>
+  </p:cSld>
+  <p:clrMapOvr>
+    <a:masterClrMapping/>
+  </p:clrMapOvr>
+</p:sld>
+</file>
+
+<file path=ppt/slides/slide15.xml><?xml version="1.0" encoding="utf-8"?>
+<p:sld xmlns:a="http://schemas.openxmlformats.org/drawingml/2006/main" xmlns:r="http://schemas.openxmlformats.org/officeDocument/2006/relationships" xmlns:p="http://schemas.openxmlformats.org/presentationml/2006/main">
+  <p:cSld>
+    <p:spTree>
+      <p:nvGrpSpPr>
+        <p:cNvPr id="1" name=""/>
+        <p:cNvGrpSpPr/>
+        <p:nvPr/>
+      </p:nvGrpSpPr>
+      <p:grpSpPr>
+        <a:xfrm>
+          <a:off x="0" y="0"/>
+          <a:ext cx="0" cy="0"/>
+          <a:chOff x="0" y="0"/>
+          <a:chExt cx="0" cy="0"/>
+        </a:xfrm>
+      </p:grpSpPr>
+      <p:pic>
+        <p:nvPicPr>
+          <p:cNvPr id="2050" name="Picture 2" descr="Cloud Native Computing Foundation">
+            <a:extLst>
+              <a:ext uri="{FF2B5EF4-FFF2-40B4-BE49-F238E27FC236}">
+                <a16:creationId xmlns:a16="http://schemas.microsoft.com/office/drawing/2014/main" id="{8B281BAB-768F-4F4D-835D-C393223AE8D2}"/>
+              </a:ext>
+            </a:extLst>
+          </p:cNvPr>
+          <p:cNvPicPr>
+            <a:picLocks noChangeAspect="1" noChangeArrowheads="1"/>
+          </p:cNvPicPr>
+          <p:nvPr/>
+        </p:nvPicPr>
+        <p:blipFill>
+          <a:blip r:embed="rId2">
+            <a:extLst>
+              <a:ext uri="{28A0092B-C50C-407E-A947-70E740481C1C}">
+                <a14:useLocalDpi xmlns:a14="http://schemas.microsoft.com/office/drawing/2010/main" val="0"/>
+              </a:ext>
+            </a:extLst>
+          </a:blip>
+          <a:srcRect/>
+          <a:stretch>
+            <a:fillRect/>
+          </a:stretch>
+        </p:blipFill>
+        <p:spPr bwMode="auto">
+          <a:xfrm>
+            <a:off x="3559298" y="1124597"/>
+            <a:ext cx="4895850" cy="933450"/>
+          </a:xfrm>
+          <a:prstGeom prst="rect">
+            <a:avLst/>
+          </a:prstGeom>
+          <a:noFill/>
+          <a:extLst>
+            <a:ext uri="{909E8E84-426E-40DD-AFC4-6F175D3DCCD1}">
+              <a14:hiddenFill xmlns:a14="http://schemas.microsoft.com/office/drawing/2010/main">
+                <a:solidFill>
+                  <a:srgbClr val="FFFFFF"/>
+                </a:solidFill>
+              </a14:hiddenFill>
+            </a:ext>
+          </a:extLst>
+        </p:spPr>
+      </p:pic>
+      <p:sp>
+        <p:nvSpPr>
+          <p:cNvPr id="8" name="TextBox 7">
+            <a:extLst>
+              <a:ext uri="{FF2B5EF4-FFF2-40B4-BE49-F238E27FC236}">
+                <a16:creationId xmlns:a16="http://schemas.microsoft.com/office/drawing/2014/main" id="{6A2E031E-4B0B-45BE-8862-75115605F08A}"/>
+              </a:ext>
+            </a:extLst>
+          </p:cNvPr>
+          <p:cNvSpPr txBox="1"/>
+          <p:nvPr/>
+        </p:nvSpPr>
+        <p:spPr>
+          <a:xfrm>
+            <a:off x="3044301" y="2289466"/>
+            <a:ext cx="6103398" cy="3477875"/>
+          </a:xfrm>
+          <a:prstGeom prst="rect">
+            <a:avLst/>
+          </a:prstGeom>
+          <a:noFill/>
+        </p:spPr>
+        <p:txBody>
+          <a:bodyPr wrap="square">
+            <a:spAutoFit/>
+          </a:bodyPr>
+          <a:lstStyle/>
+          <a:p>
+            <a:pPr algn="just"/>
+            <a:r>
+              <a:rPr lang="ru-RU" sz="2000" b="0" i="1" u="none" strike="noStrike" baseline="0" dirty="0" err="1">
+                <a:solidFill>
+                  <a:schemeClr val="tx1">
+                    <a:lumMod val="95000"/>
+                  </a:schemeClr>
+                </a:solidFill>
+                <a:latin typeface="Times New Roman" panose="02020603050405020304" pitchFamily="18" charset="0"/>
+              </a:rPr>
+              <a:t>Технологиите</a:t>
+            </a:r>
+            <a:r>
+              <a:rPr lang="ru-RU" sz="2000" b="0" i="1" u="none" strike="noStrike" baseline="0" dirty="0">
+                <a:solidFill>
+                  <a:schemeClr val="tx1">
+                    <a:lumMod val="95000"/>
+                  </a:schemeClr>
+                </a:solidFill>
+                <a:latin typeface="Times New Roman" panose="02020603050405020304" pitchFamily="18" charset="0"/>
+              </a:rPr>
+              <a:t>, </a:t>
+            </a:r>
+            <a:r>
+              <a:rPr lang="ru-RU" sz="2000" b="0" i="1" u="none" strike="noStrike" baseline="0" dirty="0" err="1">
+                <a:solidFill>
+                  <a:schemeClr val="tx1">
+                    <a:lumMod val="95000"/>
+                  </a:schemeClr>
+                </a:solidFill>
+                <a:latin typeface="Times New Roman" panose="02020603050405020304" pitchFamily="18" charset="0"/>
+              </a:rPr>
+              <a:t>базирани</a:t>
+            </a:r>
+            <a:r>
+              <a:rPr lang="ru-RU" sz="2000" b="0" i="1" u="none" strike="noStrike" baseline="0" dirty="0">
+                <a:solidFill>
+                  <a:schemeClr val="tx1">
+                    <a:lumMod val="95000"/>
+                  </a:schemeClr>
+                </a:solidFill>
+                <a:latin typeface="Times New Roman" panose="02020603050405020304" pitchFamily="18" charset="0"/>
+              </a:rPr>
+              <a:t> на </a:t>
+            </a:r>
+            <a:r>
+              <a:rPr lang="ru-RU" sz="2000" b="0" i="1" u="none" strike="noStrike" baseline="0" dirty="0" err="1">
+                <a:solidFill>
+                  <a:schemeClr val="tx1">
+                    <a:lumMod val="95000"/>
+                  </a:schemeClr>
+                </a:solidFill>
+                <a:latin typeface="Times New Roman" panose="02020603050405020304" pitchFamily="18" charset="0"/>
+              </a:rPr>
+              <a:t>облак</a:t>
+            </a:r>
+            <a:r>
+              <a:rPr lang="ru-RU" sz="2000" b="0" i="1" u="none" strike="noStrike" baseline="0" dirty="0">
+                <a:solidFill>
+                  <a:schemeClr val="tx1">
+                    <a:lumMod val="95000"/>
+                  </a:schemeClr>
+                </a:solidFill>
+                <a:latin typeface="Times New Roman" panose="02020603050405020304" pitchFamily="18" charset="0"/>
+              </a:rPr>
+              <a:t>, </a:t>
+            </a:r>
+            <a:r>
+              <a:rPr lang="ru-RU" sz="2000" b="0" i="1" u="none" strike="noStrike" baseline="0" dirty="0" err="1">
+                <a:solidFill>
+                  <a:schemeClr val="tx1">
+                    <a:lumMod val="95000"/>
+                  </a:schemeClr>
+                </a:solidFill>
+                <a:latin typeface="Times New Roman" panose="02020603050405020304" pitchFamily="18" charset="0"/>
+              </a:rPr>
+              <a:t>дават</a:t>
+            </a:r>
+            <a:r>
+              <a:rPr lang="ru-RU" sz="2000" b="0" i="1" u="none" strike="noStrike" baseline="0" dirty="0">
+                <a:solidFill>
+                  <a:schemeClr val="tx1">
+                    <a:lumMod val="95000"/>
+                  </a:schemeClr>
+                </a:solidFill>
+                <a:latin typeface="Times New Roman" panose="02020603050405020304" pitchFamily="18" charset="0"/>
+              </a:rPr>
+              <a:t> </a:t>
+            </a:r>
+            <a:r>
+              <a:rPr lang="ru-RU" sz="2000" b="0" i="1" u="none" strike="noStrike" baseline="0" dirty="0" err="1">
+                <a:solidFill>
+                  <a:schemeClr val="tx1">
+                    <a:lumMod val="95000"/>
+                  </a:schemeClr>
+                </a:solidFill>
+                <a:latin typeface="Times New Roman" panose="02020603050405020304" pitchFamily="18" charset="0"/>
+              </a:rPr>
+              <a:t>възможност</a:t>
+            </a:r>
+            <a:r>
+              <a:rPr lang="ru-RU" sz="2000" b="0" i="1" u="none" strike="noStrike" baseline="0" dirty="0">
+                <a:solidFill>
+                  <a:schemeClr val="tx1">
+                    <a:lumMod val="95000"/>
+                  </a:schemeClr>
+                </a:solidFill>
+                <a:latin typeface="Times New Roman" panose="02020603050405020304" pitchFamily="18" charset="0"/>
+              </a:rPr>
+              <a:t> на </a:t>
+            </a:r>
+            <a:r>
+              <a:rPr lang="ru-RU" sz="2000" b="0" i="1" u="none" strike="noStrike" baseline="0" dirty="0" err="1">
+                <a:solidFill>
+                  <a:schemeClr val="tx1">
+                    <a:lumMod val="95000"/>
+                  </a:schemeClr>
+                </a:solidFill>
+                <a:latin typeface="Times New Roman" panose="02020603050405020304" pitchFamily="18" charset="0"/>
+              </a:rPr>
+              <a:t>организациите</a:t>
+            </a:r>
+            <a:r>
+              <a:rPr lang="ru-RU" sz="2000" b="0" i="1" u="none" strike="noStrike" baseline="0" dirty="0">
+                <a:solidFill>
+                  <a:schemeClr val="tx1">
+                    <a:lumMod val="95000"/>
+                  </a:schemeClr>
+                </a:solidFill>
+                <a:latin typeface="Times New Roman" panose="02020603050405020304" pitchFamily="18" charset="0"/>
+              </a:rPr>
+              <a:t> да </a:t>
+            </a:r>
+            <a:r>
+              <a:rPr lang="ru-RU" sz="2000" b="0" i="1" u="none" strike="noStrike" baseline="0" dirty="0" err="1">
+                <a:solidFill>
+                  <a:schemeClr val="tx1">
+                    <a:lumMod val="95000"/>
+                  </a:schemeClr>
+                </a:solidFill>
+                <a:latin typeface="Times New Roman" panose="02020603050405020304" pitchFamily="18" charset="0"/>
+              </a:rPr>
+              <a:t>създават</a:t>
+            </a:r>
+            <a:r>
+              <a:rPr lang="ru-RU" sz="2000" b="0" i="1" u="none" strike="noStrike" baseline="0" dirty="0">
+                <a:solidFill>
+                  <a:schemeClr val="tx1">
+                    <a:lumMod val="95000"/>
+                  </a:schemeClr>
+                </a:solidFill>
+                <a:latin typeface="Times New Roman" panose="02020603050405020304" pitchFamily="18" charset="0"/>
+              </a:rPr>
+              <a:t> и </a:t>
+            </a:r>
+            <a:r>
+              <a:rPr lang="ru-RU" sz="2000" b="0" i="1" u="none" strike="noStrike" baseline="0" dirty="0" err="1">
+                <a:solidFill>
+                  <a:schemeClr val="tx1">
+                    <a:lumMod val="95000"/>
+                  </a:schemeClr>
+                </a:solidFill>
+                <a:latin typeface="Times New Roman" panose="02020603050405020304" pitchFamily="18" charset="0"/>
+              </a:rPr>
+              <a:t>изпълняват</a:t>
+            </a:r>
+            <a:r>
+              <a:rPr lang="ru-RU" sz="2000" b="0" i="1" u="none" strike="noStrike" baseline="0" dirty="0">
+                <a:solidFill>
+                  <a:schemeClr val="tx1">
+                    <a:lumMod val="95000"/>
+                  </a:schemeClr>
+                </a:solidFill>
+                <a:latin typeface="Times New Roman" panose="02020603050405020304" pitchFamily="18" charset="0"/>
+              </a:rPr>
+              <a:t> приложения в </a:t>
+            </a:r>
+            <a:r>
+              <a:rPr lang="ru-RU" sz="2000" b="0" i="1" u="none" strike="noStrike" baseline="0" dirty="0" err="1">
+                <a:solidFill>
+                  <a:schemeClr val="tx1">
+                    <a:lumMod val="95000"/>
+                  </a:schemeClr>
+                </a:solidFill>
+                <a:latin typeface="Times New Roman" panose="02020603050405020304" pitchFamily="18" charset="0"/>
+              </a:rPr>
+              <a:t>модерни</a:t>
+            </a:r>
+            <a:r>
+              <a:rPr lang="ru-RU" sz="2000" b="0" i="1" u="none" strike="noStrike" baseline="0" dirty="0">
+                <a:solidFill>
+                  <a:schemeClr val="tx1">
+                    <a:lumMod val="95000"/>
+                  </a:schemeClr>
+                </a:solidFill>
+                <a:latin typeface="Times New Roman" panose="02020603050405020304" pitchFamily="18" charset="0"/>
+              </a:rPr>
+              <a:t>, </a:t>
+            </a:r>
+            <a:r>
+              <a:rPr lang="ru-RU" sz="2000" b="0" i="1" u="none" strike="noStrike" baseline="0" dirty="0" err="1">
+                <a:solidFill>
+                  <a:schemeClr val="tx1">
+                    <a:lumMod val="95000"/>
+                  </a:schemeClr>
+                </a:solidFill>
+                <a:latin typeface="Times New Roman" panose="02020603050405020304" pitchFamily="18" charset="0"/>
+              </a:rPr>
+              <a:t>динамични</a:t>
+            </a:r>
+            <a:r>
+              <a:rPr lang="ru-RU" sz="2000" b="0" i="1" u="none" strike="noStrike" baseline="0" dirty="0">
+                <a:solidFill>
+                  <a:schemeClr val="tx1">
+                    <a:lumMod val="95000"/>
+                  </a:schemeClr>
+                </a:solidFill>
+                <a:latin typeface="Times New Roman" panose="02020603050405020304" pitchFamily="18" charset="0"/>
+              </a:rPr>
+              <a:t> среди </a:t>
+            </a:r>
+            <a:r>
+              <a:rPr lang="ru-RU" sz="2000" b="0" i="1" u="none" strike="noStrike" baseline="0" dirty="0" err="1">
+                <a:solidFill>
+                  <a:schemeClr val="tx1">
+                    <a:lumMod val="95000"/>
+                  </a:schemeClr>
+                </a:solidFill>
+                <a:latin typeface="Times New Roman" panose="02020603050405020304" pitchFamily="18" charset="0"/>
+              </a:rPr>
+              <a:t>като</a:t>
+            </a:r>
+            <a:r>
+              <a:rPr lang="ru-RU" sz="2000" b="0" i="1" u="none" strike="noStrike" baseline="0" dirty="0">
+                <a:solidFill>
+                  <a:schemeClr val="tx1">
+                    <a:lumMod val="95000"/>
+                  </a:schemeClr>
+                </a:solidFill>
+                <a:latin typeface="Times New Roman" panose="02020603050405020304" pitchFamily="18" charset="0"/>
+              </a:rPr>
+              <a:t> </a:t>
+            </a:r>
+            <a:r>
+              <a:rPr lang="ru-RU" sz="2000" b="0" i="1" u="none" strike="noStrike" baseline="0" dirty="0" err="1">
+                <a:solidFill>
+                  <a:schemeClr val="tx1">
+                    <a:lumMod val="95000"/>
+                  </a:schemeClr>
+                </a:solidFill>
+                <a:latin typeface="Times New Roman" panose="02020603050405020304" pitchFamily="18" charset="0"/>
+              </a:rPr>
+              <a:t>публични</a:t>
+            </a:r>
+            <a:r>
+              <a:rPr lang="ru-RU" sz="2000" b="0" i="1" u="none" strike="noStrike" baseline="0" dirty="0">
+                <a:solidFill>
+                  <a:schemeClr val="tx1">
+                    <a:lumMod val="95000"/>
+                  </a:schemeClr>
+                </a:solidFill>
+                <a:latin typeface="Times New Roman" panose="02020603050405020304" pitchFamily="18" charset="0"/>
+              </a:rPr>
+              <a:t>, </a:t>
+            </a:r>
+            <a:r>
+              <a:rPr lang="ru-RU" sz="2000" b="0" i="1" u="none" strike="noStrike" baseline="0" dirty="0" err="1">
+                <a:solidFill>
+                  <a:schemeClr val="tx1">
+                    <a:lumMod val="95000"/>
+                  </a:schemeClr>
+                </a:solidFill>
+                <a:latin typeface="Times New Roman" panose="02020603050405020304" pitchFamily="18" charset="0"/>
+              </a:rPr>
+              <a:t>частни</a:t>
+            </a:r>
+            <a:r>
+              <a:rPr lang="ru-RU" sz="2000" b="0" i="1" u="none" strike="noStrike" baseline="0" dirty="0">
+                <a:solidFill>
+                  <a:schemeClr val="tx1">
+                    <a:lumMod val="95000"/>
+                  </a:schemeClr>
+                </a:solidFill>
+                <a:latin typeface="Times New Roman" panose="02020603050405020304" pitchFamily="18" charset="0"/>
+              </a:rPr>
+              <a:t> и </a:t>
+            </a:r>
+            <a:r>
+              <a:rPr lang="ru-RU" sz="2000" b="0" i="1" u="none" strike="noStrike" baseline="0" dirty="0" err="1">
+                <a:solidFill>
+                  <a:schemeClr val="tx1">
+                    <a:lumMod val="95000"/>
+                  </a:schemeClr>
+                </a:solidFill>
+                <a:latin typeface="Times New Roman" panose="02020603050405020304" pitchFamily="18" charset="0"/>
+              </a:rPr>
+              <a:t>хибридни</a:t>
+            </a:r>
+            <a:r>
+              <a:rPr lang="ru-RU" sz="2000" b="0" i="1" u="none" strike="noStrike" baseline="0" dirty="0">
+                <a:solidFill>
+                  <a:schemeClr val="tx1">
+                    <a:lumMod val="95000"/>
+                  </a:schemeClr>
+                </a:solidFill>
+                <a:latin typeface="Times New Roman" panose="02020603050405020304" pitchFamily="18" charset="0"/>
+              </a:rPr>
+              <a:t> </a:t>
+            </a:r>
+            <a:r>
+              <a:rPr lang="ru-RU" sz="2000" b="0" i="1" u="none" strike="noStrike" baseline="0" dirty="0" err="1">
+                <a:solidFill>
+                  <a:schemeClr val="tx1">
+                    <a:lumMod val="95000"/>
+                  </a:schemeClr>
+                </a:solidFill>
+                <a:latin typeface="Times New Roman" panose="02020603050405020304" pitchFamily="18" charset="0"/>
+              </a:rPr>
+              <a:t>облаци</a:t>
+            </a:r>
+            <a:r>
+              <a:rPr lang="ru-RU" sz="2000" b="0" i="1" u="none" strike="noStrike" baseline="0" dirty="0">
+                <a:solidFill>
+                  <a:schemeClr val="tx1">
+                    <a:lumMod val="95000"/>
+                  </a:schemeClr>
+                </a:solidFill>
+                <a:latin typeface="Times New Roman" panose="02020603050405020304" pitchFamily="18" charset="0"/>
+              </a:rPr>
+              <a:t>, чрез мрежи от услуги и </a:t>
+            </a:r>
+            <a:r>
+              <a:rPr lang="ru-RU" sz="2000" b="0" i="1" u="none" strike="noStrike" baseline="0" dirty="0" err="1">
+                <a:solidFill>
+                  <a:schemeClr val="tx1">
+                    <a:lumMod val="95000"/>
+                  </a:schemeClr>
+                </a:solidFill>
+                <a:latin typeface="Times New Roman" panose="02020603050405020304" pitchFamily="18" charset="0"/>
+              </a:rPr>
+              <a:t>микроуслуги</a:t>
+            </a:r>
+            <a:r>
+              <a:rPr lang="ru-RU" sz="2000" b="0" i="1" u="none" strike="noStrike" baseline="0" dirty="0">
+                <a:solidFill>
+                  <a:schemeClr val="tx1">
+                    <a:lumMod val="95000"/>
+                  </a:schemeClr>
+                </a:solidFill>
+                <a:latin typeface="Times New Roman" panose="02020603050405020304" pitchFamily="18" charset="0"/>
+              </a:rPr>
+              <a:t>. Качества на </a:t>
+            </a:r>
+            <a:r>
+              <a:rPr lang="ru-RU" sz="2000" b="0" i="1" u="none" strike="noStrike" baseline="0" dirty="0" err="1">
+                <a:solidFill>
+                  <a:schemeClr val="tx1">
+                    <a:lumMod val="95000"/>
+                  </a:schemeClr>
+                </a:solidFill>
+                <a:latin typeface="Times New Roman" panose="02020603050405020304" pitchFamily="18" charset="0"/>
+              </a:rPr>
+              <a:t>системите</a:t>
+            </a:r>
+            <a:r>
+              <a:rPr lang="ru-RU" sz="2000" b="0" i="1" u="none" strike="noStrike" baseline="0" dirty="0">
+                <a:solidFill>
+                  <a:schemeClr val="tx1">
+                    <a:lumMod val="95000"/>
+                  </a:schemeClr>
+                </a:solidFill>
+                <a:latin typeface="Times New Roman" panose="02020603050405020304" pitchFamily="18" charset="0"/>
+              </a:rPr>
+              <a:t> </a:t>
+            </a:r>
+            <a:r>
+              <a:rPr lang="ru-RU" sz="2000" b="0" i="1" u="none" strike="noStrike" baseline="0" dirty="0" err="1">
+                <a:solidFill>
+                  <a:schemeClr val="tx1">
+                    <a:lumMod val="95000"/>
+                  </a:schemeClr>
+                </a:solidFill>
+                <a:latin typeface="Times New Roman" panose="02020603050405020304" pitchFamily="18" charset="0"/>
+              </a:rPr>
+              <a:t>са</a:t>
+            </a:r>
+            <a:r>
+              <a:rPr lang="ru-RU" sz="2000" b="0" i="1" u="none" strike="noStrike" baseline="0" dirty="0">
+                <a:solidFill>
+                  <a:schemeClr val="tx1">
+                    <a:lumMod val="95000"/>
+                  </a:schemeClr>
+                </a:solidFill>
+                <a:latin typeface="Times New Roman" panose="02020603050405020304" pitchFamily="18" charset="0"/>
+              </a:rPr>
+              <a:t> </a:t>
+            </a:r>
+            <a:r>
+              <a:rPr lang="ru-RU" sz="2000" b="0" i="1" u="none" strike="noStrike" baseline="0" dirty="0" err="1">
+                <a:solidFill>
+                  <a:schemeClr val="tx1">
+                    <a:lumMod val="95000"/>
+                  </a:schemeClr>
+                </a:solidFill>
+                <a:latin typeface="Times New Roman" panose="02020603050405020304" pitchFamily="18" charset="0"/>
+              </a:rPr>
+              <a:t>устойчивост</a:t>
+            </a:r>
+            <a:r>
+              <a:rPr lang="ru-RU" sz="2000" b="0" i="1" u="none" strike="noStrike" baseline="0" dirty="0">
+                <a:solidFill>
+                  <a:schemeClr val="tx1">
+                    <a:lumMod val="95000"/>
+                  </a:schemeClr>
+                </a:solidFill>
+                <a:latin typeface="Times New Roman" panose="02020603050405020304" pitchFamily="18" charset="0"/>
+              </a:rPr>
+              <a:t>, </a:t>
+            </a:r>
+            <a:r>
+              <a:rPr lang="ru-RU" sz="2000" b="0" i="1" u="none" strike="noStrike" baseline="0" dirty="0" err="1">
+                <a:solidFill>
+                  <a:schemeClr val="tx1">
+                    <a:lumMod val="95000"/>
+                  </a:schemeClr>
+                </a:solidFill>
+                <a:latin typeface="Times New Roman" panose="02020603050405020304" pitchFamily="18" charset="0"/>
+              </a:rPr>
+              <a:t>висока</a:t>
+            </a:r>
+            <a:r>
+              <a:rPr lang="ru-RU" sz="2000" b="0" i="1" u="none" strike="noStrike" baseline="0" dirty="0">
+                <a:solidFill>
+                  <a:schemeClr val="tx1">
+                    <a:lumMod val="95000"/>
+                  </a:schemeClr>
+                </a:solidFill>
+                <a:latin typeface="Times New Roman" panose="02020603050405020304" pitchFamily="18" charset="0"/>
+              </a:rPr>
+              <a:t> </a:t>
+            </a:r>
+            <a:r>
+              <a:rPr lang="ru-RU" sz="2000" b="0" i="1" u="none" strike="noStrike" baseline="0" dirty="0" err="1">
+                <a:solidFill>
+                  <a:schemeClr val="tx1">
+                    <a:lumMod val="95000"/>
+                  </a:schemeClr>
+                </a:solidFill>
+                <a:latin typeface="Times New Roman" panose="02020603050405020304" pitchFamily="18" charset="0"/>
+              </a:rPr>
+              <a:t>наличност</a:t>
+            </a:r>
+            <a:r>
+              <a:rPr lang="ru-RU" sz="2000" b="0" i="1" u="none" strike="noStrike" baseline="0" dirty="0">
+                <a:solidFill>
+                  <a:schemeClr val="tx1">
+                    <a:lumMod val="95000"/>
+                  </a:schemeClr>
+                </a:solidFill>
+                <a:latin typeface="Times New Roman" panose="02020603050405020304" pitchFamily="18" charset="0"/>
+              </a:rPr>
+              <a:t> и </a:t>
+            </a:r>
+            <a:r>
+              <a:rPr lang="ru-RU" sz="2000" b="0" i="1" u="none" strike="noStrike" baseline="0" dirty="0" err="1">
+                <a:solidFill>
+                  <a:schemeClr val="tx1">
+                    <a:lumMod val="95000"/>
+                  </a:schemeClr>
+                </a:solidFill>
+                <a:latin typeface="Times New Roman" panose="02020603050405020304" pitchFamily="18" charset="0"/>
+              </a:rPr>
+              <a:t>достъпност</a:t>
+            </a:r>
+            <a:r>
+              <a:rPr lang="ru-RU" sz="2000" b="0" i="1" u="none" strike="noStrike" baseline="0" dirty="0">
+                <a:solidFill>
+                  <a:schemeClr val="tx1">
+                    <a:lumMod val="95000"/>
+                  </a:schemeClr>
+                </a:solidFill>
+                <a:latin typeface="Times New Roman" panose="02020603050405020304" pitchFamily="18" charset="0"/>
+              </a:rPr>
+              <a:t>, </a:t>
+            </a:r>
+            <a:r>
+              <a:rPr lang="ru-RU" sz="2000" b="0" i="1" u="none" strike="noStrike" baseline="0" dirty="0" err="1">
+                <a:solidFill>
+                  <a:schemeClr val="tx1">
+                    <a:lumMod val="95000"/>
+                  </a:schemeClr>
+                </a:solidFill>
+                <a:latin typeface="Times New Roman" panose="02020603050405020304" pitchFamily="18" charset="0"/>
+              </a:rPr>
+              <a:t>мащабируемост</a:t>
+            </a:r>
+            <a:r>
+              <a:rPr lang="ru-RU" sz="2000" b="0" i="1" u="none" strike="noStrike" baseline="0" dirty="0">
+                <a:solidFill>
+                  <a:schemeClr val="tx1">
+                    <a:lumMod val="95000"/>
+                  </a:schemeClr>
+                </a:solidFill>
+                <a:latin typeface="Times New Roman" panose="02020603050405020304" pitchFamily="18" charset="0"/>
+              </a:rPr>
+              <a:t> и </a:t>
+            </a:r>
+            <a:r>
+              <a:rPr lang="ru-RU" sz="2000" b="0" i="1" u="none" strike="noStrike" baseline="0" dirty="0" err="1">
+                <a:solidFill>
+                  <a:schemeClr val="tx1">
+                    <a:lumMod val="95000"/>
+                  </a:schemeClr>
+                </a:solidFill>
+                <a:latin typeface="Times New Roman" panose="02020603050405020304" pitchFamily="18" charset="0"/>
+              </a:rPr>
+              <a:t>управляемост</a:t>
+            </a:r>
+            <a:r>
+              <a:rPr lang="ru-RU" sz="2000" b="0" i="1" u="none" strike="noStrike" baseline="0" dirty="0">
+                <a:solidFill>
+                  <a:schemeClr val="tx1">
+                    <a:lumMod val="95000"/>
+                  </a:schemeClr>
+                </a:solidFill>
+                <a:latin typeface="Times New Roman" panose="02020603050405020304" pitchFamily="18" charset="0"/>
+              </a:rPr>
+              <a:t>, </a:t>
+            </a:r>
+            <a:r>
+              <a:rPr lang="ru-RU" sz="2000" b="0" i="1" u="none" strike="noStrike" baseline="0" dirty="0" err="1">
+                <a:solidFill>
+                  <a:schemeClr val="tx1">
+                    <a:lumMod val="95000"/>
+                  </a:schemeClr>
+                </a:solidFill>
+                <a:latin typeface="Times New Roman" panose="02020603050405020304" pitchFamily="18" charset="0"/>
+              </a:rPr>
+              <a:t>които</a:t>
+            </a:r>
+            <a:r>
+              <a:rPr lang="ru-RU" sz="2000" b="0" i="1" u="none" strike="noStrike" baseline="0" dirty="0">
+                <a:solidFill>
+                  <a:schemeClr val="tx1">
+                    <a:lumMod val="95000"/>
+                  </a:schemeClr>
+                </a:solidFill>
+                <a:latin typeface="Times New Roman" panose="02020603050405020304" pitchFamily="18" charset="0"/>
+              </a:rPr>
+              <a:t> </a:t>
+            </a:r>
+            <a:r>
+              <a:rPr lang="ru-RU" sz="2000" b="0" i="1" u="none" strike="noStrike" baseline="0" dirty="0" err="1">
+                <a:solidFill>
+                  <a:schemeClr val="tx1">
+                    <a:lumMod val="95000"/>
+                  </a:schemeClr>
+                </a:solidFill>
+                <a:latin typeface="Times New Roman" panose="02020603050405020304" pitchFamily="18" charset="0"/>
+              </a:rPr>
+              <a:t>са</a:t>
+            </a:r>
+            <a:r>
+              <a:rPr lang="ru-RU" sz="2000" b="0" i="1" u="none" strike="noStrike" baseline="0" dirty="0">
+                <a:solidFill>
+                  <a:schemeClr val="tx1">
+                    <a:lumMod val="95000"/>
+                  </a:schemeClr>
+                </a:solidFill>
+                <a:latin typeface="Times New Roman" panose="02020603050405020304" pitchFamily="18" charset="0"/>
+              </a:rPr>
+              <a:t> от критично значение за много от бизнес </a:t>
+            </a:r>
+            <a:r>
+              <a:rPr lang="ru-RU" sz="2000" b="0" i="1" u="none" strike="noStrike" baseline="0" dirty="0" err="1">
+                <a:solidFill>
+                  <a:schemeClr val="tx1">
+                    <a:lumMod val="95000"/>
+                  </a:schemeClr>
+                </a:solidFill>
+                <a:latin typeface="Times New Roman" panose="02020603050405020304" pitchFamily="18" charset="0"/>
+              </a:rPr>
+              <a:t>единиците</a:t>
+            </a:r>
+            <a:r>
+              <a:rPr lang="ru-RU" sz="2000" b="0" i="1" u="none" strike="noStrike" baseline="0" dirty="0">
+                <a:solidFill>
+                  <a:schemeClr val="tx1">
+                    <a:lumMod val="95000"/>
+                  </a:schemeClr>
+                </a:solidFill>
+                <a:latin typeface="Times New Roman" panose="02020603050405020304" pitchFamily="18" charset="0"/>
+              </a:rPr>
+              <a:t>. </a:t>
+            </a:r>
+            <a:r>
+              <a:rPr lang="ru-RU" sz="2000" b="0" i="1" u="none" strike="noStrike" baseline="0" dirty="0" err="1">
+                <a:solidFill>
+                  <a:schemeClr val="tx1">
+                    <a:lumMod val="95000"/>
+                  </a:schemeClr>
+                </a:solidFill>
+                <a:latin typeface="Times New Roman" panose="02020603050405020304" pitchFamily="18" charset="0"/>
+              </a:rPr>
+              <a:t>Автоматизацията</a:t>
+            </a:r>
+            <a:r>
+              <a:rPr lang="ru-RU" sz="2000" b="0" i="1" u="none" strike="noStrike" baseline="0" dirty="0">
+                <a:solidFill>
+                  <a:schemeClr val="tx1">
+                    <a:lumMod val="95000"/>
+                  </a:schemeClr>
+                </a:solidFill>
+                <a:latin typeface="Times New Roman" panose="02020603050405020304" pitchFamily="18" charset="0"/>
+              </a:rPr>
+              <a:t> на </a:t>
+            </a:r>
+            <a:r>
+              <a:rPr lang="ru-RU" sz="2000" b="0" i="1" u="none" strike="noStrike" baseline="0" dirty="0" err="1">
+                <a:solidFill>
+                  <a:schemeClr val="tx1">
+                    <a:lumMod val="95000"/>
+                  </a:schemeClr>
+                </a:solidFill>
+                <a:latin typeface="Times New Roman" panose="02020603050405020304" pitchFamily="18" charset="0"/>
+              </a:rPr>
+              <a:t>тези</a:t>
+            </a:r>
+            <a:r>
+              <a:rPr lang="ru-RU" sz="2000" b="0" i="1" u="none" strike="noStrike" baseline="0" dirty="0">
+                <a:solidFill>
+                  <a:schemeClr val="tx1">
+                    <a:lumMod val="95000"/>
+                  </a:schemeClr>
+                </a:solidFill>
+                <a:latin typeface="Times New Roman" panose="02020603050405020304" pitchFamily="18" charset="0"/>
+              </a:rPr>
+              <a:t> </a:t>
+            </a:r>
+            <a:r>
+              <a:rPr lang="ru-RU" sz="2000" b="0" i="1" u="none" strike="noStrike" baseline="0" dirty="0" err="1">
+                <a:solidFill>
+                  <a:schemeClr val="tx1">
+                    <a:lumMod val="95000"/>
+                  </a:schemeClr>
+                </a:solidFill>
+                <a:latin typeface="Times New Roman" panose="02020603050405020304" pitchFamily="18" charset="0"/>
+              </a:rPr>
+              <a:t>процеси</a:t>
+            </a:r>
+            <a:r>
+              <a:rPr lang="ru-RU" sz="2000" b="0" i="1" u="none" strike="noStrike" baseline="0" dirty="0">
+                <a:solidFill>
+                  <a:schemeClr val="tx1">
+                    <a:lumMod val="95000"/>
+                  </a:schemeClr>
+                </a:solidFill>
+                <a:latin typeface="Times New Roman" panose="02020603050405020304" pitchFamily="18" charset="0"/>
+              </a:rPr>
+              <a:t> </a:t>
+            </a:r>
+            <a:r>
+              <a:rPr lang="ru-RU" sz="2000" b="0" i="1" u="none" strike="noStrike" baseline="0" dirty="0" err="1">
+                <a:solidFill>
+                  <a:schemeClr val="tx1">
+                    <a:lumMod val="95000"/>
+                  </a:schemeClr>
+                </a:solidFill>
+                <a:latin typeface="Times New Roman" panose="02020603050405020304" pitchFamily="18" charset="0"/>
+              </a:rPr>
+              <a:t>позволява</a:t>
+            </a:r>
+            <a:r>
+              <a:rPr lang="ru-RU" sz="2000" b="0" i="1" u="none" strike="noStrike" baseline="0" dirty="0">
+                <a:solidFill>
+                  <a:schemeClr val="tx1">
+                    <a:lumMod val="95000"/>
+                  </a:schemeClr>
+                </a:solidFill>
+                <a:latin typeface="Times New Roman" panose="02020603050405020304" pitchFamily="18" charset="0"/>
+              </a:rPr>
+              <a:t> на </a:t>
+            </a:r>
+            <a:r>
+              <a:rPr lang="ru-RU" sz="2000" b="0" i="1" u="none" strike="noStrike" baseline="0" dirty="0" err="1">
+                <a:solidFill>
+                  <a:schemeClr val="tx1">
+                    <a:lumMod val="95000"/>
+                  </a:schemeClr>
+                </a:solidFill>
+                <a:latin typeface="Times New Roman" panose="02020603050405020304" pitchFamily="18" charset="0"/>
+              </a:rPr>
+              <a:t>инженерите</a:t>
+            </a:r>
+            <a:r>
+              <a:rPr lang="ru-RU" sz="2000" b="0" i="1" u="none" strike="noStrike" baseline="0" dirty="0">
+                <a:solidFill>
+                  <a:schemeClr val="tx1">
+                    <a:lumMod val="95000"/>
+                  </a:schemeClr>
+                </a:solidFill>
+                <a:latin typeface="Times New Roman" panose="02020603050405020304" pitchFamily="18" charset="0"/>
+              </a:rPr>
+              <a:t> да правят </a:t>
+            </a:r>
+            <a:r>
+              <a:rPr lang="ru-RU" sz="2000" b="0" i="1" u="none" strike="noStrike" baseline="0" dirty="0" err="1">
+                <a:solidFill>
+                  <a:schemeClr val="tx1">
+                    <a:lumMod val="95000"/>
+                  </a:schemeClr>
+                </a:solidFill>
+                <a:latin typeface="Times New Roman" panose="02020603050405020304" pitchFamily="18" charset="0"/>
+              </a:rPr>
+              <a:t>промени</a:t>
+            </a:r>
+            <a:r>
+              <a:rPr lang="ru-RU" sz="2000" b="0" i="1" u="none" strike="noStrike" baseline="0" dirty="0">
+                <a:solidFill>
+                  <a:schemeClr val="tx1">
+                    <a:lumMod val="95000"/>
+                  </a:schemeClr>
+                </a:solidFill>
+                <a:latin typeface="Times New Roman" panose="02020603050405020304" pitchFamily="18" charset="0"/>
+              </a:rPr>
+              <a:t>, с </a:t>
+            </a:r>
+            <a:r>
+              <a:rPr lang="ru-RU" sz="2000" b="0" i="1" u="none" strike="noStrike" baseline="0" dirty="0" err="1">
+                <a:solidFill>
+                  <a:schemeClr val="tx1">
+                    <a:lumMod val="95000"/>
+                  </a:schemeClr>
+                </a:solidFill>
+                <a:latin typeface="Times New Roman" panose="02020603050405020304" pitchFamily="18" charset="0"/>
+              </a:rPr>
+              <a:t>голямо</a:t>
+            </a:r>
+            <a:r>
+              <a:rPr lang="ru-RU" sz="2000" b="0" i="1" u="none" strike="noStrike" baseline="0" dirty="0">
+                <a:solidFill>
+                  <a:schemeClr val="tx1">
+                    <a:lumMod val="95000"/>
+                  </a:schemeClr>
+                </a:solidFill>
+                <a:latin typeface="Times New Roman" panose="02020603050405020304" pitchFamily="18" charset="0"/>
+              </a:rPr>
+              <a:t> </a:t>
+            </a:r>
+            <a:r>
+              <a:rPr lang="ru-RU" sz="2000" b="0" i="1" u="none" strike="noStrike" baseline="0" dirty="0" err="1">
+                <a:solidFill>
+                  <a:schemeClr val="tx1">
+                    <a:lumMod val="95000"/>
+                  </a:schemeClr>
+                </a:solidFill>
+                <a:latin typeface="Times New Roman" panose="02020603050405020304" pitchFamily="18" charset="0"/>
+              </a:rPr>
+              <a:t>въздействие</a:t>
+            </a:r>
+            <a:r>
+              <a:rPr lang="ru-RU" sz="2000" b="0" i="1" u="none" strike="noStrike" baseline="0" dirty="0">
+                <a:solidFill>
+                  <a:schemeClr val="tx1">
+                    <a:lumMod val="95000"/>
+                  </a:schemeClr>
+                </a:solidFill>
+                <a:latin typeface="Times New Roman" panose="02020603050405020304" pitchFamily="18" charset="0"/>
+              </a:rPr>
+              <a:t>, но с </a:t>
+            </a:r>
+            <a:r>
+              <a:rPr lang="ru-RU" sz="2000" b="0" i="1" u="none" strike="noStrike" baseline="0" dirty="0" err="1">
+                <a:solidFill>
+                  <a:schemeClr val="tx1">
+                    <a:lumMod val="95000"/>
+                  </a:schemeClr>
+                </a:solidFill>
+                <a:latin typeface="Times New Roman" panose="02020603050405020304" pitchFamily="18" charset="0"/>
+              </a:rPr>
+              <a:t>минимални</a:t>
+            </a:r>
+            <a:r>
+              <a:rPr lang="ru-RU" sz="2000" b="0" i="1" u="none" strike="noStrike" baseline="0" dirty="0">
+                <a:solidFill>
+                  <a:schemeClr val="tx1">
+                    <a:lumMod val="95000"/>
+                  </a:schemeClr>
+                </a:solidFill>
+                <a:latin typeface="Times New Roman" panose="02020603050405020304" pitchFamily="18" charset="0"/>
+              </a:rPr>
+              <a:t> усилия </a:t>
+            </a:r>
+            <a:endParaRPr lang="en-US" sz="2000" dirty="0">
+              <a:solidFill>
+                <a:schemeClr val="tx1">
+                  <a:lumMod val="95000"/>
+                </a:schemeClr>
+              </a:solidFill>
+            </a:endParaRPr>
+          </a:p>
+        </p:txBody>
+      </p:sp>
+    </p:spTree>
+    <p:extLst>
+      <p:ext uri="{BB962C8B-B14F-4D97-AF65-F5344CB8AC3E}">
+        <p14:creationId xmlns:p14="http://schemas.microsoft.com/office/powerpoint/2010/main" val="3908295050"/>
+      </p:ext>
+    </p:extLst>
+  </p:cSld>
+  <p:clrMapOvr>
+    <a:masterClrMapping/>
+  </p:clrMapOvr>
+</p:sld>
+</file>
+
+<file path=ppt/slides/slide16.xml><?xml version="1.0" encoding="utf-8"?>
+<p:sld xmlns:a="http://schemas.openxmlformats.org/drawingml/2006/main" xmlns:r="http://schemas.openxmlformats.org/officeDocument/2006/relationships" xmlns:p="http://schemas.openxmlformats.org/presentationml/2006/main">
+  <p:cSld>
+    <p:spTree>
+      <p:nvGrpSpPr>
+        <p:cNvPr id="1" name=""/>
+        <p:cNvGrpSpPr/>
+        <p:nvPr/>
+      </p:nvGrpSpPr>
+      <p:grpSpPr>
+        <a:xfrm>
+          <a:off x="0" y="0"/>
+          <a:ext cx="0" cy="0"/>
+          <a:chOff x="0" y="0"/>
+          <a:chExt cx="0" cy="0"/>
+        </a:xfrm>
+      </p:grpSpPr>
       <p:pic>
         <p:nvPicPr>
           <p:cNvPr id="3" name="Picture 2">
@@ -12625,7 +14513,7 @@
 </p:sld>
 </file>
 
-<file path=ppt/slides/slide11.xml><?xml version="1.0" encoding="utf-8"?>
+<file path=ppt/slides/slide17.xml><?xml version="1.0" encoding="utf-8"?>
 <p:sld xmlns:a="http://schemas.openxmlformats.org/drawingml/2006/main" xmlns:r="http://schemas.openxmlformats.org/officeDocument/2006/relationships" xmlns:p="http://schemas.openxmlformats.org/presentationml/2006/main">
   <p:cSld>
     <p:spTree>
@@ -12705,7 +14593,7 @@
 </p:sld>
 </file>
 
-<file path=ppt/slides/slide12.xml><?xml version="1.0" encoding="utf-8"?>
+<file path=ppt/slides/slide18.xml><?xml version="1.0" encoding="utf-8"?>
 <p:sld xmlns:a="http://schemas.openxmlformats.org/drawingml/2006/main" xmlns:r="http://schemas.openxmlformats.org/officeDocument/2006/relationships" xmlns:p="http://schemas.openxmlformats.org/presentationml/2006/main">
   <p:cSld>
     <p:spTree>
@@ -12753,7 +14641,7 @@
               <a:pPr>
                 <a:defRPr/>
               </a:pPr>
-              <a:t>12</a:t>
+              <a:t>18</a:t>
             </a:fld>
             <a:endParaRPr lang="en-US" dirty="0"/>
           </a:p>
@@ -12966,7 +14854,7 @@
 </p:sld>
 </file>
 
-<file path=ppt/slides/slide13.xml><?xml version="1.0" encoding="utf-8"?>
+<file path=ppt/slides/slide19.xml><?xml version="1.0" encoding="utf-8"?>
 <p:sld xmlns:a="http://schemas.openxmlformats.org/drawingml/2006/main" xmlns:r="http://schemas.openxmlformats.org/officeDocument/2006/relationships" xmlns:p="http://schemas.openxmlformats.org/presentationml/2006/main">
   <p:cSld>
     <p:spTree>
@@ -13014,7 +14902,7 @@
               <a:pPr>
                 <a:defRPr/>
               </a:pPr>
-              <a:t>13</a:t>
+              <a:t>19</a:t>
             </a:fld>
             <a:endParaRPr lang="en-US" dirty="0"/>
           </a:p>
@@ -13169,7 +15057,435 @@
 </p:sld>
 </file>
 
-<file path=ppt/slides/slide14.xml><?xml version="1.0" encoding="utf-8"?>
+<file path=ppt/slides/slide2.xml><?xml version="1.0" encoding="utf-8"?>
+<p:sld xmlns:a="http://schemas.openxmlformats.org/drawingml/2006/main" xmlns:r="http://schemas.openxmlformats.org/officeDocument/2006/relationships" xmlns:p="http://schemas.openxmlformats.org/presentationml/2006/main">
+  <p:cSld>
+    <p:spTree>
+      <p:nvGrpSpPr>
+        <p:cNvPr id="1" name=""/>
+        <p:cNvGrpSpPr/>
+        <p:nvPr/>
+      </p:nvGrpSpPr>
+      <p:grpSpPr>
+        <a:xfrm>
+          <a:off x="0" y="0"/>
+          <a:ext cx="0" cy="0"/>
+          <a:chOff x="0" y="0"/>
+          <a:chExt cx="0" cy="0"/>
+        </a:xfrm>
+      </p:grpSpPr>
+      <p:sp>
+        <p:nvSpPr>
+          <p:cNvPr id="2" name="Title 1">
+            <a:extLst>
+              <a:ext uri="{FF2B5EF4-FFF2-40B4-BE49-F238E27FC236}">
+                <a16:creationId xmlns:a16="http://schemas.microsoft.com/office/drawing/2014/main" id="{33F8A824-3E67-469B-A206-F67944C08E55}"/>
+              </a:ext>
+            </a:extLst>
+          </p:cNvPr>
+          <p:cNvSpPr>
+            <a:spLocks noGrp="1"/>
+          </p:cNvSpPr>
+          <p:nvPr>
+            <p:ph type="title"/>
+          </p:nvPr>
+        </p:nvSpPr>
+        <p:spPr>
+          <a:xfrm>
+            <a:off x="1141411" y="328474"/>
+            <a:ext cx="9905998" cy="1478570"/>
+          </a:xfrm>
+        </p:spPr>
+        <p:txBody>
+          <a:bodyPr/>
+          <a:lstStyle/>
+          <a:p>
+            <a:pPr algn="ctr"/>
+            <a:r>
+              <a:rPr lang="bg-BG" dirty="0"/>
+              <a:t>Сървър</a:t>
+            </a:r>
+            <a:endParaRPr lang="en-US" dirty="0"/>
+          </a:p>
+        </p:txBody>
+      </p:sp>
+      <p:sp>
+        <p:nvSpPr>
+          <p:cNvPr id="3" name="Content Placeholder 2">
+            <a:extLst>
+              <a:ext uri="{FF2B5EF4-FFF2-40B4-BE49-F238E27FC236}">
+                <a16:creationId xmlns:a16="http://schemas.microsoft.com/office/drawing/2014/main" id="{21C30E7F-A16A-4BAA-B430-1F6FFDA99FC2}"/>
+              </a:ext>
+            </a:extLst>
+          </p:cNvPr>
+          <p:cNvSpPr>
+            <a:spLocks noGrp="1"/>
+          </p:cNvSpPr>
+          <p:nvPr>
+            <p:ph idx="1"/>
+          </p:nvPr>
+        </p:nvSpPr>
+        <p:spPr>
+          <a:xfrm>
+            <a:off x="1141410" y="1501805"/>
+            <a:ext cx="9905999" cy="4876801"/>
+          </a:xfrm>
+        </p:spPr>
+        <p:txBody>
+          <a:bodyPr/>
+          <a:lstStyle/>
+          <a:p>
+            <a:r>
+              <a:rPr lang="en-US" dirty="0"/>
+              <a:t>K</a:t>
+            </a:r>
+            <a:r>
+              <a:rPr lang="ru-RU" dirty="0" err="1"/>
+              <a:t>омпютър</a:t>
+            </a:r>
+            <a:r>
+              <a:rPr lang="ru-RU" dirty="0"/>
+              <a:t>, </a:t>
+            </a:r>
+            <a:r>
+              <a:rPr lang="ru-RU" dirty="0" err="1"/>
+              <a:t>стартиращ</a:t>
+            </a:r>
+            <a:r>
+              <a:rPr lang="ru-RU" dirty="0"/>
+              <a:t> </a:t>
+            </a:r>
+            <a:r>
+              <a:rPr lang="ru-RU" dirty="0" err="1"/>
+              <a:t>сървърен</a:t>
+            </a:r>
+            <a:r>
+              <a:rPr lang="ru-RU" dirty="0"/>
+              <a:t> </a:t>
+            </a:r>
+            <a:r>
+              <a:rPr lang="ru-RU" dirty="0" err="1"/>
+              <a:t>софтуер</a:t>
+            </a:r>
+            <a:r>
+              <a:rPr lang="ru-RU" dirty="0"/>
+              <a:t> </a:t>
+            </a:r>
+            <a:r>
+              <a:rPr lang="ru-RU" dirty="0" err="1"/>
+              <a:t>предоставящ</a:t>
+            </a:r>
+            <a:r>
+              <a:rPr lang="ru-RU" dirty="0"/>
+              <a:t> услуги </a:t>
+            </a:r>
+            <a:r>
+              <a:rPr lang="ru-RU" dirty="0" err="1"/>
+              <a:t>като</a:t>
+            </a:r>
+            <a:r>
+              <a:rPr lang="ru-RU" dirty="0"/>
+              <a:t> например хост</a:t>
+            </a:r>
+            <a:r>
+              <a:rPr lang="en-US" dirty="0"/>
+              <a:t> (</a:t>
+            </a:r>
+            <a:r>
+              <a:rPr lang="ru-RU" u="sng" dirty="0" err="1"/>
+              <a:t>предлага</a:t>
+            </a:r>
+            <a:r>
+              <a:rPr lang="ru-RU" u="sng" dirty="0"/>
+              <a:t> </a:t>
+            </a:r>
+            <a:r>
+              <a:rPr lang="ru-RU" u="sng" dirty="0" err="1"/>
+              <a:t>информационни</a:t>
+            </a:r>
+            <a:r>
+              <a:rPr lang="ru-RU" u="sng" dirty="0"/>
+              <a:t> </a:t>
+            </a:r>
+            <a:r>
+              <a:rPr lang="ru-RU" u="sng" dirty="0" err="1"/>
+              <a:t>ресурси</a:t>
+            </a:r>
+            <a:r>
+              <a:rPr lang="ru-RU" u="sng" dirty="0"/>
+              <a:t> </a:t>
+            </a:r>
+            <a:r>
+              <a:rPr lang="en-US" u="sng" dirty="0"/>
+              <a:t>(HTML,</a:t>
+            </a:r>
+            <a:r>
+              <a:rPr lang="bg-BG" u="sng" dirty="0" err="1"/>
+              <a:t>снимки,текст</a:t>
+            </a:r>
+            <a:r>
+              <a:rPr lang="bg-BG" u="sng" dirty="0"/>
+              <a:t> и много други)</a:t>
+            </a:r>
+            <a:r>
+              <a:rPr lang="en-US" u="sng" dirty="0"/>
+              <a:t> </a:t>
+            </a:r>
+            <a:r>
+              <a:rPr lang="ru-RU" u="sng" dirty="0"/>
+              <a:t>за потребители</a:t>
+            </a:r>
+            <a:r>
+              <a:rPr lang="en-US" u="sng" dirty="0"/>
+              <a:t> </a:t>
+            </a:r>
+            <a:r>
+              <a:rPr lang="bg-BG" u="sng" dirty="0"/>
+              <a:t>в интернет</a:t>
+            </a:r>
+            <a:r>
+              <a:rPr lang="en-US" dirty="0"/>
+              <a:t>);</a:t>
+            </a:r>
+            <a:endParaRPr lang="ru-RU" dirty="0"/>
+          </a:p>
+          <a:p>
+            <a:r>
+              <a:rPr lang="ru-RU" dirty="0" err="1"/>
+              <a:t>Компютърна</a:t>
+            </a:r>
+            <a:r>
+              <a:rPr lang="ru-RU" dirty="0"/>
+              <a:t> </a:t>
+            </a:r>
+            <a:r>
+              <a:rPr lang="ru-RU" dirty="0" err="1"/>
+              <a:t>програма</a:t>
+            </a:r>
+            <a:r>
+              <a:rPr lang="ru-RU" dirty="0"/>
+              <a:t>, </a:t>
+            </a:r>
+            <a:r>
+              <a:rPr lang="ru-RU" dirty="0" err="1"/>
+              <a:t>която</a:t>
+            </a:r>
+            <a:r>
+              <a:rPr lang="ru-RU" dirty="0"/>
+              <a:t> </a:t>
+            </a:r>
+            <a:r>
+              <a:rPr lang="ru-RU" dirty="0" err="1"/>
+              <a:t>стартира</a:t>
+            </a:r>
+            <a:r>
+              <a:rPr lang="ru-RU" dirty="0"/>
+              <a:t> </a:t>
+            </a:r>
+            <a:r>
+              <a:rPr lang="ru-RU" dirty="0" err="1"/>
+              <a:t>като</a:t>
+            </a:r>
+            <a:r>
+              <a:rPr lang="ru-RU" dirty="0"/>
+              <a:t> услуга, </a:t>
+            </a:r>
+            <a:r>
+              <a:rPr lang="ru-RU" dirty="0" err="1"/>
+              <a:t>която</a:t>
+            </a:r>
+            <a:r>
+              <a:rPr lang="ru-RU" dirty="0"/>
+              <a:t> </a:t>
+            </a:r>
+            <a:r>
+              <a:rPr lang="ru-RU" dirty="0" err="1"/>
+              <a:t>обслужва</a:t>
+            </a:r>
+            <a:r>
+              <a:rPr lang="ru-RU" dirty="0"/>
+              <a:t> заявки на </a:t>
+            </a:r>
+            <a:r>
+              <a:rPr lang="ru-RU" dirty="0" err="1"/>
+              <a:t>други</a:t>
+            </a:r>
+            <a:r>
+              <a:rPr lang="ru-RU" dirty="0"/>
+              <a:t> </a:t>
+            </a:r>
+            <a:r>
+              <a:rPr lang="ru-RU" dirty="0" err="1"/>
+              <a:t>програми</a:t>
+            </a:r>
+            <a:r>
+              <a:rPr lang="ru-RU" dirty="0"/>
+              <a:t> („</a:t>
+            </a:r>
+            <a:r>
+              <a:rPr lang="ru-RU" dirty="0" err="1"/>
+              <a:t>клиенти</a:t>
+            </a:r>
+            <a:r>
+              <a:rPr lang="ru-RU" dirty="0"/>
+              <a:t>“). </a:t>
+            </a:r>
+            <a:r>
+              <a:rPr lang="bg-BG" dirty="0"/>
+              <a:t>Той</a:t>
+            </a:r>
+            <a:r>
+              <a:rPr lang="en-US" dirty="0"/>
+              <a:t> </a:t>
+            </a:r>
+            <a:r>
+              <a:rPr lang="ru-RU" dirty="0" err="1"/>
+              <a:t>слуша</a:t>
+            </a:r>
+            <a:r>
+              <a:rPr lang="ru-RU" dirty="0"/>
+              <a:t> за заявки (</a:t>
+            </a:r>
+            <a:r>
+              <a:rPr lang="ru-RU" dirty="0" err="1"/>
+              <a:t>request</a:t>
+            </a:r>
+            <a:r>
+              <a:rPr lang="ru-RU" dirty="0"/>
+              <a:t>) и </a:t>
+            </a:r>
+            <a:r>
+              <a:rPr lang="ru-RU" dirty="0" err="1"/>
+              <a:t>връща</a:t>
+            </a:r>
+            <a:r>
+              <a:rPr lang="ru-RU" dirty="0"/>
+              <a:t> отговор (</a:t>
+            </a:r>
+            <a:r>
+              <a:rPr lang="ru-RU" dirty="0" err="1"/>
+              <a:t>response</a:t>
+            </a:r>
+            <a:r>
+              <a:rPr lang="ru-RU" dirty="0"/>
+              <a:t>), </a:t>
+            </a:r>
+            <a:r>
+              <a:rPr lang="ru-RU" dirty="0" err="1"/>
+              <a:t>като</a:t>
+            </a:r>
+            <a:r>
+              <a:rPr lang="ru-RU" dirty="0"/>
+              <a:t> и </a:t>
+            </a:r>
+            <a:r>
+              <a:rPr lang="ru-RU" dirty="0" err="1"/>
+              <a:t>двете</a:t>
+            </a:r>
+            <a:r>
+              <a:rPr lang="ru-RU" dirty="0"/>
+              <a:t> операции </a:t>
+            </a:r>
+            <a:r>
+              <a:rPr lang="ru-RU" dirty="0" err="1"/>
+              <a:t>са</a:t>
+            </a:r>
+            <a:r>
+              <a:rPr lang="ru-RU" dirty="0"/>
+              <a:t> по </a:t>
+            </a:r>
+            <a:r>
+              <a:rPr lang="ru-RU" dirty="0" err="1"/>
+              <a:t>предварително</a:t>
+            </a:r>
+            <a:r>
+              <a:rPr lang="ru-RU" dirty="0"/>
+              <a:t> </a:t>
+            </a:r>
+            <a:r>
+              <a:rPr lang="ru-RU" dirty="0" err="1"/>
+              <a:t>зададен</a:t>
+            </a:r>
+            <a:r>
+              <a:rPr lang="ru-RU" dirty="0"/>
+              <a:t> протокол</a:t>
+            </a:r>
+            <a:r>
+              <a:rPr lang="en-US" dirty="0"/>
+              <a:t>;</a:t>
+            </a:r>
+            <a:endParaRPr lang="ru-RU" dirty="0"/>
+          </a:p>
+          <a:p>
+            <a:r>
+              <a:rPr lang="bg-BG" dirty="0"/>
+              <a:t>Завършена софтуерна система </a:t>
+            </a:r>
+            <a:r>
+              <a:rPr lang="ru-RU" dirty="0"/>
+              <a:t>например </a:t>
+            </a:r>
+            <a:r>
+              <a:rPr lang="ru-RU" dirty="0" err="1"/>
+              <a:t>сървър</a:t>
+            </a:r>
+            <a:r>
+              <a:rPr lang="ru-RU" dirty="0"/>
+              <a:t> база </a:t>
+            </a:r>
+            <a:r>
+              <a:rPr lang="ru-RU" dirty="0" err="1"/>
+              <a:t>данни</a:t>
+            </a:r>
+            <a:r>
+              <a:rPr lang="ru-RU" dirty="0"/>
+              <a:t>, файлов </a:t>
+            </a:r>
+            <a:r>
+              <a:rPr lang="ru-RU" dirty="0" err="1"/>
+              <a:t>сървър</a:t>
+            </a:r>
+            <a:r>
+              <a:rPr lang="ru-RU" dirty="0"/>
+              <a:t>, </a:t>
+            </a:r>
+            <a:r>
+              <a:rPr lang="ru-RU" dirty="0" err="1"/>
+              <a:t>mail</a:t>
+            </a:r>
+            <a:r>
+              <a:rPr lang="ru-RU" dirty="0"/>
+              <a:t> </a:t>
+            </a:r>
+            <a:r>
+              <a:rPr lang="ru-RU" dirty="0" err="1"/>
+              <a:t>сървър</a:t>
+            </a:r>
+            <a:r>
+              <a:rPr lang="ru-RU" dirty="0"/>
+              <a:t>;</a:t>
+            </a:r>
+            <a:endParaRPr lang="en-US" dirty="0"/>
+          </a:p>
+          <a:p>
+            <a:endParaRPr lang="en-US" dirty="0"/>
+          </a:p>
+        </p:txBody>
+      </p:sp>
+    </p:spTree>
+    <p:extLst>
+      <p:ext uri="{BB962C8B-B14F-4D97-AF65-F5344CB8AC3E}">
+        <p14:creationId xmlns:p14="http://schemas.microsoft.com/office/powerpoint/2010/main" val="2112608690"/>
+      </p:ext>
+    </p:extLst>
+  </p:cSld>
+  <p:clrMapOvr>
+    <a:masterClrMapping/>
+  </p:clrMapOvr>
+</p:sld>
+</file>
+
+<file path=ppt/slides/slide20.xml><?xml version="1.0" encoding="utf-8"?>
 <p:sld xmlns:a="http://schemas.openxmlformats.org/drawingml/2006/main" xmlns:r="http://schemas.openxmlformats.org/officeDocument/2006/relationships" xmlns:p="http://schemas.openxmlformats.org/presentationml/2006/main">
   <p:cSld>
     <p:spTree>
@@ -13217,7 +15533,7 @@
               <a:pPr>
                 <a:defRPr/>
               </a:pPr>
-              <a:t>14</a:t>
+              <a:t>20</a:t>
             </a:fld>
             <a:endParaRPr lang="en-US" dirty="0"/>
           </a:p>
@@ -13413,7 +15729,7 @@
 </p:sld>
 </file>
 
-<file path=ppt/slides/slide15.xml><?xml version="1.0" encoding="utf-8"?>
+<file path=ppt/slides/slide21.xml><?xml version="1.0" encoding="utf-8"?>
 <p:sld xmlns:a="http://schemas.openxmlformats.org/drawingml/2006/main" xmlns:r="http://schemas.openxmlformats.org/officeDocument/2006/relationships" xmlns:p="http://schemas.openxmlformats.org/presentationml/2006/main">
   <p:cSld>
     <p:spTree>
@@ -13461,7 +15777,7 @@
               <a:pPr>
                 <a:defRPr/>
               </a:pPr>
-              <a:t>15</a:t>
+              <a:t>21</a:t>
             </a:fld>
             <a:endParaRPr lang="en-US" dirty="0"/>
           </a:p>
@@ -13549,7 +15865,7 @@
 </p:sld>
 </file>
 
-<file path=ppt/slides/slide16.xml><?xml version="1.0" encoding="utf-8"?>
+<file path=ppt/slides/slide22.xml><?xml version="1.0" encoding="utf-8"?>
 <p:sld xmlns:a="http://schemas.openxmlformats.org/drawingml/2006/main" xmlns:r="http://schemas.openxmlformats.org/officeDocument/2006/relationships" xmlns:p="http://schemas.openxmlformats.org/presentationml/2006/main">
   <p:cSld>
     <p:spTree>
@@ -13597,7 +15913,7 @@
               <a:pPr>
                 <a:defRPr/>
               </a:pPr>
-              <a:t>16</a:t>
+              <a:t>22</a:t>
             </a:fld>
             <a:endParaRPr lang="en-US" dirty="0"/>
           </a:p>
@@ -13776,7 +16092,7 @@
 </p:sld>
 </file>
 
-<file path=ppt/slides/slide17.xml><?xml version="1.0" encoding="utf-8"?>
+<file path=ppt/slides/slide23.xml><?xml version="1.0" encoding="utf-8"?>
 <p:sld xmlns:a="http://schemas.openxmlformats.org/drawingml/2006/main" xmlns:r="http://schemas.openxmlformats.org/officeDocument/2006/relationships" xmlns:p="http://schemas.openxmlformats.org/presentationml/2006/main">
   <p:cSld>
     <p:spTree>
@@ -13824,7 +16140,7 @@
               <a:pPr>
                 <a:defRPr/>
               </a:pPr>
-              <a:t>17</a:t>
+              <a:t>23</a:t>
             </a:fld>
             <a:endParaRPr lang="en-US" dirty="0"/>
           </a:p>
@@ -13978,7 +16294,7 @@
 </p:sld>
 </file>
 
-<file path=ppt/slides/slide18.xml><?xml version="1.0" encoding="utf-8"?>
+<file path=ppt/slides/slide24.xml><?xml version="1.0" encoding="utf-8"?>
 <p:sld xmlns:a="http://schemas.openxmlformats.org/drawingml/2006/main" xmlns:r="http://schemas.openxmlformats.org/officeDocument/2006/relationships" xmlns:p="http://schemas.openxmlformats.org/presentationml/2006/main">
   <p:cSld>
     <p:spTree>
@@ -14026,7 +16342,7 @@
               <a:pPr>
                 <a:defRPr/>
               </a:pPr>
-              <a:t>18</a:t>
+              <a:t>24</a:t>
             </a:fld>
             <a:endParaRPr lang="en-US" dirty="0"/>
           </a:p>
@@ -14240,7 +16556,7 @@
 </p:sld>
 </file>
 
-<file path=ppt/slides/slide19.xml><?xml version="1.0" encoding="utf-8"?>
+<file path=ppt/slides/slide25.xml><?xml version="1.0" encoding="utf-8"?>
 <p:sld xmlns:a="http://schemas.openxmlformats.org/drawingml/2006/main" xmlns:r="http://schemas.openxmlformats.org/officeDocument/2006/relationships" xmlns:p="http://schemas.openxmlformats.org/presentationml/2006/main">
   <p:cSld>
     <p:spTree>
@@ -14288,7 +16604,7 @@
               <a:pPr>
                 <a:defRPr/>
               </a:pPr>
-              <a:t>19</a:t>
+              <a:t>25</a:t>
             </a:fld>
             <a:endParaRPr lang="en-US" dirty="0"/>
           </a:p>
@@ -14432,434 +16748,6 @@
     <p:extLst>
       <p:ext uri="{BB962C8B-B14F-4D97-AF65-F5344CB8AC3E}">
         <p14:creationId xmlns:p14="http://schemas.microsoft.com/office/powerpoint/2010/main" val="349724400"/>
-      </p:ext>
-    </p:extLst>
-  </p:cSld>
-  <p:clrMapOvr>
-    <a:masterClrMapping/>
-  </p:clrMapOvr>
-</p:sld>
-</file>
-
-<file path=ppt/slides/slide2.xml><?xml version="1.0" encoding="utf-8"?>
-<p:sld xmlns:a="http://schemas.openxmlformats.org/drawingml/2006/main" xmlns:r="http://schemas.openxmlformats.org/officeDocument/2006/relationships" xmlns:p="http://schemas.openxmlformats.org/presentationml/2006/main">
-  <p:cSld>
-    <p:spTree>
-      <p:nvGrpSpPr>
-        <p:cNvPr id="1" name=""/>
-        <p:cNvGrpSpPr/>
-        <p:nvPr/>
-      </p:nvGrpSpPr>
-      <p:grpSpPr>
-        <a:xfrm>
-          <a:off x="0" y="0"/>
-          <a:ext cx="0" cy="0"/>
-          <a:chOff x="0" y="0"/>
-          <a:chExt cx="0" cy="0"/>
-        </a:xfrm>
-      </p:grpSpPr>
-      <p:sp>
-        <p:nvSpPr>
-          <p:cNvPr id="2" name="Title 1">
-            <a:extLst>
-              <a:ext uri="{FF2B5EF4-FFF2-40B4-BE49-F238E27FC236}">
-                <a16:creationId xmlns:a16="http://schemas.microsoft.com/office/drawing/2014/main" id="{33F8A824-3E67-469B-A206-F67944C08E55}"/>
-              </a:ext>
-            </a:extLst>
-          </p:cNvPr>
-          <p:cNvSpPr>
-            <a:spLocks noGrp="1"/>
-          </p:cNvSpPr>
-          <p:nvPr>
-            <p:ph type="title"/>
-          </p:nvPr>
-        </p:nvSpPr>
-        <p:spPr>
-          <a:xfrm>
-            <a:off x="1141411" y="328474"/>
-            <a:ext cx="9905998" cy="1478570"/>
-          </a:xfrm>
-        </p:spPr>
-        <p:txBody>
-          <a:bodyPr/>
-          <a:lstStyle/>
-          <a:p>
-            <a:pPr algn="ctr"/>
-            <a:r>
-              <a:rPr lang="bg-BG" dirty="0"/>
-              <a:t>Сървър</a:t>
-            </a:r>
-            <a:endParaRPr lang="en-US" dirty="0"/>
-          </a:p>
-        </p:txBody>
-      </p:sp>
-      <p:sp>
-        <p:nvSpPr>
-          <p:cNvPr id="3" name="Content Placeholder 2">
-            <a:extLst>
-              <a:ext uri="{FF2B5EF4-FFF2-40B4-BE49-F238E27FC236}">
-                <a16:creationId xmlns:a16="http://schemas.microsoft.com/office/drawing/2014/main" id="{21C30E7F-A16A-4BAA-B430-1F6FFDA99FC2}"/>
-              </a:ext>
-            </a:extLst>
-          </p:cNvPr>
-          <p:cNvSpPr>
-            <a:spLocks noGrp="1"/>
-          </p:cNvSpPr>
-          <p:nvPr>
-            <p:ph idx="1"/>
-          </p:nvPr>
-        </p:nvSpPr>
-        <p:spPr>
-          <a:xfrm>
-            <a:off x="1141410" y="1501805"/>
-            <a:ext cx="9905999" cy="4876801"/>
-          </a:xfrm>
-        </p:spPr>
-        <p:txBody>
-          <a:bodyPr/>
-          <a:lstStyle/>
-          <a:p>
-            <a:r>
-              <a:rPr lang="en-US" dirty="0"/>
-              <a:t>K</a:t>
-            </a:r>
-            <a:r>
-              <a:rPr lang="ru-RU" dirty="0" err="1"/>
-              <a:t>омпютър</a:t>
-            </a:r>
-            <a:r>
-              <a:rPr lang="ru-RU" dirty="0"/>
-              <a:t>, </a:t>
-            </a:r>
-            <a:r>
-              <a:rPr lang="ru-RU" dirty="0" err="1"/>
-              <a:t>стартиращ</a:t>
-            </a:r>
-            <a:r>
-              <a:rPr lang="ru-RU" dirty="0"/>
-              <a:t> </a:t>
-            </a:r>
-            <a:r>
-              <a:rPr lang="ru-RU" dirty="0" err="1"/>
-              <a:t>сървърен</a:t>
-            </a:r>
-            <a:r>
-              <a:rPr lang="ru-RU" dirty="0"/>
-              <a:t> </a:t>
-            </a:r>
-            <a:r>
-              <a:rPr lang="ru-RU" dirty="0" err="1"/>
-              <a:t>софтуер</a:t>
-            </a:r>
-            <a:r>
-              <a:rPr lang="ru-RU" dirty="0"/>
-              <a:t> </a:t>
-            </a:r>
-            <a:r>
-              <a:rPr lang="ru-RU" dirty="0" err="1"/>
-              <a:t>предоставящ</a:t>
-            </a:r>
-            <a:r>
-              <a:rPr lang="ru-RU" dirty="0"/>
-              <a:t> услуги </a:t>
-            </a:r>
-            <a:r>
-              <a:rPr lang="ru-RU" dirty="0" err="1"/>
-              <a:t>като</a:t>
-            </a:r>
-            <a:r>
-              <a:rPr lang="ru-RU" dirty="0"/>
-              <a:t> например хост</a:t>
-            </a:r>
-            <a:r>
-              <a:rPr lang="en-US" dirty="0"/>
-              <a:t> (</a:t>
-            </a:r>
-            <a:r>
-              <a:rPr lang="ru-RU" u="sng" dirty="0" err="1"/>
-              <a:t>предлага</a:t>
-            </a:r>
-            <a:r>
-              <a:rPr lang="ru-RU" u="sng" dirty="0"/>
-              <a:t> </a:t>
-            </a:r>
-            <a:r>
-              <a:rPr lang="ru-RU" u="sng" dirty="0" err="1"/>
-              <a:t>информационни</a:t>
-            </a:r>
-            <a:r>
-              <a:rPr lang="ru-RU" u="sng" dirty="0"/>
-              <a:t> </a:t>
-            </a:r>
-            <a:r>
-              <a:rPr lang="ru-RU" u="sng" dirty="0" err="1"/>
-              <a:t>ресурси</a:t>
-            </a:r>
-            <a:r>
-              <a:rPr lang="ru-RU" u="sng" dirty="0"/>
-              <a:t> </a:t>
-            </a:r>
-            <a:r>
-              <a:rPr lang="en-US" u="sng" dirty="0"/>
-              <a:t>(HTML,</a:t>
-            </a:r>
-            <a:r>
-              <a:rPr lang="bg-BG" u="sng" dirty="0" err="1"/>
-              <a:t>снимки,текст</a:t>
-            </a:r>
-            <a:r>
-              <a:rPr lang="bg-BG" u="sng" dirty="0"/>
-              <a:t> и много други)</a:t>
-            </a:r>
-            <a:r>
-              <a:rPr lang="en-US" u="sng" dirty="0"/>
-              <a:t> </a:t>
-            </a:r>
-            <a:r>
-              <a:rPr lang="ru-RU" u="sng" dirty="0"/>
-              <a:t>за потребители</a:t>
-            </a:r>
-            <a:r>
-              <a:rPr lang="en-US" u="sng" dirty="0"/>
-              <a:t> </a:t>
-            </a:r>
-            <a:r>
-              <a:rPr lang="bg-BG" u="sng" dirty="0"/>
-              <a:t>в интернет</a:t>
-            </a:r>
-            <a:r>
-              <a:rPr lang="en-US" dirty="0"/>
-              <a:t>);</a:t>
-            </a:r>
-            <a:endParaRPr lang="ru-RU" dirty="0"/>
-          </a:p>
-          <a:p>
-            <a:r>
-              <a:rPr lang="ru-RU" dirty="0" err="1"/>
-              <a:t>Компютърна</a:t>
-            </a:r>
-            <a:r>
-              <a:rPr lang="ru-RU" dirty="0"/>
-              <a:t> </a:t>
-            </a:r>
-            <a:r>
-              <a:rPr lang="ru-RU" dirty="0" err="1"/>
-              <a:t>програма</a:t>
-            </a:r>
-            <a:r>
-              <a:rPr lang="ru-RU" dirty="0"/>
-              <a:t>, </a:t>
-            </a:r>
-            <a:r>
-              <a:rPr lang="ru-RU" dirty="0" err="1"/>
-              <a:t>която</a:t>
-            </a:r>
-            <a:r>
-              <a:rPr lang="ru-RU" dirty="0"/>
-              <a:t> </a:t>
-            </a:r>
-            <a:r>
-              <a:rPr lang="ru-RU" dirty="0" err="1"/>
-              <a:t>стартира</a:t>
-            </a:r>
-            <a:r>
-              <a:rPr lang="ru-RU" dirty="0"/>
-              <a:t> </a:t>
-            </a:r>
-            <a:r>
-              <a:rPr lang="ru-RU" dirty="0" err="1"/>
-              <a:t>като</a:t>
-            </a:r>
-            <a:r>
-              <a:rPr lang="ru-RU" dirty="0"/>
-              <a:t> услуга, </a:t>
-            </a:r>
-            <a:r>
-              <a:rPr lang="ru-RU" dirty="0" err="1"/>
-              <a:t>която</a:t>
-            </a:r>
-            <a:r>
-              <a:rPr lang="ru-RU" dirty="0"/>
-              <a:t> </a:t>
-            </a:r>
-            <a:r>
-              <a:rPr lang="ru-RU" dirty="0" err="1"/>
-              <a:t>обслужва</a:t>
-            </a:r>
-            <a:r>
-              <a:rPr lang="ru-RU" dirty="0"/>
-              <a:t> заявки на </a:t>
-            </a:r>
-            <a:r>
-              <a:rPr lang="ru-RU" dirty="0" err="1"/>
-              <a:t>други</a:t>
-            </a:r>
-            <a:r>
-              <a:rPr lang="ru-RU" dirty="0"/>
-              <a:t> </a:t>
-            </a:r>
-            <a:r>
-              <a:rPr lang="ru-RU" dirty="0" err="1"/>
-              <a:t>програми</a:t>
-            </a:r>
-            <a:r>
-              <a:rPr lang="ru-RU" dirty="0"/>
-              <a:t> („</a:t>
-            </a:r>
-            <a:r>
-              <a:rPr lang="ru-RU" dirty="0" err="1"/>
-              <a:t>клиенти</a:t>
-            </a:r>
-            <a:r>
-              <a:rPr lang="ru-RU" dirty="0"/>
-              <a:t>“). </a:t>
-            </a:r>
-            <a:r>
-              <a:rPr lang="bg-BG" dirty="0"/>
-              <a:t>Той</a:t>
-            </a:r>
-            <a:r>
-              <a:rPr lang="en-US" dirty="0"/>
-              <a:t> </a:t>
-            </a:r>
-            <a:r>
-              <a:rPr lang="ru-RU" dirty="0" err="1"/>
-              <a:t>слуша</a:t>
-            </a:r>
-            <a:r>
-              <a:rPr lang="ru-RU" dirty="0"/>
-              <a:t> за заявки (</a:t>
-            </a:r>
-            <a:r>
-              <a:rPr lang="ru-RU" dirty="0" err="1"/>
-              <a:t>request</a:t>
-            </a:r>
-            <a:r>
-              <a:rPr lang="ru-RU" dirty="0"/>
-              <a:t>) и </a:t>
-            </a:r>
-            <a:r>
-              <a:rPr lang="ru-RU" dirty="0" err="1"/>
-              <a:t>връща</a:t>
-            </a:r>
-            <a:r>
-              <a:rPr lang="ru-RU" dirty="0"/>
-              <a:t> отговор (</a:t>
-            </a:r>
-            <a:r>
-              <a:rPr lang="ru-RU" dirty="0" err="1"/>
-              <a:t>response</a:t>
-            </a:r>
-            <a:r>
-              <a:rPr lang="ru-RU" dirty="0"/>
-              <a:t>), </a:t>
-            </a:r>
-            <a:r>
-              <a:rPr lang="ru-RU" dirty="0" err="1"/>
-              <a:t>като</a:t>
-            </a:r>
-            <a:r>
-              <a:rPr lang="ru-RU" dirty="0"/>
-              <a:t> и </a:t>
-            </a:r>
-            <a:r>
-              <a:rPr lang="ru-RU" dirty="0" err="1"/>
-              <a:t>двете</a:t>
-            </a:r>
-            <a:r>
-              <a:rPr lang="ru-RU" dirty="0"/>
-              <a:t> операции </a:t>
-            </a:r>
-            <a:r>
-              <a:rPr lang="ru-RU" dirty="0" err="1"/>
-              <a:t>са</a:t>
-            </a:r>
-            <a:r>
-              <a:rPr lang="ru-RU" dirty="0"/>
-              <a:t> по </a:t>
-            </a:r>
-            <a:r>
-              <a:rPr lang="ru-RU" dirty="0" err="1"/>
-              <a:t>предварително</a:t>
-            </a:r>
-            <a:r>
-              <a:rPr lang="ru-RU" dirty="0"/>
-              <a:t> </a:t>
-            </a:r>
-            <a:r>
-              <a:rPr lang="ru-RU" dirty="0" err="1"/>
-              <a:t>зададен</a:t>
-            </a:r>
-            <a:r>
-              <a:rPr lang="ru-RU" dirty="0"/>
-              <a:t> протокол</a:t>
-            </a:r>
-            <a:r>
-              <a:rPr lang="en-US" dirty="0"/>
-              <a:t>;</a:t>
-            </a:r>
-            <a:endParaRPr lang="ru-RU" dirty="0"/>
-          </a:p>
-          <a:p>
-            <a:r>
-              <a:rPr lang="bg-BG" dirty="0"/>
-              <a:t>Завършена софтуерна система </a:t>
-            </a:r>
-            <a:r>
-              <a:rPr lang="ru-RU" dirty="0"/>
-              <a:t>например </a:t>
-            </a:r>
-            <a:r>
-              <a:rPr lang="ru-RU" dirty="0" err="1"/>
-              <a:t>сървър</a:t>
-            </a:r>
-            <a:r>
-              <a:rPr lang="ru-RU" dirty="0"/>
-              <a:t> база </a:t>
-            </a:r>
-            <a:r>
-              <a:rPr lang="ru-RU" dirty="0" err="1"/>
-              <a:t>данни</a:t>
-            </a:r>
-            <a:r>
-              <a:rPr lang="ru-RU" dirty="0"/>
-              <a:t>, файлов </a:t>
-            </a:r>
-            <a:r>
-              <a:rPr lang="ru-RU" dirty="0" err="1"/>
-              <a:t>сървър</a:t>
-            </a:r>
-            <a:r>
-              <a:rPr lang="ru-RU" dirty="0"/>
-              <a:t>, </a:t>
-            </a:r>
-            <a:r>
-              <a:rPr lang="ru-RU" dirty="0" err="1"/>
-              <a:t>mail</a:t>
-            </a:r>
-            <a:r>
-              <a:rPr lang="ru-RU" dirty="0"/>
-              <a:t> </a:t>
-            </a:r>
-            <a:r>
-              <a:rPr lang="ru-RU" dirty="0" err="1"/>
-              <a:t>сървър</a:t>
-            </a:r>
-            <a:r>
-              <a:rPr lang="ru-RU" dirty="0"/>
-              <a:t>;</a:t>
-            </a:r>
-            <a:endParaRPr lang="en-US" dirty="0"/>
-          </a:p>
-          <a:p>
-            <a:endParaRPr lang="en-US" dirty="0"/>
-          </a:p>
-        </p:txBody>
-      </p:sp>
-    </p:spTree>
-    <p:extLst>
-      <p:ext uri="{BB962C8B-B14F-4D97-AF65-F5344CB8AC3E}">
-        <p14:creationId xmlns:p14="http://schemas.microsoft.com/office/powerpoint/2010/main" val="2112608690"/>
       </p:ext>
     </p:extLst>
   </p:cSld>
@@ -17399,57 +19287,204 @@
           <a:chExt cx="0" cy="0"/>
         </a:xfrm>
       </p:grpSpPr>
+      <p:sp>
+        <p:nvSpPr>
+          <p:cNvPr id="7" name="Slide Number Placeholder 3"/>
+          <p:cNvSpPr>
+            <a:spLocks noGrp="1"/>
+          </p:cNvSpPr>
+          <p:nvPr>
+            <p:ph type="sldNum" sz="quarter" idx="4294967295"/>
+          </p:nvPr>
+        </p:nvSpPr>
+        <p:spPr>
+          <a:xfrm>
+            <a:off x="11568000" y="6525003"/>
+            <a:ext cx="428822" cy="196477"/>
+          </a:xfrm>
+          <a:prstGeom prst="rect">
+            <a:avLst/>
+          </a:prstGeom>
+        </p:spPr>
+        <p:txBody>
+          <a:bodyPr/>
+          <a:lstStyle/>
+          <a:p>
+            <a:pPr>
+              <a:defRPr/>
+            </a:pPr>
+            <a:fld id="{58452FF4-89E3-4D1B-9927-2DBDC00E58D7}" type="slidenum">
+              <a:rPr lang="en-US" smtClean="0"/>
+              <a:pPr>
+                <a:defRPr/>
+              </a:pPr>
+              <a:t>8</a:t>
+            </a:fld>
+            <a:endParaRPr lang="en-US" dirty="0"/>
+          </a:p>
+        </p:txBody>
+      </p:sp>
+      <p:sp>
+        <p:nvSpPr>
+          <p:cNvPr id="5" name="Content Placeholder 4"/>
+          <p:cNvSpPr>
+            <a:spLocks noGrp="1"/>
+          </p:cNvSpPr>
+          <p:nvPr>
+            <p:ph idx="1"/>
+          </p:nvPr>
+        </p:nvSpPr>
+        <p:spPr>
+          <a:xfrm>
+            <a:off x="1141413" y="1712549"/>
+            <a:ext cx="11696797" cy="5458202"/>
+          </a:xfrm>
+        </p:spPr>
+        <p:txBody>
+          <a:bodyPr>
+            <a:normAutofit/>
+          </a:bodyPr>
+          <a:lstStyle/>
+          <a:p>
+            <a:pPr>
+              <a:lnSpc>
+                <a:spcPct val="100000"/>
+              </a:lnSpc>
+            </a:pPr>
+            <a:r>
+              <a:rPr lang="en-US" dirty="0"/>
+              <a:t>Best suited for:</a:t>
+            </a:r>
+          </a:p>
+          <a:p>
+            <a:pPr lvl="1">
+              <a:lnSpc>
+                <a:spcPct val="100000"/>
+              </a:lnSpc>
+            </a:pPr>
+            <a:r>
+              <a:rPr lang="en-US" dirty="0"/>
+              <a:t>User interface </a:t>
+            </a:r>
+          </a:p>
+          <a:p>
+            <a:pPr lvl="1">
+              <a:lnSpc>
+                <a:spcPct val="100000"/>
+              </a:lnSpc>
+            </a:pPr>
+            <a:r>
+              <a:rPr lang="en-US" dirty="0"/>
+              <a:t>User initiated actions </a:t>
+            </a:r>
+          </a:p>
+          <a:p>
+            <a:pPr lvl="1">
+              <a:lnSpc>
+                <a:spcPct val="100000"/>
+              </a:lnSpc>
+            </a:pPr>
+            <a:r>
+              <a:rPr lang="en-US" dirty="0"/>
+              <a:t>Large scale </a:t>
+            </a:r>
+          </a:p>
+          <a:p>
+            <a:pPr lvl="1">
+              <a:lnSpc>
+                <a:spcPct val="100000"/>
+              </a:lnSpc>
+            </a:pPr>
+            <a:r>
+              <a:rPr lang="en-US" dirty="0"/>
+              <a:t>Short, focused actions </a:t>
+            </a:r>
+          </a:p>
+          <a:p>
+            <a:pPr>
+              <a:lnSpc>
+                <a:spcPct val="100000"/>
+              </a:lnSpc>
+            </a:pPr>
+            <a:r>
+              <a:rPr lang="en-US" dirty="0"/>
+              <a:t>Request-Response based</a:t>
+            </a:r>
+          </a:p>
+        </p:txBody>
+      </p:sp>
+      <p:sp>
+        <p:nvSpPr>
+          <p:cNvPr id="4" name="Title 3"/>
+          <p:cNvSpPr>
+            <a:spLocks noGrp="1"/>
+          </p:cNvSpPr>
+          <p:nvPr>
+            <p:ph type="title"/>
+          </p:nvPr>
+        </p:nvSpPr>
+        <p:spPr/>
+        <p:txBody>
+          <a:bodyPr/>
+          <a:lstStyle/>
+          <a:p>
+            <a:pPr>
+              <a:lnSpc>
+                <a:spcPct val="100000"/>
+              </a:lnSpc>
+            </a:pPr>
+            <a:r>
+              <a:rPr lang="en-GB" dirty="0"/>
+              <a:t>Application Types – Web application </a:t>
+            </a:r>
+            <a:endParaRPr lang="pt-BR" dirty="0"/>
+          </a:p>
+        </p:txBody>
+      </p:sp>
       <p:pic>
         <p:nvPicPr>
-          <p:cNvPr id="1026" name="Picture 2" descr="A Primer on Cloud Computing. Cloud computing is defined as: | by Colin  Baird | Medium">
+          <p:cNvPr id="2" name="Picture 1">
             <a:extLst>
               <a:ext uri="{FF2B5EF4-FFF2-40B4-BE49-F238E27FC236}">
-                <a16:creationId xmlns:a16="http://schemas.microsoft.com/office/drawing/2014/main" id="{7D7CCB2B-A042-4DD5-A2B7-35D958BB806B}"/>
+                <a16:creationId xmlns:a16="http://schemas.microsoft.com/office/drawing/2014/main" id="{4C3B5CC1-10AA-40DD-861D-2E0FBD7BB126}"/>
               </a:ext>
             </a:extLst>
           </p:cNvPr>
           <p:cNvPicPr>
-            <a:picLocks noChangeAspect="1" noChangeArrowheads="1"/>
+            <a:picLocks noChangeAspect="1"/>
           </p:cNvPicPr>
           <p:nvPr/>
         </p:nvPicPr>
         <p:blipFill>
-          <a:blip r:embed="rId2">
-            <a:extLst>
-              <a:ext uri="{28A0092B-C50C-407E-A947-70E740481C1C}">
-                <a14:useLocalDpi xmlns:a14="http://schemas.microsoft.com/office/drawing/2010/main" val="0"/>
-              </a:ext>
-            </a:extLst>
-          </a:blip>
-          <a:srcRect/>
+          <a:blip r:embed="rId2"/>
           <a:stretch>
             <a:fillRect/>
           </a:stretch>
         </p:blipFill>
-        <p:spPr bwMode="auto">
+        <p:spPr>
           <a:xfrm>
-            <a:off x="2959224" y="1195387"/>
-            <a:ext cx="6096000" cy="4467225"/>
+            <a:off x="5716887" y="1712549"/>
+            <a:ext cx="5330524" cy="3201080"/>
           </a:xfrm>
           <a:prstGeom prst="rect">
             <a:avLst/>
           </a:prstGeom>
-          <a:noFill/>
-          <a:extLst>
-            <a:ext uri="{909E8E84-426E-40DD-AFC4-6F175D3DCCD1}">
-              <a14:hiddenFill xmlns:a14="http://schemas.microsoft.com/office/drawing/2010/main">
-                <a:solidFill>
-                  <a:srgbClr val="FFFFFF"/>
-                </a:solidFill>
-              </a14:hiddenFill>
-            </a:ext>
-          </a:extLst>
+          <a:ln>
+            <a:noFill/>
+          </a:ln>
+          <a:effectLst>
+            <a:outerShdw blurRad="190500" algn="tl" rotWithShape="0">
+              <a:srgbClr val="000000">
+                <a:alpha val="70000"/>
+              </a:srgbClr>
+            </a:outerShdw>
+          </a:effectLst>
         </p:spPr>
       </p:pic>
     </p:spTree>
     <p:extLst>
       <p:ext uri="{BB962C8B-B14F-4D97-AF65-F5344CB8AC3E}">
-        <p14:creationId xmlns:p14="http://schemas.microsoft.com/office/powerpoint/2010/main" val="1582317988"/>
+        <p14:creationId xmlns:p14="http://schemas.microsoft.com/office/powerpoint/2010/main" val="426736119"/>
       </p:ext>
     </p:extLst>
   </p:cSld>
@@ -17476,888 +19511,260 @@
           <a:chExt cx="0" cy="0"/>
         </a:xfrm>
       </p:grpSpPr>
+      <p:sp>
+        <p:nvSpPr>
+          <p:cNvPr id="7" name="Slide Number Placeholder 3"/>
+          <p:cNvSpPr>
+            <a:spLocks noGrp="1"/>
+          </p:cNvSpPr>
+          <p:nvPr>
+            <p:ph type="sldNum" sz="quarter" idx="4294967295"/>
+          </p:nvPr>
+        </p:nvSpPr>
+        <p:spPr>
+          <a:xfrm>
+            <a:off x="11568000" y="6525003"/>
+            <a:ext cx="428822" cy="196477"/>
+          </a:xfrm>
+          <a:prstGeom prst="rect">
+            <a:avLst/>
+          </a:prstGeom>
+        </p:spPr>
+        <p:txBody>
+          <a:bodyPr/>
+          <a:lstStyle/>
+          <a:p>
+            <a:pPr>
+              <a:defRPr/>
+            </a:pPr>
+            <a:fld id="{58452FF4-89E3-4D1B-9927-2DBDC00E58D7}" type="slidenum">
+              <a:rPr lang="en-US" smtClean="0"/>
+              <a:pPr>
+                <a:defRPr/>
+              </a:pPr>
+              <a:t>9</a:t>
+            </a:fld>
+            <a:endParaRPr lang="en-US" dirty="0"/>
+          </a:p>
+        </p:txBody>
+      </p:sp>
+      <p:sp>
+        <p:nvSpPr>
+          <p:cNvPr id="5" name="Content Placeholder 4"/>
+          <p:cNvSpPr>
+            <a:spLocks noGrp="1"/>
+          </p:cNvSpPr>
+          <p:nvPr>
+            <p:ph idx="1"/>
+          </p:nvPr>
+        </p:nvSpPr>
+        <p:spPr>
+          <a:xfrm>
+            <a:off x="1141413" y="1712549"/>
+            <a:ext cx="11696797" cy="5458202"/>
+          </a:xfrm>
+        </p:spPr>
+        <p:txBody>
+          <a:bodyPr>
+            <a:normAutofit/>
+          </a:bodyPr>
+          <a:lstStyle/>
+          <a:p>
+            <a:pPr>
+              <a:lnSpc>
+                <a:spcPct val="100000"/>
+              </a:lnSpc>
+            </a:pPr>
+            <a:r>
+              <a:rPr lang="en-US" dirty="0"/>
+              <a:t>Best suited for:</a:t>
+            </a:r>
+          </a:p>
+          <a:p>
+            <a:pPr lvl="1">
+              <a:lnSpc>
+                <a:spcPct val="100000"/>
+              </a:lnSpc>
+            </a:pPr>
+            <a:r>
+              <a:rPr lang="en-US" dirty="0"/>
+              <a:t>Data retrieval and storage</a:t>
+            </a:r>
+          </a:p>
+          <a:p>
+            <a:pPr lvl="1">
+              <a:lnSpc>
+                <a:spcPct val="100000"/>
+              </a:lnSpc>
+            </a:pPr>
+            <a:r>
+              <a:rPr lang="en-US" dirty="0"/>
+              <a:t>Client initiated actions </a:t>
+            </a:r>
+          </a:p>
+          <a:p>
+            <a:pPr lvl="1">
+              <a:lnSpc>
+                <a:spcPct val="100000"/>
+              </a:lnSpc>
+            </a:pPr>
+            <a:r>
+              <a:rPr lang="en-US" dirty="0"/>
+              <a:t>Large scale </a:t>
+            </a:r>
+          </a:p>
+          <a:p>
+            <a:pPr lvl="1">
+              <a:lnSpc>
+                <a:spcPct val="100000"/>
+              </a:lnSpc>
+            </a:pPr>
+            <a:r>
+              <a:rPr lang="en-US" dirty="0"/>
+              <a:t>Short, focused actions</a:t>
+            </a:r>
+          </a:p>
+          <a:p>
+            <a:pPr>
+              <a:lnSpc>
+                <a:spcPct val="100000"/>
+              </a:lnSpc>
+            </a:pPr>
+            <a:r>
+              <a:rPr lang="en-US" dirty="0"/>
+              <a:t>Usually REST based </a:t>
+            </a:r>
+          </a:p>
+          <a:p>
+            <a:pPr>
+              <a:lnSpc>
+                <a:spcPct val="100000"/>
+              </a:lnSpc>
+            </a:pPr>
+            <a:r>
+              <a:rPr lang="en-GB" dirty="0"/>
+              <a:t>Returns data, not HTML</a:t>
+            </a:r>
+            <a:endParaRPr lang="en-US" dirty="0"/>
+          </a:p>
+          <a:p>
+            <a:pPr>
+              <a:lnSpc>
+                <a:spcPct val="100000"/>
+              </a:lnSpc>
+            </a:pPr>
+            <a:r>
+              <a:rPr lang="en-US" dirty="0"/>
+              <a:t>Combination of: </a:t>
+            </a:r>
+          </a:p>
+          <a:p>
+            <a:pPr lvl="1">
+              <a:lnSpc>
+                <a:spcPct val="100000"/>
+              </a:lnSpc>
+            </a:pPr>
+            <a:r>
+              <a:rPr lang="en-US" dirty="0"/>
+              <a:t>URL (https://www.mysite.com/api/orders) </a:t>
+            </a:r>
+          </a:p>
+          <a:p>
+            <a:pPr lvl="1">
+              <a:lnSpc>
+                <a:spcPct val="100000"/>
+              </a:lnSpc>
+            </a:pPr>
+            <a:r>
+              <a:rPr lang="en-US" dirty="0"/>
+              <a:t>Parameters (date=10/10/2017) </a:t>
+            </a:r>
+          </a:p>
+          <a:p>
+            <a:pPr lvl="1">
+              <a:lnSpc>
+                <a:spcPct val="100000"/>
+              </a:lnSpc>
+            </a:pPr>
+            <a:r>
+              <a:rPr lang="en-US" dirty="0"/>
+              <a:t>HTTP Verb (GET)</a:t>
+            </a:r>
+          </a:p>
+        </p:txBody>
+      </p:sp>
+      <p:sp>
+        <p:nvSpPr>
+          <p:cNvPr id="4" name="Title 3"/>
+          <p:cNvSpPr>
+            <a:spLocks noGrp="1"/>
+          </p:cNvSpPr>
+          <p:nvPr>
+            <p:ph type="title"/>
+          </p:nvPr>
+        </p:nvSpPr>
+        <p:spPr/>
+        <p:txBody>
+          <a:bodyPr/>
+          <a:lstStyle/>
+          <a:p>
+            <a:pPr>
+              <a:lnSpc>
+                <a:spcPct val="100000"/>
+              </a:lnSpc>
+            </a:pPr>
+            <a:r>
+              <a:rPr lang="en-GB" dirty="0"/>
+              <a:t>Application Types – Web API</a:t>
+            </a:r>
+            <a:endParaRPr lang="pt-BR" dirty="0"/>
+          </a:p>
+        </p:txBody>
+      </p:sp>
       <p:pic>
         <p:nvPicPr>
-          <p:cNvPr id="2050" name="Picture 2" descr="Cloud Native Computing Foundation">
+          <p:cNvPr id="3" name="Picture 2">
             <a:extLst>
               <a:ext uri="{FF2B5EF4-FFF2-40B4-BE49-F238E27FC236}">
-                <a16:creationId xmlns:a16="http://schemas.microsoft.com/office/drawing/2014/main" id="{8B281BAB-768F-4F4D-835D-C393223AE8D2}"/>
+                <a16:creationId xmlns:a16="http://schemas.microsoft.com/office/drawing/2014/main" id="{F1904BF5-626E-4FCD-A72A-074C8423A90D}"/>
               </a:ext>
             </a:extLst>
           </p:cNvPr>
           <p:cNvPicPr>
-            <a:picLocks noChangeAspect="1" noChangeArrowheads="1"/>
+            <a:picLocks noChangeAspect="1"/>
           </p:cNvPicPr>
           <p:nvPr/>
         </p:nvPicPr>
         <p:blipFill>
-          <a:blip r:embed="rId2">
-            <a:extLst>
-              <a:ext uri="{28A0092B-C50C-407E-A947-70E740481C1C}">
-                <a14:useLocalDpi xmlns:a14="http://schemas.microsoft.com/office/drawing/2010/main" val="0"/>
-              </a:ext>
-            </a:extLst>
-          </a:blip>
-          <a:srcRect/>
+          <a:blip r:embed="rId2"/>
           <a:stretch>
             <a:fillRect/>
           </a:stretch>
         </p:blipFill>
-        <p:spPr bwMode="auto">
+        <p:spPr>
           <a:xfrm>
-            <a:off x="3559298" y="1124597"/>
-            <a:ext cx="4895850" cy="933450"/>
+            <a:off x="6347935" y="1712549"/>
+            <a:ext cx="4699476" cy="3137037"/>
           </a:xfrm>
           <a:prstGeom prst="rect">
             <a:avLst/>
           </a:prstGeom>
-          <a:noFill/>
-          <a:extLst>
-            <a:ext uri="{909E8E84-426E-40DD-AFC4-6F175D3DCCD1}">
-              <a14:hiddenFill xmlns:a14="http://schemas.microsoft.com/office/drawing/2010/main">
-                <a:solidFill>
-                  <a:srgbClr val="FFFFFF"/>
-                </a:solidFill>
-              </a14:hiddenFill>
-            </a:ext>
-          </a:extLst>
+          <a:ln>
+            <a:noFill/>
+          </a:ln>
+          <a:effectLst>
+            <a:outerShdw blurRad="190500" algn="tl" rotWithShape="0">
+              <a:srgbClr val="000000">
+                <a:alpha val="70000"/>
+              </a:srgbClr>
+            </a:outerShdw>
+          </a:effectLst>
         </p:spPr>
       </p:pic>
-      <p:sp>
-        <p:nvSpPr>
-          <p:cNvPr id="8" name="TextBox 7">
-            <a:extLst>
-              <a:ext uri="{FF2B5EF4-FFF2-40B4-BE49-F238E27FC236}">
-                <a16:creationId xmlns:a16="http://schemas.microsoft.com/office/drawing/2014/main" id="{6A2E031E-4B0B-45BE-8862-75115605F08A}"/>
-              </a:ext>
-            </a:extLst>
-          </p:cNvPr>
-          <p:cNvSpPr txBox="1"/>
-          <p:nvPr/>
-        </p:nvSpPr>
-        <p:spPr>
-          <a:xfrm>
-            <a:off x="3044301" y="2289466"/>
-            <a:ext cx="6103398" cy="3477875"/>
-          </a:xfrm>
-          <a:prstGeom prst="rect">
-            <a:avLst/>
-          </a:prstGeom>
-          <a:noFill/>
-        </p:spPr>
-        <p:txBody>
-          <a:bodyPr wrap="square">
-            <a:spAutoFit/>
-          </a:bodyPr>
-          <a:lstStyle/>
-          <a:p>
-            <a:pPr algn="just"/>
-            <a:r>
-              <a:rPr lang="ru-RU" sz="2000" b="0" i="1" u="none" strike="noStrike" baseline="0" dirty="0" err="1">
-                <a:solidFill>
-                  <a:schemeClr val="tx1">
-                    <a:lumMod val="95000"/>
-                  </a:schemeClr>
-                </a:solidFill>
-                <a:latin typeface="Times New Roman" panose="02020603050405020304" pitchFamily="18" charset="0"/>
-              </a:rPr>
-              <a:t>Технологиите</a:t>
-            </a:r>
-            <a:r>
-              <a:rPr lang="ru-RU" sz="2000" b="0" i="1" u="none" strike="noStrike" baseline="0" dirty="0">
-                <a:solidFill>
-                  <a:schemeClr val="tx1">
-                    <a:lumMod val="95000"/>
-                  </a:schemeClr>
-                </a:solidFill>
-                <a:latin typeface="Times New Roman" panose="02020603050405020304" pitchFamily="18" charset="0"/>
-              </a:rPr>
-              <a:t>, </a:t>
-            </a:r>
-            <a:r>
-              <a:rPr lang="ru-RU" sz="2000" b="0" i="1" u="none" strike="noStrike" baseline="0" dirty="0" err="1">
-                <a:solidFill>
-                  <a:schemeClr val="tx1">
-                    <a:lumMod val="95000"/>
-                  </a:schemeClr>
-                </a:solidFill>
-                <a:latin typeface="Times New Roman" panose="02020603050405020304" pitchFamily="18" charset="0"/>
-              </a:rPr>
-              <a:t>базирани</a:t>
-            </a:r>
-            <a:r>
-              <a:rPr lang="ru-RU" sz="2000" b="0" i="1" u="none" strike="noStrike" baseline="0" dirty="0">
-                <a:solidFill>
-                  <a:schemeClr val="tx1">
-                    <a:lumMod val="95000"/>
-                  </a:schemeClr>
-                </a:solidFill>
-                <a:latin typeface="Times New Roman" panose="02020603050405020304" pitchFamily="18" charset="0"/>
-              </a:rPr>
-              <a:t> на </a:t>
-            </a:r>
-            <a:r>
-              <a:rPr lang="ru-RU" sz="2000" b="0" i="1" u="none" strike="noStrike" baseline="0" dirty="0" err="1">
-                <a:solidFill>
-                  <a:schemeClr val="tx1">
-                    <a:lumMod val="95000"/>
-                  </a:schemeClr>
-                </a:solidFill>
-                <a:latin typeface="Times New Roman" panose="02020603050405020304" pitchFamily="18" charset="0"/>
-              </a:rPr>
-              <a:t>облак</a:t>
-            </a:r>
-            <a:r>
-              <a:rPr lang="ru-RU" sz="2000" b="0" i="1" u="none" strike="noStrike" baseline="0" dirty="0">
-                <a:solidFill>
-                  <a:schemeClr val="tx1">
-                    <a:lumMod val="95000"/>
-                  </a:schemeClr>
-                </a:solidFill>
-                <a:latin typeface="Times New Roman" panose="02020603050405020304" pitchFamily="18" charset="0"/>
-              </a:rPr>
-              <a:t>, </a:t>
-            </a:r>
-            <a:r>
-              <a:rPr lang="ru-RU" sz="2000" b="0" i="1" u="none" strike="noStrike" baseline="0" dirty="0" err="1">
-                <a:solidFill>
-                  <a:schemeClr val="tx1">
-                    <a:lumMod val="95000"/>
-                  </a:schemeClr>
-                </a:solidFill>
-                <a:latin typeface="Times New Roman" panose="02020603050405020304" pitchFamily="18" charset="0"/>
-              </a:rPr>
-              <a:t>дават</a:t>
-            </a:r>
-            <a:r>
-              <a:rPr lang="ru-RU" sz="2000" b="0" i="1" u="none" strike="noStrike" baseline="0" dirty="0">
-                <a:solidFill>
-                  <a:schemeClr val="tx1">
-                    <a:lumMod val="95000"/>
-                  </a:schemeClr>
-                </a:solidFill>
-                <a:latin typeface="Times New Roman" panose="02020603050405020304" pitchFamily="18" charset="0"/>
-              </a:rPr>
-              <a:t> </a:t>
-            </a:r>
-            <a:r>
-              <a:rPr lang="ru-RU" sz="2000" b="0" i="1" u="none" strike="noStrike" baseline="0" dirty="0" err="1">
-                <a:solidFill>
-                  <a:schemeClr val="tx1">
-                    <a:lumMod val="95000"/>
-                  </a:schemeClr>
-                </a:solidFill>
-                <a:latin typeface="Times New Roman" panose="02020603050405020304" pitchFamily="18" charset="0"/>
-              </a:rPr>
-              <a:t>възможност</a:t>
-            </a:r>
-            <a:r>
-              <a:rPr lang="ru-RU" sz="2000" b="0" i="1" u="none" strike="noStrike" baseline="0" dirty="0">
-                <a:solidFill>
-                  <a:schemeClr val="tx1">
-                    <a:lumMod val="95000"/>
-                  </a:schemeClr>
-                </a:solidFill>
-                <a:latin typeface="Times New Roman" panose="02020603050405020304" pitchFamily="18" charset="0"/>
-              </a:rPr>
-              <a:t> на </a:t>
-            </a:r>
-            <a:r>
-              <a:rPr lang="ru-RU" sz="2000" b="0" i="1" u="none" strike="noStrike" baseline="0" dirty="0" err="1">
-                <a:solidFill>
-                  <a:schemeClr val="tx1">
-                    <a:lumMod val="95000"/>
-                  </a:schemeClr>
-                </a:solidFill>
-                <a:latin typeface="Times New Roman" panose="02020603050405020304" pitchFamily="18" charset="0"/>
-              </a:rPr>
-              <a:t>организациите</a:t>
-            </a:r>
-            <a:r>
-              <a:rPr lang="ru-RU" sz="2000" b="0" i="1" u="none" strike="noStrike" baseline="0" dirty="0">
-                <a:solidFill>
-                  <a:schemeClr val="tx1">
-                    <a:lumMod val="95000"/>
-                  </a:schemeClr>
-                </a:solidFill>
-                <a:latin typeface="Times New Roman" panose="02020603050405020304" pitchFamily="18" charset="0"/>
-              </a:rPr>
-              <a:t> да </a:t>
-            </a:r>
-            <a:r>
-              <a:rPr lang="ru-RU" sz="2000" b="0" i="1" u="none" strike="noStrike" baseline="0" dirty="0" err="1">
-                <a:solidFill>
-                  <a:schemeClr val="tx1">
-                    <a:lumMod val="95000"/>
-                  </a:schemeClr>
-                </a:solidFill>
-                <a:latin typeface="Times New Roman" panose="02020603050405020304" pitchFamily="18" charset="0"/>
-              </a:rPr>
-              <a:t>създават</a:t>
-            </a:r>
-            <a:r>
-              <a:rPr lang="ru-RU" sz="2000" b="0" i="1" u="none" strike="noStrike" baseline="0" dirty="0">
-                <a:solidFill>
-                  <a:schemeClr val="tx1">
-                    <a:lumMod val="95000"/>
-                  </a:schemeClr>
-                </a:solidFill>
-                <a:latin typeface="Times New Roman" panose="02020603050405020304" pitchFamily="18" charset="0"/>
-              </a:rPr>
-              <a:t> и </a:t>
-            </a:r>
-            <a:r>
-              <a:rPr lang="ru-RU" sz="2000" b="0" i="1" u="none" strike="noStrike" baseline="0" dirty="0" err="1">
-                <a:solidFill>
-                  <a:schemeClr val="tx1">
-                    <a:lumMod val="95000"/>
-                  </a:schemeClr>
-                </a:solidFill>
-                <a:latin typeface="Times New Roman" panose="02020603050405020304" pitchFamily="18" charset="0"/>
-              </a:rPr>
-              <a:t>изпълняват</a:t>
-            </a:r>
-            <a:r>
-              <a:rPr lang="ru-RU" sz="2000" b="0" i="1" u="none" strike="noStrike" baseline="0" dirty="0">
-                <a:solidFill>
-                  <a:schemeClr val="tx1">
-                    <a:lumMod val="95000"/>
-                  </a:schemeClr>
-                </a:solidFill>
-                <a:latin typeface="Times New Roman" panose="02020603050405020304" pitchFamily="18" charset="0"/>
-              </a:rPr>
-              <a:t> приложения в </a:t>
-            </a:r>
-            <a:r>
-              <a:rPr lang="ru-RU" sz="2000" b="0" i="1" u="none" strike="noStrike" baseline="0" dirty="0" err="1">
-                <a:solidFill>
-                  <a:schemeClr val="tx1">
-                    <a:lumMod val="95000"/>
-                  </a:schemeClr>
-                </a:solidFill>
-                <a:latin typeface="Times New Roman" panose="02020603050405020304" pitchFamily="18" charset="0"/>
-              </a:rPr>
-              <a:t>модерни</a:t>
-            </a:r>
-            <a:r>
-              <a:rPr lang="ru-RU" sz="2000" b="0" i="1" u="none" strike="noStrike" baseline="0" dirty="0">
-                <a:solidFill>
-                  <a:schemeClr val="tx1">
-                    <a:lumMod val="95000"/>
-                  </a:schemeClr>
-                </a:solidFill>
-                <a:latin typeface="Times New Roman" panose="02020603050405020304" pitchFamily="18" charset="0"/>
-              </a:rPr>
-              <a:t>, </a:t>
-            </a:r>
-            <a:r>
-              <a:rPr lang="ru-RU" sz="2000" b="0" i="1" u="none" strike="noStrike" baseline="0" dirty="0" err="1">
-                <a:solidFill>
-                  <a:schemeClr val="tx1">
-                    <a:lumMod val="95000"/>
-                  </a:schemeClr>
-                </a:solidFill>
-                <a:latin typeface="Times New Roman" panose="02020603050405020304" pitchFamily="18" charset="0"/>
-              </a:rPr>
-              <a:t>динамични</a:t>
-            </a:r>
-            <a:r>
-              <a:rPr lang="ru-RU" sz="2000" b="0" i="1" u="none" strike="noStrike" baseline="0" dirty="0">
-                <a:solidFill>
-                  <a:schemeClr val="tx1">
-                    <a:lumMod val="95000"/>
-                  </a:schemeClr>
-                </a:solidFill>
-                <a:latin typeface="Times New Roman" panose="02020603050405020304" pitchFamily="18" charset="0"/>
-              </a:rPr>
-              <a:t> среди </a:t>
-            </a:r>
-            <a:r>
-              <a:rPr lang="ru-RU" sz="2000" b="0" i="1" u="none" strike="noStrike" baseline="0" dirty="0" err="1">
-                <a:solidFill>
-                  <a:schemeClr val="tx1">
-                    <a:lumMod val="95000"/>
-                  </a:schemeClr>
-                </a:solidFill>
-                <a:latin typeface="Times New Roman" panose="02020603050405020304" pitchFamily="18" charset="0"/>
-              </a:rPr>
-              <a:t>като</a:t>
-            </a:r>
-            <a:r>
-              <a:rPr lang="ru-RU" sz="2000" b="0" i="1" u="none" strike="noStrike" baseline="0" dirty="0">
-                <a:solidFill>
-                  <a:schemeClr val="tx1">
-                    <a:lumMod val="95000"/>
-                  </a:schemeClr>
-                </a:solidFill>
-                <a:latin typeface="Times New Roman" panose="02020603050405020304" pitchFamily="18" charset="0"/>
-              </a:rPr>
-              <a:t> </a:t>
-            </a:r>
-            <a:r>
-              <a:rPr lang="ru-RU" sz="2000" b="0" i="1" u="none" strike="noStrike" baseline="0" dirty="0" err="1">
-                <a:solidFill>
-                  <a:schemeClr val="tx1">
-                    <a:lumMod val="95000"/>
-                  </a:schemeClr>
-                </a:solidFill>
-                <a:latin typeface="Times New Roman" panose="02020603050405020304" pitchFamily="18" charset="0"/>
-              </a:rPr>
-              <a:t>публични</a:t>
-            </a:r>
-            <a:r>
-              <a:rPr lang="ru-RU" sz="2000" b="0" i="1" u="none" strike="noStrike" baseline="0" dirty="0">
-                <a:solidFill>
-                  <a:schemeClr val="tx1">
-                    <a:lumMod val="95000"/>
-                  </a:schemeClr>
-                </a:solidFill>
-                <a:latin typeface="Times New Roman" panose="02020603050405020304" pitchFamily="18" charset="0"/>
-              </a:rPr>
-              <a:t>, </a:t>
-            </a:r>
-            <a:r>
-              <a:rPr lang="ru-RU" sz="2000" b="0" i="1" u="none" strike="noStrike" baseline="0" dirty="0" err="1">
-                <a:solidFill>
-                  <a:schemeClr val="tx1">
-                    <a:lumMod val="95000"/>
-                  </a:schemeClr>
-                </a:solidFill>
-                <a:latin typeface="Times New Roman" panose="02020603050405020304" pitchFamily="18" charset="0"/>
-              </a:rPr>
-              <a:t>частни</a:t>
-            </a:r>
-            <a:r>
-              <a:rPr lang="ru-RU" sz="2000" b="0" i="1" u="none" strike="noStrike" baseline="0" dirty="0">
-                <a:solidFill>
-                  <a:schemeClr val="tx1">
-                    <a:lumMod val="95000"/>
-                  </a:schemeClr>
-                </a:solidFill>
-                <a:latin typeface="Times New Roman" panose="02020603050405020304" pitchFamily="18" charset="0"/>
-              </a:rPr>
-              <a:t> и </a:t>
-            </a:r>
-            <a:r>
-              <a:rPr lang="ru-RU" sz="2000" b="0" i="1" u="none" strike="noStrike" baseline="0" dirty="0" err="1">
-                <a:solidFill>
-                  <a:schemeClr val="tx1">
-                    <a:lumMod val="95000"/>
-                  </a:schemeClr>
-                </a:solidFill>
-                <a:latin typeface="Times New Roman" panose="02020603050405020304" pitchFamily="18" charset="0"/>
-              </a:rPr>
-              <a:t>хибридни</a:t>
-            </a:r>
-            <a:r>
-              <a:rPr lang="ru-RU" sz="2000" b="0" i="1" u="none" strike="noStrike" baseline="0" dirty="0">
-                <a:solidFill>
-                  <a:schemeClr val="tx1">
-                    <a:lumMod val="95000"/>
-                  </a:schemeClr>
-                </a:solidFill>
-                <a:latin typeface="Times New Roman" panose="02020603050405020304" pitchFamily="18" charset="0"/>
-              </a:rPr>
-              <a:t> </a:t>
-            </a:r>
-            <a:r>
-              <a:rPr lang="ru-RU" sz="2000" b="0" i="1" u="none" strike="noStrike" baseline="0" dirty="0" err="1">
-                <a:solidFill>
-                  <a:schemeClr val="tx1">
-                    <a:lumMod val="95000"/>
-                  </a:schemeClr>
-                </a:solidFill>
-                <a:latin typeface="Times New Roman" panose="02020603050405020304" pitchFamily="18" charset="0"/>
-              </a:rPr>
-              <a:t>облаци</a:t>
-            </a:r>
-            <a:r>
-              <a:rPr lang="ru-RU" sz="2000" b="0" i="1" u="none" strike="noStrike" baseline="0" dirty="0">
-                <a:solidFill>
-                  <a:schemeClr val="tx1">
-                    <a:lumMod val="95000"/>
-                  </a:schemeClr>
-                </a:solidFill>
-                <a:latin typeface="Times New Roman" panose="02020603050405020304" pitchFamily="18" charset="0"/>
-              </a:rPr>
-              <a:t>, чрез мрежи от услуги и </a:t>
-            </a:r>
-            <a:r>
-              <a:rPr lang="ru-RU" sz="2000" b="0" i="1" u="none" strike="noStrike" baseline="0" dirty="0" err="1">
-                <a:solidFill>
-                  <a:schemeClr val="tx1">
-                    <a:lumMod val="95000"/>
-                  </a:schemeClr>
-                </a:solidFill>
-                <a:latin typeface="Times New Roman" panose="02020603050405020304" pitchFamily="18" charset="0"/>
-              </a:rPr>
-              <a:t>микроуслуги</a:t>
-            </a:r>
-            <a:r>
-              <a:rPr lang="ru-RU" sz="2000" b="0" i="1" u="none" strike="noStrike" baseline="0" dirty="0">
-                <a:solidFill>
-                  <a:schemeClr val="tx1">
-                    <a:lumMod val="95000"/>
-                  </a:schemeClr>
-                </a:solidFill>
-                <a:latin typeface="Times New Roman" panose="02020603050405020304" pitchFamily="18" charset="0"/>
-              </a:rPr>
-              <a:t>. Качества на </a:t>
-            </a:r>
-            <a:r>
-              <a:rPr lang="ru-RU" sz="2000" b="0" i="1" u="none" strike="noStrike" baseline="0" dirty="0" err="1">
-                <a:solidFill>
-                  <a:schemeClr val="tx1">
-                    <a:lumMod val="95000"/>
-                  </a:schemeClr>
-                </a:solidFill>
-                <a:latin typeface="Times New Roman" panose="02020603050405020304" pitchFamily="18" charset="0"/>
-              </a:rPr>
-              <a:t>системите</a:t>
-            </a:r>
-            <a:r>
-              <a:rPr lang="ru-RU" sz="2000" b="0" i="1" u="none" strike="noStrike" baseline="0" dirty="0">
-                <a:solidFill>
-                  <a:schemeClr val="tx1">
-                    <a:lumMod val="95000"/>
-                  </a:schemeClr>
-                </a:solidFill>
-                <a:latin typeface="Times New Roman" panose="02020603050405020304" pitchFamily="18" charset="0"/>
-              </a:rPr>
-              <a:t> </a:t>
-            </a:r>
-            <a:r>
-              <a:rPr lang="ru-RU" sz="2000" b="0" i="1" u="none" strike="noStrike" baseline="0" dirty="0" err="1">
-                <a:solidFill>
-                  <a:schemeClr val="tx1">
-                    <a:lumMod val="95000"/>
-                  </a:schemeClr>
-                </a:solidFill>
-                <a:latin typeface="Times New Roman" panose="02020603050405020304" pitchFamily="18" charset="0"/>
-              </a:rPr>
-              <a:t>са</a:t>
-            </a:r>
-            <a:r>
-              <a:rPr lang="ru-RU" sz="2000" b="0" i="1" u="none" strike="noStrike" baseline="0" dirty="0">
-                <a:solidFill>
-                  <a:schemeClr val="tx1">
-                    <a:lumMod val="95000"/>
-                  </a:schemeClr>
-                </a:solidFill>
-                <a:latin typeface="Times New Roman" panose="02020603050405020304" pitchFamily="18" charset="0"/>
-              </a:rPr>
-              <a:t> </a:t>
-            </a:r>
-            <a:r>
-              <a:rPr lang="ru-RU" sz="2000" b="0" i="1" u="none" strike="noStrike" baseline="0" dirty="0" err="1">
-                <a:solidFill>
-                  <a:schemeClr val="tx1">
-                    <a:lumMod val="95000"/>
-                  </a:schemeClr>
-                </a:solidFill>
-                <a:latin typeface="Times New Roman" panose="02020603050405020304" pitchFamily="18" charset="0"/>
-              </a:rPr>
-              <a:t>устойчивост</a:t>
-            </a:r>
-            <a:r>
-              <a:rPr lang="ru-RU" sz="2000" b="0" i="1" u="none" strike="noStrike" baseline="0" dirty="0">
-                <a:solidFill>
-                  <a:schemeClr val="tx1">
-                    <a:lumMod val="95000"/>
-                  </a:schemeClr>
-                </a:solidFill>
-                <a:latin typeface="Times New Roman" panose="02020603050405020304" pitchFamily="18" charset="0"/>
-              </a:rPr>
-              <a:t>, </a:t>
-            </a:r>
-            <a:r>
-              <a:rPr lang="ru-RU" sz="2000" b="0" i="1" u="none" strike="noStrike" baseline="0" dirty="0" err="1">
-                <a:solidFill>
-                  <a:schemeClr val="tx1">
-                    <a:lumMod val="95000"/>
-                  </a:schemeClr>
-                </a:solidFill>
-                <a:latin typeface="Times New Roman" panose="02020603050405020304" pitchFamily="18" charset="0"/>
-              </a:rPr>
-              <a:t>висока</a:t>
-            </a:r>
-            <a:r>
-              <a:rPr lang="ru-RU" sz="2000" b="0" i="1" u="none" strike="noStrike" baseline="0" dirty="0">
-                <a:solidFill>
-                  <a:schemeClr val="tx1">
-                    <a:lumMod val="95000"/>
-                  </a:schemeClr>
-                </a:solidFill>
-                <a:latin typeface="Times New Roman" panose="02020603050405020304" pitchFamily="18" charset="0"/>
-              </a:rPr>
-              <a:t> </a:t>
-            </a:r>
-            <a:r>
-              <a:rPr lang="ru-RU" sz="2000" b="0" i="1" u="none" strike="noStrike" baseline="0" dirty="0" err="1">
-                <a:solidFill>
-                  <a:schemeClr val="tx1">
-                    <a:lumMod val="95000"/>
-                  </a:schemeClr>
-                </a:solidFill>
-                <a:latin typeface="Times New Roman" panose="02020603050405020304" pitchFamily="18" charset="0"/>
-              </a:rPr>
-              <a:t>наличност</a:t>
-            </a:r>
-            <a:r>
-              <a:rPr lang="ru-RU" sz="2000" b="0" i="1" u="none" strike="noStrike" baseline="0" dirty="0">
-                <a:solidFill>
-                  <a:schemeClr val="tx1">
-                    <a:lumMod val="95000"/>
-                  </a:schemeClr>
-                </a:solidFill>
-                <a:latin typeface="Times New Roman" panose="02020603050405020304" pitchFamily="18" charset="0"/>
-              </a:rPr>
-              <a:t> и </a:t>
-            </a:r>
-            <a:r>
-              <a:rPr lang="ru-RU" sz="2000" b="0" i="1" u="none" strike="noStrike" baseline="0" dirty="0" err="1">
-                <a:solidFill>
-                  <a:schemeClr val="tx1">
-                    <a:lumMod val="95000"/>
-                  </a:schemeClr>
-                </a:solidFill>
-                <a:latin typeface="Times New Roman" panose="02020603050405020304" pitchFamily="18" charset="0"/>
-              </a:rPr>
-              <a:t>достъпност</a:t>
-            </a:r>
-            <a:r>
-              <a:rPr lang="ru-RU" sz="2000" b="0" i="1" u="none" strike="noStrike" baseline="0" dirty="0">
-                <a:solidFill>
-                  <a:schemeClr val="tx1">
-                    <a:lumMod val="95000"/>
-                  </a:schemeClr>
-                </a:solidFill>
-                <a:latin typeface="Times New Roman" panose="02020603050405020304" pitchFamily="18" charset="0"/>
-              </a:rPr>
-              <a:t>, </a:t>
-            </a:r>
-            <a:r>
-              <a:rPr lang="ru-RU" sz="2000" b="0" i="1" u="none" strike="noStrike" baseline="0" dirty="0" err="1">
-                <a:solidFill>
-                  <a:schemeClr val="tx1">
-                    <a:lumMod val="95000"/>
-                  </a:schemeClr>
-                </a:solidFill>
-                <a:latin typeface="Times New Roman" panose="02020603050405020304" pitchFamily="18" charset="0"/>
-              </a:rPr>
-              <a:t>мащабируемост</a:t>
-            </a:r>
-            <a:r>
-              <a:rPr lang="ru-RU" sz="2000" b="0" i="1" u="none" strike="noStrike" baseline="0" dirty="0">
-                <a:solidFill>
-                  <a:schemeClr val="tx1">
-                    <a:lumMod val="95000"/>
-                  </a:schemeClr>
-                </a:solidFill>
-                <a:latin typeface="Times New Roman" panose="02020603050405020304" pitchFamily="18" charset="0"/>
-              </a:rPr>
-              <a:t> и </a:t>
-            </a:r>
-            <a:r>
-              <a:rPr lang="ru-RU" sz="2000" b="0" i="1" u="none" strike="noStrike" baseline="0" dirty="0" err="1">
-                <a:solidFill>
-                  <a:schemeClr val="tx1">
-                    <a:lumMod val="95000"/>
-                  </a:schemeClr>
-                </a:solidFill>
-                <a:latin typeface="Times New Roman" panose="02020603050405020304" pitchFamily="18" charset="0"/>
-              </a:rPr>
-              <a:t>управляемост</a:t>
-            </a:r>
-            <a:r>
-              <a:rPr lang="ru-RU" sz="2000" b="0" i="1" u="none" strike="noStrike" baseline="0" dirty="0">
-                <a:solidFill>
-                  <a:schemeClr val="tx1">
-                    <a:lumMod val="95000"/>
-                  </a:schemeClr>
-                </a:solidFill>
-                <a:latin typeface="Times New Roman" panose="02020603050405020304" pitchFamily="18" charset="0"/>
-              </a:rPr>
-              <a:t>, </a:t>
-            </a:r>
-            <a:r>
-              <a:rPr lang="ru-RU" sz="2000" b="0" i="1" u="none" strike="noStrike" baseline="0" dirty="0" err="1">
-                <a:solidFill>
-                  <a:schemeClr val="tx1">
-                    <a:lumMod val="95000"/>
-                  </a:schemeClr>
-                </a:solidFill>
-                <a:latin typeface="Times New Roman" panose="02020603050405020304" pitchFamily="18" charset="0"/>
-              </a:rPr>
-              <a:t>които</a:t>
-            </a:r>
-            <a:r>
-              <a:rPr lang="ru-RU" sz="2000" b="0" i="1" u="none" strike="noStrike" baseline="0" dirty="0">
-                <a:solidFill>
-                  <a:schemeClr val="tx1">
-                    <a:lumMod val="95000"/>
-                  </a:schemeClr>
-                </a:solidFill>
-                <a:latin typeface="Times New Roman" panose="02020603050405020304" pitchFamily="18" charset="0"/>
-              </a:rPr>
-              <a:t> </a:t>
-            </a:r>
-            <a:r>
-              <a:rPr lang="ru-RU" sz="2000" b="0" i="1" u="none" strike="noStrike" baseline="0" dirty="0" err="1">
-                <a:solidFill>
-                  <a:schemeClr val="tx1">
-                    <a:lumMod val="95000"/>
-                  </a:schemeClr>
-                </a:solidFill>
-                <a:latin typeface="Times New Roman" panose="02020603050405020304" pitchFamily="18" charset="0"/>
-              </a:rPr>
-              <a:t>са</a:t>
-            </a:r>
-            <a:r>
-              <a:rPr lang="ru-RU" sz="2000" b="0" i="1" u="none" strike="noStrike" baseline="0" dirty="0">
-                <a:solidFill>
-                  <a:schemeClr val="tx1">
-                    <a:lumMod val="95000"/>
-                  </a:schemeClr>
-                </a:solidFill>
-                <a:latin typeface="Times New Roman" panose="02020603050405020304" pitchFamily="18" charset="0"/>
-              </a:rPr>
-              <a:t> от критично значение за много от бизнес </a:t>
-            </a:r>
-            <a:r>
-              <a:rPr lang="ru-RU" sz="2000" b="0" i="1" u="none" strike="noStrike" baseline="0" dirty="0" err="1">
-                <a:solidFill>
-                  <a:schemeClr val="tx1">
-                    <a:lumMod val="95000"/>
-                  </a:schemeClr>
-                </a:solidFill>
-                <a:latin typeface="Times New Roman" panose="02020603050405020304" pitchFamily="18" charset="0"/>
-              </a:rPr>
-              <a:t>единиците</a:t>
-            </a:r>
-            <a:r>
-              <a:rPr lang="ru-RU" sz="2000" b="0" i="1" u="none" strike="noStrike" baseline="0" dirty="0">
-                <a:solidFill>
-                  <a:schemeClr val="tx1">
-                    <a:lumMod val="95000"/>
-                  </a:schemeClr>
-                </a:solidFill>
-                <a:latin typeface="Times New Roman" panose="02020603050405020304" pitchFamily="18" charset="0"/>
-              </a:rPr>
-              <a:t>. </a:t>
-            </a:r>
-            <a:r>
-              <a:rPr lang="ru-RU" sz="2000" b="0" i="1" u="none" strike="noStrike" baseline="0" dirty="0" err="1">
-                <a:solidFill>
-                  <a:schemeClr val="tx1">
-                    <a:lumMod val="95000"/>
-                  </a:schemeClr>
-                </a:solidFill>
-                <a:latin typeface="Times New Roman" panose="02020603050405020304" pitchFamily="18" charset="0"/>
-              </a:rPr>
-              <a:t>Автоматизацията</a:t>
-            </a:r>
-            <a:r>
-              <a:rPr lang="ru-RU" sz="2000" b="0" i="1" u="none" strike="noStrike" baseline="0" dirty="0">
-                <a:solidFill>
-                  <a:schemeClr val="tx1">
-                    <a:lumMod val="95000"/>
-                  </a:schemeClr>
-                </a:solidFill>
-                <a:latin typeface="Times New Roman" panose="02020603050405020304" pitchFamily="18" charset="0"/>
-              </a:rPr>
-              <a:t> на </a:t>
-            </a:r>
-            <a:r>
-              <a:rPr lang="ru-RU" sz="2000" b="0" i="1" u="none" strike="noStrike" baseline="0" dirty="0" err="1">
-                <a:solidFill>
-                  <a:schemeClr val="tx1">
-                    <a:lumMod val="95000"/>
-                  </a:schemeClr>
-                </a:solidFill>
-                <a:latin typeface="Times New Roman" panose="02020603050405020304" pitchFamily="18" charset="0"/>
-              </a:rPr>
-              <a:t>тези</a:t>
-            </a:r>
-            <a:r>
-              <a:rPr lang="ru-RU" sz="2000" b="0" i="1" u="none" strike="noStrike" baseline="0" dirty="0">
-                <a:solidFill>
-                  <a:schemeClr val="tx1">
-                    <a:lumMod val="95000"/>
-                  </a:schemeClr>
-                </a:solidFill>
-                <a:latin typeface="Times New Roman" panose="02020603050405020304" pitchFamily="18" charset="0"/>
-              </a:rPr>
-              <a:t> </a:t>
-            </a:r>
-            <a:r>
-              <a:rPr lang="ru-RU" sz="2000" b="0" i="1" u="none" strike="noStrike" baseline="0" dirty="0" err="1">
-                <a:solidFill>
-                  <a:schemeClr val="tx1">
-                    <a:lumMod val="95000"/>
-                  </a:schemeClr>
-                </a:solidFill>
-                <a:latin typeface="Times New Roman" panose="02020603050405020304" pitchFamily="18" charset="0"/>
-              </a:rPr>
-              <a:t>процеси</a:t>
-            </a:r>
-            <a:r>
-              <a:rPr lang="ru-RU" sz="2000" b="0" i="1" u="none" strike="noStrike" baseline="0" dirty="0">
-                <a:solidFill>
-                  <a:schemeClr val="tx1">
-                    <a:lumMod val="95000"/>
-                  </a:schemeClr>
-                </a:solidFill>
-                <a:latin typeface="Times New Roman" panose="02020603050405020304" pitchFamily="18" charset="0"/>
-              </a:rPr>
-              <a:t> </a:t>
-            </a:r>
-            <a:r>
-              <a:rPr lang="ru-RU" sz="2000" b="0" i="1" u="none" strike="noStrike" baseline="0" dirty="0" err="1">
-                <a:solidFill>
-                  <a:schemeClr val="tx1">
-                    <a:lumMod val="95000"/>
-                  </a:schemeClr>
-                </a:solidFill>
-                <a:latin typeface="Times New Roman" panose="02020603050405020304" pitchFamily="18" charset="0"/>
-              </a:rPr>
-              <a:t>позволява</a:t>
-            </a:r>
-            <a:r>
-              <a:rPr lang="ru-RU" sz="2000" b="0" i="1" u="none" strike="noStrike" baseline="0" dirty="0">
-                <a:solidFill>
-                  <a:schemeClr val="tx1">
-                    <a:lumMod val="95000"/>
-                  </a:schemeClr>
-                </a:solidFill>
-                <a:latin typeface="Times New Roman" panose="02020603050405020304" pitchFamily="18" charset="0"/>
-              </a:rPr>
-              <a:t> на </a:t>
-            </a:r>
-            <a:r>
-              <a:rPr lang="ru-RU" sz="2000" b="0" i="1" u="none" strike="noStrike" baseline="0" dirty="0" err="1">
-                <a:solidFill>
-                  <a:schemeClr val="tx1">
-                    <a:lumMod val="95000"/>
-                  </a:schemeClr>
-                </a:solidFill>
-                <a:latin typeface="Times New Roman" panose="02020603050405020304" pitchFamily="18" charset="0"/>
-              </a:rPr>
-              <a:t>инженерите</a:t>
-            </a:r>
-            <a:r>
-              <a:rPr lang="ru-RU" sz="2000" b="0" i="1" u="none" strike="noStrike" baseline="0" dirty="0">
-                <a:solidFill>
-                  <a:schemeClr val="tx1">
-                    <a:lumMod val="95000"/>
-                  </a:schemeClr>
-                </a:solidFill>
-                <a:latin typeface="Times New Roman" panose="02020603050405020304" pitchFamily="18" charset="0"/>
-              </a:rPr>
-              <a:t> да правят </a:t>
-            </a:r>
-            <a:r>
-              <a:rPr lang="ru-RU" sz="2000" b="0" i="1" u="none" strike="noStrike" baseline="0" dirty="0" err="1">
-                <a:solidFill>
-                  <a:schemeClr val="tx1">
-                    <a:lumMod val="95000"/>
-                  </a:schemeClr>
-                </a:solidFill>
-                <a:latin typeface="Times New Roman" panose="02020603050405020304" pitchFamily="18" charset="0"/>
-              </a:rPr>
-              <a:t>промени</a:t>
-            </a:r>
-            <a:r>
-              <a:rPr lang="ru-RU" sz="2000" b="0" i="1" u="none" strike="noStrike" baseline="0" dirty="0">
-                <a:solidFill>
-                  <a:schemeClr val="tx1">
-                    <a:lumMod val="95000"/>
-                  </a:schemeClr>
-                </a:solidFill>
-                <a:latin typeface="Times New Roman" panose="02020603050405020304" pitchFamily="18" charset="0"/>
-              </a:rPr>
-              <a:t>, с </a:t>
-            </a:r>
-            <a:r>
-              <a:rPr lang="ru-RU" sz="2000" b="0" i="1" u="none" strike="noStrike" baseline="0" dirty="0" err="1">
-                <a:solidFill>
-                  <a:schemeClr val="tx1">
-                    <a:lumMod val="95000"/>
-                  </a:schemeClr>
-                </a:solidFill>
-                <a:latin typeface="Times New Roman" panose="02020603050405020304" pitchFamily="18" charset="0"/>
-              </a:rPr>
-              <a:t>голямо</a:t>
-            </a:r>
-            <a:r>
-              <a:rPr lang="ru-RU" sz="2000" b="0" i="1" u="none" strike="noStrike" baseline="0" dirty="0">
-                <a:solidFill>
-                  <a:schemeClr val="tx1">
-                    <a:lumMod val="95000"/>
-                  </a:schemeClr>
-                </a:solidFill>
-                <a:latin typeface="Times New Roman" panose="02020603050405020304" pitchFamily="18" charset="0"/>
-              </a:rPr>
-              <a:t> </a:t>
-            </a:r>
-            <a:r>
-              <a:rPr lang="ru-RU" sz="2000" b="0" i="1" u="none" strike="noStrike" baseline="0" dirty="0" err="1">
-                <a:solidFill>
-                  <a:schemeClr val="tx1">
-                    <a:lumMod val="95000"/>
-                  </a:schemeClr>
-                </a:solidFill>
-                <a:latin typeface="Times New Roman" panose="02020603050405020304" pitchFamily="18" charset="0"/>
-              </a:rPr>
-              <a:t>въздействие</a:t>
-            </a:r>
-            <a:r>
-              <a:rPr lang="ru-RU" sz="2000" b="0" i="1" u="none" strike="noStrike" baseline="0" dirty="0">
-                <a:solidFill>
-                  <a:schemeClr val="tx1">
-                    <a:lumMod val="95000"/>
-                  </a:schemeClr>
-                </a:solidFill>
-                <a:latin typeface="Times New Roman" panose="02020603050405020304" pitchFamily="18" charset="0"/>
-              </a:rPr>
-              <a:t>, но с </a:t>
-            </a:r>
-            <a:r>
-              <a:rPr lang="ru-RU" sz="2000" b="0" i="1" u="none" strike="noStrike" baseline="0" dirty="0" err="1">
-                <a:solidFill>
-                  <a:schemeClr val="tx1">
-                    <a:lumMod val="95000"/>
-                  </a:schemeClr>
-                </a:solidFill>
-                <a:latin typeface="Times New Roman" panose="02020603050405020304" pitchFamily="18" charset="0"/>
-              </a:rPr>
-              <a:t>минимални</a:t>
-            </a:r>
-            <a:r>
-              <a:rPr lang="ru-RU" sz="2000" b="0" i="1" u="none" strike="noStrike" baseline="0" dirty="0">
-                <a:solidFill>
-                  <a:schemeClr val="tx1">
-                    <a:lumMod val="95000"/>
-                  </a:schemeClr>
-                </a:solidFill>
-                <a:latin typeface="Times New Roman" panose="02020603050405020304" pitchFamily="18" charset="0"/>
-              </a:rPr>
-              <a:t> усилия </a:t>
-            </a:r>
-            <a:endParaRPr lang="en-US" sz="2000" dirty="0">
-              <a:solidFill>
-                <a:schemeClr val="tx1">
-                  <a:lumMod val="95000"/>
-                </a:schemeClr>
-              </a:solidFill>
-            </a:endParaRPr>
-          </a:p>
-        </p:txBody>
-      </p:sp>
     </p:spTree>
     <p:extLst>
       <p:ext uri="{BB962C8B-B14F-4D97-AF65-F5344CB8AC3E}">
-        <p14:creationId xmlns:p14="http://schemas.microsoft.com/office/powerpoint/2010/main" val="3908295050"/>
+        <p14:creationId xmlns:p14="http://schemas.microsoft.com/office/powerpoint/2010/main" val="3685087489"/>
       </p:ext>
     </p:extLst>
   </p:cSld>

--- a/intro/lecture.pptx
+++ b/intro/lecture.pptx
@@ -18,18 +18,20 @@
     <p:sldId id="872" r:id="rId12"/>
     <p:sldId id="873" r:id="rId13"/>
     <p:sldId id="874" r:id="rId14"/>
-    <p:sldId id="263" r:id="rId15"/>
-    <p:sldId id="264" r:id="rId16"/>
-    <p:sldId id="509" r:id="rId17"/>
-    <p:sldId id="315" r:id="rId18"/>
-    <p:sldId id="387" r:id="rId19"/>
-    <p:sldId id="459" r:id="rId20"/>
-    <p:sldId id="501" r:id="rId21"/>
-    <p:sldId id="502" r:id="rId22"/>
-    <p:sldId id="503" r:id="rId23"/>
-    <p:sldId id="504" r:id="rId24"/>
-    <p:sldId id="505" r:id="rId25"/>
-    <p:sldId id="508" r:id="rId26"/>
+    <p:sldId id="865" r:id="rId15"/>
+    <p:sldId id="876" r:id="rId16"/>
+    <p:sldId id="263" r:id="rId17"/>
+    <p:sldId id="264" r:id="rId18"/>
+    <p:sldId id="509" r:id="rId19"/>
+    <p:sldId id="315" r:id="rId20"/>
+    <p:sldId id="387" r:id="rId21"/>
+    <p:sldId id="459" r:id="rId22"/>
+    <p:sldId id="501" r:id="rId23"/>
+    <p:sldId id="502" r:id="rId24"/>
+    <p:sldId id="503" r:id="rId25"/>
+    <p:sldId id="504" r:id="rId26"/>
+    <p:sldId id="505" r:id="rId27"/>
+    <p:sldId id="508" r:id="rId28"/>
   </p:sldIdLst>
   <p:sldSz cx="12192000" cy="6858000"/>
   <p:notesSz cx="6858000" cy="9144000"/>
@@ -186,7 +188,7 @@
           <a:noFill/>
           <a:extLst>
             <a:ext uri="{909E8E84-426E-40dd-AFC4-6F175D3DCCD1}">
-              <a14:hiddenFill xmlns="" xmlns:a14="http://schemas.microsoft.com/office/drawing/2010/main">
+              <a14:hiddenFill xmlns:a14="http://schemas.microsoft.com/office/drawing/2010/main" xmlns="">
                 <a:solidFill>
                   <a:srgbClr val="FFFFFF"/>
                 </a:solidFill>
@@ -246,7 +248,7 @@
             </a:ln>
             <a:extLst>
               <a:ext uri="{91240B29-F687-4f45-9708-019B960494DF}">
-                <a14:hiddenLine xmlns="" xmlns:a14="http://schemas.microsoft.com/office/drawing/2010/main" w="9525">
+                <a14:hiddenLine xmlns:a14="http://schemas.microsoft.com/office/drawing/2010/main" xmlns="" w="9525">
                   <a:solidFill>
                     <a:srgbClr val="000000"/>
                   </a:solidFill>
@@ -336,7 +338,7 @@
             </a:ln>
             <a:extLst>
               <a:ext uri="{91240B29-F687-4f45-9708-019B960494DF}">
-                <a14:hiddenLine xmlns="" xmlns:a14="http://schemas.microsoft.com/office/drawing/2010/main" w="9525">
+                <a14:hiddenLine xmlns:a14="http://schemas.microsoft.com/office/drawing/2010/main" xmlns="" w="9525">
                   <a:solidFill>
                     <a:srgbClr val="000000"/>
                   </a:solidFill>
@@ -426,7 +428,7 @@
             </a:ln>
             <a:extLst>
               <a:ext uri="{91240B29-F687-4f45-9708-019B960494DF}">
-                <a14:hiddenLine xmlns="" xmlns:a14="http://schemas.microsoft.com/office/drawing/2010/main" w="9525">
+                <a14:hiddenLine xmlns:a14="http://schemas.microsoft.com/office/drawing/2010/main" xmlns="" w="9525">
                   <a:solidFill>
                     <a:srgbClr val="000000"/>
                   </a:solidFill>
@@ -460,7 +462,7 @@
             </a:ln>
             <a:extLst>
               <a:ext uri="{91240B29-F687-4f45-9708-019B960494DF}">
-                <a14:hiddenLine xmlns="" xmlns:a14="http://schemas.microsoft.com/office/drawing/2010/main" w="9525">
+                <a14:hiddenLine xmlns:a14="http://schemas.microsoft.com/office/drawing/2010/main" xmlns="" w="9525">
                   <a:solidFill>
                     <a:srgbClr val="000000"/>
                   </a:solidFill>
@@ -550,7 +552,7 @@
             </a:ln>
             <a:extLst>
               <a:ext uri="{91240B29-F687-4f45-9708-019B960494DF}">
-                <a14:hiddenLine xmlns="" xmlns:a14="http://schemas.microsoft.com/office/drawing/2010/main" w="9525">
+                <a14:hiddenLine xmlns:a14="http://schemas.microsoft.com/office/drawing/2010/main" xmlns="" w="9525">
                   <a:solidFill>
                     <a:srgbClr val="000000"/>
                   </a:solidFill>
@@ -612,7 +614,7 @@
             </a:ln>
             <a:extLst>
               <a:ext uri="{91240B29-F687-4f45-9708-019B960494DF}">
-                <a14:hiddenLine xmlns="" xmlns:a14="http://schemas.microsoft.com/office/drawing/2010/main" w="9525">
+                <a14:hiddenLine xmlns:a14="http://schemas.microsoft.com/office/drawing/2010/main" xmlns="" w="9525">
                   <a:solidFill>
                     <a:srgbClr val="000000"/>
                   </a:solidFill>
@@ -674,7 +676,7 @@
             </a:ln>
             <a:extLst>
               <a:ext uri="{91240B29-F687-4f45-9708-019B960494DF}">
-                <a14:hiddenLine xmlns="" xmlns:a14="http://schemas.microsoft.com/office/drawing/2010/main" w="9525">
+                <a14:hiddenLine xmlns:a14="http://schemas.microsoft.com/office/drawing/2010/main" xmlns="" w="9525">
                   <a:solidFill>
                     <a:srgbClr val="000000"/>
                   </a:solidFill>
@@ -764,7 +766,7 @@
             </a:ln>
             <a:extLst>
               <a:ext uri="{91240B29-F687-4f45-9708-019B960494DF}">
-                <a14:hiddenLine xmlns="" xmlns:a14="http://schemas.microsoft.com/office/drawing/2010/main" w="9525">
+                <a14:hiddenLine xmlns:a14="http://schemas.microsoft.com/office/drawing/2010/main" xmlns="" w="9525">
                   <a:solidFill>
                     <a:srgbClr val="000000"/>
                   </a:solidFill>
@@ -826,7 +828,7 @@
             </a:ln>
             <a:extLst>
               <a:ext uri="{91240B29-F687-4f45-9708-019B960494DF}">
-                <a14:hiddenLine xmlns="" xmlns:a14="http://schemas.microsoft.com/office/drawing/2010/main" w="9525">
+                <a14:hiddenLine xmlns:a14="http://schemas.microsoft.com/office/drawing/2010/main" xmlns="" w="9525">
                   <a:solidFill>
                     <a:srgbClr val="000000"/>
                   </a:solidFill>
@@ -888,7 +890,7 @@
             </a:ln>
             <a:extLst>
               <a:ext uri="{91240B29-F687-4f45-9708-019B960494DF}">
-                <a14:hiddenLine xmlns="" xmlns:a14="http://schemas.microsoft.com/office/drawing/2010/main" w="9525">
+                <a14:hiddenLine xmlns:a14="http://schemas.microsoft.com/office/drawing/2010/main" xmlns="" w="9525">
                   <a:solidFill>
                     <a:srgbClr val="000000"/>
                   </a:solidFill>
@@ -978,7 +980,7 @@
             </a:ln>
             <a:extLst>
               <a:ext uri="{91240B29-F687-4f45-9708-019B960494DF}">
-                <a14:hiddenLine xmlns="" xmlns:a14="http://schemas.microsoft.com/office/drawing/2010/main" w="9525">
+                <a14:hiddenLine xmlns:a14="http://schemas.microsoft.com/office/drawing/2010/main" xmlns="" w="9525">
                   <a:solidFill>
                     <a:srgbClr val="000000"/>
                   </a:solidFill>
@@ -1068,7 +1070,7 @@
             </a:ln>
             <a:extLst>
               <a:ext uri="{91240B29-F687-4f45-9708-019B960494DF}">
-                <a14:hiddenLine xmlns="" xmlns:a14="http://schemas.microsoft.com/office/drawing/2010/main" w="9525">
+                <a14:hiddenLine xmlns:a14="http://schemas.microsoft.com/office/drawing/2010/main" xmlns="" w="9525">
                   <a:solidFill>
                     <a:srgbClr val="000000"/>
                   </a:solidFill>
@@ -1130,7 +1132,7 @@
             </a:ln>
             <a:extLst>
               <a:ext uri="{91240B29-F687-4f45-9708-019B960494DF}">
-                <a14:hiddenLine xmlns="" xmlns:a14="http://schemas.microsoft.com/office/drawing/2010/main" w="9525">
+                <a14:hiddenLine xmlns:a14="http://schemas.microsoft.com/office/drawing/2010/main" xmlns="" w="9525">
                   <a:solidFill>
                     <a:srgbClr val="000000"/>
                   </a:solidFill>
@@ -1240,7 +1242,7 @@
             </a:ln>
             <a:extLst>
               <a:ext uri="{91240B29-F687-4f45-9708-019B960494DF}">
-                <a14:hiddenLine xmlns="" xmlns:a14="http://schemas.microsoft.com/office/drawing/2010/main" w="9525">
+                <a14:hiddenLine xmlns:a14="http://schemas.microsoft.com/office/drawing/2010/main" xmlns="" w="9525">
                   <a:solidFill>
                     <a:srgbClr val="000000"/>
                   </a:solidFill>
@@ -1302,7 +1304,7 @@
             </a:ln>
             <a:extLst>
               <a:ext uri="{91240B29-F687-4f45-9708-019B960494DF}">
-                <a14:hiddenLine xmlns="" xmlns:a14="http://schemas.microsoft.com/office/drawing/2010/main" w="9525">
+                <a14:hiddenLine xmlns:a14="http://schemas.microsoft.com/office/drawing/2010/main" xmlns="" w="9525">
                   <a:solidFill>
                     <a:srgbClr val="000000"/>
                   </a:solidFill>
@@ -1392,7 +1394,7 @@
             </a:ln>
             <a:extLst>
               <a:ext uri="{91240B29-F687-4f45-9708-019B960494DF}">
-                <a14:hiddenLine xmlns="" xmlns:a14="http://schemas.microsoft.com/office/drawing/2010/main" w="9525">
+                <a14:hiddenLine xmlns:a14="http://schemas.microsoft.com/office/drawing/2010/main" xmlns="" w="9525">
                   <a:solidFill>
                     <a:srgbClr val="000000"/>
                   </a:solidFill>
@@ -1482,7 +1484,7 @@
             </a:ln>
             <a:extLst>
               <a:ext uri="{91240B29-F687-4f45-9708-019B960494DF}">
-                <a14:hiddenLine xmlns="" xmlns:a14="http://schemas.microsoft.com/office/drawing/2010/main" w="9525">
+                <a14:hiddenLine xmlns:a14="http://schemas.microsoft.com/office/drawing/2010/main" xmlns="" w="9525">
                   <a:solidFill>
                     <a:srgbClr val="000000"/>
                   </a:solidFill>
@@ -1544,7 +1546,7 @@
             </a:ln>
             <a:extLst>
               <a:ext uri="{91240B29-F687-4f45-9708-019B960494DF}">
-                <a14:hiddenLine xmlns="" xmlns:a14="http://schemas.microsoft.com/office/drawing/2010/main" w="9525">
+                <a14:hiddenLine xmlns:a14="http://schemas.microsoft.com/office/drawing/2010/main" xmlns="" w="9525">
                   <a:solidFill>
                     <a:srgbClr val="000000"/>
                   </a:solidFill>
@@ -1634,7 +1636,7 @@
             </a:ln>
             <a:extLst>
               <a:ext uri="{91240B29-F687-4f45-9708-019B960494DF}">
-                <a14:hiddenLine xmlns="" xmlns:a14="http://schemas.microsoft.com/office/drawing/2010/main" w="9525">
+                <a14:hiddenLine xmlns:a14="http://schemas.microsoft.com/office/drawing/2010/main" xmlns="" w="9525">
                   <a:solidFill>
                     <a:srgbClr val="000000"/>
                   </a:solidFill>
@@ -1724,7 +1726,7 @@
             </a:ln>
             <a:extLst>
               <a:ext uri="{91240B29-F687-4f45-9708-019B960494DF}">
-                <a14:hiddenLine xmlns="" xmlns:a14="http://schemas.microsoft.com/office/drawing/2010/main" w="9525">
+                <a14:hiddenLine xmlns:a14="http://schemas.microsoft.com/office/drawing/2010/main" xmlns="" w="9525">
                   <a:solidFill>
                     <a:srgbClr val="000000"/>
                   </a:solidFill>
@@ -1780,7 +1782,7 @@
             </a:ln>
             <a:extLst>
               <a:ext uri="{91240B29-F687-4f45-9708-019B960494DF}">
-                <a14:hiddenLine xmlns="" xmlns:a14="http://schemas.microsoft.com/office/drawing/2010/main" w="9525">
+                <a14:hiddenLine xmlns:a14="http://schemas.microsoft.com/office/drawing/2010/main" xmlns="" w="9525">
                   <a:solidFill>
                     <a:srgbClr val="000000"/>
                   </a:solidFill>
@@ -1870,7 +1872,7 @@
             </a:ln>
             <a:extLst>
               <a:ext uri="{91240B29-F687-4f45-9708-019B960494DF}">
-                <a14:hiddenLine xmlns="" xmlns:a14="http://schemas.microsoft.com/office/drawing/2010/main" w="9525">
+                <a14:hiddenLine xmlns:a14="http://schemas.microsoft.com/office/drawing/2010/main" xmlns="" w="9525">
                   <a:solidFill>
                     <a:srgbClr val="000000"/>
                   </a:solidFill>
@@ -1926,7 +1928,7 @@
             </a:ln>
             <a:extLst>
               <a:ext uri="{91240B29-F687-4f45-9708-019B960494DF}">
-                <a14:hiddenLine xmlns="" xmlns:a14="http://schemas.microsoft.com/office/drawing/2010/main" w="9525">
+                <a14:hiddenLine xmlns:a14="http://schemas.microsoft.com/office/drawing/2010/main" xmlns="" w="9525">
                   <a:solidFill>
                     <a:srgbClr val="000000"/>
                   </a:solidFill>
@@ -2016,7 +2018,7 @@
             </a:ln>
             <a:extLst>
               <a:ext uri="{91240B29-F687-4f45-9708-019B960494DF}">
-                <a14:hiddenLine xmlns="" xmlns:a14="http://schemas.microsoft.com/office/drawing/2010/main" w="9525">
+                <a14:hiddenLine xmlns:a14="http://schemas.microsoft.com/office/drawing/2010/main" xmlns="" w="9525">
                   <a:solidFill>
                     <a:srgbClr val="000000"/>
                   </a:solidFill>
@@ -2084,7 +2086,7 @@
             </a:ln>
             <a:extLst>
               <a:ext uri="{91240B29-F687-4f45-9708-019B960494DF}">
-                <a14:hiddenLine xmlns="" xmlns:a14="http://schemas.microsoft.com/office/drawing/2010/main" w="9525">
+                <a14:hiddenLine xmlns:a14="http://schemas.microsoft.com/office/drawing/2010/main" xmlns="" w="9525">
                   <a:solidFill>
                     <a:srgbClr val="000000"/>
                   </a:solidFill>
@@ -2174,7 +2176,7 @@
             </a:ln>
             <a:extLst>
               <a:ext uri="{91240B29-F687-4f45-9708-019B960494DF}">
-                <a14:hiddenLine xmlns="" xmlns:a14="http://schemas.microsoft.com/office/drawing/2010/main" w="9525">
+                <a14:hiddenLine xmlns:a14="http://schemas.microsoft.com/office/drawing/2010/main" xmlns="" w="9525">
                   <a:solidFill>
                     <a:srgbClr val="000000"/>
                   </a:solidFill>
@@ -2242,7 +2244,7 @@
             </a:ln>
             <a:extLst>
               <a:ext uri="{91240B29-F687-4f45-9708-019B960494DF}">
-                <a14:hiddenLine xmlns="" xmlns:a14="http://schemas.microsoft.com/office/drawing/2010/main" w="9525">
+                <a14:hiddenLine xmlns:a14="http://schemas.microsoft.com/office/drawing/2010/main" xmlns="" w="9525">
                   <a:solidFill>
                     <a:srgbClr val="000000"/>
                   </a:solidFill>
@@ -2332,7 +2334,7 @@
             </a:ln>
             <a:extLst>
               <a:ext uri="{91240B29-F687-4f45-9708-019B960494DF}">
-                <a14:hiddenLine xmlns="" xmlns:a14="http://schemas.microsoft.com/office/drawing/2010/main" w="9525">
+                <a14:hiddenLine xmlns:a14="http://schemas.microsoft.com/office/drawing/2010/main" xmlns="" w="9525">
                   <a:solidFill>
                     <a:srgbClr val="000000"/>
                   </a:solidFill>
@@ -2366,7 +2368,7 @@
             </a:ln>
             <a:extLst>
               <a:ext uri="{91240B29-F687-4f45-9708-019B960494DF}">
-                <a14:hiddenLine xmlns="" xmlns:a14="http://schemas.microsoft.com/office/drawing/2010/main" w="9525">
+                <a14:hiddenLine xmlns:a14="http://schemas.microsoft.com/office/drawing/2010/main" xmlns="" w="9525">
                   <a:solidFill>
                     <a:srgbClr val="000000"/>
                   </a:solidFill>
@@ -2456,7 +2458,7 @@
             </a:ln>
             <a:extLst>
               <a:ext uri="{91240B29-F687-4f45-9708-019B960494DF}">
-                <a14:hiddenLine xmlns="" xmlns:a14="http://schemas.microsoft.com/office/drawing/2010/main" w="9525">
+                <a14:hiddenLine xmlns:a14="http://schemas.microsoft.com/office/drawing/2010/main" xmlns="" w="9525">
                   <a:solidFill>
                     <a:srgbClr val="000000"/>
                   </a:solidFill>
@@ -2518,7 +2520,7 @@
             </a:ln>
             <a:extLst>
               <a:ext uri="{91240B29-F687-4f45-9708-019B960494DF}">
-                <a14:hiddenLine xmlns="" xmlns:a14="http://schemas.microsoft.com/office/drawing/2010/main" w="9525">
+                <a14:hiddenLine xmlns:a14="http://schemas.microsoft.com/office/drawing/2010/main" xmlns="" w="9525">
                   <a:solidFill>
                     <a:srgbClr val="000000"/>
                   </a:solidFill>
@@ -2580,7 +2582,7 @@
             </a:ln>
             <a:extLst>
               <a:ext uri="{91240B29-F687-4f45-9708-019B960494DF}">
-                <a14:hiddenLine xmlns="" xmlns:a14="http://schemas.microsoft.com/office/drawing/2010/main" w="9525">
+                <a14:hiddenLine xmlns:a14="http://schemas.microsoft.com/office/drawing/2010/main" xmlns="" w="9525">
                   <a:solidFill>
                     <a:srgbClr val="000000"/>
                   </a:solidFill>
@@ -2670,7 +2672,7 @@
             </a:ln>
             <a:extLst>
               <a:ext uri="{91240B29-F687-4f45-9708-019B960494DF}">
-                <a14:hiddenLine xmlns="" xmlns:a14="http://schemas.microsoft.com/office/drawing/2010/main" w="9525">
+                <a14:hiddenLine xmlns:a14="http://schemas.microsoft.com/office/drawing/2010/main" xmlns="" w="9525">
                   <a:solidFill>
                     <a:srgbClr val="000000"/>
                   </a:solidFill>
@@ -2738,7 +2740,7 @@
             </a:ln>
             <a:extLst>
               <a:ext uri="{91240B29-F687-4f45-9708-019B960494DF}">
-                <a14:hiddenLine xmlns="" xmlns:a14="http://schemas.microsoft.com/office/drawing/2010/main" w="9525">
+                <a14:hiddenLine xmlns:a14="http://schemas.microsoft.com/office/drawing/2010/main" xmlns="" w="9525">
                   <a:solidFill>
                     <a:srgbClr val="000000"/>
                   </a:solidFill>
@@ -2800,7 +2802,7 @@
             </a:ln>
             <a:extLst>
               <a:ext uri="{91240B29-F687-4f45-9708-019B960494DF}">
-                <a14:hiddenLine xmlns="" xmlns:a14="http://schemas.microsoft.com/office/drawing/2010/main" w="9525">
+                <a14:hiddenLine xmlns:a14="http://schemas.microsoft.com/office/drawing/2010/main" xmlns="" w="9525">
                   <a:solidFill>
                     <a:srgbClr val="000000"/>
                   </a:solidFill>
@@ -2890,7 +2892,7 @@
             </a:ln>
             <a:extLst>
               <a:ext uri="{91240B29-F687-4f45-9708-019B960494DF}">
-                <a14:hiddenLine xmlns="" xmlns:a14="http://schemas.microsoft.com/office/drawing/2010/main" w="9525">
+                <a14:hiddenLine xmlns:a14="http://schemas.microsoft.com/office/drawing/2010/main" xmlns="" w="9525">
                   <a:solidFill>
                     <a:srgbClr val="000000"/>
                   </a:solidFill>
@@ -2952,7 +2954,7 @@
             </a:ln>
             <a:extLst>
               <a:ext uri="{91240B29-F687-4f45-9708-019B960494DF}">
-                <a14:hiddenLine xmlns="" xmlns:a14="http://schemas.microsoft.com/office/drawing/2010/main" w="9525">
+                <a14:hiddenLine xmlns:a14="http://schemas.microsoft.com/office/drawing/2010/main" xmlns="" w="9525">
                   <a:solidFill>
                     <a:srgbClr val="000000"/>
                   </a:solidFill>
@@ -3042,7 +3044,7 @@
             </a:ln>
             <a:extLst>
               <a:ext uri="{91240B29-F687-4f45-9708-019B960494DF}">
-                <a14:hiddenLine xmlns="" xmlns:a14="http://schemas.microsoft.com/office/drawing/2010/main" w="9525">
+                <a14:hiddenLine xmlns:a14="http://schemas.microsoft.com/office/drawing/2010/main" xmlns="" w="9525">
                   <a:solidFill>
                     <a:srgbClr val="000000"/>
                   </a:solidFill>
@@ -3104,7 +3106,7 @@
             </a:ln>
             <a:extLst>
               <a:ext uri="{91240B29-F687-4f45-9708-019B960494DF}">
-                <a14:hiddenLine xmlns="" xmlns:a14="http://schemas.microsoft.com/office/drawing/2010/main" w="9525">
+                <a14:hiddenLine xmlns:a14="http://schemas.microsoft.com/office/drawing/2010/main" xmlns="" w="9525">
                   <a:solidFill>
                     <a:srgbClr val="000000"/>
                   </a:solidFill>
@@ -3194,7 +3196,7 @@
             </a:ln>
             <a:extLst>
               <a:ext uri="{91240B29-F687-4f45-9708-019B960494DF}">
-                <a14:hiddenLine xmlns="" xmlns:a14="http://schemas.microsoft.com/office/drawing/2010/main" w="9525">
+                <a14:hiddenLine xmlns:a14="http://schemas.microsoft.com/office/drawing/2010/main" xmlns="" w="9525">
                   <a:solidFill>
                     <a:srgbClr val="000000"/>
                   </a:solidFill>
@@ -3228,7 +3230,7 @@
             </a:ln>
             <a:extLst>
               <a:ext uri="{91240B29-F687-4f45-9708-019B960494DF}">
-                <a14:hiddenLine xmlns="" xmlns:a14="http://schemas.microsoft.com/office/drawing/2010/main" w="9525">
+                <a14:hiddenLine xmlns:a14="http://schemas.microsoft.com/office/drawing/2010/main" xmlns="" w="9525">
                   <a:solidFill>
                     <a:srgbClr val="000000"/>
                   </a:solidFill>
@@ -3293,7 +3295,7 @@
             </a:ln>
             <a:extLst>
               <a:ext uri="{91240B29-F687-4f45-9708-019B960494DF}">
-                <a14:hiddenLine xmlns="" xmlns:a14="http://schemas.microsoft.com/office/drawing/2010/main" w="9525">
+                <a14:hiddenLine xmlns:a14="http://schemas.microsoft.com/office/drawing/2010/main" xmlns="" w="9525">
                   <a:solidFill>
                     <a:srgbClr val="000000"/>
                   </a:solidFill>
@@ -3383,7 +3385,7 @@
             </a:ln>
             <a:extLst>
               <a:ext uri="{91240B29-F687-4f45-9708-019B960494DF}">
-                <a14:hiddenLine xmlns="" xmlns:a14="http://schemas.microsoft.com/office/drawing/2010/main" w="9525">
+                <a14:hiddenLine xmlns:a14="http://schemas.microsoft.com/office/drawing/2010/main" xmlns="" w="9525">
                   <a:solidFill>
                     <a:srgbClr val="000000"/>
                   </a:solidFill>
@@ -3445,7 +3447,7 @@
             </a:ln>
             <a:extLst>
               <a:ext uri="{91240B29-F687-4f45-9708-019B960494DF}">
-                <a14:hiddenLine xmlns="" xmlns:a14="http://schemas.microsoft.com/office/drawing/2010/main" w="9525">
+                <a14:hiddenLine xmlns:a14="http://schemas.microsoft.com/office/drawing/2010/main" xmlns="" w="9525">
                   <a:solidFill>
                     <a:srgbClr val="000000"/>
                   </a:solidFill>
@@ -3535,7 +3537,7 @@
             </a:ln>
             <a:extLst>
               <a:ext uri="{91240B29-F687-4f45-9708-019B960494DF}">
-                <a14:hiddenLine xmlns="" xmlns:a14="http://schemas.microsoft.com/office/drawing/2010/main" w="9525">
+                <a14:hiddenLine xmlns:a14="http://schemas.microsoft.com/office/drawing/2010/main" xmlns="" w="9525">
                   <a:solidFill>
                     <a:srgbClr val="000000"/>
                   </a:solidFill>
@@ -3625,7 +3627,7 @@
             </a:ln>
             <a:extLst>
               <a:ext uri="{91240B29-F687-4f45-9708-019B960494DF}">
-                <a14:hiddenLine xmlns="" xmlns:a14="http://schemas.microsoft.com/office/drawing/2010/main" w="9525">
+                <a14:hiddenLine xmlns:a14="http://schemas.microsoft.com/office/drawing/2010/main" xmlns="" w="9525">
                   <a:solidFill>
                     <a:srgbClr val="000000"/>
                   </a:solidFill>
@@ -3690,7 +3692,7 @@
             </a:ln>
             <a:extLst>
               <a:ext uri="{91240B29-F687-4f45-9708-019B960494DF}">
-                <a14:hiddenLine xmlns="" xmlns:a14="http://schemas.microsoft.com/office/drawing/2010/main" w="9525">
+                <a14:hiddenLine xmlns:a14="http://schemas.microsoft.com/office/drawing/2010/main" xmlns="" w="9525">
                   <a:solidFill>
                     <a:srgbClr val="000000"/>
                   </a:solidFill>
@@ -3752,7 +3754,7 @@
             </a:ln>
             <a:extLst>
               <a:ext uri="{91240B29-F687-4f45-9708-019B960494DF}">
-                <a14:hiddenLine xmlns="" xmlns:a14="http://schemas.microsoft.com/office/drawing/2010/main" w="9525">
+                <a14:hiddenLine xmlns:a14="http://schemas.microsoft.com/office/drawing/2010/main" xmlns="" w="9525">
                   <a:solidFill>
                     <a:srgbClr val="000000"/>
                   </a:solidFill>
@@ -3842,7 +3844,7 @@
             </a:ln>
             <a:extLst>
               <a:ext uri="{91240B29-F687-4f45-9708-019B960494DF}">
-                <a14:hiddenLine xmlns="" xmlns:a14="http://schemas.microsoft.com/office/drawing/2010/main" w="9525">
+                <a14:hiddenLine xmlns:a14="http://schemas.microsoft.com/office/drawing/2010/main" xmlns="" w="9525">
                   <a:solidFill>
                     <a:srgbClr val="000000"/>
                   </a:solidFill>
@@ -3932,7 +3934,7 @@
             </a:ln>
             <a:extLst>
               <a:ext uri="{91240B29-F687-4f45-9708-019B960494DF}">
-                <a14:hiddenLine xmlns="" xmlns:a14="http://schemas.microsoft.com/office/drawing/2010/main" w="9525">
+                <a14:hiddenLine xmlns:a14="http://schemas.microsoft.com/office/drawing/2010/main" xmlns="" w="9525">
                   <a:solidFill>
                     <a:srgbClr val="000000"/>
                   </a:solidFill>
@@ -3994,7 +3996,7 @@
             </a:ln>
             <a:extLst>
               <a:ext uri="{91240B29-F687-4f45-9708-019B960494DF}">
-                <a14:hiddenLine xmlns="" xmlns:a14="http://schemas.microsoft.com/office/drawing/2010/main" w="9525">
+                <a14:hiddenLine xmlns:a14="http://schemas.microsoft.com/office/drawing/2010/main" xmlns="" w="9525">
                   <a:solidFill>
                     <a:srgbClr val="000000"/>
                   </a:solidFill>
@@ -4114,7 +4116,7 @@
             </a:ln>
             <a:extLst>
               <a:ext uri="{91240B29-F687-4f45-9708-019B960494DF}">
-                <a14:hiddenLine xmlns="" xmlns:a14="http://schemas.microsoft.com/office/drawing/2010/main" w="9525">
+                <a14:hiddenLine xmlns:a14="http://schemas.microsoft.com/office/drawing/2010/main" xmlns="" w="9525">
                   <a:solidFill>
                     <a:srgbClr val="000000"/>
                   </a:solidFill>
@@ -4182,7 +4184,7 @@
             </a:ln>
             <a:extLst>
               <a:ext uri="{91240B29-F687-4f45-9708-019B960494DF}">
-                <a14:hiddenLine xmlns="" xmlns:a14="http://schemas.microsoft.com/office/drawing/2010/main" w="9525">
+                <a14:hiddenLine xmlns:a14="http://schemas.microsoft.com/office/drawing/2010/main" xmlns="" w="9525">
                   <a:solidFill>
                     <a:srgbClr val="000000"/>
                   </a:solidFill>
@@ -4272,7 +4274,7 @@
             </a:ln>
             <a:extLst>
               <a:ext uri="{91240B29-F687-4f45-9708-019B960494DF}">
-                <a14:hiddenLine xmlns="" xmlns:a14="http://schemas.microsoft.com/office/drawing/2010/main" w="9525">
+                <a14:hiddenLine xmlns:a14="http://schemas.microsoft.com/office/drawing/2010/main" xmlns="" w="9525">
                   <a:solidFill>
                     <a:srgbClr val="000000"/>
                   </a:solidFill>
@@ -9079,7 +9081,7 @@
           <a:noFill/>
           <a:extLst>
             <a:ext uri="{909E8E84-426E-40dd-AFC4-6F175D3DCCD1}">
-              <a14:hiddenFill xmlns="" xmlns:a14="http://schemas.microsoft.com/office/drawing/2010/main">
+              <a14:hiddenFill xmlns:a14="http://schemas.microsoft.com/office/drawing/2010/main" xmlns="">
                 <a:solidFill>
                   <a:srgbClr val="FFFFFF"/>
                 </a:solidFill>
@@ -9153,7 +9155,7 @@
               </a:ln>
               <a:extLst>
                 <a:ext uri="{91240B29-F687-4f45-9708-019B960494DF}">
-                  <a14:hiddenLine xmlns="" xmlns:a14="http://schemas.microsoft.com/office/drawing/2010/main" w="9525">
+                  <a14:hiddenLine xmlns:a14="http://schemas.microsoft.com/office/drawing/2010/main" xmlns="" w="9525">
                     <a:solidFill>
                       <a:srgbClr val="000000"/>
                     </a:solidFill>
@@ -9243,7 +9245,7 @@
               </a:ln>
               <a:extLst>
                 <a:ext uri="{91240B29-F687-4f45-9708-019B960494DF}">
-                  <a14:hiddenLine xmlns="" xmlns:a14="http://schemas.microsoft.com/office/drawing/2010/main" w="9525">
+                  <a14:hiddenLine xmlns:a14="http://schemas.microsoft.com/office/drawing/2010/main" xmlns="" w="9525">
                     <a:solidFill>
                       <a:srgbClr val="000000"/>
                     </a:solidFill>
@@ -9333,7 +9335,7 @@
               </a:ln>
               <a:extLst>
                 <a:ext uri="{91240B29-F687-4f45-9708-019B960494DF}">
-                  <a14:hiddenLine xmlns="" xmlns:a14="http://schemas.microsoft.com/office/drawing/2010/main" w="9525">
+                  <a14:hiddenLine xmlns:a14="http://schemas.microsoft.com/office/drawing/2010/main" xmlns="" w="9525">
                     <a:solidFill>
                       <a:srgbClr val="000000"/>
                     </a:solidFill>
@@ -9395,7 +9397,7 @@
               </a:ln>
               <a:extLst>
                 <a:ext uri="{91240B29-F687-4f45-9708-019B960494DF}">
-                  <a14:hiddenLine xmlns="" xmlns:a14="http://schemas.microsoft.com/office/drawing/2010/main" w="9525">
+                  <a14:hiddenLine xmlns:a14="http://schemas.microsoft.com/office/drawing/2010/main" xmlns="" w="9525">
                     <a:solidFill>
                       <a:srgbClr val="000000"/>
                     </a:solidFill>
@@ -9485,7 +9487,7 @@
               </a:ln>
               <a:extLst>
                 <a:ext uri="{91240B29-F687-4f45-9708-019B960494DF}">
-                  <a14:hiddenLine xmlns="" xmlns:a14="http://schemas.microsoft.com/office/drawing/2010/main" w="9525">
+                  <a14:hiddenLine xmlns:a14="http://schemas.microsoft.com/office/drawing/2010/main" xmlns="" w="9525">
                     <a:solidFill>
                       <a:srgbClr val="000000"/>
                     </a:solidFill>
@@ -9547,7 +9549,7 @@
               </a:ln>
               <a:extLst>
                 <a:ext uri="{91240B29-F687-4f45-9708-019B960494DF}">
-                  <a14:hiddenLine xmlns="" xmlns:a14="http://schemas.microsoft.com/office/drawing/2010/main" w="9525">
+                  <a14:hiddenLine xmlns:a14="http://schemas.microsoft.com/office/drawing/2010/main" xmlns="" w="9525">
                     <a:solidFill>
                       <a:srgbClr val="000000"/>
                     </a:solidFill>
@@ -9609,7 +9611,7 @@
               </a:ln>
               <a:extLst>
                 <a:ext uri="{91240B29-F687-4f45-9708-019B960494DF}">
-                  <a14:hiddenLine xmlns="" xmlns:a14="http://schemas.microsoft.com/office/drawing/2010/main" w="9525">
+                  <a14:hiddenLine xmlns:a14="http://schemas.microsoft.com/office/drawing/2010/main" xmlns="" w="9525">
                     <a:solidFill>
                       <a:srgbClr val="000000"/>
                     </a:solidFill>
@@ -9699,7 +9701,7 @@
               </a:ln>
               <a:extLst>
                 <a:ext uri="{91240B29-F687-4f45-9708-019B960494DF}">
-                  <a14:hiddenLine xmlns="" xmlns:a14="http://schemas.microsoft.com/office/drawing/2010/main" w="9525">
+                  <a14:hiddenLine xmlns:a14="http://schemas.microsoft.com/office/drawing/2010/main" xmlns="" w="9525">
                     <a:solidFill>
                       <a:srgbClr val="000000"/>
                     </a:solidFill>
@@ -9789,7 +9791,7 @@
               </a:ln>
               <a:extLst>
                 <a:ext uri="{91240B29-F687-4f45-9708-019B960494DF}">
-                  <a14:hiddenLine xmlns="" xmlns:a14="http://schemas.microsoft.com/office/drawing/2010/main" w="9525">
+                  <a14:hiddenLine xmlns:a14="http://schemas.microsoft.com/office/drawing/2010/main" xmlns="" w="9525">
                     <a:solidFill>
                       <a:srgbClr val="000000"/>
                     </a:solidFill>
@@ -9851,7 +9853,7 @@
               </a:ln>
               <a:extLst>
                 <a:ext uri="{91240B29-F687-4f45-9708-019B960494DF}">
-                  <a14:hiddenLine xmlns="" xmlns:a14="http://schemas.microsoft.com/office/drawing/2010/main" w="9525">
+                  <a14:hiddenLine xmlns:a14="http://schemas.microsoft.com/office/drawing/2010/main" xmlns="" w="9525">
                     <a:solidFill>
                       <a:srgbClr val="000000"/>
                     </a:solidFill>
@@ -9961,7 +9963,7 @@
               </a:ln>
               <a:extLst>
                 <a:ext uri="{91240B29-F687-4f45-9708-019B960494DF}">
-                  <a14:hiddenLine xmlns="" xmlns:a14="http://schemas.microsoft.com/office/drawing/2010/main" w="9525">
+                  <a14:hiddenLine xmlns:a14="http://schemas.microsoft.com/office/drawing/2010/main" xmlns="" w="9525">
                     <a:solidFill>
                       <a:srgbClr val="000000"/>
                     </a:solidFill>
@@ -10045,7 +10047,7 @@
               </a:ln>
               <a:extLst>
                 <a:ext uri="{91240B29-F687-4f45-9708-019B960494DF}">
-                  <a14:hiddenLine xmlns="" xmlns:a14="http://schemas.microsoft.com/office/drawing/2010/main" w="9525">
+                  <a14:hiddenLine xmlns:a14="http://schemas.microsoft.com/office/drawing/2010/main" xmlns="" w="9525">
                     <a:solidFill>
                       <a:srgbClr val="000000"/>
                     </a:solidFill>
@@ -10107,7 +10109,7 @@
               </a:ln>
               <a:extLst>
                 <a:ext uri="{91240B29-F687-4f45-9708-019B960494DF}">
-                  <a14:hiddenLine xmlns="" xmlns:a14="http://schemas.microsoft.com/office/drawing/2010/main" w="9525">
+                  <a14:hiddenLine xmlns:a14="http://schemas.microsoft.com/office/drawing/2010/main" xmlns="" w="9525">
                     <a:solidFill>
                       <a:srgbClr val="000000"/>
                     </a:solidFill>
@@ -10169,7 +10171,7 @@
               </a:ln>
               <a:extLst>
                 <a:ext uri="{91240B29-F687-4f45-9708-019B960494DF}">
-                  <a14:hiddenLine xmlns="" xmlns:a14="http://schemas.microsoft.com/office/drawing/2010/main" w="9525">
+                  <a14:hiddenLine xmlns:a14="http://schemas.microsoft.com/office/drawing/2010/main" xmlns="" w="9525">
                     <a:solidFill>
                       <a:srgbClr val="000000"/>
                     </a:solidFill>
@@ -10259,7 +10261,7 @@
               </a:ln>
               <a:extLst>
                 <a:ext uri="{91240B29-F687-4f45-9708-019B960494DF}">
-                  <a14:hiddenLine xmlns="" xmlns:a14="http://schemas.microsoft.com/office/drawing/2010/main" w="9525">
+                  <a14:hiddenLine xmlns:a14="http://schemas.microsoft.com/office/drawing/2010/main" xmlns="" w="9525">
                     <a:solidFill>
                       <a:srgbClr val="000000"/>
                     </a:solidFill>
@@ -10293,7 +10295,7 @@
               </a:ln>
               <a:extLst>
                 <a:ext uri="{91240B29-F687-4f45-9708-019B960494DF}">
-                  <a14:hiddenLine xmlns="" xmlns:a14="http://schemas.microsoft.com/office/drawing/2010/main" w="9525">
+                  <a14:hiddenLine xmlns:a14="http://schemas.microsoft.com/office/drawing/2010/main" xmlns="" w="9525">
                     <a:solidFill>
                       <a:srgbClr val="000000"/>
                     </a:solidFill>
@@ -10358,7 +10360,7 @@
               </a:ln>
               <a:extLst>
                 <a:ext uri="{91240B29-F687-4f45-9708-019B960494DF}">
-                  <a14:hiddenLine xmlns="" xmlns:a14="http://schemas.microsoft.com/office/drawing/2010/main" w="9525">
+                  <a14:hiddenLine xmlns:a14="http://schemas.microsoft.com/office/drawing/2010/main" xmlns="" w="9525">
                     <a:solidFill>
                       <a:srgbClr val="000000"/>
                     </a:solidFill>
@@ -10448,7 +10450,7 @@
               </a:ln>
               <a:extLst>
                 <a:ext uri="{91240B29-F687-4f45-9708-019B960494DF}">
-                  <a14:hiddenLine xmlns="" xmlns:a14="http://schemas.microsoft.com/office/drawing/2010/main" w="9525">
+                  <a14:hiddenLine xmlns:a14="http://schemas.microsoft.com/office/drawing/2010/main" xmlns="" w="9525">
                     <a:solidFill>
                       <a:srgbClr val="000000"/>
                     </a:solidFill>
@@ -10510,7 +10512,7 @@
               </a:ln>
               <a:extLst>
                 <a:ext uri="{91240B29-F687-4f45-9708-019B960494DF}">
-                  <a14:hiddenLine xmlns="" xmlns:a14="http://schemas.microsoft.com/office/drawing/2010/main" w="9525">
+                  <a14:hiddenLine xmlns:a14="http://schemas.microsoft.com/office/drawing/2010/main" xmlns="" w="9525">
                     <a:solidFill>
                       <a:srgbClr val="000000"/>
                     </a:solidFill>
@@ -10600,7 +10602,7 @@
               </a:ln>
               <a:extLst>
                 <a:ext uri="{91240B29-F687-4f45-9708-019B960494DF}">
-                  <a14:hiddenLine xmlns="" xmlns:a14="http://schemas.microsoft.com/office/drawing/2010/main" w="9525">
+                  <a14:hiddenLine xmlns:a14="http://schemas.microsoft.com/office/drawing/2010/main" xmlns="" w="9525">
                     <a:solidFill>
                       <a:srgbClr val="000000"/>
                     </a:solidFill>
@@ -10665,7 +10667,7 @@
               </a:ln>
               <a:extLst>
                 <a:ext uri="{91240B29-F687-4f45-9708-019B960494DF}">
-                  <a14:hiddenLine xmlns="" xmlns:a14="http://schemas.microsoft.com/office/drawing/2010/main" w="9525">
+                  <a14:hiddenLine xmlns:a14="http://schemas.microsoft.com/office/drawing/2010/main" xmlns="" w="9525">
                     <a:solidFill>
                       <a:srgbClr val="000000"/>
                     </a:solidFill>
@@ -10727,7 +10729,7 @@
               </a:ln>
               <a:extLst>
                 <a:ext uri="{91240B29-F687-4f45-9708-019B960494DF}">
-                  <a14:hiddenLine xmlns="" xmlns:a14="http://schemas.microsoft.com/office/drawing/2010/main" w="9525">
+                  <a14:hiddenLine xmlns:a14="http://schemas.microsoft.com/office/drawing/2010/main" xmlns="" w="9525">
                     <a:solidFill>
                       <a:srgbClr val="000000"/>
                     </a:solidFill>
@@ -10817,7 +10819,7 @@
               </a:ln>
               <a:extLst>
                 <a:ext uri="{91240B29-F687-4f45-9708-019B960494DF}">
-                  <a14:hiddenLine xmlns="" xmlns:a14="http://schemas.microsoft.com/office/drawing/2010/main" w="9525">
+                  <a14:hiddenLine xmlns:a14="http://schemas.microsoft.com/office/drawing/2010/main" xmlns="" w="9525">
                     <a:solidFill>
                       <a:srgbClr val="000000"/>
                     </a:solidFill>
@@ -10907,7 +10909,7 @@
               </a:ln>
               <a:extLst>
                 <a:ext uri="{91240B29-F687-4f45-9708-019B960494DF}">
-                  <a14:hiddenLine xmlns="" xmlns:a14="http://schemas.microsoft.com/office/drawing/2010/main" w="9525">
+                  <a14:hiddenLine xmlns:a14="http://schemas.microsoft.com/office/drawing/2010/main" xmlns="" w="9525">
                     <a:solidFill>
                       <a:srgbClr val="000000"/>
                     </a:solidFill>
@@ -10972,7 +10974,7 @@
               </a:ln>
               <a:extLst>
                 <a:ext uri="{91240B29-F687-4f45-9708-019B960494DF}">
-                  <a14:hiddenLine xmlns="" xmlns:a14="http://schemas.microsoft.com/office/drawing/2010/main" w="9525">
+                  <a14:hiddenLine xmlns:a14="http://schemas.microsoft.com/office/drawing/2010/main" xmlns="" w="9525">
                     <a:solidFill>
                       <a:srgbClr val="000000"/>
                     </a:solidFill>
@@ -11092,7 +11094,7 @@
               </a:ln>
               <a:extLst>
                 <a:ext uri="{91240B29-F687-4f45-9708-019B960494DF}">
-                  <a14:hiddenLine xmlns="" xmlns:a14="http://schemas.microsoft.com/office/drawing/2010/main" w="9525">
+                  <a14:hiddenLine xmlns:a14="http://schemas.microsoft.com/office/drawing/2010/main" xmlns="" w="9525">
                     <a:solidFill>
                       <a:srgbClr val="000000"/>
                     </a:solidFill>
@@ -11190,7 +11192,7 @@
               </a:ln>
               <a:extLst>
                 <a:ext uri="{91240B29-F687-4f45-9708-019B960494DF}">
-                  <a14:hiddenLine xmlns="" xmlns:a14="http://schemas.microsoft.com/office/drawing/2010/main" w="9525">
+                  <a14:hiddenLine xmlns:a14="http://schemas.microsoft.com/office/drawing/2010/main" xmlns="" w="9525">
                     <a:solidFill>
                       <a:srgbClr val="000000"/>
                     </a:solidFill>
@@ -11305,7 +11307,7 @@
               </a:ln>
               <a:extLst>
                 <a:ext uri="{91240B29-F687-4f45-9708-019B960494DF}">
-                  <a14:hiddenLine xmlns="" xmlns:a14="http://schemas.microsoft.com/office/drawing/2010/main" w="9525">
+                  <a14:hiddenLine xmlns:a14="http://schemas.microsoft.com/office/drawing/2010/main" xmlns="" w="9525">
                     <a:solidFill>
                       <a:srgbClr val="000000"/>
                     </a:solidFill>
@@ -11395,7 +11397,7 @@
               </a:ln>
               <a:extLst>
                 <a:ext uri="{91240B29-F687-4f45-9708-019B960494DF}">
-                  <a14:hiddenLine xmlns="" xmlns:a14="http://schemas.microsoft.com/office/drawing/2010/main" w="9525">
+                  <a14:hiddenLine xmlns:a14="http://schemas.microsoft.com/office/drawing/2010/main" xmlns="" w="9525">
                     <a:solidFill>
                       <a:srgbClr val="000000"/>
                     </a:solidFill>
@@ -11460,7 +11462,7 @@
               </a:ln>
               <a:extLst>
                 <a:ext uri="{91240B29-F687-4f45-9708-019B960494DF}">
-                  <a14:hiddenLine xmlns="" xmlns:a14="http://schemas.microsoft.com/office/drawing/2010/main" w="9525">
+                  <a14:hiddenLine xmlns:a14="http://schemas.microsoft.com/office/drawing/2010/main" xmlns="" w="9525">
                     <a:solidFill>
                       <a:srgbClr val="000000"/>
                     </a:solidFill>
@@ -11550,7 +11552,7 @@
               </a:ln>
               <a:extLst>
                 <a:ext uri="{91240B29-F687-4f45-9708-019B960494DF}">
-                  <a14:hiddenLine xmlns="" xmlns:a14="http://schemas.microsoft.com/office/drawing/2010/main" w="9525">
+                  <a14:hiddenLine xmlns:a14="http://schemas.microsoft.com/office/drawing/2010/main" xmlns="" w="9525">
                     <a:solidFill>
                       <a:srgbClr val="000000"/>
                     </a:solidFill>
@@ -11618,7 +11620,7 @@
               </a:ln>
               <a:extLst>
                 <a:ext uri="{91240B29-F687-4f45-9708-019B960494DF}">
-                  <a14:hiddenLine xmlns="" xmlns:a14="http://schemas.microsoft.com/office/drawing/2010/main" w="9525">
+                  <a14:hiddenLine xmlns:a14="http://schemas.microsoft.com/office/drawing/2010/main" xmlns="" w="9525">
                     <a:solidFill>
                       <a:srgbClr val="000000"/>
                     </a:solidFill>
@@ -11708,7 +11710,7 @@
               </a:ln>
               <a:extLst>
                 <a:ext uri="{91240B29-F687-4f45-9708-019B960494DF}">
-                  <a14:hiddenLine xmlns="" xmlns:a14="http://schemas.microsoft.com/office/drawing/2010/main" w="9525">
+                  <a14:hiddenLine xmlns:a14="http://schemas.microsoft.com/office/drawing/2010/main" xmlns="" w="9525">
                     <a:solidFill>
                       <a:srgbClr val="000000"/>
                     </a:solidFill>
@@ -11776,7 +11778,7 @@
               </a:ln>
               <a:extLst>
                 <a:ext uri="{91240B29-F687-4f45-9708-019B960494DF}">
-                  <a14:hiddenLine xmlns="" xmlns:a14="http://schemas.microsoft.com/office/drawing/2010/main" w="9525">
+                  <a14:hiddenLine xmlns:a14="http://schemas.microsoft.com/office/drawing/2010/main" xmlns="" w="9525">
                     <a:solidFill>
                       <a:srgbClr val="000000"/>
                     </a:solidFill>
@@ -11866,7 +11868,7 @@
               </a:ln>
               <a:extLst>
                 <a:ext uri="{91240B29-F687-4f45-9708-019B960494DF}">
-                  <a14:hiddenLine xmlns="" xmlns:a14="http://schemas.microsoft.com/office/drawing/2010/main" w="9525">
+                  <a14:hiddenLine xmlns:a14="http://schemas.microsoft.com/office/drawing/2010/main" xmlns="" w="9525">
                     <a:solidFill>
                       <a:srgbClr val="000000"/>
                     </a:solidFill>
@@ -11900,7 +11902,7 @@
               </a:ln>
               <a:extLst>
                 <a:ext uri="{91240B29-F687-4f45-9708-019B960494DF}">
-                  <a14:hiddenLine xmlns="" xmlns:a14="http://schemas.microsoft.com/office/drawing/2010/main" w="9525">
+                  <a14:hiddenLine xmlns:a14="http://schemas.microsoft.com/office/drawing/2010/main" xmlns="" w="9525">
                     <a:solidFill>
                       <a:srgbClr val="000000"/>
                     </a:solidFill>
@@ -13485,6 +13487,364 @@
           <a:chExt cx="0" cy="0"/>
         </a:xfrm>
       </p:grpSpPr>
+      <p:sp>
+        <p:nvSpPr>
+          <p:cNvPr id="7" name="Slide Number Placeholder 3"/>
+          <p:cNvSpPr>
+            <a:spLocks noGrp="1"/>
+          </p:cNvSpPr>
+          <p:nvPr>
+            <p:ph type="sldNum" sz="quarter" idx="4294967295"/>
+          </p:nvPr>
+        </p:nvSpPr>
+        <p:spPr>
+          <a:xfrm>
+            <a:off x="11568000" y="6525003"/>
+            <a:ext cx="428822" cy="196477"/>
+          </a:xfrm>
+          <a:prstGeom prst="rect">
+            <a:avLst/>
+          </a:prstGeom>
+        </p:spPr>
+        <p:txBody>
+          <a:bodyPr/>
+          <a:lstStyle/>
+          <a:p>
+            <a:pPr>
+              <a:defRPr/>
+            </a:pPr>
+            <a:fld id="{58452FF4-89E3-4D1B-9927-2DBDC00E58D7}" type="slidenum">
+              <a:rPr lang="en-US" smtClean="0"/>
+              <a:pPr>
+                <a:defRPr/>
+              </a:pPr>
+              <a:t>14</a:t>
+            </a:fld>
+            <a:endParaRPr lang="en-US" dirty="0"/>
+          </a:p>
+        </p:txBody>
+      </p:sp>
+      <p:sp>
+        <p:nvSpPr>
+          <p:cNvPr id="5" name="Content Placeholder 4"/>
+          <p:cNvSpPr>
+            <a:spLocks noGrp="1"/>
+          </p:cNvSpPr>
+          <p:nvPr>
+            <p:ph idx="1"/>
+          </p:nvPr>
+        </p:nvSpPr>
+        <p:spPr>
+          <a:xfrm>
+            <a:off x="1141413" y="1712549"/>
+            <a:ext cx="11696797" cy="5458202"/>
+          </a:xfrm>
+        </p:spPr>
+        <p:txBody>
+          <a:bodyPr>
+            <a:normAutofit/>
+          </a:bodyPr>
+          <a:lstStyle/>
+          <a:p>
+            <a:pPr>
+              <a:lnSpc>
+                <a:spcPct val="100000"/>
+              </a:lnSpc>
+            </a:pPr>
+            <a:endParaRPr lang="en-US" dirty="0"/>
+          </a:p>
+          <a:p>
+            <a:pPr>
+              <a:lnSpc>
+                <a:spcPct val="100000"/>
+              </a:lnSpc>
+            </a:pPr>
+            <a:endParaRPr lang="en-US" dirty="0"/>
+          </a:p>
+          <a:p>
+            <a:pPr>
+              <a:lnSpc>
+                <a:spcPct val="100000"/>
+              </a:lnSpc>
+            </a:pPr>
+            <a:endParaRPr lang="en-US" dirty="0"/>
+          </a:p>
+          <a:p>
+            <a:pPr>
+              <a:lnSpc>
+                <a:spcPct val="100000"/>
+              </a:lnSpc>
+            </a:pPr>
+            <a:endParaRPr lang="en-US" dirty="0"/>
+          </a:p>
+          <a:p>
+            <a:pPr>
+              <a:lnSpc>
+                <a:spcPct val="100000"/>
+              </a:lnSpc>
+            </a:pPr>
+            <a:endParaRPr lang="en-US" dirty="0"/>
+          </a:p>
+          <a:p>
+            <a:pPr>
+              <a:lnSpc>
+                <a:spcPct val="100000"/>
+              </a:lnSpc>
+            </a:pPr>
+            <a:endParaRPr lang="en-US" dirty="0"/>
+          </a:p>
+          <a:p>
+            <a:pPr>
+              <a:lnSpc>
+                <a:spcPct val="100000"/>
+              </a:lnSpc>
+            </a:pPr>
+            <a:endParaRPr lang="en-US" dirty="0"/>
+          </a:p>
+          <a:p>
+            <a:pPr marL="0" indent="0">
+              <a:lnSpc>
+                <a:spcPct val="100000"/>
+              </a:lnSpc>
+              <a:buNone/>
+            </a:pPr>
+            <a:endParaRPr lang="en-US" dirty="0"/>
+          </a:p>
+        </p:txBody>
+      </p:sp>
+      <p:sp>
+        <p:nvSpPr>
+          <p:cNvPr id="4" name="Title 3"/>
+          <p:cNvSpPr>
+            <a:spLocks noGrp="1"/>
+          </p:cNvSpPr>
+          <p:nvPr>
+            <p:ph type="title"/>
+          </p:nvPr>
+        </p:nvSpPr>
+        <p:spPr/>
+        <p:txBody>
+          <a:bodyPr/>
+          <a:lstStyle/>
+          <a:p>
+            <a:pPr>
+              <a:lnSpc>
+                <a:spcPct val="100000"/>
+              </a:lnSpc>
+            </a:pPr>
+            <a:r>
+              <a:rPr lang="en-GB" dirty="0"/>
+              <a:t>Back-end and service Technologies</a:t>
+            </a:r>
+            <a:endParaRPr lang="pt-BR" dirty="0"/>
+          </a:p>
+        </p:txBody>
+      </p:sp>
+      <p:pic>
+        <p:nvPicPr>
+          <p:cNvPr id="2" name="Picture 1">
+            <a:extLst>
+              <a:ext uri="{FF2B5EF4-FFF2-40B4-BE49-F238E27FC236}">
+                <a16:creationId xmlns:a16="http://schemas.microsoft.com/office/drawing/2014/main" id="{D00281F2-0D34-4155-A1C0-5EFA5F4411C9}"/>
+              </a:ext>
+            </a:extLst>
+          </p:cNvPr>
+          <p:cNvPicPr>
+            <a:picLocks noChangeAspect="1"/>
+          </p:cNvPicPr>
+          <p:nvPr/>
+        </p:nvPicPr>
+        <p:blipFill>
+          <a:blip r:embed="rId2"/>
+          <a:stretch>
+            <a:fillRect/>
+          </a:stretch>
+        </p:blipFill>
+        <p:spPr>
+          <a:xfrm>
+            <a:off x="1988178" y="2097088"/>
+            <a:ext cx="8215644" cy="4021305"/>
+          </a:xfrm>
+          <a:prstGeom prst="rect">
+            <a:avLst/>
+          </a:prstGeom>
+          <a:ln>
+            <a:noFill/>
+          </a:ln>
+          <a:effectLst>
+            <a:outerShdw blurRad="190500" algn="tl" rotWithShape="0">
+              <a:srgbClr val="000000">
+                <a:alpha val="70000"/>
+              </a:srgbClr>
+            </a:outerShdw>
+          </a:effectLst>
+        </p:spPr>
+      </p:pic>
+    </p:spTree>
+    <p:extLst>
+      <p:ext uri="{BB962C8B-B14F-4D97-AF65-F5344CB8AC3E}">
+        <p14:creationId xmlns:p14="http://schemas.microsoft.com/office/powerpoint/2010/main" val="2782102692"/>
+      </p:ext>
+    </p:extLst>
+  </p:cSld>
+  <p:clrMapOvr>
+    <a:masterClrMapping/>
+  </p:clrMapOvr>
+</p:sld>
+</file>
+
+<file path=ppt/slides/slide15.xml><?xml version="1.0" encoding="utf-8"?>
+<p:sld xmlns:a="http://schemas.openxmlformats.org/drawingml/2006/main" xmlns:r="http://schemas.openxmlformats.org/officeDocument/2006/relationships" xmlns:p="http://schemas.openxmlformats.org/presentationml/2006/main">
+  <p:cSld>
+    <p:spTree>
+      <p:nvGrpSpPr>
+        <p:cNvPr id="1" name=""/>
+        <p:cNvGrpSpPr/>
+        <p:nvPr/>
+      </p:nvGrpSpPr>
+      <p:grpSpPr>
+        <a:xfrm>
+          <a:off x="0" y="0"/>
+          <a:ext cx="0" cy="0"/>
+          <a:chOff x="0" y="0"/>
+          <a:chExt cx="0" cy="0"/>
+        </a:xfrm>
+      </p:grpSpPr>
+      <p:sp>
+        <p:nvSpPr>
+          <p:cNvPr id="7" name="Slide Number Placeholder 3"/>
+          <p:cNvSpPr>
+            <a:spLocks noGrp="1"/>
+          </p:cNvSpPr>
+          <p:nvPr>
+            <p:ph type="sldNum" sz="quarter" idx="4294967295"/>
+          </p:nvPr>
+        </p:nvSpPr>
+        <p:spPr>
+          <a:xfrm>
+            <a:off x="11568000" y="6525003"/>
+            <a:ext cx="428822" cy="196477"/>
+          </a:xfrm>
+          <a:prstGeom prst="rect">
+            <a:avLst/>
+          </a:prstGeom>
+        </p:spPr>
+        <p:txBody>
+          <a:bodyPr/>
+          <a:lstStyle/>
+          <a:p>
+            <a:pPr>
+              <a:defRPr/>
+            </a:pPr>
+            <a:fld id="{58452FF4-89E3-4D1B-9927-2DBDC00E58D7}" type="slidenum">
+              <a:rPr lang="en-US" smtClean="0"/>
+              <a:pPr>
+                <a:defRPr/>
+              </a:pPr>
+              <a:t>15</a:t>
+            </a:fld>
+            <a:endParaRPr lang="en-US" dirty="0"/>
+          </a:p>
+        </p:txBody>
+      </p:sp>
+      <p:sp>
+        <p:nvSpPr>
+          <p:cNvPr id="4" name="Title 3"/>
+          <p:cNvSpPr>
+            <a:spLocks noGrp="1"/>
+          </p:cNvSpPr>
+          <p:nvPr>
+            <p:ph type="title"/>
+          </p:nvPr>
+        </p:nvSpPr>
+        <p:spPr/>
+        <p:txBody>
+          <a:bodyPr/>
+          <a:lstStyle/>
+          <a:p>
+            <a:pPr>
+              <a:lnSpc>
+                <a:spcPct val="100000"/>
+              </a:lnSpc>
+            </a:pPr>
+            <a:r>
+              <a:rPr lang="en-US" dirty="0"/>
+              <a:t>Mobile technologies</a:t>
+            </a:r>
+            <a:endParaRPr lang="pt-BR" dirty="0"/>
+          </a:p>
+        </p:txBody>
+      </p:sp>
+      <p:pic>
+        <p:nvPicPr>
+          <p:cNvPr id="6" name="Picture 5">
+            <a:extLst>
+              <a:ext uri="{FF2B5EF4-FFF2-40B4-BE49-F238E27FC236}">
+                <a16:creationId xmlns:a16="http://schemas.microsoft.com/office/drawing/2014/main" id="{581DDE60-7D48-4BCE-A602-D62D381876A0}"/>
+              </a:ext>
+            </a:extLst>
+          </p:cNvPr>
+          <p:cNvPicPr>
+            <a:picLocks noChangeAspect="1"/>
+          </p:cNvPicPr>
+          <p:nvPr/>
+        </p:nvPicPr>
+        <p:blipFill>
+          <a:blip r:embed="rId2"/>
+          <a:stretch>
+            <a:fillRect/>
+          </a:stretch>
+        </p:blipFill>
+        <p:spPr>
+          <a:xfrm>
+            <a:off x="1883855" y="2097088"/>
+            <a:ext cx="8424290" cy="4017385"/>
+          </a:xfrm>
+          <a:prstGeom prst="rect">
+            <a:avLst/>
+          </a:prstGeom>
+          <a:ln>
+            <a:noFill/>
+          </a:ln>
+          <a:effectLst>
+            <a:outerShdw blurRad="190500" algn="tl" rotWithShape="0">
+              <a:srgbClr val="000000">
+                <a:alpha val="70000"/>
+              </a:srgbClr>
+            </a:outerShdw>
+          </a:effectLst>
+        </p:spPr>
+      </p:pic>
+    </p:spTree>
+    <p:extLst>
+      <p:ext uri="{BB962C8B-B14F-4D97-AF65-F5344CB8AC3E}">
+        <p14:creationId xmlns:p14="http://schemas.microsoft.com/office/powerpoint/2010/main" val="2492026263"/>
+      </p:ext>
+    </p:extLst>
+  </p:cSld>
+  <p:clrMapOvr>
+    <a:masterClrMapping/>
+  </p:clrMapOvr>
+</p:sld>
+</file>
+
+<file path=ppt/slides/slide16.xml><?xml version="1.0" encoding="utf-8"?>
+<p:sld xmlns:a="http://schemas.openxmlformats.org/drawingml/2006/main" xmlns:r="http://schemas.openxmlformats.org/officeDocument/2006/relationships" xmlns:p="http://schemas.openxmlformats.org/presentationml/2006/main">
+  <p:cSld>
+    <p:spTree>
+      <p:nvGrpSpPr>
+        <p:cNvPr id="1" name=""/>
+        <p:cNvGrpSpPr/>
+        <p:nvPr/>
+      </p:nvGrpSpPr>
+      <p:grpSpPr>
+        <a:xfrm>
+          <a:off x="0" y="0"/>
+          <a:ext cx="0" cy="0"/>
+          <a:chOff x="0" y="0"/>
+          <a:chExt cx="0" cy="0"/>
+        </a:xfrm>
+      </p:grpSpPr>
       <p:pic>
         <p:nvPicPr>
           <p:cNvPr id="1026" name="Picture 2" descr="A Primer on Cloud Computing. Cloud computing is defined as: | by Colin  Baird | Medium">
@@ -13545,7 +13905,7 @@
 </p:sld>
 </file>
 
-<file path=ppt/slides/slide15.xml><?xml version="1.0" encoding="utf-8"?>
+<file path=ppt/slides/slide17.xml><?xml version="1.0" encoding="utf-8"?>
 <p:sld xmlns:a="http://schemas.openxmlformats.org/drawingml/2006/main" xmlns:r="http://schemas.openxmlformats.org/officeDocument/2006/relationships" xmlns:p="http://schemas.openxmlformats.org/presentationml/2006/main">
   <p:cSld>
     <p:spTree>
@@ -14453,7 +14813,7 @@
 </p:sld>
 </file>
 
-<file path=ppt/slides/slide16.xml><?xml version="1.0" encoding="utf-8"?>
+<file path=ppt/slides/slide18.xml><?xml version="1.0" encoding="utf-8"?>
 <p:sld xmlns:a="http://schemas.openxmlformats.org/drawingml/2006/main" xmlns:r="http://schemas.openxmlformats.org/officeDocument/2006/relationships" xmlns:p="http://schemas.openxmlformats.org/presentationml/2006/main">
   <p:cSld>
     <p:spTree>
@@ -14513,7 +14873,7 @@
 </p:sld>
 </file>
 
-<file path=ppt/slides/slide17.xml><?xml version="1.0" encoding="utf-8"?>
+<file path=ppt/slides/slide19.xml><?xml version="1.0" encoding="utf-8"?>
 <p:sld xmlns:a="http://schemas.openxmlformats.org/drawingml/2006/main" xmlns:r="http://schemas.openxmlformats.org/officeDocument/2006/relationships" xmlns:p="http://schemas.openxmlformats.org/presentationml/2006/main">
   <p:cSld>
     <p:spTree>
@@ -14593,7 +14953,435 @@
 </p:sld>
 </file>
 
-<file path=ppt/slides/slide18.xml><?xml version="1.0" encoding="utf-8"?>
+<file path=ppt/slides/slide2.xml><?xml version="1.0" encoding="utf-8"?>
+<p:sld xmlns:a="http://schemas.openxmlformats.org/drawingml/2006/main" xmlns:r="http://schemas.openxmlformats.org/officeDocument/2006/relationships" xmlns:p="http://schemas.openxmlformats.org/presentationml/2006/main">
+  <p:cSld>
+    <p:spTree>
+      <p:nvGrpSpPr>
+        <p:cNvPr id="1" name=""/>
+        <p:cNvGrpSpPr/>
+        <p:nvPr/>
+      </p:nvGrpSpPr>
+      <p:grpSpPr>
+        <a:xfrm>
+          <a:off x="0" y="0"/>
+          <a:ext cx="0" cy="0"/>
+          <a:chOff x="0" y="0"/>
+          <a:chExt cx="0" cy="0"/>
+        </a:xfrm>
+      </p:grpSpPr>
+      <p:sp>
+        <p:nvSpPr>
+          <p:cNvPr id="2" name="Title 1">
+            <a:extLst>
+              <a:ext uri="{FF2B5EF4-FFF2-40B4-BE49-F238E27FC236}">
+                <a16:creationId xmlns:a16="http://schemas.microsoft.com/office/drawing/2014/main" id="{33F8A824-3E67-469B-A206-F67944C08E55}"/>
+              </a:ext>
+            </a:extLst>
+          </p:cNvPr>
+          <p:cNvSpPr>
+            <a:spLocks noGrp="1"/>
+          </p:cNvSpPr>
+          <p:nvPr>
+            <p:ph type="title"/>
+          </p:nvPr>
+        </p:nvSpPr>
+        <p:spPr>
+          <a:xfrm>
+            <a:off x="1141411" y="328474"/>
+            <a:ext cx="9905998" cy="1478570"/>
+          </a:xfrm>
+        </p:spPr>
+        <p:txBody>
+          <a:bodyPr/>
+          <a:lstStyle/>
+          <a:p>
+            <a:pPr algn="ctr"/>
+            <a:r>
+              <a:rPr lang="bg-BG" dirty="0"/>
+              <a:t>Сървър</a:t>
+            </a:r>
+            <a:endParaRPr lang="en-US" dirty="0"/>
+          </a:p>
+        </p:txBody>
+      </p:sp>
+      <p:sp>
+        <p:nvSpPr>
+          <p:cNvPr id="3" name="Content Placeholder 2">
+            <a:extLst>
+              <a:ext uri="{FF2B5EF4-FFF2-40B4-BE49-F238E27FC236}">
+                <a16:creationId xmlns:a16="http://schemas.microsoft.com/office/drawing/2014/main" id="{21C30E7F-A16A-4BAA-B430-1F6FFDA99FC2}"/>
+              </a:ext>
+            </a:extLst>
+          </p:cNvPr>
+          <p:cNvSpPr>
+            <a:spLocks noGrp="1"/>
+          </p:cNvSpPr>
+          <p:nvPr>
+            <p:ph idx="1"/>
+          </p:nvPr>
+        </p:nvSpPr>
+        <p:spPr>
+          <a:xfrm>
+            <a:off x="1141410" y="1501805"/>
+            <a:ext cx="9905999" cy="4876801"/>
+          </a:xfrm>
+        </p:spPr>
+        <p:txBody>
+          <a:bodyPr/>
+          <a:lstStyle/>
+          <a:p>
+            <a:r>
+              <a:rPr lang="en-US" dirty="0"/>
+              <a:t>K</a:t>
+            </a:r>
+            <a:r>
+              <a:rPr lang="ru-RU" dirty="0" err="1"/>
+              <a:t>омпютър</a:t>
+            </a:r>
+            <a:r>
+              <a:rPr lang="ru-RU" dirty="0"/>
+              <a:t>, </a:t>
+            </a:r>
+            <a:r>
+              <a:rPr lang="ru-RU" dirty="0" err="1"/>
+              <a:t>стартиращ</a:t>
+            </a:r>
+            <a:r>
+              <a:rPr lang="ru-RU" dirty="0"/>
+              <a:t> </a:t>
+            </a:r>
+            <a:r>
+              <a:rPr lang="ru-RU" dirty="0" err="1"/>
+              <a:t>сървърен</a:t>
+            </a:r>
+            <a:r>
+              <a:rPr lang="ru-RU" dirty="0"/>
+              <a:t> </a:t>
+            </a:r>
+            <a:r>
+              <a:rPr lang="ru-RU" dirty="0" err="1"/>
+              <a:t>софтуер</a:t>
+            </a:r>
+            <a:r>
+              <a:rPr lang="ru-RU" dirty="0"/>
+              <a:t> </a:t>
+            </a:r>
+            <a:r>
+              <a:rPr lang="ru-RU" dirty="0" err="1"/>
+              <a:t>предоставящ</a:t>
+            </a:r>
+            <a:r>
+              <a:rPr lang="ru-RU" dirty="0"/>
+              <a:t> услуги </a:t>
+            </a:r>
+            <a:r>
+              <a:rPr lang="ru-RU" dirty="0" err="1"/>
+              <a:t>като</a:t>
+            </a:r>
+            <a:r>
+              <a:rPr lang="ru-RU" dirty="0"/>
+              <a:t> например хост</a:t>
+            </a:r>
+            <a:r>
+              <a:rPr lang="en-US" dirty="0"/>
+              <a:t> (</a:t>
+            </a:r>
+            <a:r>
+              <a:rPr lang="ru-RU" u="sng" dirty="0" err="1"/>
+              <a:t>предлага</a:t>
+            </a:r>
+            <a:r>
+              <a:rPr lang="ru-RU" u="sng" dirty="0"/>
+              <a:t> </a:t>
+            </a:r>
+            <a:r>
+              <a:rPr lang="ru-RU" u="sng" dirty="0" err="1"/>
+              <a:t>информационни</a:t>
+            </a:r>
+            <a:r>
+              <a:rPr lang="ru-RU" u="sng" dirty="0"/>
+              <a:t> </a:t>
+            </a:r>
+            <a:r>
+              <a:rPr lang="ru-RU" u="sng" dirty="0" err="1"/>
+              <a:t>ресурси</a:t>
+            </a:r>
+            <a:r>
+              <a:rPr lang="ru-RU" u="sng" dirty="0"/>
+              <a:t> </a:t>
+            </a:r>
+            <a:r>
+              <a:rPr lang="en-US" u="sng" dirty="0"/>
+              <a:t>(HTML,</a:t>
+            </a:r>
+            <a:r>
+              <a:rPr lang="bg-BG" u="sng" dirty="0" err="1"/>
+              <a:t>снимки,текст</a:t>
+            </a:r>
+            <a:r>
+              <a:rPr lang="bg-BG" u="sng" dirty="0"/>
+              <a:t> и много други)</a:t>
+            </a:r>
+            <a:r>
+              <a:rPr lang="en-US" u="sng" dirty="0"/>
+              <a:t> </a:t>
+            </a:r>
+            <a:r>
+              <a:rPr lang="ru-RU" u="sng" dirty="0"/>
+              <a:t>за потребители</a:t>
+            </a:r>
+            <a:r>
+              <a:rPr lang="en-US" u="sng" dirty="0"/>
+              <a:t> </a:t>
+            </a:r>
+            <a:r>
+              <a:rPr lang="bg-BG" u="sng" dirty="0"/>
+              <a:t>в интернет</a:t>
+            </a:r>
+            <a:r>
+              <a:rPr lang="en-US" dirty="0"/>
+              <a:t>);</a:t>
+            </a:r>
+            <a:endParaRPr lang="ru-RU" dirty="0"/>
+          </a:p>
+          <a:p>
+            <a:r>
+              <a:rPr lang="ru-RU" dirty="0" err="1"/>
+              <a:t>Компютърна</a:t>
+            </a:r>
+            <a:r>
+              <a:rPr lang="ru-RU" dirty="0"/>
+              <a:t> </a:t>
+            </a:r>
+            <a:r>
+              <a:rPr lang="ru-RU" dirty="0" err="1"/>
+              <a:t>програма</a:t>
+            </a:r>
+            <a:r>
+              <a:rPr lang="ru-RU" dirty="0"/>
+              <a:t>, </a:t>
+            </a:r>
+            <a:r>
+              <a:rPr lang="ru-RU" dirty="0" err="1"/>
+              <a:t>която</a:t>
+            </a:r>
+            <a:r>
+              <a:rPr lang="ru-RU" dirty="0"/>
+              <a:t> </a:t>
+            </a:r>
+            <a:r>
+              <a:rPr lang="ru-RU" dirty="0" err="1"/>
+              <a:t>стартира</a:t>
+            </a:r>
+            <a:r>
+              <a:rPr lang="ru-RU" dirty="0"/>
+              <a:t> </a:t>
+            </a:r>
+            <a:r>
+              <a:rPr lang="ru-RU" dirty="0" err="1"/>
+              <a:t>като</a:t>
+            </a:r>
+            <a:r>
+              <a:rPr lang="ru-RU" dirty="0"/>
+              <a:t> услуга, </a:t>
+            </a:r>
+            <a:r>
+              <a:rPr lang="ru-RU" dirty="0" err="1"/>
+              <a:t>която</a:t>
+            </a:r>
+            <a:r>
+              <a:rPr lang="ru-RU" dirty="0"/>
+              <a:t> </a:t>
+            </a:r>
+            <a:r>
+              <a:rPr lang="ru-RU" dirty="0" err="1"/>
+              <a:t>обслужва</a:t>
+            </a:r>
+            <a:r>
+              <a:rPr lang="ru-RU" dirty="0"/>
+              <a:t> заявки на </a:t>
+            </a:r>
+            <a:r>
+              <a:rPr lang="ru-RU" dirty="0" err="1"/>
+              <a:t>други</a:t>
+            </a:r>
+            <a:r>
+              <a:rPr lang="ru-RU" dirty="0"/>
+              <a:t> </a:t>
+            </a:r>
+            <a:r>
+              <a:rPr lang="ru-RU" dirty="0" err="1"/>
+              <a:t>програми</a:t>
+            </a:r>
+            <a:r>
+              <a:rPr lang="ru-RU" dirty="0"/>
+              <a:t> („</a:t>
+            </a:r>
+            <a:r>
+              <a:rPr lang="ru-RU" dirty="0" err="1"/>
+              <a:t>клиенти</a:t>
+            </a:r>
+            <a:r>
+              <a:rPr lang="ru-RU" dirty="0"/>
+              <a:t>“). </a:t>
+            </a:r>
+            <a:r>
+              <a:rPr lang="bg-BG" dirty="0"/>
+              <a:t>Той</a:t>
+            </a:r>
+            <a:r>
+              <a:rPr lang="en-US" dirty="0"/>
+              <a:t> </a:t>
+            </a:r>
+            <a:r>
+              <a:rPr lang="ru-RU" dirty="0" err="1"/>
+              <a:t>слуша</a:t>
+            </a:r>
+            <a:r>
+              <a:rPr lang="ru-RU" dirty="0"/>
+              <a:t> за заявки (</a:t>
+            </a:r>
+            <a:r>
+              <a:rPr lang="ru-RU" dirty="0" err="1"/>
+              <a:t>request</a:t>
+            </a:r>
+            <a:r>
+              <a:rPr lang="ru-RU" dirty="0"/>
+              <a:t>) и </a:t>
+            </a:r>
+            <a:r>
+              <a:rPr lang="ru-RU" dirty="0" err="1"/>
+              <a:t>връща</a:t>
+            </a:r>
+            <a:r>
+              <a:rPr lang="ru-RU" dirty="0"/>
+              <a:t> отговор (</a:t>
+            </a:r>
+            <a:r>
+              <a:rPr lang="ru-RU" dirty="0" err="1"/>
+              <a:t>response</a:t>
+            </a:r>
+            <a:r>
+              <a:rPr lang="ru-RU" dirty="0"/>
+              <a:t>), </a:t>
+            </a:r>
+            <a:r>
+              <a:rPr lang="ru-RU" dirty="0" err="1"/>
+              <a:t>като</a:t>
+            </a:r>
+            <a:r>
+              <a:rPr lang="ru-RU" dirty="0"/>
+              <a:t> и </a:t>
+            </a:r>
+            <a:r>
+              <a:rPr lang="ru-RU" dirty="0" err="1"/>
+              <a:t>двете</a:t>
+            </a:r>
+            <a:r>
+              <a:rPr lang="ru-RU" dirty="0"/>
+              <a:t> операции </a:t>
+            </a:r>
+            <a:r>
+              <a:rPr lang="ru-RU" dirty="0" err="1"/>
+              <a:t>са</a:t>
+            </a:r>
+            <a:r>
+              <a:rPr lang="ru-RU" dirty="0"/>
+              <a:t> по </a:t>
+            </a:r>
+            <a:r>
+              <a:rPr lang="ru-RU" dirty="0" err="1"/>
+              <a:t>предварително</a:t>
+            </a:r>
+            <a:r>
+              <a:rPr lang="ru-RU" dirty="0"/>
+              <a:t> </a:t>
+            </a:r>
+            <a:r>
+              <a:rPr lang="ru-RU" dirty="0" err="1"/>
+              <a:t>зададен</a:t>
+            </a:r>
+            <a:r>
+              <a:rPr lang="ru-RU" dirty="0"/>
+              <a:t> протокол</a:t>
+            </a:r>
+            <a:r>
+              <a:rPr lang="en-US" dirty="0"/>
+              <a:t>;</a:t>
+            </a:r>
+            <a:endParaRPr lang="ru-RU" dirty="0"/>
+          </a:p>
+          <a:p>
+            <a:r>
+              <a:rPr lang="bg-BG" dirty="0"/>
+              <a:t>Завършена софтуерна система </a:t>
+            </a:r>
+            <a:r>
+              <a:rPr lang="ru-RU" dirty="0"/>
+              <a:t>например </a:t>
+            </a:r>
+            <a:r>
+              <a:rPr lang="ru-RU" dirty="0" err="1"/>
+              <a:t>сървър</a:t>
+            </a:r>
+            <a:r>
+              <a:rPr lang="ru-RU" dirty="0"/>
+              <a:t> база </a:t>
+            </a:r>
+            <a:r>
+              <a:rPr lang="ru-RU" dirty="0" err="1"/>
+              <a:t>данни</a:t>
+            </a:r>
+            <a:r>
+              <a:rPr lang="ru-RU" dirty="0"/>
+              <a:t>, файлов </a:t>
+            </a:r>
+            <a:r>
+              <a:rPr lang="ru-RU" dirty="0" err="1"/>
+              <a:t>сървър</a:t>
+            </a:r>
+            <a:r>
+              <a:rPr lang="ru-RU" dirty="0"/>
+              <a:t>, </a:t>
+            </a:r>
+            <a:r>
+              <a:rPr lang="ru-RU" dirty="0" err="1"/>
+              <a:t>mail</a:t>
+            </a:r>
+            <a:r>
+              <a:rPr lang="ru-RU" dirty="0"/>
+              <a:t> </a:t>
+            </a:r>
+            <a:r>
+              <a:rPr lang="ru-RU" dirty="0" err="1"/>
+              <a:t>сървър</a:t>
+            </a:r>
+            <a:r>
+              <a:rPr lang="ru-RU" dirty="0"/>
+              <a:t>;</a:t>
+            </a:r>
+            <a:endParaRPr lang="en-US" dirty="0"/>
+          </a:p>
+          <a:p>
+            <a:endParaRPr lang="en-US" dirty="0"/>
+          </a:p>
+        </p:txBody>
+      </p:sp>
+    </p:spTree>
+    <p:extLst>
+      <p:ext uri="{BB962C8B-B14F-4D97-AF65-F5344CB8AC3E}">
+        <p14:creationId xmlns:p14="http://schemas.microsoft.com/office/powerpoint/2010/main" val="2112608690"/>
+      </p:ext>
+    </p:extLst>
+  </p:cSld>
+  <p:clrMapOvr>
+    <a:masterClrMapping/>
+  </p:clrMapOvr>
+</p:sld>
+</file>
+
+<file path=ppt/slides/slide20.xml><?xml version="1.0" encoding="utf-8"?>
 <p:sld xmlns:a="http://schemas.openxmlformats.org/drawingml/2006/main" xmlns:r="http://schemas.openxmlformats.org/officeDocument/2006/relationships" xmlns:p="http://schemas.openxmlformats.org/presentationml/2006/main">
   <p:cSld>
     <p:spTree>
@@ -14641,7 +15429,7 @@
               <a:pPr>
                 <a:defRPr/>
               </a:pPr>
-              <a:t>18</a:t>
+              <a:t>20</a:t>
             </a:fld>
             <a:endParaRPr lang="en-US" dirty="0"/>
           </a:p>
@@ -14854,881 +15642,6 @@
 </p:sld>
 </file>
 
-<file path=ppt/slides/slide19.xml><?xml version="1.0" encoding="utf-8"?>
-<p:sld xmlns:a="http://schemas.openxmlformats.org/drawingml/2006/main" xmlns:r="http://schemas.openxmlformats.org/officeDocument/2006/relationships" xmlns:p="http://schemas.openxmlformats.org/presentationml/2006/main">
-  <p:cSld>
-    <p:spTree>
-      <p:nvGrpSpPr>
-        <p:cNvPr id="1" name=""/>
-        <p:cNvGrpSpPr/>
-        <p:nvPr/>
-      </p:nvGrpSpPr>
-      <p:grpSpPr>
-        <a:xfrm>
-          <a:off x="0" y="0"/>
-          <a:ext cx="0" cy="0"/>
-          <a:chOff x="0" y="0"/>
-          <a:chExt cx="0" cy="0"/>
-        </a:xfrm>
-      </p:grpSpPr>
-      <p:sp>
-        <p:nvSpPr>
-          <p:cNvPr id="7" name="Slide Number Placeholder 3"/>
-          <p:cNvSpPr>
-            <a:spLocks noGrp="1"/>
-          </p:cNvSpPr>
-          <p:nvPr>
-            <p:ph type="sldNum" sz="quarter" idx="4294967295"/>
-          </p:nvPr>
-        </p:nvSpPr>
-        <p:spPr>
-          <a:xfrm>
-            <a:off x="11568000" y="6525003"/>
-            <a:ext cx="428822" cy="196477"/>
-          </a:xfrm>
-          <a:prstGeom prst="rect">
-            <a:avLst/>
-          </a:prstGeom>
-        </p:spPr>
-        <p:txBody>
-          <a:bodyPr/>
-          <a:lstStyle/>
-          <a:p>
-            <a:pPr>
-              <a:defRPr/>
-            </a:pPr>
-            <a:fld id="{58452FF4-89E3-4D1B-9927-2DBDC00E58D7}" type="slidenum">
-              <a:rPr lang="en-US" smtClean="0"/>
-              <a:pPr>
-                <a:defRPr/>
-              </a:pPr>
-              <a:t>19</a:t>
-            </a:fld>
-            <a:endParaRPr lang="en-US" dirty="0"/>
-          </a:p>
-        </p:txBody>
-      </p:sp>
-      <p:sp>
-        <p:nvSpPr>
-          <p:cNvPr id="5" name="Content Placeholder 4"/>
-          <p:cNvSpPr>
-            <a:spLocks noGrp="1"/>
-          </p:cNvSpPr>
-          <p:nvPr>
-            <p:ph idx="1"/>
-          </p:nvPr>
-        </p:nvSpPr>
-        <p:spPr>
-          <a:xfrm>
-            <a:off x="1141413" y="1712549"/>
-            <a:ext cx="11696797" cy="5458202"/>
-          </a:xfrm>
-        </p:spPr>
-        <p:txBody>
-          <a:bodyPr>
-            <a:normAutofit/>
-          </a:bodyPr>
-          <a:lstStyle/>
-          <a:p>
-            <a:pPr>
-              <a:lnSpc>
-                <a:spcPct val="100000"/>
-              </a:lnSpc>
-            </a:pPr>
-            <a:r>
-              <a:rPr lang="en-US" dirty="0"/>
-              <a:t>Docker is lightweight, open, secure</a:t>
-            </a:r>
-          </a:p>
-          <a:p>
-            <a:pPr>
-              <a:lnSpc>
-                <a:spcPct val="100000"/>
-              </a:lnSpc>
-            </a:pPr>
-            <a:r>
-              <a:rPr lang="en-US" dirty="0"/>
-              <a:t>It simplifies building, shipping, and running applications</a:t>
-            </a:r>
-          </a:p>
-          <a:p>
-            <a:pPr lvl="1">
-              <a:lnSpc>
-                <a:spcPct val="100000"/>
-              </a:lnSpc>
-            </a:pPr>
-            <a:r>
-              <a:rPr lang="en-US" dirty="0"/>
-              <a:t>On different environments</a:t>
-            </a:r>
-          </a:p>
-          <a:p>
-            <a:pPr>
-              <a:lnSpc>
-                <a:spcPct val="100000"/>
-              </a:lnSpc>
-            </a:pPr>
-            <a:r>
-              <a:rPr lang="en-US" dirty="0"/>
-              <a:t>Runs natively on Linux or Windows servers</a:t>
-            </a:r>
-          </a:p>
-          <a:p>
-            <a:pPr>
-              <a:lnSpc>
-                <a:spcPct val="100000"/>
-              </a:lnSpc>
-            </a:pPr>
-            <a:r>
-              <a:rPr lang="en-US" dirty="0"/>
-              <a:t>Runs on Windows or Mac development machines</a:t>
-            </a:r>
-          </a:p>
-          <a:p>
-            <a:pPr>
-              <a:lnSpc>
-                <a:spcPct val="100000"/>
-              </a:lnSpc>
-            </a:pPr>
-            <a:r>
-              <a:rPr lang="en-US" dirty="0"/>
-              <a:t>Relies on "images" and "containers"</a:t>
-            </a:r>
-          </a:p>
-          <a:p>
-            <a:pPr>
-              <a:lnSpc>
-                <a:spcPct val="100000"/>
-              </a:lnSpc>
-            </a:pPr>
-            <a:r>
-              <a:rPr lang="en-US" dirty="0"/>
-              <a:t>The playground is a good starting point:</a:t>
-            </a:r>
-          </a:p>
-          <a:p>
-            <a:pPr lvl="1">
-              <a:lnSpc>
-                <a:spcPct val="100000"/>
-              </a:lnSpc>
-            </a:pPr>
-            <a:r>
-              <a:rPr lang="en-GB" dirty="0">
-                <a:hlinkClick r:id="rId2"/>
-              </a:rPr>
-              <a:t>https://www.docker.com/play-with-docker</a:t>
-            </a:r>
-            <a:endParaRPr lang="en-US" dirty="0"/>
-          </a:p>
-        </p:txBody>
-      </p:sp>
-      <p:sp>
-        <p:nvSpPr>
-          <p:cNvPr id="4" name="Title 3"/>
-          <p:cNvSpPr>
-            <a:spLocks noGrp="1"/>
-          </p:cNvSpPr>
-          <p:nvPr>
-            <p:ph type="title"/>
-          </p:nvPr>
-        </p:nvSpPr>
-        <p:spPr/>
-        <p:txBody>
-          <a:bodyPr/>
-          <a:lstStyle/>
-          <a:p>
-            <a:r>
-              <a:rPr lang="en-US" dirty="0"/>
-              <a:t>What is docker?</a:t>
-            </a:r>
-          </a:p>
-        </p:txBody>
-      </p:sp>
-    </p:spTree>
-    <p:extLst>
-      <p:ext uri="{BB962C8B-B14F-4D97-AF65-F5344CB8AC3E}">
-        <p14:creationId xmlns:p14="http://schemas.microsoft.com/office/powerpoint/2010/main" val="2315132730"/>
-      </p:ext>
-    </p:extLst>
-  </p:cSld>
-  <p:clrMapOvr>
-    <a:masterClrMapping/>
-  </p:clrMapOvr>
-</p:sld>
-</file>
-
-<file path=ppt/slides/slide2.xml><?xml version="1.0" encoding="utf-8"?>
-<p:sld xmlns:a="http://schemas.openxmlformats.org/drawingml/2006/main" xmlns:r="http://schemas.openxmlformats.org/officeDocument/2006/relationships" xmlns:p="http://schemas.openxmlformats.org/presentationml/2006/main">
-  <p:cSld>
-    <p:spTree>
-      <p:nvGrpSpPr>
-        <p:cNvPr id="1" name=""/>
-        <p:cNvGrpSpPr/>
-        <p:nvPr/>
-      </p:nvGrpSpPr>
-      <p:grpSpPr>
-        <a:xfrm>
-          <a:off x="0" y="0"/>
-          <a:ext cx="0" cy="0"/>
-          <a:chOff x="0" y="0"/>
-          <a:chExt cx="0" cy="0"/>
-        </a:xfrm>
-      </p:grpSpPr>
-      <p:sp>
-        <p:nvSpPr>
-          <p:cNvPr id="2" name="Title 1">
-            <a:extLst>
-              <a:ext uri="{FF2B5EF4-FFF2-40B4-BE49-F238E27FC236}">
-                <a16:creationId xmlns:a16="http://schemas.microsoft.com/office/drawing/2014/main" id="{33F8A824-3E67-469B-A206-F67944C08E55}"/>
-              </a:ext>
-            </a:extLst>
-          </p:cNvPr>
-          <p:cNvSpPr>
-            <a:spLocks noGrp="1"/>
-          </p:cNvSpPr>
-          <p:nvPr>
-            <p:ph type="title"/>
-          </p:nvPr>
-        </p:nvSpPr>
-        <p:spPr>
-          <a:xfrm>
-            <a:off x="1141411" y="328474"/>
-            <a:ext cx="9905998" cy="1478570"/>
-          </a:xfrm>
-        </p:spPr>
-        <p:txBody>
-          <a:bodyPr/>
-          <a:lstStyle/>
-          <a:p>
-            <a:pPr algn="ctr"/>
-            <a:r>
-              <a:rPr lang="bg-BG" dirty="0"/>
-              <a:t>Сървър</a:t>
-            </a:r>
-            <a:endParaRPr lang="en-US" dirty="0"/>
-          </a:p>
-        </p:txBody>
-      </p:sp>
-      <p:sp>
-        <p:nvSpPr>
-          <p:cNvPr id="3" name="Content Placeholder 2">
-            <a:extLst>
-              <a:ext uri="{FF2B5EF4-FFF2-40B4-BE49-F238E27FC236}">
-                <a16:creationId xmlns:a16="http://schemas.microsoft.com/office/drawing/2014/main" id="{21C30E7F-A16A-4BAA-B430-1F6FFDA99FC2}"/>
-              </a:ext>
-            </a:extLst>
-          </p:cNvPr>
-          <p:cNvSpPr>
-            <a:spLocks noGrp="1"/>
-          </p:cNvSpPr>
-          <p:nvPr>
-            <p:ph idx="1"/>
-          </p:nvPr>
-        </p:nvSpPr>
-        <p:spPr>
-          <a:xfrm>
-            <a:off x="1141410" y="1501805"/>
-            <a:ext cx="9905999" cy="4876801"/>
-          </a:xfrm>
-        </p:spPr>
-        <p:txBody>
-          <a:bodyPr/>
-          <a:lstStyle/>
-          <a:p>
-            <a:r>
-              <a:rPr lang="en-US" dirty="0"/>
-              <a:t>K</a:t>
-            </a:r>
-            <a:r>
-              <a:rPr lang="ru-RU" dirty="0" err="1"/>
-              <a:t>омпютър</a:t>
-            </a:r>
-            <a:r>
-              <a:rPr lang="ru-RU" dirty="0"/>
-              <a:t>, </a:t>
-            </a:r>
-            <a:r>
-              <a:rPr lang="ru-RU" dirty="0" err="1"/>
-              <a:t>стартиращ</a:t>
-            </a:r>
-            <a:r>
-              <a:rPr lang="ru-RU" dirty="0"/>
-              <a:t> </a:t>
-            </a:r>
-            <a:r>
-              <a:rPr lang="ru-RU" dirty="0" err="1"/>
-              <a:t>сървърен</a:t>
-            </a:r>
-            <a:r>
-              <a:rPr lang="ru-RU" dirty="0"/>
-              <a:t> </a:t>
-            </a:r>
-            <a:r>
-              <a:rPr lang="ru-RU" dirty="0" err="1"/>
-              <a:t>софтуер</a:t>
-            </a:r>
-            <a:r>
-              <a:rPr lang="ru-RU" dirty="0"/>
-              <a:t> </a:t>
-            </a:r>
-            <a:r>
-              <a:rPr lang="ru-RU" dirty="0" err="1"/>
-              <a:t>предоставящ</a:t>
-            </a:r>
-            <a:r>
-              <a:rPr lang="ru-RU" dirty="0"/>
-              <a:t> услуги </a:t>
-            </a:r>
-            <a:r>
-              <a:rPr lang="ru-RU" dirty="0" err="1"/>
-              <a:t>като</a:t>
-            </a:r>
-            <a:r>
-              <a:rPr lang="ru-RU" dirty="0"/>
-              <a:t> например хост</a:t>
-            </a:r>
-            <a:r>
-              <a:rPr lang="en-US" dirty="0"/>
-              <a:t> (</a:t>
-            </a:r>
-            <a:r>
-              <a:rPr lang="ru-RU" u="sng" dirty="0" err="1"/>
-              <a:t>предлага</a:t>
-            </a:r>
-            <a:r>
-              <a:rPr lang="ru-RU" u="sng" dirty="0"/>
-              <a:t> </a:t>
-            </a:r>
-            <a:r>
-              <a:rPr lang="ru-RU" u="sng" dirty="0" err="1"/>
-              <a:t>информационни</a:t>
-            </a:r>
-            <a:r>
-              <a:rPr lang="ru-RU" u="sng" dirty="0"/>
-              <a:t> </a:t>
-            </a:r>
-            <a:r>
-              <a:rPr lang="ru-RU" u="sng" dirty="0" err="1"/>
-              <a:t>ресурси</a:t>
-            </a:r>
-            <a:r>
-              <a:rPr lang="ru-RU" u="sng" dirty="0"/>
-              <a:t> </a:t>
-            </a:r>
-            <a:r>
-              <a:rPr lang="en-US" u="sng" dirty="0"/>
-              <a:t>(HTML,</a:t>
-            </a:r>
-            <a:r>
-              <a:rPr lang="bg-BG" u="sng" dirty="0" err="1"/>
-              <a:t>снимки,текст</a:t>
-            </a:r>
-            <a:r>
-              <a:rPr lang="bg-BG" u="sng" dirty="0"/>
-              <a:t> и много други)</a:t>
-            </a:r>
-            <a:r>
-              <a:rPr lang="en-US" u="sng" dirty="0"/>
-              <a:t> </a:t>
-            </a:r>
-            <a:r>
-              <a:rPr lang="ru-RU" u="sng" dirty="0"/>
-              <a:t>за потребители</a:t>
-            </a:r>
-            <a:r>
-              <a:rPr lang="en-US" u="sng" dirty="0"/>
-              <a:t> </a:t>
-            </a:r>
-            <a:r>
-              <a:rPr lang="bg-BG" u="sng" dirty="0"/>
-              <a:t>в интернет</a:t>
-            </a:r>
-            <a:r>
-              <a:rPr lang="en-US" dirty="0"/>
-              <a:t>);</a:t>
-            </a:r>
-            <a:endParaRPr lang="ru-RU" dirty="0"/>
-          </a:p>
-          <a:p>
-            <a:r>
-              <a:rPr lang="ru-RU" dirty="0" err="1"/>
-              <a:t>Компютърна</a:t>
-            </a:r>
-            <a:r>
-              <a:rPr lang="ru-RU" dirty="0"/>
-              <a:t> </a:t>
-            </a:r>
-            <a:r>
-              <a:rPr lang="ru-RU" dirty="0" err="1"/>
-              <a:t>програма</a:t>
-            </a:r>
-            <a:r>
-              <a:rPr lang="ru-RU" dirty="0"/>
-              <a:t>, </a:t>
-            </a:r>
-            <a:r>
-              <a:rPr lang="ru-RU" dirty="0" err="1"/>
-              <a:t>която</a:t>
-            </a:r>
-            <a:r>
-              <a:rPr lang="ru-RU" dirty="0"/>
-              <a:t> </a:t>
-            </a:r>
-            <a:r>
-              <a:rPr lang="ru-RU" dirty="0" err="1"/>
-              <a:t>стартира</a:t>
-            </a:r>
-            <a:r>
-              <a:rPr lang="ru-RU" dirty="0"/>
-              <a:t> </a:t>
-            </a:r>
-            <a:r>
-              <a:rPr lang="ru-RU" dirty="0" err="1"/>
-              <a:t>като</a:t>
-            </a:r>
-            <a:r>
-              <a:rPr lang="ru-RU" dirty="0"/>
-              <a:t> услуга, </a:t>
-            </a:r>
-            <a:r>
-              <a:rPr lang="ru-RU" dirty="0" err="1"/>
-              <a:t>която</a:t>
-            </a:r>
-            <a:r>
-              <a:rPr lang="ru-RU" dirty="0"/>
-              <a:t> </a:t>
-            </a:r>
-            <a:r>
-              <a:rPr lang="ru-RU" dirty="0" err="1"/>
-              <a:t>обслужва</a:t>
-            </a:r>
-            <a:r>
-              <a:rPr lang="ru-RU" dirty="0"/>
-              <a:t> заявки на </a:t>
-            </a:r>
-            <a:r>
-              <a:rPr lang="ru-RU" dirty="0" err="1"/>
-              <a:t>други</a:t>
-            </a:r>
-            <a:r>
-              <a:rPr lang="ru-RU" dirty="0"/>
-              <a:t> </a:t>
-            </a:r>
-            <a:r>
-              <a:rPr lang="ru-RU" dirty="0" err="1"/>
-              <a:t>програми</a:t>
-            </a:r>
-            <a:r>
-              <a:rPr lang="ru-RU" dirty="0"/>
-              <a:t> („</a:t>
-            </a:r>
-            <a:r>
-              <a:rPr lang="ru-RU" dirty="0" err="1"/>
-              <a:t>клиенти</a:t>
-            </a:r>
-            <a:r>
-              <a:rPr lang="ru-RU" dirty="0"/>
-              <a:t>“). </a:t>
-            </a:r>
-            <a:r>
-              <a:rPr lang="bg-BG" dirty="0"/>
-              <a:t>Той</a:t>
-            </a:r>
-            <a:r>
-              <a:rPr lang="en-US" dirty="0"/>
-              <a:t> </a:t>
-            </a:r>
-            <a:r>
-              <a:rPr lang="ru-RU" dirty="0" err="1"/>
-              <a:t>слуша</a:t>
-            </a:r>
-            <a:r>
-              <a:rPr lang="ru-RU" dirty="0"/>
-              <a:t> за заявки (</a:t>
-            </a:r>
-            <a:r>
-              <a:rPr lang="ru-RU" dirty="0" err="1"/>
-              <a:t>request</a:t>
-            </a:r>
-            <a:r>
-              <a:rPr lang="ru-RU" dirty="0"/>
-              <a:t>) и </a:t>
-            </a:r>
-            <a:r>
-              <a:rPr lang="ru-RU" dirty="0" err="1"/>
-              <a:t>връща</a:t>
-            </a:r>
-            <a:r>
-              <a:rPr lang="ru-RU" dirty="0"/>
-              <a:t> отговор (</a:t>
-            </a:r>
-            <a:r>
-              <a:rPr lang="ru-RU" dirty="0" err="1"/>
-              <a:t>response</a:t>
-            </a:r>
-            <a:r>
-              <a:rPr lang="ru-RU" dirty="0"/>
-              <a:t>), </a:t>
-            </a:r>
-            <a:r>
-              <a:rPr lang="ru-RU" dirty="0" err="1"/>
-              <a:t>като</a:t>
-            </a:r>
-            <a:r>
-              <a:rPr lang="ru-RU" dirty="0"/>
-              <a:t> и </a:t>
-            </a:r>
-            <a:r>
-              <a:rPr lang="ru-RU" dirty="0" err="1"/>
-              <a:t>двете</a:t>
-            </a:r>
-            <a:r>
-              <a:rPr lang="ru-RU" dirty="0"/>
-              <a:t> операции </a:t>
-            </a:r>
-            <a:r>
-              <a:rPr lang="ru-RU" dirty="0" err="1"/>
-              <a:t>са</a:t>
-            </a:r>
-            <a:r>
-              <a:rPr lang="ru-RU" dirty="0"/>
-              <a:t> по </a:t>
-            </a:r>
-            <a:r>
-              <a:rPr lang="ru-RU" dirty="0" err="1"/>
-              <a:t>предварително</a:t>
-            </a:r>
-            <a:r>
-              <a:rPr lang="ru-RU" dirty="0"/>
-              <a:t> </a:t>
-            </a:r>
-            <a:r>
-              <a:rPr lang="ru-RU" dirty="0" err="1"/>
-              <a:t>зададен</a:t>
-            </a:r>
-            <a:r>
-              <a:rPr lang="ru-RU" dirty="0"/>
-              <a:t> протокол</a:t>
-            </a:r>
-            <a:r>
-              <a:rPr lang="en-US" dirty="0"/>
-              <a:t>;</a:t>
-            </a:r>
-            <a:endParaRPr lang="ru-RU" dirty="0"/>
-          </a:p>
-          <a:p>
-            <a:r>
-              <a:rPr lang="bg-BG" dirty="0"/>
-              <a:t>Завършена софтуерна система </a:t>
-            </a:r>
-            <a:r>
-              <a:rPr lang="ru-RU" dirty="0"/>
-              <a:t>например </a:t>
-            </a:r>
-            <a:r>
-              <a:rPr lang="ru-RU" dirty="0" err="1"/>
-              <a:t>сървър</a:t>
-            </a:r>
-            <a:r>
-              <a:rPr lang="ru-RU" dirty="0"/>
-              <a:t> база </a:t>
-            </a:r>
-            <a:r>
-              <a:rPr lang="ru-RU" dirty="0" err="1"/>
-              <a:t>данни</a:t>
-            </a:r>
-            <a:r>
-              <a:rPr lang="ru-RU" dirty="0"/>
-              <a:t>, файлов </a:t>
-            </a:r>
-            <a:r>
-              <a:rPr lang="ru-RU" dirty="0" err="1"/>
-              <a:t>сървър</a:t>
-            </a:r>
-            <a:r>
-              <a:rPr lang="ru-RU" dirty="0"/>
-              <a:t>, </a:t>
-            </a:r>
-            <a:r>
-              <a:rPr lang="ru-RU" dirty="0" err="1"/>
-              <a:t>mail</a:t>
-            </a:r>
-            <a:r>
-              <a:rPr lang="ru-RU" dirty="0"/>
-              <a:t> </a:t>
-            </a:r>
-            <a:r>
-              <a:rPr lang="ru-RU" dirty="0" err="1"/>
-              <a:t>сървър</a:t>
-            </a:r>
-            <a:r>
-              <a:rPr lang="ru-RU" dirty="0"/>
-              <a:t>;</a:t>
-            </a:r>
-            <a:endParaRPr lang="en-US" dirty="0"/>
-          </a:p>
-          <a:p>
-            <a:endParaRPr lang="en-US" dirty="0"/>
-          </a:p>
-        </p:txBody>
-      </p:sp>
-    </p:spTree>
-    <p:extLst>
-      <p:ext uri="{BB962C8B-B14F-4D97-AF65-F5344CB8AC3E}">
-        <p14:creationId xmlns:p14="http://schemas.microsoft.com/office/powerpoint/2010/main" val="2112608690"/>
-      </p:ext>
-    </p:extLst>
-  </p:cSld>
-  <p:clrMapOvr>
-    <a:masterClrMapping/>
-  </p:clrMapOvr>
-</p:sld>
-</file>
-
-<file path=ppt/slides/slide20.xml><?xml version="1.0" encoding="utf-8"?>
-<p:sld xmlns:a="http://schemas.openxmlformats.org/drawingml/2006/main" xmlns:r="http://schemas.openxmlformats.org/officeDocument/2006/relationships" xmlns:p="http://schemas.openxmlformats.org/presentationml/2006/main">
-  <p:cSld>
-    <p:spTree>
-      <p:nvGrpSpPr>
-        <p:cNvPr id="1" name=""/>
-        <p:cNvGrpSpPr/>
-        <p:nvPr/>
-      </p:nvGrpSpPr>
-      <p:grpSpPr>
-        <a:xfrm>
-          <a:off x="0" y="0"/>
-          <a:ext cx="0" cy="0"/>
-          <a:chOff x="0" y="0"/>
-          <a:chExt cx="0" cy="0"/>
-        </a:xfrm>
-      </p:grpSpPr>
-      <p:sp>
-        <p:nvSpPr>
-          <p:cNvPr id="7" name="Slide Number Placeholder 3"/>
-          <p:cNvSpPr>
-            <a:spLocks noGrp="1"/>
-          </p:cNvSpPr>
-          <p:nvPr>
-            <p:ph type="sldNum" sz="quarter" idx="4294967295"/>
-          </p:nvPr>
-        </p:nvSpPr>
-        <p:spPr>
-          <a:xfrm>
-            <a:off x="11568000" y="6525003"/>
-            <a:ext cx="428822" cy="196477"/>
-          </a:xfrm>
-          <a:prstGeom prst="rect">
-            <a:avLst/>
-          </a:prstGeom>
-        </p:spPr>
-        <p:txBody>
-          <a:bodyPr/>
-          <a:lstStyle/>
-          <a:p>
-            <a:pPr>
-              <a:defRPr/>
-            </a:pPr>
-            <a:fld id="{58452FF4-89E3-4D1B-9927-2DBDC00E58D7}" type="slidenum">
-              <a:rPr lang="en-US" smtClean="0"/>
-              <a:pPr>
-                <a:defRPr/>
-              </a:pPr>
-              <a:t>20</a:t>
-            </a:fld>
-            <a:endParaRPr lang="en-US" dirty="0"/>
-          </a:p>
-        </p:txBody>
-      </p:sp>
-      <p:sp>
-        <p:nvSpPr>
-          <p:cNvPr id="5" name="Content Placeholder 4"/>
-          <p:cNvSpPr>
-            <a:spLocks noGrp="1"/>
-          </p:cNvSpPr>
-          <p:nvPr>
-            <p:ph idx="1"/>
-          </p:nvPr>
-        </p:nvSpPr>
-        <p:spPr>
-          <a:xfrm>
-            <a:off x="1141413" y="1712549"/>
-            <a:ext cx="11696797" cy="5458202"/>
-          </a:xfrm>
-        </p:spPr>
-        <p:txBody>
-          <a:bodyPr>
-            <a:normAutofit/>
-          </a:bodyPr>
-          <a:lstStyle/>
-          <a:p>
-            <a:pPr>
-              <a:lnSpc>
-                <a:spcPct val="100000"/>
-              </a:lnSpc>
-            </a:pPr>
-            <a:r>
-              <a:rPr lang="en-US" dirty="0"/>
-              <a:t>Image</a:t>
-            </a:r>
-          </a:p>
-          <a:p>
-            <a:pPr lvl="1">
-              <a:lnSpc>
-                <a:spcPct val="100000"/>
-              </a:lnSpc>
-            </a:pPr>
-            <a:r>
-              <a:rPr lang="en-US" dirty="0"/>
-              <a:t>An image is just like a blueprint</a:t>
-            </a:r>
-          </a:p>
-          <a:p>
-            <a:pPr lvl="1">
-              <a:lnSpc>
-                <a:spcPct val="100000"/>
-              </a:lnSpc>
-            </a:pPr>
-            <a:r>
-              <a:rPr lang="en-US" dirty="0"/>
-              <a:t>A read-only template</a:t>
-            </a:r>
-          </a:p>
-          <a:p>
-            <a:pPr lvl="1">
-              <a:lnSpc>
-                <a:spcPct val="100000"/>
-              </a:lnSpc>
-            </a:pPr>
-            <a:r>
-              <a:rPr lang="en-US" dirty="0"/>
-              <a:t>Contains the building blocks of an application</a:t>
-            </a:r>
-          </a:p>
-          <a:p>
-            <a:pPr lvl="1">
-              <a:lnSpc>
-                <a:spcPct val="100000"/>
-              </a:lnSpc>
-            </a:pPr>
-            <a:r>
-              <a:rPr lang="en-US" dirty="0"/>
-              <a:t>Framework, dependencies and code are "described" here</a:t>
-            </a:r>
-          </a:p>
-          <a:p>
-            <a:pPr>
-              <a:lnSpc>
-                <a:spcPct val="100000"/>
-              </a:lnSpc>
-            </a:pPr>
-            <a:r>
-              <a:rPr lang="en-US" dirty="0"/>
-              <a:t>Container</a:t>
-            </a:r>
-          </a:p>
-          <a:p>
-            <a:pPr lvl="1">
-              <a:lnSpc>
-                <a:spcPct val="100000"/>
-              </a:lnSpc>
-            </a:pPr>
-            <a:r>
-              <a:rPr lang="en-US" dirty="0"/>
-              <a:t>Built from the image</a:t>
-            </a:r>
-          </a:p>
-          <a:p>
-            <a:pPr lvl="1">
-              <a:lnSpc>
-                <a:spcPct val="100000"/>
-              </a:lnSpc>
-            </a:pPr>
-            <a:r>
-              <a:rPr lang="en-US" dirty="0"/>
-              <a:t>It is the actual running environment for your application</a:t>
-            </a:r>
-          </a:p>
-          <a:p>
-            <a:pPr lvl="1">
-              <a:lnSpc>
-                <a:spcPct val="100000"/>
-              </a:lnSpc>
-            </a:pPr>
-            <a:r>
-              <a:rPr lang="en-US" dirty="0"/>
-              <a:t>Isolated and secured</a:t>
-            </a:r>
-          </a:p>
-          <a:p>
-            <a:pPr lvl="1">
-              <a:lnSpc>
-                <a:spcPct val="100000"/>
-              </a:lnSpc>
-            </a:pPr>
-            <a:r>
-              <a:rPr lang="en-US" dirty="0"/>
-              <a:t>It can be started, stopped, moved, and deleted</a:t>
-            </a:r>
-          </a:p>
-          <a:p>
-            <a:pPr lvl="1">
-              <a:lnSpc>
-                <a:spcPct val="100000"/>
-              </a:lnSpc>
-            </a:pPr>
-            <a:r>
-              <a:rPr lang="en-US" dirty="0"/>
-              <a:t>You create a container for your different application pieces</a:t>
-            </a:r>
-          </a:p>
-          <a:p>
-            <a:pPr lvl="2">
-              <a:lnSpc>
-                <a:spcPct val="100000"/>
-              </a:lnSpc>
-            </a:pPr>
-            <a:r>
-              <a:rPr lang="en-US" dirty="0"/>
-              <a:t>Database, Presentation, Caching, etc.</a:t>
-            </a:r>
-          </a:p>
-        </p:txBody>
-      </p:sp>
-      <p:sp>
-        <p:nvSpPr>
-          <p:cNvPr id="4" name="Title 3"/>
-          <p:cNvSpPr>
-            <a:spLocks noGrp="1"/>
-          </p:cNvSpPr>
-          <p:nvPr>
-            <p:ph type="title"/>
-          </p:nvPr>
-        </p:nvSpPr>
-        <p:spPr/>
-        <p:txBody>
-          <a:bodyPr/>
-          <a:lstStyle/>
-          <a:p>
-            <a:r>
-              <a:rPr lang="en-US" dirty="0"/>
-              <a:t>What is docker?</a:t>
-            </a:r>
-          </a:p>
-        </p:txBody>
-      </p:sp>
-    </p:spTree>
-    <p:extLst>
-      <p:ext uri="{BB962C8B-B14F-4D97-AF65-F5344CB8AC3E}">
-        <p14:creationId xmlns:p14="http://schemas.microsoft.com/office/powerpoint/2010/main" val="1280000100"/>
-      </p:ext>
-    </p:extLst>
-  </p:cSld>
-  <p:clrMapOvr>
-    <a:masterClrMapping/>
-  </p:clrMapOvr>
-</p:sld>
-</file>
-
 <file path=ppt/slides/slide21.xml><?xml version="1.0" encoding="utf-8"?>
 <p:sld xmlns:a="http://schemas.openxmlformats.org/drawingml/2006/main" xmlns:r="http://schemas.openxmlformats.org/officeDocument/2006/relationships" xmlns:p="http://schemas.openxmlformats.org/presentationml/2006/main">
   <p:cSld>
@@ -15778,6 +15691,453 @@
                 <a:defRPr/>
               </a:pPr>
               <a:t>21</a:t>
+            </a:fld>
+            <a:endParaRPr lang="en-US" dirty="0"/>
+          </a:p>
+        </p:txBody>
+      </p:sp>
+      <p:sp>
+        <p:nvSpPr>
+          <p:cNvPr id="5" name="Content Placeholder 4"/>
+          <p:cNvSpPr>
+            <a:spLocks noGrp="1"/>
+          </p:cNvSpPr>
+          <p:nvPr>
+            <p:ph idx="1"/>
+          </p:nvPr>
+        </p:nvSpPr>
+        <p:spPr>
+          <a:xfrm>
+            <a:off x="1141413" y="1712549"/>
+            <a:ext cx="11696797" cy="5458202"/>
+          </a:xfrm>
+        </p:spPr>
+        <p:txBody>
+          <a:bodyPr>
+            <a:normAutofit/>
+          </a:bodyPr>
+          <a:lstStyle/>
+          <a:p>
+            <a:pPr>
+              <a:lnSpc>
+                <a:spcPct val="100000"/>
+              </a:lnSpc>
+            </a:pPr>
+            <a:r>
+              <a:rPr lang="en-US" dirty="0"/>
+              <a:t>Docker is lightweight, open, secure</a:t>
+            </a:r>
+          </a:p>
+          <a:p>
+            <a:pPr>
+              <a:lnSpc>
+                <a:spcPct val="100000"/>
+              </a:lnSpc>
+            </a:pPr>
+            <a:r>
+              <a:rPr lang="en-US" dirty="0"/>
+              <a:t>It simplifies building, shipping, and running applications</a:t>
+            </a:r>
+          </a:p>
+          <a:p>
+            <a:pPr lvl="1">
+              <a:lnSpc>
+                <a:spcPct val="100000"/>
+              </a:lnSpc>
+            </a:pPr>
+            <a:r>
+              <a:rPr lang="en-US" dirty="0"/>
+              <a:t>On different environments</a:t>
+            </a:r>
+          </a:p>
+          <a:p>
+            <a:pPr>
+              <a:lnSpc>
+                <a:spcPct val="100000"/>
+              </a:lnSpc>
+            </a:pPr>
+            <a:r>
+              <a:rPr lang="en-US" dirty="0"/>
+              <a:t>Runs natively on Linux or Windows servers</a:t>
+            </a:r>
+          </a:p>
+          <a:p>
+            <a:pPr>
+              <a:lnSpc>
+                <a:spcPct val="100000"/>
+              </a:lnSpc>
+            </a:pPr>
+            <a:r>
+              <a:rPr lang="en-US" dirty="0"/>
+              <a:t>Runs on Windows or Mac development machines</a:t>
+            </a:r>
+          </a:p>
+          <a:p>
+            <a:pPr>
+              <a:lnSpc>
+                <a:spcPct val="100000"/>
+              </a:lnSpc>
+            </a:pPr>
+            <a:r>
+              <a:rPr lang="en-US" dirty="0"/>
+              <a:t>Relies on "images" and "containers"</a:t>
+            </a:r>
+          </a:p>
+          <a:p>
+            <a:pPr>
+              <a:lnSpc>
+                <a:spcPct val="100000"/>
+              </a:lnSpc>
+            </a:pPr>
+            <a:r>
+              <a:rPr lang="en-US" dirty="0"/>
+              <a:t>The playground is a good starting point:</a:t>
+            </a:r>
+          </a:p>
+          <a:p>
+            <a:pPr lvl="1">
+              <a:lnSpc>
+                <a:spcPct val="100000"/>
+              </a:lnSpc>
+            </a:pPr>
+            <a:r>
+              <a:rPr lang="en-GB" dirty="0">
+                <a:hlinkClick r:id="rId2"/>
+              </a:rPr>
+              <a:t>https://www.docker.com/play-with-docker</a:t>
+            </a:r>
+            <a:endParaRPr lang="en-US" dirty="0"/>
+          </a:p>
+        </p:txBody>
+      </p:sp>
+      <p:sp>
+        <p:nvSpPr>
+          <p:cNvPr id="4" name="Title 3"/>
+          <p:cNvSpPr>
+            <a:spLocks noGrp="1"/>
+          </p:cNvSpPr>
+          <p:nvPr>
+            <p:ph type="title"/>
+          </p:nvPr>
+        </p:nvSpPr>
+        <p:spPr/>
+        <p:txBody>
+          <a:bodyPr/>
+          <a:lstStyle/>
+          <a:p>
+            <a:r>
+              <a:rPr lang="en-US" dirty="0"/>
+              <a:t>What is docker?</a:t>
+            </a:r>
+          </a:p>
+        </p:txBody>
+      </p:sp>
+    </p:spTree>
+    <p:extLst>
+      <p:ext uri="{BB962C8B-B14F-4D97-AF65-F5344CB8AC3E}">
+        <p14:creationId xmlns:p14="http://schemas.microsoft.com/office/powerpoint/2010/main" val="2315132730"/>
+      </p:ext>
+    </p:extLst>
+  </p:cSld>
+  <p:clrMapOvr>
+    <a:masterClrMapping/>
+  </p:clrMapOvr>
+</p:sld>
+</file>
+
+<file path=ppt/slides/slide22.xml><?xml version="1.0" encoding="utf-8"?>
+<p:sld xmlns:a="http://schemas.openxmlformats.org/drawingml/2006/main" xmlns:r="http://schemas.openxmlformats.org/officeDocument/2006/relationships" xmlns:p="http://schemas.openxmlformats.org/presentationml/2006/main">
+  <p:cSld>
+    <p:spTree>
+      <p:nvGrpSpPr>
+        <p:cNvPr id="1" name=""/>
+        <p:cNvGrpSpPr/>
+        <p:nvPr/>
+      </p:nvGrpSpPr>
+      <p:grpSpPr>
+        <a:xfrm>
+          <a:off x="0" y="0"/>
+          <a:ext cx="0" cy="0"/>
+          <a:chOff x="0" y="0"/>
+          <a:chExt cx="0" cy="0"/>
+        </a:xfrm>
+      </p:grpSpPr>
+      <p:sp>
+        <p:nvSpPr>
+          <p:cNvPr id="7" name="Slide Number Placeholder 3"/>
+          <p:cNvSpPr>
+            <a:spLocks noGrp="1"/>
+          </p:cNvSpPr>
+          <p:nvPr>
+            <p:ph type="sldNum" sz="quarter" idx="4294967295"/>
+          </p:nvPr>
+        </p:nvSpPr>
+        <p:spPr>
+          <a:xfrm>
+            <a:off x="11568000" y="6525003"/>
+            <a:ext cx="428822" cy="196477"/>
+          </a:xfrm>
+          <a:prstGeom prst="rect">
+            <a:avLst/>
+          </a:prstGeom>
+        </p:spPr>
+        <p:txBody>
+          <a:bodyPr/>
+          <a:lstStyle/>
+          <a:p>
+            <a:pPr>
+              <a:defRPr/>
+            </a:pPr>
+            <a:fld id="{58452FF4-89E3-4D1B-9927-2DBDC00E58D7}" type="slidenum">
+              <a:rPr lang="en-US" smtClean="0"/>
+              <a:pPr>
+                <a:defRPr/>
+              </a:pPr>
+              <a:t>22</a:t>
+            </a:fld>
+            <a:endParaRPr lang="en-US" dirty="0"/>
+          </a:p>
+        </p:txBody>
+      </p:sp>
+      <p:sp>
+        <p:nvSpPr>
+          <p:cNvPr id="5" name="Content Placeholder 4"/>
+          <p:cNvSpPr>
+            <a:spLocks noGrp="1"/>
+          </p:cNvSpPr>
+          <p:nvPr>
+            <p:ph idx="1"/>
+          </p:nvPr>
+        </p:nvSpPr>
+        <p:spPr>
+          <a:xfrm>
+            <a:off x="1141413" y="1712549"/>
+            <a:ext cx="11696797" cy="5458202"/>
+          </a:xfrm>
+        </p:spPr>
+        <p:txBody>
+          <a:bodyPr>
+            <a:normAutofit/>
+          </a:bodyPr>
+          <a:lstStyle/>
+          <a:p>
+            <a:pPr>
+              <a:lnSpc>
+                <a:spcPct val="100000"/>
+              </a:lnSpc>
+            </a:pPr>
+            <a:r>
+              <a:rPr lang="en-US" dirty="0"/>
+              <a:t>Image</a:t>
+            </a:r>
+          </a:p>
+          <a:p>
+            <a:pPr lvl="1">
+              <a:lnSpc>
+                <a:spcPct val="100000"/>
+              </a:lnSpc>
+            </a:pPr>
+            <a:r>
+              <a:rPr lang="en-US" dirty="0"/>
+              <a:t>An image is just like a blueprint</a:t>
+            </a:r>
+          </a:p>
+          <a:p>
+            <a:pPr lvl="1">
+              <a:lnSpc>
+                <a:spcPct val="100000"/>
+              </a:lnSpc>
+            </a:pPr>
+            <a:r>
+              <a:rPr lang="en-US" dirty="0"/>
+              <a:t>A read-only template</a:t>
+            </a:r>
+          </a:p>
+          <a:p>
+            <a:pPr lvl="1">
+              <a:lnSpc>
+                <a:spcPct val="100000"/>
+              </a:lnSpc>
+            </a:pPr>
+            <a:r>
+              <a:rPr lang="en-US" dirty="0"/>
+              <a:t>Contains the building blocks of an application</a:t>
+            </a:r>
+          </a:p>
+          <a:p>
+            <a:pPr lvl="1">
+              <a:lnSpc>
+                <a:spcPct val="100000"/>
+              </a:lnSpc>
+            </a:pPr>
+            <a:r>
+              <a:rPr lang="en-US" dirty="0"/>
+              <a:t>Framework, dependencies and code are "described" here</a:t>
+            </a:r>
+          </a:p>
+          <a:p>
+            <a:pPr>
+              <a:lnSpc>
+                <a:spcPct val="100000"/>
+              </a:lnSpc>
+            </a:pPr>
+            <a:r>
+              <a:rPr lang="en-US" dirty="0"/>
+              <a:t>Container</a:t>
+            </a:r>
+          </a:p>
+          <a:p>
+            <a:pPr lvl="1">
+              <a:lnSpc>
+                <a:spcPct val="100000"/>
+              </a:lnSpc>
+            </a:pPr>
+            <a:r>
+              <a:rPr lang="en-US" dirty="0"/>
+              <a:t>Built from the image</a:t>
+            </a:r>
+          </a:p>
+          <a:p>
+            <a:pPr lvl="1">
+              <a:lnSpc>
+                <a:spcPct val="100000"/>
+              </a:lnSpc>
+            </a:pPr>
+            <a:r>
+              <a:rPr lang="en-US" dirty="0"/>
+              <a:t>It is the actual running environment for your application</a:t>
+            </a:r>
+          </a:p>
+          <a:p>
+            <a:pPr lvl="1">
+              <a:lnSpc>
+                <a:spcPct val="100000"/>
+              </a:lnSpc>
+            </a:pPr>
+            <a:r>
+              <a:rPr lang="en-US" dirty="0"/>
+              <a:t>Isolated and secured</a:t>
+            </a:r>
+          </a:p>
+          <a:p>
+            <a:pPr lvl="1">
+              <a:lnSpc>
+                <a:spcPct val="100000"/>
+              </a:lnSpc>
+            </a:pPr>
+            <a:r>
+              <a:rPr lang="en-US" dirty="0"/>
+              <a:t>It can be started, stopped, moved, and deleted</a:t>
+            </a:r>
+          </a:p>
+          <a:p>
+            <a:pPr lvl="1">
+              <a:lnSpc>
+                <a:spcPct val="100000"/>
+              </a:lnSpc>
+            </a:pPr>
+            <a:r>
+              <a:rPr lang="en-US" dirty="0"/>
+              <a:t>You create a container for your different application pieces</a:t>
+            </a:r>
+          </a:p>
+          <a:p>
+            <a:pPr lvl="2">
+              <a:lnSpc>
+                <a:spcPct val="100000"/>
+              </a:lnSpc>
+            </a:pPr>
+            <a:r>
+              <a:rPr lang="en-US" dirty="0"/>
+              <a:t>Database, Presentation, Caching, etc.</a:t>
+            </a:r>
+          </a:p>
+        </p:txBody>
+      </p:sp>
+      <p:sp>
+        <p:nvSpPr>
+          <p:cNvPr id="4" name="Title 3"/>
+          <p:cNvSpPr>
+            <a:spLocks noGrp="1"/>
+          </p:cNvSpPr>
+          <p:nvPr>
+            <p:ph type="title"/>
+          </p:nvPr>
+        </p:nvSpPr>
+        <p:spPr/>
+        <p:txBody>
+          <a:bodyPr/>
+          <a:lstStyle/>
+          <a:p>
+            <a:r>
+              <a:rPr lang="en-US" dirty="0"/>
+              <a:t>What is docker?</a:t>
+            </a:r>
+          </a:p>
+        </p:txBody>
+      </p:sp>
+    </p:spTree>
+    <p:extLst>
+      <p:ext uri="{BB962C8B-B14F-4D97-AF65-F5344CB8AC3E}">
+        <p14:creationId xmlns:p14="http://schemas.microsoft.com/office/powerpoint/2010/main" val="1280000100"/>
+      </p:ext>
+    </p:extLst>
+  </p:cSld>
+  <p:clrMapOvr>
+    <a:masterClrMapping/>
+  </p:clrMapOvr>
+</p:sld>
+</file>
+
+<file path=ppt/slides/slide23.xml><?xml version="1.0" encoding="utf-8"?>
+<p:sld xmlns:a="http://schemas.openxmlformats.org/drawingml/2006/main" xmlns:r="http://schemas.openxmlformats.org/officeDocument/2006/relationships" xmlns:p="http://schemas.openxmlformats.org/presentationml/2006/main">
+  <p:cSld>
+    <p:spTree>
+      <p:nvGrpSpPr>
+        <p:cNvPr id="1" name=""/>
+        <p:cNvGrpSpPr/>
+        <p:nvPr/>
+      </p:nvGrpSpPr>
+      <p:grpSpPr>
+        <a:xfrm>
+          <a:off x="0" y="0"/>
+          <a:ext cx="0" cy="0"/>
+          <a:chOff x="0" y="0"/>
+          <a:chExt cx="0" cy="0"/>
+        </a:xfrm>
+      </p:grpSpPr>
+      <p:sp>
+        <p:nvSpPr>
+          <p:cNvPr id="7" name="Slide Number Placeholder 3"/>
+          <p:cNvSpPr>
+            <a:spLocks noGrp="1"/>
+          </p:cNvSpPr>
+          <p:nvPr>
+            <p:ph type="sldNum" sz="quarter" idx="4294967295"/>
+          </p:nvPr>
+        </p:nvSpPr>
+        <p:spPr>
+          <a:xfrm>
+            <a:off x="11568000" y="6525003"/>
+            <a:ext cx="428822" cy="196477"/>
+          </a:xfrm>
+          <a:prstGeom prst="rect">
+            <a:avLst/>
+          </a:prstGeom>
+        </p:spPr>
+        <p:txBody>
+          <a:bodyPr/>
+          <a:lstStyle/>
+          <a:p>
+            <a:pPr>
+              <a:defRPr/>
+            </a:pPr>
+            <a:fld id="{58452FF4-89E3-4D1B-9927-2DBDC00E58D7}" type="slidenum">
+              <a:rPr lang="en-US" smtClean="0"/>
+              <a:pPr>
+                <a:defRPr/>
+              </a:pPr>
+              <a:t>23</a:t>
             </a:fld>
             <a:endParaRPr lang="en-US" dirty="0"/>
           </a:p>
@@ -15865,435 +16225,6 @@
 </p:sld>
 </file>
 
-<file path=ppt/slides/slide22.xml><?xml version="1.0" encoding="utf-8"?>
-<p:sld xmlns:a="http://schemas.openxmlformats.org/drawingml/2006/main" xmlns:r="http://schemas.openxmlformats.org/officeDocument/2006/relationships" xmlns:p="http://schemas.openxmlformats.org/presentationml/2006/main">
-  <p:cSld>
-    <p:spTree>
-      <p:nvGrpSpPr>
-        <p:cNvPr id="1" name=""/>
-        <p:cNvGrpSpPr/>
-        <p:nvPr/>
-      </p:nvGrpSpPr>
-      <p:grpSpPr>
-        <a:xfrm>
-          <a:off x="0" y="0"/>
-          <a:ext cx="0" cy="0"/>
-          <a:chOff x="0" y="0"/>
-          <a:chExt cx="0" cy="0"/>
-        </a:xfrm>
-      </p:grpSpPr>
-      <p:sp>
-        <p:nvSpPr>
-          <p:cNvPr id="7" name="Slide Number Placeholder 3"/>
-          <p:cNvSpPr>
-            <a:spLocks noGrp="1"/>
-          </p:cNvSpPr>
-          <p:nvPr>
-            <p:ph type="sldNum" sz="quarter" idx="4294967295"/>
-          </p:nvPr>
-        </p:nvSpPr>
-        <p:spPr>
-          <a:xfrm>
-            <a:off x="11568000" y="6525003"/>
-            <a:ext cx="428822" cy="196477"/>
-          </a:xfrm>
-          <a:prstGeom prst="rect">
-            <a:avLst/>
-          </a:prstGeom>
-        </p:spPr>
-        <p:txBody>
-          <a:bodyPr/>
-          <a:lstStyle/>
-          <a:p>
-            <a:pPr>
-              <a:defRPr/>
-            </a:pPr>
-            <a:fld id="{58452FF4-89E3-4D1B-9927-2DBDC00E58D7}" type="slidenum">
-              <a:rPr lang="en-US" smtClean="0"/>
-              <a:pPr>
-                <a:defRPr/>
-              </a:pPr>
-              <a:t>22</a:t>
-            </a:fld>
-            <a:endParaRPr lang="en-US" dirty="0"/>
-          </a:p>
-        </p:txBody>
-      </p:sp>
-      <p:sp>
-        <p:nvSpPr>
-          <p:cNvPr id="5" name="Content Placeholder 4"/>
-          <p:cNvSpPr>
-            <a:spLocks noGrp="1"/>
-          </p:cNvSpPr>
-          <p:nvPr>
-            <p:ph idx="1"/>
-          </p:nvPr>
-        </p:nvSpPr>
-        <p:spPr>
-          <a:xfrm>
-            <a:off x="1141413" y="1712549"/>
-            <a:ext cx="11696797" cy="5458202"/>
-          </a:xfrm>
-        </p:spPr>
-        <p:txBody>
-          <a:bodyPr>
-            <a:normAutofit/>
-          </a:bodyPr>
-          <a:lstStyle/>
-          <a:p>
-            <a:pPr>
-              <a:lnSpc>
-                <a:spcPct val="100000"/>
-              </a:lnSpc>
-            </a:pPr>
-            <a:r>
-              <a:rPr lang="en-US" dirty="0"/>
-              <a:t>Virtual Machines</a:t>
-            </a:r>
-          </a:p>
-          <a:p>
-            <a:pPr lvl="1">
-              <a:lnSpc>
-                <a:spcPct val="100000"/>
-              </a:lnSpc>
-            </a:pPr>
-            <a:r>
-              <a:rPr lang="en-US" dirty="0"/>
-              <a:t>Have a guest OS, which is heavier</a:t>
-            </a:r>
-          </a:p>
-          <a:p>
-            <a:pPr lvl="1">
-              <a:lnSpc>
-                <a:spcPct val="100000"/>
-              </a:lnSpc>
-            </a:pPr>
-            <a:r>
-              <a:rPr lang="en-US" dirty="0"/>
-              <a:t>Images are bigger in terms of size</a:t>
-            </a:r>
-          </a:p>
-          <a:p>
-            <a:pPr lvl="1">
-              <a:lnSpc>
-                <a:spcPct val="100000"/>
-              </a:lnSpc>
-            </a:pPr>
-            <a:r>
-              <a:rPr lang="en-US" dirty="0"/>
-              <a:t>Slower startup time</a:t>
-            </a:r>
-          </a:p>
-          <a:p>
-            <a:pPr lvl="1">
-              <a:lnSpc>
-                <a:spcPct val="100000"/>
-              </a:lnSpc>
-            </a:pPr>
-            <a:r>
-              <a:rPr lang="en-US" dirty="0"/>
-              <a:t>Everything is a copy of the host OS</a:t>
-            </a:r>
-          </a:p>
-          <a:p>
-            <a:pPr>
-              <a:lnSpc>
-                <a:spcPct val="100000"/>
-              </a:lnSpc>
-            </a:pPr>
-            <a:r>
-              <a:rPr lang="en-US" dirty="0"/>
-              <a:t> Docker</a:t>
-            </a:r>
-          </a:p>
-          <a:p>
-            <a:pPr lvl="1">
-              <a:lnSpc>
-                <a:spcPct val="100000"/>
-              </a:lnSpc>
-            </a:pPr>
-            <a:r>
-              <a:rPr lang="en-US" dirty="0"/>
-              <a:t>No guest OS, just a process</a:t>
-            </a:r>
-          </a:p>
-          <a:p>
-            <a:pPr lvl="1">
-              <a:lnSpc>
-                <a:spcPct val="100000"/>
-              </a:lnSpc>
-            </a:pPr>
-            <a:r>
-              <a:rPr lang="en-US" dirty="0"/>
-              <a:t>Images are small in terms of size</a:t>
-            </a:r>
-          </a:p>
-          <a:p>
-            <a:pPr lvl="1">
-              <a:lnSpc>
-                <a:spcPct val="100000"/>
-              </a:lnSpc>
-            </a:pPr>
-            <a:r>
-              <a:rPr lang="en-US" dirty="0"/>
-              <a:t>Fast startup time</a:t>
-            </a:r>
-          </a:p>
-          <a:p>
-            <a:pPr lvl="1">
-              <a:lnSpc>
-                <a:spcPct val="100000"/>
-              </a:lnSpc>
-            </a:pPr>
-            <a:endParaRPr lang="en-US" dirty="0"/>
-          </a:p>
-          <a:p>
-            <a:pPr lvl="1">
-              <a:lnSpc>
-                <a:spcPct val="100000"/>
-              </a:lnSpc>
-            </a:pPr>
-            <a:endParaRPr lang="en-US" dirty="0"/>
-          </a:p>
-        </p:txBody>
-      </p:sp>
-      <p:sp>
-        <p:nvSpPr>
-          <p:cNvPr id="4" name="Title 3"/>
-          <p:cNvSpPr>
-            <a:spLocks noGrp="1"/>
-          </p:cNvSpPr>
-          <p:nvPr>
-            <p:ph type="title"/>
-          </p:nvPr>
-        </p:nvSpPr>
-        <p:spPr/>
-        <p:txBody>
-          <a:bodyPr/>
-          <a:lstStyle/>
-          <a:p>
-            <a:r>
-              <a:rPr lang="en-US" dirty="0"/>
-              <a:t>Docker VS Virtual Machines</a:t>
-            </a:r>
-          </a:p>
-        </p:txBody>
-      </p:sp>
-    </p:spTree>
-    <p:extLst>
-      <p:ext uri="{BB962C8B-B14F-4D97-AF65-F5344CB8AC3E}">
-        <p14:creationId xmlns:p14="http://schemas.microsoft.com/office/powerpoint/2010/main" val="174063324"/>
-      </p:ext>
-    </p:extLst>
-  </p:cSld>
-  <p:clrMapOvr>
-    <a:masterClrMapping/>
-  </p:clrMapOvr>
-</p:sld>
-</file>
-
-<file path=ppt/slides/slide23.xml><?xml version="1.0" encoding="utf-8"?>
-<p:sld xmlns:a="http://schemas.openxmlformats.org/drawingml/2006/main" xmlns:r="http://schemas.openxmlformats.org/officeDocument/2006/relationships" xmlns:p="http://schemas.openxmlformats.org/presentationml/2006/main">
-  <p:cSld>
-    <p:spTree>
-      <p:nvGrpSpPr>
-        <p:cNvPr id="1" name=""/>
-        <p:cNvGrpSpPr/>
-        <p:nvPr/>
-      </p:nvGrpSpPr>
-      <p:grpSpPr>
-        <a:xfrm>
-          <a:off x="0" y="0"/>
-          <a:ext cx="0" cy="0"/>
-          <a:chOff x="0" y="0"/>
-          <a:chExt cx="0" cy="0"/>
-        </a:xfrm>
-      </p:grpSpPr>
-      <p:sp>
-        <p:nvSpPr>
-          <p:cNvPr id="7" name="Slide Number Placeholder 3"/>
-          <p:cNvSpPr>
-            <a:spLocks noGrp="1"/>
-          </p:cNvSpPr>
-          <p:nvPr>
-            <p:ph type="sldNum" sz="quarter" idx="4294967295"/>
-          </p:nvPr>
-        </p:nvSpPr>
-        <p:spPr>
-          <a:xfrm>
-            <a:off x="11568000" y="6525003"/>
-            <a:ext cx="428822" cy="196477"/>
-          </a:xfrm>
-          <a:prstGeom prst="rect">
-            <a:avLst/>
-          </a:prstGeom>
-        </p:spPr>
-        <p:txBody>
-          <a:bodyPr/>
-          <a:lstStyle/>
-          <a:p>
-            <a:pPr>
-              <a:defRPr/>
-            </a:pPr>
-            <a:fld id="{58452FF4-89E3-4D1B-9927-2DBDC00E58D7}" type="slidenum">
-              <a:rPr lang="en-US" smtClean="0"/>
-              <a:pPr>
-                <a:defRPr/>
-              </a:pPr>
-              <a:t>23</a:t>
-            </a:fld>
-            <a:endParaRPr lang="en-US" dirty="0"/>
-          </a:p>
-        </p:txBody>
-      </p:sp>
-      <p:sp>
-        <p:nvSpPr>
-          <p:cNvPr id="5" name="Content Placeholder 4"/>
-          <p:cNvSpPr>
-            <a:spLocks noGrp="1"/>
-          </p:cNvSpPr>
-          <p:nvPr>
-            <p:ph idx="1"/>
-          </p:nvPr>
-        </p:nvSpPr>
-        <p:spPr>
-          <a:xfrm>
-            <a:off x="1141413" y="1712549"/>
-            <a:ext cx="11696797" cy="5458202"/>
-          </a:xfrm>
-        </p:spPr>
-        <p:txBody>
-          <a:bodyPr>
-            <a:normAutofit/>
-          </a:bodyPr>
-          <a:lstStyle/>
-          <a:p>
-            <a:pPr>
-              <a:lnSpc>
-                <a:spcPct val="100000"/>
-              </a:lnSpc>
-            </a:pPr>
-            <a:r>
-              <a:rPr lang="en-US" dirty="0"/>
-              <a:t>Accelerating developer onboarding</a:t>
-            </a:r>
-          </a:p>
-          <a:p>
-            <a:pPr>
-              <a:lnSpc>
-                <a:spcPct val="100000"/>
-              </a:lnSpc>
-            </a:pPr>
-            <a:r>
-              <a:rPr lang="en-US" dirty="0"/>
-              <a:t>Eliminate application conflicts</a:t>
-            </a:r>
-          </a:p>
-          <a:p>
-            <a:pPr lvl="1">
-              <a:lnSpc>
-                <a:spcPct val="100000"/>
-              </a:lnSpc>
-            </a:pPr>
-            <a:r>
-              <a:rPr lang="en-US" dirty="0"/>
-              <a:t>Isolated containers</a:t>
-            </a:r>
-          </a:p>
-          <a:p>
-            <a:pPr>
-              <a:lnSpc>
-                <a:spcPct val="100000"/>
-              </a:lnSpc>
-            </a:pPr>
-            <a:r>
-              <a:rPr lang="en-US" dirty="0"/>
-              <a:t>Environment consistency</a:t>
-            </a:r>
-          </a:p>
-          <a:p>
-            <a:pPr lvl="1">
-              <a:lnSpc>
-                <a:spcPct val="100000"/>
-              </a:lnSpc>
-            </a:pPr>
-            <a:r>
-              <a:rPr lang="en-US" dirty="0"/>
-              <a:t>If it runs on development environment, it should run on the staging/production </a:t>
-            </a:r>
-          </a:p>
-          <a:p>
-            <a:pPr>
-              <a:lnSpc>
-                <a:spcPct val="100000"/>
-              </a:lnSpc>
-            </a:pPr>
-            <a:r>
-              <a:rPr lang="en-US" dirty="0"/>
-              <a:t>Ship software faster</a:t>
-            </a:r>
-          </a:p>
-          <a:p>
-            <a:pPr lvl="1">
-              <a:lnSpc>
-                <a:spcPct val="100000"/>
-              </a:lnSpc>
-            </a:pPr>
-            <a:r>
-              <a:rPr lang="en-US" dirty="0"/>
-              <a:t>Updating and migrating software is very easy</a:t>
-            </a:r>
-          </a:p>
-          <a:p>
-            <a:pPr lvl="1">
-              <a:lnSpc>
-                <a:spcPct val="100000"/>
-              </a:lnSpc>
-            </a:pPr>
-            <a:endParaRPr lang="en-US" dirty="0"/>
-          </a:p>
-        </p:txBody>
-      </p:sp>
-      <p:sp>
-        <p:nvSpPr>
-          <p:cNvPr id="4" name="Title 3"/>
-          <p:cNvSpPr>
-            <a:spLocks noGrp="1"/>
-          </p:cNvSpPr>
-          <p:nvPr>
-            <p:ph type="title"/>
-          </p:nvPr>
-        </p:nvSpPr>
-        <p:spPr/>
-        <p:txBody>
-          <a:bodyPr/>
-          <a:lstStyle/>
-          <a:p>
-            <a:pPr>
-              <a:lnSpc>
-                <a:spcPct val="100000"/>
-              </a:lnSpc>
-            </a:pPr>
-            <a:r>
-              <a:rPr lang="en-US" dirty="0"/>
-              <a:t>Benefits for web developers</a:t>
-            </a:r>
-          </a:p>
-        </p:txBody>
-      </p:sp>
-    </p:spTree>
-    <p:extLst>
-      <p:ext uri="{BB962C8B-B14F-4D97-AF65-F5344CB8AC3E}">
-        <p14:creationId xmlns:p14="http://schemas.microsoft.com/office/powerpoint/2010/main" val="1025572233"/>
-      </p:ext>
-    </p:extLst>
-  </p:cSld>
-  <p:clrMapOvr>
-    <a:masterClrMapping/>
-  </p:clrMapOvr>
-</p:sld>
-</file>
-
 <file path=ppt/slides/slide24.xml><?xml version="1.0" encoding="utf-8"?>
 <p:sld xmlns:a="http://schemas.openxmlformats.org/drawingml/2006/main" xmlns:r="http://schemas.openxmlformats.org/officeDocument/2006/relationships" xmlns:p="http://schemas.openxmlformats.org/presentationml/2006/main">
   <p:cSld>
@@ -16377,7 +16308,7 @@
             </a:pPr>
             <a:r>
               <a:rPr lang="en-US" dirty="0"/>
-              <a:t>Docker Desktop</a:t>
+              <a:t>Virtual Machines</a:t>
             </a:r>
           </a:p>
           <a:p>
@@ -16388,7 +16319,7 @@
             </a:pPr>
             <a:r>
               <a:rPr lang="en-US" dirty="0"/>
-              <a:t>Runs on Windows or Mac development machines</a:t>
+              <a:t>Have a guest OS, which is heavier</a:t>
             </a:r>
           </a:p>
           <a:p>
@@ -16399,7 +16330,7 @@
             </a:pPr>
             <a:r>
               <a:rPr lang="en-US" dirty="0"/>
-              <a:t>Includes Docker Engine, CLI and Kubernetes</a:t>
+              <a:t>Images are bigger in terms of size</a:t>
             </a:r>
           </a:p>
           <a:p>
@@ -16409,8 +16340,8 @@
               </a:lnSpc>
             </a:pPr>
             <a:r>
-              <a:rPr lang="en-GB" dirty="0"/>
-              <a:t>Containerize and share any application</a:t>
+              <a:rPr lang="en-US" dirty="0"/>
+              <a:t>Slower startup time</a:t>
             </a:r>
           </a:p>
           <a:p>
@@ -16420,8 +16351,8 @@
               </a:lnSpc>
             </a:pPr>
             <a:r>
-              <a:rPr lang="en-GB" dirty="0"/>
-              <a:t>Complete Docker development environment</a:t>
+              <a:rPr lang="en-US" dirty="0"/>
+              <a:t>Everything is a copy of the host OS</a:t>
             </a:r>
           </a:p>
           <a:p>
@@ -16431,8 +16362,8 @@
               </a:lnSpc>
             </a:pPr>
             <a:r>
-              <a:rPr lang="en-GB" dirty="0"/>
-              <a:t>On Windows</a:t>
+              <a:rPr lang="en-US" dirty="0"/>
+              <a:t> Docker</a:t>
             </a:r>
           </a:p>
           <a:p>
@@ -16442,8 +16373,8 @@
               </a:lnSpc>
             </a:pPr>
             <a:r>
-              <a:rPr lang="en-GB" dirty="0"/>
-              <a:t>Ability to switch between Linux and Windows Server environments</a:t>
+              <a:rPr lang="en-US" dirty="0"/>
+              <a:t>No guest OS, just a process</a:t>
             </a:r>
           </a:p>
           <a:p>
@@ -16454,11 +16385,7 @@
             </a:pPr>
             <a:r>
               <a:rPr lang="en-US" dirty="0"/>
-              <a:t>Supports Pro, Enterprise, and </a:t>
-            </a:r>
-            <a:r>
-              <a:rPr lang="en-GB" dirty="0"/>
-              <a:t>Education versions</a:t>
+              <a:t>Images are small in terms of size</a:t>
             </a:r>
           </a:p>
           <a:p>
@@ -16468,39 +16395,8 @@
               </a:lnSpc>
             </a:pPr>
             <a:r>
-              <a:rPr lang="en-GB" dirty="0"/>
-              <a:t>For Home – you can only run Linux containers through WSL 2</a:t>
-            </a:r>
-            <a:endParaRPr lang="en-US" dirty="0"/>
-          </a:p>
-          <a:p>
-            <a:pPr>
-              <a:lnSpc>
-                <a:spcPct val="100000"/>
-              </a:lnSpc>
-            </a:pPr>
-            <a:r>
               <a:rPr lang="en-US" dirty="0"/>
-              <a:t>There are third-party solutions for Linux – </a:t>
-            </a:r>
-            <a:r>
-              <a:rPr lang="en-GB" dirty="0" err="1"/>
-              <a:t>DockStation</a:t>
-            </a:r>
-            <a:r>
-              <a:rPr lang="en-GB" dirty="0"/>
-              <a:t>, </a:t>
-            </a:r>
-            <a:br>
-              <a:rPr lang="en-GB" dirty="0"/>
-            </a:br>
-            <a:r>
-              <a:rPr lang="en-GB" dirty="0" err="1"/>
-              <a:t>CairoDock</a:t>
-            </a:r>
-            <a:r>
-              <a:rPr lang="en-GB" dirty="0"/>
-              <a:t>, and more…</a:t>
+              <a:t>Fast startup time</a:t>
             </a:r>
           </a:p>
           <a:p>
@@ -16538,7 +16434,7 @@
           <a:p>
             <a:r>
               <a:rPr lang="en-US" dirty="0"/>
-              <a:t>Docker Tools</a:t>
+              <a:t>Docker VS Virtual Machines</a:t>
             </a:r>
           </a:p>
         </p:txBody>
@@ -16546,7 +16442,7 @@
     </p:spTree>
     <p:extLst>
       <p:ext uri="{BB962C8B-B14F-4D97-AF65-F5344CB8AC3E}">
-        <p14:creationId xmlns:p14="http://schemas.microsoft.com/office/powerpoint/2010/main" val="896969366"/>
+        <p14:creationId xmlns:p14="http://schemas.microsoft.com/office/powerpoint/2010/main" val="174063324"/>
       </p:ext>
     </p:extLst>
   </p:cSld>
@@ -16605,6 +16501,470 @@
                 <a:defRPr/>
               </a:pPr>
               <a:t>25</a:t>
+            </a:fld>
+            <a:endParaRPr lang="en-US" dirty="0"/>
+          </a:p>
+        </p:txBody>
+      </p:sp>
+      <p:sp>
+        <p:nvSpPr>
+          <p:cNvPr id="5" name="Content Placeholder 4"/>
+          <p:cNvSpPr>
+            <a:spLocks noGrp="1"/>
+          </p:cNvSpPr>
+          <p:nvPr>
+            <p:ph idx="1"/>
+          </p:nvPr>
+        </p:nvSpPr>
+        <p:spPr>
+          <a:xfrm>
+            <a:off x="1141413" y="1712549"/>
+            <a:ext cx="11696797" cy="5458202"/>
+          </a:xfrm>
+        </p:spPr>
+        <p:txBody>
+          <a:bodyPr>
+            <a:normAutofit/>
+          </a:bodyPr>
+          <a:lstStyle/>
+          <a:p>
+            <a:pPr>
+              <a:lnSpc>
+                <a:spcPct val="100000"/>
+              </a:lnSpc>
+            </a:pPr>
+            <a:r>
+              <a:rPr lang="en-US" dirty="0"/>
+              <a:t>Accelerating developer onboarding</a:t>
+            </a:r>
+          </a:p>
+          <a:p>
+            <a:pPr>
+              <a:lnSpc>
+                <a:spcPct val="100000"/>
+              </a:lnSpc>
+            </a:pPr>
+            <a:r>
+              <a:rPr lang="en-US" dirty="0"/>
+              <a:t>Eliminate application conflicts</a:t>
+            </a:r>
+          </a:p>
+          <a:p>
+            <a:pPr lvl="1">
+              <a:lnSpc>
+                <a:spcPct val="100000"/>
+              </a:lnSpc>
+            </a:pPr>
+            <a:r>
+              <a:rPr lang="en-US" dirty="0"/>
+              <a:t>Isolated containers</a:t>
+            </a:r>
+          </a:p>
+          <a:p>
+            <a:pPr>
+              <a:lnSpc>
+                <a:spcPct val="100000"/>
+              </a:lnSpc>
+            </a:pPr>
+            <a:r>
+              <a:rPr lang="en-US" dirty="0"/>
+              <a:t>Environment consistency</a:t>
+            </a:r>
+          </a:p>
+          <a:p>
+            <a:pPr lvl="1">
+              <a:lnSpc>
+                <a:spcPct val="100000"/>
+              </a:lnSpc>
+            </a:pPr>
+            <a:r>
+              <a:rPr lang="en-US" dirty="0"/>
+              <a:t>If it runs on development environment, it should run on the staging/production </a:t>
+            </a:r>
+          </a:p>
+          <a:p>
+            <a:pPr>
+              <a:lnSpc>
+                <a:spcPct val="100000"/>
+              </a:lnSpc>
+            </a:pPr>
+            <a:r>
+              <a:rPr lang="en-US" dirty="0"/>
+              <a:t>Ship software faster</a:t>
+            </a:r>
+          </a:p>
+          <a:p>
+            <a:pPr lvl="1">
+              <a:lnSpc>
+                <a:spcPct val="100000"/>
+              </a:lnSpc>
+            </a:pPr>
+            <a:r>
+              <a:rPr lang="en-US" dirty="0"/>
+              <a:t>Updating and migrating software is very easy</a:t>
+            </a:r>
+          </a:p>
+          <a:p>
+            <a:pPr lvl="1">
+              <a:lnSpc>
+                <a:spcPct val="100000"/>
+              </a:lnSpc>
+            </a:pPr>
+            <a:endParaRPr lang="en-US" dirty="0"/>
+          </a:p>
+        </p:txBody>
+      </p:sp>
+      <p:sp>
+        <p:nvSpPr>
+          <p:cNvPr id="4" name="Title 3"/>
+          <p:cNvSpPr>
+            <a:spLocks noGrp="1"/>
+          </p:cNvSpPr>
+          <p:nvPr>
+            <p:ph type="title"/>
+          </p:nvPr>
+        </p:nvSpPr>
+        <p:spPr/>
+        <p:txBody>
+          <a:bodyPr/>
+          <a:lstStyle/>
+          <a:p>
+            <a:pPr>
+              <a:lnSpc>
+                <a:spcPct val="100000"/>
+              </a:lnSpc>
+            </a:pPr>
+            <a:r>
+              <a:rPr lang="en-US" dirty="0"/>
+              <a:t>Benefits for web developers</a:t>
+            </a:r>
+          </a:p>
+        </p:txBody>
+      </p:sp>
+    </p:spTree>
+    <p:extLst>
+      <p:ext uri="{BB962C8B-B14F-4D97-AF65-F5344CB8AC3E}">
+        <p14:creationId xmlns:p14="http://schemas.microsoft.com/office/powerpoint/2010/main" val="1025572233"/>
+      </p:ext>
+    </p:extLst>
+  </p:cSld>
+  <p:clrMapOvr>
+    <a:masterClrMapping/>
+  </p:clrMapOvr>
+</p:sld>
+</file>
+
+<file path=ppt/slides/slide26.xml><?xml version="1.0" encoding="utf-8"?>
+<p:sld xmlns:a="http://schemas.openxmlformats.org/drawingml/2006/main" xmlns:r="http://schemas.openxmlformats.org/officeDocument/2006/relationships" xmlns:p="http://schemas.openxmlformats.org/presentationml/2006/main">
+  <p:cSld>
+    <p:spTree>
+      <p:nvGrpSpPr>
+        <p:cNvPr id="1" name=""/>
+        <p:cNvGrpSpPr/>
+        <p:nvPr/>
+      </p:nvGrpSpPr>
+      <p:grpSpPr>
+        <a:xfrm>
+          <a:off x="0" y="0"/>
+          <a:ext cx="0" cy="0"/>
+          <a:chOff x="0" y="0"/>
+          <a:chExt cx="0" cy="0"/>
+        </a:xfrm>
+      </p:grpSpPr>
+      <p:sp>
+        <p:nvSpPr>
+          <p:cNvPr id="7" name="Slide Number Placeholder 3"/>
+          <p:cNvSpPr>
+            <a:spLocks noGrp="1"/>
+          </p:cNvSpPr>
+          <p:nvPr>
+            <p:ph type="sldNum" sz="quarter" idx="4294967295"/>
+          </p:nvPr>
+        </p:nvSpPr>
+        <p:spPr>
+          <a:xfrm>
+            <a:off x="11568000" y="6525003"/>
+            <a:ext cx="428822" cy="196477"/>
+          </a:xfrm>
+          <a:prstGeom prst="rect">
+            <a:avLst/>
+          </a:prstGeom>
+        </p:spPr>
+        <p:txBody>
+          <a:bodyPr/>
+          <a:lstStyle/>
+          <a:p>
+            <a:pPr>
+              <a:defRPr/>
+            </a:pPr>
+            <a:fld id="{58452FF4-89E3-4D1B-9927-2DBDC00E58D7}" type="slidenum">
+              <a:rPr lang="en-US" smtClean="0"/>
+              <a:pPr>
+                <a:defRPr/>
+              </a:pPr>
+              <a:t>26</a:t>
+            </a:fld>
+            <a:endParaRPr lang="en-US" dirty="0"/>
+          </a:p>
+        </p:txBody>
+      </p:sp>
+      <p:sp>
+        <p:nvSpPr>
+          <p:cNvPr id="5" name="Content Placeholder 4"/>
+          <p:cNvSpPr>
+            <a:spLocks noGrp="1"/>
+          </p:cNvSpPr>
+          <p:nvPr>
+            <p:ph idx="1"/>
+          </p:nvPr>
+        </p:nvSpPr>
+        <p:spPr>
+          <a:xfrm>
+            <a:off x="1141413" y="1712549"/>
+            <a:ext cx="11696797" cy="5458202"/>
+          </a:xfrm>
+        </p:spPr>
+        <p:txBody>
+          <a:bodyPr>
+            <a:normAutofit/>
+          </a:bodyPr>
+          <a:lstStyle/>
+          <a:p>
+            <a:pPr>
+              <a:lnSpc>
+                <a:spcPct val="100000"/>
+              </a:lnSpc>
+            </a:pPr>
+            <a:r>
+              <a:rPr lang="en-US" dirty="0"/>
+              <a:t>Docker Desktop</a:t>
+            </a:r>
+          </a:p>
+          <a:p>
+            <a:pPr lvl="1">
+              <a:lnSpc>
+                <a:spcPct val="100000"/>
+              </a:lnSpc>
+            </a:pPr>
+            <a:r>
+              <a:rPr lang="en-US" dirty="0"/>
+              <a:t>Runs on Windows or Mac development machines</a:t>
+            </a:r>
+          </a:p>
+          <a:p>
+            <a:pPr lvl="1">
+              <a:lnSpc>
+                <a:spcPct val="100000"/>
+              </a:lnSpc>
+            </a:pPr>
+            <a:r>
+              <a:rPr lang="en-US" dirty="0"/>
+              <a:t>Includes Docker Engine, CLI and Kubernetes</a:t>
+            </a:r>
+          </a:p>
+          <a:p>
+            <a:pPr lvl="1">
+              <a:lnSpc>
+                <a:spcPct val="100000"/>
+              </a:lnSpc>
+            </a:pPr>
+            <a:r>
+              <a:rPr lang="en-GB" dirty="0"/>
+              <a:t>Containerize and share any application</a:t>
+            </a:r>
+          </a:p>
+          <a:p>
+            <a:pPr lvl="1">
+              <a:lnSpc>
+                <a:spcPct val="100000"/>
+              </a:lnSpc>
+            </a:pPr>
+            <a:r>
+              <a:rPr lang="en-GB" dirty="0"/>
+              <a:t>Complete Docker development environment</a:t>
+            </a:r>
+          </a:p>
+          <a:p>
+            <a:pPr>
+              <a:lnSpc>
+                <a:spcPct val="100000"/>
+              </a:lnSpc>
+            </a:pPr>
+            <a:r>
+              <a:rPr lang="en-GB" dirty="0"/>
+              <a:t>On Windows</a:t>
+            </a:r>
+          </a:p>
+          <a:p>
+            <a:pPr lvl="1">
+              <a:lnSpc>
+                <a:spcPct val="100000"/>
+              </a:lnSpc>
+            </a:pPr>
+            <a:r>
+              <a:rPr lang="en-GB" dirty="0"/>
+              <a:t>Ability to switch between Linux and Windows Server environments</a:t>
+            </a:r>
+          </a:p>
+          <a:p>
+            <a:pPr lvl="1">
+              <a:lnSpc>
+                <a:spcPct val="100000"/>
+              </a:lnSpc>
+            </a:pPr>
+            <a:r>
+              <a:rPr lang="en-US" dirty="0"/>
+              <a:t>Supports Pro, Enterprise, and </a:t>
+            </a:r>
+            <a:r>
+              <a:rPr lang="en-GB" dirty="0"/>
+              <a:t>Education versions</a:t>
+            </a:r>
+          </a:p>
+          <a:p>
+            <a:pPr lvl="1">
+              <a:lnSpc>
+                <a:spcPct val="100000"/>
+              </a:lnSpc>
+            </a:pPr>
+            <a:r>
+              <a:rPr lang="en-GB" dirty="0"/>
+              <a:t>For Home – you can only run Linux containers through WSL 2</a:t>
+            </a:r>
+            <a:endParaRPr lang="en-US" dirty="0"/>
+          </a:p>
+          <a:p>
+            <a:pPr>
+              <a:lnSpc>
+                <a:spcPct val="100000"/>
+              </a:lnSpc>
+            </a:pPr>
+            <a:r>
+              <a:rPr lang="en-US" dirty="0"/>
+              <a:t>There are third-party solutions for Linux – </a:t>
+            </a:r>
+            <a:r>
+              <a:rPr lang="en-GB" dirty="0" err="1"/>
+              <a:t>DockStation</a:t>
+            </a:r>
+            <a:r>
+              <a:rPr lang="en-GB" dirty="0"/>
+              <a:t>, </a:t>
+            </a:r>
+            <a:br>
+              <a:rPr lang="en-GB" dirty="0"/>
+            </a:br>
+            <a:r>
+              <a:rPr lang="en-GB" dirty="0" err="1"/>
+              <a:t>CairoDock</a:t>
+            </a:r>
+            <a:r>
+              <a:rPr lang="en-GB" dirty="0"/>
+              <a:t>, and more…</a:t>
+            </a:r>
+          </a:p>
+          <a:p>
+            <a:pPr lvl="1">
+              <a:lnSpc>
+                <a:spcPct val="100000"/>
+              </a:lnSpc>
+            </a:pPr>
+            <a:endParaRPr lang="en-US" dirty="0"/>
+          </a:p>
+          <a:p>
+            <a:pPr lvl="1">
+              <a:lnSpc>
+                <a:spcPct val="100000"/>
+              </a:lnSpc>
+            </a:pPr>
+            <a:endParaRPr lang="en-US" dirty="0"/>
+          </a:p>
+        </p:txBody>
+      </p:sp>
+      <p:sp>
+        <p:nvSpPr>
+          <p:cNvPr id="4" name="Title 3"/>
+          <p:cNvSpPr>
+            <a:spLocks noGrp="1"/>
+          </p:cNvSpPr>
+          <p:nvPr>
+            <p:ph type="title"/>
+          </p:nvPr>
+        </p:nvSpPr>
+        <p:spPr/>
+        <p:txBody>
+          <a:bodyPr/>
+          <a:lstStyle/>
+          <a:p>
+            <a:r>
+              <a:rPr lang="en-US" dirty="0"/>
+              <a:t>Docker Tools</a:t>
+            </a:r>
+          </a:p>
+        </p:txBody>
+      </p:sp>
+    </p:spTree>
+    <p:extLst>
+      <p:ext uri="{BB962C8B-B14F-4D97-AF65-F5344CB8AC3E}">
+        <p14:creationId xmlns:p14="http://schemas.microsoft.com/office/powerpoint/2010/main" val="896969366"/>
+      </p:ext>
+    </p:extLst>
+  </p:cSld>
+  <p:clrMapOvr>
+    <a:masterClrMapping/>
+  </p:clrMapOvr>
+</p:sld>
+</file>
+
+<file path=ppt/slides/slide27.xml><?xml version="1.0" encoding="utf-8"?>
+<p:sld xmlns:a="http://schemas.openxmlformats.org/drawingml/2006/main" xmlns:r="http://schemas.openxmlformats.org/officeDocument/2006/relationships" xmlns:p="http://schemas.openxmlformats.org/presentationml/2006/main">
+  <p:cSld>
+    <p:spTree>
+      <p:nvGrpSpPr>
+        <p:cNvPr id="1" name=""/>
+        <p:cNvGrpSpPr/>
+        <p:nvPr/>
+      </p:nvGrpSpPr>
+      <p:grpSpPr>
+        <a:xfrm>
+          <a:off x="0" y="0"/>
+          <a:ext cx="0" cy="0"/>
+          <a:chOff x="0" y="0"/>
+          <a:chExt cx="0" cy="0"/>
+        </a:xfrm>
+      </p:grpSpPr>
+      <p:sp>
+        <p:nvSpPr>
+          <p:cNvPr id="7" name="Slide Number Placeholder 3"/>
+          <p:cNvSpPr>
+            <a:spLocks noGrp="1"/>
+          </p:cNvSpPr>
+          <p:nvPr>
+            <p:ph type="sldNum" sz="quarter" idx="4294967295"/>
+          </p:nvPr>
+        </p:nvSpPr>
+        <p:spPr>
+          <a:xfrm>
+            <a:off x="11568000" y="6525003"/>
+            <a:ext cx="428822" cy="196477"/>
+          </a:xfrm>
+          <a:prstGeom prst="rect">
+            <a:avLst/>
+          </a:prstGeom>
+        </p:spPr>
+        <p:txBody>
+          <a:bodyPr/>
+          <a:lstStyle/>
+          <a:p>
+            <a:pPr>
+              <a:defRPr/>
+            </a:pPr>
+            <a:fld id="{58452FF4-89E3-4D1B-9927-2DBDC00E58D7}" type="slidenum">
+              <a:rPr lang="en-US" smtClean="0"/>
+              <a:pPr>
+                <a:defRPr/>
+              </a:pPr>
+              <a:t>27</a:t>
             </a:fld>
             <a:endParaRPr lang="en-US" dirty="0"/>
           </a:p>
